--- a/受控文档/00-PPT/PRD2018-G11-UML图 （完成）.pptx
+++ b/受控文档/00-PPT/PRD2018-G11-UML图 （完成）.pptx
@@ -5,10 +5,10 @@
     <p:sldMasterId id="2147483648" r:id="rId1"/>
   </p:sldMasterIdLst>
   <p:notesMasterIdLst>
-    <p:notesMasterId r:id="rId41"/>
+    <p:notesMasterId r:id="rId42"/>
   </p:notesMasterIdLst>
   <p:handoutMasterIdLst>
-    <p:handoutMasterId r:id="rId42"/>
+    <p:handoutMasterId r:id="rId43"/>
   </p:handoutMasterIdLst>
   <p:sldIdLst>
     <p:sldId id="370" r:id="rId2"/>
@@ -47,9 +47,10 @@
     <p:sldId id="566" r:id="rId35"/>
     <p:sldId id="582" r:id="rId36"/>
     <p:sldId id="583" r:id="rId37"/>
-    <p:sldId id="455" r:id="rId38"/>
-    <p:sldId id="532" r:id="rId39"/>
-    <p:sldId id="436" r:id="rId40"/>
+    <p:sldId id="591" r:id="rId38"/>
+    <p:sldId id="455" r:id="rId39"/>
+    <p:sldId id="532" r:id="rId40"/>
+    <p:sldId id="436" r:id="rId41"/>
   </p:sldIdLst>
   <p:sldSz cx="12190413" cy="6859588"/>
   <p:notesSz cx="6858000" cy="9144000"/>
@@ -150,7 +151,7 @@
   </p:defaultTextStyle>
   <p:extLst>
     <p:ext uri="{EFAFB233-063F-42B5-8137-9DF3F51BA10A}">
-      <p15:sldGuideLst xmlns:p15="http://schemas.microsoft.com/office/powerpoint/2012/main" xmlns="">
+      <p15:sldGuideLst xmlns="" xmlns:p15="http://schemas.microsoft.com/office/powerpoint/2012/main">
         <p15:guide id="1" orient="horz" pos="2160">
           <p15:clr>
             <a:srgbClr val="A4A3A4"/>
@@ -179,7 +180,7 @@
       </p15:sldGuideLst>
     </p:ext>
     <p:ext uri="{2D200454-40CA-4A62-9FC3-DE9A4176ACB9}">
-      <p15:notesGuideLst xmlns:p15="http://schemas.microsoft.com/office/powerpoint/2012/main" xmlns="">
+      <p15:notesGuideLst xmlns="" xmlns:p15="http://schemas.microsoft.com/office/powerpoint/2012/main">
         <p15:guide id="1" orient="horz" pos="2880">
           <p15:clr>
             <a:srgbClr val="A4A3A4"/>
@@ -278,7 +279,7 @@
           <a:p>
             <a:fld id="{5D1C15E6-6BD2-4E4B-B1D4-218C26E1B228}" type="datetimeFigureOut">
               <a:rPr lang="zh-CN" altLang="en-US" smtClean="0"/>
-              <a:t>2018/10/28</a:t>
+              <a:t>2018/10/31</a:t>
             </a:fld>
             <a:endParaRPr lang="zh-CN" altLang="en-US"/>
           </a:p>
@@ -443,7 +444,7 @@
           <a:p>
             <a:fld id="{0B17430C-5A66-4BD0-A971-34190B6C6019}" type="datetimeFigureOut">
               <a:rPr lang="zh-CN" altLang="en-US" smtClean="0"/>
-              <a:t>2018/10/28</a:t>
+              <a:t>2018/10/31</a:t>
             </a:fld>
             <a:endParaRPr lang="zh-CN" altLang="en-US"/>
           </a:p>
@@ -933,10 +934,19 @@
           <a:lstStyle/>
           <a:p>
             <a:fld id="{74AC173A-3DA8-4893-B28A-1E15F55C330A}" type="slidenum">
-              <a:rPr lang="zh-CN" altLang="en-US" smtClean="0"/>
+              <a:rPr lang="zh-CN" altLang="en-US" smtClean="0">
+                <a:solidFill>
+                  <a:prstClr val="black"/>
+                </a:solidFill>
+              </a:rPr>
+              <a:pPr/>
               <a:t>37</a:t>
             </a:fld>
-            <a:endParaRPr lang="zh-CN" altLang="en-US"/>
+            <a:endParaRPr lang="zh-CN" altLang="en-US">
+              <a:solidFill>
+                <a:prstClr val="black"/>
+              </a:solidFill>
+            </a:endParaRPr>
           </a:p>
         </p:txBody>
       </p:sp>
@@ -1093,6 +1103,85 @@
             <a:fld id="{74AC173A-3DA8-4893-B28A-1E15F55C330A}" type="slidenum">
               <a:rPr lang="zh-CN" altLang="en-US" smtClean="0"/>
               <a:t>39</a:t>
+            </a:fld>
+            <a:endParaRPr lang="zh-CN" altLang="en-US"/>
+          </a:p>
+        </p:txBody>
+      </p:sp>
+    </p:spTree>
+  </p:cSld>
+  <p:clrMapOvr>
+    <a:masterClrMapping/>
+  </p:clrMapOvr>
+</p:notes>
+</file>
+
+<file path=ppt/notesSlides/notesSlide6.xml><?xml version="1.0" encoding="utf-8"?>
+<p:notes xmlns:a="http://schemas.openxmlformats.org/drawingml/2006/main" xmlns:r="http://schemas.openxmlformats.org/officeDocument/2006/relationships" xmlns:p="http://schemas.openxmlformats.org/presentationml/2006/main">
+  <p:cSld>
+    <p:spTree>
+      <p:nvGrpSpPr>
+        <p:cNvPr id="1" name=""/>
+        <p:cNvGrpSpPr/>
+        <p:nvPr/>
+      </p:nvGrpSpPr>
+      <p:grpSpPr>
+        <a:xfrm>
+          <a:off x="0" y="0"/>
+          <a:ext cx="0" cy="0"/>
+          <a:chOff x="0" y="0"/>
+          <a:chExt cx="0" cy="0"/>
+        </a:xfrm>
+      </p:grpSpPr>
+      <p:sp>
+        <p:nvSpPr>
+          <p:cNvPr id="2" name="幻灯片图像占位符 1"/>
+          <p:cNvSpPr>
+            <a:spLocks noGrp="1" noRot="1" noChangeAspect="1"/>
+          </p:cNvSpPr>
+          <p:nvPr>
+            <p:ph type="sldImg"/>
+          </p:nvPr>
+        </p:nvSpPr>
+        <p:spPr/>
+      </p:sp>
+      <p:sp>
+        <p:nvSpPr>
+          <p:cNvPr id="3" name="备注占位符 2"/>
+          <p:cNvSpPr>
+            <a:spLocks noGrp="1"/>
+          </p:cNvSpPr>
+          <p:nvPr>
+            <p:ph type="body" idx="1"/>
+          </p:nvPr>
+        </p:nvSpPr>
+        <p:spPr/>
+        <p:txBody>
+          <a:bodyPr/>
+          <a:lstStyle/>
+          <a:p>
+            <a:endParaRPr lang="zh-CN" altLang="en-US"/>
+          </a:p>
+        </p:txBody>
+      </p:sp>
+      <p:sp>
+        <p:nvSpPr>
+          <p:cNvPr id="4" name="灯片编号占位符 3"/>
+          <p:cNvSpPr>
+            <a:spLocks noGrp="1"/>
+          </p:cNvSpPr>
+          <p:nvPr>
+            <p:ph type="sldNum" sz="quarter" idx="10"/>
+          </p:nvPr>
+        </p:nvSpPr>
+        <p:spPr/>
+        <p:txBody>
+          <a:bodyPr/>
+          <a:lstStyle/>
+          <a:p>
+            <a:fld id="{74AC173A-3DA8-4893-B28A-1E15F55C330A}" type="slidenum">
+              <a:rPr lang="zh-CN" altLang="en-US" smtClean="0"/>
+              <a:t>40</a:t>
             </a:fld>
             <a:endParaRPr lang="zh-CN" altLang="en-US"/>
           </a:p>
@@ -2234,7 +2323,7 @@
           <a:p>
             <a:fld id="{530820CF-B880-4189-942D-D702A7CBA730}" type="datetimeFigureOut">
               <a:rPr lang="zh-CN" altLang="en-US" smtClean="0"/>
-              <a:t>2018/10/28</a:t>
+              <a:t>2018/10/31</a:t>
             </a:fld>
             <a:endParaRPr lang="zh-CN" altLang="en-US"/>
           </a:p>
@@ -2351,7 +2440,7 @@
           <a:p>
             <a:fld id="{530820CF-B880-4189-942D-D702A7CBA730}" type="datetimeFigureOut">
               <a:rPr lang="zh-CN" altLang="en-US" smtClean="0"/>
-              <a:t>2018/10/28</a:t>
+              <a:t>2018/10/31</a:t>
             </a:fld>
             <a:endParaRPr lang="zh-CN" altLang="en-US"/>
           </a:p>
@@ -3246,8 +3335,8 @@
         </p:nvSpPr>
         <p:spPr>
           <a:xfrm>
-            <a:off x="3663094" y="4778722"/>
-            <a:ext cx="2552267" cy="384705"/>
+            <a:off x="3784922" y="4778722"/>
+            <a:ext cx="2308610" cy="384705"/>
           </a:xfrm>
           <a:prstGeom prst="rect">
             <a:avLst/>
@@ -3262,7 +3351,7 @@
           <a:p>
             <a:pPr algn="ctr"/>
             <a:r>
-              <a:rPr lang="en-US" altLang="zh-CN" sz="1900" dirty="0">
+              <a:rPr lang="en-US" altLang="zh-CN" sz="1900" dirty="0" smtClean="0">
                 <a:solidFill>
                   <a:schemeClr val="tx1">
                     <a:lumMod val="85000"/>
@@ -3288,20 +3377,7 @@
               <a:t>2018</a:t>
             </a:r>
             <a:r>
-              <a:rPr lang="zh-CN" altLang="en-US" sz="1900" dirty="0">
-                <a:solidFill>
-                  <a:schemeClr val="tx1">
-                    <a:lumMod val="85000"/>
-                    <a:lumOff val="15000"/>
-                  </a:schemeClr>
-                </a:solidFill>
-                <a:latin typeface="微软雅黑" panose="020B0503020204020204" pitchFamily="34" charset="-122"/>
-                <a:ea typeface="微软雅黑" panose="020B0503020204020204" pitchFamily="34" charset="-122"/>
-              </a:rPr>
-              <a:t>秋</a:t>
-            </a:r>
-            <a:r>
-              <a:rPr lang="en-US" altLang="zh-CN" sz="1900" smtClean="0">
+              <a:rPr lang="en-US" altLang="zh-CN" sz="1900" dirty="0" smtClean="0">
                 <a:solidFill>
                   <a:schemeClr val="tx1">
                     <a:lumMod val="85000"/>
@@ -3314,7 +3390,7 @@
               <a:t>-</a:t>
             </a:r>
             <a:r>
-              <a:rPr lang="en-US" sz="1900" smtClean="0">
+              <a:rPr lang="en-US" sz="1900" dirty="0" smtClean="0">
                 <a:solidFill>
                   <a:schemeClr val="tx1">
                     <a:lumMod val="85000"/>
@@ -3327,7 +3403,7 @@
               <a:t>G11</a:t>
             </a:r>
             <a:r>
-              <a:rPr lang="zh-CN" altLang="en-US" sz="1900" smtClean="0">
+              <a:rPr lang="zh-CN" altLang="en-US" sz="1900" dirty="0" smtClean="0">
                 <a:solidFill>
                   <a:schemeClr val="tx1">
                     <a:lumMod val="85000"/>
@@ -3360,8 +3436,8 @@
         </p:nvSpPr>
         <p:spPr>
           <a:xfrm>
-            <a:off x="6287332" y="4778722"/>
-            <a:ext cx="2038350" cy="382270"/>
+            <a:off x="6278037" y="4778722"/>
+            <a:ext cx="2056940" cy="384705"/>
           </a:xfrm>
           <a:prstGeom prst="rect">
             <a:avLst/>
@@ -3438,7 +3514,7 @@
                 <a:latin typeface="微软雅黑" panose="020B0503020204020204" pitchFamily="34" charset="-122"/>
                 <a:ea typeface="微软雅黑" panose="020B0503020204020204" pitchFamily="34" charset="-122"/>
               </a:rPr>
-              <a:t>27</a:t>
+              <a:t>31</a:t>
             </a:r>
             <a:r>
               <a:rPr lang="zh-CN" altLang="en-US" sz="1900" dirty="0" smtClean="0">
@@ -15685,7 +15761,6 @@
               <a:rPr lang="en-US" sz="2400" dirty="0"/>
               <a:t>5</a:t>
             </a:r>
-            <a:endParaRPr lang="en-US" sz="2400" dirty="0"/>
           </a:p>
         </p:txBody>
       </p:sp>
@@ -16379,7 +16454,6 @@
               <a:rPr lang="en-US" sz="2400" dirty="0"/>
               <a:t>5</a:t>
             </a:r>
-            <a:endParaRPr lang="en-US" sz="2400" dirty="0"/>
           </a:p>
         </p:txBody>
       </p:sp>
@@ -17024,7 +17098,6 @@
               <a:rPr lang="en-US" sz="2400" dirty="0"/>
               <a:t>5</a:t>
             </a:r>
-            <a:endParaRPr lang="en-US" sz="2400" dirty="0"/>
           </a:p>
         </p:txBody>
       </p:sp>
@@ -17090,17 +17163,7 @@
                 <a:latin typeface="微软雅黑" panose="020B0503020204020204" pitchFamily="34" charset="-122"/>
                 <a:ea typeface="微软雅黑" panose="020B0503020204020204" pitchFamily="34" charset="-122"/>
               </a:rPr>
-              <a:t>状态机</a:t>
-            </a:r>
-            <a:r>
-              <a:rPr lang="zh-CN" altLang="en-US" sz="2665" dirty="0" smtClean="0">
-                <a:solidFill>
-                  <a:srgbClr val="183A5D"/>
-                </a:solidFill>
-                <a:latin typeface="微软雅黑" panose="020B0503020204020204" pitchFamily="34" charset="-122"/>
-                <a:ea typeface="微软雅黑" panose="020B0503020204020204" pitchFamily="34" charset="-122"/>
-              </a:rPr>
-              <a:t>图</a:t>
+              <a:t>状态机图</a:t>
             </a:r>
             <a:endParaRPr lang="zh-CN" sz="2665" dirty="0">
               <a:solidFill>
@@ -17589,7 +17652,6 @@
               <a:rPr lang="en-US" sz="2400" dirty="0"/>
               <a:t>5</a:t>
             </a:r>
-            <a:endParaRPr lang="en-US" sz="2400" dirty="0"/>
           </a:p>
         </p:txBody>
       </p:sp>
@@ -18543,7 +18605,6 @@
               <a:rPr lang="en-US" sz="2400" dirty="0"/>
               <a:t>5</a:t>
             </a:r>
-            <a:endParaRPr lang="en-US" sz="2400" dirty="0"/>
           </a:p>
         </p:txBody>
       </p:sp>
@@ -18682,16 +18743,7 @@
                   </a:solidFill>
                   <a:latin typeface="Verdana" panose="020B0604030504040204" pitchFamily="34" charset="0"/>
                 </a:rPr>
-                <a:t>、</a:t>
-              </a:r>
-              <a:r>
-                <a:rPr lang="zh-CN" altLang="en-US" dirty="0" smtClean="0">
-                  <a:solidFill>
-                    <a:srgbClr val="000000"/>
-                  </a:solidFill>
-                  <a:latin typeface="Verdana" panose="020B0604030504040204" pitchFamily="34" charset="0"/>
-                </a:rPr>
-                <a:t>分岔和汇合</a:t>
+                <a:t>、分岔和汇合</a:t>
               </a:r>
               <a:endParaRPr lang="en-US" altLang="zh-CN" dirty="0" smtClean="0">
                 <a:solidFill>
@@ -21860,7 +21912,11 @@
           <a:lstStyle/>
           <a:p>
             <a:pPr algn="ctr"/>
-            <a:endParaRPr lang="zh-CN" altLang="en-US"/>
+            <a:endParaRPr lang="zh-CN" altLang="en-US">
+              <a:solidFill>
+                <a:prstClr val="black"/>
+              </a:solidFill>
+            </a:endParaRPr>
           </a:p>
         </p:txBody>
       </p:sp>
@@ -21890,347 +21946,133 @@
               <a:defRPr/>
             </a:pPr>
             <a:r>
-              <a:rPr lang="zh-CN" altLang="en-US" sz="3200" b="1" dirty="0" smtClean="0">
+              <a:rPr lang="zh-CN" altLang="en-US" sz="3200" b="1" dirty="0">
                 <a:solidFill>
-                  <a:schemeClr val="bg1"/>
+                  <a:prstClr val="white"/>
                 </a:solidFill>
                 <a:latin typeface="微软雅黑" panose="020B0503020204020204" pitchFamily="34" charset="-122"/>
                 <a:ea typeface="微软雅黑" panose="020B0503020204020204" pitchFamily="34" charset="-122"/>
               </a:rPr>
-              <a:t>参考文献</a:t>
+              <a:t>提问</a:t>
             </a:r>
-            <a:endParaRPr lang="zh-CN" sz="3200" b="1" dirty="0">
-              <a:solidFill>
-                <a:schemeClr val="bg1"/>
-              </a:solidFill>
-              <a:latin typeface="微软雅黑" panose="020B0503020204020204" pitchFamily="34" charset="-122"/>
-              <a:ea typeface="微软雅黑" panose="020B0503020204020204" pitchFamily="34" charset="-122"/>
-            </a:endParaRPr>
           </a:p>
         </p:txBody>
       </p:sp>
-      <p:graphicFrame>
-        <p:nvGraphicFramePr>
-          <p:cNvPr id="3" name="表格 2"/>
-          <p:cNvGraphicFramePr/>
+      <p:sp>
+        <p:nvSpPr>
+          <p:cNvPr id="2" name="TextBox 1"/>
+          <p:cNvSpPr txBox="1"/>
           <p:nvPr/>
-        </p:nvGraphicFramePr>
-        <p:xfrm>
-          <a:off x="3934967" y="1629594"/>
-          <a:ext cx="6984474" cy="2606040"/>
-        </p:xfrm>
-        <a:graphic>
-          <a:graphicData uri="http://schemas.openxmlformats.org/drawingml/2006/table">
-            <a:tbl>
-              <a:tblPr firstRow="1" bandRow="1">
-                <a:tableStyleId>{5C22544A-7EE6-4342-B048-85BDC9FD1C3A}</a:tableStyleId>
-              </a:tblPr>
-              <a:tblGrid>
-                <a:gridCol w="2738864">
-                  <a:extLst>
-                    <a:ext uri="{9D8B030D-6E8A-4147-A177-3AD203B41FA5}">
-                      <a16:colId xmlns:a16="http://schemas.microsoft.com/office/drawing/2014/main" xmlns="" val="20000"/>
-                    </a:ext>
-                  </a:extLst>
-                </a:gridCol>
-                <a:gridCol w="4245610">
-                  <a:extLst>
-                    <a:ext uri="{9D8B030D-6E8A-4147-A177-3AD203B41FA5}">
-                      <a16:colId xmlns:a16="http://schemas.microsoft.com/office/drawing/2014/main" xmlns="" val="20001"/>
-                    </a:ext>
-                  </a:extLst>
-                </a:gridCol>
-              </a:tblGrid>
-              <a:tr h="1322630">
-                <a:tc>
-                  <a:txBody>
-                    <a:bodyPr/>
-                    <a:lstStyle/>
-                    <a:p>
-                      <a:pPr marL="0" marR="0" indent="0" algn="l" defTabSz="1088390" rtl="0" eaLnBrk="1" fontAlgn="auto" latinLnBrk="0" hangingPunct="1">
-                        <a:lnSpc>
-                          <a:spcPct val="100000"/>
-                        </a:lnSpc>
-                        <a:spcBef>
-                          <a:spcPts val="0"/>
-                        </a:spcBef>
-                        <a:spcAft>
-                          <a:spcPts val="0"/>
-                        </a:spcAft>
-                        <a:buClrTx/>
-                        <a:buSzTx/>
-                        <a:buFontTx/>
-                        <a:buNone/>
-                        <a:defRPr/>
-                      </a:pPr>
-                      <a:r>
-                        <a:rPr sz="2400" b="0" dirty="0" smtClean="0">
-                          <a:solidFill>
-                            <a:schemeClr val="tx1"/>
-                          </a:solidFill>
-                        </a:rPr>
-                        <a:t>UML用户指南（第2版·修订版）</a:t>
-                      </a:r>
-                    </a:p>
-                    <a:p>
-                      <a:pPr algn="l">
-                        <a:buNone/>
-                      </a:pPr>
-                      <a:endParaRPr lang="zh-CN" altLang="en-US" b="0" dirty="0">
-                        <a:solidFill>
-                          <a:schemeClr val="tx1"/>
-                        </a:solidFill>
-                      </a:endParaRPr>
-                    </a:p>
-                  </a:txBody>
-                  <a:tcPr>
-                    <a:solidFill>
-                      <a:schemeClr val="accent1">
-                        <a:lumMod val="40000"/>
-                        <a:lumOff val="60000"/>
-                      </a:schemeClr>
-                    </a:solidFill>
-                  </a:tcPr>
-                </a:tc>
-                <a:tc>
-                  <a:txBody>
-                    <a:bodyPr/>
-                    <a:lstStyle/>
-                    <a:p>
-                      <a:pPr algn="l"/>
-                      <a:r>
-                        <a:rPr lang="zh-CN" altLang="en-US" sz="2400" b="0" dirty="0" smtClean="0">
-                          <a:solidFill>
-                            <a:schemeClr val="tx1"/>
-                          </a:solidFill>
-                        </a:rPr>
-                        <a:t>作者</a:t>
-                      </a:r>
-                      <a:r>
-                        <a:rPr lang="en-US" altLang="zh-CN" sz="2400" b="0" dirty="0" smtClean="0">
-                          <a:solidFill>
-                            <a:schemeClr val="tx1"/>
-                          </a:solidFill>
-                        </a:rPr>
-                        <a:t>:Grady Booch</a:t>
-                      </a:r>
-                      <a:r>
-                        <a:rPr lang="zh-CN" altLang="en-US" sz="2400" b="0" dirty="0" smtClean="0">
-                          <a:solidFill>
-                            <a:schemeClr val="tx1"/>
-                          </a:solidFill>
-                        </a:rPr>
-                        <a:t>、</a:t>
-                      </a:r>
-                      <a:r>
-                        <a:rPr lang="en-US" altLang="zh-CN" sz="2400" b="0" dirty="0" smtClean="0">
-                          <a:solidFill>
-                            <a:schemeClr val="tx1"/>
-                          </a:solidFill>
-                        </a:rPr>
-                        <a:t> James Rumbaugh </a:t>
-                      </a:r>
-                      <a:r>
-                        <a:rPr lang="zh-CN" altLang="en-US" sz="2400" b="0" dirty="0" smtClean="0">
-                          <a:solidFill>
-                            <a:schemeClr val="tx1"/>
-                          </a:solidFill>
-                        </a:rPr>
-                        <a:t>、</a:t>
-                      </a:r>
-                      <a:r>
-                        <a:rPr lang="en-US" altLang="zh-CN" sz="2400" b="0" dirty="0" smtClean="0">
-                          <a:solidFill>
-                            <a:schemeClr val="tx1"/>
-                          </a:solidFill>
-                        </a:rPr>
-                        <a:t>Ivar Jacobson</a:t>
-                      </a:r>
-                    </a:p>
-                    <a:p>
-                      <a:pPr algn="l"/>
-                      <a:r>
-                        <a:rPr lang="zh-CN" altLang="en-US" sz="2400" b="0" dirty="0" smtClean="0">
-                          <a:solidFill>
-                            <a:schemeClr val="tx1"/>
-                          </a:solidFill>
-                        </a:rPr>
-                        <a:t>人民邮电出版社</a:t>
-                      </a:r>
-                      <a:endParaRPr lang="en-US" altLang="zh-CN" sz="2400" b="0" dirty="0" smtClean="0">
-                        <a:solidFill>
-                          <a:schemeClr val="tx1"/>
-                        </a:solidFill>
-                      </a:endParaRPr>
-                    </a:p>
-                    <a:p>
-                      <a:pPr algn="l"/>
-                      <a:r>
-                        <a:rPr lang="en-US" altLang="zh-CN" sz="2400" b="0" dirty="0" smtClean="0">
-                          <a:solidFill>
-                            <a:schemeClr val="tx1"/>
-                          </a:solidFill>
-                        </a:rPr>
-                        <a:t>2013</a:t>
-                      </a:r>
-                      <a:r>
-                        <a:rPr lang="zh-CN" altLang="en-US" sz="2400" b="0" dirty="0" smtClean="0">
-                          <a:solidFill>
-                            <a:schemeClr val="tx1"/>
-                          </a:solidFill>
-                        </a:rPr>
-                        <a:t>年</a:t>
-                      </a:r>
-                      <a:r>
-                        <a:rPr lang="en-US" altLang="zh-CN" sz="2400" b="0" dirty="0" smtClean="0">
-                          <a:solidFill>
-                            <a:schemeClr val="tx1"/>
-                          </a:solidFill>
-                        </a:rPr>
-                        <a:t>1</a:t>
-                      </a:r>
-                      <a:r>
-                        <a:rPr lang="zh-CN" altLang="en-US" sz="2400" b="0" dirty="0" smtClean="0">
-                          <a:solidFill>
-                            <a:schemeClr val="tx1"/>
-                          </a:solidFill>
-                        </a:rPr>
-                        <a:t>月第</a:t>
-                      </a:r>
-                      <a:r>
-                        <a:rPr lang="en-US" altLang="zh-CN" sz="2400" b="0" dirty="0" smtClean="0">
-                          <a:solidFill>
-                            <a:schemeClr val="tx1"/>
-                          </a:solidFill>
-                        </a:rPr>
-                        <a:t>1</a:t>
-                      </a:r>
-                      <a:r>
-                        <a:rPr lang="zh-CN" altLang="en-US" sz="2400" b="0" dirty="0" smtClean="0">
-                          <a:solidFill>
-                            <a:schemeClr val="tx1"/>
-                          </a:solidFill>
-                        </a:rPr>
-                        <a:t>版</a:t>
-                      </a:r>
-                    </a:p>
-                  </a:txBody>
-                  <a:tcPr>
-                    <a:solidFill>
-                      <a:schemeClr val="accent1">
-                        <a:lumMod val="40000"/>
-                        <a:lumOff val="60000"/>
-                      </a:schemeClr>
-                    </a:solidFill>
-                  </a:tcPr>
-                </a:tc>
-                <a:extLst>
-                  <a:ext uri="{0D108BD9-81ED-4DB2-BD59-A6C34878D82A}">
-                    <a16:rowId xmlns:a16="http://schemas.microsoft.com/office/drawing/2014/main" xmlns="" val="10000"/>
-                  </a:ext>
-                </a:extLst>
-              </a:tr>
-              <a:tr h="894720">
-                <a:tc>
-                  <a:txBody>
-                    <a:bodyPr/>
-                    <a:lstStyle/>
-                    <a:p>
-                      <a:pPr algn="l">
-                        <a:buNone/>
-                      </a:pPr>
-                      <a:r>
-                        <a:rPr dirty="0" smtClean="0">
-                          <a:solidFill>
-                            <a:schemeClr val="tx1"/>
-                          </a:solidFill>
-                        </a:rPr>
-                        <a:t>UML2基础、建模与设计教程</a:t>
-                      </a:r>
-                    </a:p>
-                  </a:txBody>
-                  <a:tcPr/>
-                </a:tc>
-                <a:tc>
-                  <a:txBody>
-                    <a:bodyPr/>
-                    <a:lstStyle/>
-                    <a:p>
-                      <a:pPr algn="l">
-                        <a:buNone/>
-                      </a:pPr>
-                      <a:r>
-                        <a:rPr lang="zh-CN" altLang="en-US" dirty="0" smtClean="0">
-                          <a:solidFill>
-                            <a:schemeClr val="tx1"/>
-                          </a:solidFill>
-                        </a:rPr>
-                        <a:t>作者：杨弘平 等</a:t>
-                      </a:r>
-                      <a:endParaRPr lang="en-US" altLang="zh-CN" baseline="0" dirty="0" smtClean="0">
-                        <a:solidFill>
-                          <a:schemeClr val="tx1"/>
-                        </a:solidFill>
-                      </a:endParaRPr>
-                    </a:p>
-                    <a:p>
-                      <a:pPr algn="l">
-                        <a:buNone/>
-                      </a:pPr>
-                      <a:r>
-                        <a:rPr lang="zh-CN" altLang="en-US" baseline="0" dirty="0" smtClean="0">
-                          <a:solidFill>
-                            <a:schemeClr val="tx1"/>
-                          </a:solidFill>
-                        </a:rPr>
-                        <a:t>清华大学出版社</a:t>
-                      </a:r>
-                      <a:endParaRPr lang="en-US" altLang="zh-CN" baseline="0" dirty="0" smtClean="0">
-                        <a:solidFill>
-                          <a:schemeClr val="tx1"/>
-                        </a:solidFill>
-                      </a:endParaRPr>
-                    </a:p>
-                    <a:p>
-                      <a:pPr algn="l">
-                        <a:buNone/>
-                      </a:pPr>
-                      <a:r>
-                        <a:rPr lang="en-US" altLang="zh-CN" baseline="0" dirty="0" smtClean="0">
-                          <a:solidFill>
-                            <a:schemeClr val="tx1"/>
-                          </a:solidFill>
-                        </a:rPr>
-                        <a:t>2015</a:t>
-                      </a:r>
-                      <a:r>
-                        <a:rPr lang="zh-CN" altLang="en-US" baseline="0" dirty="0" smtClean="0">
-                          <a:solidFill>
-                            <a:schemeClr val="tx1"/>
-                          </a:solidFill>
-                        </a:rPr>
-                        <a:t>年</a:t>
-                      </a:r>
-                      <a:endParaRPr lang="en-US" altLang="zh-CN" dirty="0" smtClean="0">
-                        <a:solidFill>
-                          <a:schemeClr val="tx1"/>
-                        </a:solidFill>
-                      </a:endParaRPr>
-                    </a:p>
-                  </a:txBody>
-                  <a:tcPr/>
-                </a:tc>
-                <a:extLst>
-                  <a:ext uri="{0D108BD9-81ED-4DB2-BD59-A6C34878D82A}">
-                    <a16:rowId xmlns:a16="http://schemas.microsoft.com/office/drawing/2014/main" xmlns="" val="10001"/>
-                  </a:ext>
-                </a:extLst>
-              </a:tr>
-            </a:tbl>
-          </a:graphicData>
-        </a:graphic>
-      </p:graphicFrame>
+        </p:nvSpPr>
+        <p:spPr>
+          <a:xfrm>
+            <a:off x="4078982" y="1341562"/>
+            <a:ext cx="7416824" cy="1077218"/>
+          </a:xfrm>
+          <a:prstGeom prst="rect">
+            <a:avLst/>
+          </a:prstGeom>
+          <a:noFill/>
+        </p:spPr>
+        <p:txBody>
+          <a:bodyPr wrap="square" rtlCol="0">
+            <a:spAutoFit/>
+          </a:bodyPr>
+          <a:lstStyle/>
+          <a:p>
+            <a:r>
+              <a:rPr lang="en-US" altLang="zh-CN" sz="3200" dirty="0" smtClean="0"/>
+              <a:t>1.</a:t>
+            </a:r>
+            <a:r>
+              <a:rPr lang="zh-CN" altLang="en-US" sz="3200" dirty="0"/>
+              <a:t>顺序</a:t>
+            </a:r>
+            <a:r>
+              <a:rPr lang="zh-CN" altLang="en-US" sz="3200" dirty="0" smtClean="0"/>
+              <a:t>图中的消息分为四种，分别是哪四种</a:t>
+            </a:r>
+            <a:r>
+              <a:rPr lang="zh-CN" altLang="en-US" sz="2800" dirty="0"/>
+              <a:t>？</a:t>
+            </a:r>
+          </a:p>
+        </p:txBody>
+      </p:sp>
+      <p:sp>
+        <p:nvSpPr>
+          <p:cNvPr id="4" name="TextBox 3"/>
+          <p:cNvSpPr txBox="1"/>
+          <p:nvPr/>
+        </p:nvSpPr>
+        <p:spPr>
+          <a:xfrm>
+            <a:off x="4056957" y="2997948"/>
+            <a:ext cx="5400600" cy="1077218"/>
+          </a:xfrm>
+          <a:prstGeom prst="rect">
+            <a:avLst/>
+          </a:prstGeom>
+          <a:noFill/>
+        </p:spPr>
+        <p:txBody>
+          <a:bodyPr wrap="square" rtlCol="0">
+            <a:spAutoFit/>
+          </a:bodyPr>
+          <a:lstStyle/>
+          <a:p>
+            <a:r>
+              <a:rPr lang="en-US" altLang="zh-CN" sz="3200" dirty="0" smtClean="0"/>
+              <a:t>2.</a:t>
+            </a:r>
+            <a:r>
+              <a:rPr lang="zh-CN" altLang="en-US" sz="3200" dirty="0" smtClean="0"/>
+              <a:t>类图中关联关系的组合关系是什么？请用自己的话描述。</a:t>
+            </a:r>
+            <a:endParaRPr lang="zh-CN" altLang="en-US" sz="3200" dirty="0"/>
+          </a:p>
+        </p:txBody>
+      </p:sp>
+      <p:sp>
+        <p:nvSpPr>
+          <p:cNvPr id="5" name="TextBox 4"/>
+          <p:cNvSpPr txBox="1"/>
+          <p:nvPr/>
+        </p:nvSpPr>
+        <p:spPr>
+          <a:xfrm>
+            <a:off x="4078982" y="4725938"/>
+            <a:ext cx="7056784" cy="584775"/>
+          </a:xfrm>
+          <a:prstGeom prst="rect">
+            <a:avLst/>
+          </a:prstGeom>
+          <a:noFill/>
+        </p:spPr>
+        <p:txBody>
+          <a:bodyPr wrap="square" rtlCol="0">
+            <a:spAutoFit/>
+          </a:bodyPr>
+          <a:lstStyle/>
+          <a:p>
+            <a:r>
+              <a:rPr lang="en-US" altLang="zh-CN" sz="3200" dirty="0" smtClean="0"/>
+              <a:t>3.</a:t>
+            </a:r>
+            <a:r>
+              <a:rPr lang="zh-CN" altLang="en-US" sz="3200" dirty="0" smtClean="0"/>
+              <a:t>通信图的基本元素组成是什么？</a:t>
+            </a:r>
+            <a:endParaRPr lang="zh-CN" altLang="en-US" sz="3200" dirty="0"/>
+          </a:p>
+        </p:txBody>
+      </p:sp>
     </p:spTree>
+    <p:extLst>
+      <p:ext uri="{BB962C8B-B14F-4D97-AF65-F5344CB8AC3E}">
+        <p14:creationId xmlns:p14="http://schemas.microsoft.com/office/powerpoint/2010/main" val="1061810268"/>
+      </p:ext>
+    </p:extLst>
   </p:cSld>
   <p:clrMapOvr>
     <a:masterClrMapping/>
@@ -22592,8 +22434,8 @@
         </p:nvSpPr>
         <p:spPr>
           <a:xfrm>
-            <a:off x="311150" y="2922270"/>
-            <a:ext cx="2220595" cy="1106805"/>
+            <a:off x="-276651" y="2922512"/>
+            <a:ext cx="2808312" cy="614045"/>
           </a:xfrm>
           <a:prstGeom prst="rect">
             <a:avLst/>
@@ -22617,8 +22459,15 @@
                 <a:latin typeface="微软雅黑" panose="020B0503020204020204" pitchFamily="34" charset="-122"/>
                 <a:ea typeface="微软雅黑" panose="020B0503020204020204" pitchFamily="34" charset="-122"/>
               </a:rPr>
-              <a:t>绩效考评与分工</a:t>
+              <a:t>参考文献</a:t>
             </a:r>
+            <a:endParaRPr lang="zh-CN" sz="3200" b="1" dirty="0">
+              <a:solidFill>
+                <a:schemeClr val="bg1"/>
+              </a:solidFill>
+              <a:latin typeface="微软雅黑" panose="020B0503020204020204" pitchFamily="34" charset="-122"/>
+              <a:ea typeface="微软雅黑" panose="020B0503020204020204" pitchFamily="34" charset="-122"/>
+            </a:endParaRPr>
           </a:p>
         </p:txBody>
       </p:sp>
@@ -22629,8 +22478,8 @@
           <p:nvPr/>
         </p:nvGraphicFramePr>
         <p:xfrm>
-          <a:off x="3181985" y="459740"/>
-          <a:ext cx="7771130" cy="3717290"/>
+          <a:off x="3934967" y="1629594"/>
+          <a:ext cx="6984474" cy="2606040"/>
         </p:xfrm>
         <a:graphic>
           <a:graphicData uri="http://schemas.openxmlformats.org/drawingml/2006/table">
@@ -22639,63 +22488,57 @@
                 <a:tableStyleId>{5C22544A-7EE6-4342-B048-85BDC9FD1C3A}</a:tableStyleId>
               </a:tblPr>
               <a:tblGrid>
-                <a:gridCol w="1895475">
+                <a:gridCol w="2738864">
                   <a:extLst>
                     <a:ext uri="{9D8B030D-6E8A-4147-A177-3AD203B41FA5}">
-                      <a16:colId xmlns:a16="http://schemas.microsoft.com/office/drawing/2014/main" xmlns="" val="20000"/>
+                      <a16:colId xmlns="" xmlns:a16="http://schemas.microsoft.com/office/drawing/2014/main" val="20000"/>
                     </a:ext>
                   </a:extLst>
                 </a:gridCol>
-                <a:gridCol w="2937510">
+                <a:gridCol w="4245610">
                   <a:extLst>
                     <a:ext uri="{9D8B030D-6E8A-4147-A177-3AD203B41FA5}">
-                      <a16:colId xmlns:a16="http://schemas.microsoft.com/office/drawing/2014/main" xmlns="" val="20001"/>
-                    </a:ext>
-                  </a:extLst>
-                </a:gridCol>
-                <a:gridCol w="2938145">
-                  <a:extLst>
-                    <a:ext uri="{9D8B030D-6E8A-4147-A177-3AD203B41FA5}">
-                      <a16:colId xmlns:a16="http://schemas.microsoft.com/office/drawing/2014/main" xmlns="" val="20002"/>
+                      <a16:colId xmlns="" xmlns:a16="http://schemas.microsoft.com/office/drawing/2014/main" val="20001"/>
                     </a:ext>
                   </a:extLst>
                 </a:gridCol>
               </a:tblGrid>
-              <a:tr h="713740">
+              <a:tr h="1322630">
                 <a:tc>
                   <a:txBody>
                     <a:bodyPr/>
                     <a:lstStyle/>
                     <a:p>
-                      <a:pPr algn="l">
+                      <a:pPr marL="0" marR="0" indent="0" algn="l" defTabSz="1088390" rtl="0" eaLnBrk="1" fontAlgn="auto" latinLnBrk="0" hangingPunct="1">
+                        <a:lnSpc>
+                          <a:spcPct val="100000"/>
+                        </a:lnSpc>
+                        <a:spcBef>
+                          <a:spcPts val="0"/>
+                        </a:spcBef>
+                        <a:spcAft>
+                          <a:spcPts val="0"/>
+                        </a:spcAft>
+                        <a:buClrTx/>
+                        <a:buSzTx/>
+                        <a:buFontTx/>
                         <a:buNone/>
+                        <a:defRPr/>
                       </a:pPr>
                       <a:r>
-                        <a:rPr lang="zh-CN" altLang="en-US" b="0" dirty="0">
+                        <a:rPr sz="2400" b="0" dirty="0" smtClean="0">
                           <a:solidFill>
                             <a:schemeClr val="tx1"/>
                           </a:solidFill>
                         </a:rPr>
-                        <a:t>黄为波</a:t>
+                        <a:t>UML用户指南（第2版·修订版）</a:t>
                       </a:r>
                     </a:p>
-                  </a:txBody>
-                  <a:tcPr>
-                    <a:solidFill>
-                      <a:schemeClr val="accent1">
-                        <a:lumMod val="40000"/>
-                        <a:lumOff val="60000"/>
-                      </a:schemeClr>
-                    </a:solidFill>
-                  </a:tcPr>
-                </a:tc>
-                <a:tc>
-                  <a:txBody>
-                    <a:bodyPr/>
-                    <a:lstStyle/>
                     <a:p>
-                      <a:pPr algn="l"/>
-                      <a:endParaRPr lang="zh-CN" altLang="en-US" sz="2400" b="0" dirty="0" smtClean="0">
+                      <a:pPr algn="l">
+                        <a:buNone/>
+                      </a:pPr>
+                      <a:endParaRPr lang="zh-CN" altLang="en-US" b="0" dirty="0">
                         <a:solidFill>
                           <a:schemeClr val="tx1"/>
                         </a:solidFill>
@@ -22716,16 +22559,121 @@
                     <a:bodyPr/>
                     <a:lstStyle/>
                     <a:p>
-                      <a:pPr algn="l">
-                        <a:buNone/>
-                      </a:pPr>
+                      <a:pPr algn="l"/>
+                      <a:r>
+                        <a:rPr lang="zh-CN" altLang="en-US" sz="2400" b="0" dirty="0" smtClean="0">
+                          <a:solidFill>
+                            <a:schemeClr val="tx1"/>
+                          </a:solidFill>
+                        </a:rPr>
+                        <a:t>作者</a:t>
+                      </a:r>
                       <a:r>
                         <a:rPr lang="en-US" altLang="zh-CN" sz="2400" b="0" dirty="0" smtClean="0">
                           <a:solidFill>
                             <a:schemeClr val="tx1"/>
                           </a:solidFill>
                         </a:rPr>
-                        <a:t>9.4</a:t>
+                        <a:t>:Grady Booch</a:t>
+                      </a:r>
+                      <a:r>
+                        <a:rPr lang="zh-CN" altLang="en-US" sz="2400" b="0" dirty="0" smtClean="0">
+                          <a:solidFill>
+                            <a:schemeClr val="tx1"/>
+                          </a:solidFill>
+                        </a:rPr>
+                        <a:t>、</a:t>
+                      </a:r>
+                      <a:r>
+                        <a:rPr lang="en-US" altLang="zh-CN" sz="2400" b="0" dirty="0" smtClean="0">
+                          <a:solidFill>
+                            <a:schemeClr val="tx1"/>
+                          </a:solidFill>
+                        </a:rPr>
+                        <a:t> James Rumbaugh </a:t>
+                      </a:r>
+                      <a:r>
+                        <a:rPr lang="zh-CN" altLang="en-US" sz="2400" b="0" dirty="0" smtClean="0">
+                          <a:solidFill>
+                            <a:schemeClr val="tx1"/>
+                          </a:solidFill>
+                        </a:rPr>
+                        <a:t>、</a:t>
+                      </a:r>
+                      <a:r>
+                        <a:rPr lang="en-US" altLang="zh-CN" sz="2400" b="0" dirty="0" smtClean="0">
+                          <a:solidFill>
+                            <a:schemeClr val="tx1"/>
+                          </a:solidFill>
+                        </a:rPr>
+                        <a:t>Ivar Jacobson</a:t>
+                      </a:r>
+                    </a:p>
+                    <a:p>
+                      <a:pPr algn="l"/>
+                      <a:r>
+                        <a:rPr lang="zh-CN" altLang="en-US" sz="2400" b="0" dirty="0" smtClean="0">
+                          <a:solidFill>
+                            <a:schemeClr val="tx1"/>
+                          </a:solidFill>
+                        </a:rPr>
+                        <a:t>人民邮电出版社</a:t>
+                      </a:r>
+                      <a:endParaRPr lang="en-US" altLang="zh-CN" sz="2400" b="0" dirty="0" smtClean="0">
+                        <a:solidFill>
+                          <a:schemeClr val="tx1"/>
+                        </a:solidFill>
+                      </a:endParaRPr>
+                    </a:p>
+                    <a:p>
+                      <a:pPr algn="l"/>
+                      <a:r>
+                        <a:rPr lang="en-US" altLang="zh-CN" sz="2400" b="0" dirty="0" smtClean="0">
+                          <a:solidFill>
+                            <a:schemeClr val="tx1"/>
+                          </a:solidFill>
+                        </a:rPr>
+                        <a:t>2013</a:t>
+                      </a:r>
+                      <a:r>
+                        <a:rPr lang="zh-CN" altLang="en-US" sz="2400" b="0" dirty="0" smtClean="0">
+                          <a:solidFill>
+                            <a:schemeClr val="tx1"/>
+                          </a:solidFill>
+                        </a:rPr>
+                        <a:t>年</a:t>
+                      </a:r>
+                      <a:r>
+                        <a:rPr lang="en-US" altLang="zh-CN" sz="2400" b="0" dirty="0" smtClean="0">
+                          <a:solidFill>
+                            <a:schemeClr val="tx1"/>
+                          </a:solidFill>
+                        </a:rPr>
+                        <a:t>1</a:t>
+                      </a:r>
+                      <a:r>
+                        <a:rPr lang="zh-CN" altLang="en-US" sz="2400" b="0" dirty="0" smtClean="0">
+                          <a:solidFill>
+                            <a:schemeClr val="tx1"/>
+                          </a:solidFill>
+                        </a:rPr>
+                        <a:t>月第</a:t>
+                      </a:r>
+                      <a:r>
+                        <a:rPr lang="en-US" altLang="zh-CN" sz="2400" b="0" dirty="0" smtClean="0">
+                          <a:solidFill>
+                            <a:schemeClr val="tx1"/>
+                          </a:solidFill>
+                        </a:rPr>
+                        <a:t>1</a:t>
+                      </a:r>
+                      <a:r>
+                        <a:rPr lang="zh-CN" altLang="en-US" sz="2400" b="0" dirty="0" smtClean="0">
+                          <a:solidFill>
+                            <a:schemeClr val="tx1"/>
+                          </a:solidFill>
+                        </a:rPr>
+                        <a:t>版</a:t>
                       </a:r>
                     </a:p>
                   </a:txBody>
@@ -22740,11 +22688,11 @@
                 </a:tc>
                 <a:extLst>
                   <a:ext uri="{0D108BD9-81ED-4DB2-BD59-A6C34878D82A}">
-                    <a16:rowId xmlns:a16="http://schemas.microsoft.com/office/drawing/2014/main" xmlns="" val="10000"/>
+                    <a16:rowId xmlns="" xmlns:a16="http://schemas.microsoft.com/office/drawing/2014/main" val="10000"/>
                   </a:ext>
                 </a:extLst>
               </a:tr>
-              <a:tr h="716915">
+              <a:tr h="894720">
                 <a:tc>
                   <a:txBody>
                     <a:bodyPr/>
@@ -22754,98 +22702,16 @@
                         <a:buNone/>
                       </a:pPr>
                       <a:r>
-                        <a:rPr lang="zh-CN" altLang="en-US" dirty="0" smtClean="0">
+                        <a:rPr dirty="0" smtClean="0">
                           <a:solidFill>
                             <a:schemeClr val="tx1"/>
                           </a:solidFill>
                         </a:rPr>
-                        <a:t>苏雨豪</a:t>
+                        <a:t>UML2基础、建模与设计教程</a:t>
                       </a:r>
                     </a:p>
                   </a:txBody>
                   <a:tcPr/>
-                </a:tc>
-                <a:tc>
-                  <a:txBody>
-                    <a:bodyPr/>
-                    <a:lstStyle/>
-                    <a:p>
-                      <a:pPr algn="l">
-                        <a:buNone/>
-                      </a:pPr>
-                      <a:r>
-                        <a:rPr lang="en-US" altLang="zh-CN" dirty="0" smtClean="0">
-                          <a:solidFill>
-                            <a:schemeClr val="tx1"/>
-                          </a:solidFill>
-                        </a:rPr>
-                        <a:t>负责 1.7uml新特性ppt</a:t>
-                      </a:r>
-                      <a:r>
-                        <a:rPr lang="zh-CN" altLang="en-US" dirty="0" smtClean="0">
-                          <a:solidFill>
-                            <a:schemeClr val="tx1"/>
-                          </a:solidFill>
-                        </a:rPr>
-                        <a:t>制作</a:t>
-                      </a:r>
-                    </a:p>
-                  </a:txBody>
-                  <a:tcPr/>
-                </a:tc>
-                <a:tc>
-                  <a:txBody>
-                    <a:bodyPr/>
-                    <a:lstStyle/>
-                    <a:p>
-                      <a:pPr algn="l">
-                        <a:buNone/>
-                      </a:pPr>
-                      <a:r>
-                        <a:rPr lang="en-US" altLang="zh-CN" dirty="0" smtClean="0">
-                          <a:solidFill>
-                            <a:schemeClr val="tx1"/>
-                          </a:solidFill>
-                        </a:rPr>
-                        <a:t>9.5</a:t>
-                      </a:r>
-                    </a:p>
-                  </a:txBody>
-                  <a:tcPr/>
-                </a:tc>
-                <a:extLst>
-                  <a:ext uri="{0D108BD9-81ED-4DB2-BD59-A6C34878D82A}">
-                    <a16:rowId xmlns:a16="http://schemas.microsoft.com/office/drawing/2014/main" xmlns="" val="10001"/>
-                  </a:ext>
-                </a:extLst>
-              </a:tr>
-              <a:tr h="805815">
-                <a:tc>
-                  <a:txBody>
-                    <a:bodyPr/>
-                    <a:lstStyle/>
-                    <a:p>
-                      <a:pPr algn="l">
-                        <a:buNone/>
-                      </a:pPr>
-                      <a:r>
-                        <a:rPr lang="zh-CN" dirty="0" smtClean="0">
-                          <a:solidFill>
-                            <a:schemeClr val="tx1"/>
-                          </a:solidFill>
-                        </a:rPr>
-                        <a:t>陈子卿</a:t>
-                      </a:r>
-                    </a:p>
-                  </a:txBody>
-                  <a:tcPr>
-                    <a:solidFill>
-                      <a:schemeClr val="accent1">
-                        <a:lumMod val="40000"/>
-                        <a:lumOff val="60000"/>
-                      </a:schemeClr>
-                    </a:solidFill>
-                  </a:tcPr>
                 </a:tc>
                 <a:tc>
                   <a:txBody>
@@ -22861,271 +22727,64 @@
                             <a:schemeClr val="tx1"/>
                           </a:solidFill>
                         </a:rPr>
-                        <a:t>负责1.1-1.3的PPT制作，</a:t>
+                        <a:t>作者：杨弘平 等</a:t>
                       </a:r>
+                      <a:endParaRPr lang="en-US" altLang="zh-CN" baseline="0" dirty="0" smtClean="0">
+                        <a:solidFill>
+                          <a:schemeClr val="tx1"/>
+                        </a:solidFill>
+                      </a:endParaRPr>
                     </a:p>
                     <a:p>
                       <a:pPr algn="l">
                         <a:buNone/>
                       </a:pPr>
                       <a:r>
-                        <a:rPr lang="zh-CN" altLang="en-US" dirty="0" smtClean="0">
+                        <a:rPr lang="zh-CN" altLang="en-US" baseline="0" dirty="0" smtClean="0">
                           <a:solidFill>
                             <a:schemeClr val="tx1"/>
                           </a:solidFill>
                         </a:rPr>
-                        <a:t>1.4 uml结构ppt的制作</a:t>
+                        <a:t>清华大学出版社</a:t>
                       </a:r>
-                    </a:p>
-                  </a:txBody>
-                  <a:tcPr>
-                    <a:solidFill>
-                      <a:schemeClr val="accent1">
-                        <a:lumMod val="40000"/>
-                        <a:lumOff val="60000"/>
-                      </a:schemeClr>
-                    </a:solidFill>
-                  </a:tcPr>
-                </a:tc>
-                <a:tc>
-                  <a:txBody>
-                    <a:bodyPr/>
-                    <a:lstStyle/>
-                    <a:p>
-                      <a:pPr algn="l">
-                        <a:buNone/>
-                      </a:pPr>
-                      <a:r>
-                        <a:rPr lang="en-US" altLang="zh-CN" dirty="0" smtClean="0">
-                          <a:solidFill>
-                            <a:schemeClr val="tx1"/>
-                          </a:solidFill>
-                        </a:rPr>
-                        <a:t>9.7</a:t>
-                      </a:r>
-                    </a:p>
-                  </a:txBody>
-                  <a:tcPr>
-                    <a:solidFill>
-                      <a:schemeClr val="accent1">
-                        <a:lumMod val="40000"/>
-                        <a:lumOff val="60000"/>
-                      </a:schemeClr>
-                    </a:solidFill>
-                  </a:tcPr>
-                </a:tc>
-                <a:extLst>
-                  <a:ext uri="{0D108BD9-81ED-4DB2-BD59-A6C34878D82A}">
-                    <a16:rowId xmlns:a16="http://schemas.microsoft.com/office/drawing/2014/main" xmlns="" val="10002"/>
-                  </a:ext>
-                </a:extLst>
-              </a:tr>
-              <a:tr h="733425">
-                <a:tc>
-                  <a:txBody>
-                    <a:bodyPr/>
-                    <a:lstStyle/>
-                    <a:p>
-                      <a:pPr algn="l">
-                        <a:buNone/>
-                      </a:pPr>
-                      <a:r>
-                        <a:rPr lang="zh-CN" altLang="en-US" dirty="0" smtClean="0">
-                          <a:solidFill>
-                            <a:schemeClr val="tx1"/>
-                          </a:solidFill>
-                        </a:rPr>
-                        <a:t>蔡峰</a:t>
-                      </a:r>
-                    </a:p>
-                  </a:txBody>
-                  <a:tcPr>
-                    <a:solidFill>
-                      <a:schemeClr val="accent1">
-                        <a:lumMod val="40000"/>
-                        <a:lumOff val="60000"/>
-                      </a:schemeClr>
-                    </a:solidFill>
-                  </a:tcPr>
-                </a:tc>
-                <a:tc>
-                  <a:txBody>
-                    <a:bodyPr/>
-                    <a:lstStyle/>
-                    <a:p>
-                      <a:pPr algn="l">
-                        <a:buNone/>
-                      </a:pPr>
-                      <a:r>
-                        <a:rPr lang="zh-CN" altLang="en-US" dirty="0" smtClean="0">
-                          <a:solidFill>
-                            <a:schemeClr val="tx1"/>
-                          </a:solidFill>
-                        </a:rPr>
-                        <a:t>负责uml视图ppt，</a:t>
-                      </a:r>
-                      <a:r>
-                        <a:rPr lang="en-US" altLang="zh-CN" dirty="0" smtClean="0">
-                          <a:solidFill>
-                            <a:schemeClr val="tx1"/>
-                          </a:solidFill>
-                        </a:rPr>
-                        <a:t>uml</a:t>
-                      </a:r>
-                      <a:r>
-                        <a:rPr lang="zh-CN" altLang="en-US" dirty="0" smtClean="0">
-                          <a:solidFill>
-                            <a:schemeClr val="tx1"/>
-                          </a:solidFill>
-                        </a:rPr>
-                        <a:t>系统开发阶段</a:t>
-                      </a:r>
-                    </a:p>
-                  </a:txBody>
-                  <a:tcPr>
-                    <a:solidFill>
-                      <a:schemeClr val="accent1">
-                        <a:lumMod val="40000"/>
-                        <a:lumOff val="60000"/>
-                      </a:schemeClr>
-                    </a:solidFill>
-                  </a:tcPr>
-                </a:tc>
-                <a:tc>
-                  <a:txBody>
-                    <a:bodyPr/>
-                    <a:lstStyle/>
-                    <a:p>
-                      <a:pPr algn="l">
-                        <a:buNone/>
-                      </a:pPr>
-                      <a:r>
-                        <a:rPr lang="en-US" altLang="zh-CN" sz="2100" dirty="0" smtClean="0">
-                          <a:solidFill>
-                            <a:schemeClr val="tx1"/>
-                          </a:solidFill>
-                          <a:sym typeface="+mn-ea"/>
-                        </a:rPr>
-                        <a:t>9.4</a:t>
-                      </a:r>
-                      <a:endParaRPr lang="en-US" altLang="zh-CN" sz="2100" b="0" dirty="0" smtClean="0">
+                      <a:endParaRPr lang="en-US" altLang="zh-CN" baseline="0" dirty="0" smtClean="0">
                         <a:solidFill>
                           <a:schemeClr val="tx1"/>
                         </a:solidFill>
-                        <a:sym typeface="+mn-ea"/>
                       </a:endParaRPr>
                     </a:p>
                     <a:p>
                       <a:pPr algn="l">
                         <a:buNone/>
                       </a:pPr>
-                      <a:endParaRPr lang="zh-CN" altLang="en-US" dirty="0" smtClean="0">
+                      <a:r>
+                        <a:rPr lang="en-US" altLang="zh-CN" baseline="0" dirty="0" smtClean="0">
+                          <a:solidFill>
+                            <a:schemeClr val="tx1"/>
+                          </a:solidFill>
+                        </a:rPr>
+                        <a:t>2015</a:t>
+                      </a:r>
+                      <a:r>
+                        <a:rPr lang="zh-CN" altLang="en-US" baseline="0" dirty="0" smtClean="0">
+                          <a:solidFill>
+                            <a:schemeClr val="tx1"/>
+                          </a:solidFill>
+                        </a:rPr>
+                        <a:t>年</a:t>
+                      </a:r>
+                      <a:endParaRPr lang="en-US" altLang="zh-CN" dirty="0" smtClean="0">
                         <a:solidFill>
                           <a:schemeClr val="tx1"/>
                         </a:solidFill>
                       </a:endParaRPr>
                     </a:p>
                   </a:txBody>
-                  <a:tcPr>
-                    <a:solidFill>
-                      <a:schemeClr val="accent1">
-                        <a:lumMod val="40000"/>
-                        <a:lumOff val="60000"/>
-                      </a:schemeClr>
-                    </a:solidFill>
-                  </a:tcPr>
+                  <a:tcPr/>
                 </a:tc>
                 <a:extLst>
                   <a:ext uri="{0D108BD9-81ED-4DB2-BD59-A6C34878D82A}">
-                    <a16:rowId xmlns:a16="http://schemas.microsoft.com/office/drawing/2014/main" xmlns="" val="10003"/>
-                  </a:ext>
-                </a:extLst>
-              </a:tr>
-              <a:tr h="732790">
-                <a:tc>
-                  <a:txBody>
-                    <a:bodyPr/>
-                    <a:lstStyle/>
-                    <a:p>
-                      <a:pPr algn="l">
-                        <a:buNone/>
-                      </a:pPr>
-                      <a:r>
-                        <a:rPr lang="zh-CN" altLang="en-US" dirty="0" smtClean="0">
-                          <a:solidFill>
-                            <a:schemeClr val="tx1"/>
-                          </a:solidFill>
-                        </a:rPr>
-                        <a:t>江亮儒</a:t>
-                      </a:r>
-                    </a:p>
-                  </a:txBody>
-                  <a:tcPr>
-                    <a:solidFill>
-                      <a:schemeClr val="accent1">
-                        <a:lumMod val="40000"/>
-                        <a:lumOff val="60000"/>
-                      </a:schemeClr>
-                    </a:solidFill>
-                  </a:tcPr>
-                </a:tc>
-                <a:tc>
-                  <a:txBody>
-                    <a:bodyPr/>
-                    <a:lstStyle/>
-                    <a:p>
-                      <a:pPr algn="l">
-                        <a:buNone/>
-                      </a:pPr>
-                      <a:r>
-                        <a:rPr lang="zh-CN" altLang="en-US" dirty="0" smtClean="0">
-                          <a:solidFill>
-                            <a:schemeClr val="tx1"/>
-                          </a:solidFill>
-                        </a:rPr>
-                        <a:t>负责uml的图ppt</a:t>
-                      </a:r>
-                    </a:p>
-                  </a:txBody>
-                  <a:tcPr>
-                    <a:solidFill>
-                      <a:schemeClr val="accent1">
-                        <a:lumMod val="40000"/>
-                        <a:lumOff val="60000"/>
-                      </a:schemeClr>
-                    </a:solidFill>
-                  </a:tcPr>
-                </a:tc>
-                <a:tc>
-                  <a:txBody>
-                    <a:bodyPr/>
-                    <a:lstStyle/>
-                    <a:p>
-                      <a:pPr algn="l">
-                        <a:buNone/>
-                      </a:pPr>
-                      <a:r>
-                        <a:rPr lang="en-US" altLang="zh-CN" dirty="0" smtClean="0">
-                          <a:solidFill>
-                            <a:schemeClr val="tx1"/>
-                          </a:solidFill>
-                        </a:rPr>
-                        <a:t>9.5</a:t>
-                      </a:r>
-                    </a:p>
-                  </a:txBody>
-                  <a:tcPr>
-                    <a:solidFill>
-                      <a:schemeClr val="accent1">
-                        <a:lumMod val="40000"/>
-                        <a:lumOff val="60000"/>
-                      </a:schemeClr>
-                    </a:solidFill>
-                  </a:tcPr>
-                </a:tc>
-                <a:extLst>
-                  <a:ext uri="{0D108BD9-81ED-4DB2-BD59-A6C34878D82A}">
-                    <a16:rowId xmlns:a16="http://schemas.microsoft.com/office/drawing/2014/main" xmlns="" val="10004"/>
+                    <a16:rowId xmlns="" xmlns:a16="http://schemas.microsoft.com/office/drawing/2014/main" val="10001"/>
                   </a:ext>
                 </a:extLst>
               </a:tr>
@@ -23429,6 +23088,1453 @@
           <a:chExt cx="0" cy="0"/>
         </a:xfrm>
       </p:grpSpPr>
+      <p:sp>
+        <p:nvSpPr>
+          <p:cNvPr id="36" name="矩形 35"/>
+          <p:cNvSpPr/>
+          <p:nvPr/>
+        </p:nvSpPr>
+        <p:spPr>
+          <a:xfrm>
+            <a:off x="-106680" y="0"/>
+            <a:ext cx="2938780" cy="6859270"/>
+          </a:xfrm>
+          <a:prstGeom prst="rect">
+            <a:avLst/>
+          </a:prstGeom>
+          <a:solidFill>
+            <a:srgbClr val="38B1BF"/>
+          </a:solidFill>
+          <a:ln>
+            <a:noFill/>
+          </a:ln>
+          <a:effectLst>
+            <a:outerShdw blurRad="50800" dist="38100" dir="2700000" algn="tl" rotWithShape="0">
+              <a:prstClr val="black">
+                <a:alpha val="40000"/>
+              </a:prstClr>
+            </a:outerShdw>
+          </a:effectLst>
+          <a:scene3d>
+            <a:camera prst="orthographicFront"/>
+            <a:lightRig rig="threePt" dir="t"/>
+          </a:scene3d>
+          <a:sp3d/>
+        </p:spPr>
+        <p:style>
+          <a:lnRef idx="1">
+            <a:schemeClr val="accent1"/>
+          </a:lnRef>
+          <a:fillRef idx="0">
+            <a:schemeClr val="accent1"/>
+          </a:fillRef>
+          <a:effectRef idx="0">
+            <a:schemeClr val="accent1"/>
+          </a:effectRef>
+          <a:fontRef idx="minor">
+            <a:schemeClr val="tx1"/>
+          </a:fontRef>
+        </p:style>
+        <p:txBody>
+          <a:bodyPr rot="0" spcFirstLastPara="0" vertOverflow="overflow" horzOverflow="overflow" vert="horz" wrap="square" lIns="91440" tIns="45720" rIns="91440" bIns="45720" numCol="1" spcCol="0" rtlCol="0" fromWordArt="0" anchor="ctr" anchorCtr="0" forceAA="0" compatLnSpc="1">
+            <a:noAutofit/>
+          </a:bodyPr>
+          <a:lstStyle/>
+          <a:p>
+            <a:pPr algn="ctr"/>
+            <a:endParaRPr lang="zh-CN" altLang="en-US"/>
+          </a:p>
+        </p:txBody>
+      </p:sp>
+      <p:sp>
+        <p:nvSpPr>
+          <p:cNvPr id="37" name="TextBox 36"/>
+          <p:cNvSpPr txBox="1"/>
+          <p:nvPr/>
+        </p:nvSpPr>
+        <p:spPr>
+          <a:xfrm>
+            <a:off x="311150" y="2922270"/>
+            <a:ext cx="2220595" cy="1106805"/>
+          </a:xfrm>
+          <a:prstGeom prst="rect">
+            <a:avLst/>
+          </a:prstGeom>
+          <a:noFill/>
+        </p:spPr>
+        <p:txBody>
+          <a:bodyPr wrap="square" lIns="121948" tIns="60973" rIns="121948" bIns="60973">
+            <a:spAutoFit/>
+          </a:bodyPr>
+          <a:lstStyle/>
+          <a:p>
+            <a:pPr algn="r">
+              <a:defRPr/>
+            </a:pPr>
+            <a:r>
+              <a:rPr lang="zh-CN" altLang="en-US" sz="3200" b="1" dirty="0" smtClean="0">
+                <a:solidFill>
+                  <a:schemeClr val="bg1"/>
+                </a:solidFill>
+                <a:latin typeface="微软雅黑" panose="020B0503020204020204" pitchFamily="34" charset="-122"/>
+                <a:ea typeface="微软雅黑" panose="020B0503020204020204" pitchFamily="34" charset="-122"/>
+              </a:rPr>
+              <a:t>绩效考评与分工</a:t>
+            </a:r>
+          </a:p>
+        </p:txBody>
+      </p:sp>
+      <p:graphicFrame>
+        <p:nvGraphicFramePr>
+          <p:cNvPr id="3" name="表格 2"/>
+          <p:cNvGraphicFramePr/>
+          <p:nvPr>
+            <p:extLst>
+              <p:ext uri="{D42A27DB-BD31-4B8C-83A1-F6EECF244321}">
+                <p14:modId xmlns:p14="http://schemas.microsoft.com/office/powerpoint/2010/main" val="1157283012"/>
+              </p:ext>
+            </p:extLst>
+          </p:nvPr>
+        </p:nvGraphicFramePr>
+        <p:xfrm>
+          <a:off x="3214886" y="1341562"/>
+          <a:ext cx="7771130" cy="3746500"/>
+        </p:xfrm>
+        <a:graphic>
+          <a:graphicData uri="http://schemas.openxmlformats.org/drawingml/2006/table">
+            <a:tbl>
+              <a:tblPr firstRow="1" bandRow="1">
+                <a:tableStyleId>{5C22544A-7EE6-4342-B048-85BDC9FD1C3A}</a:tableStyleId>
+              </a:tblPr>
+              <a:tblGrid>
+                <a:gridCol w="1895475">
+                  <a:extLst>
+                    <a:ext uri="{9D8B030D-6E8A-4147-A177-3AD203B41FA5}">
+                      <a16:colId xmlns="" xmlns:a16="http://schemas.microsoft.com/office/drawing/2014/main" val="20000"/>
+                    </a:ext>
+                  </a:extLst>
+                </a:gridCol>
+                <a:gridCol w="2937510">
+                  <a:extLst>
+                    <a:ext uri="{9D8B030D-6E8A-4147-A177-3AD203B41FA5}">
+                      <a16:colId xmlns="" xmlns:a16="http://schemas.microsoft.com/office/drawing/2014/main" val="20001"/>
+                    </a:ext>
+                  </a:extLst>
+                </a:gridCol>
+                <a:gridCol w="2938145">
+                  <a:extLst>
+                    <a:ext uri="{9D8B030D-6E8A-4147-A177-3AD203B41FA5}">
+                      <a16:colId xmlns="" xmlns:a16="http://schemas.microsoft.com/office/drawing/2014/main" val="20002"/>
+                    </a:ext>
+                  </a:extLst>
+                </a:gridCol>
+              </a:tblGrid>
+              <a:tr h="713740">
+                <a:tc>
+                  <a:txBody>
+                    <a:bodyPr/>
+                    <a:lstStyle/>
+                    <a:p>
+                      <a:pPr algn="l">
+                        <a:buNone/>
+                      </a:pPr>
+                      <a:r>
+                        <a:rPr lang="zh-CN" altLang="en-US" b="0" dirty="0">
+                          <a:solidFill>
+                            <a:schemeClr val="tx1"/>
+                          </a:solidFill>
+                        </a:rPr>
+                        <a:t>黄为波</a:t>
+                      </a:r>
+                    </a:p>
+                  </a:txBody>
+                  <a:tcPr>
+                    <a:solidFill>
+                      <a:schemeClr val="accent1">
+                        <a:lumMod val="40000"/>
+                        <a:lumOff val="60000"/>
+                      </a:schemeClr>
+                    </a:solidFill>
+                  </a:tcPr>
+                </a:tc>
+                <a:tc>
+                  <a:txBody>
+                    <a:bodyPr/>
+                    <a:lstStyle/>
+                    <a:p>
+                      <a:pPr algn="l"/>
+                      <a:r>
+                        <a:rPr lang="zh-CN" altLang="en-US" sz="2400" b="0" dirty="0" smtClean="0">
+                          <a:solidFill>
+                            <a:schemeClr val="tx1"/>
+                          </a:solidFill>
+                        </a:rPr>
+                        <a:t>负责类图，用例图</a:t>
+                      </a:r>
+                      <a:endParaRPr lang="zh-CN" altLang="en-US" sz="2400" b="0" dirty="0" smtClean="0">
+                        <a:solidFill>
+                          <a:schemeClr val="tx1"/>
+                        </a:solidFill>
+                      </a:endParaRPr>
+                    </a:p>
+                  </a:txBody>
+                  <a:tcPr>
+                    <a:solidFill>
+                      <a:schemeClr val="accent1">
+                        <a:lumMod val="40000"/>
+                        <a:lumOff val="60000"/>
+                      </a:schemeClr>
+                    </a:solidFill>
+                  </a:tcPr>
+                </a:tc>
+                <a:tc>
+                  <a:txBody>
+                    <a:bodyPr/>
+                    <a:lstStyle/>
+                    <a:p>
+                      <a:pPr algn="l">
+                        <a:buNone/>
+                      </a:pPr>
+                      <a:r>
+                        <a:rPr lang="en-US" altLang="zh-CN" sz="2400" b="0" dirty="0" smtClean="0">
+                          <a:solidFill>
+                            <a:schemeClr val="tx1"/>
+                          </a:solidFill>
+                        </a:rPr>
+                        <a:t>9.7</a:t>
+                      </a:r>
+                      <a:endParaRPr lang="en-US" altLang="zh-CN" sz="2400" b="0" dirty="0" smtClean="0">
+                        <a:solidFill>
+                          <a:schemeClr val="tx1"/>
+                        </a:solidFill>
+                      </a:endParaRPr>
+                    </a:p>
+                  </a:txBody>
+                  <a:tcPr>
+                    <a:solidFill>
+                      <a:schemeClr val="accent1">
+                        <a:lumMod val="40000"/>
+                        <a:lumOff val="60000"/>
+                      </a:schemeClr>
+                    </a:solidFill>
+                  </a:tcPr>
+                </a:tc>
+                <a:extLst>
+                  <a:ext uri="{0D108BD9-81ED-4DB2-BD59-A6C34878D82A}">
+                    <a16:rowId xmlns="" xmlns:a16="http://schemas.microsoft.com/office/drawing/2014/main" val="10000"/>
+                  </a:ext>
+                </a:extLst>
+              </a:tr>
+              <a:tr h="716915">
+                <a:tc>
+                  <a:txBody>
+                    <a:bodyPr/>
+                    <a:lstStyle/>
+                    <a:p>
+                      <a:pPr algn="l">
+                        <a:buNone/>
+                      </a:pPr>
+                      <a:r>
+                        <a:rPr lang="zh-CN" altLang="en-US" dirty="0" smtClean="0">
+                          <a:solidFill>
+                            <a:schemeClr val="tx1"/>
+                          </a:solidFill>
+                        </a:rPr>
+                        <a:t>苏雨豪</a:t>
+                      </a:r>
+                    </a:p>
+                  </a:txBody>
+                  <a:tcPr/>
+                </a:tc>
+                <a:tc>
+                  <a:txBody>
+                    <a:bodyPr/>
+                    <a:lstStyle/>
+                    <a:p>
+                      <a:pPr algn="l">
+                        <a:buNone/>
+                      </a:pPr>
+                      <a:r>
+                        <a:rPr lang="en-US" altLang="zh-CN" dirty="0" smtClean="0">
+                          <a:solidFill>
+                            <a:schemeClr val="tx1"/>
+                          </a:solidFill>
+                        </a:rPr>
+                        <a:t>负责 </a:t>
+                      </a:r>
+                      <a:r>
+                        <a:rPr lang="zh-CN" altLang="en-US" dirty="0" smtClean="0">
+                          <a:solidFill>
+                            <a:schemeClr val="tx1"/>
+                          </a:solidFill>
+                        </a:rPr>
+                        <a:t>状态机图</a:t>
+                      </a:r>
+                      <a:endParaRPr lang="zh-CN" altLang="en-US" dirty="0" smtClean="0">
+                        <a:solidFill>
+                          <a:schemeClr val="tx1"/>
+                        </a:solidFill>
+                      </a:endParaRPr>
+                    </a:p>
+                  </a:txBody>
+                  <a:tcPr/>
+                </a:tc>
+                <a:tc>
+                  <a:txBody>
+                    <a:bodyPr/>
+                    <a:lstStyle/>
+                    <a:p>
+                      <a:pPr algn="l">
+                        <a:buNone/>
+                      </a:pPr>
+                      <a:r>
+                        <a:rPr lang="en-US" altLang="zh-CN" sz="2400" dirty="0" smtClean="0">
+                          <a:solidFill>
+                            <a:schemeClr val="tx1"/>
+                          </a:solidFill>
+                        </a:rPr>
+                        <a:t>9.3</a:t>
+                      </a:r>
+                      <a:endParaRPr lang="en-US" altLang="zh-CN" sz="2400" dirty="0" smtClean="0">
+                        <a:solidFill>
+                          <a:schemeClr val="tx1"/>
+                        </a:solidFill>
+                      </a:endParaRPr>
+                    </a:p>
+                  </a:txBody>
+                  <a:tcPr/>
+                </a:tc>
+                <a:extLst>
+                  <a:ext uri="{0D108BD9-81ED-4DB2-BD59-A6C34878D82A}">
+                    <a16:rowId xmlns="" xmlns:a16="http://schemas.microsoft.com/office/drawing/2014/main" val="10001"/>
+                  </a:ext>
+                </a:extLst>
+              </a:tr>
+              <a:tr h="805815">
+                <a:tc>
+                  <a:txBody>
+                    <a:bodyPr/>
+                    <a:lstStyle/>
+                    <a:p>
+                      <a:pPr algn="l">
+                        <a:buNone/>
+                      </a:pPr>
+                      <a:r>
+                        <a:rPr lang="zh-CN" dirty="0" smtClean="0">
+                          <a:solidFill>
+                            <a:schemeClr val="tx1"/>
+                          </a:solidFill>
+                        </a:rPr>
+                        <a:t>陈子卿</a:t>
+                      </a:r>
+                    </a:p>
+                  </a:txBody>
+                  <a:tcPr>
+                    <a:solidFill>
+                      <a:schemeClr val="accent1">
+                        <a:lumMod val="40000"/>
+                        <a:lumOff val="60000"/>
+                      </a:schemeClr>
+                    </a:solidFill>
+                  </a:tcPr>
+                </a:tc>
+                <a:tc>
+                  <a:txBody>
+                    <a:bodyPr/>
+                    <a:lstStyle/>
+                    <a:p>
+                      <a:pPr algn="l">
+                        <a:buNone/>
+                      </a:pPr>
+                      <a:r>
+                        <a:rPr lang="zh-CN" altLang="en-US" dirty="0" smtClean="0">
+                          <a:solidFill>
+                            <a:schemeClr val="tx1"/>
+                          </a:solidFill>
+                        </a:rPr>
+                        <a:t>负责协作图（通信图）</a:t>
+                      </a:r>
+                      <a:endParaRPr lang="zh-CN" altLang="en-US" dirty="0" smtClean="0">
+                        <a:solidFill>
+                          <a:schemeClr val="tx1"/>
+                        </a:solidFill>
+                      </a:endParaRPr>
+                    </a:p>
+                  </a:txBody>
+                  <a:tcPr>
+                    <a:solidFill>
+                      <a:schemeClr val="accent1">
+                        <a:lumMod val="40000"/>
+                        <a:lumOff val="60000"/>
+                      </a:schemeClr>
+                    </a:solidFill>
+                  </a:tcPr>
+                </a:tc>
+                <a:tc>
+                  <a:txBody>
+                    <a:bodyPr/>
+                    <a:lstStyle/>
+                    <a:p>
+                      <a:pPr algn="l">
+                        <a:buNone/>
+                      </a:pPr>
+                      <a:r>
+                        <a:rPr lang="en-US" altLang="zh-CN" sz="2400" dirty="0" smtClean="0">
+                          <a:solidFill>
+                            <a:schemeClr val="tx1"/>
+                          </a:solidFill>
+                        </a:rPr>
+                        <a:t>9.4</a:t>
+                      </a:r>
+                      <a:endParaRPr lang="en-US" altLang="zh-CN" sz="2400" dirty="0" smtClean="0">
+                        <a:solidFill>
+                          <a:schemeClr val="tx1"/>
+                        </a:solidFill>
+                      </a:endParaRPr>
+                    </a:p>
+                  </a:txBody>
+                  <a:tcPr>
+                    <a:solidFill>
+                      <a:schemeClr val="accent1">
+                        <a:lumMod val="40000"/>
+                        <a:lumOff val="60000"/>
+                      </a:schemeClr>
+                    </a:solidFill>
+                  </a:tcPr>
+                </a:tc>
+                <a:extLst>
+                  <a:ext uri="{0D108BD9-81ED-4DB2-BD59-A6C34878D82A}">
+                    <a16:rowId xmlns="" xmlns:a16="http://schemas.microsoft.com/office/drawing/2014/main" val="10002"/>
+                  </a:ext>
+                </a:extLst>
+              </a:tr>
+              <a:tr h="733425">
+                <a:tc>
+                  <a:txBody>
+                    <a:bodyPr/>
+                    <a:lstStyle/>
+                    <a:p>
+                      <a:pPr algn="l">
+                        <a:buNone/>
+                      </a:pPr>
+                      <a:r>
+                        <a:rPr lang="zh-CN" altLang="en-US" dirty="0" smtClean="0">
+                          <a:solidFill>
+                            <a:schemeClr val="tx1"/>
+                          </a:solidFill>
+                        </a:rPr>
+                        <a:t>蔡峰</a:t>
+                      </a:r>
+                    </a:p>
+                  </a:txBody>
+                  <a:tcPr>
+                    <a:solidFill>
+                      <a:schemeClr val="accent1">
+                        <a:lumMod val="40000"/>
+                        <a:lumOff val="60000"/>
+                      </a:schemeClr>
+                    </a:solidFill>
+                  </a:tcPr>
+                </a:tc>
+                <a:tc>
+                  <a:txBody>
+                    <a:bodyPr/>
+                    <a:lstStyle/>
+                    <a:p>
+                      <a:pPr algn="l">
+                        <a:buNone/>
+                      </a:pPr>
+                      <a:r>
+                        <a:rPr lang="zh-CN" altLang="en-US" dirty="0" smtClean="0">
+                          <a:solidFill>
+                            <a:schemeClr val="tx1"/>
+                          </a:solidFill>
+                        </a:rPr>
+                        <a:t>负责顺序图</a:t>
+                      </a:r>
+                      <a:endParaRPr lang="zh-CN" altLang="en-US" dirty="0" smtClean="0">
+                        <a:solidFill>
+                          <a:schemeClr val="tx1"/>
+                        </a:solidFill>
+                      </a:endParaRPr>
+                    </a:p>
+                  </a:txBody>
+                  <a:tcPr>
+                    <a:solidFill>
+                      <a:schemeClr val="accent1">
+                        <a:lumMod val="40000"/>
+                        <a:lumOff val="60000"/>
+                      </a:schemeClr>
+                    </a:solidFill>
+                  </a:tcPr>
+                </a:tc>
+                <a:tc>
+                  <a:txBody>
+                    <a:bodyPr/>
+                    <a:lstStyle/>
+                    <a:p>
+                      <a:pPr algn="l">
+                        <a:buNone/>
+                      </a:pPr>
+                      <a:r>
+                        <a:rPr lang="en-US" altLang="zh-CN" sz="2400" dirty="0" smtClean="0">
+                          <a:solidFill>
+                            <a:schemeClr val="tx1"/>
+                          </a:solidFill>
+                          <a:sym typeface="+mn-ea"/>
+                        </a:rPr>
+                        <a:t>9.6</a:t>
+                      </a:r>
+                      <a:endParaRPr lang="en-US" altLang="zh-CN" sz="2400" b="0" dirty="0" smtClean="0">
+                        <a:solidFill>
+                          <a:schemeClr val="tx1"/>
+                        </a:solidFill>
+                        <a:sym typeface="+mn-ea"/>
+                      </a:endParaRPr>
+                    </a:p>
+                    <a:p>
+                      <a:pPr algn="l">
+                        <a:buNone/>
+                      </a:pPr>
+                      <a:endParaRPr lang="zh-CN" altLang="en-US" dirty="0" smtClean="0">
+                        <a:solidFill>
+                          <a:schemeClr val="tx1"/>
+                        </a:solidFill>
+                      </a:endParaRPr>
+                    </a:p>
+                  </a:txBody>
+                  <a:tcPr>
+                    <a:solidFill>
+                      <a:schemeClr val="accent1">
+                        <a:lumMod val="40000"/>
+                        <a:lumOff val="60000"/>
+                      </a:schemeClr>
+                    </a:solidFill>
+                  </a:tcPr>
+                </a:tc>
+                <a:extLst>
+                  <a:ext uri="{0D108BD9-81ED-4DB2-BD59-A6C34878D82A}">
+                    <a16:rowId xmlns="" xmlns:a16="http://schemas.microsoft.com/office/drawing/2014/main" val="10003"/>
+                  </a:ext>
+                </a:extLst>
+              </a:tr>
+              <a:tr h="732790">
+                <a:tc>
+                  <a:txBody>
+                    <a:bodyPr/>
+                    <a:lstStyle/>
+                    <a:p>
+                      <a:pPr algn="l">
+                        <a:buNone/>
+                      </a:pPr>
+                      <a:r>
+                        <a:rPr lang="zh-CN" altLang="en-US" dirty="0" smtClean="0">
+                          <a:solidFill>
+                            <a:schemeClr val="tx1"/>
+                          </a:solidFill>
+                        </a:rPr>
+                        <a:t>江亮儒</a:t>
+                      </a:r>
+                    </a:p>
+                  </a:txBody>
+                  <a:tcPr>
+                    <a:solidFill>
+                      <a:schemeClr val="accent1">
+                        <a:lumMod val="40000"/>
+                        <a:lumOff val="60000"/>
+                      </a:schemeClr>
+                    </a:solidFill>
+                  </a:tcPr>
+                </a:tc>
+                <a:tc>
+                  <a:txBody>
+                    <a:bodyPr/>
+                    <a:lstStyle/>
+                    <a:p>
+                      <a:pPr algn="l">
+                        <a:buNone/>
+                      </a:pPr>
+                      <a:r>
+                        <a:rPr lang="zh-CN" altLang="en-US" dirty="0" smtClean="0">
+                          <a:solidFill>
+                            <a:schemeClr val="tx1"/>
+                          </a:solidFill>
+                        </a:rPr>
+                        <a:t>负责部署图</a:t>
+                      </a:r>
+                      <a:endParaRPr lang="zh-CN" altLang="en-US" dirty="0" smtClean="0">
+                        <a:solidFill>
+                          <a:schemeClr val="tx1"/>
+                        </a:solidFill>
+                      </a:endParaRPr>
+                    </a:p>
+                  </a:txBody>
+                  <a:tcPr>
+                    <a:solidFill>
+                      <a:schemeClr val="accent1">
+                        <a:lumMod val="40000"/>
+                        <a:lumOff val="60000"/>
+                      </a:schemeClr>
+                    </a:solidFill>
+                  </a:tcPr>
+                </a:tc>
+                <a:tc>
+                  <a:txBody>
+                    <a:bodyPr/>
+                    <a:lstStyle/>
+                    <a:p>
+                      <a:pPr algn="l">
+                        <a:buNone/>
+                      </a:pPr>
+                      <a:r>
+                        <a:rPr lang="en-US" altLang="zh-CN" sz="2400" dirty="0" smtClean="0">
+                          <a:solidFill>
+                            <a:schemeClr val="tx1"/>
+                          </a:solidFill>
+                        </a:rPr>
+                        <a:t>9.5</a:t>
+                      </a:r>
+                    </a:p>
+                  </a:txBody>
+                  <a:tcPr>
+                    <a:solidFill>
+                      <a:schemeClr val="accent1">
+                        <a:lumMod val="40000"/>
+                        <a:lumOff val="60000"/>
+                      </a:schemeClr>
+                    </a:solidFill>
+                  </a:tcPr>
+                </a:tc>
+                <a:extLst>
+                  <a:ext uri="{0D108BD9-81ED-4DB2-BD59-A6C34878D82A}">
+                    <a16:rowId xmlns="" xmlns:a16="http://schemas.microsoft.com/office/drawing/2014/main" val="10004"/>
+                  </a:ext>
+                </a:extLst>
+              </a:tr>
+            </a:tbl>
+          </a:graphicData>
+        </a:graphic>
+      </p:graphicFrame>
+    </p:spTree>
+  </p:cSld>
+  <p:clrMapOvr>
+    <a:masterClrMapping/>
+  </p:clrMapOvr>
+  <mc:AlternateContent xmlns:mc="http://schemas.openxmlformats.org/markup-compatibility/2006" xmlns:p14="http://schemas.microsoft.com/office/powerpoint/2010/main">
+    <mc:Choice Requires="p14">
+      <p:transition spd="slow" p14:dur="1200" advClick="0" advTm="0">
+        <p14:prism/>
+      </p:transition>
+    </mc:Choice>
+    <mc:Fallback xmlns="">
+      <p:transition spd="slow" advClick="0" advTm="0">
+        <p:fade/>
+      </p:transition>
+    </mc:Fallback>
+  </mc:AlternateContent>
+  <p:timing>
+    <p:tnLst>
+      <p:par>
+        <p:cTn id="1" dur="indefinite" restart="never" nodeType="tmRoot">
+          <p:childTnLst>
+            <p:seq concurrent="1" nextAc="seek">
+              <p:cTn id="2" dur="indefinite" nodeType="mainSeq">
+                <p:childTnLst>
+                  <p:par>
+                    <p:cTn id="3" fill="hold">
+                      <p:stCondLst>
+                        <p:cond delay="indefinite"/>
+                        <p:cond evt="onBegin" delay="0">
+                          <p:tn val="2"/>
+                        </p:cond>
+                      </p:stCondLst>
+                      <p:childTnLst>
+                        <p:par>
+                          <p:cTn id="4" fill="hold">
+                            <p:stCondLst>
+                              <p:cond delay="0"/>
+                            </p:stCondLst>
+                            <p:childTnLst>
+                              <p:par>
+                                <p:cTn id="5" presetID="2" presetClass="entr" presetSubtype="8" fill="hold" grpId="0" nodeType="afterEffect">
+                                  <p:stCondLst>
+                                    <p:cond delay="0"/>
+                                  </p:stCondLst>
+                                  <p:childTnLst>
+                                    <p:set>
+                                      <p:cBhvr>
+                                        <p:cTn id="6" dur="1" fill="hold">
+                                          <p:stCondLst>
+                                            <p:cond delay="0"/>
+                                          </p:stCondLst>
+                                        </p:cTn>
+                                        <p:tgtEl>
+                                          <p:spTgt spid="36"/>
+                                        </p:tgtEl>
+                                        <p:attrNameLst>
+                                          <p:attrName>style.visibility</p:attrName>
+                                        </p:attrNameLst>
+                                      </p:cBhvr>
+                                      <p:to>
+                                        <p:strVal val="visible"/>
+                                      </p:to>
+                                    </p:set>
+                                    <p:anim calcmode="lin" valueType="num">
+                                      <p:cBhvr additive="base">
+                                        <p:cTn id="7" dur="500" fill="hold"/>
+                                        <p:tgtEl>
+                                          <p:spTgt spid="36"/>
+                                        </p:tgtEl>
+                                        <p:attrNameLst>
+                                          <p:attrName>ppt_x</p:attrName>
+                                        </p:attrNameLst>
+                                      </p:cBhvr>
+                                      <p:tavLst>
+                                        <p:tav tm="0">
+                                          <p:val>
+                                            <p:strVal val="0-#ppt_w/2"/>
+                                          </p:val>
+                                        </p:tav>
+                                        <p:tav tm="100000">
+                                          <p:val>
+                                            <p:strVal val="#ppt_x"/>
+                                          </p:val>
+                                        </p:tav>
+                                      </p:tavLst>
+                                    </p:anim>
+                                    <p:anim calcmode="lin" valueType="num">
+                                      <p:cBhvr additive="base">
+                                        <p:cTn id="8" dur="500" fill="hold"/>
+                                        <p:tgtEl>
+                                          <p:spTgt spid="36"/>
+                                        </p:tgtEl>
+                                        <p:attrNameLst>
+                                          <p:attrName>ppt_y</p:attrName>
+                                        </p:attrNameLst>
+                                      </p:cBhvr>
+                                      <p:tavLst>
+                                        <p:tav tm="0">
+                                          <p:val>
+                                            <p:strVal val="#ppt_y"/>
+                                          </p:val>
+                                        </p:tav>
+                                        <p:tav tm="100000">
+                                          <p:val>
+                                            <p:strVal val="#ppt_y"/>
+                                          </p:val>
+                                        </p:tav>
+                                      </p:tavLst>
+                                    </p:anim>
+                                  </p:childTnLst>
+                                </p:cTn>
+                              </p:par>
+                            </p:childTnLst>
+                          </p:cTn>
+                        </p:par>
+                        <p:par>
+                          <p:cTn id="9" fill="hold">
+                            <p:stCondLst>
+                              <p:cond delay="500"/>
+                            </p:stCondLst>
+                            <p:childTnLst>
+                              <p:par>
+                                <p:cTn id="10" presetID="17" presetClass="entr" presetSubtype="1" fill="hold" grpId="0" nodeType="afterEffect">
+                                  <p:stCondLst>
+                                    <p:cond delay="0"/>
+                                  </p:stCondLst>
+                                  <p:iterate type="lt">
+                                    <p:tmPct val="40000"/>
+                                  </p:iterate>
+                                  <p:childTnLst>
+                                    <p:set>
+                                      <p:cBhvr>
+                                        <p:cTn id="11" dur="1" fill="hold">
+                                          <p:stCondLst>
+                                            <p:cond delay="0"/>
+                                          </p:stCondLst>
+                                        </p:cTn>
+                                        <p:tgtEl>
+                                          <p:spTgt spid="37"/>
+                                        </p:tgtEl>
+                                        <p:attrNameLst>
+                                          <p:attrName>style.visibility</p:attrName>
+                                        </p:attrNameLst>
+                                      </p:cBhvr>
+                                      <p:to>
+                                        <p:strVal val="visible"/>
+                                      </p:to>
+                                    </p:set>
+                                    <p:anim calcmode="lin" valueType="num">
+                                      <p:cBhvr>
+                                        <p:cTn id="12" dur="250" fill="hold"/>
+                                        <p:tgtEl>
+                                          <p:spTgt spid="37"/>
+                                        </p:tgtEl>
+                                        <p:attrNameLst>
+                                          <p:attrName>ppt_x</p:attrName>
+                                        </p:attrNameLst>
+                                      </p:cBhvr>
+                                      <p:tavLst>
+                                        <p:tav tm="0">
+                                          <p:val>
+                                            <p:strVal val="#ppt_x"/>
+                                          </p:val>
+                                        </p:tav>
+                                        <p:tav tm="100000">
+                                          <p:val>
+                                            <p:strVal val="#ppt_x"/>
+                                          </p:val>
+                                        </p:tav>
+                                      </p:tavLst>
+                                    </p:anim>
+                                    <p:anim calcmode="lin" valueType="num">
+                                      <p:cBhvr>
+                                        <p:cTn id="13" dur="250" fill="hold"/>
+                                        <p:tgtEl>
+                                          <p:spTgt spid="37"/>
+                                        </p:tgtEl>
+                                        <p:attrNameLst>
+                                          <p:attrName>ppt_y</p:attrName>
+                                        </p:attrNameLst>
+                                      </p:cBhvr>
+                                      <p:tavLst>
+                                        <p:tav tm="0">
+                                          <p:val>
+                                            <p:strVal val="#ppt_y-#ppt_h/2"/>
+                                          </p:val>
+                                        </p:tav>
+                                        <p:tav tm="100000">
+                                          <p:val>
+                                            <p:strVal val="#ppt_y"/>
+                                          </p:val>
+                                        </p:tav>
+                                      </p:tavLst>
+                                    </p:anim>
+                                    <p:anim calcmode="lin" valueType="num">
+                                      <p:cBhvr>
+                                        <p:cTn id="14" dur="250" fill="hold"/>
+                                        <p:tgtEl>
+                                          <p:spTgt spid="37"/>
+                                        </p:tgtEl>
+                                        <p:attrNameLst>
+                                          <p:attrName>ppt_w</p:attrName>
+                                        </p:attrNameLst>
+                                      </p:cBhvr>
+                                      <p:tavLst>
+                                        <p:tav tm="0">
+                                          <p:val>
+                                            <p:strVal val="#ppt_w"/>
+                                          </p:val>
+                                        </p:tav>
+                                        <p:tav tm="100000">
+                                          <p:val>
+                                            <p:strVal val="#ppt_w"/>
+                                          </p:val>
+                                        </p:tav>
+                                      </p:tavLst>
+                                    </p:anim>
+                                    <p:anim calcmode="lin" valueType="num">
+                                      <p:cBhvr>
+                                        <p:cTn id="15" dur="250" fill="hold"/>
+                                        <p:tgtEl>
+                                          <p:spTgt spid="37"/>
+                                        </p:tgtEl>
+                                        <p:attrNameLst>
+                                          <p:attrName>ppt_h</p:attrName>
+                                        </p:attrNameLst>
+                                      </p:cBhvr>
+                                      <p:tavLst>
+                                        <p:tav tm="0">
+                                          <p:val>
+                                            <p:fltVal val="0"/>
+                                          </p:val>
+                                        </p:tav>
+                                        <p:tav tm="100000">
+                                          <p:val>
+                                            <p:strVal val="#ppt_h"/>
+                                          </p:val>
+                                        </p:tav>
+                                      </p:tavLst>
+                                    </p:anim>
+                                  </p:childTnLst>
+                                </p:cTn>
+                              </p:par>
+                            </p:childTnLst>
+                          </p:cTn>
+                        </p:par>
+                      </p:childTnLst>
+                    </p:cTn>
+                  </p:par>
+                </p:childTnLst>
+              </p:cTn>
+              <p:prevCondLst>
+                <p:cond evt="onPrev" delay="0">
+                  <p:tgtEl>
+                    <p:sldTgt/>
+                  </p:tgtEl>
+                </p:cond>
+              </p:prevCondLst>
+              <p:nextCondLst>
+                <p:cond evt="onNext" delay="0">
+                  <p:tgtEl>
+                    <p:sldTgt/>
+                  </p:tgtEl>
+                </p:cond>
+              </p:nextCondLst>
+            </p:seq>
+          </p:childTnLst>
+        </p:cTn>
+      </p:par>
+    </p:tnLst>
+    <p:bldLst>
+      <p:bldP spid="36" grpId="0" bldLvl="0" animBg="1"/>
+      <p:bldP spid="37" grpId="0"/>
+    </p:bldLst>
+  </p:timing>
+</p:sld>
+</file>
+
+<file path=ppt/slides/slide4.xml><?xml version="1.0" encoding="utf-8"?>
+<p:sld xmlns:a="http://schemas.openxmlformats.org/drawingml/2006/main" xmlns:r="http://schemas.openxmlformats.org/officeDocument/2006/relationships" xmlns:p="http://schemas.openxmlformats.org/presentationml/2006/main">
+  <p:cSld>
+    <p:spTree>
+      <p:nvGrpSpPr>
+        <p:cNvPr id="1" name=""/>
+        <p:cNvGrpSpPr/>
+        <p:nvPr/>
+      </p:nvGrpSpPr>
+      <p:grpSpPr>
+        <a:xfrm>
+          <a:off x="0" y="0"/>
+          <a:ext cx="0" cy="0"/>
+          <a:chOff x="0" y="0"/>
+          <a:chExt cx="0" cy="0"/>
+        </a:xfrm>
+      </p:grpSpPr>
+      <p:sp>
+        <p:nvSpPr>
+          <p:cNvPr id="2" name="矩形 1"/>
+          <p:cNvSpPr/>
+          <p:nvPr/>
+        </p:nvSpPr>
+        <p:spPr>
+          <a:xfrm>
+            <a:off x="237030" y="1171"/>
+            <a:ext cx="1608415" cy="135446"/>
+          </a:xfrm>
+          <a:prstGeom prst="rect">
+            <a:avLst/>
+          </a:prstGeom>
+          <a:solidFill>
+            <a:srgbClr val="183A5D"/>
+          </a:solidFill>
+          <a:ln>
+            <a:noFill/>
+          </a:ln>
+        </p:spPr>
+        <p:style>
+          <a:lnRef idx="2">
+            <a:schemeClr val="accent1">
+              <a:shade val="50000"/>
+            </a:schemeClr>
+          </a:lnRef>
+          <a:fillRef idx="1">
+            <a:schemeClr val="accent1"/>
+          </a:fillRef>
+          <a:effectRef idx="0">
+            <a:schemeClr val="accent1"/>
+          </a:effectRef>
+          <a:fontRef idx="minor">
+            <a:schemeClr val="lt1"/>
+          </a:fontRef>
+        </p:style>
+        <p:txBody>
+          <a:bodyPr rtlCol="0" anchor="ctr"/>
+          <a:lstStyle/>
+          <a:p>
+            <a:pPr algn="ctr"/>
+            <a:endParaRPr lang="zh-CN" altLang="en-US" sz="2800"/>
+          </a:p>
+        </p:txBody>
+      </p:sp>
+      <p:sp>
+        <p:nvSpPr>
+          <p:cNvPr id="3" name="矩形 2"/>
+          <p:cNvSpPr/>
+          <p:nvPr/>
+        </p:nvSpPr>
+        <p:spPr>
+          <a:xfrm>
+            <a:off x="237030" y="255131"/>
+            <a:ext cx="1608415" cy="406336"/>
+          </a:xfrm>
+          <a:prstGeom prst="rect">
+            <a:avLst/>
+          </a:prstGeom>
+          <a:solidFill>
+            <a:srgbClr val="183A5D"/>
+          </a:solidFill>
+          <a:ln>
+            <a:noFill/>
+          </a:ln>
+        </p:spPr>
+        <p:style>
+          <a:lnRef idx="2">
+            <a:schemeClr val="accent1">
+              <a:shade val="50000"/>
+            </a:schemeClr>
+          </a:lnRef>
+          <a:fillRef idx="1">
+            <a:schemeClr val="accent1"/>
+          </a:fillRef>
+          <a:effectRef idx="0">
+            <a:schemeClr val="accent1"/>
+          </a:effectRef>
+          <a:fontRef idx="minor">
+            <a:schemeClr val="lt1"/>
+          </a:fontRef>
+        </p:style>
+        <p:txBody>
+          <a:bodyPr rtlCol="0" anchor="ctr"/>
+          <a:lstStyle/>
+          <a:p>
+            <a:pPr algn="ctr"/>
+            <a:r>
+              <a:rPr lang="en-US" sz="2400" dirty="0"/>
+              <a:t>2</a:t>
+            </a:r>
+          </a:p>
+        </p:txBody>
+      </p:sp>
+      <p:sp>
+        <p:nvSpPr>
+          <p:cNvPr id="4" name="文本框 3"/>
+          <p:cNvSpPr txBox="1"/>
+          <p:nvPr/>
+        </p:nvSpPr>
+        <p:spPr>
+          <a:xfrm>
+            <a:off x="2236548" y="136356"/>
+            <a:ext cx="6052718" cy="501650"/>
+          </a:xfrm>
+          <a:prstGeom prst="rect">
+            <a:avLst/>
+          </a:prstGeom>
+          <a:noFill/>
+        </p:spPr>
+        <p:txBody>
+          <a:bodyPr wrap="square" rtlCol="0">
+            <a:spAutoFit/>
+          </a:bodyPr>
+          <a:lstStyle/>
+          <a:p>
+            <a:endParaRPr lang="zh-CN" sz="2665" dirty="0">
+              <a:solidFill>
+                <a:srgbClr val="183A5D"/>
+              </a:solidFill>
+              <a:latin typeface="微软雅黑" panose="020B0503020204020204" pitchFamily="34" charset="-122"/>
+              <a:ea typeface="微软雅黑" panose="020B0503020204020204" pitchFamily="34" charset="-122"/>
+            </a:endParaRPr>
+          </a:p>
+        </p:txBody>
+      </p:sp>
+      <p:sp>
+        <p:nvSpPr>
+          <p:cNvPr id="6" name="文本框 5"/>
+          <p:cNvSpPr txBox="1"/>
+          <p:nvPr/>
+        </p:nvSpPr>
+        <p:spPr>
+          <a:xfrm>
+            <a:off x="2226388" y="159851"/>
+            <a:ext cx="6052718" cy="501650"/>
+          </a:xfrm>
+          <a:prstGeom prst="rect">
+            <a:avLst/>
+          </a:prstGeom>
+          <a:noFill/>
+        </p:spPr>
+        <p:txBody>
+          <a:bodyPr wrap="square" rtlCol="0">
+            <a:spAutoFit/>
+          </a:bodyPr>
+          <a:lstStyle/>
+          <a:p>
+            <a:r>
+              <a:rPr lang="zh-CN" altLang="en-US" sz="2665" dirty="0" smtClean="0">
+                <a:solidFill>
+                  <a:srgbClr val="183A5D"/>
+                </a:solidFill>
+                <a:latin typeface="微软雅黑" panose="020B0503020204020204" pitchFamily="34" charset="-122"/>
+                <a:ea typeface="微软雅黑" panose="020B0503020204020204" pitchFamily="34" charset="-122"/>
+              </a:rPr>
+              <a:t>用例图</a:t>
+            </a:r>
+            <a:endParaRPr lang="zh-CN" sz="2665" dirty="0">
+              <a:solidFill>
+                <a:srgbClr val="183A5D"/>
+              </a:solidFill>
+              <a:latin typeface="微软雅黑" panose="020B0503020204020204" pitchFamily="34" charset="-122"/>
+              <a:ea typeface="微软雅黑" panose="020B0503020204020204" pitchFamily="34" charset="-122"/>
+            </a:endParaRPr>
+          </a:p>
+        </p:txBody>
+      </p:sp>
+      <p:pic>
+        <p:nvPicPr>
+          <p:cNvPr id="8" name="图片 7"/>
+          <p:cNvPicPr>
+            <a:picLocks noChangeAspect="1"/>
+          </p:cNvPicPr>
+          <p:nvPr/>
+        </p:nvPicPr>
+        <p:blipFill>
+          <a:blip r:embed="rId2"/>
+          <a:stretch>
+            <a:fillRect/>
+          </a:stretch>
+        </p:blipFill>
+        <p:spPr>
+          <a:xfrm>
+            <a:off x="8615486" y="2349674"/>
+            <a:ext cx="1952625" cy="1133475"/>
+          </a:xfrm>
+          <a:prstGeom prst="rect">
+            <a:avLst/>
+          </a:prstGeom>
+        </p:spPr>
+      </p:pic>
+      <p:grpSp>
+        <p:nvGrpSpPr>
+          <p:cNvPr id="5" name="组合 4"/>
+          <p:cNvGrpSpPr/>
+          <p:nvPr/>
+        </p:nvGrpSpPr>
+        <p:grpSpPr>
+          <a:xfrm>
+            <a:off x="236855" y="1261110"/>
+            <a:ext cx="6105525" cy="4904740"/>
+            <a:chOff x="237030" y="1269554"/>
+            <a:chExt cx="7776864" cy="4896544"/>
+          </a:xfrm>
+        </p:grpSpPr>
+        <p:sp>
+          <p:nvSpPr>
+            <p:cNvPr id="7" name="矩形 6"/>
+            <p:cNvSpPr/>
+            <p:nvPr/>
+          </p:nvSpPr>
+          <p:spPr>
+            <a:xfrm>
+              <a:off x="751947" y="2208716"/>
+              <a:ext cx="6092825" cy="2349378"/>
+            </a:xfrm>
+            <a:prstGeom prst="rect">
+              <a:avLst/>
+            </a:prstGeom>
+          </p:spPr>
+          <p:txBody>
+            <a:bodyPr>
+              <a:spAutoFit/>
+            </a:bodyPr>
+            <a:lstStyle/>
+            <a:p>
+              <a:endParaRPr lang="en-US" altLang="zh-CN" dirty="0">
+                <a:solidFill>
+                  <a:srgbClr val="000000"/>
+                </a:solidFill>
+                <a:latin typeface="Verdana" panose="020B0604030504040204" pitchFamily="34" charset="0"/>
+              </a:endParaRPr>
+            </a:p>
+            <a:p>
+              <a:r>
+                <a:rPr lang="en-US" altLang="zh-CN" dirty="0">
+                  <a:solidFill>
+                    <a:srgbClr val="000000"/>
+                  </a:solidFill>
+                  <a:latin typeface="Verdana" panose="020B0604030504040204" pitchFamily="34" charset="0"/>
+                </a:rPr>
+                <a:t> </a:t>
+              </a:r>
+              <a:r>
+                <a:rPr lang="zh-CN" altLang="en-US" dirty="0">
+                  <a:solidFill>
+                    <a:srgbClr val="000000"/>
+                  </a:solidFill>
+                  <a:latin typeface="Verdana" panose="020B0604030504040204" pitchFamily="34" charset="0"/>
+                </a:rPr>
+                <a:t>　　用例图由以下几个元素组成：</a:t>
+              </a:r>
+            </a:p>
+            <a:p>
+              <a:r>
+                <a:rPr lang="en-US" altLang="zh-CN" b="0" i="0" dirty="0">
+                  <a:solidFill>
+                    <a:srgbClr val="000000"/>
+                  </a:solidFill>
+                  <a:effectLst/>
+                  <a:latin typeface="Verdana" panose="020B0604030504040204" pitchFamily="34" charset="0"/>
+                </a:rPr>
+                <a:t>	</a:t>
+              </a:r>
+            </a:p>
+            <a:p>
+              <a:r>
+                <a:rPr lang="en-US" altLang="zh-CN" b="0" i="0" dirty="0">
+                  <a:solidFill>
+                    <a:srgbClr val="000000"/>
+                  </a:solidFill>
+                  <a:effectLst/>
+                  <a:latin typeface="Verdana" panose="020B0604030504040204" pitchFamily="34" charset="0"/>
+                </a:rPr>
+                <a:t>1.</a:t>
+              </a:r>
+              <a:r>
+                <a:rPr lang="zh-CN" altLang="en-US" b="0" i="0" dirty="0">
+                  <a:solidFill>
+                    <a:srgbClr val="000000"/>
+                  </a:solidFill>
+                  <a:effectLst/>
+                  <a:latin typeface="Verdana" panose="020B0604030504040204" pitchFamily="34" charset="0"/>
+                </a:rPr>
+                <a:t>参与者，也称为角色代表系统的用户</a:t>
+              </a:r>
+            </a:p>
+            <a:p>
+              <a:r>
+                <a:rPr lang="en-US" altLang="zh-CN" b="0" i="0" dirty="0">
+                  <a:solidFill>
+                    <a:srgbClr val="000000"/>
+                  </a:solidFill>
+                  <a:effectLst/>
+                  <a:latin typeface="Verdana" panose="020B0604030504040204" pitchFamily="34" charset="0"/>
+                </a:rPr>
+                <a:t>2.</a:t>
+              </a:r>
+              <a:r>
+                <a:rPr lang="zh-CN" altLang="en-US" b="0" i="0" dirty="0">
+                  <a:solidFill>
+                    <a:srgbClr val="000000"/>
+                  </a:solidFill>
+                  <a:effectLst/>
+                  <a:latin typeface="Verdana" panose="020B0604030504040204" pitchFamily="34" charset="0"/>
+                </a:rPr>
+                <a:t>系统边界，确定系统的范围</a:t>
+              </a:r>
+            </a:p>
+            <a:p>
+              <a:r>
+                <a:rPr lang="en-US" altLang="zh-CN" b="0" i="0" dirty="0">
+                  <a:solidFill>
+                    <a:srgbClr val="000000"/>
+                  </a:solidFill>
+                  <a:effectLst/>
+                  <a:latin typeface="Verdana" panose="020B0604030504040204" pitchFamily="34" charset="0"/>
+                </a:rPr>
+                <a:t>3.</a:t>
+              </a:r>
+              <a:r>
+                <a:rPr lang="zh-CN" altLang="en-US" b="0" i="0" dirty="0">
+                  <a:solidFill>
+                    <a:srgbClr val="000000"/>
+                  </a:solidFill>
+                  <a:effectLst/>
+                  <a:latin typeface="Verdana" panose="020B0604030504040204" pitchFamily="34" charset="0"/>
+                </a:rPr>
+                <a:t>用例，代表系统提供的服务</a:t>
+              </a:r>
+            </a:p>
+            <a:p>
+              <a:r>
+                <a:rPr lang="en-US" altLang="zh-CN" b="0" i="0" dirty="0">
+                  <a:solidFill>
+                    <a:srgbClr val="000000"/>
+                  </a:solidFill>
+                  <a:effectLst/>
+                  <a:latin typeface="Verdana" panose="020B0604030504040204" pitchFamily="34" charset="0"/>
+                </a:rPr>
+                <a:t>4.</a:t>
+              </a:r>
+              <a:r>
+                <a:rPr lang="zh-CN" altLang="en-US" b="0" i="0" dirty="0">
+                  <a:solidFill>
+                    <a:srgbClr val="000000"/>
+                  </a:solidFill>
+                  <a:effectLst/>
+                  <a:latin typeface="Verdana" panose="020B0604030504040204" pitchFamily="34" charset="0"/>
+                </a:rPr>
+                <a:t>关联，表示参与者与用例的关系</a:t>
+              </a:r>
+            </a:p>
+          </p:txBody>
+        </p:sp>
+        <p:grpSp>
+          <p:nvGrpSpPr>
+            <p:cNvPr id="10" name="组合 9"/>
+            <p:cNvGrpSpPr/>
+            <p:nvPr/>
+          </p:nvGrpSpPr>
+          <p:grpSpPr>
+            <a:xfrm>
+              <a:off x="237030" y="1269554"/>
+              <a:ext cx="7776864" cy="4896544"/>
+              <a:chOff x="1285643" y="1772435"/>
+              <a:chExt cx="7135479" cy="3572664"/>
+            </a:xfrm>
+          </p:grpSpPr>
+          <p:sp>
+            <p:nvSpPr>
+              <p:cNvPr id="11" name="矩形 10"/>
+              <p:cNvSpPr/>
+              <p:nvPr/>
+            </p:nvSpPr>
+            <p:spPr>
+              <a:xfrm>
+                <a:off x="1285644" y="2104682"/>
+                <a:ext cx="7135478" cy="3240417"/>
+              </a:xfrm>
+              <a:prstGeom prst="rect">
+                <a:avLst/>
+              </a:prstGeom>
+              <a:noFill/>
+              <a:ln w="12700">
+                <a:solidFill>
+                  <a:srgbClr val="346182"/>
+                </a:solidFill>
+              </a:ln>
+            </p:spPr>
+            <p:style>
+              <a:lnRef idx="2">
+                <a:schemeClr val="accent1">
+                  <a:shade val="50000"/>
+                </a:schemeClr>
+              </a:lnRef>
+              <a:fillRef idx="1">
+                <a:schemeClr val="accent1"/>
+              </a:fillRef>
+              <a:effectRef idx="0">
+                <a:schemeClr val="accent1"/>
+              </a:effectRef>
+              <a:fontRef idx="minor">
+                <a:schemeClr val="lt1"/>
+              </a:fontRef>
+            </p:style>
+            <p:txBody>
+              <a:bodyPr rtlCol="0" anchor="ctr"/>
+              <a:lstStyle/>
+              <a:p>
+                <a:pPr algn="ctr"/>
+                <a:endParaRPr lang="zh-CN" altLang="en-US" sz="1350"/>
+              </a:p>
+            </p:txBody>
+          </p:sp>
+          <p:sp>
+            <p:nvSpPr>
+              <p:cNvPr id="12" name="矩形 11"/>
+              <p:cNvSpPr/>
+              <p:nvPr/>
+            </p:nvSpPr>
+            <p:spPr>
+              <a:xfrm>
+                <a:off x="1285643" y="1772435"/>
+                <a:ext cx="2114216" cy="338554"/>
+              </a:xfrm>
+              <a:prstGeom prst="rect">
+                <a:avLst/>
+              </a:prstGeom>
+              <a:solidFill>
+                <a:srgbClr val="183A5D"/>
+              </a:solidFill>
+              <a:ln>
+                <a:noFill/>
+              </a:ln>
+            </p:spPr>
+            <p:style>
+              <a:lnRef idx="2">
+                <a:schemeClr val="accent1">
+                  <a:shade val="50000"/>
+                </a:schemeClr>
+              </a:lnRef>
+              <a:fillRef idx="1">
+                <a:schemeClr val="accent1"/>
+              </a:fillRef>
+              <a:effectRef idx="0">
+                <a:schemeClr val="accent1"/>
+              </a:effectRef>
+              <a:fontRef idx="minor">
+                <a:schemeClr val="lt1"/>
+              </a:fontRef>
+            </p:style>
+            <p:txBody>
+              <a:bodyPr rtlCol="0" anchor="ctr"/>
+              <a:lstStyle/>
+              <a:p>
+                <a:pPr algn="ctr"/>
+                <a:endParaRPr lang="zh-CN" altLang="en-US" sz="1350"/>
+              </a:p>
+            </p:txBody>
+          </p:sp>
+        </p:grpSp>
+      </p:grpSp>
+      <p:pic>
+        <p:nvPicPr>
+          <p:cNvPr id="9" name="图片 8"/>
+          <p:cNvPicPr>
+            <a:picLocks noChangeAspect="1"/>
+          </p:cNvPicPr>
+          <p:nvPr/>
+        </p:nvPicPr>
+        <p:blipFill>
+          <a:blip r:embed="rId3"/>
+          <a:stretch>
+            <a:fillRect/>
+          </a:stretch>
+        </p:blipFill>
+        <p:spPr>
+          <a:xfrm>
+            <a:off x="6690995" y="2201545"/>
+            <a:ext cx="4869815" cy="3413760"/>
+          </a:xfrm>
+          <a:prstGeom prst="rect">
+            <a:avLst/>
+          </a:prstGeom>
+        </p:spPr>
+      </p:pic>
+    </p:spTree>
+  </p:cSld>
+  <p:clrMapOvr>
+    <a:masterClrMapping/>
+  </p:clrMapOvr>
+  <p:transition spd="slow" advClick="0" advTm="0">
+    <p:wipe/>
+  </p:transition>
+  <p:timing>
+    <p:tnLst>
+      <p:par>
+        <p:cTn id="1" dur="indefinite" restart="never" nodeType="tmRoot"/>
+      </p:par>
+    </p:tnLst>
+  </p:timing>
+</p:sld>
+</file>
+
+<file path=ppt/slides/slide40.xml><?xml version="1.0" encoding="utf-8"?>
+<p:sld xmlns:a="http://schemas.openxmlformats.org/drawingml/2006/main" xmlns:r="http://schemas.openxmlformats.org/officeDocument/2006/relationships" xmlns:p="http://schemas.openxmlformats.org/presentationml/2006/main">
+  <p:cSld>
+    <p:spTree>
+      <p:nvGrpSpPr>
+        <p:cNvPr id="1" name=""/>
+        <p:cNvGrpSpPr/>
+        <p:nvPr/>
+      </p:nvGrpSpPr>
+      <p:grpSpPr>
+        <a:xfrm>
+          <a:off x="0" y="0"/>
+          <a:ext cx="0" cy="0"/>
+          <a:chOff x="0" y="0"/>
+          <a:chExt cx="0" cy="0"/>
+        </a:xfrm>
+      </p:grpSpPr>
       <p:cxnSp>
         <p:nvCxnSpPr>
           <p:cNvPr id="30" name="直接连接符 29"/>
@@ -23875,8 +24981,8 @@
         </p:nvSpPr>
         <p:spPr>
           <a:xfrm>
-            <a:off x="3663094" y="4778722"/>
-            <a:ext cx="2552267" cy="384705"/>
+            <a:off x="3784922" y="4778722"/>
+            <a:ext cx="2308610" cy="384705"/>
           </a:xfrm>
           <a:prstGeom prst="rect">
             <a:avLst/>
@@ -23891,7 +24997,7 @@
           <a:p>
             <a:pPr algn="ctr"/>
             <a:r>
-              <a:rPr lang="en-US" altLang="zh-CN" sz="1900" dirty="0">
+              <a:rPr lang="en-US" altLang="zh-CN" sz="1900" dirty="0" smtClean="0">
                 <a:solidFill>
                   <a:schemeClr val="tx1">
                     <a:lumMod val="85000"/>
@@ -23915,19 +25021,6 @@
                 <a:ea typeface="微软雅黑" panose="020B0503020204020204" pitchFamily="34" charset="-122"/>
               </a:rPr>
               <a:t>2018</a:t>
-            </a:r>
-            <a:r>
-              <a:rPr lang="zh-CN" altLang="en-US" sz="1900" dirty="0">
-                <a:solidFill>
-                  <a:schemeClr val="tx1">
-                    <a:lumMod val="85000"/>
-                    <a:lumOff val="15000"/>
-                  </a:schemeClr>
-                </a:solidFill>
-                <a:latin typeface="微软雅黑" panose="020B0503020204020204" pitchFamily="34" charset="-122"/>
-                <a:ea typeface="微软雅黑" panose="020B0503020204020204" pitchFamily="34" charset="-122"/>
-              </a:rPr>
-              <a:t>秋</a:t>
             </a:r>
             <a:r>
               <a:rPr lang="en-US" altLang="zh-CN" sz="1900" dirty="0" smtClean="0">
@@ -24039,8 +25132,8 @@
         </p:nvSpPr>
         <p:spPr>
           <a:xfrm>
-            <a:off x="6349371" y="4778722"/>
-            <a:ext cx="1914272" cy="384705"/>
+            <a:off x="6278037" y="4778722"/>
+            <a:ext cx="2056940" cy="384705"/>
           </a:xfrm>
           <a:prstGeom prst="rect">
             <a:avLst/>
@@ -24081,7 +25174,7 @@
               <a:t>年</a:t>
             </a:r>
             <a:r>
-              <a:rPr lang="en-US" altLang="zh-CN" sz="1900" dirty="0">
+              <a:rPr lang="en-US" altLang="zh-CN" sz="1900" dirty="0" smtClean="0">
                 <a:solidFill>
                   <a:schemeClr val="tx1">
                     <a:lumMod val="85000"/>
@@ -24091,7 +25184,7 @@
                 <a:latin typeface="微软雅黑" panose="020B0503020204020204" pitchFamily="34" charset="-122"/>
                 <a:ea typeface="微软雅黑" panose="020B0503020204020204" pitchFamily="34" charset="-122"/>
               </a:rPr>
-              <a:t>9</a:t>
+              <a:t>10</a:t>
             </a:r>
             <a:r>
               <a:rPr lang="zh-CN" altLang="en-US" sz="1900" dirty="0" smtClean="0">
@@ -24117,7 +25210,7 @@
                 <a:latin typeface="微软雅黑" panose="020B0503020204020204" pitchFamily="34" charset="-122"/>
                 <a:ea typeface="微软雅黑" panose="020B0503020204020204" pitchFamily="34" charset="-122"/>
               </a:rPr>
-              <a:t>30</a:t>
+              <a:t>31</a:t>
             </a:r>
             <a:r>
               <a:rPr lang="zh-CN" altLang="en-US" sz="1900" dirty="0" smtClean="0">
@@ -25026,530 +26119,6 @@
 </p:sld>
 </file>
 
-<file path=ppt/slides/slide4.xml><?xml version="1.0" encoding="utf-8"?>
-<p:sld xmlns:a="http://schemas.openxmlformats.org/drawingml/2006/main" xmlns:r="http://schemas.openxmlformats.org/officeDocument/2006/relationships" xmlns:p="http://schemas.openxmlformats.org/presentationml/2006/main">
-  <p:cSld>
-    <p:spTree>
-      <p:nvGrpSpPr>
-        <p:cNvPr id="1" name=""/>
-        <p:cNvGrpSpPr/>
-        <p:nvPr/>
-      </p:nvGrpSpPr>
-      <p:grpSpPr>
-        <a:xfrm>
-          <a:off x="0" y="0"/>
-          <a:ext cx="0" cy="0"/>
-          <a:chOff x="0" y="0"/>
-          <a:chExt cx="0" cy="0"/>
-        </a:xfrm>
-      </p:grpSpPr>
-      <p:sp>
-        <p:nvSpPr>
-          <p:cNvPr id="2" name="矩形 1"/>
-          <p:cNvSpPr/>
-          <p:nvPr/>
-        </p:nvSpPr>
-        <p:spPr>
-          <a:xfrm>
-            <a:off x="237030" y="1171"/>
-            <a:ext cx="1608415" cy="135446"/>
-          </a:xfrm>
-          <a:prstGeom prst="rect">
-            <a:avLst/>
-          </a:prstGeom>
-          <a:solidFill>
-            <a:srgbClr val="183A5D"/>
-          </a:solidFill>
-          <a:ln>
-            <a:noFill/>
-          </a:ln>
-        </p:spPr>
-        <p:style>
-          <a:lnRef idx="2">
-            <a:schemeClr val="accent1">
-              <a:shade val="50000"/>
-            </a:schemeClr>
-          </a:lnRef>
-          <a:fillRef idx="1">
-            <a:schemeClr val="accent1"/>
-          </a:fillRef>
-          <a:effectRef idx="0">
-            <a:schemeClr val="accent1"/>
-          </a:effectRef>
-          <a:fontRef idx="minor">
-            <a:schemeClr val="lt1"/>
-          </a:fontRef>
-        </p:style>
-        <p:txBody>
-          <a:bodyPr rtlCol="0" anchor="ctr"/>
-          <a:lstStyle/>
-          <a:p>
-            <a:pPr algn="ctr"/>
-            <a:endParaRPr lang="zh-CN" altLang="en-US" sz="2800"/>
-          </a:p>
-        </p:txBody>
-      </p:sp>
-      <p:sp>
-        <p:nvSpPr>
-          <p:cNvPr id="3" name="矩形 2"/>
-          <p:cNvSpPr/>
-          <p:nvPr/>
-        </p:nvSpPr>
-        <p:spPr>
-          <a:xfrm>
-            <a:off x="237030" y="255131"/>
-            <a:ext cx="1608415" cy="406336"/>
-          </a:xfrm>
-          <a:prstGeom prst="rect">
-            <a:avLst/>
-          </a:prstGeom>
-          <a:solidFill>
-            <a:srgbClr val="183A5D"/>
-          </a:solidFill>
-          <a:ln>
-            <a:noFill/>
-          </a:ln>
-        </p:spPr>
-        <p:style>
-          <a:lnRef idx="2">
-            <a:schemeClr val="accent1">
-              <a:shade val="50000"/>
-            </a:schemeClr>
-          </a:lnRef>
-          <a:fillRef idx="1">
-            <a:schemeClr val="accent1"/>
-          </a:fillRef>
-          <a:effectRef idx="0">
-            <a:schemeClr val="accent1"/>
-          </a:effectRef>
-          <a:fontRef idx="minor">
-            <a:schemeClr val="lt1"/>
-          </a:fontRef>
-        </p:style>
-        <p:txBody>
-          <a:bodyPr rtlCol="0" anchor="ctr"/>
-          <a:lstStyle/>
-          <a:p>
-            <a:pPr algn="ctr"/>
-            <a:r>
-              <a:rPr lang="en-US" sz="2400" dirty="0"/>
-              <a:t>2</a:t>
-            </a:r>
-          </a:p>
-        </p:txBody>
-      </p:sp>
-      <p:sp>
-        <p:nvSpPr>
-          <p:cNvPr id="4" name="文本框 3"/>
-          <p:cNvSpPr txBox="1"/>
-          <p:nvPr/>
-        </p:nvSpPr>
-        <p:spPr>
-          <a:xfrm>
-            <a:off x="2236548" y="136356"/>
-            <a:ext cx="6052718" cy="501650"/>
-          </a:xfrm>
-          <a:prstGeom prst="rect">
-            <a:avLst/>
-          </a:prstGeom>
-          <a:noFill/>
-        </p:spPr>
-        <p:txBody>
-          <a:bodyPr wrap="square" rtlCol="0">
-            <a:spAutoFit/>
-          </a:bodyPr>
-          <a:lstStyle/>
-          <a:p>
-            <a:endParaRPr lang="zh-CN" sz="2665" dirty="0">
-              <a:solidFill>
-                <a:srgbClr val="183A5D"/>
-              </a:solidFill>
-              <a:latin typeface="微软雅黑" panose="020B0503020204020204" pitchFamily="34" charset="-122"/>
-              <a:ea typeface="微软雅黑" panose="020B0503020204020204" pitchFamily="34" charset="-122"/>
-            </a:endParaRPr>
-          </a:p>
-        </p:txBody>
-      </p:sp>
-      <p:sp>
-        <p:nvSpPr>
-          <p:cNvPr id="6" name="文本框 5"/>
-          <p:cNvSpPr txBox="1"/>
-          <p:nvPr/>
-        </p:nvSpPr>
-        <p:spPr>
-          <a:xfrm>
-            <a:off x="2226388" y="159851"/>
-            <a:ext cx="6052718" cy="501650"/>
-          </a:xfrm>
-          <a:prstGeom prst="rect">
-            <a:avLst/>
-          </a:prstGeom>
-          <a:noFill/>
-        </p:spPr>
-        <p:txBody>
-          <a:bodyPr wrap="square" rtlCol="0">
-            <a:spAutoFit/>
-          </a:bodyPr>
-          <a:lstStyle/>
-          <a:p>
-            <a:r>
-              <a:rPr lang="zh-CN" altLang="en-US" sz="2665" dirty="0" smtClean="0">
-                <a:solidFill>
-                  <a:srgbClr val="183A5D"/>
-                </a:solidFill>
-                <a:latin typeface="微软雅黑" panose="020B0503020204020204" pitchFamily="34" charset="-122"/>
-                <a:ea typeface="微软雅黑" panose="020B0503020204020204" pitchFamily="34" charset="-122"/>
-              </a:rPr>
-              <a:t>用例图</a:t>
-            </a:r>
-            <a:endParaRPr lang="zh-CN" sz="2665" dirty="0">
-              <a:solidFill>
-                <a:srgbClr val="183A5D"/>
-              </a:solidFill>
-              <a:latin typeface="微软雅黑" panose="020B0503020204020204" pitchFamily="34" charset="-122"/>
-              <a:ea typeface="微软雅黑" panose="020B0503020204020204" pitchFamily="34" charset="-122"/>
-            </a:endParaRPr>
-          </a:p>
-        </p:txBody>
-      </p:sp>
-      <p:pic>
-        <p:nvPicPr>
-          <p:cNvPr id="8" name="图片 7"/>
-          <p:cNvPicPr>
-            <a:picLocks noChangeAspect="1"/>
-          </p:cNvPicPr>
-          <p:nvPr/>
-        </p:nvPicPr>
-        <p:blipFill>
-          <a:blip r:embed="rId2"/>
-          <a:stretch>
-            <a:fillRect/>
-          </a:stretch>
-        </p:blipFill>
-        <p:spPr>
-          <a:xfrm>
-            <a:off x="8615486" y="2349674"/>
-            <a:ext cx="1952625" cy="1133475"/>
-          </a:xfrm>
-          <a:prstGeom prst="rect">
-            <a:avLst/>
-          </a:prstGeom>
-        </p:spPr>
-      </p:pic>
-      <p:grpSp>
-        <p:nvGrpSpPr>
-          <p:cNvPr id="5" name="组合 4"/>
-          <p:cNvGrpSpPr/>
-          <p:nvPr/>
-        </p:nvGrpSpPr>
-        <p:grpSpPr>
-          <a:xfrm>
-            <a:off x="236855" y="1261110"/>
-            <a:ext cx="6105525" cy="4904740"/>
-            <a:chOff x="237030" y="1269554"/>
-            <a:chExt cx="7776864" cy="4896544"/>
-          </a:xfrm>
-        </p:grpSpPr>
-        <p:sp>
-          <p:nvSpPr>
-            <p:cNvPr id="7" name="矩形 6"/>
-            <p:cNvSpPr/>
-            <p:nvPr/>
-          </p:nvSpPr>
-          <p:spPr>
-            <a:xfrm>
-              <a:off x="751947" y="2208716"/>
-              <a:ext cx="6092825" cy="2349378"/>
-            </a:xfrm>
-            <a:prstGeom prst="rect">
-              <a:avLst/>
-            </a:prstGeom>
-          </p:spPr>
-          <p:txBody>
-            <a:bodyPr>
-              <a:spAutoFit/>
-            </a:bodyPr>
-            <a:lstStyle/>
-            <a:p>
-              <a:endParaRPr lang="en-US" altLang="zh-CN" dirty="0">
-                <a:solidFill>
-                  <a:srgbClr val="000000"/>
-                </a:solidFill>
-                <a:latin typeface="Verdana" panose="020B0604030504040204" pitchFamily="34" charset="0"/>
-              </a:endParaRPr>
-            </a:p>
-            <a:p>
-              <a:r>
-                <a:rPr lang="en-US" altLang="zh-CN" dirty="0">
-                  <a:solidFill>
-                    <a:srgbClr val="000000"/>
-                  </a:solidFill>
-                  <a:latin typeface="Verdana" panose="020B0604030504040204" pitchFamily="34" charset="0"/>
-                </a:rPr>
-                <a:t> </a:t>
-              </a:r>
-              <a:r>
-                <a:rPr lang="zh-CN" altLang="en-US" dirty="0">
-                  <a:solidFill>
-                    <a:srgbClr val="000000"/>
-                  </a:solidFill>
-                  <a:latin typeface="Verdana" panose="020B0604030504040204" pitchFamily="34" charset="0"/>
-                </a:rPr>
-                <a:t>　　用例图由以下几个元素组成：</a:t>
-              </a:r>
-            </a:p>
-            <a:p>
-              <a:r>
-                <a:rPr lang="en-US" altLang="zh-CN" b="0" i="0" dirty="0">
-                  <a:solidFill>
-                    <a:srgbClr val="000000"/>
-                  </a:solidFill>
-                  <a:effectLst/>
-                  <a:latin typeface="Verdana" panose="020B0604030504040204" pitchFamily="34" charset="0"/>
-                </a:rPr>
-                <a:t>	</a:t>
-              </a:r>
-            </a:p>
-            <a:p>
-              <a:r>
-                <a:rPr lang="en-US" altLang="zh-CN" b="0" i="0" dirty="0">
-                  <a:solidFill>
-                    <a:srgbClr val="000000"/>
-                  </a:solidFill>
-                  <a:effectLst/>
-                  <a:latin typeface="Verdana" panose="020B0604030504040204" pitchFamily="34" charset="0"/>
-                </a:rPr>
-                <a:t>1.</a:t>
-              </a:r>
-              <a:r>
-                <a:rPr lang="zh-CN" altLang="en-US" b="0" i="0" dirty="0">
-                  <a:solidFill>
-                    <a:srgbClr val="000000"/>
-                  </a:solidFill>
-                  <a:effectLst/>
-                  <a:latin typeface="Verdana" panose="020B0604030504040204" pitchFamily="34" charset="0"/>
-                </a:rPr>
-                <a:t>参与者，也称为角色代表系统的用户</a:t>
-              </a:r>
-            </a:p>
-            <a:p>
-              <a:r>
-                <a:rPr lang="en-US" altLang="zh-CN" b="0" i="0" dirty="0">
-                  <a:solidFill>
-                    <a:srgbClr val="000000"/>
-                  </a:solidFill>
-                  <a:effectLst/>
-                  <a:latin typeface="Verdana" panose="020B0604030504040204" pitchFamily="34" charset="0"/>
-                </a:rPr>
-                <a:t>2.</a:t>
-              </a:r>
-              <a:r>
-                <a:rPr lang="zh-CN" altLang="en-US" b="0" i="0" dirty="0">
-                  <a:solidFill>
-                    <a:srgbClr val="000000"/>
-                  </a:solidFill>
-                  <a:effectLst/>
-                  <a:latin typeface="Verdana" panose="020B0604030504040204" pitchFamily="34" charset="0"/>
-                </a:rPr>
-                <a:t>系统边界，确定系统的范围</a:t>
-              </a:r>
-            </a:p>
-            <a:p>
-              <a:r>
-                <a:rPr lang="en-US" altLang="zh-CN" b="0" i="0" dirty="0">
-                  <a:solidFill>
-                    <a:srgbClr val="000000"/>
-                  </a:solidFill>
-                  <a:effectLst/>
-                  <a:latin typeface="Verdana" panose="020B0604030504040204" pitchFamily="34" charset="0"/>
-                </a:rPr>
-                <a:t>3.</a:t>
-              </a:r>
-              <a:r>
-                <a:rPr lang="zh-CN" altLang="en-US" b="0" i="0" dirty="0">
-                  <a:solidFill>
-                    <a:srgbClr val="000000"/>
-                  </a:solidFill>
-                  <a:effectLst/>
-                  <a:latin typeface="Verdana" panose="020B0604030504040204" pitchFamily="34" charset="0"/>
-                </a:rPr>
-                <a:t>用例，代表系统提供的服务</a:t>
-              </a:r>
-            </a:p>
-            <a:p>
-              <a:r>
-                <a:rPr lang="en-US" altLang="zh-CN" b="0" i="0" dirty="0">
-                  <a:solidFill>
-                    <a:srgbClr val="000000"/>
-                  </a:solidFill>
-                  <a:effectLst/>
-                  <a:latin typeface="Verdana" panose="020B0604030504040204" pitchFamily="34" charset="0"/>
-                </a:rPr>
-                <a:t>4.</a:t>
-              </a:r>
-              <a:r>
-                <a:rPr lang="zh-CN" altLang="en-US" b="0" i="0" dirty="0">
-                  <a:solidFill>
-                    <a:srgbClr val="000000"/>
-                  </a:solidFill>
-                  <a:effectLst/>
-                  <a:latin typeface="Verdana" panose="020B0604030504040204" pitchFamily="34" charset="0"/>
-                </a:rPr>
-                <a:t>关联，表示参与者与用例的关系</a:t>
-              </a:r>
-            </a:p>
-          </p:txBody>
-        </p:sp>
-        <p:grpSp>
-          <p:nvGrpSpPr>
-            <p:cNvPr id="10" name="组合 9"/>
-            <p:cNvGrpSpPr/>
-            <p:nvPr/>
-          </p:nvGrpSpPr>
-          <p:grpSpPr>
-            <a:xfrm>
-              <a:off x="237030" y="1269554"/>
-              <a:ext cx="7776864" cy="4896544"/>
-              <a:chOff x="1285643" y="1772435"/>
-              <a:chExt cx="7135479" cy="3572664"/>
-            </a:xfrm>
-          </p:grpSpPr>
-          <p:sp>
-            <p:nvSpPr>
-              <p:cNvPr id="11" name="矩形 10"/>
-              <p:cNvSpPr/>
-              <p:nvPr/>
-            </p:nvSpPr>
-            <p:spPr>
-              <a:xfrm>
-                <a:off x="1285644" y="2104682"/>
-                <a:ext cx="7135478" cy="3240417"/>
-              </a:xfrm>
-              <a:prstGeom prst="rect">
-                <a:avLst/>
-              </a:prstGeom>
-              <a:noFill/>
-              <a:ln w="12700">
-                <a:solidFill>
-                  <a:srgbClr val="346182"/>
-                </a:solidFill>
-              </a:ln>
-            </p:spPr>
-            <p:style>
-              <a:lnRef idx="2">
-                <a:schemeClr val="accent1">
-                  <a:shade val="50000"/>
-                </a:schemeClr>
-              </a:lnRef>
-              <a:fillRef idx="1">
-                <a:schemeClr val="accent1"/>
-              </a:fillRef>
-              <a:effectRef idx="0">
-                <a:schemeClr val="accent1"/>
-              </a:effectRef>
-              <a:fontRef idx="minor">
-                <a:schemeClr val="lt1"/>
-              </a:fontRef>
-            </p:style>
-            <p:txBody>
-              <a:bodyPr rtlCol="0" anchor="ctr"/>
-              <a:lstStyle/>
-              <a:p>
-                <a:pPr algn="ctr"/>
-                <a:endParaRPr lang="zh-CN" altLang="en-US" sz="1350"/>
-              </a:p>
-            </p:txBody>
-          </p:sp>
-          <p:sp>
-            <p:nvSpPr>
-              <p:cNvPr id="12" name="矩形 11"/>
-              <p:cNvSpPr/>
-              <p:nvPr/>
-            </p:nvSpPr>
-            <p:spPr>
-              <a:xfrm>
-                <a:off x="1285643" y="1772435"/>
-                <a:ext cx="2114216" cy="338554"/>
-              </a:xfrm>
-              <a:prstGeom prst="rect">
-                <a:avLst/>
-              </a:prstGeom>
-              <a:solidFill>
-                <a:srgbClr val="183A5D"/>
-              </a:solidFill>
-              <a:ln>
-                <a:noFill/>
-              </a:ln>
-            </p:spPr>
-            <p:style>
-              <a:lnRef idx="2">
-                <a:schemeClr val="accent1">
-                  <a:shade val="50000"/>
-                </a:schemeClr>
-              </a:lnRef>
-              <a:fillRef idx="1">
-                <a:schemeClr val="accent1"/>
-              </a:fillRef>
-              <a:effectRef idx="0">
-                <a:schemeClr val="accent1"/>
-              </a:effectRef>
-              <a:fontRef idx="minor">
-                <a:schemeClr val="lt1"/>
-              </a:fontRef>
-            </p:style>
-            <p:txBody>
-              <a:bodyPr rtlCol="0" anchor="ctr"/>
-              <a:lstStyle/>
-              <a:p>
-                <a:pPr algn="ctr"/>
-                <a:endParaRPr lang="zh-CN" altLang="en-US" sz="1350"/>
-              </a:p>
-            </p:txBody>
-          </p:sp>
-        </p:grpSp>
-      </p:grpSp>
-      <p:pic>
-        <p:nvPicPr>
-          <p:cNvPr id="9" name="图片 8"/>
-          <p:cNvPicPr>
-            <a:picLocks noChangeAspect="1"/>
-          </p:cNvPicPr>
-          <p:nvPr/>
-        </p:nvPicPr>
-        <p:blipFill>
-          <a:blip r:embed="rId3"/>
-          <a:stretch>
-            <a:fillRect/>
-          </a:stretch>
-        </p:blipFill>
-        <p:spPr>
-          <a:xfrm>
-            <a:off x="6690995" y="2201545"/>
-            <a:ext cx="4869815" cy="3413760"/>
-          </a:xfrm>
-          <a:prstGeom prst="rect">
-            <a:avLst/>
-          </a:prstGeom>
-        </p:spPr>
-      </p:pic>
-    </p:spTree>
-  </p:cSld>
-  <p:clrMapOvr>
-    <a:masterClrMapping/>
-  </p:clrMapOvr>
-  <p:transition spd="slow" advClick="0" advTm="0">
-    <p:wipe/>
-  </p:transition>
-  <p:timing>
-    <p:tnLst>
-      <p:par>
-        <p:cTn id="1" dur="indefinite" restart="never" nodeType="tmRoot"/>
-      </p:par>
-    </p:tnLst>
-  </p:timing>
-</p:sld>
-</file>
-
 <file path=ppt/slides/slide5.xml><?xml version="1.0" encoding="utf-8"?>
 <p:sld xmlns:a="http://schemas.openxmlformats.org/drawingml/2006/main" xmlns:r="http://schemas.openxmlformats.org/officeDocument/2006/relationships" xmlns:p="http://schemas.openxmlformats.org/presentationml/2006/main">
   <p:cSld>
@@ -26863,14 +27432,14 @@
                 <a:gridCol w="1596390">
                   <a:extLst>
                     <a:ext uri="{9D8B030D-6E8A-4147-A177-3AD203B41FA5}">
-                      <a16:colId xmlns:a16="http://schemas.microsoft.com/office/drawing/2014/main" xmlns="" val="20000"/>
+                      <a16:colId xmlns="" xmlns:a16="http://schemas.microsoft.com/office/drawing/2014/main" val="20000"/>
                     </a:ext>
                   </a:extLst>
                 </a:gridCol>
                 <a:gridCol w="3658870">
                   <a:extLst>
                     <a:ext uri="{9D8B030D-6E8A-4147-A177-3AD203B41FA5}">
-                      <a16:colId xmlns:a16="http://schemas.microsoft.com/office/drawing/2014/main" xmlns="" val="20001"/>
+                      <a16:colId xmlns="" xmlns:a16="http://schemas.microsoft.com/office/drawing/2014/main" val="20001"/>
                     </a:ext>
                   </a:extLst>
                 </a:gridCol>
@@ -26932,7 +27501,7 @@
                 </a:tc>
                 <a:extLst>
                   <a:ext uri="{0D108BD9-81ED-4DB2-BD59-A6C34878D82A}">
-                    <a16:rowId xmlns:a16="http://schemas.microsoft.com/office/drawing/2014/main" xmlns="" val="10000"/>
+                    <a16:rowId xmlns="" xmlns:a16="http://schemas.microsoft.com/office/drawing/2014/main" val="10000"/>
                   </a:ext>
                 </a:extLst>
               </a:tr>
@@ -26971,7 +27540,7 @@
                 </a:tc>
                 <a:extLst>
                   <a:ext uri="{0D108BD9-81ED-4DB2-BD59-A6C34878D82A}">
-                    <a16:rowId xmlns:a16="http://schemas.microsoft.com/office/drawing/2014/main" xmlns="" val="10001"/>
+                    <a16:rowId xmlns="" xmlns:a16="http://schemas.microsoft.com/office/drawing/2014/main" val="10001"/>
                   </a:ext>
                 </a:extLst>
               </a:tr>
@@ -27010,7 +27579,7 @@
                 </a:tc>
                 <a:extLst>
                   <a:ext uri="{0D108BD9-81ED-4DB2-BD59-A6C34878D82A}">
-                    <a16:rowId xmlns:a16="http://schemas.microsoft.com/office/drawing/2014/main" xmlns="" val="10002"/>
+                    <a16:rowId xmlns="" xmlns:a16="http://schemas.microsoft.com/office/drawing/2014/main" val="10002"/>
                   </a:ext>
                 </a:extLst>
               </a:tr>
@@ -27049,7 +27618,7 @@
                 </a:tc>
                 <a:extLst>
                   <a:ext uri="{0D108BD9-81ED-4DB2-BD59-A6C34878D82A}">
-                    <a16:rowId xmlns:a16="http://schemas.microsoft.com/office/drawing/2014/main" xmlns="" val="10003"/>
+                    <a16:rowId xmlns="" xmlns:a16="http://schemas.microsoft.com/office/drawing/2014/main" val="10003"/>
                   </a:ext>
                 </a:extLst>
               </a:tr>
@@ -27088,7 +27657,7 @@
                 </a:tc>
                 <a:extLst>
                   <a:ext uri="{0D108BD9-81ED-4DB2-BD59-A6C34878D82A}">
-                    <a16:rowId xmlns:a16="http://schemas.microsoft.com/office/drawing/2014/main" xmlns="" val="10004"/>
+                    <a16:rowId xmlns="" xmlns:a16="http://schemas.microsoft.com/office/drawing/2014/main" val="10004"/>
                   </a:ext>
                 </a:extLst>
               </a:tr>
@@ -27127,7 +27696,7 @@
                 </a:tc>
                 <a:extLst>
                   <a:ext uri="{0D108BD9-81ED-4DB2-BD59-A6C34878D82A}">
-                    <a16:rowId xmlns:a16="http://schemas.microsoft.com/office/drawing/2014/main" xmlns="" val="10005"/>
+                    <a16:rowId xmlns="" xmlns:a16="http://schemas.microsoft.com/office/drawing/2014/main" val="10005"/>
                   </a:ext>
                 </a:extLst>
               </a:tr>
@@ -27166,7 +27735,7 @@
                 </a:tc>
                 <a:extLst>
                   <a:ext uri="{0D108BD9-81ED-4DB2-BD59-A6C34878D82A}">
-                    <a16:rowId xmlns:a16="http://schemas.microsoft.com/office/drawing/2014/main" xmlns="" val="10006"/>
+                    <a16:rowId xmlns="" xmlns:a16="http://schemas.microsoft.com/office/drawing/2014/main" val="10006"/>
                   </a:ext>
                 </a:extLst>
               </a:tr>
@@ -27205,7 +27774,7 @@
                 </a:tc>
                 <a:extLst>
                   <a:ext uri="{0D108BD9-81ED-4DB2-BD59-A6C34878D82A}">
-                    <a16:rowId xmlns:a16="http://schemas.microsoft.com/office/drawing/2014/main" xmlns="" val="10007"/>
+                    <a16:rowId xmlns="" xmlns:a16="http://schemas.microsoft.com/office/drawing/2014/main" val="10007"/>
                   </a:ext>
                 </a:extLst>
               </a:tr>
@@ -27241,7 +27810,7 @@
                 </a:tc>
                 <a:extLst>
                   <a:ext uri="{0D108BD9-81ED-4DB2-BD59-A6C34878D82A}">
-                    <a16:rowId xmlns:a16="http://schemas.microsoft.com/office/drawing/2014/main" xmlns="" val="10008"/>
+                    <a16:rowId xmlns="" xmlns:a16="http://schemas.microsoft.com/office/drawing/2014/main" val="10008"/>
                   </a:ext>
                 </a:extLst>
               </a:tr>
@@ -28499,7 +29068,7 @@
   <a:extraClrSchemeLst/>
   <a:extLst>
     <a:ext uri="{05A4C25C-085E-4340-85A3-A5531E510DB2}">
-      <thm15:themeFamily xmlns:thm15="http://schemas.microsoft.com/office/thememl/2012/main" xmlns="" name="Office Theme" id="{62F939B6-93AF-4DB8-9C6B-D6C7DFDC589F}" vid="{4A3C46E8-61CC-4603-A589-7422A47A8E4A}"/>
+      <thm15:themeFamily xmlns="" xmlns:thm15="http://schemas.microsoft.com/office/thememl/2012/main" name="Office Theme" id="{62F939B6-93AF-4DB8-9C6B-D6C7DFDC589F}" vid="{4A3C46E8-61CC-4603-A589-7422A47A8E4A}"/>
     </a:ext>
   </a:extLst>
 </a:theme>
@@ -28789,7 +29358,7 @@
   <a:extraClrSchemeLst/>
   <a:extLst>
     <a:ext uri="{05A4C25C-085E-4340-85A3-A5531E510DB2}">
-      <thm15:themeFamily xmlns:thm15="http://schemas.microsoft.com/office/thememl/2012/main" xmlns="" name="Office Theme" id="{62F939B6-93AF-4DB8-9C6B-D6C7DFDC589F}" vid="{4A3C46E8-61CC-4603-A589-7422A47A8E4A}"/>
+      <thm15:themeFamily xmlns="" xmlns:thm15="http://schemas.microsoft.com/office/thememl/2012/main" name="Office Theme" id="{62F939B6-93AF-4DB8-9C6B-D6C7DFDC589F}" vid="{4A3C46E8-61CC-4603-A589-7422A47A8E4A}"/>
     </a:ext>
   </a:extLst>
 </a:theme>
@@ -29079,7 +29648,7 @@
   <a:extraClrSchemeLst/>
   <a:extLst>
     <a:ext uri="{05A4C25C-085E-4340-85A3-A5531E510DB2}">
-      <thm15:themeFamily xmlns:thm15="http://schemas.microsoft.com/office/thememl/2012/main" xmlns="" name="Office Theme" id="{62F939B6-93AF-4DB8-9C6B-D6C7DFDC589F}" vid="{4A3C46E8-61CC-4603-A589-7422A47A8E4A}"/>
+      <thm15:themeFamily xmlns="" xmlns:thm15="http://schemas.microsoft.com/office/thememl/2012/main" name="Office Theme" id="{62F939B6-93AF-4DB8-9C6B-D6C7DFDC589F}" vid="{4A3C46E8-61CC-4603-A589-7422A47A8E4A}"/>
     </a:ext>
   </a:extLst>
 </a:theme>

--- a/受控文档/00-PPT/PRD2018-G11-UML图 （完成）.pptx
+++ b/受控文档/00-PPT/PRD2018-G11-UML图 （完成）.pptx
@@ -5,10 +5,10 @@
     <p:sldMasterId id="2147483648" r:id="rId1"/>
   </p:sldMasterIdLst>
   <p:notesMasterIdLst>
-    <p:notesMasterId r:id="rId42"/>
+    <p:notesMasterId r:id="rId43"/>
   </p:notesMasterIdLst>
   <p:handoutMasterIdLst>
-    <p:handoutMasterId r:id="rId43"/>
+    <p:handoutMasterId r:id="rId44"/>
   </p:handoutMasterIdLst>
   <p:sldIdLst>
     <p:sldId id="370" r:id="rId2"/>
@@ -43,14 +43,15 @@
     <p:sldId id="590" r:id="rId31"/>
     <p:sldId id="561" r:id="rId32"/>
     <p:sldId id="562" r:id="rId33"/>
-    <p:sldId id="564" r:id="rId34"/>
-    <p:sldId id="566" r:id="rId35"/>
-    <p:sldId id="582" r:id="rId36"/>
-    <p:sldId id="583" r:id="rId37"/>
-    <p:sldId id="591" r:id="rId38"/>
-    <p:sldId id="455" r:id="rId39"/>
-    <p:sldId id="532" r:id="rId40"/>
-    <p:sldId id="436" r:id="rId41"/>
+    <p:sldId id="592" r:id="rId34"/>
+    <p:sldId id="564" r:id="rId35"/>
+    <p:sldId id="566" r:id="rId36"/>
+    <p:sldId id="582" r:id="rId37"/>
+    <p:sldId id="583" r:id="rId38"/>
+    <p:sldId id="591" r:id="rId39"/>
+    <p:sldId id="455" r:id="rId40"/>
+    <p:sldId id="532" r:id="rId41"/>
+    <p:sldId id="436" r:id="rId42"/>
   </p:sldIdLst>
   <p:sldSz cx="12190413" cy="6859588"/>
   <p:notesSz cx="6858000" cy="9144000"/>
@@ -151,7 +152,7 @@
   </p:defaultTextStyle>
   <p:extLst>
     <p:ext uri="{EFAFB233-063F-42B5-8137-9DF3F51BA10A}">
-      <p15:sldGuideLst xmlns="" xmlns:p15="http://schemas.microsoft.com/office/powerpoint/2012/main">
+      <p15:sldGuideLst xmlns:p15="http://schemas.microsoft.com/office/powerpoint/2012/main">
         <p15:guide id="1" orient="horz" pos="2160">
           <p15:clr>
             <a:srgbClr val="A4A3A4"/>
@@ -180,7 +181,7 @@
       </p15:sldGuideLst>
     </p:ext>
     <p:ext uri="{2D200454-40CA-4A62-9FC3-DE9A4176ACB9}">
-      <p15:notesGuideLst xmlns="" xmlns:p15="http://schemas.microsoft.com/office/powerpoint/2012/main">
+      <p15:notesGuideLst xmlns:p15="http://schemas.microsoft.com/office/powerpoint/2012/main">
         <p15:guide id="1" orient="horz" pos="2880">
           <p15:clr>
             <a:srgbClr val="A4A3A4"/>
@@ -279,7 +280,7 @@
           <a:p>
             <a:fld id="{5D1C15E6-6BD2-4E4B-B1D4-218C26E1B228}" type="datetimeFigureOut">
               <a:rPr lang="zh-CN" altLang="en-US" smtClean="0"/>
-              <a:t>2018/10/31</a:t>
+              <a:t>2018/11/2</a:t>
             </a:fld>
             <a:endParaRPr lang="zh-CN" altLang="en-US"/>
           </a:p>
@@ -444,7 +445,7 @@
           <a:p>
             <a:fld id="{0B17430C-5A66-4BD0-A971-34190B6C6019}" type="datetimeFigureOut">
               <a:rPr lang="zh-CN" altLang="en-US" smtClean="0"/>
-              <a:t>2018/10/31</a:t>
+              <a:t>2018/11/2</a:t>
             </a:fld>
             <a:endParaRPr lang="zh-CN" altLang="en-US"/>
           </a:p>
@@ -508,38 +509,37 @@
           <a:p>
             <a:pPr lvl="0"/>
             <a:r>
-              <a:rPr lang="zh-CN" altLang="en-US" smtClean="0"/>
+              <a:rPr lang="zh-CN" altLang="en-US"/>
               <a:t>单击此处编辑母版文本样式</a:t>
             </a:r>
           </a:p>
           <a:p>
             <a:pPr lvl="1"/>
             <a:r>
-              <a:rPr lang="zh-CN" altLang="en-US" smtClean="0"/>
+              <a:rPr lang="zh-CN" altLang="en-US"/>
               <a:t>第二级</a:t>
             </a:r>
           </a:p>
           <a:p>
             <a:pPr lvl="2"/>
             <a:r>
-              <a:rPr lang="zh-CN" altLang="en-US" smtClean="0"/>
+              <a:rPr lang="zh-CN" altLang="en-US"/>
               <a:t>第三级</a:t>
             </a:r>
           </a:p>
           <a:p>
             <a:pPr lvl="3"/>
             <a:r>
-              <a:rPr lang="zh-CN" altLang="en-US" smtClean="0"/>
+              <a:rPr lang="zh-CN" altLang="en-US"/>
               <a:t>第四级</a:t>
             </a:r>
           </a:p>
           <a:p>
             <a:pPr lvl="4"/>
             <a:r>
-              <a:rPr lang="zh-CN" altLang="en-US" smtClean="0"/>
+              <a:rPr lang="zh-CN" altLang="en-US"/>
               <a:t>第五级</a:t>
             </a:r>
-            <a:endParaRPr lang="zh-CN" altLang="en-US"/>
           </a:p>
         </p:txBody>
       </p:sp>
@@ -940,7 +940,7 @@
                 </a:solidFill>
               </a:rPr>
               <a:pPr/>
-              <a:t>37</a:t>
+              <a:t>38</a:t>
             </a:fld>
             <a:endParaRPr lang="zh-CN" altLang="en-US">
               <a:solidFill>
@@ -1023,7 +1023,7 @@
           <a:p>
             <a:fld id="{74AC173A-3DA8-4893-B28A-1E15F55C330A}" type="slidenum">
               <a:rPr lang="zh-CN" altLang="en-US" smtClean="0"/>
-              <a:t>38</a:t>
+              <a:t>39</a:t>
             </a:fld>
             <a:endParaRPr lang="zh-CN" altLang="en-US"/>
           </a:p>
@@ -1102,7 +1102,7 @@
           <a:p>
             <a:fld id="{74AC173A-3DA8-4893-B28A-1E15F55C330A}" type="slidenum">
               <a:rPr lang="zh-CN" altLang="en-US" smtClean="0"/>
-              <a:t>39</a:t>
+              <a:t>40</a:t>
             </a:fld>
             <a:endParaRPr lang="zh-CN" altLang="en-US"/>
           </a:p>
@@ -1181,7 +1181,7 @@
           <a:p>
             <a:fld id="{74AC173A-3DA8-4893-B28A-1E15F55C330A}" type="slidenum">
               <a:rPr lang="zh-CN" altLang="en-US" smtClean="0"/>
-              <a:t>40</a:t>
+              <a:t>41</a:t>
             </a:fld>
             <a:endParaRPr lang="zh-CN" altLang="en-US"/>
           </a:p>
@@ -1220,13 +1220,6 @@
   <p:transition spd="slow" advClick="0" advTm="0">
     <p:wipe/>
   </p:transition>
-  <p:timing>
-    <p:tnLst>
-      <p:par>
-        <p:cTn id="1" dur="indefinite" restart="never" nodeType="tmRoot"/>
-      </p:par>
-    </p:tnLst>
-  </p:timing>
 </p:sldLayout>
 </file>
 
@@ -1255,13 +1248,6 @@
   <p:transition spd="slow" advClick="0" advTm="0">
     <p:wipe/>
   </p:transition>
-  <p:timing>
-    <p:tnLst>
-      <p:par>
-        <p:cTn id="1" dur="indefinite" restart="never" nodeType="tmRoot"/>
-      </p:par>
-    </p:tnLst>
-  </p:timing>
 </p:sldLayout>
 </file>
 
@@ -1298,13 +1284,6 @@
   <p:transition spd="slow" advClick="0" advTm="0">
     <p:wipe/>
   </p:transition>
-  <p:timing>
-    <p:tnLst>
-      <p:par>
-        <p:cTn id="1" dur="indefinite" restart="never" nodeType="tmRoot"/>
-      </p:par>
-    </p:tnLst>
-  </p:timing>
 </p:sldLayout>
 </file>
 
@@ -1357,7 +1336,7 @@
           <a:p>
             <a:pPr algn="ctr"/>
             <a:r>
-              <a:rPr lang="zh-CN" altLang="en-US" sz="1600" dirty="0" smtClean="0">
+              <a:rPr lang="zh-CN" altLang="en-US" sz="1600" dirty="0">
                 <a:solidFill>
                   <a:schemeClr val="tx1">
                     <a:lumMod val="50000"/>
@@ -1370,7 +1349,7 @@
               <a:t>第</a:t>
             </a:r>
             <a:r>
-              <a:rPr lang="zh-CN" altLang="en-US" sz="1800" dirty="0" smtClean="0">
+              <a:rPr lang="zh-CN" altLang="en-US" sz="1800" dirty="0">
                 <a:solidFill>
                   <a:schemeClr val="tx1">
                     <a:lumMod val="50000"/>
@@ -1396,7 +1375,7 @@
               <a:t>‹#›</a:t>
             </a:fld>
             <a:r>
-              <a:rPr lang="zh-CN" altLang="en-US" sz="1800" dirty="0" smtClean="0">
+              <a:rPr lang="zh-CN" altLang="en-US" sz="1800" dirty="0">
                 <a:solidFill>
                   <a:schemeClr val="tx1">
                     <a:lumMod val="50000"/>
@@ -1409,7 +1388,7 @@
               <a:t> </a:t>
             </a:r>
             <a:r>
-              <a:rPr lang="zh-CN" altLang="en-US" sz="1600" dirty="0" smtClean="0">
+              <a:rPr lang="zh-CN" altLang="en-US" sz="1600" dirty="0">
                 <a:solidFill>
                   <a:schemeClr val="tx1">
                     <a:lumMod val="50000"/>
@@ -1622,7 +1601,7 @@
           </a:lstStyle>
           <a:p>
             <a:r>
-              <a:rPr lang="zh-CN" altLang="en-US" sz="2800" b="1" dirty="0" smtClean="0">
+              <a:rPr lang="zh-CN" altLang="en-US" sz="2800" b="1" dirty="0">
                 <a:solidFill>
                   <a:schemeClr val="tx1">
                     <a:lumMod val="75000"/>
@@ -1815,7 +1794,7 @@
           <a:lstStyle/>
           <a:p>
             <a:r>
-              <a:rPr lang="en-US" altLang="zh-CN" sz="3200" dirty="0" smtClean="0">
+              <a:rPr lang="en-US" altLang="zh-CN" sz="3200" dirty="0">
                 <a:solidFill>
                   <a:schemeClr val="tx2"/>
                 </a:solidFill>
@@ -2118,13 +2097,6 @@
   <p:transition spd="slow" advClick="0" advTm="0">
     <p:wipe/>
   </p:transition>
-  <p:timing>
-    <p:tnLst>
-      <p:par>
-        <p:cTn id="1" dur="indefinite" restart="never" nodeType="tmRoot"/>
-      </p:par>
-    </p:tnLst>
-  </p:timing>
 </p:sldLayout>
 </file>
 
@@ -2169,10 +2141,9 @@
           <a:lstStyle/>
           <a:p>
             <a:r>
-              <a:rPr lang="zh-CN" altLang="en-US" smtClean="0"/>
+              <a:rPr lang="zh-CN" altLang="en-US"/>
               <a:t>单击此处编辑母版标题样式</a:t>
             </a:r>
-            <a:endParaRPr lang="zh-CN" altLang="en-US"/>
           </a:p>
         </p:txBody>
       </p:sp>
@@ -2291,10 +2262,9 @@
           </a:lstStyle>
           <a:p>
             <a:r>
-              <a:rPr lang="zh-CN" altLang="en-US" smtClean="0"/>
+              <a:rPr lang="zh-CN" altLang="en-US"/>
               <a:t>单击此处编辑母版副标题样式</a:t>
             </a:r>
-            <a:endParaRPr lang="zh-CN" altLang="en-US"/>
           </a:p>
         </p:txBody>
       </p:sp>
@@ -2323,7 +2293,7 @@
           <a:p>
             <a:fld id="{530820CF-B880-4189-942D-D702A7CBA730}" type="datetimeFigureOut">
               <a:rPr lang="zh-CN" altLang="en-US" smtClean="0"/>
-              <a:t>2018/10/31</a:t>
+              <a:t>2018/11/2</a:t>
             </a:fld>
             <a:endParaRPr lang="zh-CN" altLang="en-US"/>
           </a:p>
@@ -2440,7 +2410,7 @@
           <a:p>
             <a:fld id="{530820CF-B880-4189-942D-D702A7CBA730}" type="datetimeFigureOut">
               <a:rPr lang="zh-CN" altLang="en-US" smtClean="0"/>
-              <a:t>2018/10/31</a:t>
+              <a:t>2018/11/2</a:t>
             </a:fld>
             <a:endParaRPr lang="zh-CN" altLang="en-US"/>
           </a:p>
@@ -3288,7 +3258,7 @@
               </a:lnSpc>
             </a:pPr>
             <a:r>
-              <a:rPr lang="en-US" altLang="zh-CN" sz="5400" dirty="0" smtClean="0">
+              <a:rPr lang="en-US" altLang="zh-CN" sz="5400" dirty="0">
                 <a:solidFill>
                   <a:srgbClr val="38B1BF"/>
                 </a:solidFill>
@@ -3298,7 +3268,7 @@
               <a:t>UML</a:t>
             </a:r>
             <a:r>
-              <a:rPr lang="zh-CN" altLang="en-US" sz="5400" dirty="0" smtClean="0">
+              <a:rPr lang="zh-CN" altLang="en-US" sz="5400" dirty="0">
                 <a:solidFill>
                   <a:srgbClr val="38B1BF"/>
                 </a:solidFill>
@@ -3315,7 +3285,7 @@
               </a:lnSpc>
             </a:pPr>
             <a:r>
-              <a:rPr lang="zh-CN" altLang="en-US" sz="2000" dirty="0" smtClean="0">
+              <a:rPr lang="zh-CN" altLang="en-US" sz="2000" dirty="0">
                 <a:solidFill>
                   <a:srgbClr val="38B1BF"/>
                 </a:solidFill>
@@ -3351,7 +3321,7 @@
           <a:p>
             <a:pPr algn="ctr"/>
             <a:r>
-              <a:rPr lang="en-US" altLang="zh-CN" sz="1900" dirty="0" smtClean="0">
+              <a:rPr lang="en-US" altLang="zh-CN" sz="1900" dirty="0">
                 <a:solidFill>
                   <a:schemeClr val="tx1">
                     <a:lumMod val="85000"/>
@@ -3364,7 +3334,7 @@
               <a:t>PRD</a:t>
             </a:r>
             <a:r>
-              <a:rPr lang="en-US" sz="1900" dirty="0" smtClean="0">
+              <a:rPr lang="en-US" sz="1900" dirty="0">
                 <a:solidFill>
                   <a:schemeClr val="tx1">
                     <a:lumMod val="85000"/>
@@ -3377,7 +3347,7 @@
               <a:t>2018</a:t>
             </a:r>
             <a:r>
-              <a:rPr lang="en-US" altLang="zh-CN" sz="1900" dirty="0" smtClean="0">
+              <a:rPr lang="en-US" altLang="zh-CN" sz="1900" dirty="0">
                 <a:solidFill>
                   <a:schemeClr val="tx1">
                     <a:lumMod val="85000"/>
@@ -3390,7 +3360,7 @@
               <a:t>-</a:t>
             </a:r>
             <a:r>
-              <a:rPr lang="en-US" sz="1900" dirty="0" smtClean="0">
+              <a:rPr lang="en-US" sz="1900" dirty="0">
                 <a:solidFill>
                   <a:schemeClr val="tx1">
                     <a:lumMod val="85000"/>
@@ -3403,7 +3373,7 @@
               <a:t>G11</a:t>
             </a:r>
             <a:r>
-              <a:rPr lang="zh-CN" altLang="en-US" sz="1900" dirty="0" smtClean="0">
+              <a:rPr lang="zh-CN" altLang="en-US" sz="1900" dirty="0">
                 <a:solidFill>
                   <a:schemeClr val="tx1">
                     <a:lumMod val="85000"/>
@@ -3415,16 +3385,6 @@
               </a:rPr>
               <a:t>小组</a:t>
             </a:r>
-            <a:endParaRPr lang="zh-CN" altLang="en-US" sz="1900" dirty="0">
-              <a:solidFill>
-                <a:schemeClr val="tx1">
-                  <a:lumMod val="85000"/>
-                  <a:lumOff val="15000"/>
-                </a:schemeClr>
-              </a:solidFill>
-              <a:latin typeface="微软雅黑" panose="020B0503020204020204" pitchFamily="34" charset="-122"/>
-              <a:ea typeface="微软雅黑" panose="020B0503020204020204" pitchFamily="34" charset="-122"/>
-            </a:endParaRPr>
           </a:p>
         </p:txBody>
       </p:sp>
@@ -3452,7 +3412,7 @@
           <a:p>
             <a:pPr algn="ctr"/>
             <a:r>
-              <a:rPr lang="en-US" altLang="zh-CN" sz="1900" dirty="0" smtClean="0">
+              <a:rPr lang="en-US" altLang="zh-CN" sz="1900" dirty="0">
                 <a:solidFill>
                   <a:schemeClr val="tx1">
                     <a:lumMod val="85000"/>
@@ -3465,7 +3425,7 @@
               <a:t>2018</a:t>
             </a:r>
             <a:r>
-              <a:rPr lang="zh-CN" altLang="en-US" sz="1900" dirty="0" smtClean="0">
+              <a:rPr lang="zh-CN" altLang="en-US" sz="1900" dirty="0">
                 <a:solidFill>
                   <a:schemeClr val="tx1">
                     <a:lumMod val="85000"/>
@@ -3491,7 +3451,7 @@
               <a:t>10</a:t>
             </a:r>
             <a:r>
-              <a:rPr lang="zh-CN" altLang="en-US" sz="1900" dirty="0" smtClean="0">
+              <a:rPr lang="zh-CN" altLang="en-US" sz="1900" dirty="0">
                 <a:solidFill>
                   <a:schemeClr val="tx1">
                     <a:lumMod val="85000"/>
@@ -3504,7 +3464,7 @@
               <a:t>月</a:t>
             </a:r>
             <a:r>
-              <a:rPr lang="en-US" altLang="zh-CN" sz="1900" dirty="0" smtClean="0">
+              <a:rPr lang="en-US" altLang="zh-CN" sz="1900" dirty="0">
                 <a:solidFill>
                   <a:schemeClr val="tx1">
                     <a:lumMod val="85000"/>
@@ -3517,7 +3477,7 @@
               <a:t>31</a:t>
             </a:r>
             <a:r>
-              <a:rPr lang="zh-CN" altLang="en-US" sz="1900" dirty="0" smtClean="0">
+              <a:rPr lang="zh-CN" altLang="en-US" sz="1900" dirty="0">
                 <a:solidFill>
                   <a:schemeClr val="tx1">
                     <a:lumMod val="85000"/>
@@ -3529,16 +3489,6 @@
               </a:rPr>
               <a:t>日</a:t>
             </a:r>
-            <a:endParaRPr lang="zh-CN" altLang="en-US" sz="1900" dirty="0">
-              <a:solidFill>
-                <a:schemeClr val="tx1">
-                  <a:lumMod val="85000"/>
-                  <a:lumOff val="15000"/>
-                </a:schemeClr>
-              </a:solidFill>
-              <a:latin typeface="微软雅黑" panose="020B0503020204020204" pitchFamily="34" charset="-122"/>
-              <a:ea typeface="微软雅黑" panose="020B0503020204020204" pitchFamily="34" charset="-122"/>
-            </a:endParaRPr>
           </a:p>
         </p:txBody>
       </p:sp>
@@ -4594,7 +4544,7 @@
           <a:lstStyle/>
           <a:p>
             <a:r>
-              <a:rPr lang="zh-CN" altLang="en-US" sz="2665" dirty="0" smtClean="0">
+              <a:rPr lang="zh-CN" altLang="en-US" sz="2665" dirty="0">
                 <a:solidFill>
                   <a:srgbClr val="183A5D"/>
                 </a:solidFill>
@@ -4840,13 +4790,6 @@
   <p:transition spd="slow" advClick="0" advTm="0">
     <p:wipe/>
   </p:transition>
-  <p:timing>
-    <p:tnLst>
-      <p:par>
-        <p:cTn id="1" dur="indefinite" restart="never" nodeType="tmRoot"/>
-      </p:par>
-    </p:tnLst>
-  </p:timing>
 </p:sld>
 </file>
 
@@ -5261,13 +5204,6 @@
   <p:transition spd="slow" advClick="0" advTm="0">
     <p:wipe/>
   </p:transition>
-  <p:timing>
-    <p:tnLst>
-      <p:par>
-        <p:cTn id="1" dur="indefinite" restart="never" nodeType="tmRoot"/>
-      </p:par>
-    </p:tnLst>
-  </p:timing>
 </p:sld>
 </file>
 
@@ -5674,13 +5610,6 @@
   <p:transition spd="slow" advClick="0" advTm="0">
     <p:wipe/>
   </p:transition>
-  <p:timing>
-    <p:tnLst>
-      <p:par>
-        <p:cTn id="1" dur="indefinite" restart="never" nodeType="tmRoot"/>
-      </p:par>
-    </p:tnLst>
-  </p:timing>
 </p:sld>
 </file>
 
@@ -6078,13 +6007,6 @@
   <p:transition spd="slow" advClick="0" advTm="0">
     <p:wipe/>
   </p:transition>
-  <p:timing>
-    <p:tnLst>
-      <p:par>
-        <p:cTn id="1" dur="indefinite" restart="never" nodeType="tmRoot"/>
-      </p:par>
-    </p:tnLst>
-  </p:timing>
 </p:sld>
 </file>
 
@@ -6519,13 +6441,6 @@
   <p:transition spd="slow" advClick="0" advTm="0">
     <p:wipe/>
   </p:transition>
-  <p:timing>
-    <p:tnLst>
-      <p:par>
-        <p:cTn id="1" dur="indefinite" restart="never" nodeType="tmRoot"/>
-      </p:par>
-    </p:tnLst>
-  </p:timing>
 </p:sld>
 </file>
 
@@ -6956,13 +6871,6 @@
   <p:transition spd="slow" advClick="0" advTm="0">
     <p:wipe/>
   </p:transition>
-  <p:timing>
-    <p:tnLst>
-      <p:par>
-        <p:cTn id="1" dur="indefinite" restart="never" nodeType="tmRoot"/>
-      </p:par>
-    </p:tnLst>
-  </p:timing>
 </p:sld>
 </file>
 
@@ -7369,13 +7277,6 @@
   <p:transition spd="slow" advClick="0" advTm="0">
     <p:wipe/>
   </p:transition>
-  <p:timing>
-    <p:tnLst>
-      <p:par>
-        <p:cTn id="1" dur="indefinite" restart="never" nodeType="tmRoot"/>
-      </p:par>
-    </p:tnLst>
-  </p:timing>
 </p:sld>
 </file>
 
@@ -7782,13 +7683,6 @@
   <p:transition spd="slow" advClick="0" advTm="0">
     <p:wipe/>
   </p:transition>
-  <p:timing>
-    <p:tnLst>
-      <p:par>
-        <p:cTn id="1" dur="indefinite" restart="never" nodeType="tmRoot"/>
-      </p:par>
-    </p:tnLst>
-  </p:timing>
 </p:sld>
 </file>
 
@@ -8195,13 +8089,6 @@
   <p:transition spd="slow" advClick="0" advTm="0">
     <p:wipe/>
   </p:transition>
-  <p:timing>
-    <p:tnLst>
-      <p:par>
-        <p:cTn id="1" dur="indefinite" restart="never" nodeType="tmRoot"/>
-      </p:par>
-    </p:tnLst>
-  </p:timing>
 </p:sld>
 </file>
 
@@ -8315,18 +8202,13 @@
           <a:p>
             <a:pPr algn="ctr"/>
             <a:r>
-              <a:rPr lang="en-US" sz="2400" dirty="0" smtClean="0">
+              <a:rPr lang="en-US" sz="2400" dirty="0">
                 <a:solidFill>
                   <a:prstClr val="white"/>
                 </a:solidFill>
               </a:rPr>
               <a:t>4</a:t>
             </a:r>
-            <a:endParaRPr lang="en-US" sz="2400" dirty="0">
-              <a:solidFill>
-                <a:prstClr val="white"/>
-              </a:solidFill>
-            </a:endParaRPr>
           </a:p>
         </p:txBody>
       </p:sp>
@@ -8385,7 +8267,7 @@
           <a:lstStyle/>
           <a:p>
             <a:r>
-              <a:rPr lang="zh-CN" altLang="en-US" sz="2665" dirty="0" smtClean="0">
+              <a:rPr lang="zh-CN" altLang="en-US" sz="2665" dirty="0">
                 <a:solidFill>
                   <a:srgbClr val="183A5D"/>
                 </a:solidFill>
@@ -8394,13 +8276,6 @@
               </a:rPr>
               <a:t>顺序图</a:t>
             </a:r>
-            <a:endParaRPr lang="zh-CN" altLang="en-US" sz="2665" dirty="0">
-              <a:solidFill>
-                <a:srgbClr val="183A5D"/>
-              </a:solidFill>
-              <a:latin typeface="微软雅黑" panose="020B0503020204020204" pitchFamily="34" charset="-122"/>
-              <a:ea typeface="微软雅黑" panose="020B0503020204020204" pitchFamily="34" charset="-122"/>
-            </a:endParaRPr>
           </a:p>
         </p:txBody>
       </p:sp>
@@ -8661,13 +8536,6 @@
   <p:transition spd="slow" advClick="0" advTm="0">
     <p:wipe/>
   </p:transition>
-  <p:timing>
-    <p:tnLst>
-      <p:par>
-        <p:cTn id="1" dur="indefinite" restart="never" nodeType="tmRoot"/>
-      </p:par>
-    </p:tnLst>
-  </p:timing>
 </p:sld>
 </file>
 
@@ -8740,7 +8608,7 @@
               <a:defRPr/>
             </a:pPr>
             <a:r>
-              <a:rPr lang="en-US" altLang="zh-CN" sz="2400" dirty="0" smtClean="0">
+              <a:rPr lang="en-US" altLang="zh-CN" sz="2400" dirty="0">
                 <a:latin typeface="+mj-lt"/>
                 <a:ea typeface="Arial Unicode MS" panose="020B0604020202020204" pitchFamily="34" charset="-122"/>
                 <a:cs typeface="Arial Unicode MS" panose="020B0604020202020204" pitchFamily="34" charset="-122"/>
@@ -8839,7 +8707,7 @@
               <a:defRPr/>
             </a:pPr>
             <a:r>
-              <a:rPr lang="zh-CN" sz="3200" b="1" dirty="0" smtClean="0">
+              <a:rPr lang="zh-CN" sz="3200" b="1" dirty="0">
                 <a:solidFill>
                   <a:schemeClr val="bg1"/>
                 </a:solidFill>
@@ -8848,13 +8716,6 @@
               </a:rPr>
               <a:t>目录</a:t>
             </a:r>
-            <a:endParaRPr lang="zh-CN" sz="3200" b="1" dirty="0">
-              <a:solidFill>
-                <a:schemeClr val="bg1"/>
-              </a:solidFill>
-              <a:latin typeface="微软雅黑" panose="020B0503020204020204" pitchFamily="34" charset="-122"/>
-              <a:ea typeface="微软雅黑" panose="020B0503020204020204" pitchFamily="34" charset="-122"/>
-            </a:endParaRPr>
           </a:p>
         </p:txBody>
       </p:sp>
@@ -8956,7 +8817,7 @@
                 <a:defRPr/>
               </a:pPr>
               <a:r>
-                <a:rPr lang="zh-CN" sz="2000" b="1" kern="100" dirty="0" smtClean="0">
+                <a:rPr lang="zh-CN" sz="2000" b="1" kern="100" dirty="0">
                   <a:solidFill>
                     <a:schemeClr val="bg1"/>
                   </a:solidFill>
@@ -8966,14 +8827,6 @@
                 </a:rPr>
                 <a:t>引言</a:t>
               </a:r>
-              <a:endParaRPr lang="zh-CN" sz="2000" b="1" kern="100" dirty="0">
-                <a:solidFill>
-                  <a:schemeClr val="bg1"/>
-                </a:solidFill>
-                <a:latin typeface="微软雅黑" panose="020B0503020204020204" pitchFamily="34" charset="-122"/>
-                <a:ea typeface="微软雅黑" panose="020B0503020204020204" pitchFamily="34" charset="-122"/>
-                <a:cs typeface="Times New Roman" panose="02020603050405020304" pitchFamily="18" charset="0"/>
-              </a:endParaRPr>
             </a:p>
           </p:txBody>
         </p:sp>
@@ -9150,7 +9003,7 @@
               <a:defRPr/>
             </a:pPr>
             <a:r>
-              <a:rPr lang="en-US" sz="2400" dirty="0" smtClean="0">
+              <a:rPr lang="en-US" sz="2400" dirty="0">
                 <a:latin typeface="+mj-lt"/>
                 <a:ea typeface="Arial Unicode MS" panose="020B0604020202020204" pitchFamily="34" charset="-122"/>
                 <a:cs typeface="Arial Unicode MS" panose="020B0604020202020204" pitchFamily="34" charset="-122"/>
@@ -9263,7 +9116,7 @@
                 <a:defRPr/>
               </a:pPr>
               <a:r>
-                <a:rPr lang="zh-CN" sz="2000" b="1" kern="100" dirty="0" smtClean="0">
+                <a:rPr lang="zh-CN" sz="2000" b="1" kern="100" dirty="0">
                   <a:solidFill>
                     <a:schemeClr val="bg1"/>
                   </a:solidFill>
@@ -9273,14 +9126,6 @@
                 </a:rPr>
                 <a:t>用例图</a:t>
               </a:r>
-              <a:endParaRPr lang="zh-CN" sz="2000" b="1" kern="100" dirty="0">
-                <a:solidFill>
-                  <a:schemeClr val="bg1"/>
-                </a:solidFill>
-                <a:latin typeface="微软雅黑" panose="020B0503020204020204" pitchFamily="34" charset="-122"/>
-                <a:ea typeface="微软雅黑" panose="020B0503020204020204" pitchFamily="34" charset="-122"/>
-                <a:cs typeface="Times New Roman" panose="02020603050405020304" pitchFamily="18" charset="0"/>
-              </a:endParaRPr>
             </a:p>
           </p:txBody>
         </p:sp>
@@ -9337,7 +9182,7 @@
               <a:defRPr/>
             </a:pPr>
             <a:r>
-              <a:rPr lang="en-US" sz="2400" dirty="0" smtClean="0">
+              <a:rPr lang="en-US" sz="2400" dirty="0">
                 <a:latin typeface="+mj-lt"/>
                 <a:ea typeface="Arial Unicode MS" panose="020B0604020202020204" pitchFamily="34" charset="-122"/>
                 <a:cs typeface="Arial Unicode MS" panose="020B0604020202020204" pitchFamily="34" charset="-122"/>
@@ -9450,7 +9295,7 @@
                 <a:defRPr/>
               </a:pPr>
               <a:r>
-                <a:rPr lang="zh-CN" sz="2000" b="1" kern="100" dirty="0" smtClean="0">
+                <a:rPr lang="zh-CN" sz="2000" b="1" kern="100" dirty="0">
                   <a:solidFill>
                     <a:schemeClr val="bg1"/>
                   </a:solidFill>
@@ -9460,14 +9305,6 @@
                 </a:rPr>
                 <a:t>类图</a:t>
               </a:r>
-              <a:endParaRPr lang="zh-CN" sz="2000" b="1" kern="100" dirty="0">
-                <a:solidFill>
-                  <a:schemeClr val="bg1"/>
-                </a:solidFill>
-                <a:latin typeface="微软雅黑" panose="020B0503020204020204" pitchFamily="34" charset="-122"/>
-                <a:ea typeface="微软雅黑" panose="020B0503020204020204" pitchFamily="34" charset="-122"/>
-                <a:cs typeface="Times New Roman" panose="02020603050405020304" pitchFamily="18" charset="0"/>
-              </a:endParaRPr>
             </a:p>
           </p:txBody>
         </p:sp>
@@ -9524,7 +9361,7 @@
               <a:defRPr/>
             </a:pPr>
             <a:r>
-              <a:rPr lang="en-US" sz="2400" dirty="0" smtClean="0">
+              <a:rPr lang="en-US" sz="2400" dirty="0">
                 <a:latin typeface="+mj-lt"/>
                 <a:ea typeface="Arial Unicode MS" panose="020B0604020202020204" pitchFamily="34" charset="-122"/>
                 <a:cs typeface="Arial Unicode MS" panose="020B0604020202020204" pitchFamily="34" charset="-122"/>
@@ -9637,7 +9474,7 @@
                 <a:defRPr/>
               </a:pPr>
               <a:r>
-                <a:rPr lang="zh-CN" sz="2000" b="1" kern="100" dirty="0" smtClean="0">
+                <a:rPr lang="zh-CN" sz="2000" b="1" kern="100" dirty="0">
                   <a:solidFill>
                     <a:schemeClr val="bg1"/>
                   </a:solidFill>
@@ -9647,14 +9484,6 @@
                 </a:rPr>
                 <a:t>顺序图</a:t>
               </a:r>
-              <a:endParaRPr lang="zh-CN" sz="2000" b="1" kern="100" dirty="0">
-                <a:solidFill>
-                  <a:schemeClr val="bg1"/>
-                </a:solidFill>
-                <a:latin typeface="微软雅黑" panose="020B0503020204020204" pitchFamily="34" charset="-122"/>
-                <a:ea typeface="微软雅黑" panose="020B0503020204020204" pitchFamily="34" charset="-122"/>
-                <a:cs typeface="Times New Roman" panose="02020603050405020304" pitchFamily="18" charset="0"/>
-              </a:endParaRPr>
             </a:p>
           </p:txBody>
         </p:sp>
@@ -9711,7 +9540,7 @@
               <a:defRPr/>
             </a:pPr>
             <a:r>
-              <a:rPr lang="en-US" altLang="zh-CN" sz="2400" dirty="0" smtClean="0">
+              <a:rPr lang="en-US" altLang="zh-CN" sz="2400" dirty="0">
                 <a:latin typeface="+mj-lt"/>
                 <a:ea typeface="Arial Unicode MS" panose="020B0604020202020204" pitchFamily="34" charset="-122"/>
                 <a:cs typeface="Arial Unicode MS" panose="020B0604020202020204" pitchFamily="34" charset="-122"/>
@@ -9824,7 +9653,7 @@
                 <a:defRPr/>
               </a:pPr>
               <a:r>
-                <a:rPr lang="zh-CN" sz="2000" b="1" kern="100" dirty="0" smtClean="0">
+                <a:rPr lang="zh-CN" sz="2000" b="1" kern="100" dirty="0">
                   <a:solidFill>
                     <a:schemeClr val="bg1"/>
                   </a:solidFill>
@@ -9834,14 +9663,6 @@
                 </a:rPr>
                 <a:t>状态机图</a:t>
               </a:r>
-              <a:endParaRPr lang="zh-CN" sz="2000" b="1" kern="100" dirty="0">
-                <a:solidFill>
-                  <a:schemeClr val="bg1"/>
-                </a:solidFill>
-                <a:latin typeface="微软雅黑" panose="020B0503020204020204" pitchFamily="34" charset="-122"/>
-                <a:ea typeface="微软雅黑" panose="020B0503020204020204" pitchFamily="34" charset="-122"/>
-                <a:cs typeface="Times New Roman" panose="02020603050405020304" pitchFamily="18" charset="0"/>
-              </a:endParaRPr>
             </a:p>
           </p:txBody>
         </p:sp>
@@ -9898,7 +9719,7 @@
               <a:defRPr/>
             </a:pPr>
             <a:r>
-              <a:rPr lang="en-US" sz="2400" dirty="0" smtClean="0">
+              <a:rPr lang="en-US" sz="2400" dirty="0">
                 <a:latin typeface="+mj-lt"/>
                 <a:ea typeface="Arial Unicode MS" panose="020B0604020202020204" pitchFamily="34" charset="-122"/>
                 <a:cs typeface="Arial Unicode MS" panose="020B0604020202020204" pitchFamily="34" charset="-122"/>
@@ -10011,7 +9832,7 @@
                 <a:defRPr/>
               </a:pPr>
               <a:r>
-                <a:rPr lang="zh-CN" sz="2000" b="1" kern="100" dirty="0" smtClean="0">
+                <a:rPr lang="zh-CN" sz="2000" b="1" kern="100" dirty="0">
                   <a:solidFill>
                     <a:schemeClr val="bg1"/>
                   </a:solidFill>
@@ -10021,14 +9842,6 @@
                 </a:rPr>
                 <a:t>通信图</a:t>
               </a:r>
-              <a:endParaRPr lang="zh-CN" sz="2000" b="1" kern="100" dirty="0">
-                <a:solidFill>
-                  <a:schemeClr val="bg1"/>
-                </a:solidFill>
-                <a:latin typeface="微软雅黑" panose="020B0503020204020204" pitchFamily="34" charset="-122"/>
-                <a:ea typeface="微软雅黑" panose="020B0503020204020204" pitchFamily="34" charset="-122"/>
-                <a:cs typeface="Times New Roman" panose="02020603050405020304" pitchFamily="18" charset="0"/>
-              </a:endParaRPr>
             </a:p>
           </p:txBody>
         </p:sp>
@@ -10085,7 +9898,7 @@
               <a:defRPr/>
             </a:pPr>
             <a:r>
-              <a:rPr lang="en-US" altLang="zh-CN" sz="2400" dirty="0" smtClean="0">
+              <a:rPr lang="en-US" altLang="zh-CN" sz="2400" dirty="0">
                 <a:latin typeface="+mj-lt"/>
                 <a:ea typeface="Arial Unicode MS" panose="020B0604020202020204" pitchFamily="34" charset="-122"/>
                 <a:cs typeface="Arial Unicode MS" panose="020B0604020202020204" pitchFamily="34" charset="-122"/>
@@ -10198,7 +10011,7 @@
                 <a:defRPr/>
               </a:pPr>
               <a:r>
-                <a:rPr lang="zh-CN" sz="2000" b="1" kern="100" dirty="0" smtClean="0">
+                <a:rPr lang="zh-CN" sz="2000" b="1" kern="100" dirty="0">
                   <a:solidFill>
                     <a:schemeClr val="bg1"/>
                   </a:solidFill>
@@ -10208,14 +10021,6 @@
                 </a:rPr>
                 <a:t>部署图</a:t>
               </a:r>
-              <a:endParaRPr lang="zh-CN" sz="2000" b="1" kern="100" dirty="0">
-                <a:solidFill>
-                  <a:schemeClr val="bg1"/>
-                </a:solidFill>
-                <a:latin typeface="微软雅黑" panose="020B0503020204020204" pitchFamily="34" charset="-122"/>
-                <a:ea typeface="微软雅黑" panose="020B0503020204020204" pitchFamily="34" charset="-122"/>
-                <a:cs typeface="Times New Roman" panose="02020603050405020304" pitchFamily="18" charset="0"/>
-              </a:endParaRPr>
             </a:p>
           </p:txBody>
         </p:sp>
@@ -10272,7 +10077,7 @@
               <a:defRPr/>
             </a:pPr>
             <a:r>
-              <a:rPr lang="en-US" altLang="zh-CN" sz="2400" dirty="0" smtClean="0">
+              <a:rPr lang="en-US" altLang="zh-CN" sz="2400" dirty="0">
                 <a:latin typeface="+mj-lt"/>
                 <a:ea typeface="Arial Unicode MS" panose="020B0604020202020204" pitchFamily="34" charset="-122"/>
                 <a:cs typeface="Arial Unicode MS" panose="020B0604020202020204" pitchFamily="34" charset="-122"/>
@@ -10385,7 +10190,7 @@
                 <a:defRPr/>
               </a:pPr>
               <a:r>
-                <a:rPr lang="zh-CN" sz="2000" b="1" kern="100" dirty="0" smtClean="0">
+                <a:rPr lang="zh-CN" sz="2000" b="1" kern="100" dirty="0">
                   <a:solidFill>
                     <a:schemeClr val="bg1"/>
                   </a:solidFill>
@@ -10395,14 +10200,6 @@
                 </a:rPr>
                 <a:t>参考资料</a:t>
               </a:r>
-              <a:endParaRPr lang="zh-CN" sz="2000" b="1" kern="100" dirty="0">
-                <a:solidFill>
-                  <a:schemeClr val="bg1"/>
-                </a:solidFill>
-                <a:latin typeface="微软雅黑" panose="020B0503020204020204" pitchFamily="34" charset="-122"/>
-                <a:ea typeface="微软雅黑" panose="020B0503020204020204" pitchFamily="34" charset="-122"/>
-                <a:cs typeface="Times New Roman" panose="02020603050405020304" pitchFamily="18" charset="0"/>
-              </a:endParaRPr>
             </a:p>
           </p:txBody>
         </p:sp>
@@ -10459,7 +10256,7 @@
               <a:defRPr/>
             </a:pPr>
             <a:r>
-              <a:rPr lang="en-US" altLang="zh-CN" sz="2400" dirty="0" smtClean="0">
+              <a:rPr lang="en-US" altLang="zh-CN" sz="2400" dirty="0">
                 <a:latin typeface="+mj-lt"/>
                 <a:ea typeface="Arial Unicode MS" panose="020B0604020202020204" pitchFamily="34" charset="-122"/>
                 <a:cs typeface="Arial Unicode MS" panose="020B0604020202020204" pitchFamily="34" charset="-122"/>
@@ -10572,7 +10369,7 @@
                 <a:defRPr/>
               </a:pPr>
               <a:r>
-                <a:rPr lang="zh-CN" sz="2000" b="1" kern="100" dirty="0" smtClean="0">
+                <a:rPr lang="zh-CN" sz="2000" b="1" kern="100" dirty="0">
                   <a:solidFill>
                     <a:schemeClr val="bg1"/>
                   </a:solidFill>
@@ -10582,14 +10379,6 @@
                 </a:rPr>
                 <a:t>分工与绩效</a:t>
               </a:r>
-              <a:endParaRPr lang="zh-CN" sz="2000" b="1" kern="100" dirty="0">
-                <a:solidFill>
-                  <a:schemeClr val="bg1"/>
-                </a:solidFill>
-                <a:latin typeface="微软雅黑" panose="020B0503020204020204" pitchFamily="34" charset="-122"/>
-                <a:ea typeface="微软雅黑" panose="020B0503020204020204" pitchFamily="34" charset="-122"/>
-                <a:cs typeface="Times New Roman" panose="02020603050405020304" pitchFamily="18" charset="0"/>
-              </a:endParaRPr>
             </a:p>
           </p:txBody>
         </p:sp>
@@ -12269,18 +12058,13 @@
           <a:p>
             <a:pPr algn="ctr"/>
             <a:r>
-              <a:rPr lang="en-US" sz="2400" dirty="0" smtClean="0">
+              <a:rPr lang="en-US" sz="2400" dirty="0">
                 <a:solidFill>
                   <a:prstClr val="white"/>
                 </a:solidFill>
               </a:rPr>
               <a:t>4</a:t>
             </a:r>
-            <a:endParaRPr lang="en-US" sz="2400" dirty="0">
-              <a:solidFill>
-                <a:prstClr val="white"/>
-              </a:solidFill>
-            </a:endParaRPr>
           </a:p>
         </p:txBody>
       </p:sp>
@@ -12339,7 +12123,7 @@
           <a:lstStyle/>
           <a:p>
             <a:r>
-              <a:rPr lang="zh-CN" altLang="en-US" sz="2665" dirty="0" smtClean="0">
+              <a:rPr lang="zh-CN" altLang="en-US" sz="2665" dirty="0">
                 <a:solidFill>
                   <a:srgbClr val="183A5D"/>
                 </a:solidFill>
@@ -12348,13 +12132,6 @@
               </a:rPr>
               <a:t>顺序图</a:t>
             </a:r>
-            <a:endParaRPr lang="zh-CN" altLang="en-US" sz="2665" dirty="0">
-              <a:solidFill>
-                <a:srgbClr val="183A5D"/>
-              </a:solidFill>
-              <a:latin typeface="微软雅黑" panose="020B0503020204020204" pitchFamily="34" charset="-122"/>
-              <a:ea typeface="微软雅黑" panose="020B0503020204020204" pitchFamily="34" charset="-122"/>
-            </a:endParaRPr>
           </a:p>
         </p:txBody>
       </p:sp>
@@ -12542,13 +12319,8 @@
             <a:pPr indent="457200"/>
             <a:r>
               <a:rPr lang="zh-CN" altLang="en-US" dirty="0"/>
-              <a:t>顺序图用一个二维图描述系统中各个对象之间的交互关系，其中，纵轴是时间轴，时间沿竖线向下延伸，横轴代表了参与相互作用的对象。当对象存在时，生命线由一条虚线表示，当对象的过程处于激活状态时，生命线是一道双线。消息用从一个对象到另一个对象生命线的箭头表示。箭头以时间顺序在图中从上到下排列</a:t>
+              <a:t>顺序图用一个二维图描述系统中各个对象之间的交互关系，其中，纵轴是时间轴，时间沿竖线向下延伸，横轴代表了参与相互作用的对象。当对象存在时，生命线由一条虚线表示，当对象的过程处于激活状态时，生命线是一道双线。消息用从一个对象到另一个对象生命线的箭头表示。箭头以时间顺序在图中从上到下排列。</a:t>
             </a:r>
-            <a:r>
-              <a:rPr lang="zh-CN" altLang="en-US" dirty="0" smtClean="0"/>
-              <a:t>。</a:t>
-            </a:r>
-            <a:endParaRPr lang="zh-CN" altLang="en-US" dirty="0"/>
           </a:p>
         </p:txBody>
       </p:sp>
@@ -12601,13 +12373,6 @@
   <p:transition spd="slow" advClick="0" advTm="0">
     <p:wipe/>
   </p:transition>
-  <p:timing>
-    <p:tnLst>
-      <p:par>
-        <p:cTn id="1" dur="indefinite" restart="never" nodeType="tmRoot"/>
-      </p:par>
-    </p:tnLst>
-  </p:timing>
 </p:sld>
 </file>
 
@@ -12721,18 +12486,13 @@
           <a:p>
             <a:pPr algn="ctr"/>
             <a:r>
-              <a:rPr lang="en-US" sz="2400" dirty="0" smtClean="0">
+              <a:rPr lang="en-US" sz="2400" dirty="0">
                 <a:solidFill>
                   <a:prstClr val="white"/>
                 </a:solidFill>
               </a:rPr>
               <a:t>4</a:t>
             </a:r>
-            <a:endParaRPr lang="en-US" sz="2400" dirty="0">
-              <a:solidFill>
-                <a:prstClr val="white"/>
-              </a:solidFill>
-            </a:endParaRPr>
           </a:p>
         </p:txBody>
       </p:sp>
@@ -12791,7 +12551,7 @@
           <a:lstStyle/>
           <a:p>
             <a:r>
-              <a:rPr lang="zh-CN" altLang="en-US" sz="2665" dirty="0" smtClean="0">
+              <a:rPr lang="zh-CN" altLang="en-US" sz="2665" dirty="0">
                 <a:solidFill>
                   <a:srgbClr val="183A5D"/>
                 </a:solidFill>
@@ -12800,13 +12560,6 @@
               </a:rPr>
               <a:t>顺序图</a:t>
             </a:r>
-            <a:endParaRPr lang="zh-CN" altLang="en-US" sz="2665" dirty="0">
-              <a:solidFill>
-                <a:srgbClr val="183A5D"/>
-              </a:solidFill>
-              <a:latin typeface="微软雅黑" panose="020B0503020204020204" pitchFamily="34" charset="-122"/>
-              <a:ea typeface="微软雅黑" panose="020B0503020204020204" pitchFamily="34" charset="-122"/>
-            </a:endParaRPr>
           </a:p>
         </p:txBody>
       </p:sp>
@@ -13036,13 +12789,9 @@
             </a:r>
             <a:r>
               <a:rPr lang="zh-CN" altLang="en-US" dirty="0"/>
-              <a:t>包括对象名和类</a:t>
+              <a:t>包括对象名和类名</a:t>
             </a:r>
-            <a:r>
-              <a:rPr lang="zh-CN" altLang="en-US" dirty="0" smtClean="0"/>
-              <a:t>名</a:t>
-            </a:r>
-            <a:endParaRPr lang="en-US" altLang="zh-CN" dirty="0" smtClean="0"/>
+            <a:endParaRPr lang="en-US" altLang="zh-CN" dirty="0"/>
           </a:p>
           <a:p>
             <a:pPr>
@@ -13056,13 +12805,9 @@
             </a:r>
             <a:r>
               <a:rPr lang="zh-CN" altLang="en-US" dirty="0"/>
-              <a:t>只有类</a:t>
+              <a:t>只有类名</a:t>
             </a:r>
-            <a:r>
-              <a:rPr lang="zh-CN" altLang="en-US" dirty="0" smtClean="0"/>
-              <a:t>名</a:t>
-            </a:r>
-            <a:endParaRPr lang="en-US" altLang="zh-CN" dirty="0" smtClean="0"/>
+            <a:endParaRPr lang="en-US" altLang="zh-CN" dirty="0"/>
           </a:p>
           <a:p>
             <a:pPr>
@@ -13130,13 +12875,6 @@
   <p:transition spd="slow" advClick="0" advTm="0">
     <p:wipe/>
   </p:transition>
-  <p:timing>
-    <p:tnLst>
-      <p:par>
-        <p:cTn id="1" dur="indefinite" restart="never" nodeType="tmRoot"/>
-      </p:par>
-    </p:tnLst>
-  </p:timing>
 </p:sld>
 </file>
 
@@ -13250,18 +12988,13 @@
           <a:p>
             <a:pPr algn="ctr"/>
             <a:r>
-              <a:rPr lang="en-US" sz="2400" dirty="0" smtClean="0">
+              <a:rPr lang="en-US" sz="2400" dirty="0">
                 <a:solidFill>
                   <a:prstClr val="white"/>
                 </a:solidFill>
               </a:rPr>
               <a:t>4</a:t>
             </a:r>
-            <a:endParaRPr lang="en-US" sz="2400" dirty="0">
-              <a:solidFill>
-                <a:prstClr val="white"/>
-              </a:solidFill>
-            </a:endParaRPr>
           </a:p>
         </p:txBody>
       </p:sp>
@@ -13320,7 +13053,7 @@
           <a:lstStyle/>
           <a:p>
             <a:r>
-              <a:rPr lang="zh-CN" altLang="en-US" sz="2665" dirty="0" smtClean="0">
+              <a:rPr lang="zh-CN" altLang="en-US" sz="2665" dirty="0">
                 <a:solidFill>
                   <a:srgbClr val="183A5D"/>
                 </a:solidFill>
@@ -13329,13 +13062,6 @@
               </a:rPr>
               <a:t>顺序图</a:t>
             </a:r>
-            <a:endParaRPr lang="zh-CN" altLang="en-US" sz="2665" dirty="0">
-              <a:solidFill>
-                <a:srgbClr val="183A5D"/>
-              </a:solidFill>
-              <a:latin typeface="微软雅黑" panose="020B0503020204020204" pitchFamily="34" charset="-122"/>
-              <a:ea typeface="微软雅黑" panose="020B0503020204020204" pitchFamily="34" charset="-122"/>
-            </a:endParaRPr>
           </a:p>
         </p:txBody>
       </p:sp>
@@ -13490,18 +13216,13 @@
               <a:p>
                 <a:pPr algn="ctr"/>
                 <a:r>
-                  <a:rPr lang="zh-CN" altLang="en-US" sz="1350" dirty="0" smtClean="0">
+                  <a:rPr lang="zh-CN" altLang="en-US" sz="1350" dirty="0">
                     <a:solidFill>
                       <a:prstClr val="white"/>
                     </a:solidFill>
                   </a:rPr>
                   <a:t>生命线</a:t>
                 </a:r>
-                <a:endParaRPr lang="zh-CN" altLang="en-US" sz="1350" dirty="0">
-                  <a:solidFill>
-                    <a:prstClr val="white"/>
-                  </a:solidFill>
-                </a:endParaRPr>
               </a:p>
             </p:txBody>
           </p:sp>
@@ -13844,13 +13565,6 @@
   <p:transition spd="slow" advClick="0" advTm="0">
     <p:wipe/>
   </p:transition>
-  <p:timing>
-    <p:tnLst>
-      <p:par>
-        <p:cTn id="1" dur="indefinite" restart="never" nodeType="tmRoot"/>
-      </p:par>
-    </p:tnLst>
-  </p:timing>
 </p:sld>
 </file>
 
@@ -13964,18 +13678,13 @@
           <a:p>
             <a:pPr algn="ctr"/>
             <a:r>
-              <a:rPr lang="en-US" sz="2400" dirty="0" smtClean="0">
+              <a:rPr lang="en-US" sz="2400" dirty="0">
                 <a:solidFill>
                   <a:prstClr val="white"/>
                 </a:solidFill>
               </a:rPr>
               <a:t>4</a:t>
             </a:r>
-            <a:endParaRPr lang="en-US" sz="2400" dirty="0">
-              <a:solidFill>
-                <a:prstClr val="white"/>
-              </a:solidFill>
-            </a:endParaRPr>
           </a:p>
         </p:txBody>
       </p:sp>
@@ -14034,7 +13743,7 @@
           <a:lstStyle/>
           <a:p>
             <a:r>
-              <a:rPr lang="zh-CN" altLang="en-US" sz="2665" dirty="0" smtClean="0">
+              <a:rPr lang="zh-CN" altLang="en-US" sz="2665" dirty="0">
                 <a:solidFill>
                   <a:srgbClr val="183A5D"/>
                 </a:solidFill>
@@ -14043,13 +13752,6 @@
               </a:rPr>
               <a:t>顺序图</a:t>
             </a:r>
-            <a:endParaRPr lang="zh-CN" altLang="en-US" sz="2665" dirty="0">
-              <a:solidFill>
-                <a:srgbClr val="183A5D"/>
-              </a:solidFill>
-              <a:latin typeface="微软雅黑" panose="020B0503020204020204" pitchFamily="34" charset="-122"/>
-              <a:ea typeface="微软雅黑" panose="020B0503020204020204" pitchFamily="34" charset="-122"/>
-            </a:endParaRPr>
           </a:p>
         </p:txBody>
       </p:sp>
@@ -14240,24 +13942,14 @@
           <a:p>
             <a:r>
               <a:rPr lang="zh-CN" altLang="en-US" sz="1600" dirty="0"/>
-              <a:t>消息用于描述对象间交互的方式及内容</a:t>
+              <a:t>消息用于描述对象间交互的方式及内容。</a:t>
             </a:r>
-            <a:r>
-              <a:rPr lang="zh-CN" altLang="en-US" sz="1600" dirty="0" smtClean="0"/>
-              <a:t>。</a:t>
-            </a:r>
-            <a:endParaRPr lang="zh-CN" altLang="en-US" sz="1600" dirty="0"/>
           </a:p>
           <a:p>
             <a:r>
               <a:rPr lang="zh-CN" altLang="en-US" sz="1600" dirty="0"/>
-              <a:t>消息分为四种：同步消息、异步消息、返回消息、自关联</a:t>
+              <a:t>消息分为四种：同步消息、异步消息、返回消息、自关联消息</a:t>
             </a:r>
-            <a:r>
-              <a:rPr lang="zh-CN" altLang="en-US" sz="1600" dirty="0" smtClean="0"/>
-              <a:t>消息</a:t>
-            </a:r>
-            <a:endParaRPr lang="zh-CN" altLang="en-US" sz="1600" dirty="0"/>
           </a:p>
           <a:p>
             <a:r>
@@ -14266,27 +13958,18 @@
             </a:r>
             <a:r>
               <a:rPr lang="zh-CN" altLang="en-US" sz="1600" dirty="0"/>
-              <a:t>同步消息：一个对象向另一个对象发出同步消息后，将处于阻塞状态，一直等到另一个对象的回应</a:t>
+              <a:t>同步消息：一个对象向另一个对象发出同步消息后，将处于阻塞状态，一直等到另一个对象的回应。</a:t>
             </a:r>
-            <a:r>
-              <a:rPr lang="zh-CN" altLang="en-US" sz="1600" dirty="0" smtClean="0"/>
-              <a:t>。</a:t>
-            </a:r>
-            <a:endParaRPr lang="zh-CN" altLang="en-US" sz="1600" dirty="0"/>
           </a:p>
           <a:p>
             <a:r>
               <a:rPr lang="zh-CN" altLang="en-US" sz="1600" dirty="0"/>
-              <a:t>表示方式</a:t>
+              <a:t>表示方式：</a:t>
             </a:r>
-            <a:r>
-              <a:rPr lang="zh-CN" altLang="en-US" sz="1600" dirty="0" smtClean="0"/>
-              <a:t>：</a:t>
-            </a:r>
-            <a:endParaRPr lang="en-US" altLang="zh-CN" sz="1600" dirty="0" smtClean="0"/>
+            <a:endParaRPr lang="en-US" altLang="zh-CN" sz="1600" dirty="0"/>
           </a:p>
           <a:p>
-            <a:endParaRPr lang="en-US" altLang="zh-CN" sz="1600" dirty="0" smtClean="0"/>
+            <a:endParaRPr lang="en-US" altLang="zh-CN" sz="1600" dirty="0"/>
           </a:p>
           <a:p>
             <a:r>
@@ -14301,13 +13984,9 @@
           <a:p>
             <a:r>
               <a:rPr lang="zh-CN" altLang="en-US" sz="1600" dirty="0"/>
-              <a:t>表示方式</a:t>
+              <a:t>表示方式：</a:t>
             </a:r>
-            <a:r>
-              <a:rPr lang="zh-CN" altLang="en-US" sz="1600" dirty="0" smtClean="0"/>
-              <a:t>：</a:t>
-            </a:r>
-            <a:endParaRPr lang="en-US" altLang="zh-CN" sz="1600" dirty="0" smtClean="0"/>
+            <a:endParaRPr lang="en-US" altLang="zh-CN" sz="1600" dirty="0"/>
           </a:p>
           <a:p>
             <a:endParaRPr lang="zh-CN" altLang="en-US" sz="1600" dirty="0"/>
@@ -14325,13 +14004,9 @@
           <a:p>
             <a:r>
               <a:rPr lang="zh-CN" altLang="en-US" sz="1600" dirty="0"/>
-              <a:t>表示方式</a:t>
+              <a:t>表示方式：</a:t>
             </a:r>
-            <a:r>
-              <a:rPr lang="zh-CN" altLang="en-US" sz="1600" dirty="0" smtClean="0"/>
-              <a:t>：</a:t>
-            </a:r>
-            <a:endParaRPr lang="en-US" altLang="zh-CN" sz="1600" dirty="0" smtClean="0"/>
+            <a:endParaRPr lang="en-US" altLang="zh-CN" sz="1600" dirty="0"/>
           </a:p>
           <a:p>
             <a:endParaRPr lang="zh-CN" altLang="en-US" sz="1600" dirty="0"/>
@@ -14343,24 +14018,15 @@
             </a:r>
             <a:r>
               <a:rPr lang="zh-CN" altLang="en-US" sz="1600" dirty="0"/>
-              <a:t>自关联消息：用来描述对象内部函数的互相调用</a:t>
+              <a:t>自关联消息：用来描述对象内部函数的互相调用。</a:t>
             </a:r>
-            <a:r>
-              <a:rPr lang="zh-CN" altLang="en-US" sz="1600" dirty="0" smtClean="0"/>
-              <a:t>。</a:t>
-            </a:r>
-            <a:endParaRPr lang="zh-CN" altLang="en-US" sz="1600" dirty="0"/>
           </a:p>
           <a:p>
             <a:r>
               <a:rPr lang="zh-CN" altLang="en-US" sz="1600" dirty="0"/>
-              <a:t>表示方式</a:t>
+              <a:t>表示方式：</a:t>
             </a:r>
-            <a:r>
-              <a:rPr lang="zh-CN" altLang="en-US" sz="1600" dirty="0" smtClean="0"/>
-              <a:t>：</a:t>
-            </a:r>
-            <a:endParaRPr lang="en-US" altLang="zh-CN" sz="1600" dirty="0" smtClean="0"/>
+            <a:endParaRPr lang="en-US" altLang="zh-CN" sz="1600" dirty="0"/>
           </a:p>
           <a:p>
             <a:endParaRPr lang="zh-CN" altLang="en-US" sz="1600" dirty="0"/>
@@ -14591,13 +14257,6 @@
   <p:transition spd="slow" advClick="0" advTm="0">
     <p:wipe/>
   </p:transition>
-  <p:timing>
-    <p:tnLst>
-      <p:par>
-        <p:cTn id="1" dur="indefinite" restart="never" nodeType="tmRoot"/>
-      </p:par>
-    </p:tnLst>
-  </p:timing>
 </p:sld>
 </file>
 
@@ -14711,18 +14370,13 @@
           <a:p>
             <a:pPr algn="ctr"/>
             <a:r>
-              <a:rPr lang="en-US" sz="2400" dirty="0" smtClean="0">
+              <a:rPr lang="en-US" sz="2400" dirty="0">
                 <a:solidFill>
                   <a:prstClr val="white"/>
                 </a:solidFill>
               </a:rPr>
               <a:t>4</a:t>
             </a:r>
-            <a:endParaRPr lang="en-US" sz="2400" dirty="0">
-              <a:solidFill>
-                <a:prstClr val="white"/>
-              </a:solidFill>
-            </a:endParaRPr>
           </a:p>
         </p:txBody>
       </p:sp>
@@ -14781,7 +14435,7 @@
           <a:lstStyle/>
           <a:p>
             <a:r>
-              <a:rPr lang="zh-CN" altLang="en-US" sz="2665" dirty="0" smtClean="0">
+              <a:rPr lang="zh-CN" altLang="en-US" sz="2665" dirty="0">
                 <a:solidFill>
                   <a:srgbClr val="183A5D"/>
                 </a:solidFill>
@@ -14790,13 +14444,6 @@
               </a:rPr>
               <a:t>顺序图</a:t>
             </a:r>
-            <a:endParaRPr lang="zh-CN" altLang="en-US" sz="2665" dirty="0">
-              <a:solidFill>
-                <a:srgbClr val="183A5D"/>
-              </a:solidFill>
-              <a:latin typeface="微软雅黑" panose="020B0503020204020204" pitchFamily="34" charset="-122"/>
-              <a:ea typeface="微软雅黑" panose="020B0503020204020204" pitchFamily="34" charset="-122"/>
-            </a:endParaRPr>
           </a:p>
         </p:txBody>
       </p:sp>
@@ -15103,13 +14750,6 @@
   <p:transition spd="slow" advClick="0" advTm="0">
     <p:wipe/>
   </p:transition>
-  <p:timing>
-    <p:tnLst>
-      <p:par>
-        <p:cTn id="1" dur="indefinite" restart="never" nodeType="tmRoot"/>
-      </p:par>
-    </p:tnLst>
-  </p:timing>
 </p:sld>
 </file>
 
@@ -15280,7 +14920,7 @@
           <a:lstStyle/>
           <a:p>
             <a:r>
-              <a:rPr lang="zh-CN" altLang="en-US" sz="2665" dirty="0" smtClean="0">
+              <a:rPr lang="zh-CN" altLang="en-US" sz="2665" dirty="0">
                 <a:solidFill>
                   <a:srgbClr val="183A5D"/>
                 </a:solidFill>
@@ -15335,7 +14975,7 @@
             <a:lstStyle/>
             <a:p>
               <a:r>
-                <a:rPr lang="zh-CN" altLang="en-US" sz="2000" dirty="0" smtClean="0">
+                <a:rPr lang="zh-CN" altLang="en-US" sz="2000" dirty="0">
                   <a:solidFill>
                     <a:srgbClr val="000000"/>
                   </a:solidFill>
@@ -15344,7 +14984,7 @@
                 <a:t>状态机（</a:t>
               </a:r>
               <a:r>
-                <a:rPr lang="en-US" altLang="zh-CN" sz="2000" dirty="0" smtClean="0">
+                <a:rPr lang="en-US" altLang="zh-CN" sz="2000" dirty="0">
                   <a:solidFill>
                     <a:srgbClr val="000000"/>
                   </a:solidFill>
@@ -15353,7 +14993,7 @@
                 <a:t>state machine</a:t>
               </a:r>
               <a:r>
-                <a:rPr lang="zh-CN" altLang="en-US" sz="2000" dirty="0" smtClean="0">
+                <a:rPr lang="zh-CN" altLang="en-US" sz="2000" dirty="0">
                   <a:solidFill>
                     <a:srgbClr val="000000"/>
                   </a:solidFill>
@@ -15361,7 +15001,7 @@
                 </a:rPr>
                 <a:t>）是一种行为，它说明对象在它的生命期中相应事件所经历的状态序列以及它们对那些事件的响应。</a:t>
               </a:r>
-              <a:endParaRPr lang="en-US" altLang="zh-CN" sz="2000" dirty="0" smtClean="0">
+              <a:endParaRPr lang="en-US" altLang="zh-CN" sz="2000" dirty="0">
                 <a:solidFill>
                   <a:srgbClr val="000000"/>
                 </a:solidFill>
@@ -15370,7 +15010,7 @@
             </a:p>
             <a:p>
               <a:r>
-                <a:rPr lang="zh-CN" altLang="en-US" sz="2000" dirty="0" smtClean="0">
+                <a:rPr lang="zh-CN" altLang="en-US" sz="2000" dirty="0">
                   <a:solidFill>
                     <a:srgbClr val="000000"/>
                   </a:solidFill>
@@ -15379,7 +15019,7 @@
                 <a:t>状态（</a:t>
               </a:r>
               <a:r>
-                <a:rPr lang="en-US" altLang="zh-CN" sz="2000" dirty="0" smtClean="0">
+                <a:rPr lang="en-US" altLang="zh-CN" sz="2000" dirty="0">
                   <a:solidFill>
                     <a:srgbClr val="000000"/>
                   </a:solidFill>
@@ -15388,7 +15028,7 @@
                 <a:t>state</a:t>
               </a:r>
               <a:r>
-                <a:rPr lang="zh-CN" altLang="en-US" sz="2000" dirty="0" smtClean="0">
+                <a:rPr lang="zh-CN" altLang="en-US" sz="2000" dirty="0">
                   <a:solidFill>
                     <a:srgbClr val="000000"/>
                   </a:solidFill>
@@ -15396,7 +15036,7 @@
                 </a:rPr>
                 <a:t>）是指对象的生命期中的条件或状态，在此期间对象将满足某些条件、执行某些活动或等待某些时间。</a:t>
               </a:r>
-              <a:endParaRPr lang="en-US" altLang="zh-CN" sz="2000" dirty="0" smtClean="0">
+              <a:endParaRPr lang="en-US" altLang="zh-CN" sz="2000" dirty="0">
                 <a:solidFill>
                   <a:srgbClr val="000000"/>
                 </a:solidFill>
@@ -15405,7 +15045,7 @@
             </a:p>
             <a:p>
               <a:r>
-                <a:rPr lang="zh-CN" altLang="en-US" sz="2000" dirty="0" smtClean="0">
+                <a:rPr lang="zh-CN" altLang="en-US" sz="2000" dirty="0">
                   <a:solidFill>
                     <a:srgbClr val="000000"/>
                   </a:solidFill>
@@ -15414,7 +15054,7 @@
                 <a:t>事件（</a:t>
               </a:r>
               <a:r>
-                <a:rPr lang="en-US" altLang="zh-CN" sz="2000" dirty="0" smtClean="0">
+                <a:rPr lang="en-US" altLang="zh-CN" sz="2000" dirty="0">
                   <a:solidFill>
                     <a:srgbClr val="000000"/>
                   </a:solidFill>
@@ -15423,7 +15063,7 @@
                 <a:t>event</a:t>
               </a:r>
               <a:r>
-                <a:rPr lang="zh-CN" altLang="en-US" sz="2000" dirty="0" smtClean="0">
+                <a:rPr lang="zh-CN" altLang="en-US" sz="2000" dirty="0">
                   <a:solidFill>
                     <a:srgbClr val="000000"/>
                   </a:solidFill>
@@ -15431,7 +15071,7 @@
                 </a:rPr>
                 <a:t>）是对一个在时间和空间上占有一定位置的有意义的发生的规约。在状态机的语境中，一个事件是一个激励的发生，它能够触发一个状态转移。</a:t>
               </a:r>
-              <a:endParaRPr lang="en-US" altLang="zh-CN" sz="2000" dirty="0" smtClean="0">
+              <a:endParaRPr lang="en-US" altLang="zh-CN" sz="2000" dirty="0">
                 <a:solidFill>
                   <a:srgbClr val="000000"/>
                 </a:solidFill>
@@ -15440,7 +15080,7 @@
             </a:p>
             <a:p>
               <a:r>
-                <a:rPr lang="zh-CN" altLang="en-US" sz="2000" dirty="0" smtClean="0">
+                <a:rPr lang="zh-CN" altLang="en-US" sz="2000" dirty="0">
                   <a:solidFill>
                     <a:srgbClr val="000000"/>
                   </a:solidFill>
@@ -15449,7 +15089,7 @@
                 <a:t>转移（</a:t>
               </a:r>
               <a:r>
-                <a:rPr lang="en-US" altLang="zh-CN" sz="2000" dirty="0" smtClean="0">
+                <a:rPr lang="en-US" altLang="zh-CN" sz="2000" dirty="0">
                   <a:solidFill>
                     <a:srgbClr val="000000"/>
                   </a:solidFill>
@@ -15458,7 +15098,7 @@
                 <a:t>transition</a:t>
               </a:r>
               <a:r>
-                <a:rPr lang="zh-CN" altLang="en-US" sz="2000" dirty="0" smtClean="0">
+                <a:rPr lang="zh-CN" altLang="en-US" sz="2000" dirty="0">
                   <a:solidFill>
                     <a:srgbClr val="000000"/>
                   </a:solidFill>
@@ -15606,26 +15246,25 @@
           <a:lstStyle/>
           <a:p>
             <a:r>
-              <a:rPr lang="zh-CN" altLang="en-US" dirty="0" smtClean="0"/>
+              <a:rPr lang="zh-CN" altLang="en-US" dirty="0"/>
               <a:t>活动（</a:t>
             </a:r>
             <a:r>
-              <a:rPr lang="en-US" altLang="zh-CN" dirty="0" smtClean="0"/>
+              <a:rPr lang="en-US" altLang="zh-CN" dirty="0"/>
               <a:t>activity</a:t>
             </a:r>
             <a:r>
-              <a:rPr lang="zh-CN" altLang="en-US" dirty="0" smtClean="0"/>
+              <a:rPr lang="zh-CN" altLang="en-US" dirty="0"/>
               <a:t>）是状态机中进行的非原子执行。动作（</a:t>
             </a:r>
             <a:r>
-              <a:rPr lang="en-US" altLang="zh-CN" dirty="0" smtClean="0"/>
+              <a:rPr lang="en-US" altLang="zh-CN" dirty="0"/>
               <a:t>action</a:t>
             </a:r>
             <a:r>
-              <a:rPr lang="zh-CN" altLang="en-US" dirty="0" smtClean="0"/>
+              <a:rPr lang="zh-CN" altLang="en-US" dirty="0"/>
               <a:t>）是一个可执行的原子计算，它引起模型状态改变或值的返回。在图形上，状态用一个圆角的矩形表示，转移用一条从源状态指向新状态的有向实线表示。</a:t>
             </a:r>
-            <a:endParaRPr lang="zh-CN" altLang="en-US" dirty="0"/>
           </a:p>
         </p:txBody>
       </p:sp>
@@ -15642,13 +15281,6 @@
   <p:transition spd="slow" advClick="0" advTm="0">
     <p:wipe/>
   </p:transition>
-  <p:timing>
-    <p:tnLst>
-      <p:par>
-        <p:cTn id="1" dur="indefinite" restart="never" nodeType="tmRoot"/>
-      </p:par>
-    </p:tnLst>
-  </p:timing>
 </p:sld>
 </file>
 
@@ -15826,17 +15458,7 @@
                 <a:latin typeface="微软雅黑" panose="020B0503020204020204" pitchFamily="34" charset="-122"/>
                 <a:ea typeface="微软雅黑" panose="020B0503020204020204" pitchFamily="34" charset="-122"/>
               </a:rPr>
-              <a:t>状态机</a:t>
-            </a:r>
-            <a:r>
-              <a:rPr lang="zh-CN" altLang="en-US" sz="2665" dirty="0" smtClean="0">
-                <a:solidFill>
-                  <a:srgbClr val="183A5D"/>
-                </a:solidFill>
-                <a:latin typeface="微软雅黑" panose="020B0503020204020204" pitchFamily="34" charset="-122"/>
-                <a:ea typeface="微软雅黑" panose="020B0503020204020204" pitchFamily="34" charset="-122"/>
-              </a:rPr>
-              <a:t>图</a:t>
+              <a:t>状态机图</a:t>
             </a:r>
             <a:endParaRPr lang="zh-CN" sz="2665" dirty="0">
               <a:solidFill>
@@ -15884,7 +15506,7 @@
             <a:lstStyle/>
             <a:p>
               <a:r>
-                <a:rPr lang="zh-CN" altLang="en-US" dirty="0" smtClean="0">
+                <a:rPr lang="zh-CN" altLang="en-US" dirty="0">
                   <a:solidFill>
                     <a:srgbClr val="000000"/>
                   </a:solidFill>
@@ -15892,7 +15514,7 @@
                 </a:rPr>
                 <a:t>状态</a:t>
               </a:r>
-              <a:endParaRPr lang="en-US" altLang="zh-CN" dirty="0" smtClean="0">
+              <a:endParaRPr lang="en-US" altLang="zh-CN" dirty="0">
                 <a:solidFill>
                   <a:srgbClr val="000000"/>
                 </a:solidFill>
@@ -15910,7 +15532,7 @@
                 <a:t>	</a:t>
               </a:r>
               <a:r>
-                <a:rPr lang="zh-CN" altLang="en-US" dirty="0" smtClean="0">
+                <a:rPr lang="zh-CN" altLang="en-US" dirty="0">
                   <a:solidFill>
                     <a:srgbClr val="000000"/>
                   </a:solidFill>
@@ -15918,7 +15540,7 @@
                 </a:rPr>
                 <a:t>状态是对象的生命期中的一个条件或状况，在此期间对象将满足某些条件、执行某些活动或等待某些事件。</a:t>
               </a:r>
-              <a:endParaRPr lang="en-US" altLang="zh-CN" dirty="0" smtClean="0">
+              <a:endParaRPr lang="en-US" altLang="zh-CN" dirty="0">
                 <a:solidFill>
                   <a:srgbClr val="000000"/>
                 </a:solidFill>
@@ -15933,18 +15555,9 @@
                   </a:solidFill>
                   <a:latin typeface="Verdana" panose="020B0604030504040204" pitchFamily="34" charset="0"/>
                 </a:rPr>
-                <a:t>一</a:t>
+                <a:t>一个状态有以下几个部分：</a:t>
               </a:r>
-              <a:r>
-                <a:rPr lang="zh-CN" altLang="en-US" dirty="0" smtClean="0">
-                  <a:solidFill>
-                    <a:srgbClr val="000000"/>
-                  </a:solidFill>
-                  <a:latin typeface="Verdana" panose="020B0604030504040204" pitchFamily="34" charset="0"/>
-                </a:rPr>
-                <a:t>个状态有以下几个部分：</a:t>
-              </a:r>
-              <a:endParaRPr lang="en-US" altLang="zh-CN" dirty="0" smtClean="0">
+              <a:endParaRPr lang="en-US" altLang="zh-CN" dirty="0">
                 <a:solidFill>
                   <a:srgbClr val="000000"/>
                 </a:solidFill>
@@ -15953,7 +15566,7 @@
             </a:p>
             <a:p>
               <a:r>
-                <a:rPr lang="en-US" altLang="zh-CN" dirty="0" smtClean="0">
+                <a:rPr lang="en-US" altLang="zh-CN" dirty="0">
                   <a:solidFill>
                     <a:srgbClr val="000000"/>
                   </a:solidFill>
@@ -15962,7 +15575,7 @@
                 <a:t>1</a:t>
               </a:r>
               <a:r>
-                <a:rPr lang="zh-CN" altLang="en-US" dirty="0" smtClean="0">
+                <a:rPr lang="zh-CN" altLang="en-US" dirty="0">
                   <a:solidFill>
                     <a:srgbClr val="000000"/>
                   </a:solidFill>
@@ -15970,7 +15583,7 @@
                 </a:rPr>
                 <a:t>、名称</a:t>
               </a:r>
-              <a:endParaRPr lang="en-US" altLang="zh-CN" dirty="0" smtClean="0">
+              <a:endParaRPr lang="en-US" altLang="zh-CN" dirty="0">
                 <a:solidFill>
                   <a:srgbClr val="000000"/>
                 </a:solidFill>
@@ -15979,7 +15592,7 @@
             </a:p>
             <a:p>
               <a:r>
-                <a:rPr lang="en-US" altLang="zh-CN" dirty="0" smtClean="0">
+                <a:rPr lang="en-US" altLang="zh-CN" dirty="0">
                   <a:solidFill>
                     <a:srgbClr val="000000"/>
                   </a:solidFill>
@@ -15988,7 +15601,7 @@
                 <a:t>2</a:t>
               </a:r>
               <a:r>
-                <a:rPr lang="zh-CN" altLang="en-US" dirty="0" smtClean="0">
+                <a:rPr lang="zh-CN" altLang="en-US" dirty="0">
                   <a:solidFill>
                     <a:srgbClr val="000000"/>
                   </a:solidFill>
@@ -15997,7 +15610,7 @@
                 <a:t>、进入</a:t>
               </a:r>
               <a:r>
-                <a:rPr lang="en-US" altLang="zh-CN" dirty="0" smtClean="0">
+                <a:rPr lang="en-US" altLang="zh-CN" dirty="0">
                   <a:solidFill>
                     <a:srgbClr val="000000"/>
                   </a:solidFill>
@@ -16006,7 +15619,7 @@
                 <a:t>/</a:t>
               </a:r>
               <a:r>
-                <a:rPr lang="zh-CN" altLang="en-US" dirty="0" smtClean="0">
+                <a:rPr lang="zh-CN" altLang="en-US" dirty="0">
                   <a:solidFill>
                     <a:srgbClr val="000000"/>
                   </a:solidFill>
@@ -16014,7 +15627,7 @@
                 </a:rPr>
                 <a:t>退出效应</a:t>
               </a:r>
-              <a:endParaRPr lang="en-US" altLang="zh-CN" dirty="0" smtClean="0">
+              <a:endParaRPr lang="en-US" altLang="zh-CN" dirty="0">
                 <a:solidFill>
                   <a:srgbClr val="000000"/>
                 </a:solidFill>
@@ -16023,7 +15636,7 @@
             </a:p>
             <a:p>
               <a:r>
-                <a:rPr lang="en-US" altLang="zh-CN" dirty="0" smtClean="0">
+                <a:rPr lang="en-US" altLang="zh-CN" dirty="0">
                   <a:solidFill>
                     <a:srgbClr val="000000"/>
                   </a:solidFill>
@@ -16032,7 +15645,7 @@
                 <a:t>3</a:t>
               </a:r>
               <a:r>
-                <a:rPr lang="zh-CN" altLang="en-US" dirty="0" smtClean="0">
+                <a:rPr lang="zh-CN" altLang="en-US" dirty="0">
                   <a:solidFill>
                     <a:srgbClr val="000000"/>
                   </a:solidFill>
@@ -16040,7 +15653,7 @@
                 </a:rPr>
                 <a:t>、内部转移</a:t>
               </a:r>
-              <a:endParaRPr lang="en-US" altLang="zh-CN" dirty="0" smtClean="0">
+              <a:endParaRPr lang="en-US" altLang="zh-CN" dirty="0">
                 <a:solidFill>
                   <a:srgbClr val="000000"/>
                 </a:solidFill>
@@ -16049,7 +15662,7 @@
             </a:p>
             <a:p>
               <a:r>
-                <a:rPr lang="en-US" altLang="zh-CN" dirty="0" smtClean="0">
+                <a:rPr lang="en-US" altLang="zh-CN" dirty="0">
                   <a:solidFill>
                     <a:srgbClr val="000000"/>
                   </a:solidFill>
@@ -16058,7 +15671,7 @@
                 <a:t>4</a:t>
               </a:r>
               <a:r>
-                <a:rPr lang="zh-CN" altLang="en-US" dirty="0" smtClean="0">
+                <a:rPr lang="zh-CN" altLang="en-US" dirty="0">
                   <a:solidFill>
                     <a:srgbClr val="000000"/>
                   </a:solidFill>
@@ -16066,7 +15679,7 @@
                 </a:rPr>
                 <a:t>、子状态</a:t>
               </a:r>
-              <a:endParaRPr lang="en-US" altLang="zh-CN" dirty="0" smtClean="0">
+              <a:endParaRPr lang="en-US" altLang="zh-CN" dirty="0">
                 <a:solidFill>
                   <a:srgbClr val="000000"/>
                 </a:solidFill>
@@ -16075,7 +15688,7 @@
             </a:p>
             <a:p>
               <a:r>
-                <a:rPr lang="en-US" altLang="zh-CN" dirty="0" smtClean="0">
+                <a:rPr lang="en-US" altLang="zh-CN" dirty="0">
                   <a:solidFill>
                     <a:srgbClr val="000000"/>
                   </a:solidFill>
@@ -16084,7 +15697,7 @@
                 <a:t>5</a:t>
               </a:r>
               <a:r>
-                <a:rPr lang="zh-CN" altLang="en-US" dirty="0" smtClean="0">
+                <a:rPr lang="zh-CN" altLang="en-US" dirty="0">
                   <a:solidFill>
                     <a:srgbClr val="000000"/>
                   </a:solidFill>
@@ -16092,7 +15705,7 @@
                 </a:rPr>
                 <a:t>、延迟时间</a:t>
               </a:r>
-              <a:endParaRPr lang="en-US" altLang="zh-CN" dirty="0" smtClean="0">
+              <a:endParaRPr lang="en-US" altLang="zh-CN" dirty="0">
                 <a:solidFill>
                   <a:srgbClr val="000000"/>
                 </a:solidFill>
@@ -16335,13 +15948,6 @@
   <p:transition spd="slow" advClick="0" advTm="0">
     <p:wipe/>
   </p:transition>
-  <p:timing>
-    <p:tnLst>
-      <p:par>
-        <p:cTn id="1" dur="indefinite" restart="never" nodeType="tmRoot"/>
-      </p:par>
-    </p:tnLst>
-  </p:timing>
 </p:sld>
 </file>
 
@@ -16519,17 +16125,7 @@
                 <a:latin typeface="微软雅黑" panose="020B0503020204020204" pitchFamily="34" charset="-122"/>
                 <a:ea typeface="微软雅黑" panose="020B0503020204020204" pitchFamily="34" charset="-122"/>
               </a:rPr>
-              <a:t>状态机</a:t>
-            </a:r>
-            <a:r>
-              <a:rPr lang="zh-CN" altLang="en-US" sz="2665" dirty="0" smtClean="0">
-                <a:solidFill>
-                  <a:srgbClr val="183A5D"/>
-                </a:solidFill>
-                <a:latin typeface="微软雅黑" panose="020B0503020204020204" pitchFamily="34" charset="-122"/>
-                <a:ea typeface="微软雅黑" panose="020B0503020204020204" pitchFamily="34" charset="-122"/>
-              </a:rPr>
-              <a:t>图</a:t>
+              <a:t>状态机图</a:t>
             </a:r>
             <a:endParaRPr lang="zh-CN" sz="2665" dirty="0">
               <a:solidFill>
@@ -16585,7 +16181,7 @@
                 </a:rPr>
                 <a:t>转移</a:t>
               </a:r>
-              <a:endParaRPr lang="en-US" altLang="zh-CN" dirty="0" smtClean="0">
+              <a:endParaRPr lang="en-US" altLang="zh-CN" dirty="0">
                 <a:solidFill>
                   <a:srgbClr val="000000"/>
                 </a:solidFill>
@@ -16603,7 +16199,7 @@
                 <a:t>	</a:t>
               </a:r>
               <a:r>
-                <a:rPr lang="zh-CN" altLang="en-US" dirty="0" smtClean="0">
+                <a:rPr lang="zh-CN" altLang="en-US" dirty="0">
                   <a:solidFill>
                     <a:srgbClr val="000000"/>
                   </a:solidFill>
@@ -16611,7 +16207,7 @@
                 </a:rPr>
                 <a:t>转移是两个状态之间的一种关系，表示对象在某个特定事件发生而且特定的条件满足时将在第一个状态中执行一定的动作，并进入第二个状态。</a:t>
               </a:r>
-              <a:endParaRPr lang="en-US" altLang="zh-CN" dirty="0" smtClean="0">
+              <a:endParaRPr lang="en-US" altLang="zh-CN" dirty="0">
                 <a:solidFill>
                   <a:srgbClr val="000000"/>
                 </a:solidFill>
@@ -16627,20 +16223,10 @@
                   <a:effectLst/>
                   <a:latin typeface="Verdana" panose="020B0604030504040204" pitchFamily="34" charset="0"/>
                 </a:rPr>
-                <a:t>一</a:t>
+                <a:t>一个转移由以下</a:t>
               </a:r>
               <a:r>
-                <a:rPr lang="zh-CN" altLang="en-US" b="0" i="0" dirty="0" smtClean="0">
-                  <a:solidFill>
-                    <a:srgbClr val="000000"/>
-                  </a:solidFill>
-                  <a:effectLst/>
-                  <a:latin typeface="Verdana" panose="020B0604030504040204" pitchFamily="34" charset="0"/>
-                </a:rPr>
-                <a:t>个转移由以下</a:t>
-              </a:r>
-              <a:r>
-                <a:rPr lang="en-US" altLang="zh-CN" b="0" i="0" dirty="0" smtClean="0">
+                <a:rPr lang="en-US" altLang="zh-CN" b="0" i="0" dirty="0">
                   <a:solidFill>
                     <a:srgbClr val="000000"/>
                   </a:solidFill>
@@ -16650,7 +16236,7 @@
                 <a:t>5</a:t>
               </a:r>
               <a:r>
-                <a:rPr lang="zh-CN" altLang="en-US" b="0" i="0" dirty="0" smtClean="0">
+                <a:rPr lang="zh-CN" altLang="en-US" b="0" i="0" dirty="0">
                   <a:solidFill>
                     <a:srgbClr val="000000"/>
                   </a:solidFill>
@@ -16659,7 +16245,7 @@
                 </a:rPr>
                 <a:t>部分组成：</a:t>
               </a:r>
-              <a:endParaRPr lang="en-US" altLang="zh-CN" b="0" i="0" dirty="0" smtClean="0">
+              <a:endParaRPr lang="en-US" altLang="zh-CN" b="0" i="0" dirty="0">
                 <a:solidFill>
                   <a:srgbClr val="000000"/>
                 </a:solidFill>
@@ -16669,7 +16255,7 @@
             </a:p>
             <a:p>
               <a:r>
-                <a:rPr lang="en-US" altLang="zh-CN" dirty="0" smtClean="0">
+                <a:rPr lang="en-US" altLang="zh-CN" dirty="0">
                   <a:solidFill>
                     <a:srgbClr val="000000"/>
                   </a:solidFill>
@@ -16678,7 +16264,7 @@
                 <a:t>1</a:t>
               </a:r>
               <a:r>
-                <a:rPr lang="zh-CN" altLang="en-US" dirty="0" smtClean="0">
+                <a:rPr lang="zh-CN" altLang="en-US" dirty="0">
                   <a:solidFill>
                     <a:srgbClr val="000000"/>
                   </a:solidFill>
@@ -16686,7 +16272,7 @@
                 </a:rPr>
                 <a:t>、源状态</a:t>
               </a:r>
-              <a:endParaRPr lang="en-US" altLang="zh-CN" dirty="0" smtClean="0">
+              <a:endParaRPr lang="en-US" altLang="zh-CN" dirty="0">
                 <a:solidFill>
                   <a:srgbClr val="000000"/>
                 </a:solidFill>
@@ -16695,7 +16281,7 @@
             </a:p>
             <a:p>
               <a:r>
-                <a:rPr lang="en-US" altLang="zh-CN" b="0" i="0" dirty="0" smtClean="0">
+                <a:rPr lang="en-US" altLang="zh-CN" b="0" i="0" dirty="0">
                   <a:solidFill>
                     <a:srgbClr val="000000"/>
                   </a:solidFill>
@@ -16705,7 +16291,7 @@
                 <a:t>2</a:t>
               </a:r>
               <a:r>
-                <a:rPr lang="zh-CN" altLang="en-US" b="0" i="0" dirty="0" smtClean="0">
+                <a:rPr lang="zh-CN" altLang="en-US" b="0" i="0" dirty="0">
                   <a:solidFill>
                     <a:srgbClr val="000000"/>
                   </a:solidFill>
@@ -16714,7 +16300,7 @@
                 </a:rPr>
                 <a:t>、事件触发器</a:t>
               </a:r>
-              <a:endParaRPr lang="en-US" altLang="zh-CN" b="0" i="0" dirty="0" smtClean="0">
+              <a:endParaRPr lang="en-US" altLang="zh-CN" b="0" i="0" dirty="0">
                 <a:solidFill>
                   <a:srgbClr val="000000"/>
                 </a:solidFill>
@@ -16724,7 +16310,7 @@
             </a:p>
             <a:p>
               <a:r>
-                <a:rPr lang="en-US" altLang="zh-CN" dirty="0" smtClean="0">
+                <a:rPr lang="en-US" altLang="zh-CN" dirty="0">
                   <a:solidFill>
                     <a:srgbClr val="000000"/>
                   </a:solidFill>
@@ -16733,7 +16319,7 @@
                 <a:t>3</a:t>
               </a:r>
               <a:r>
-                <a:rPr lang="zh-CN" altLang="en-US" dirty="0" smtClean="0">
+                <a:rPr lang="zh-CN" altLang="en-US" dirty="0">
                   <a:solidFill>
                     <a:srgbClr val="000000"/>
                   </a:solidFill>
@@ -16741,7 +16327,7 @@
                 </a:rPr>
                 <a:t>、监护条件</a:t>
               </a:r>
-              <a:endParaRPr lang="en-US" altLang="zh-CN" dirty="0" smtClean="0">
+              <a:endParaRPr lang="en-US" altLang="zh-CN" dirty="0">
                 <a:solidFill>
                   <a:srgbClr val="000000"/>
                 </a:solidFill>
@@ -16750,7 +16336,7 @@
             </a:p>
             <a:p>
               <a:r>
-                <a:rPr lang="en-US" altLang="zh-CN" b="0" i="0" dirty="0" smtClean="0">
+                <a:rPr lang="en-US" altLang="zh-CN" b="0" i="0" dirty="0">
                   <a:solidFill>
                     <a:srgbClr val="000000"/>
                   </a:solidFill>
@@ -16760,7 +16346,7 @@
                 <a:t>4</a:t>
               </a:r>
               <a:r>
-                <a:rPr lang="zh-CN" altLang="en-US" b="0" i="0" dirty="0" smtClean="0">
+                <a:rPr lang="zh-CN" altLang="en-US" b="0" i="0" dirty="0">
                   <a:solidFill>
                     <a:srgbClr val="000000"/>
                   </a:solidFill>
@@ -16769,7 +16355,7 @@
                 </a:rPr>
                 <a:t>、效应</a:t>
               </a:r>
-              <a:endParaRPr lang="en-US" altLang="zh-CN" b="0" i="0" dirty="0" smtClean="0">
+              <a:endParaRPr lang="en-US" altLang="zh-CN" b="0" i="0" dirty="0">
                 <a:solidFill>
                   <a:srgbClr val="000000"/>
                 </a:solidFill>
@@ -16779,7 +16365,7 @@
             </a:p>
             <a:p>
               <a:r>
-                <a:rPr lang="en-US" altLang="zh-CN" dirty="0" smtClean="0">
+                <a:rPr lang="en-US" altLang="zh-CN" dirty="0">
                   <a:solidFill>
                     <a:srgbClr val="000000"/>
                   </a:solidFill>
@@ -16788,7 +16374,7 @@
                 <a:t>5</a:t>
               </a:r>
               <a:r>
-                <a:rPr lang="zh-CN" altLang="en-US" dirty="0" smtClean="0">
+                <a:rPr lang="zh-CN" altLang="en-US" dirty="0">
                   <a:solidFill>
                     <a:srgbClr val="000000"/>
                   </a:solidFill>
@@ -16979,13 +16565,6 @@
   <p:transition spd="slow" advClick="0" advTm="0">
     <p:wipe/>
   </p:transition>
-  <p:timing>
-    <p:tnLst>
-      <p:par>
-        <p:cTn id="1" dur="indefinite" restart="never" nodeType="tmRoot"/>
-      </p:par>
-    </p:tnLst>
-  </p:timing>
 </p:sld>
 </file>
 
@@ -17156,7 +16735,7 @@
           <a:lstStyle/>
           <a:p>
             <a:r>
-              <a:rPr lang="zh-CN" altLang="en-US" sz="2665" dirty="0" smtClean="0">
+              <a:rPr lang="zh-CN" altLang="en-US" sz="2665" dirty="0">
                 <a:solidFill>
                   <a:srgbClr val="183A5D"/>
                 </a:solidFill>
@@ -17219,7 +16798,7 @@
                 </a:rPr>
                 <a:t>子状态</a:t>
               </a:r>
-              <a:endParaRPr lang="en-US" altLang="zh-CN" dirty="0" smtClean="0">
+              <a:endParaRPr lang="en-US" altLang="zh-CN" dirty="0">
                 <a:solidFill>
                   <a:srgbClr val="000000"/>
                 </a:solidFill>
@@ -17237,7 +16816,7 @@
                 <a:t>	</a:t>
               </a:r>
               <a:r>
-                <a:rPr lang="zh-CN" altLang="en-US" dirty="0" smtClean="0">
+                <a:rPr lang="zh-CN" altLang="en-US" dirty="0">
                   <a:solidFill>
                     <a:srgbClr val="000000"/>
                   </a:solidFill>
@@ -17246,7 +16825,7 @@
                 <a:t>状态与转移的这些高级特征解决了许多常见的状态机建模问题。然而，</a:t>
               </a:r>
               <a:r>
-                <a:rPr lang="en-US" altLang="zh-CN" dirty="0" smtClean="0">
+                <a:rPr lang="en-US" altLang="zh-CN" dirty="0">
                   <a:solidFill>
                     <a:srgbClr val="000000"/>
                   </a:solidFill>
@@ -17255,7 +16834,7 @@
                 <a:t>UML</a:t>
               </a:r>
               <a:r>
-                <a:rPr lang="zh-CN" altLang="en-US" dirty="0" smtClean="0">
+                <a:rPr lang="zh-CN" altLang="en-US" dirty="0">
                   <a:solidFill>
                     <a:srgbClr val="000000"/>
                   </a:solidFill>
@@ -17263,7 +16842,7 @@
                 </a:rPr>
                 <a:t>状态机还有另一个特征，即子状态，它更能帮助简化对复杂行为的建模。</a:t>
               </a:r>
-              <a:endParaRPr lang="en-US" altLang="zh-CN" dirty="0" smtClean="0">
+              <a:endParaRPr lang="en-US" altLang="zh-CN" dirty="0">
                 <a:solidFill>
                   <a:srgbClr val="000000"/>
                 </a:solidFill>
@@ -17272,7 +16851,7 @@
             </a:p>
             <a:p>
               <a:r>
-                <a:rPr lang="en-US" altLang="zh-CN" dirty="0" smtClean="0">
+                <a:rPr lang="en-US" altLang="zh-CN" dirty="0">
                   <a:solidFill>
                     <a:srgbClr val="000000"/>
                   </a:solidFill>
@@ -17281,7 +16860,7 @@
                 <a:t>1</a:t>
               </a:r>
               <a:r>
-                <a:rPr lang="zh-CN" altLang="en-US" dirty="0" smtClean="0">
+                <a:rPr lang="zh-CN" altLang="en-US" dirty="0">
                   <a:solidFill>
                     <a:srgbClr val="000000"/>
                   </a:solidFill>
@@ -17289,7 +16868,7 @@
                 </a:rPr>
                 <a:t>、非正交子状态</a:t>
               </a:r>
-              <a:endParaRPr lang="en-US" altLang="zh-CN" dirty="0" smtClean="0">
+              <a:endParaRPr lang="en-US" altLang="zh-CN" dirty="0">
                 <a:solidFill>
                   <a:srgbClr val="000000"/>
                 </a:solidFill>
@@ -17307,7 +16886,7 @@
                 <a:t>	</a:t>
               </a:r>
               <a:r>
-                <a:rPr lang="zh-CN" altLang="en-US" dirty="0" smtClean="0">
+                <a:rPr lang="zh-CN" altLang="en-US" dirty="0">
                   <a:solidFill>
                     <a:srgbClr val="000000"/>
                   </a:solidFill>
@@ -17316,7 +16895,7 @@
                 <a:t>像</a:t>
               </a:r>
               <a:r>
-                <a:rPr lang="en-US" altLang="zh-CN" dirty="0" smtClean="0">
+                <a:rPr lang="en-US" altLang="zh-CN" dirty="0">
                   <a:solidFill>
                     <a:srgbClr val="000000"/>
                   </a:solidFill>
@@ -17325,7 +16904,7 @@
                 <a:t>Validating</a:t>
               </a:r>
               <a:r>
-                <a:rPr lang="zh-CN" altLang="en-US" dirty="0" smtClean="0">
+                <a:rPr lang="zh-CN" altLang="en-US" dirty="0">
                   <a:solidFill>
                     <a:srgbClr val="000000"/>
                   </a:solidFill>
@@ -17334,7 +16913,7 @@
                 <a:t>和</a:t>
               </a:r>
               <a:r>
-                <a:rPr lang="en-US" altLang="zh-CN" dirty="0" smtClean="0">
+                <a:rPr lang="en-US" altLang="zh-CN" dirty="0">
                   <a:solidFill>
                     <a:srgbClr val="000000"/>
                   </a:solidFill>
@@ -17343,7 +16922,7 @@
                 <a:t>Processing</a:t>
               </a:r>
               <a:r>
-                <a:rPr lang="zh-CN" altLang="en-US" dirty="0" smtClean="0">
+                <a:rPr lang="zh-CN" altLang="en-US" dirty="0">
                   <a:solidFill>
                     <a:srgbClr val="000000"/>
                   </a:solidFill>
@@ -17533,13 +17112,6 @@
   <p:transition spd="slow" advClick="0" advTm="0">
     <p:wipe/>
   </p:transition>
-  <p:timing>
-    <p:tnLst>
-      <p:par>
-        <p:cTn id="1" dur="indefinite" restart="never" nodeType="tmRoot"/>
-      </p:par>
-    </p:tnLst>
-  </p:timing>
 </p:sld>
 </file>
 
@@ -17717,17 +17289,7 @@
                 <a:latin typeface="微软雅黑" panose="020B0503020204020204" pitchFamily="34" charset="-122"/>
                 <a:ea typeface="微软雅黑" panose="020B0503020204020204" pitchFamily="34" charset="-122"/>
               </a:rPr>
-              <a:t>状态机</a:t>
-            </a:r>
-            <a:r>
-              <a:rPr lang="zh-CN" altLang="en-US" sz="2665" dirty="0" smtClean="0">
-                <a:solidFill>
-                  <a:srgbClr val="183A5D"/>
-                </a:solidFill>
-                <a:latin typeface="微软雅黑" panose="020B0503020204020204" pitchFamily="34" charset="-122"/>
-                <a:ea typeface="微软雅黑" panose="020B0503020204020204" pitchFamily="34" charset="-122"/>
-              </a:rPr>
-              <a:t>图</a:t>
+              <a:t>状态机图</a:t>
             </a:r>
             <a:endParaRPr lang="zh-CN" sz="2665" dirty="0">
               <a:solidFill>
@@ -17784,7 +17346,7 @@
                 <a:t>2</a:t>
               </a:r>
               <a:r>
-                <a:rPr lang="zh-CN" altLang="en-US" dirty="0" smtClean="0">
+                <a:rPr lang="zh-CN" altLang="en-US" dirty="0">
                   <a:solidFill>
                     <a:srgbClr val="000000"/>
                   </a:solidFill>
@@ -17792,7 +17354,7 @@
                 </a:rPr>
                 <a:t>、历史状态</a:t>
               </a:r>
-              <a:endParaRPr lang="en-US" altLang="zh-CN" dirty="0" smtClean="0">
+              <a:endParaRPr lang="en-US" altLang="zh-CN" dirty="0">
                 <a:solidFill>
                   <a:srgbClr val="000000"/>
                 </a:solidFill>
@@ -17810,7 +17372,7 @@
                 <a:t>	</a:t>
               </a:r>
               <a:r>
-                <a:rPr lang="zh-CN" altLang="en-US" dirty="0" smtClean="0">
+                <a:rPr lang="zh-CN" altLang="en-US" dirty="0">
                   <a:solidFill>
                     <a:srgbClr val="000000"/>
                   </a:solidFill>
@@ -18000,13 +17562,6 @@
   <p:transition spd="slow" advClick="0" advTm="0">
     <p:wipe/>
   </p:transition>
-  <p:timing>
-    <p:tnLst>
-      <p:par>
-        <p:cTn id="1" dur="indefinite" restart="never" nodeType="tmRoot"/>
-      </p:par>
-    </p:tnLst>
-  </p:timing>
 </p:sld>
 </file>
 
@@ -18116,10 +17671,9 @@
           <a:p>
             <a:pPr algn="ctr"/>
             <a:r>
-              <a:rPr lang="en-US" sz="2400" dirty="0" smtClean="0"/>
+              <a:rPr lang="en-US" sz="2400" dirty="0"/>
               <a:t>1</a:t>
             </a:r>
-            <a:endParaRPr lang="en-US" sz="2400" dirty="0"/>
           </a:p>
         </p:txBody>
       </p:sp>
@@ -18486,13 +18040,6 @@
   <p:transition spd="slow" advClick="0" advTm="0">
     <p:wipe/>
   </p:transition>
-  <p:timing>
-    <p:tnLst>
-      <p:par>
-        <p:cTn id="1" dur="indefinite" restart="never" nodeType="tmRoot"/>
-      </p:par>
-    </p:tnLst>
-  </p:timing>
 </p:sld>
 </file>
 
@@ -18670,17 +18217,7 @@
                 <a:latin typeface="微软雅黑" panose="020B0503020204020204" pitchFamily="34" charset="-122"/>
                 <a:ea typeface="微软雅黑" panose="020B0503020204020204" pitchFamily="34" charset="-122"/>
               </a:rPr>
-              <a:t>状态机</a:t>
-            </a:r>
-            <a:r>
-              <a:rPr lang="zh-CN" altLang="en-US" sz="2665" dirty="0" smtClean="0">
-                <a:solidFill>
-                  <a:srgbClr val="183A5D"/>
-                </a:solidFill>
-                <a:latin typeface="微软雅黑" panose="020B0503020204020204" pitchFamily="34" charset="-122"/>
-                <a:ea typeface="微软雅黑" panose="020B0503020204020204" pitchFamily="34" charset="-122"/>
-              </a:rPr>
-              <a:t>图</a:t>
+              <a:t>状态机图</a:t>
             </a:r>
             <a:endParaRPr lang="zh-CN" sz="2665" dirty="0">
               <a:solidFill>
@@ -18737,7 +18274,7 @@
                 <a:t>3</a:t>
               </a:r>
               <a:r>
-                <a:rPr lang="zh-CN" altLang="en-US" dirty="0" smtClean="0">
+                <a:rPr lang="zh-CN" altLang="en-US" dirty="0">
                   <a:solidFill>
                     <a:srgbClr val="000000"/>
                   </a:solidFill>
@@ -18745,7 +18282,7 @@
                 </a:rPr>
                 <a:t>、分岔和汇合</a:t>
               </a:r>
-              <a:endParaRPr lang="en-US" altLang="zh-CN" dirty="0" smtClean="0">
+              <a:endParaRPr lang="en-US" altLang="zh-CN" dirty="0">
                 <a:solidFill>
                   <a:srgbClr val="000000"/>
                 </a:solidFill>
@@ -18763,7 +18300,7 @@
                 <a:t>	</a:t>
               </a:r>
               <a:r>
-                <a:rPr lang="zh-CN" altLang="en-US" dirty="0" smtClean="0">
+                <a:rPr lang="zh-CN" altLang="en-US" dirty="0">
                   <a:solidFill>
                     <a:srgbClr val="000000"/>
                   </a:solidFill>
@@ -18771,7 +18308,7 @@
                 </a:rPr>
                 <a:t>进入一个带正交区域的组合状态通常就是进入每个正交区域的初试状态。也可能从一个外部状态直接转移到一个或多个正交状态，这叫做分岔。</a:t>
               </a:r>
-              <a:endParaRPr lang="en-US" altLang="zh-CN" dirty="0" smtClean="0">
+              <a:endParaRPr lang="en-US" altLang="zh-CN" dirty="0">
                 <a:solidFill>
                   <a:srgbClr val="000000"/>
                 </a:solidFill>
@@ -18789,7 +18326,7 @@
                 <a:t>	</a:t>
               </a:r>
               <a:r>
-                <a:rPr lang="zh-CN" altLang="en-US" dirty="0" smtClean="0">
+                <a:rPr lang="zh-CN" altLang="en-US" dirty="0">
                   <a:solidFill>
                     <a:srgbClr val="000000"/>
                   </a:solidFill>
@@ -18979,13 +18516,6 @@
   <p:transition spd="slow" advClick="0" advTm="0">
     <p:wipe/>
   </p:transition>
-  <p:timing>
-    <p:tnLst>
-      <p:par>
-        <p:cTn id="1" dur="indefinite" restart="never" nodeType="tmRoot"/>
-      </p:par>
-    </p:tnLst>
-  </p:timing>
 </p:sld>
 </file>
 
@@ -19402,13 +18932,6 @@
   <p:transition spd="slow" advClick="0" advTm="0">
     <p:wipe/>
   </p:transition>
-  <p:timing>
-    <p:tnLst>
-      <p:par>
-        <p:cTn id="1" dur="indefinite" restart="never" nodeType="tmRoot"/>
-      </p:par>
-    </p:tnLst>
-  </p:timing>
 </p:sld>
 </file>
 
@@ -19908,17 +19431,479 @@
   <p:transition spd="slow" advClick="0" advTm="0">
     <p:wipe/>
   </p:transition>
-  <p:timing>
-    <p:tnLst>
-      <p:par>
-        <p:cTn id="1" dur="indefinite" restart="never" nodeType="tmRoot"/>
-      </p:par>
-    </p:tnLst>
-  </p:timing>
 </p:sld>
 </file>
 
 <file path=ppt/slides/slide33.xml><?xml version="1.0" encoding="utf-8"?>
+<p:sld xmlns:a="http://schemas.openxmlformats.org/drawingml/2006/main" xmlns:r="http://schemas.openxmlformats.org/officeDocument/2006/relationships" xmlns:p="http://schemas.openxmlformats.org/presentationml/2006/main">
+  <p:cSld>
+    <p:spTree>
+      <p:nvGrpSpPr>
+        <p:cNvPr id="1" name=""/>
+        <p:cNvGrpSpPr/>
+        <p:nvPr/>
+      </p:nvGrpSpPr>
+      <p:grpSpPr>
+        <a:xfrm>
+          <a:off x="0" y="0"/>
+          <a:ext cx="0" cy="0"/>
+          <a:chOff x="0" y="0"/>
+          <a:chExt cx="0" cy="0"/>
+        </a:xfrm>
+      </p:grpSpPr>
+      <p:sp>
+        <p:nvSpPr>
+          <p:cNvPr id="2" name="矩形 1"/>
+          <p:cNvSpPr/>
+          <p:nvPr/>
+        </p:nvSpPr>
+        <p:spPr>
+          <a:xfrm>
+            <a:off x="237030" y="1171"/>
+            <a:ext cx="1608415" cy="135446"/>
+          </a:xfrm>
+          <a:prstGeom prst="rect">
+            <a:avLst/>
+          </a:prstGeom>
+          <a:solidFill>
+            <a:srgbClr val="183A5D"/>
+          </a:solidFill>
+          <a:ln>
+            <a:noFill/>
+          </a:ln>
+        </p:spPr>
+        <p:style>
+          <a:lnRef idx="2">
+            <a:schemeClr val="accent1">
+              <a:shade val="50000"/>
+            </a:schemeClr>
+          </a:lnRef>
+          <a:fillRef idx="1">
+            <a:schemeClr val="accent1"/>
+          </a:fillRef>
+          <a:effectRef idx="0">
+            <a:schemeClr val="accent1"/>
+          </a:effectRef>
+          <a:fontRef idx="minor">
+            <a:schemeClr val="lt1"/>
+          </a:fontRef>
+        </p:style>
+        <p:txBody>
+          <a:bodyPr rtlCol="0" anchor="ctr"/>
+          <a:lstStyle/>
+          <a:p>
+            <a:pPr algn="ctr"/>
+            <a:endParaRPr lang="zh-CN" altLang="en-US" sz="2800"/>
+          </a:p>
+        </p:txBody>
+      </p:sp>
+      <p:sp>
+        <p:nvSpPr>
+          <p:cNvPr id="3" name="矩形 2"/>
+          <p:cNvSpPr/>
+          <p:nvPr/>
+        </p:nvSpPr>
+        <p:spPr>
+          <a:xfrm>
+            <a:off x="237030" y="255131"/>
+            <a:ext cx="1608415" cy="406336"/>
+          </a:xfrm>
+          <a:prstGeom prst="rect">
+            <a:avLst/>
+          </a:prstGeom>
+          <a:solidFill>
+            <a:srgbClr val="183A5D"/>
+          </a:solidFill>
+          <a:ln>
+            <a:noFill/>
+          </a:ln>
+        </p:spPr>
+        <p:style>
+          <a:lnRef idx="2">
+            <a:schemeClr val="accent1">
+              <a:shade val="50000"/>
+            </a:schemeClr>
+          </a:lnRef>
+          <a:fillRef idx="1">
+            <a:schemeClr val="accent1"/>
+          </a:fillRef>
+          <a:effectRef idx="0">
+            <a:schemeClr val="accent1"/>
+          </a:effectRef>
+          <a:fontRef idx="minor">
+            <a:schemeClr val="lt1"/>
+          </a:fontRef>
+        </p:style>
+        <p:txBody>
+          <a:bodyPr rtlCol="0" anchor="ctr"/>
+          <a:lstStyle/>
+          <a:p>
+            <a:pPr algn="ctr"/>
+            <a:r>
+              <a:rPr lang="en-US" sz="2400" dirty="0"/>
+              <a:t>6</a:t>
+            </a:r>
+          </a:p>
+        </p:txBody>
+      </p:sp>
+      <p:sp>
+        <p:nvSpPr>
+          <p:cNvPr id="4" name="文本框 3"/>
+          <p:cNvSpPr txBox="1"/>
+          <p:nvPr/>
+        </p:nvSpPr>
+        <p:spPr>
+          <a:xfrm>
+            <a:off x="2236548" y="136356"/>
+            <a:ext cx="6052718" cy="501650"/>
+          </a:xfrm>
+          <a:prstGeom prst="rect">
+            <a:avLst/>
+          </a:prstGeom>
+          <a:noFill/>
+        </p:spPr>
+        <p:txBody>
+          <a:bodyPr wrap="square" rtlCol="0">
+            <a:spAutoFit/>
+          </a:bodyPr>
+          <a:lstStyle/>
+          <a:p>
+            <a:endParaRPr lang="zh-CN" sz="2665" dirty="0">
+              <a:solidFill>
+                <a:srgbClr val="183A5D"/>
+              </a:solidFill>
+              <a:latin typeface="微软雅黑" panose="020B0503020204020204" pitchFamily="34" charset="-122"/>
+              <a:ea typeface="微软雅黑" panose="020B0503020204020204" pitchFamily="34" charset="-122"/>
+            </a:endParaRPr>
+          </a:p>
+        </p:txBody>
+      </p:sp>
+      <p:sp>
+        <p:nvSpPr>
+          <p:cNvPr id="6" name="文本框 5"/>
+          <p:cNvSpPr txBox="1"/>
+          <p:nvPr/>
+        </p:nvSpPr>
+        <p:spPr>
+          <a:xfrm>
+            <a:off x="2226388" y="159851"/>
+            <a:ext cx="6052718" cy="501650"/>
+          </a:xfrm>
+          <a:prstGeom prst="rect">
+            <a:avLst/>
+          </a:prstGeom>
+          <a:noFill/>
+        </p:spPr>
+        <p:txBody>
+          <a:bodyPr wrap="square" rtlCol="0">
+            <a:spAutoFit/>
+          </a:bodyPr>
+          <a:lstStyle/>
+          <a:p>
+            <a:r>
+              <a:rPr lang="zh-CN" altLang="zh-CN" sz="2665" dirty="0">
+                <a:solidFill>
+                  <a:srgbClr val="183A5D"/>
+                </a:solidFill>
+                <a:latin typeface="微软雅黑" panose="020B0503020204020204" pitchFamily="34" charset="-122"/>
+                <a:ea typeface="微软雅黑" panose="020B0503020204020204" pitchFamily="34" charset="-122"/>
+              </a:rPr>
+              <a:t>通信图</a:t>
+            </a:r>
+          </a:p>
+        </p:txBody>
+      </p:sp>
+      <p:grpSp>
+        <p:nvGrpSpPr>
+          <p:cNvPr id="5" name="组合 4"/>
+          <p:cNvGrpSpPr/>
+          <p:nvPr/>
+        </p:nvGrpSpPr>
+        <p:grpSpPr>
+          <a:xfrm>
+            <a:off x="175260" y="1237837"/>
+            <a:ext cx="6259195" cy="5707891"/>
+            <a:chOff x="158574" y="1269554"/>
+            <a:chExt cx="7972600" cy="5841556"/>
+          </a:xfrm>
+        </p:grpSpPr>
+        <p:sp>
+          <p:nvSpPr>
+            <p:cNvPr id="7" name="矩形 6"/>
+            <p:cNvSpPr/>
+            <p:nvPr/>
+          </p:nvSpPr>
+          <p:spPr>
+            <a:xfrm>
+              <a:off x="158574" y="1724885"/>
+              <a:ext cx="7972600" cy="5386225"/>
+            </a:xfrm>
+            <a:prstGeom prst="rect">
+              <a:avLst/>
+            </a:prstGeom>
+          </p:spPr>
+          <p:txBody>
+            <a:bodyPr wrap="square">
+              <a:spAutoFit/>
+            </a:bodyPr>
+            <a:lstStyle/>
+            <a:p>
+              <a:r>
+                <a:rPr lang="zh-CN" altLang="en-US" dirty="0"/>
+                <a:t>用例图与通信图的区别：</a:t>
+              </a:r>
+              <a:endParaRPr lang="en-US" altLang="zh-CN" dirty="0"/>
+            </a:p>
+            <a:p>
+              <a:r>
+                <a:rPr lang="en-US" altLang="zh-CN" dirty="0"/>
+                <a:t>	</a:t>
+              </a:r>
+              <a:r>
+                <a:rPr lang="zh-CN" altLang="en-US" dirty="0">
+                  <a:solidFill>
+                    <a:srgbClr val="FF0000"/>
+                  </a:solidFill>
+                </a:rPr>
+                <a:t>用例图</a:t>
+              </a:r>
+              <a:r>
+                <a:rPr lang="en-US" altLang="zh-CN" dirty="0">
+                  <a:solidFill>
+                    <a:srgbClr val="FF0000"/>
+                  </a:solidFill>
+                </a:rPr>
+                <a:t>(Use Case Diagram)</a:t>
+              </a:r>
+              <a:r>
+                <a:rPr lang="zh-CN" altLang="en-US" dirty="0"/>
+                <a:t>是由软件需求分析到最终实现的第一步，</a:t>
+              </a:r>
+              <a:r>
+                <a:rPr lang="zh-CN" altLang="en-US" dirty="0">
+                  <a:solidFill>
+                    <a:srgbClr val="FF0000"/>
+                  </a:solidFill>
+                </a:rPr>
+                <a:t>它描述人们如何使用一个系统</a:t>
+              </a:r>
+              <a:r>
+                <a:rPr lang="zh-CN" altLang="en-US" dirty="0"/>
+                <a:t>。用例视图显示谁是相关的用户、用户希望系统提供什么样的服务，以及用户需要为系统提供的服务，以便使系统的用户更容易理解这些元素的用途，也便于软件开发人员最终实现这些元素。用例图在各种开发活动中被广泛的应用，但是它最常用来描述系统及子系统。</a:t>
+              </a:r>
+              <a:endParaRPr lang="en-US" altLang="zh-CN" dirty="0"/>
+            </a:p>
+            <a:p>
+              <a:r>
+                <a:rPr lang="en-US" altLang="zh-CN" dirty="0"/>
+                <a:t>	</a:t>
+              </a:r>
+              <a:r>
+                <a:rPr lang="zh-CN" altLang="en-US" dirty="0">
+                  <a:solidFill>
+                    <a:srgbClr val="FF0000"/>
+                  </a:solidFill>
+                </a:rPr>
+                <a:t>通信图</a:t>
+              </a:r>
+              <a:r>
+                <a:rPr lang="zh-CN" altLang="en-US" dirty="0"/>
+                <a:t>强调参与一个交互对象的组织。</a:t>
+              </a:r>
+              <a:r>
+                <a:rPr lang="zh-CN" altLang="en-US" dirty="0">
+                  <a:solidFill>
+                    <a:srgbClr val="FF0000"/>
+                  </a:solidFill>
+                </a:rPr>
+                <a:t>与用例图使用阶段不同，</a:t>
+              </a:r>
+              <a:r>
+                <a:rPr lang="zh-CN" altLang="en-US" dirty="0"/>
+                <a:t>用例图主要使用在开始业务定义的阶段，而通信图使用在系统设计阶段，描述的是功能和用户的信息交互。</a:t>
+              </a:r>
+              <a:endParaRPr dirty="0"/>
+            </a:p>
+            <a:p>
+              <a:endParaRPr lang="zh-CN" altLang="en-US" dirty="0">
+                <a:solidFill>
+                  <a:schemeClr val="accent4"/>
+                </a:solidFill>
+                <a:latin typeface="Verdana" panose="020B0604030504040204" pitchFamily="34" charset="0"/>
+              </a:endParaRPr>
+            </a:p>
+            <a:p>
+              <a:r>
+                <a:rPr lang="en-US" altLang="zh-CN" b="0" i="0" dirty="0">
+                  <a:solidFill>
+                    <a:schemeClr val="accent4"/>
+                  </a:solidFill>
+                  <a:effectLst/>
+                  <a:latin typeface="Verdana" panose="020B0604030504040204" pitchFamily="34" charset="0"/>
+                </a:rPr>
+                <a:t>	</a:t>
+              </a:r>
+            </a:p>
+            <a:p>
+              <a:endParaRPr lang="en-US" altLang="zh-CN" b="0" i="0" dirty="0">
+                <a:solidFill>
+                  <a:schemeClr val="accent4"/>
+                </a:solidFill>
+                <a:effectLst/>
+                <a:latin typeface="Verdana" panose="020B0604030504040204" pitchFamily="34" charset="0"/>
+              </a:endParaRPr>
+            </a:p>
+          </p:txBody>
+        </p:sp>
+        <p:grpSp>
+          <p:nvGrpSpPr>
+            <p:cNvPr id="10" name="组合 9"/>
+            <p:cNvGrpSpPr/>
+            <p:nvPr/>
+          </p:nvGrpSpPr>
+          <p:grpSpPr>
+            <a:xfrm>
+              <a:off x="237030" y="1269554"/>
+              <a:ext cx="7776864" cy="4896544"/>
+              <a:chOff x="1285643" y="1772435"/>
+              <a:chExt cx="7135479" cy="3572664"/>
+            </a:xfrm>
+          </p:grpSpPr>
+          <p:sp>
+            <p:nvSpPr>
+              <p:cNvPr id="11" name="矩形 10"/>
+              <p:cNvSpPr/>
+              <p:nvPr/>
+            </p:nvSpPr>
+            <p:spPr>
+              <a:xfrm>
+                <a:off x="1285644" y="2104682"/>
+                <a:ext cx="7135478" cy="3240417"/>
+              </a:xfrm>
+              <a:prstGeom prst="rect">
+                <a:avLst/>
+              </a:prstGeom>
+              <a:noFill/>
+              <a:ln w="12700">
+                <a:solidFill>
+                  <a:srgbClr val="346182"/>
+                </a:solidFill>
+              </a:ln>
+            </p:spPr>
+            <p:style>
+              <a:lnRef idx="2">
+                <a:schemeClr val="accent1">
+                  <a:shade val="50000"/>
+                </a:schemeClr>
+              </a:lnRef>
+              <a:fillRef idx="1">
+                <a:schemeClr val="accent1"/>
+              </a:fillRef>
+              <a:effectRef idx="0">
+                <a:schemeClr val="accent1"/>
+              </a:effectRef>
+              <a:fontRef idx="minor">
+                <a:schemeClr val="lt1"/>
+              </a:fontRef>
+            </p:style>
+            <p:txBody>
+              <a:bodyPr rtlCol="0" anchor="ctr"/>
+              <a:lstStyle/>
+              <a:p>
+                <a:pPr algn="ctr"/>
+                <a:endParaRPr lang="zh-CN" altLang="en-US" sz="1350"/>
+              </a:p>
+            </p:txBody>
+          </p:sp>
+          <p:sp>
+            <p:nvSpPr>
+              <p:cNvPr id="12" name="矩形 11"/>
+              <p:cNvSpPr/>
+              <p:nvPr/>
+            </p:nvSpPr>
+            <p:spPr>
+              <a:xfrm>
+                <a:off x="1285643" y="1772435"/>
+                <a:ext cx="2114216" cy="338554"/>
+              </a:xfrm>
+              <a:prstGeom prst="rect">
+                <a:avLst/>
+              </a:prstGeom>
+              <a:solidFill>
+                <a:srgbClr val="183A5D"/>
+              </a:solidFill>
+              <a:ln>
+                <a:noFill/>
+              </a:ln>
+            </p:spPr>
+            <p:style>
+              <a:lnRef idx="2">
+                <a:schemeClr val="accent1">
+                  <a:shade val="50000"/>
+                </a:schemeClr>
+              </a:lnRef>
+              <a:fillRef idx="1">
+                <a:schemeClr val="accent1"/>
+              </a:fillRef>
+              <a:effectRef idx="0">
+                <a:schemeClr val="accent1"/>
+              </a:effectRef>
+              <a:fontRef idx="minor">
+                <a:schemeClr val="lt1"/>
+              </a:fontRef>
+            </p:style>
+            <p:txBody>
+              <a:bodyPr rtlCol="0" anchor="ctr"/>
+              <a:lstStyle/>
+              <a:p>
+                <a:pPr algn="ctr"/>
+                <a:endParaRPr lang="zh-CN" altLang="en-US" sz="1350"/>
+              </a:p>
+            </p:txBody>
+          </p:sp>
+        </p:grpSp>
+      </p:grpSp>
+      <p:pic>
+        <p:nvPicPr>
+          <p:cNvPr id="13" name="图片 12"/>
+          <p:cNvPicPr>
+            <a:picLocks noChangeAspect="1"/>
+          </p:cNvPicPr>
+          <p:nvPr/>
+        </p:nvPicPr>
+        <p:blipFill>
+          <a:blip r:embed="rId2"/>
+          <a:stretch>
+            <a:fillRect/>
+          </a:stretch>
+        </p:blipFill>
+        <p:spPr>
+          <a:xfrm>
+            <a:off x="6434455" y="1969135"/>
+            <a:ext cx="5731510" cy="3604895"/>
+          </a:xfrm>
+          <a:prstGeom prst="rect">
+            <a:avLst/>
+          </a:prstGeom>
+        </p:spPr>
+      </p:pic>
+    </p:spTree>
+    <p:extLst>
+      <p:ext uri="{BB962C8B-B14F-4D97-AF65-F5344CB8AC3E}">
+        <p14:creationId xmlns:p14="http://schemas.microsoft.com/office/powerpoint/2010/main" val="685771906"/>
+      </p:ext>
+    </p:extLst>
+  </p:cSld>
+  <p:clrMapOvr>
+    <a:masterClrMapping/>
+  </p:clrMapOvr>
+  <p:transition spd="slow" advClick="0" advTm="0">
+    <p:wipe/>
+  </p:transition>
+</p:sld>
+</file>
+
+<file path=ppt/slides/slide34.xml><?xml version="1.0" encoding="utf-8"?>
 <p:sld xmlns:a="http://schemas.openxmlformats.org/drawingml/2006/main" xmlns:r="http://schemas.openxmlformats.org/officeDocument/2006/relationships" xmlns:p="http://schemas.openxmlformats.org/presentationml/2006/main">
   <p:cSld>
     <p:spTree>
@@ -20611,17 +20596,10 @@
   <p:transition spd="slow" advClick="0" advTm="0">
     <p:wipe/>
   </p:transition>
-  <p:timing>
-    <p:tnLst>
-      <p:par>
-        <p:cTn id="1" dur="indefinite" restart="never" nodeType="tmRoot"/>
-      </p:par>
-    </p:tnLst>
-  </p:timing>
 </p:sld>
 </file>
 
-<file path=ppt/slides/slide34.xml><?xml version="1.0" encoding="utf-8"?>
+<file path=ppt/slides/slide35.xml><?xml version="1.0" encoding="utf-8"?>
 <p:sld xmlns:a="http://schemas.openxmlformats.org/drawingml/2006/main" xmlns:r="http://schemas.openxmlformats.org/officeDocument/2006/relationships" xmlns:p="http://schemas.openxmlformats.org/presentationml/2006/main">
   <p:cSld>
     <p:spTree>
@@ -20788,7 +20766,7 @@
           <a:lstStyle/>
           <a:p>
             <a:r>
-              <a:rPr lang="zh-CN" altLang="en-US" sz="2665" dirty="0" smtClean="0">
+              <a:rPr lang="zh-CN" altLang="en-US" sz="2665" dirty="0">
                 <a:solidFill>
                   <a:srgbClr val="183A5D"/>
                 </a:solidFill>
@@ -21158,17 +21136,10 @@
   <p:transition spd="slow" advClick="0" advTm="0">
     <p:wipe/>
   </p:transition>
-  <p:timing>
-    <p:tnLst>
-      <p:par>
-        <p:cTn id="1" dur="indefinite" restart="never" nodeType="tmRoot"/>
-      </p:par>
-    </p:tnLst>
-  </p:timing>
 </p:sld>
 </file>
 
-<file path=ppt/slides/slide35.xml><?xml version="1.0" encoding="utf-8"?>
+<file path=ppt/slides/slide36.xml><?xml version="1.0" encoding="utf-8"?>
 <p:sld xmlns:a="http://schemas.openxmlformats.org/drawingml/2006/main" xmlns:r="http://schemas.openxmlformats.org/officeDocument/2006/relationships" xmlns:p="http://schemas.openxmlformats.org/presentationml/2006/main">
   <p:cSld>
     <p:spTree>
@@ -21335,7 +21306,7 @@
           <a:lstStyle/>
           <a:p>
             <a:r>
-              <a:rPr lang="zh-CN" altLang="en-US" sz="2665" dirty="0" smtClean="0">
+              <a:rPr lang="zh-CN" altLang="en-US" sz="2665" dirty="0">
                 <a:solidFill>
                   <a:srgbClr val="183A5D"/>
                 </a:solidFill>
@@ -21513,13 +21484,9 @@
             </a:pPr>
             <a:r>
               <a:rPr lang="zh-CN" altLang="en-US" sz="2000" dirty="0"/>
-              <a:t>用于静态建模，表示运行时过程结点、组件实例以及对象结构的图。可显示计算结点的拓扑结构，通信路径，结点上运行的软件，软件包含的逻辑单元等</a:t>
+              <a:t>用于静态建模，表示运行时过程结点、组件实例以及对象结构的图。可显示计算结点的拓扑结构，通信路径，结点上运行的软件，软件包含的逻辑单元等。</a:t>
             </a:r>
-            <a:r>
-              <a:rPr lang="zh-CN" altLang="en-US" sz="2000" dirty="0" smtClean="0"/>
-              <a:t>。</a:t>
-            </a:r>
-            <a:endParaRPr lang="en-US" altLang="zh-CN" sz="2000" dirty="0" smtClean="0"/>
+            <a:endParaRPr lang="en-US" altLang="zh-CN" sz="2000" dirty="0"/>
           </a:p>
           <a:p>
             <a:pPr>
@@ -21538,20 +21505,12 @@
               </a:lnSpc>
             </a:pPr>
             <a:r>
-              <a:rPr lang="zh-CN" altLang="en-US" sz="2400" b="1" dirty="0" smtClean="0">
-                <a:solidFill>
-                  <a:srgbClr val="FF0000"/>
-                </a:solidFill>
-              </a:rPr>
-              <a:t>部署图的</a:t>
-            </a:r>
-            <a:r>
               <a:rPr lang="zh-CN" altLang="en-US" sz="2400" b="1" dirty="0">
                 <a:solidFill>
                   <a:srgbClr val="FF0000"/>
                 </a:solidFill>
               </a:rPr>
-              <a:t>基本内容</a:t>
+              <a:t>部署图的基本内容</a:t>
             </a:r>
             <a:endParaRPr lang="en-US" altLang="zh-CN" sz="2400" b="1" dirty="0">
               <a:solidFill>
@@ -21585,17 +21544,10 @@
   <p:transition spd="slow" advClick="0" advTm="0">
     <p:wipe/>
   </p:transition>
-  <p:timing>
-    <p:tnLst>
-      <p:par>
-        <p:cTn id="1" dur="indefinite" restart="never" nodeType="tmRoot"/>
-      </p:par>
-    </p:tnLst>
-  </p:timing>
 </p:sld>
 </file>
 
-<file path=ppt/slides/slide36.xml><?xml version="1.0" encoding="utf-8"?>
+<file path=ppt/slides/slide37.xml><?xml version="1.0" encoding="utf-8"?>
 <p:sld xmlns:a="http://schemas.openxmlformats.org/drawingml/2006/main" xmlns:r="http://schemas.openxmlformats.org/officeDocument/2006/relationships" xmlns:p="http://schemas.openxmlformats.org/presentationml/2006/main">
   <p:cSld>
     <p:spTree>
@@ -21730,7 +21682,7 @@
           <a:lstStyle/>
           <a:p>
             <a:r>
-              <a:rPr lang="zh-CN" altLang="en-US" sz="2665" dirty="0" smtClean="0">
+              <a:rPr lang="zh-CN" altLang="en-US" sz="2665" dirty="0">
                 <a:solidFill>
                   <a:srgbClr val="183A5D"/>
                 </a:solidFill>
@@ -21739,7 +21691,7 @@
               </a:rPr>
               <a:t>部署图</a:t>
             </a:r>
-            <a:endParaRPr lang="zh-CN" sz="2665" dirty="0" smtClean="0">
+            <a:endParaRPr lang="zh-CN" sz="2665" dirty="0">
               <a:solidFill>
                 <a:srgbClr val="183A5D"/>
               </a:solidFill>
@@ -21777,19 +21729,11 @@
             </a:pPr>
             <a:r>
               <a:rPr lang="en-US" altLang="zh-CN" dirty="0"/>
-              <a:t> </a:t>
-            </a:r>
-            <a:r>
-              <a:rPr lang="en-US" altLang="zh-CN" dirty="0" smtClean="0"/>
-              <a:t>       </a:t>
-            </a:r>
-            <a:r>
-              <a:rPr lang="zh-CN" altLang="en-US" dirty="0" smtClean="0"/>
-              <a:t>部署</a:t>
+              <a:t>        </a:t>
             </a:r>
             <a:r>
               <a:rPr lang="zh-CN" altLang="en-US" dirty="0"/>
-              <a:t>图显示网络的物理布局，系统中涉及的处理器、设备、连接和过程。处理器是网络中处理功能所在的机器，包括服务器和工作站，不包括打印机扫描仪之类的设备。处理器用来运行进程（执行代码）。一个项目只有一个部署图。</a:t>
+              <a:t>部署图显示网络的物理布局，系统中涉及的处理器、设备、连接和过程。处理器是网络中处理功能所在的机器，包括服务器和工作站，不包括打印机扫描仪之类的设备。处理器用来运行进程（执行代码）。一个项目只有一个部署图。</a:t>
             </a:r>
           </a:p>
         </p:txBody>
@@ -21831,17 +21775,10 @@
   <p:transition spd="slow" advClick="0" advTm="0">
     <p:wipe/>
   </p:transition>
-  <p:timing>
-    <p:tnLst>
-      <p:par>
-        <p:cTn id="1" dur="indefinite" restart="never" nodeType="tmRoot"/>
-      </p:par>
-    </p:tnLst>
-  </p:timing>
 </p:sld>
 </file>
 
-<file path=ppt/slides/slide37.xml><?xml version="1.0" encoding="utf-8"?>
+<file path=ppt/slides/slide38.xml><?xml version="1.0" encoding="utf-8"?>
 <p:sld xmlns:a="http://schemas.openxmlformats.org/drawingml/2006/main" xmlns:r="http://schemas.openxmlformats.org/officeDocument/2006/relationships" xmlns:p="http://schemas.openxmlformats.org/presentationml/2006/main">
   <p:cSld>
     <p:spTree>
@@ -21981,16 +21918,12 @@
           <a:lstStyle/>
           <a:p>
             <a:r>
-              <a:rPr lang="en-US" altLang="zh-CN" sz="3200" dirty="0" smtClean="0"/>
+              <a:rPr lang="en-US" altLang="zh-CN" sz="3200" dirty="0"/>
               <a:t>1.</a:t>
             </a:r>
             <a:r>
               <a:rPr lang="zh-CN" altLang="en-US" sz="3200" dirty="0"/>
-              <a:t>顺序</a:t>
-            </a:r>
-            <a:r>
-              <a:rPr lang="zh-CN" altLang="en-US" sz="3200" dirty="0" smtClean="0"/>
-              <a:t>图中的消息分为四种，分别是哪四种</a:t>
+              <a:t>顺序图中的消息分为四种，分别是哪四种</a:t>
             </a:r>
             <a:r>
               <a:rPr lang="zh-CN" altLang="en-US" sz="2800" dirty="0"/>
@@ -22022,14 +21955,13 @@
           <a:lstStyle/>
           <a:p>
             <a:r>
-              <a:rPr lang="en-US" altLang="zh-CN" sz="3200" dirty="0" smtClean="0"/>
+              <a:rPr lang="en-US" altLang="zh-CN" sz="3200" dirty="0"/>
               <a:t>2.</a:t>
             </a:r>
             <a:r>
-              <a:rPr lang="zh-CN" altLang="en-US" sz="3200" dirty="0" smtClean="0"/>
+              <a:rPr lang="zh-CN" altLang="en-US" sz="3200" dirty="0"/>
               <a:t>类图中关联关系的组合关系是什么？请用自己的话描述。</a:t>
             </a:r>
-            <a:endParaRPr lang="zh-CN" altLang="en-US" sz="3200" dirty="0"/>
           </a:p>
         </p:txBody>
       </p:sp>
@@ -22056,14 +21988,13 @@
           <a:lstStyle/>
           <a:p>
             <a:r>
-              <a:rPr lang="en-US" altLang="zh-CN" sz="3200" dirty="0" smtClean="0"/>
+              <a:rPr lang="en-US" altLang="zh-CN" sz="3200" dirty="0"/>
               <a:t>3.</a:t>
             </a:r>
             <a:r>
-              <a:rPr lang="zh-CN" altLang="en-US" sz="3200" dirty="0" smtClean="0"/>
+              <a:rPr lang="zh-CN" altLang="en-US" sz="3200" dirty="0"/>
               <a:t>通信图的基本元素组成是什么？</a:t>
             </a:r>
-            <a:endParaRPr lang="zh-CN" altLang="en-US" sz="3200" dirty="0"/>
           </a:p>
         </p:txBody>
       </p:sp>
@@ -22073,726 +22004,6 @@
         <p14:creationId xmlns:p14="http://schemas.microsoft.com/office/powerpoint/2010/main" val="1061810268"/>
       </p:ext>
     </p:extLst>
-  </p:cSld>
-  <p:clrMapOvr>
-    <a:masterClrMapping/>
-  </p:clrMapOvr>
-  <mc:AlternateContent xmlns:mc="http://schemas.openxmlformats.org/markup-compatibility/2006" xmlns:p14="http://schemas.microsoft.com/office/powerpoint/2010/main">
-    <mc:Choice Requires="p14">
-      <p:transition spd="slow" p14:dur="1200" advClick="0" advTm="0">
-        <p14:prism/>
-      </p:transition>
-    </mc:Choice>
-    <mc:Fallback xmlns="">
-      <p:transition spd="slow" advClick="0" advTm="0">
-        <p:fade/>
-      </p:transition>
-    </mc:Fallback>
-  </mc:AlternateContent>
-  <p:timing>
-    <p:tnLst>
-      <p:par>
-        <p:cTn id="1" dur="indefinite" restart="never" nodeType="tmRoot">
-          <p:childTnLst>
-            <p:seq concurrent="1" nextAc="seek">
-              <p:cTn id="2" dur="indefinite" nodeType="mainSeq">
-                <p:childTnLst>
-                  <p:par>
-                    <p:cTn id="3" fill="hold">
-                      <p:stCondLst>
-                        <p:cond delay="indefinite"/>
-                        <p:cond evt="onBegin" delay="0">
-                          <p:tn val="2"/>
-                        </p:cond>
-                      </p:stCondLst>
-                      <p:childTnLst>
-                        <p:par>
-                          <p:cTn id="4" fill="hold">
-                            <p:stCondLst>
-                              <p:cond delay="0"/>
-                            </p:stCondLst>
-                            <p:childTnLst>
-                              <p:par>
-                                <p:cTn id="5" presetID="2" presetClass="entr" presetSubtype="8" fill="hold" grpId="0" nodeType="afterEffect">
-                                  <p:stCondLst>
-                                    <p:cond delay="0"/>
-                                  </p:stCondLst>
-                                  <p:childTnLst>
-                                    <p:set>
-                                      <p:cBhvr>
-                                        <p:cTn id="6" dur="1" fill="hold">
-                                          <p:stCondLst>
-                                            <p:cond delay="0"/>
-                                          </p:stCondLst>
-                                        </p:cTn>
-                                        <p:tgtEl>
-                                          <p:spTgt spid="36"/>
-                                        </p:tgtEl>
-                                        <p:attrNameLst>
-                                          <p:attrName>style.visibility</p:attrName>
-                                        </p:attrNameLst>
-                                      </p:cBhvr>
-                                      <p:to>
-                                        <p:strVal val="visible"/>
-                                      </p:to>
-                                    </p:set>
-                                    <p:anim calcmode="lin" valueType="num">
-                                      <p:cBhvr additive="base">
-                                        <p:cTn id="7" dur="500" fill="hold"/>
-                                        <p:tgtEl>
-                                          <p:spTgt spid="36"/>
-                                        </p:tgtEl>
-                                        <p:attrNameLst>
-                                          <p:attrName>ppt_x</p:attrName>
-                                        </p:attrNameLst>
-                                      </p:cBhvr>
-                                      <p:tavLst>
-                                        <p:tav tm="0">
-                                          <p:val>
-                                            <p:strVal val="0-#ppt_w/2"/>
-                                          </p:val>
-                                        </p:tav>
-                                        <p:tav tm="100000">
-                                          <p:val>
-                                            <p:strVal val="#ppt_x"/>
-                                          </p:val>
-                                        </p:tav>
-                                      </p:tavLst>
-                                    </p:anim>
-                                    <p:anim calcmode="lin" valueType="num">
-                                      <p:cBhvr additive="base">
-                                        <p:cTn id="8" dur="500" fill="hold"/>
-                                        <p:tgtEl>
-                                          <p:spTgt spid="36"/>
-                                        </p:tgtEl>
-                                        <p:attrNameLst>
-                                          <p:attrName>ppt_y</p:attrName>
-                                        </p:attrNameLst>
-                                      </p:cBhvr>
-                                      <p:tavLst>
-                                        <p:tav tm="0">
-                                          <p:val>
-                                            <p:strVal val="#ppt_y"/>
-                                          </p:val>
-                                        </p:tav>
-                                        <p:tav tm="100000">
-                                          <p:val>
-                                            <p:strVal val="#ppt_y"/>
-                                          </p:val>
-                                        </p:tav>
-                                      </p:tavLst>
-                                    </p:anim>
-                                  </p:childTnLst>
-                                </p:cTn>
-                              </p:par>
-                            </p:childTnLst>
-                          </p:cTn>
-                        </p:par>
-                        <p:par>
-                          <p:cTn id="9" fill="hold">
-                            <p:stCondLst>
-                              <p:cond delay="500"/>
-                            </p:stCondLst>
-                            <p:childTnLst>
-                              <p:par>
-                                <p:cTn id="10" presetID="17" presetClass="entr" presetSubtype="1" fill="hold" grpId="0" nodeType="afterEffect">
-                                  <p:stCondLst>
-                                    <p:cond delay="0"/>
-                                  </p:stCondLst>
-                                  <p:iterate type="lt">
-                                    <p:tmPct val="40000"/>
-                                  </p:iterate>
-                                  <p:childTnLst>
-                                    <p:set>
-                                      <p:cBhvr>
-                                        <p:cTn id="11" dur="1" fill="hold">
-                                          <p:stCondLst>
-                                            <p:cond delay="0"/>
-                                          </p:stCondLst>
-                                        </p:cTn>
-                                        <p:tgtEl>
-                                          <p:spTgt spid="37"/>
-                                        </p:tgtEl>
-                                        <p:attrNameLst>
-                                          <p:attrName>style.visibility</p:attrName>
-                                        </p:attrNameLst>
-                                      </p:cBhvr>
-                                      <p:to>
-                                        <p:strVal val="visible"/>
-                                      </p:to>
-                                    </p:set>
-                                    <p:anim calcmode="lin" valueType="num">
-                                      <p:cBhvr>
-                                        <p:cTn id="12" dur="250" fill="hold"/>
-                                        <p:tgtEl>
-                                          <p:spTgt spid="37"/>
-                                        </p:tgtEl>
-                                        <p:attrNameLst>
-                                          <p:attrName>ppt_x</p:attrName>
-                                        </p:attrNameLst>
-                                      </p:cBhvr>
-                                      <p:tavLst>
-                                        <p:tav tm="0">
-                                          <p:val>
-                                            <p:strVal val="#ppt_x"/>
-                                          </p:val>
-                                        </p:tav>
-                                        <p:tav tm="100000">
-                                          <p:val>
-                                            <p:strVal val="#ppt_x"/>
-                                          </p:val>
-                                        </p:tav>
-                                      </p:tavLst>
-                                    </p:anim>
-                                    <p:anim calcmode="lin" valueType="num">
-                                      <p:cBhvr>
-                                        <p:cTn id="13" dur="250" fill="hold"/>
-                                        <p:tgtEl>
-                                          <p:spTgt spid="37"/>
-                                        </p:tgtEl>
-                                        <p:attrNameLst>
-                                          <p:attrName>ppt_y</p:attrName>
-                                        </p:attrNameLst>
-                                      </p:cBhvr>
-                                      <p:tavLst>
-                                        <p:tav tm="0">
-                                          <p:val>
-                                            <p:strVal val="#ppt_y-#ppt_h/2"/>
-                                          </p:val>
-                                        </p:tav>
-                                        <p:tav tm="100000">
-                                          <p:val>
-                                            <p:strVal val="#ppt_y"/>
-                                          </p:val>
-                                        </p:tav>
-                                      </p:tavLst>
-                                    </p:anim>
-                                    <p:anim calcmode="lin" valueType="num">
-                                      <p:cBhvr>
-                                        <p:cTn id="14" dur="250" fill="hold"/>
-                                        <p:tgtEl>
-                                          <p:spTgt spid="37"/>
-                                        </p:tgtEl>
-                                        <p:attrNameLst>
-                                          <p:attrName>ppt_w</p:attrName>
-                                        </p:attrNameLst>
-                                      </p:cBhvr>
-                                      <p:tavLst>
-                                        <p:tav tm="0">
-                                          <p:val>
-                                            <p:strVal val="#ppt_w"/>
-                                          </p:val>
-                                        </p:tav>
-                                        <p:tav tm="100000">
-                                          <p:val>
-                                            <p:strVal val="#ppt_w"/>
-                                          </p:val>
-                                        </p:tav>
-                                      </p:tavLst>
-                                    </p:anim>
-                                    <p:anim calcmode="lin" valueType="num">
-                                      <p:cBhvr>
-                                        <p:cTn id="15" dur="250" fill="hold"/>
-                                        <p:tgtEl>
-                                          <p:spTgt spid="37"/>
-                                        </p:tgtEl>
-                                        <p:attrNameLst>
-                                          <p:attrName>ppt_h</p:attrName>
-                                        </p:attrNameLst>
-                                      </p:cBhvr>
-                                      <p:tavLst>
-                                        <p:tav tm="0">
-                                          <p:val>
-                                            <p:fltVal val="0"/>
-                                          </p:val>
-                                        </p:tav>
-                                        <p:tav tm="100000">
-                                          <p:val>
-                                            <p:strVal val="#ppt_h"/>
-                                          </p:val>
-                                        </p:tav>
-                                      </p:tavLst>
-                                    </p:anim>
-                                  </p:childTnLst>
-                                </p:cTn>
-                              </p:par>
-                            </p:childTnLst>
-                          </p:cTn>
-                        </p:par>
-                      </p:childTnLst>
-                    </p:cTn>
-                  </p:par>
-                </p:childTnLst>
-              </p:cTn>
-              <p:prevCondLst>
-                <p:cond evt="onPrev" delay="0">
-                  <p:tgtEl>
-                    <p:sldTgt/>
-                  </p:tgtEl>
-                </p:cond>
-              </p:prevCondLst>
-              <p:nextCondLst>
-                <p:cond evt="onNext" delay="0">
-                  <p:tgtEl>
-                    <p:sldTgt/>
-                  </p:tgtEl>
-                </p:cond>
-              </p:nextCondLst>
-            </p:seq>
-          </p:childTnLst>
-        </p:cTn>
-      </p:par>
-    </p:tnLst>
-    <p:bldLst>
-      <p:bldP spid="36" grpId="0" bldLvl="0" animBg="1"/>
-      <p:bldP spid="37" grpId="0"/>
-    </p:bldLst>
-  </p:timing>
-</p:sld>
-</file>
-
-<file path=ppt/slides/slide38.xml><?xml version="1.0" encoding="utf-8"?>
-<p:sld xmlns:a="http://schemas.openxmlformats.org/drawingml/2006/main" xmlns:r="http://schemas.openxmlformats.org/officeDocument/2006/relationships" xmlns:p="http://schemas.openxmlformats.org/presentationml/2006/main">
-  <p:cSld>
-    <p:spTree>
-      <p:nvGrpSpPr>
-        <p:cNvPr id="1" name=""/>
-        <p:cNvGrpSpPr/>
-        <p:nvPr/>
-      </p:nvGrpSpPr>
-      <p:grpSpPr>
-        <a:xfrm>
-          <a:off x="0" y="0"/>
-          <a:ext cx="0" cy="0"/>
-          <a:chOff x="0" y="0"/>
-          <a:chExt cx="0" cy="0"/>
-        </a:xfrm>
-      </p:grpSpPr>
-      <p:sp>
-        <p:nvSpPr>
-          <p:cNvPr id="36" name="矩形 35"/>
-          <p:cNvSpPr/>
-          <p:nvPr/>
-        </p:nvSpPr>
-        <p:spPr>
-          <a:xfrm>
-            <a:off x="-106680" y="0"/>
-            <a:ext cx="2938780" cy="6859270"/>
-          </a:xfrm>
-          <a:prstGeom prst="rect">
-            <a:avLst/>
-          </a:prstGeom>
-          <a:solidFill>
-            <a:srgbClr val="38B1BF"/>
-          </a:solidFill>
-          <a:ln>
-            <a:noFill/>
-          </a:ln>
-          <a:effectLst>
-            <a:outerShdw blurRad="50800" dist="38100" dir="2700000" algn="tl" rotWithShape="0">
-              <a:prstClr val="black">
-                <a:alpha val="40000"/>
-              </a:prstClr>
-            </a:outerShdw>
-          </a:effectLst>
-          <a:scene3d>
-            <a:camera prst="orthographicFront"/>
-            <a:lightRig rig="threePt" dir="t"/>
-          </a:scene3d>
-          <a:sp3d/>
-        </p:spPr>
-        <p:style>
-          <a:lnRef idx="1">
-            <a:schemeClr val="accent1"/>
-          </a:lnRef>
-          <a:fillRef idx="0">
-            <a:schemeClr val="accent1"/>
-          </a:fillRef>
-          <a:effectRef idx="0">
-            <a:schemeClr val="accent1"/>
-          </a:effectRef>
-          <a:fontRef idx="minor">
-            <a:schemeClr val="tx1"/>
-          </a:fontRef>
-        </p:style>
-        <p:txBody>
-          <a:bodyPr rot="0" spcFirstLastPara="0" vertOverflow="overflow" horzOverflow="overflow" vert="horz" wrap="square" lIns="91440" tIns="45720" rIns="91440" bIns="45720" numCol="1" spcCol="0" rtlCol="0" fromWordArt="0" anchor="ctr" anchorCtr="0" forceAA="0" compatLnSpc="1">
-            <a:noAutofit/>
-          </a:bodyPr>
-          <a:lstStyle/>
-          <a:p>
-            <a:pPr algn="ctr"/>
-            <a:endParaRPr lang="zh-CN" altLang="en-US"/>
-          </a:p>
-        </p:txBody>
-      </p:sp>
-      <p:sp>
-        <p:nvSpPr>
-          <p:cNvPr id="37" name="TextBox 36"/>
-          <p:cNvSpPr txBox="1"/>
-          <p:nvPr/>
-        </p:nvSpPr>
-        <p:spPr>
-          <a:xfrm>
-            <a:off x="-276651" y="2922512"/>
-            <a:ext cx="2808312" cy="614045"/>
-          </a:xfrm>
-          <a:prstGeom prst="rect">
-            <a:avLst/>
-          </a:prstGeom>
-          <a:noFill/>
-        </p:spPr>
-        <p:txBody>
-          <a:bodyPr wrap="square" lIns="121948" tIns="60973" rIns="121948" bIns="60973">
-            <a:spAutoFit/>
-          </a:bodyPr>
-          <a:lstStyle/>
-          <a:p>
-            <a:pPr algn="r">
-              <a:defRPr/>
-            </a:pPr>
-            <a:r>
-              <a:rPr lang="zh-CN" altLang="en-US" sz="3200" b="1" dirty="0" smtClean="0">
-                <a:solidFill>
-                  <a:schemeClr val="bg1"/>
-                </a:solidFill>
-                <a:latin typeface="微软雅黑" panose="020B0503020204020204" pitchFamily="34" charset="-122"/>
-                <a:ea typeface="微软雅黑" panose="020B0503020204020204" pitchFamily="34" charset="-122"/>
-              </a:rPr>
-              <a:t>参考文献</a:t>
-            </a:r>
-            <a:endParaRPr lang="zh-CN" sz="3200" b="1" dirty="0">
-              <a:solidFill>
-                <a:schemeClr val="bg1"/>
-              </a:solidFill>
-              <a:latin typeface="微软雅黑" panose="020B0503020204020204" pitchFamily="34" charset="-122"/>
-              <a:ea typeface="微软雅黑" panose="020B0503020204020204" pitchFamily="34" charset="-122"/>
-            </a:endParaRPr>
-          </a:p>
-        </p:txBody>
-      </p:sp>
-      <p:graphicFrame>
-        <p:nvGraphicFramePr>
-          <p:cNvPr id="3" name="表格 2"/>
-          <p:cNvGraphicFramePr/>
-          <p:nvPr/>
-        </p:nvGraphicFramePr>
-        <p:xfrm>
-          <a:off x="3934967" y="1629594"/>
-          <a:ext cx="6984474" cy="2606040"/>
-        </p:xfrm>
-        <a:graphic>
-          <a:graphicData uri="http://schemas.openxmlformats.org/drawingml/2006/table">
-            <a:tbl>
-              <a:tblPr firstRow="1" bandRow="1">
-                <a:tableStyleId>{5C22544A-7EE6-4342-B048-85BDC9FD1C3A}</a:tableStyleId>
-              </a:tblPr>
-              <a:tblGrid>
-                <a:gridCol w="2738864">
-                  <a:extLst>
-                    <a:ext uri="{9D8B030D-6E8A-4147-A177-3AD203B41FA5}">
-                      <a16:colId xmlns="" xmlns:a16="http://schemas.microsoft.com/office/drawing/2014/main" val="20000"/>
-                    </a:ext>
-                  </a:extLst>
-                </a:gridCol>
-                <a:gridCol w="4245610">
-                  <a:extLst>
-                    <a:ext uri="{9D8B030D-6E8A-4147-A177-3AD203B41FA5}">
-                      <a16:colId xmlns="" xmlns:a16="http://schemas.microsoft.com/office/drawing/2014/main" val="20001"/>
-                    </a:ext>
-                  </a:extLst>
-                </a:gridCol>
-              </a:tblGrid>
-              <a:tr h="1322630">
-                <a:tc>
-                  <a:txBody>
-                    <a:bodyPr/>
-                    <a:lstStyle/>
-                    <a:p>
-                      <a:pPr marL="0" marR="0" indent="0" algn="l" defTabSz="1088390" rtl="0" eaLnBrk="1" fontAlgn="auto" latinLnBrk="0" hangingPunct="1">
-                        <a:lnSpc>
-                          <a:spcPct val="100000"/>
-                        </a:lnSpc>
-                        <a:spcBef>
-                          <a:spcPts val="0"/>
-                        </a:spcBef>
-                        <a:spcAft>
-                          <a:spcPts val="0"/>
-                        </a:spcAft>
-                        <a:buClrTx/>
-                        <a:buSzTx/>
-                        <a:buFontTx/>
-                        <a:buNone/>
-                        <a:defRPr/>
-                      </a:pPr>
-                      <a:r>
-                        <a:rPr sz="2400" b="0" dirty="0" smtClean="0">
-                          <a:solidFill>
-                            <a:schemeClr val="tx1"/>
-                          </a:solidFill>
-                        </a:rPr>
-                        <a:t>UML用户指南（第2版·修订版）</a:t>
-                      </a:r>
-                    </a:p>
-                    <a:p>
-                      <a:pPr algn="l">
-                        <a:buNone/>
-                      </a:pPr>
-                      <a:endParaRPr lang="zh-CN" altLang="en-US" b="0" dirty="0">
-                        <a:solidFill>
-                          <a:schemeClr val="tx1"/>
-                        </a:solidFill>
-                      </a:endParaRPr>
-                    </a:p>
-                  </a:txBody>
-                  <a:tcPr>
-                    <a:solidFill>
-                      <a:schemeClr val="accent1">
-                        <a:lumMod val="40000"/>
-                        <a:lumOff val="60000"/>
-                      </a:schemeClr>
-                    </a:solidFill>
-                  </a:tcPr>
-                </a:tc>
-                <a:tc>
-                  <a:txBody>
-                    <a:bodyPr/>
-                    <a:lstStyle/>
-                    <a:p>
-                      <a:pPr algn="l"/>
-                      <a:r>
-                        <a:rPr lang="zh-CN" altLang="en-US" sz="2400" b="0" dirty="0" smtClean="0">
-                          <a:solidFill>
-                            <a:schemeClr val="tx1"/>
-                          </a:solidFill>
-                        </a:rPr>
-                        <a:t>作者</a:t>
-                      </a:r>
-                      <a:r>
-                        <a:rPr lang="en-US" altLang="zh-CN" sz="2400" b="0" dirty="0" smtClean="0">
-                          <a:solidFill>
-                            <a:schemeClr val="tx1"/>
-                          </a:solidFill>
-                        </a:rPr>
-                        <a:t>:Grady Booch</a:t>
-                      </a:r>
-                      <a:r>
-                        <a:rPr lang="zh-CN" altLang="en-US" sz="2400" b="0" dirty="0" smtClean="0">
-                          <a:solidFill>
-                            <a:schemeClr val="tx1"/>
-                          </a:solidFill>
-                        </a:rPr>
-                        <a:t>、</a:t>
-                      </a:r>
-                      <a:r>
-                        <a:rPr lang="en-US" altLang="zh-CN" sz="2400" b="0" dirty="0" smtClean="0">
-                          <a:solidFill>
-                            <a:schemeClr val="tx1"/>
-                          </a:solidFill>
-                        </a:rPr>
-                        <a:t> James Rumbaugh </a:t>
-                      </a:r>
-                      <a:r>
-                        <a:rPr lang="zh-CN" altLang="en-US" sz="2400" b="0" dirty="0" smtClean="0">
-                          <a:solidFill>
-                            <a:schemeClr val="tx1"/>
-                          </a:solidFill>
-                        </a:rPr>
-                        <a:t>、</a:t>
-                      </a:r>
-                      <a:r>
-                        <a:rPr lang="en-US" altLang="zh-CN" sz="2400" b="0" dirty="0" smtClean="0">
-                          <a:solidFill>
-                            <a:schemeClr val="tx1"/>
-                          </a:solidFill>
-                        </a:rPr>
-                        <a:t>Ivar Jacobson</a:t>
-                      </a:r>
-                    </a:p>
-                    <a:p>
-                      <a:pPr algn="l"/>
-                      <a:r>
-                        <a:rPr lang="zh-CN" altLang="en-US" sz="2400" b="0" dirty="0" smtClean="0">
-                          <a:solidFill>
-                            <a:schemeClr val="tx1"/>
-                          </a:solidFill>
-                        </a:rPr>
-                        <a:t>人民邮电出版社</a:t>
-                      </a:r>
-                      <a:endParaRPr lang="en-US" altLang="zh-CN" sz="2400" b="0" dirty="0" smtClean="0">
-                        <a:solidFill>
-                          <a:schemeClr val="tx1"/>
-                        </a:solidFill>
-                      </a:endParaRPr>
-                    </a:p>
-                    <a:p>
-                      <a:pPr algn="l"/>
-                      <a:r>
-                        <a:rPr lang="en-US" altLang="zh-CN" sz="2400" b="0" dirty="0" smtClean="0">
-                          <a:solidFill>
-                            <a:schemeClr val="tx1"/>
-                          </a:solidFill>
-                        </a:rPr>
-                        <a:t>2013</a:t>
-                      </a:r>
-                      <a:r>
-                        <a:rPr lang="zh-CN" altLang="en-US" sz="2400" b="0" dirty="0" smtClean="0">
-                          <a:solidFill>
-                            <a:schemeClr val="tx1"/>
-                          </a:solidFill>
-                        </a:rPr>
-                        <a:t>年</a:t>
-                      </a:r>
-                      <a:r>
-                        <a:rPr lang="en-US" altLang="zh-CN" sz="2400" b="0" dirty="0" smtClean="0">
-                          <a:solidFill>
-                            <a:schemeClr val="tx1"/>
-                          </a:solidFill>
-                        </a:rPr>
-                        <a:t>1</a:t>
-                      </a:r>
-                      <a:r>
-                        <a:rPr lang="zh-CN" altLang="en-US" sz="2400" b="0" dirty="0" smtClean="0">
-                          <a:solidFill>
-                            <a:schemeClr val="tx1"/>
-                          </a:solidFill>
-                        </a:rPr>
-                        <a:t>月第</a:t>
-                      </a:r>
-                      <a:r>
-                        <a:rPr lang="en-US" altLang="zh-CN" sz="2400" b="0" dirty="0" smtClean="0">
-                          <a:solidFill>
-                            <a:schemeClr val="tx1"/>
-                          </a:solidFill>
-                        </a:rPr>
-                        <a:t>1</a:t>
-                      </a:r>
-                      <a:r>
-                        <a:rPr lang="zh-CN" altLang="en-US" sz="2400" b="0" dirty="0" smtClean="0">
-                          <a:solidFill>
-                            <a:schemeClr val="tx1"/>
-                          </a:solidFill>
-                        </a:rPr>
-                        <a:t>版</a:t>
-                      </a:r>
-                    </a:p>
-                  </a:txBody>
-                  <a:tcPr>
-                    <a:solidFill>
-                      <a:schemeClr val="accent1">
-                        <a:lumMod val="40000"/>
-                        <a:lumOff val="60000"/>
-                      </a:schemeClr>
-                    </a:solidFill>
-                  </a:tcPr>
-                </a:tc>
-                <a:extLst>
-                  <a:ext uri="{0D108BD9-81ED-4DB2-BD59-A6C34878D82A}">
-                    <a16:rowId xmlns="" xmlns:a16="http://schemas.microsoft.com/office/drawing/2014/main" val="10000"/>
-                  </a:ext>
-                </a:extLst>
-              </a:tr>
-              <a:tr h="894720">
-                <a:tc>
-                  <a:txBody>
-                    <a:bodyPr/>
-                    <a:lstStyle/>
-                    <a:p>
-                      <a:pPr algn="l">
-                        <a:buNone/>
-                      </a:pPr>
-                      <a:r>
-                        <a:rPr dirty="0" smtClean="0">
-                          <a:solidFill>
-                            <a:schemeClr val="tx1"/>
-                          </a:solidFill>
-                        </a:rPr>
-                        <a:t>UML2基础、建模与设计教程</a:t>
-                      </a:r>
-                    </a:p>
-                  </a:txBody>
-                  <a:tcPr/>
-                </a:tc>
-                <a:tc>
-                  <a:txBody>
-                    <a:bodyPr/>
-                    <a:lstStyle/>
-                    <a:p>
-                      <a:pPr algn="l">
-                        <a:buNone/>
-                      </a:pPr>
-                      <a:r>
-                        <a:rPr lang="zh-CN" altLang="en-US" dirty="0" smtClean="0">
-                          <a:solidFill>
-                            <a:schemeClr val="tx1"/>
-                          </a:solidFill>
-                        </a:rPr>
-                        <a:t>作者：杨弘平 等</a:t>
-                      </a:r>
-                      <a:endParaRPr lang="en-US" altLang="zh-CN" baseline="0" dirty="0" smtClean="0">
-                        <a:solidFill>
-                          <a:schemeClr val="tx1"/>
-                        </a:solidFill>
-                      </a:endParaRPr>
-                    </a:p>
-                    <a:p>
-                      <a:pPr algn="l">
-                        <a:buNone/>
-                      </a:pPr>
-                      <a:r>
-                        <a:rPr lang="zh-CN" altLang="en-US" baseline="0" dirty="0" smtClean="0">
-                          <a:solidFill>
-                            <a:schemeClr val="tx1"/>
-                          </a:solidFill>
-                        </a:rPr>
-                        <a:t>清华大学出版社</a:t>
-                      </a:r>
-                      <a:endParaRPr lang="en-US" altLang="zh-CN" baseline="0" dirty="0" smtClean="0">
-                        <a:solidFill>
-                          <a:schemeClr val="tx1"/>
-                        </a:solidFill>
-                      </a:endParaRPr>
-                    </a:p>
-                    <a:p>
-                      <a:pPr algn="l">
-                        <a:buNone/>
-                      </a:pPr>
-                      <a:r>
-                        <a:rPr lang="en-US" altLang="zh-CN" baseline="0" dirty="0" smtClean="0">
-                          <a:solidFill>
-                            <a:schemeClr val="tx1"/>
-                          </a:solidFill>
-                        </a:rPr>
-                        <a:t>2015</a:t>
-                      </a:r>
-                      <a:r>
-                        <a:rPr lang="zh-CN" altLang="en-US" baseline="0" dirty="0" smtClean="0">
-                          <a:solidFill>
-                            <a:schemeClr val="tx1"/>
-                          </a:solidFill>
-                        </a:rPr>
-                        <a:t>年</a:t>
-                      </a:r>
-                      <a:endParaRPr lang="en-US" altLang="zh-CN" dirty="0" smtClean="0">
-                        <a:solidFill>
-                          <a:schemeClr val="tx1"/>
-                        </a:solidFill>
-                      </a:endParaRPr>
-                    </a:p>
-                  </a:txBody>
-                  <a:tcPr/>
-                </a:tc>
-                <a:extLst>
-                  <a:ext uri="{0D108BD9-81ED-4DB2-BD59-A6C34878D82A}">
-                    <a16:rowId xmlns="" xmlns:a16="http://schemas.microsoft.com/office/drawing/2014/main" val="10001"/>
-                  </a:ext>
-                </a:extLst>
-              </a:tr>
-            </a:tbl>
-          </a:graphicData>
-        </a:graphic>
-      </p:graphicFrame>
-    </p:spTree>
   </p:cSld>
   <p:clrMapOvr>
     <a:masterClrMapping/>
@@ -23154,8 +22365,8 @@
         </p:nvSpPr>
         <p:spPr>
           <a:xfrm>
-            <a:off x="311150" y="2922270"/>
-            <a:ext cx="2220595" cy="1106805"/>
+            <a:off x="-276651" y="2922512"/>
+            <a:ext cx="2808312" cy="614045"/>
           </a:xfrm>
           <a:prstGeom prst="rect">
             <a:avLst/>
@@ -23172,15 +22383,22 @@
               <a:defRPr/>
             </a:pPr>
             <a:r>
-              <a:rPr lang="zh-CN" altLang="en-US" sz="3200" b="1" dirty="0" smtClean="0">
+              <a:rPr lang="zh-CN" altLang="en-US" sz="3200" b="1" dirty="0">
                 <a:solidFill>
                   <a:schemeClr val="bg1"/>
                 </a:solidFill>
                 <a:latin typeface="微软雅黑" panose="020B0503020204020204" pitchFamily="34" charset="-122"/>
                 <a:ea typeface="微软雅黑" panose="020B0503020204020204" pitchFamily="34" charset="-122"/>
               </a:rPr>
-              <a:t>绩效考评与分工</a:t>
+              <a:t>参考文献</a:t>
             </a:r>
+            <a:endParaRPr lang="zh-CN" sz="3200" b="1" dirty="0">
+              <a:solidFill>
+                <a:schemeClr val="bg1"/>
+              </a:solidFill>
+              <a:latin typeface="微软雅黑" panose="020B0503020204020204" pitchFamily="34" charset="-122"/>
+              <a:ea typeface="微软雅黑" panose="020B0503020204020204" pitchFamily="34" charset="-122"/>
+            </a:endParaRPr>
           </a:p>
         </p:txBody>
       </p:sp>
@@ -23188,17 +22406,11 @@
         <p:nvGraphicFramePr>
           <p:cNvPr id="3" name="表格 2"/>
           <p:cNvGraphicFramePr/>
-          <p:nvPr>
-            <p:extLst>
-              <p:ext uri="{D42A27DB-BD31-4B8C-83A1-F6EECF244321}">
-                <p14:modId xmlns:p14="http://schemas.microsoft.com/office/powerpoint/2010/main" val="1157283012"/>
-              </p:ext>
-            </p:extLst>
-          </p:nvPr>
+          <p:nvPr/>
         </p:nvGraphicFramePr>
         <p:xfrm>
-          <a:off x="3214886" y="1341562"/>
-          <a:ext cx="7771130" cy="3746500"/>
+          <a:off x="3934967" y="1629594"/>
+          <a:ext cx="6984474" cy="2606040"/>
         </p:xfrm>
         <a:graphic>
           <a:graphicData uri="http://schemas.openxmlformats.org/drawingml/2006/table">
@@ -23207,71 +22419,57 @@
                 <a:tableStyleId>{5C22544A-7EE6-4342-B048-85BDC9FD1C3A}</a:tableStyleId>
               </a:tblPr>
               <a:tblGrid>
-                <a:gridCol w="1895475">
+                <a:gridCol w="2738864">
                   <a:extLst>
                     <a:ext uri="{9D8B030D-6E8A-4147-A177-3AD203B41FA5}">
-                      <a16:colId xmlns="" xmlns:a16="http://schemas.microsoft.com/office/drawing/2014/main" val="20000"/>
+                      <a16:colId xmlns:a16="http://schemas.microsoft.com/office/drawing/2014/main" val="20000"/>
                     </a:ext>
                   </a:extLst>
                 </a:gridCol>
-                <a:gridCol w="2937510">
+                <a:gridCol w="4245610">
                   <a:extLst>
                     <a:ext uri="{9D8B030D-6E8A-4147-A177-3AD203B41FA5}">
-                      <a16:colId xmlns="" xmlns:a16="http://schemas.microsoft.com/office/drawing/2014/main" val="20001"/>
-                    </a:ext>
-                  </a:extLst>
-                </a:gridCol>
-                <a:gridCol w="2938145">
-                  <a:extLst>
-                    <a:ext uri="{9D8B030D-6E8A-4147-A177-3AD203B41FA5}">
-                      <a16:colId xmlns="" xmlns:a16="http://schemas.microsoft.com/office/drawing/2014/main" val="20002"/>
+                      <a16:colId xmlns:a16="http://schemas.microsoft.com/office/drawing/2014/main" val="20001"/>
                     </a:ext>
                   </a:extLst>
                 </a:gridCol>
               </a:tblGrid>
-              <a:tr h="713740">
+              <a:tr h="1322630">
                 <a:tc>
                   <a:txBody>
                     <a:bodyPr/>
                     <a:lstStyle/>
                     <a:p>
-                      <a:pPr algn="l">
+                      <a:pPr marL="0" marR="0" indent="0" algn="l" defTabSz="1088390" rtl="0" eaLnBrk="1" fontAlgn="auto" latinLnBrk="0" hangingPunct="1">
+                        <a:lnSpc>
+                          <a:spcPct val="100000"/>
+                        </a:lnSpc>
+                        <a:spcBef>
+                          <a:spcPts val="0"/>
+                        </a:spcBef>
+                        <a:spcAft>
+                          <a:spcPts val="0"/>
+                        </a:spcAft>
+                        <a:buClrTx/>
+                        <a:buSzTx/>
+                        <a:buFontTx/>
                         <a:buNone/>
+                        <a:defRPr/>
                       </a:pPr>
                       <a:r>
-                        <a:rPr lang="zh-CN" altLang="en-US" b="0" dirty="0">
+                        <a:rPr sz="2400" b="0" dirty="0">
                           <a:solidFill>
                             <a:schemeClr val="tx1"/>
                           </a:solidFill>
                         </a:rPr>
-                        <a:t>黄为波</a:t>
+                        <a:t>UML用户指南（第2版·修订版）</a:t>
                       </a:r>
                     </a:p>
-                  </a:txBody>
-                  <a:tcPr>
-                    <a:solidFill>
-                      <a:schemeClr val="accent1">
-                        <a:lumMod val="40000"/>
-                        <a:lumOff val="60000"/>
-                      </a:schemeClr>
-                    </a:solidFill>
-                  </a:tcPr>
-                </a:tc>
-                <a:tc>
-                  <a:txBody>
-                    <a:bodyPr/>
-                    <a:lstStyle/>
                     <a:p>
-                      <a:pPr algn="l"/>
-                      <a:r>
-                        <a:rPr lang="zh-CN" altLang="en-US" sz="2400" b="0" dirty="0" smtClean="0">
-                          <a:solidFill>
-                            <a:schemeClr val="tx1"/>
-                          </a:solidFill>
-                        </a:rPr>
-                        <a:t>负责类图，用例图</a:t>
-                      </a:r>
-                      <a:endParaRPr lang="zh-CN" altLang="en-US" sz="2400" b="0" dirty="0" smtClean="0">
+                      <a:pPr algn="l">
+                        <a:buNone/>
+                      </a:pPr>
+                      <a:endParaRPr lang="zh-CN" altLang="en-US" b="0" dirty="0">
                         <a:solidFill>
                           <a:schemeClr val="tx1"/>
                         </a:solidFill>
@@ -23292,22 +22490,122 @@
                     <a:bodyPr/>
                     <a:lstStyle/>
                     <a:p>
-                      <a:pPr algn="l">
-                        <a:buNone/>
-                      </a:pPr>
+                      <a:pPr algn="l"/>
                       <a:r>
-                        <a:rPr lang="en-US" altLang="zh-CN" sz="2400" b="0" dirty="0" smtClean="0">
+                        <a:rPr lang="zh-CN" altLang="en-US" sz="2400" b="0" dirty="0">
                           <a:solidFill>
                             <a:schemeClr val="tx1"/>
                           </a:solidFill>
                         </a:rPr>
-                        <a:t>9.7</a:t>
+                        <a:t>作者</a:t>
                       </a:r>
-                      <a:endParaRPr lang="en-US" altLang="zh-CN" sz="2400" b="0" dirty="0" smtClean="0">
+                      <a:r>
+                        <a:rPr lang="en-US" altLang="zh-CN" sz="2400" b="0" dirty="0">
+                          <a:solidFill>
+                            <a:schemeClr val="tx1"/>
+                          </a:solidFill>
+                        </a:rPr>
+                        <a:t>:Grady Booch</a:t>
+                      </a:r>
+                      <a:r>
+                        <a:rPr lang="zh-CN" altLang="en-US" sz="2400" b="0" dirty="0">
+                          <a:solidFill>
+                            <a:schemeClr val="tx1"/>
+                          </a:solidFill>
+                        </a:rPr>
+                        <a:t>、</a:t>
+                      </a:r>
+                      <a:r>
+                        <a:rPr lang="en-US" altLang="zh-CN" sz="2400" b="0" dirty="0">
+                          <a:solidFill>
+                            <a:schemeClr val="tx1"/>
+                          </a:solidFill>
+                        </a:rPr>
+                        <a:t> James Rumbaugh </a:t>
+                      </a:r>
+                      <a:r>
+                        <a:rPr lang="zh-CN" altLang="en-US" sz="2400" b="0" dirty="0">
+                          <a:solidFill>
+                            <a:schemeClr val="tx1"/>
+                          </a:solidFill>
+                        </a:rPr>
+                        <a:t>、</a:t>
+                      </a:r>
+                      <a:r>
+                        <a:rPr lang="en-US" altLang="zh-CN" sz="2400" b="0" dirty="0">
+                          <a:solidFill>
+                            <a:schemeClr val="tx1"/>
+                          </a:solidFill>
+                        </a:rPr>
+                        <a:t>Ivar Jacobson</a:t>
+                      </a:r>
+                    </a:p>
+                    <a:p>
+                      <a:pPr algn="l"/>
+                      <a:r>
+                        <a:rPr lang="zh-CN" altLang="en-US" sz="2400" b="0" dirty="0">
+                          <a:solidFill>
+                            <a:schemeClr val="tx1"/>
+                          </a:solidFill>
+                        </a:rPr>
+                        <a:t>人民邮电出版社</a:t>
+                      </a:r>
+                      <a:endParaRPr lang="en-US" altLang="zh-CN" sz="2400" b="0" dirty="0">
                         <a:solidFill>
                           <a:schemeClr val="tx1"/>
                         </a:solidFill>
                       </a:endParaRPr>
+                    </a:p>
+                    <a:p>
+                      <a:pPr algn="l"/>
+                      <a:r>
+                        <a:rPr lang="en-US" altLang="zh-CN" sz="2400" b="0" dirty="0">
+                          <a:solidFill>
+                            <a:schemeClr val="tx1"/>
+                          </a:solidFill>
+                        </a:rPr>
+                        <a:t>2013</a:t>
+                      </a:r>
+                      <a:r>
+                        <a:rPr lang="zh-CN" altLang="en-US" sz="2400" b="0" dirty="0">
+                          <a:solidFill>
+                            <a:schemeClr val="tx1"/>
+                          </a:solidFill>
+                        </a:rPr>
+                        <a:t>年</a:t>
+                      </a:r>
+                      <a:r>
+                        <a:rPr lang="en-US" altLang="zh-CN" sz="2400" b="0" dirty="0">
+                          <a:solidFill>
+                            <a:schemeClr val="tx1"/>
+                          </a:solidFill>
+                        </a:rPr>
+                        <a:t>1</a:t>
+                      </a:r>
+                      <a:r>
+                        <a:rPr lang="zh-CN" altLang="en-US" sz="2400" b="0" dirty="0">
+                          <a:solidFill>
+                            <a:schemeClr val="tx1"/>
+                          </a:solidFill>
+                        </a:rPr>
+                        <a:t>月第</a:t>
+                      </a:r>
+                      <a:r>
+                        <a:rPr lang="en-US" altLang="zh-CN" sz="2400" b="0" dirty="0">
+                          <a:solidFill>
+                            <a:schemeClr val="tx1"/>
+                          </a:solidFill>
+                        </a:rPr>
+                        <a:t>1</a:t>
+                      </a:r>
+                      <a:r>
+                        <a:rPr lang="zh-CN" altLang="en-US" sz="2400" b="0" dirty="0">
+                          <a:solidFill>
+                            <a:schemeClr val="tx1"/>
+                          </a:solidFill>
+                        </a:rPr>
+                        <a:t>版</a:t>
+                      </a:r>
                     </a:p>
                   </a:txBody>
                   <a:tcPr>
@@ -23321,11 +22619,11 @@
                 </a:tc>
                 <a:extLst>
                   <a:ext uri="{0D108BD9-81ED-4DB2-BD59-A6C34878D82A}">
-                    <a16:rowId xmlns="" xmlns:a16="http://schemas.microsoft.com/office/drawing/2014/main" val="10000"/>
+                    <a16:rowId xmlns:a16="http://schemas.microsoft.com/office/drawing/2014/main" val="10000"/>
                   </a:ext>
                 </a:extLst>
               </a:tr>
-              <a:tr h="716915">
+              <a:tr h="894720">
                 <a:tc>
                   <a:txBody>
                     <a:bodyPr/>
@@ -23335,12 +22633,12 @@
                         <a:buNone/>
                       </a:pPr>
                       <a:r>
-                        <a:rPr lang="zh-CN" altLang="en-US" dirty="0" smtClean="0">
+                        <a:rPr dirty="0">
                           <a:solidFill>
                             <a:schemeClr val="tx1"/>
                           </a:solidFill>
                         </a:rPr>
-                        <a:t>苏雨豪</a:t>
+                        <a:t>UML2基础、建模与设计教程</a:t>
                       </a:r>
                     </a:p>
                   </a:txBody>
@@ -23355,47 +22653,58 @@
                         <a:buNone/>
                       </a:pPr>
                       <a:r>
-                        <a:rPr lang="en-US" altLang="zh-CN" dirty="0" smtClean="0">
+                        <a:rPr lang="zh-CN" altLang="en-US" dirty="0">
                           <a:solidFill>
                             <a:schemeClr val="tx1"/>
                           </a:solidFill>
                         </a:rPr>
-                        <a:t>负责 </a:t>
+                        <a:t>作者：杨弘平 等</a:t>
                       </a:r>
-                      <a:r>
-                        <a:rPr lang="zh-CN" altLang="en-US" dirty="0" smtClean="0">
-                          <a:solidFill>
-                            <a:schemeClr val="tx1"/>
-                          </a:solidFill>
-                        </a:rPr>
-                        <a:t>状态机图</a:t>
-                      </a:r>
-                      <a:endParaRPr lang="zh-CN" altLang="en-US" dirty="0" smtClean="0">
+                      <a:endParaRPr lang="en-US" altLang="zh-CN" baseline="0" dirty="0">
                         <a:solidFill>
                           <a:schemeClr val="tx1"/>
                         </a:solidFill>
                       </a:endParaRPr>
                     </a:p>
-                  </a:txBody>
-                  <a:tcPr/>
-                </a:tc>
-                <a:tc>
-                  <a:txBody>
-                    <a:bodyPr/>
-                    <a:lstStyle/>
                     <a:p>
                       <a:pPr algn="l">
                         <a:buNone/>
                       </a:pPr>
                       <a:r>
-                        <a:rPr lang="en-US" altLang="zh-CN" sz="2400" dirty="0" smtClean="0">
+                        <a:rPr lang="zh-CN" altLang="en-US" baseline="0" dirty="0">
                           <a:solidFill>
                             <a:schemeClr val="tx1"/>
                           </a:solidFill>
                         </a:rPr>
-                        <a:t>9.3</a:t>
+                        <a:t>清华大学出版社</a:t>
                       </a:r>
-                      <a:endParaRPr lang="en-US" altLang="zh-CN" sz="2400" dirty="0" smtClean="0">
+                      <a:endParaRPr lang="en-US" altLang="zh-CN" baseline="0" dirty="0">
+                        <a:solidFill>
+                          <a:schemeClr val="tx1"/>
+                        </a:solidFill>
+                      </a:endParaRPr>
+                    </a:p>
+                    <a:p>
+                      <a:pPr algn="l">
+                        <a:buNone/>
+                      </a:pPr>
+                      <a:r>
+                        <a:rPr lang="en-US" altLang="zh-CN" baseline="0" dirty="0">
+                          <a:solidFill>
+                            <a:schemeClr val="tx1"/>
+                          </a:solidFill>
+                        </a:rPr>
+                        <a:t>2015</a:t>
+                      </a:r>
+                      <a:r>
+                        <a:rPr lang="zh-CN" altLang="en-US" baseline="0" dirty="0">
+                          <a:solidFill>
+                            <a:schemeClr val="tx1"/>
+                          </a:solidFill>
+                        </a:rPr>
+                        <a:t>年</a:t>
+                      </a:r>
+                      <a:endParaRPr lang="en-US" altLang="zh-CN" dirty="0">
                         <a:solidFill>
                           <a:schemeClr val="tx1"/>
                         </a:solidFill>
@@ -23406,308 +22715,7 @@
                 </a:tc>
                 <a:extLst>
                   <a:ext uri="{0D108BD9-81ED-4DB2-BD59-A6C34878D82A}">
-                    <a16:rowId xmlns="" xmlns:a16="http://schemas.microsoft.com/office/drawing/2014/main" val="10001"/>
-                  </a:ext>
-                </a:extLst>
-              </a:tr>
-              <a:tr h="805815">
-                <a:tc>
-                  <a:txBody>
-                    <a:bodyPr/>
-                    <a:lstStyle/>
-                    <a:p>
-                      <a:pPr algn="l">
-                        <a:buNone/>
-                      </a:pPr>
-                      <a:r>
-                        <a:rPr lang="zh-CN" dirty="0" smtClean="0">
-                          <a:solidFill>
-                            <a:schemeClr val="tx1"/>
-                          </a:solidFill>
-                        </a:rPr>
-                        <a:t>陈子卿</a:t>
-                      </a:r>
-                    </a:p>
-                  </a:txBody>
-                  <a:tcPr>
-                    <a:solidFill>
-                      <a:schemeClr val="accent1">
-                        <a:lumMod val="40000"/>
-                        <a:lumOff val="60000"/>
-                      </a:schemeClr>
-                    </a:solidFill>
-                  </a:tcPr>
-                </a:tc>
-                <a:tc>
-                  <a:txBody>
-                    <a:bodyPr/>
-                    <a:lstStyle/>
-                    <a:p>
-                      <a:pPr algn="l">
-                        <a:buNone/>
-                      </a:pPr>
-                      <a:r>
-                        <a:rPr lang="zh-CN" altLang="en-US" dirty="0" smtClean="0">
-                          <a:solidFill>
-                            <a:schemeClr val="tx1"/>
-                          </a:solidFill>
-                        </a:rPr>
-                        <a:t>负责协作图（通信图）</a:t>
-                      </a:r>
-                      <a:endParaRPr lang="zh-CN" altLang="en-US" dirty="0" smtClean="0">
-                        <a:solidFill>
-                          <a:schemeClr val="tx1"/>
-                        </a:solidFill>
-                      </a:endParaRPr>
-                    </a:p>
-                  </a:txBody>
-                  <a:tcPr>
-                    <a:solidFill>
-                      <a:schemeClr val="accent1">
-                        <a:lumMod val="40000"/>
-                        <a:lumOff val="60000"/>
-                      </a:schemeClr>
-                    </a:solidFill>
-                  </a:tcPr>
-                </a:tc>
-                <a:tc>
-                  <a:txBody>
-                    <a:bodyPr/>
-                    <a:lstStyle/>
-                    <a:p>
-                      <a:pPr algn="l">
-                        <a:buNone/>
-                      </a:pPr>
-                      <a:r>
-                        <a:rPr lang="en-US" altLang="zh-CN" sz="2400" dirty="0" smtClean="0">
-                          <a:solidFill>
-                            <a:schemeClr val="tx1"/>
-                          </a:solidFill>
-                        </a:rPr>
-                        <a:t>9.4</a:t>
-                      </a:r>
-                      <a:endParaRPr lang="en-US" altLang="zh-CN" sz="2400" dirty="0" smtClean="0">
-                        <a:solidFill>
-                          <a:schemeClr val="tx1"/>
-                        </a:solidFill>
-                      </a:endParaRPr>
-                    </a:p>
-                  </a:txBody>
-                  <a:tcPr>
-                    <a:solidFill>
-                      <a:schemeClr val="accent1">
-                        <a:lumMod val="40000"/>
-                        <a:lumOff val="60000"/>
-                      </a:schemeClr>
-                    </a:solidFill>
-                  </a:tcPr>
-                </a:tc>
-                <a:extLst>
-                  <a:ext uri="{0D108BD9-81ED-4DB2-BD59-A6C34878D82A}">
-                    <a16:rowId xmlns="" xmlns:a16="http://schemas.microsoft.com/office/drawing/2014/main" val="10002"/>
-                  </a:ext>
-                </a:extLst>
-              </a:tr>
-              <a:tr h="733425">
-                <a:tc>
-                  <a:txBody>
-                    <a:bodyPr/>
-                    <a:lstStyle/>
-                    <a:p>
-                      <a:pPr algn="l">
-                        <a:buNone/>
-                      </a:pPr>
-                      <a:r>
-                        <a:rPr lang="zh-CN" altLang="en-US" dirty="0" smtClean="0">
-                          <a:solidFill>
-                            <a:schemeClr val="tx1"/>
-                          </a:solidFill>
-                        </a:rPr>
-                        <a:t>蔡峰</a:t>
-                      </a:r>
-                    </a:p>
-                  </a:txBody>
-                  <a:tcPr>
-                    <a:solidFill>
-                      <a:schemeClr val="accent1">
-                        <a:lumMod val="40000"/>
-                        <a:lumOff val="60000"/>
-                      </a:schemeClr>
-                    </a:solidFill>
-                  </a:tcPr>
-                </a:tc>
-                <a:tc>
-                  <a:txBody>
-                    <a:bodyPr/>
-                    <a:lstStyle/>
-                    <a:p>
-                      <a:pPr algn="l">
-                        <a:buNone/>
-                      </a:pPr>
-                      <a:r>
-                        <a:rPr lang="zh-CN" altLang="en-US" dirty="0" smtClean="0">
-                          <a:solidFill>
-                            <a:schemeClr val="tx1"/>
-                          </a:solidFill>
-                        </a:rPr>
-                        <a:t>负责顺序图</a:t>
-                      </a:r>
-                      <a:endParaRPr lang="zh-CN" altLang="en-US" dirty="0" smtClean="0">
-                        <a:solidFill>
-                          <a:schemeClr val="tx1"/>
-                        </a:solidFill>
-                      </a:endParaRPr>
-                    </a:p>
-                  </a:txBody>
-                  <a:tcPr>
-                    <a:solidFill>
-                      <a:schemeClr val="accent1">
-                        <a:lumMod val="40000"/>
-                        <a:lumOff val="60000"/>
-                      </a:schemeClr>
-                    </a:solidFill>
-                  </a:tcPr>
-                </a:tc>
-                <a:tc>
-                  <a:txBody>
-                    <a:bodyPr/>
-                    <a:lstStyle/>
-                    <a:p>
-                      <a:pPr algn="l">
-                        <a:buNone/>
-                      </a:pPr>
-                      <a:r>
-                        <a:rPr lang="en-US" altLang="zh-CN" sz="2400" dirty="0" smtClean="0">
-                          <a:solidFill>
-                            <a:schemeClr val="tx1"/>
-                          </a:solidFill>
-                          <a:sym typeface="+mn-ea"/>
-                        </a:rPr>
-                        <a:t>9.6</a:t>
-                      </a:r>
-                      <a:endParaRPr lang="en-US" altLang="zh-CN" sz="2400" b="0" dirty="0" smtClean="0">
-                        <a:solidFill>
-                          <a:schemeClr val="tx1"/>
-                        </a:solidFill>
-                        <a:sym typeface="+mn-ea"/>
-                      </a:endParaRPr>
-                    </a:p>
-                    <a:p>
-                      <a:pPr algn="l">
-                        <a:buNone/>
-                      </a:pPr>
-                      <a:endParaRPr lang="zh-CN" altLang="en-US" dirty="0" smtClean="0">
-                        <a:solidFill>
-                          <a:schemeClr val="tx1"/>
-                        </a:solidFill>
-                      </a:endParaRPr>
-                    </a:p>
-                  </a:txBody>
-                  <a:tcPr>
-                    <a:solidFill>
-                      <a:schemeClr val="accent1">
-                        <a:lumMod val="40000"/>
-                        <a:lumOff val="60000"/>
-                      </a:schemeClr>
-                    </a:solidFill>
-                  </a:tcPr>
-                </a:tc>
-                <a:extLst>
-                  <a:ext uri="{0D108BD9-81ED-4DB2-BD59-A6C34878D82A}">
-                    <a16:rowId xmlns="" xmlns:a16="http://schemas.microsoft.com/office/drawing/2014/main" val="10003"/>
-                  </a:ext>
-                </a:extLst>
-              </a:tr>
-              <a:tr h="732790">
-                <a:tc>
-                  <a:txBody>
-                    <a:bodyPr/>
-                    <a:lstStyle/>
-                    <a:p>
-                      <a:pPr algn="l">
-                        <a:buNone/>
-                      </a:pPr>
-                      <a:r>
-                        <a:rPr lang="zh-CN" altLang="en-US" dirty="0" smtClean="0">
-                          <a:solidFill>
-                            <a:schemeClr val="tx1"/>
-                          </a:solidFill>
-                        </a:rPr>
-                        <a:t>江亮儒</a:t>
-                      </a:r>
-                    </a:p>
-                  </a:txBody>
-                  <a:tcPr>
-                    <a:solidFill>
-                      <a:schemeClr val="accent1">
-                        <a:lumMod val="40000"/>
-                        <a:lumOff val="60000"/>
-                      </a:schemeClr>
-                    </a:solidFill>
-                  </a:tcPr>
-                </a:tc>
-                <a:tc>
-                  <a:txBody>
-                    <a:bodyPr/>
-                    <a:lstStyle/>
-                    <a:p>
-                      <a:pPr algn="l">
-                        <a:buNone/>
-                      </a:pPr>
-                      <a:r>
-                        <a:rPr lang="zh-CN" altLang="en-US" dirty="0" smtClean="0">
-                          <a:solidFill>
-                            <a:schemeClr val="tx1"/>
-                          </a:solidFill>
-                        </a:rPr>
-                        <a:t>负责部署图</a:t>
-                      </a:r>
-                      <a:endParaRPr lang="zh-CN" altLang="en-US" dirty="0" smtClean="0">
-                        <a:solidFill>
-                          <a:schemeClr val="tx1"/>
-                        </a:solidFill>
-                      </a:endParaRPr>
-                    </a:p>
-                  </a:txBody>
-                  <a:tcPr>
-                    <a:solidFill>
-                      <a:schemeClr val="accent1">
-                        <a:lumMod val="40000"/>
-                        <a:lumOff val="60000"/>
-                      </a:schemeClr>
-                    </a:solidFill>
-                  </a:tcPr>
-                </a:tc>
-                <a:tc>
-                  <a:txBody>
-                    <a:bodyPr/>
-                    <a:lstStyle/>
-                    <a:p>
-                      <a:pPr algn="l">
-                        <a:buNone/>
-                      </a:pPr>
-                      <a:r>
-                        <a:rPr lang="en-US" altLang="zh-CN" sz="2400" dirty="0" smtClean="0">
-                          <a:solidFill>
-                            <a:schemeClr val="tx1"/>
-                          </a:solidFill>
-                        </a:rPr>
-                        <a:t>9.5</a:t>
-                      </a:r>
-                    </a:p>
-                  </a:txBody>
-                  <a:tcPr>
-                    <a:solidFill>
-                      <a:schemeClr val="accent1">
-                        <a:lumMod val="40000"/>
-                        <a:lumOff val="60000"/>
-                      </a:schemeClr>
-                    </a:solidFill>
-                  </a:tcPr>
-                </a:tc>
-                <a:extLst>
-                  <a:ext uri="{0D108BD9-81ED-4DB2-BD59-A6C34878D82A}">
-                    <a16:rowId xmlns="" xmlns:a16="http://schemas.microsoft.com/office/drawing/2014/main" val="10004"/>
+                    <a16:rowId xmlns:a16="http://schemas.microsoft.com/office/drawing/2014/main" val="10001"/>
                   </a:ext>
                 </a:extLst>
               </a:tr>
@@ -24161,7 +23169,7 @@
           <a:lstStyle/>
           <a:p>
             <a:r>
-              <a:rPr lang="zh-CN" altLang="en-US" sz="2665" dirty="0" smtClean="0">
+              <a:rPr lang="zh-CN" altLang="en-US" sz="2665" dirty="0">
                 <a:solidFill>
                   <a:srgbClr val="183A5D"/>
                 </a:solidFill>
@@ -24508,17 +23516,893 @@
   <p:transition spd="slow" advClick="0" advTm="0">
     <p:wipe/>
   </p:transition>
+</p:sld>
+</file>
+
+<file path=ppt/slides/slide40.xml><?xml version="1.0" encoding="utf-8"?>
+<p:sld xmlns:a="http://schemas.openxmlformats.org/drawingml/2006/main" xmlns:r="http://schemas.openxmlformats.org/officeDocument/2006/relationships" xmlns:p="http://schemas.openxmlformats.org/presentationml/2006/main">
+  <p:cSld>
+    <p:spTree>
+      <p:nvGrpSpPr>
+        <p:cNvPr id="1" name=""/>
+        <p:cNvGrpSpPr/>
+        <p:nvPr/>
+      </p:nvGrpSpPr>
+      <p:grpSpPr>
+        <a:xfrm>
+          <a:off x="0" y="0"/>
+          <a:ext cx="0" cy="0"/>
+          <a:chOff x="0" y="0"/>
+          <a:chExt cx="0" cy="0"/>
+        </a:xfrm>
+      </p:grpSpPr>
+      <p:sp>
+        <p:nvSpPr>
+          <p:cNvPr id="36" name="矩形 35"/>
+          <p:cNvSpPr/>
+          <p:nvPr/>
+        </p:nvSpPr>
+        <p:spPr>
+          <a:xfrm>
+            <a:off x="-106680" y="0"/>
+            <a:ext cx="2938780" cy="6859270"/>
+          </a:xfrm>
+          <a:prstGeom prst="rect">
+            <a:avLst/>
+          </a:prstGeom>
+          <a:solidFill>
+            <a:srgbClr val="38B1BF"/>
+          </a:solidFill>
+          <a:ln>
+            <a:noFill/>
+          </a:ln>
+          <a:effectLst>
+            <a:outerShdw blurRad="50800" dist="38100" dir="2700000" algn="tl" rotWithShape="0">
+              <a:prstClr val="black">
+                <a:alpha val="40000"/>
+              </a:prstClr>
+            </a:outerShdw>
+          </a:effectLst>
+          <a:scene3d>
+            <a:camera prst="orthographicFront"/>
+            <a:lightRig rig="threePt" dir="t"/>
+          </a:scene3d>
+          <a:sp3d/>
+        </p:spPr>
+        <p:style>
+          <a:lnRef idx="1">
+            <a:schemeClr val="accent1"/>
+          </a:lnRef>
+          <a:fillRef idx="0">
+            <a:schemeClr val="accent1"/>
+          </a:fillRef>
+          <a:effectRef idx="0">
+            <a:schemeClr val="accent1"/>
+          </a:effectRef>
+          <a:fontRef idx="minor">
+            <a:schemeClr val="tx1"/>
+          </a:fontRef>
+        </p:style>
+        <p:txBody>
+          <a:bodyPr rot="0" spcFirstLastPara="0" vertOverflow="overflow" horzOverflow="overflow" vert="horz" wrap="square" lIns="91440" tIns="45720" rIns="91440" bIns="45720" numCol="1" spcCol="0" rtlCol="0" fromWordArt="0" anchor="ctr" anchorCtr="0" forceAA="0" compatLnSpc="1">
+            <a:noAutofit/>
+          </a:bodyPr>
+          <a:lstStyle/>
+          <a:p>
+            <a:pPr algn="ctr"/>
+            <a:endParaRPr lang="zh-CN" altLang="en-US"/>
+          </a:p>
+        </p:txBody>
+      </p:sp>
+      <p:sp>
+        <p:nvSpPr>
+          <p:cNvPr id="37" name="TextBox 36"/>
+          <p:cNvSpPr txBox="1"/>
+          <p:nvPr/>
+        </p:nvSpPr>
+        <p:spPr>
+          <a:xfrm>
+            <a:off x="311150" y="2922270"/>
+            <a:ext cx="2220595" cy="1106805"/>
+          </a:xfrm>
+          <a:prstGeom prst="rect">
+            <a:avLst/>
+          </a:prstGeom>
+          <a:noFill/>
+        </p:spPr>
+        <p:txBody>
+          <a:bodyPr wrap="square" lIns="121948" tIns="60973" rIns="121948" bIns="60973">
+            <a:spAutoFit/>
+          </a:bodyPr>
+          <a:lstStyle/>
+          <a:p>
+            <a:pPr algn="r">
+              <a:defRPr/>
+            </a:pPr>
+            <a:r>
+              <a:rPr lang="zh-CN" altLang="en-US" sz="3200" b="1" dirty="0">
+                <a:solidFill>
+                  <a:schemeClr val="bg1"/>
+                </a:solidFill>
+                <a:latin typeface="微软雅黑" panose="020B0503020204020204" pitchFamily="34" charset="-122"/>
+                <a:ea typeface="微软雅黑" panose="020B0503020204020204" pitchFamily="34" charset="-122"/>
+              </a:rPr>
+              <a:t>绩效考评与分工</a:t>
+            </a:r>
+          </a:p>
+        </p:txBody>
+      </p:sp>
+      <p:graphicFrame>
+        <p:nvGraphicFramePr>
+          <p:cNvPr id="3" name="表格 2"/>
+          <p:cNvGraphicFramePr/>
+          <p:nvPr>
+            <p:extLst>
+              <p:ext uri="{D42A27DB-BD31-4B8C-83A1-F6EECF244321}">
+                <p14:modId xmlns:p14="http://schemas.microsoft.com/office/powerpoint/2010/main" val="1157283012"/>
+              </p:ext>
+            </p:extLst>
+          </p:nvPr>
+        </p:nvGraphicFramePr>
+        <p:xfrm>
+          <a:off x="3214886" y="1341562"/>
+          <a:ext cx="7771130" cy="3746500"/>
+        </p:xfrm>
+        <a:graphic>
+          <a:graphicData uri="http://schemas.openxmlformats.org/drawingml/2006/table">
+            <a:tbl>
+              <a:tblPr firstRow="1" bandRow="1">
+                <a:tableStyleId>{5C22544A-7EE6-4342-B048-85BDC9FD1C3A}</a:tableStyleId>
+              </a:tblPr>
+              <a:tblGrid>
+                <a:gridCol w="1895475">
+                  <a:extLst>
+                    <a:ext uri="{9D8B030D-6E8A-4147-A177-3AD203B41FA5}">
+                      <a16:colId xmlns:a16="http://schemas.microsoft.com/office/drawing/2014/main" val="20000"/>
+                    </a:ext>
+                  </a:extLst>
+                </a:gridCol>
+                <a:gridCol w="2937510">
+                  <a:extLst>
+                    <a:ext uri="{9D8B030D-6E8A-4147-A177-3AD203B41FA5}">
+                      <a16:colId xmlns:a16="http://schemas.microsoft.com/office/drawing/2014/main" val="20001"/>
+                    </a:ext>
+                  </a:extLst>
+                </a:gridCol>
+                <a:gridCol w="2938145">
+                  <a:extLst>
+                    <a:ext uri="{9D8B030D-6E8A-4147-A177-3AD203B41FA5}">
+                      <a16:colId xmlns:a16="http://schemas.microsoft.com/office/drawing/2014/main" val="20002"/>
+                    </a:ext>
+                  </a:extLst>
+                </a:gridCol>
+              </a:tblGrid>
+              <a:tr h="713740">
+                <a:tc>
+                  <a:txBody>
+                    <a:bodyPr/>
+                    <a:lstStyle/>
+                    <a:p>
+                      <a:pPr algn="l">
+                        <a:buNone/>
+                      </a:pPr>
+                      <a:r>
+                        <a:rPr lang="zh-CN" altLang="en-US" b="0" dirty="0">
+                          <a:solidFill>
+                            <a:schemeClr val="tx1"/>
+                          </a:solidFill>
+                        </a:rPr>
+                        <a:t>黄为波</a:t>
+                      </a:r>
+                    </a:p>
+                  </a:txBody>
+                  <a:tcPr>
+                    <a:solidFill>
+                      <a:schemeClr val="accent1">
+                        <a:lumMod val="40000"/>
+                        <a:lumOff val="60000"/>
+                      </a:schemeClr>
+                    </a:solidFill>
+                  </a:tcPr>
+                </a:tc>
+                <a:tc>
+                  <a:txBody>
+                    <a:bodyPr/>
+                    <a:lstStyle/>
+                    <a:p>
+                      <a:pPr algn="l"/>
+                      <a:r>
+                        <a:rPr lang="zh-CN" altLang="en-US" sz="2400" b="0" dirty="0">
+                          <a:solidFill>
+                            <a:schemeClr val="tx1"/>
+                          </a:solidFill>
+                        </a:rPr>
+                        <a:t>负责类图，用例图</a:t>
+                      </a:r>
+                    </a:p>
+                  </a:txBody>
+                  <a:tcPr>
+                    <a:solidFill>
+                      <a:schemeClr val="accent1">
+                        <a:lumMod val="40000"/>
+                        <a:lumOff val="60000"/>
+                      </a:schemeClr>
+                    </a:solidFill>
+                  </a:tcPr>
+                </a:tc>
+                <a:tc>
+                  <a:txBody>
+                    <a:bodyPr/>
+                    <a:lstStyle/>
+                    <a:p>
+                      <a:pPr algn="l">
+                        <a:buNone/>
+                      </a:pPr>
+                      <a:r>
+                        <a:rPr lang="en-US" altLang="zh-CN" sz="2400" b="0" dirty="0">
+                          <a:solidFill>
+                            <a:schemeClr val="tx1"/>
+                          </a:solidFill>
+                        </a:rPr>
+                        <a:t>9.7</a:t>
+                      </a:r>
+                    </a:p>
+                  </a:txBody>
+                  <a:tcPr>
+                    <a:solidFill>
+                      <a:schemeClr val="accent1">
+                        <a:lumMod val="40000"/>
+                        <a:lumOff val="60000"/>
+                      </a:schemeClr>
+                    </a:solidFill>
+                  </a:tcPr>
+                </a:tc>
+                <a:extLst>
+                  <a:ext uri="{0D108BD9-81ED-4DB2-BD59-A6C34878D82A}">
+                    <a16:rowId xmlns:a16="http://schemas.microsoft.com/office/drawing/2014/main" val="10000"/>
+                  </a:ext>
+                </a:extLst>
+              </a:tr>
+              <a:tr h="716915">
+                <a:tc>
+                  <a:txBody>
+                    <a:bodyPr/>
+                    <a:lstStyle/>
+                    <a:p>
+                      <a:pPr algn="l">
+                        <a:buNone/>
+                      </a:pPr>
+                      <a:r>
+                        <a:rPr lang="zh-CN" altLang="en-US" dirty="0">
+                          <a:solidFill>
+                            <a:schemeClr val="tx1"/>
+                          </a:solidFill>
+                        </a:rPr>
+                        <a:t>苏雨豪</a:t>
+                      </a:r>
+                    </a:p>
+                  </a:txBody>
+                  <a:tcPr/>
+                </a:tc>
+                <a:tc>
+                  <a:txBody>
+                    <a:bodyPr/>
+                    <a:lstStyle/>
+                    <a:p>
+                      <a:pPr algn="l">
+                        <a:buNone/>
+                      </a:pPr>
+                      <a:r>
+                        <a:rPr lang="en-US" altLang="zh-CN" dirty="0">
+                          <a:solidFill>
+                            <a:schemeClr val="tx1"/>
+                          </a:solidFill>
+                        </a:rPr>
+                        <a:t>负责 </a:t>
+                      </a:r>
+                      <a:r>
+                        <a:rPr lang="zh-CN" altLang="en-US" dirty="0">
+                          <a:solidFill>
+                            <a:schemeClr val="tx1"/>
+                          </a:solidFill>
+                        </a:rPr>
+                        <a:t>状态机图</a:t>
+                      </a:r>
+                    </a:p>
+                  </a:txBody>
+                  <a:tcPr/>
+                </a:tc>
+                <a:tc>
+                  <a:txBody>
+                    <a:bodyPr/>
+                    <a:lstStyle/>
+                    <a:p>
+                      <a:pPr algn="l">
+                        <a:buNone/>
+                      </a:pPr>
+                      <a:r>
+                        <a:rPr lang="en-US" altLang="zh-CN" sz="2400" dirty="0">
+                          <a:solidFill>
+                            <a:schemeClr val="tx1"/>
+                          </a:solidFill>
+                        </a:rPr>
+                        <a:t>9.3</a:t>
+                      </a:r>
+                    </a:p>
+                  </a:txBody>
+                  <a:tcPr/>
+                </a:tc>
+                <a:extLst>
+                  <a:ext uri="{0D108BD9-81ED-4DB2-BD59-A6C34878D82A}">
+                    <a16:rowId xmlns:a16="http://schemas.microsoft.com/office/drawing/2014/main" val="10001"/>
+                  </a:ext>
+                </a:extLst>
+              </a:tr>
+              <a:tr h="805815">
+                <a:tc>
+                  <a:txBody>
+                    <a:bodyPr/>
+                    <a:lstStyle/>
+                    <a:p>
+                      <a:pPr algn="l">
+                        <a:buNone/>
+                      </a:pPr>
+                      <a:r>
+                        <a:rPr lang="zh-CN" dirty="0">
+                          <a:solidFill>
+                            <a:schemeClr val="tx1"/>
+                          </a:solidFill>
+                        </a:rPr>
+                        <a:t>陈子卿</a:t>
+                      </a:r>
+                    </a:p>
+                  </a:txBody>
+                  <a:tcPr>
+                    <a:solidFill>
+                      <a:schemeClr val="accent1">
+                        <a:lumMod val="40000"/>
+                        <a:lumOff val="60000"/>
+                      </a:schemeClr>
+                    </a:solidFill>
+                  </a:tcPr>
+                </a:tc>
+                <a:tc>
+                  <a:txBody>
+                    <a:bodyPr/>
+                    <a:lstStyle/>
+                    <a:p>
+                      <a:pPr algn="l">
+                        <a:buNone/>
+                      </a:pPr>
+                      <a:r>
+                        <a:rPr lang="zh-CN" altLang="en-US" dirty="0">
+                          <a:solidFill>
+                            <a:schemeClr val="tx1"/>
+                          </a:solidFill>
+                        </a:rPr>
+                        <a:t>负责协作图（通信图）</a:t>
+                      </a:r>
+                    </a:p>
+                  </a:txBody>
+                  <a:tcPr>
+                    <a:solidFill>
+                      <a:schemeClr val="accent1">
+                        <a:lumMod val="40000"/>
+                        <a:lumOff val="60000"/>
+                      </a:schemeClr>
+                    </a:solidFill>
+                  </a:tcPr>
+                </a:tc>
+                <a:tc>
+                  <a:txBody>
+                    <a:bodyPr/>
+                    <a:lstStyle/>
+                    <a:p>
+                      <a:pPr algn="l">
+                        <a:buNone/>
+                      </a:pPr>
+                      <a:r>
+                        <a:rPr lang="en-US" altLang="zh-CN" sz="2400" dirty="0">
+                          <a:solidFill>
+                            <a:schemeClr val="tx1"/>
+                          </a:solidFill>
+                        </a:rPr>
+                        <a:t>9.4</a:t>
+                      </a:r>
+                    </a:p>
+                  </a:txBody>
+                  <a:tcPr>
+                    <a:solidFill>
+                      <a:schemeClr val="accent1">
+                        <a:lumMod val="40000"/>
+                        <a:lumOff val="60000"/>
+                      </a:schemeClr>
+                    </a:solidFill>
+                  </a:tcPr>
+                </a:tc>
+                <a:extLst>
+                  <a:ext uri="{0D108BD9-81ED-4DB2-BD59-A6C34878D82A}">
+                    <a16:rowId xmlns:a16="http://schemas.microsoft.com/office/drawing/2014/main" val="10002"/>
+                  </a:ext>
+                </a:extLst>
+              </a:tr>
+              <a:tr h="733425">
+                <a:tc>
+                  <a:txBody>
+                    <a:bodyPr/>
+                    <a:lstStyle/>
+                    <a:p>
+                      <a:pPr algn="l">
+                        <a:buNone/>
+                      </a:pPr>
+                      <a:r>
+                        <a:rPr lang="zh-CN" altLang="en-US" dirty="0">
+                          <a:solidFill>
+                            <a:schemeClr val="tx1"/>
+                          </a:solidFill>
+                        </a:rPr>
+                        <a:t>蔡峰</a:t>
+                      </a:r>
+                    </a:p>
+                  </a:txBody>
+                  <a:tcPr>
+                    <a:solidFill>
+                      <a:schemeClr val="accent1">
+                        <a:lumMod val="40000"/>
+                        <a:lumOff val="60000"/>
+                      </a:schemeClr>
+                    </a:solidFill>
+                  </a:tcPr>
+                </a:tc>
+                <a:tc>
+                  <a:txBody>
+                    <a:bodyPr/>
+                    <a:lstStyle/>
+                    <a:p>
+                      <a:pPr algn="l">
+                        <a:buNone/>
+                      </a:pPr>
+                      <a:r>
+                        <a:rPr lang="zh-CN" altLang="en-US" dirty="0">
+                          <a:solidFill>
+                            <a:schemeClr val="tx1"/>
+                          </a:solidFill>
+                        </a:rPr>
+                        <a:t>负责顺序图</a:t>
+                      </a:r>
+                    </a:p>
+                  </a:txBody>
+                  <a:tcPr>
+                    <a:solidFill>
+                      <a:schemeClr val="accent1">
+                        <a:lumMod val="40000"/>
+                        <a:lumOff val="60000"/>
+                      </a:schemeClr>
+                    </a:solidFill>
+                  </a:tcPr>
+                </a:tc>
+                <a:tc>
+                  <a:txBody>
+                    <a:bodyPr/>
+                    <a:lstStyle/>
+                    <a:p>
+                      <a:pPr algn="l">
+                        <a:buNone/>
+                      </a:pPr>
+                      <a:r>
+                        <a:rPr lang="en-US" altLang="zh-CN" sz="2400" dirty="0">
+                          <a:solidFill>
+                            <a:schemeClr val="tx1"/>
+                          </a:solidFill>
+                          <a:sym typeface="+mn-ea"/>
+                        </a:rPr>
+                        <a:t>9.6</a:t>
+                      </a:r>
+                      <a:endParaRPr lang="en-US" altLang="zh-CN" sz="2400" b="0" dirty="0">
+                        <a:solidFill>
+                          <a:schemeClr val="tx1"/>
+                        </a:solidFill>
+                        <a:sym typeface="+mn-ea"/>
+                      </a:endParaRPr>
+                    </a:p>
+                    <a:p>
+                      <a:pPr algn="l">
+                        <a:buNone/>
+                      </a:pPr>
+                      <a:endParaRPr lang="zh-CN" altLang="en-US" dirty="0">
+                        <a:solidFill>
+                          <a:schemeClr val="tx1"/>
+                        </a:solidFill>
+                      </a:endParaRPr>
+                    </a:p>
+                  </a:txBody>
+                  <a:tcPr>
+                    <a:solidFill>
+                      <a:schemeClr val="accent1">
+                        <a:lumMod val="40000"/>
+                        <a:lumOff val="60000"/>
+                      </a:schemeClr>
+                    </a:solidFill>
+                  </a:tcPr>
+                </a:tc>
+                <a:extLst>
+                  <a:ext uri="{0D108BD9-81ED-4DB2-BD59-A6C34878D82A}">
+                    <a16:rowId xmlns:a16="http://schemas.microsoft.com/office/drawing/2014/main" val="10003"/>
+                  </a:ext>
+                </a:extLst>
+              </a:tr>
+              <a:tr h="732790">
+                <a:tc>
+                  <a:txBody>
+                    <a:bodyPr/>
+                    <a:lstStyle/>
+                    <a:p>
+                      <a:pPr algn="l">
+                        <a:buNone/>
+                      </a:pPr>
+                      <a:r>
+                        <a:rPr lang="zh-CN" altLang="en-US" dirty="0">
+                          <a:solidFill>
+                            <a:schemeClr val="tx1"/>
+                          </a:solidFill>
+                        </a:rPr>
+                        <a:t>江亮儒</a:t>
+                      </a:r>
+                    </a:p>
+                  </a:txBody>
+                  <a:tcPr>
+                    <a:solidFill>
+                      <a:schemeClr val="accent1">
+                        <a:lumMod val="40000"/>
+                        <a:lumOff val="60000"/>
+                      </a:schemeClr>
+                    </a:solidFill>
+                  </a:tcPr>
+                </a:tc>
+                <a:tc>
+                  <a:txBody>
+                    <a:bodyPr/>
+                    <a:lstStyle/>
+                    <a:p>
+                      <a:pPr algn="l">
+                        <a:buNone/>
+                      </a:pPr>
+                      <a:r>
+                        <a:rPr lang="zh-CN" altLang="en-US" dirty="0">
+                          <a:solidFill>
+                            <a:schemeClr val="tx1"/>
+                          </a:solidFill>
+                        </a:rPr>
+                        <a:t>负责部署图</a:t>
+                      </a:r>
+                    </a:p>
+                  </a:txBody>
+                  <a:tcPr>
+                    <a:solidFill>
+                      <a:schemeClr val="accent1">
+                        <a:lumMod val="40000"/>
+                        <a:lumOff val="60000"/>
+                      </a:schemeClr>
+                    </a:solidFill>
+                  </a:tcPr>
+                </a:tc>
+                <a:tc>
+                  <a:txBody>
+                    <a:bodyPr/>
+                    <a:lstStyle/>
+                    <a:p>
+                      <a:pPr algn="l">
+                        <a:buNone/>
+                      </a:pPr>
+                      <a:r>
+                        <a:rPr lang="en-US" altLang="zh-CN" sz="2400" dirty="0">
+                          <a:solidFill>
+                            <a:schemeClr val="tx1"/>
+                          </a:solidFill>
+                        </a:rPr>
+                        <a:t>9.5</a:t>
+                      </a:r>
+                    </a:p>
+                  </a:txBody>
+                  <a:tcPr>
+                    <a:solidFill>
+                      <a:schemeClr val="accent1">
+                        <a:lumMod val="40000"/>
+                        <a:lumOff val="60000"/>
+                      </a:schemeClr>
+                    </a:solidFill>
+                  </a:tcPr>
+                </a:tc>
+                <a:extLst>
+                  <a:ext uri="{0D108BD9-81ED-4DB2-BD59-A6C34878D82A}">
+                    <a16:rowId xmlns:a16="http://schemas.microsoft.com/office/drawing/2014/main" val="10004"/>
+                  </a:ext>
+                </a:extLst>
+              </a:tr>
+            </a:tbl>
+          </a:graphicData>
+        </a:graphic>
+      </p:graphicFrame>
+    </p:spTree>
+  </p:cSld>
+  <p:clrMapOvr>
+    <a:masterClrMapping/>
+  </p:clrMapOvr>
+  <mc:AlternateContent xmlns:mc="http://schemas.openxmlformats.org/markup-compatibility/2006" xmlns:p14="http://schemas.microsoft.com/office/powerpoint/2010/main">
+    <mc:Choice Requires="p14">
+      <p:transition spd="slow" p14:dur="1200" advClick="0" advTm="0">
+        <p14:prism/>
+      </p:transition>
+    </mc:Choice>
+    <mc:Fallback xmlns="">
+      <p:transition spd="slow" advClick="0" advTm="0">
+        <p:fade/>
+      </p:transition>
+    </mc:Fallback>
+  </mc:AlternateContent>
   <p:timing>
     <p:tnLst>
       <p:par>
-        <p:cTn id="1" dur="indefinite" restart="never" nodeType="tmRoot"/>
+        <p:cTn id="1" dur="indefinite" restart="never" nodeType="tmRoot">
+          <p:childTnLst>
+            <p:seq concurrent="1" nextAc="seek">
+              <p:cTn id="2" dur="indefinite" nodeType="mainSeq">
+                <p:childTnLst>
+                  <p:par>
+                    <p:cTn id="3" fill="hold">
+                      <p:stCondLst>
+                        <p:cond delay="indefinite"/>
+                        <p:cond evt="onBegin" delay="0">
+                          <p:tn val="2"/>
+                        </p:cond>
+                      </p:stCondLst>
+                      <p:childTnLst>
+                        <p:par>
+                          <p:cTn id="4" fill="hold">
+                            <p:stCondLst>
+                              <p:cond delay="0"/>
+                            </p:stCondLst>
+                            <p:childTnLst>
+                              <p:par>
+                                <p:cTn id="5" presetID="2" presetClass="entr" presetSubtype="8" fill="hold" grpId="0" nodeType="afterEffect">
+                                  <p:stCondLst>
+                                    <p:cond delay="0"/>
+                                  </p:stCondLst>
+                                  <p:childTnLst>
+                                    <p:set>
+                                      <p:cBhvr>
+                                        <p:cTn id="6" dur="1" fill="hold">
+                                          <p:stCondLst>
+                                            <p:cond delay="0"/>
+                                          </p:stCondLst>
+                                        </p:cTn>
+                                        <p:tgtEl>
+                                          <p:spTgt spid="36"/>
+                                        </p:tgtEl>
+                                        <p:attrNameLst>
+                                          <p:attrName>style.visibility</p:attrName>
+                                        </p:attrNameLst>
+                                      </p:cBhvr>
+                                      <p:to>
+                                        <p:strVal val="visible"/>
+                                      </p:to>
+                                    </p:set>
+                                    <p:anim calcmode="lin" valueType="num">
+                                      <p:cBhvr additive="base">
+                                        <p:cTn id="7" dur="500" fill="hold"/>
+                                        <p:tgtEl>
+                                          <p:spTgt spid="36"/>
+                                        </p:tgtEl>
+                                        <p:attrNameLst>
+                                          <p:attrName>ppt_x</p:attrName>
+                                        </p:attrNameLst>
+                                      </p:cBhvr>
+                                      <p:tavLst>
+                                        <p:tav tm="0">
+                                          <p:val>
+                                            <p:strVal val="0-#ppt_w/2"/>
+                                          </p:val>
+                                        </p:tav>
+                                        <p:tav tm="100000">
+                                          <p:val>
+                                            <p:strVal val="#ppt_x"/>
+                                          </p:val>
+                                        </p:tav>
+                                      </p:tavLst>
+                                    </p:anim>
+                                    <p:anim calcmode="lin" valueType="num">
+                                      <p:cBhvr additive="base">
+                                        <p:cTn id="8" dur="500" fill="hold"/>
+                                        <p:tgtEl>
+                                          <p:spTgt spid="36"/>
+                                        </p:tgtEl>
+                                        <p:attrNameLst>
+                                          <p:attrName>ppt_y</p:attrName>
+                                        </p:attrNameLst>
+                                      </p:cBhvr>
+                                      <p:tavLst>
+                                        <p:tav tm="0">
+                                          <p:val>
+                                            <p:strVal val="#ppt_y"/>
+                                          </p:val>
+                                        </p:tav>
+                                        <p:tav tm="100000">
+                                          <p:val>
+                                            <p:strVal val="#ppt_y"/>
+                                          </p:val>
+                                        </p:tav>
+                                      </p:tavLst>
+                                    </p:anim>
+                                  </p:childTnLst>
+                                </p:cTn>
+                              </p:par>
+                            </p:childTnLst>
+                          </p:cTn>
+                        </p:par>
+                        <p:par>
+                          <p:cTn id="9" fill="hold">
+                            <p:stCondLst>
+                              <p:cond delay="500"/>
+                            </p:stCondLst>
+                            <p:childTnLst>
+                              <p:par>
+                                <p:cTn id="10" presetID="17" presetClass="entr" presetSubtype="1" fill="hold" grpId="0" nodeType="afterEffect">
+                                  <p:stCondLst>
+                                    <p:cond delay="0"/>
+                                  </p:stCondLst>
+                                  <p:iterate type="lt">
+                                    <p:tmPct val="40000"/>
+                                  </p:iterate>
+                                  <p:childTnLst>
+                                    <p:set>
+                                      <p:cBhvr>
+                                        <p:cTn id="11" dur="1" fill="hold">
+                                          <p:stCondLst>
+                                            <p:cond delay="0"/>
+                                          </p:stCondLst>
+                                        </p:cTn>
+                                        <p:tgtEl>
+                                          <p:spTgt spid="37"/>
+                                        </p:tgtEl>
+                                        <p:attrNameLst>
+                                          <p:attrName>style.visibility</p:attrName>
+                                        </p:attrNameLst>
+                                      </p:cBhvr>
+                                      <p:to>
+                                        <p:strVal val="visible"/>
+                                      </p:to>
+                                    </p:set>
+                                    <p:anim calcmode="lin" valueType="num">
+                                      <p:cBhvr>
+                                        <p:cTn id="12" dur="250" fill="hold"/>
+                                        <p:tgtEl>
+                                          <p:spTgt spid="37"/>
+                                        </p:tgtEl>
+                                        <p:attrNameLst>
+                                          <p:attrName>ppt_x</p:attrName>
+                                        </p:attrNameLst>
+                                      </p:cBhvr>
+                                      <p:tavLst>
+                                        <p:tav tm="0">
+                                          <p:val>
+                                            <p:strVal val="#ppt_x"/>
+                                          </p:val>
+                                        </p:tav>
+                                        <p:tav tm="100000">
+                                          <p:val>
+                                            <p:strVal val="#ppt_x"/>
+                                          </p:val>
+                                        </p:tav>
+                                      </p:tavLst>
+                                    </p:anim>
+                                    <p:anim calcmode="lin" valueType="num">
+                                      <p:cBhvr>
+                                        <p:cTn id="13" dur="250" fill="hold"/>
+                                        <p:tgtEl>
+                                          <p:spTgt spid="37"/>
+                                        </p:tgtEl>
+                                        <p:attrNameLst>
+                                          <p:attrName>ppt_y</p:attrName>
+                                        </p:attrNameLst>
+                                      </p:cBhvr>
+                                      <p:tavLst>
+                                        <p:tav tm="0">
+                                          <p:val>
+                                            <p:strVal val="#ppt_y-#ppt_h/2"/>
+                                          </p:val>
+                                        </p:tav>
+                                        <p:tav tm="100000">
+                                          <p:val>
+                                            <p:strVal val="#ppt_y"/>
+                                          </p:val>
+                                        </p:tav>
+                                      </p:tavLst>
+                                    </p:anim>
+                                    <p:anim calcmode="lin" valueType="num">
+                                      <p:cBhvr>
+                                        <p:cTn id="14" dur="250" fill="hold"/>
+                                        <p:tgtEl>
+                                          <p:spTgt spid="37"/>
+                                        </p:tgtEl>
+                                        <p:attrNameLst>
+                                          <p:attrName>ppt_w</p:attrName>
+                                        </p:attrNameLst>
+                                      </p:cBhvr>
+                                      <p:tavLst>
+                                        <p:tav tm="0">
+                                          <p:val>
+                                            <p:strVal val="#ppt_w"/>
+                                          </p:val>
+                                        </p:tav>
+                                        <p:tav tm="100000">
+                                          <p:val>
+                                            <p:strVal val="#ppt_w"/>
+                                          </p:val>
+                                        </p:tav>
+                                      </p:tavLst>
+                                    </p:anim>
+                                    <p:anim calcmode="lin" valueType="num">
+                                      <p:cBhvr>
+                                        <p:cTn id="15" dur="250" fill="hold"/>
+                                        <p:tgtEl>
+                                          <p:spTgt spid="37"/>
+                                        </p:tgtEl>
+                                        <p:attrNameLst>
+                                          <p:attrName>ppt_h</p:attrName>
+                                        </p:attrNameLst>
+                                      </p:cBhvr>
+                                      <p:tavLst>
+                                        <p:tav tm="0">
+                                          <p:val>
+                                            <p:fltVal val="0"/>
+                                          </p:val>
+                                        </p:tav>
+                                        <p:tav tm="100000">
+                                          <p:val>
+                                            <p:strVal val="#ppt_h"/>
+                                          </p:val>
+                                        </p:tav>
+                                      </p:tavLst>
+                                    </p:anim>
+                                  </p:childTnLst>
+                                </p:cTn>
+                              </p:par>
+                            </p:childTnLst>
+                          </p:cTn>
+                        </p:par>
+                      </p:childTnLst>
+                    </p:cTn>
+                  </p:par>
+                </p:childTnLst>
+              </p:cTn>
+              <p:prevCondLst>
+                <p:cond evt="onPrev" delay="0">
+                  <p:tgtEl>
+                    <p:sldTgt/>
+                  </p:tgtEl>
+                </p:cond>
+              </p:prevCondLst>
+              <p:nextCondLst>
+                <p:cond evt="onNext" delay="0">
+                  <p:tgtEl>
+                    <p:sldTgt/>
+                  </p:tgtEl>
+                </p:cond>
+              </p:nextCondLst>
+            </p:seq>
+          </p:childTnLst>
+        </p:cTn>
       </p:par>
     </p:tnLst>
+    <p:bldLst>
+      <p:bldP spid="36" grpId="0" bldLvl="0" animBg="1"/>
+      <p:bldP spid="37" grpId="0"/>
+    </p:bldLst>
   </p:timing>
 </p:sld>
 </file>
 
-<file path=ppt/slides/slide40.xml><?xml version="1.0" encoding="utf-8"?>
+<file path=ppt/slides/slide41.xml><?xml version="1.0" encoding="utf-8"?>
 <p:sld xmlns:a="http://schemas.openxmlformats.org/drawingml/2006/main" xmlns:r="http://schemas.openxmlformats.org/officeDocument/2006/relationships" xmlns:p="http://schemas.openxmlformats.org/presentationml/2006/main">
   <p:cSld>
     <p:spTree>
@@ -24997,7 +24881,7 @@
           <a:p>
             <a:pPr algn="ctr"/>
             <a:r>
-              <a:rPr lang="en-US" altLang="zh-CN" sz="1900" dirty="0" smtClean="0">
+              <a:rPr lang="en-US" altLang="zh-CN" sz="1900" dirty="0">
                 <a:solidFill>
                   <a:schemeClr val="tx1">
                     <a:lumMod val="85000"/>
@@ -25010,7 +24894,7 @@
               <a:t>PRD</a:t>
             </a:r>
             <a:r>
-              <a:rPr lang="en-US" sz="1900" dirty="0" smtClean="0">
+              <a:rPr lang="en-US" sz="1900" dirty="0">
                 <a:solidFill>
                   <a:schemeClr val="tx1">
                     <a:lumMod val="85000"/>
@@ -25023,7 +24907,7 @@
               <a:t>2018</a:t>
             </a:r>
             <a:r>
-              <a:rPr lang="en-US" altLang="zh-CN" sz="1900" dirty="0" smtClean="0">
+              <a:rPr lang="en-US" altLang="zh-CN" sz="1900" dirty="0">
                 <a:solidFill>
                   <a:schemeClr val="tx1">
                     <a:lumMod val="85000"/>
@@ -25036,7 +24920,7 @@
               <a:t>-</a:t>
             </a:r>
             <a:r>
-              <a:rPr lang="en-US" sz="1900" dirty="0" smtClean="0">
+              <a:rPr lang="en-US" sz="1900" dirty="0">
                 <a:solidFill>
                   <a:schemeClr val="tx1">
                     <a:lumMod val="85000"/>
@@ -25049,7 +24933,7 @@
               <a:t>G11</a:t>
             </a:r>
             <a:r>
-              <a:rPr lang="zh-CN" altLang="en-US" sz="1900" dirty="0" smtClean="0">
+              <a:rPr lang="zh-CN" altLang="en-US" sz="1900" dirty="0">
                 <a:solidFill>
                   <a:schemeClr val="tx1">
                     <a:lumMod val="85000"/>
@@ -25061,16 +24945,6 @@
               </a:rPr>
               <a:t>小组</a:t>
             </a:r>
-            <a:endParaRPr lang="zh-CN" altLang="en-US" sz="1900" dirty="0">
-              <a:solidFill>
-                <a:schemeClr val="tx1">
-                  <a:lumMod val="85000"/>
-                  <a:lumOff val="15000"/>
-                </a:schemeClr>
-              </a:solidFill>
-              <a:latin typeface="微软雅黑" panose="020B0503020204020204" pitchFamily="34" charset="-122"/>
-              <a:ea typeface="微软雅黑" panose="020B0503020204020204" pitchFamily="34" charset="-122"/>
-            </a:endParaRPr>
           </a:p>
         </p:txBody>
       </p:sp>
@@ -25148,7 +25022,7 @@
           <a:p>
             <a:pPr algn="ctr"/>
             <a:r>
-              <a:rPr lang="en-US" altLang="zh-CN" sz="1900" dirty="0" smtClean="0">
+              <a:rPr lang="en-US" altLang="zh-CN" sz="1900" dirty="0">
                 <a:solidFill>
                   <a:schemeClr val="tx1">
                     <a:lumMod val="85000"/>
@@ -25161,7 +25035,7 @@
               <a:t>2018</a:t>
             </a:r>
             <a:r>
-              <a:rPr lang="zh-CN" altLang="en-US" sz="1900" dirty="0" smtClean="0">
+              <a:rPr lang="zh-CN" altLang="en-US" sz="1900" dirty="0">
                 <a:solidFill>
                   <a:schemeClr val="tx1">
                     <a:lumMod val="85000"/>
@@ -25174,7 +25048,7 @@
               <a:t>年</a:t>
             </a:r>
             <a:r>
-              <a:rPr lang="en-US" altLang="zh-CN" sz="1900" dirty="0" smtClean="0">
+              <a:rPr lang="en-US" altLang="zh-CN" sz="1900" dirty="0">
                 <a:solidFill>
                   <a:schemeClr val="tx1">
                     <a:lumMod val="85000"/>
@@ -25187,7 +25061,7 @@
               <a:t>10</a:t>
             </a:r>
             <a:r>
-              <a:rPr lang="zh-CN" altLang="en-US" sz="1900" dirty="0" smtClean="0">
+              <a:rPr lang="zh-CN" altLang="en-US" sz="1900" dirty="0">
                 <a:solidFill>
                   <a:schemeClr val="tx1">
                     <a:lumMod val="85000"/>
@@ -25200,7 +25074,7 @@
               <a:t>月</a:t>
             </a:r>
             <a:r>
-              <a:rPr lang="en-US" altLang="zh-CN" sz="1900" dirty="0" smtClean="0">
+              <a:rPr lang="en-US" altLang="zh-CN" sz="1900" dirty="0">
                 <a:solidFill>
                   <a:schemeClr val="tx1">
                     <a:lumMod val="85000"/>
@@ -25213,7 +25087,7 @@
               <a:t>31</a:t>
             </a:r>
             <a:r>
-              <a:rPr lang="zh-CN" altLang="en-US" sz="1900" dirty="0" smtClean="0">
+              <a:rPr lang="zh-CN" altLang="en-US" sz="1900" dirty="0">
                 <a:solidFill>
                   <a:schemeClr val="tx1">
                     <a:lumMod val="85000"/>
@@ -25225,16 +25099,6 @@
               </a:rPr>
               <a:t>日</a:t>
             </a:r>
-            <a:endParaRPr lang="zh-CN" altLang="en-US" sz="1900" dirty="0">
-              <a:solidFill>
-                <a:schemeClr val="tx1">
-                  <a:lumMod val="85000"/>
-                  <a:lumOff val="15000"/>
-                </a:schemeClr>
-              </a:solidFill>
-              <a:latin typeface="微软雅黑" panose="020B0503020204020204" pitchFamily="34" charset="-122"/>
-              <a:ea typeface="微软雅黑" panose="020B0503020204020204" pitchFamily="34" charset="-122"/>
-            </a:endParaRPr>
           </a:p>
         </p:txBody>
       </p:sp>
@@ -26286,7 +26150,7 @@
           <a:lstStyle/>
           <a:p>
             <a:r>
-              <a:rPr lang="zh-CN" altLang="en-US" sz="2665" dirty="0" smtClean="0">
+              <a:rPr lang="zh-CN" altLang="en-US" sz="2665" dirty="0">
                 <a:solidFill>
                   <a:srgbClr val="183A5D"/>
                 </a:solidFill>
@@ -26555,13 +26419,6 @@
   <p:transition spd="slow" advClick="0" advTm="0">
     <p:wipe/>
   </p:transition>
-  <p:timing>
-    <p:tnLst>
-      <p:par>
-        <p:cTn id="1" dur="indefinite" restart="never" nodeType="tmRoot"/>
-      </p:par>
-    </p:tnLst>
-  </p:timing>
 </p:sld>
 </file>
 
@@ -26732,7 +26589,7 @@
           <a:lstStyle/>
           <a:p>
             <a:r>
-              <a:rPr lang="zh-CN" altLang="en-US" sz="2665" dirty="0" smtClean="0">
+              <a:rPr lang="zh-CN" altLang="en-US" sz="2665" dirty="0">
                 <a:solidFill>
                   <a:srgbClr val="183A5D"/>
                 </a:solidFill>
@@ -27030,13 +26887,6 @@
   <p:transition spd="slow" advClick="0" advTm="0">
     <p:wipe/>
   </p:transition>
-  <p:timing>
-    <p:tnLst>
-      <p:par>
-        <p:cTn id="1" dur="indefinite" restart="never" nodeType="tmRoot"/>
-      </p:par>
-    </p:tnLst>
-  </p:timing>
 </p:sld>
 </file>
 
@@ -27146,10 +26996,9 @@
           <a:p>
             <a:pPr algn="ctr"/>
             <a:r>
-              <a:rPr lang="en-US" sz="2400" dirty="0" smtClean="0"/>
+              <a:rPr lang="en-US" sz="2400" dirty="0"/>
               <a:t>2</a:t>
             </a:r>
-            <a:endParaRPr lang="en-US" sz="2400" dirty="0"/>
           </a:p>
         </p:txBody>
       </p:sp>
@@ -27208,7 +27057,7 @@
           <a:lstStyle/>
           <a:p>
             <a:r>
-              <a:rPr lang="zh-CN" altLang="en-US" sz="2665" dirty="0" smtClean="0">
+              <a:rPr lang="zh-CN" altLang="en-US" sz="2665" dirty="0">
                 <a:solidFill>
                   <a:srgbClr val="183A5D"/>
                 </a:solidFill>
@@ -27432,14 +27281,14 @@
                 <a:gridCol w="1596390">
                   <a:extLst>
                     <a:ext uri="{9D8B030D-6E8A-4147-A177-3AD203B41FA5}">
-                      <a16:colId xmlns="" xmlns:a16="http://schemas.microsoft.com/office/drawing/2014/main" val="20000"/>
+                      <a16:colId xmlns:a16="http://schemas.microsoft.com/office/drawing/2014/main" val="20000"/>
                     </a:ext>
                   </a:extLst>
                 </a:gridCol>
                 <a:gridCol w="3658870">
                   <a:extLst>
                     <a:ext uri="{9D8B030D-6E8A-4147-A177-3AD203B41FA5}">
-                      <a16:colId xmlns="" xmlns:a16="http://schemas.microsoft.com/office/drawing/2014/main" val="20001"/>
+                      <a16:colId xmlns:a16="http://schemas.microsoft.com/office/drawing/2014/main" val="20001"/>
                     </a:ext>
                   </a:extLst>
                 </a:gridCol>
@@ -27501,7 +27350,7 @@
                 </a:tc>
                 <a:extLst>
                   <a:ext uri="{0D108BD9-81ED-4DB2-BD59-A6C34878D82A}">
-                    <a16:rowId xmlns="" xmlns:a16="http://schemas.microsoft.com/office/drawing/2014/main" val="10000"/>
+                    <a16:rowId xmlns:a16="http://schemas.microsoft.com/office/drawing/2014/main" val="10000"/>
                   </a:ext>
                 </a:extLst>
               </a:tr>
@@ -27540,7 +27389,7 @@
                 </a:tc>
                 <a:extLst>
                   <a:ext uri="{0D108BD9-81ED-4DB2-BD59-A6C34878D82A}">
-                    <a16:rowId xmlns="" xmlns:a16="http://schemas.microsoft.com/office/drawing/2014/main" val="10001"/>
+                    <a16:rowId xmlns:a16="http://schemas.microsoft.com/office/drawing/2014/main" val="10001"/>
                   </a:ext>
                 </a:extLst>
               </a:tr>
@@ -27579,7 +27428,7 @@
                 </a:tc>
                 <a:extLst>
                   <a:ext uri="{0D108BD9-81ED-4DB2-BD59-A6C34878D82A}">
-                    <a16:rowId xmlns="" xmlns:a16="http://schemas.microsoft.com/office/drawing/2014/main" val="10002"/>
+                    <a16:rowId xmlns:a16="http://schemas.microsoft.com/office/drawing/2014/main" val="10002"/>
                   </a:ext>
                 </a:extLst>
               </a:tr>
@@ -27618,7 +27467,7 @@
                 </a:tc>
                 <a:extLst>
                   <a:ext uri="{0D108BD9-81ED-4DB2-BD59-A6C34878D82A}">
-                    <a16:rowId xmlns="" xmlns:a16="http://schemas.microsoft.com/office/drawing/2014/main" val="10003"/>
+                    <a16:rowId xmlns:a16="http://schemas.microsoft.com/office/drawing/2014/main" val="10003"/>
                   </a:ext>
                 </a:extLst>
               </a:tr>
@@ -27657,7 +27506,7 @@
                 </a:tc>
                 <a:extLst>
                   <a:ext uri="{0D108BD9-81ED-4DB2-BD59-A6C34878D82A}">
-                    <a16:rowId xmlns="" xmlns:a16="http://schemas.microsoft.com/office/drawing/2014/main" val="10004"/>
+                    <a16:rowId xmlns:a16="http://schemas.microsoft.com/office/drawing/2014/main" val="10004"/>
                   </a:ext>
                 </a:extLst>
               </a:tr>
@@ -27696,7 +27545,7 @@
                 </a:tc>
                 <a:extLst>
                   <a:ext uri="{0D108BD9-81ED-4DB2-BD59-A6C34878D82A}">
-                    <a16:rowId xmlns="" xmlns:a16="http://schemas.microsoft.com/office/drawing/2014/main" val="10005"/>
+                    <a16:rowId xmlns:a16="http://schemas.microsoft.com/office/drawing/2014/main" val="10005"/>
                   </a:ext>
                 </a:extLst>
               </a:tr>
@@ -27735,7 +27584,7 @@
                 </a:tc>
                 <a:extLst>
                   <a:ext uri="{0D108BD9-81ED-4DB2-BD59-A6C34878D82A}">
-                    <a16:rowId xmlns="" xmlns:a16="http://schemas.microsoft.com/office/drawing/2014/main" val="10006"/>
+                    <a16:rowId xmlns:a16="http://schemas.microsoft.com/office/drawing/2014/main" val="10006"/>
                   </a:ext>
                 </a:extLst>
               </a:tr>
@@ -27774,7 +27623,7 @@
                 </a:tc>
                 <a:extLst>
                   <a:ext uri="{0D108BD9-81ED-4DB2-BD59-A6C34878D82A}">
-                    <a16:rowId xmlns="" xmlns:a16="http://schemas.microsoft.com/office/drawing/2014/main" val="10007"/>
+                    <a16:rowId xmlns:a16="http://schemas.microsoft.com/office/drawing/2014/main" val="10007"/>
                   </a:ext>
                 </a:extLst>
               </a:tr>
@@ -27810,7 +27659,7 @@
                 </a:tc>
                 <a:extLst>
                   <a:ext uri="{0D108BD9-81ED-4DB2-BD59-A6C34878D82A}">
-                    <a16:rowId xmlns="" xmlns:a16="http://schemas.microsoft.com/office/drawing/2014/main" val="10008"/>
+                    <a16:rowId xmlns:a16="http://schemas.microsoft.com/office/drawing/2014/main" val="10008"/>
                   </a:ext>
                 </a:extLst>
               </a:tr>
@@ -27874,13 +27723,6 @@
   <p:transition spd="slow" advClick="0" advTm="0">
     <p:wipe/>
   </p:transition>
-  <p:timing>
-    <p:tnLst>
-      <p:par>
-        <p:cTn id="1" dur="indefinite" restart="never" nodeType="tmRoot"/>
-      </p:par>
-    </p:tnLst>
-  </p:timing>
 </p:sld>
 </file>
 
@@ -28051,7 +27893,7 @@
           <a:lstStyle/>
           <a:p>
             <a:r>
-              <a:rPr lang="zh-CN" altLang="en-US" sz="2665" dirty="0" smtClean="0">
+              <a:rPr lang="zh-CN" altLang="en-US" sz="2665" dirty="0">
                 <a:solidFill>
                   <a:srgbClr val="183A5D"/>
                 </a:solidFill>
@@ -28353,13 +28195,6 @@
   <p:transition spd="slow" advClick="0" advTm="0">
     <p:wipe/>
   </p:transition>
-  <p:timing>
-    <p:tnLst>
-      <p:par>
-        <p:cTn id="1" dur="indefinite" restart="never" nodeType="tmRoot"/>
-      </p:par>
-    </p:tnLst>
-  </p:timing>
 </p:sld>
 </file>
 
@@ -28530,7 +28365,7 @@
           <a:lstStyle/>
           <a:p>
             <a:r>
-              <a:rPr lang="zh-CN" altLang="en-US" sz="2665" dirty="0" smtClean="0">
+              <a:rPr lang="zh-CN" altLang="en-US" sz="2665" dirty="0">
                 <a:solidFill>
                   <a:srgbClr val="183A5D"/>
                 </a:solidFill>
@@ -28776,13 +28611,6 @@
   <p:transition spd="slow" advClick="0" advTm="0">
     <p:wipe/>
   </p:transition>
-  <p:timing>
-    <p:tnLst>
-      <p:par>
-        <p:cTn id="1" dur="indefinite" restart="never" nodeType="tmRoot"/>
-      </p:par>
-    </p:tnLst>
-  </p:timing>
 </p:sld>
 </file>
 
@@ -29068,7 +28896,7 @@
   <a:extraClrSchemeLst/>
   <a:extLst>
     <a:ext uri="{05A4C25C-085E-4340-85A3-A5531E510DB2}">
-      <thm15:themeFamily xmlns="" xmlns:thm15="http://schemas.microsoft.com/office/thememl/2012/main" name="Office Theme" id="{62F939B6-93AF-4DB8-9C6B-D6C7DFDC589F}" vid="{4A3C46E8-61CC-4603-A589-7422A47A8E4A}"/>
+      <thm15:themeFamily xmlns:thm15="http://schemas.microsoft.com/office/thememl/2012/main" name="Office Theme" id="{62F939B6-93AF-4DB8-9C6B-D6C7DFDC589F}" vid="{4A3C46E8-61CC-4603-A589-7422A47A8E4A}"/>
     </a:ext>
   </a:extLst>
 </a:theme>
@@ -29358,7 +29186,7 @@
   <a:extraClrSchemeLst/>
   <a:extLst>
     <a:ext uri="{05A4C25C-085E-4340-85A3-A5531E510DB2}">
-      <thm15:themeFamily xmlns="" xmlns:thm15="http://schemas.microsoft.com/office/thememl/2012/main" name="Office Theme" id="{62F939B6-93AF-4DB8-9C6B-D6C7DFDC589F}" vid="{4A3C46E8-61CC-4603-A589-7422A47A8E4A}"/>
+      <thm15:themeFamily xmlns:thm15="http://schemas.microsoft.com/office/thememl/2012/main" name="Office Theme" id="{62F939B6-93AF-4DB8-9C6B-D6C7DFDC589F}" vid="{4A3C46E8-61CC-4603-A589-7422A47A8E4A}"/>
     </a:ext>
   </a:extLst>
 </a:theme>
@@ -29648,7 +29476,7 @@
   <a:extraClrSchemeLst/>
   <a:extLst>
     <a:ext uri="{05A4C25C-085E-4340-85A3-A5531E510DB2}">
-      <thm15:themeFamily xmlns="" xmlns:thm15="http://schemas.microsoft.com/office/thememl/2012/main" name="Office Theme" id="{62F939B6-93AF-4DB8-9C6B-D6C7DFDC589F}" vid="{4A3C46E8-61CC-4603-A589-7422A47A8E4A}"/>
+      <thm15:themeFamily xmlns:thm15="http://schemas.microsoft.com/office/thememl/2012/main" name="Office Theme" id="{62F939B6-93AF-4DB8-9C6B-D6C7DFDC589F}" vid="{4A3C46E8-61CC-4603-A589-7422A47A8E4A}"/>
     </a:ext>
   </a:extLst>
 </a:theme>

--- a/受控文档/00-PPT/PRD2018-G11-UML图 （完成）.pptx
+++ b/受控文档/00-PPT/PRD2018-G11-UML图 （完成）.pptx
@@ -152,7 +152,7 @@
   </p:defaultTextStyle>
   <p:extLst>
     <p:ext uri="{EFAFB233-063F-42B5-8137-9DF3F51BA10A}">
-      <p15:sldGuideLst xmlns:p15="http://schemas.microsoft.com/office/powerpoint/2012/main">
+      <p15:sldGuideLst xmlns:p15="http://schemas.microsoft.com/office/powerpoint/2012/main" xmlns="">
         <p15:guide id="1" orient="horz" pos="2160">
           <p15:clr>
             <a:srgbClr val="A4A3A4"/>
@@ -181,7 +181,7 @@
       </p15:sldGuideLst>
     </p:ext>
     <p:ext uri="{2D200454-40CA-4A62-9FC3-DE9A4176ACB9}">
-      <p15:notesGuideLst xmlns:p15="http://schemas.microsoft.com/office/powerpoint/2012/main">
+      <p15:notesGuideLst xmlns:p15="http://schemas.microsoft.com/office/powerpoint/2012/main" xmlns="">
         <p15:guide id="1" orient="horz" pos="2880">
           <p15:clr>
             <a:srgbClr val="A4A3A4"/>
@@ -8463,7 +8463,31 @@
             <a:pPr indent="457200"/>
             <a:r>
               <a:rPr lang="zh-CN" altLang="en-US" dirty="0"/>
-              <a:t>顺序图是用来描述对象自身及对象间信息传递顺序的视图。它用来表示用例中的行为顺序。当执行一个用例行为时，顺序图中的每条消息对应了一个类操作或状态机中引起转换的触发事件。它着重显示了参与相互作用的对象和所交换消息的顺序。</a:t>
+              <a:t>顺序图是用来描述对象自身及对象间信息传递顺序的视图。它用来</a:t>
+            </a:r>
+            <a:r>
+              <a:rPr lang="zh-CN" altLang="en-US" dirty="0">
+                <a:solidFill>
+                  <a:srgbClr val="FF0000"/>
+                </a:solidFill>
+              </a:rPr>
+              <a:t>表示用例中的行为顺序</a:t>
+            </a:r>
+            <a:r>
+              <a:rPr lang="zh-CN" altLang="en-US" dirty="0"/>
+              <a:t>。当执行一个用例行为时，顺序图中的每条消息对应了一个类操作或状态机中引起转换的触发事件。它</a:t>
+            </a:r>
+            <a:r>
+              <a:rPr lang="zh-CN" altLang="en-US" dirty="0">
+                <a:solidFill>
+                  <a:srgbClr val="FF0000"/>
+                </a:solidFill>
+              </a:rPr>
+              <a:t>着重显示了参与相互作用的对象和所交换消息的顺序</a:t>
+            </a:r>
+            <a:r>
+              <a:rPr lang="zh-CN" altLang="en-US" dirty="0"/>
+              <a:t>。</a:t>
             </a:r>
           </a:p>
           <a:p>
@@ -12319,7 +12343,39 @@
             <a:pPr indent="457200"/>
             <a:r>
               <a:rPr lang="zh-CN" altLang="en-US" dirty="0"/>
-              <a:t>顺序图用一个二维图描述系统中各个对象之间的交互关系，其中，纵轴是时间轴，时间沿竖线向下延伸，横轴代表了参与相互作用的对象。当对象存在时，生命线由一条虚线表示，当对象的过程处于激活状态时，生命线是一道双线。消息用从一个对象到另一个对象生命线的箭头表示。箭头以时间顺序在图中从上到下排列。</a:t>
+              <a:t>顺序图用一个二维图描述系统中各个对象之间的交互关系，其中，</a:t>
+            </a:r>
+            <a:r>
+              <a:rPr lang="zh-CN" altLang="en-US" dirty="0">
+                <a:solidFill>
+                  <a:srgbClr val="FF0000"/>
+                </a:solidFill>
+              </a:rPr>
+              <a:t>纵轴是时间轴</a:t>
+            </a:r>
+            <a:r>
+              <a:rPr lang="zh-CN" altLang="en-US" dirty="0"/>
+              <a:t>，时间沿竖线向下延伸，</a:t>
+            </a:r>
+            <a:r>
+              <a:rPr lang="zh-CN" altLang="en-US" dirty="0">
+                <a:solidFill>
+                  <a:srgbClr val="FF0000"/>
+                </a:solidFill>
+              </a:rPr>
+              <a:t>横轴代表了参与相互作用的对象</a:t>
+            </a:r>
+            <a:r>
+              <a:rPr lang="zh-CN" altLang="en-US" dirty="0"/>
+              <a:t>。当对象存在时，生命线由一条虚线表示，当对象的过程处于激活状态时，生命线是一道双线。消息用从一个对象到另一个对象生命线的箭头表示。</a:t>
+            </a:r>
+            <a:r>
+              <a:rPr lang="zh-CN" altLang="en-US" dirty="0">
+                <a:solidFill>
+                  <a:srgbClr val="FF0000"/>
+                </a:solidFill>
+              </a:rPr>
+              <a:t>箭头以时间顺序在图中从上到下排列。</a:t>
             </a:r>
           </a:p>
         </p:txBody>
@@ -13415,7 +13471,19 @@
           <a:p>
             <a:r>
               <a:rPr lang="zh-CN" altLang="en-US" dirty="0"/>
-              <a:t>生命线用于描述对象的存在周期，对象下方的虚线就是改对象的生命线。</a:t>
+              <a:t>生命线</a:t>
+            </a:r>
+            <a:r>
+              <a:rPr lang="zh-CN" altLang="en-US" dirty="0">
+                <a:solidFill>
+                  <a:srgbClr val="FF0000"/>
+                </a:solidFill>
+              </a:rPr>
+              <a:t>用于描述对象的存在周期</a:t>
+            </a:r>
+            <a:r>
+              <a:rPr lang="zh-CN" altLang="en-US" dirty="0"/>
+              <a:t>，对象下方的虚线就是改对象的生命线。</a:t>
             </a:r>
           </a:p>
         </p:txBody>
@@ -22422,14 +22490,14 @@
                 <a:gridCol w="2738864">
                   <a:extLst>
                     <a:ext uri="{9D8B030D-6E8A-4147-A177-3AD203B41FA5}">
-                      <a16:colId xmlns:a16="http://schemas.microsoft.com/office/drawing/2014/main" val="20000"/>
+                      <a16:colId xmlns:a16="http://schemas.microsoft.com/office/drawing/2014/main" xmlns="" val="20000"/>
                     </a:ext>
                   </a:extLst>
                 </a:gridCol>
                 <a:gridCol w="4245610">
                   <a:extLst>
                     <a:ext uri="{9D8B030D-6E8A-4147-A177-3AD203B41FA5}">
-                      <a16:colId xmlns:a16="http://schemas.microsoft.com/office/drawing/2014/main" val="20001"/>
+                      <a16:colId xmlns:a16="http://schemas.microsoft.com/office/drawing/2014/main" xmlns="" val="20001"/>
                     </a:ext>
                   </a:extLst>
                 </a:gridCol>
@@ -22619,7 +22687,7 @@
                 </a:tc>
                 <a:extLst>
                   <a:ext uri="{0D108BD9-81ED-4DB2-BD59-A6C34878D82A}">
-                    <a16:rowId xmlns:a16="http://schemas.microsoft.com/office/drawing/2014/main" val="10000"/>
+                    <a16:rowId xmlns:a16="http://schemas.microsoft.com/office/drawing/2014/main" xmlns="" val="10000"/>
                   </a:ext>
                 </a:extLst>
               </a:tr>
@@ -22715,7 +22783,7 @@
                 </a:tc>
                 <a:extLst>
                   <a:ext uri="{0D108BD9-81ED-4DB2-BD59-A6C34878D82A}">
-                    <a16:rowId xmlns:a16="http://schemas.microsoft.com/office/drawing/2014/main" val="10001"/>
+                    <a16:rowId xmlns:a16="http://schemas.microsoft.com/office/drawing/2014/main" xmlns="" val="10001"/>
                   </a:ext>
                 </a:extLst>
               </a:tr>
@@ -23658,21 +23726,21 @@
                 <a:gridCol w="1895475">
                   <a:extLst>
                     <a:ext uri="{9D8B030D-6E8A-4147-A177-3AD203B41FA5}">
-                      <a16:colId xmlns:a16="http://schemas.microsoft.com/office/drawing/2014/main" val="20000"/>
+                      <a16:colId xmlns:a16="http://schemas.microsoft.com/office/drawing/2014/main" xmlns="" val="20000"/>
                     </a:ext>
                   </a:extLst>
                 </a:gridCol>
                 <a:gridCol w="2937510">
                   <a:extLst>
                     <a:ext uri="{9D8B030D-6E8A-4147-A177-3AD203B41FA5}">
-                      <a16:colId xmlns:a16="http://schemas.microsoft.com/office/drawing/2014/main" val="20001"/>
+                      <a16:colId xmlns:a16="http://schemas.microsoft.com/office/drawing/2014/main" xmlns="" val="20001"/>
                     </a:ext>
                   </a:extLst>
                 </a:gridCol>
                 <a:gridCol w="2938145">
                   <a:extLst>
                     <a:ext uri="{9D8B030D-6E8A-4147-A177-3AD203B41FA5}">
-                      <a16:colId xmlns:a16="http://schemas.microsoft.com/office/drawing/2014/main" val="20002"/>
+                      <a16:colId xmlns:a16="http://schemas.microsoft.com/office/drawing/2014/main" xmlns="" val="20002"/>
                     </a:ext>
                   </a:extLst>
                 </a:gridCol>
@@ -23759,7 +23827,7 @@
                 </a:tc>
                 <a:extLst>
                   <a:ext uri="{0D108BD9-81ED-4DB2-BD59-A6C34878D82A}">
-                    <a16:rowId xmlns:a16="http://schemas.microsoft.com/office/drawing/2014/main" val="10000"/>
+                    <a16:rowId xmlns:a16="http://schemas.microsoft.com/office/drawing/2014/main" xmlns="" val="10000"/>
                   </a:ext>
                 </a:extLst>
               </a:tr>
@@ -23834,7 +23902,7 @@
                 </a:tc>
                 <a:extLst>
                   <a:ext uri="{0D108BD9-81ED-4DB2-BD59-A6C34878D82A}">
-                    <a16:rowId xmlns:a16="http://schemas.microsoft.com/office/drawing/2014/main" val="10001"/>
+                    <a16:rowId xmlns:a16="http://schemas.microsoft.com/office/drawing/2014/main" xmlns="" val="10001"/>
                   </a:ext>
                 </a:extLst>
               </a:tr>
@@ -23922,7 +23990,7 @@
                 </a:tc>
                 <a:extLst>
                   <a:ext uri="{0D108BD9-81ED-4DB2-BD59-A6C34878D82A}">
-                    <a16:rowId xmlns:a16="http://schemas.microsoft.com/office/drawing/2014/main" val="10002"/>
+                    <a16:rowId xmlns:a16="http://schemas.microsoft.com/office/drawing/2014/main" xmlns="" val="10002"/>
                   </a:ext>
                 </a:extLst>
               </a:tr>
@@ -24027,7 +24095,7 @@
                 </a:tc>
                 <a:extLst>
                   <a:ext uri="{0D108BD9-81ED-4DB2-BD59-A6C34878D82A}">
-                    <a16:rowId xmlns:a16="http://schemas.microsoft.com/office/drawing/2014/main" val="10003"/>
+                    <a16:rowId xmlns:a16="http://schemas.microsoft.com/office/drawing/2014/main" xmlns="" val="10003"/>
                   </a:ext>
                 </a:extLst>
               </a:tr>
@@ -24115,7 +24183,7 @@
                 </a:tc>
                 <a:extLst>
                   <a:ext uri="{0D108BD9-81ED-4DB2-BD59-A6C34878D82A}">
-                    <a16:rowId xmlns:a16="http://schemas.microsoft.com/office/drawing/2014/main" val="10004"/>
+                    <a16:rowId xmlns:a16="http://schemas.microsoft.com/office/drawing/2014/main" xmlns="" val="10004"/>
                   </a:ext>
                 </a:extLst>
               </a:tr>
@@ -27281,14 +27349,14 @@
                 <a:gridCol w="1596390">
                   <a:extLst>
                     <a:ext uri="{9D8B030D-6E8A-4147-A177-3AD203B41FA5}">
-                      <a16:colId xmlns:a16="http://schemas.microsoft.com/office/drawing/2014/main" val="20000"/>
+                      <a16:colId xmlns:a16="http://schemas.microsoft.com/office/drawing/2014/main" xmlns="" val="20000"/>
                     </a:ext>
                   </a:extLst>
                 </a:gridCol>
                 <a:gridCol w="3658870">
                   <a:extLst>
                     <a:ext uri="{9D8B030D-6E8A-4147-A177-3AD203B41FA5}">
-                      <a16:colId xmlns:a16="http://schemas.microsoft.com/office/drawing/2014/main" val="20001"/>
+                      <a16:colId xmlns:a16="http://schemas.microsoft.com/office/drawing/2014/main" xmlns="" val="20001"/>
                     </a:ext>
                   </a:extLst>
                 </a:gridCol>
@@ -27350,7 +27418,7 @@
                 </a:tc>
                 <a:extLst>
                   <a:ext uri="{0D108BD9-81ED-4DB2-BD59-A6C34878D82A}">
-                    <a16:rowId xmlns:a16="http://schemas.microsoft.com/office/drawing/2014/main" val="10000"/>
+                    <a16:rowId xmlns:a16="http://schemas.microsoft.com/office/drawing/2014/main" xmlns="" val="10000"/>
                   </a:ext>
                 </a:extLst>
               </a:tr>
@@ -27389,7 +27457,7 @@
                 </a:tc>
                 <a:extLst>
                   <a:ext uri="{0D108BD9-81ED-4DB2-BD59-A6C34878D82A}">
-                    <a16:rowId xmlns:a16="http://schemas.microsoft.com/office/drawing/2014/main" val="10001"/>
+                    <a16:rowId xmlns:a16="http://schemas.microsoft.com/office/drawing/2014/main" xmlns="" val="10001"/>
                   </a:ext>
                 </a:extLst>
               </a:tr>
@@ -27428,7 +27496,7 @@
                 </a:tc>
                 <a:extLst>
                   <a:ext uri="{0D108BD9-81ED-4DB2-BD59-A6C34878D82A}">
-                    <a16:rowId xmlns:a16="http://schemas.microsoft.com/office/drawing/2014/main" val="10002"/>
+                    <a16:rowId xmlns:a16="http://schemas.microsoft.com/office/drawing/2014/main" xmlns="" val="10002"/>
                   </a:ext>
                 </a:extLst>
               </a:tr>
@@ -27467,7 +27535,7 @@
                 </a:tc>
                 <a:extLst>
                   <a:ext uri="{0D108BD9-81ED-4DB2-BD59-A6C34878D82A}">
-                    <a16:rowId xmlns:a16="http://schemas.microsoft.com/office/drawing/2014/main" val="10003"/>
+                    <a16:rowId xmlns:a16="http://schemas.microsoft.com/office/drawing/2014/main" xmlns="" val="10003"/>
                   </a:ext>
                 </a:extLst>
               </a:tr>
@@ -27506,7 +27574,7 @@
                 </a:tc>
                 <a:extLst>
                   <a:ext uri="{0D108BD9-81ED-4DB2-BD59-A6C34878D82A}">
-                    <a16:rowId xmlns:a16="http://schemas.microsoft.com/office/drawing/2014/main" val="10004"/>
+                    <a16:rowId xmlns:a16="http://schemas.microsoft.com/office/drawing/2014/main" xmlns="" val="10004"/>
                   </a:ext>
                 </a:extLst>
               </a:tr>
@@ -27545,7 +27613,7 @@
                 </a:tc>
                 <a:extLst>
                   <a:ext uri="{0D108BD9-81ED-4DB2-BD59-A6C34878D82A}">
-                    <a16:rowId xmlns:a16="http://schemas.microsoft.com/office/drawing/2014/main" val="10005"/>
+                    <a16:rowId xmlns:a16="http://schemas.microsoft.com/office/drawing/2014/main" xmlns="" val="10005"/>
                   </a:ext>
                 </a:extLst>
               </a:tr>
@@ -27584,7 +27652,7 @@
                 </a:tc>
                 <a:extLst>
                   <a:ext uri="{0D108BD9-81ED-4DB2-BD59-A6C34878D82A}">
-                    <a16:rowId xmlns:a16="http://schemas.microsoft.com/office/drawing/2014/main" val="10006"/>
+                    <a16:rowId xmlns:a16="http://schemas.microsoft.com/office/drawing/2014/main" xmlns="" val="10006"/>
                   </a:ext>
                 </a:extLst>
               </a:tr>
@@ -27623,7 +27691,7 @@
                 </a:tc>
                 <a:extLst>
                   <a:ext uri="{0D108BD9-81ED-4DB2-BD59-A6C34878D82A}">
-                    <a16:rowId xmlns:a16="http://schemas.microsoft.com/office/drawing/2014/main" val="10007"/>
+                    <a16:rowId xmlns:a16="http://schemas.microsoft.com/office/drawing/2014/main" xmlns="" val="10007"/>
                   </a:ext>
                 </a:extLst>
               </a:tr>
@@ -27659,7 +27727,7 @@
                 </a:tc>
                 <a:extLst>
                   <a:ext uri="{0D108BD9-81ED-4DB2-BD59-A6C34878D82A}">
-                    <a16:rowId xmlns:a16="http://schemas.microsoft.com/office/drawing/2014/main" val="10008"/>
+                    <a16:rowId xmlns:a16="http://schemas.microsoft.com/office/drawing/2014/main" xmlns="" val="10008"/>
                   </a:ext>
                 </a:extLst>
               </a:tr>
@@ -28896,7 +28964,7 @@
   <a:extraClrSchemeLst/>
   <a:extLst>
     <a:ext uri="{05A4C25C-085E-4340-85A3-A5531E510DB2}">
-      <thm15:themeFamily xmlns:thm15="http://schemas.microsoft.com/office/thememl/2012/main" name="Office Theme" id="{62F939B6-93AF-4DB8-9C6B-D6C7DFDC589F}" vid="{4A3C46E8-61CC-4603-A589-7422A47A8E4A}"/>
+      <thm15:themeFamily xmlns:thm15="http://schemas.microsoft.com/office/thememl/2012/main" xmlns="" name="Office Theme" id="{62F939B6-93AF-4DB8-9C6B-D6C7DFDC589F}" vid="{4A3C46E8-61CC-4603-A589-7422A47A8E4A}"/>
     </a:ext>
   </a:extLst>
 </a:theme>
@@ -29186,7 +29254,7 @@
   <a:extraClrSchemeLst/>
   <a:extLst>
     <a:ext uri="{05A4C25C-085E-4340-85A3-A5531E510DB2}">
-      <thm15:themeFamily xmlns:thm15="http://schemas.microsoft.com/office/thememl/2012/main" name="Office Theme" id="{62F939B6-93AF-4DB8-9C6B-D6C7DFDC589F}" vid="{4A3C46E8-61CC-4603-A589-7422A47A8E4A}"/>
+      <thm15:themeFamily xmlns:thm15="http://schemas.microsoft.com/office/thememl/2012/main" xmlns="" name="Office Theme" id="{62F939B6-93AF-4DB8-9C6B-D6C7DFDC589F}" vid="{4A3C46E8-61CC-4603-A589-7422A47A8E4A}"/>
     </a:ext>
   </a:extLst>
 </a:theme>
@@ -29476,7 +29544,7 @@
   <a:extraClrSchemeLst/>
   <a:extLst>
     <a:ext uri="{05A4C25C-085E-4340-85A3-A5531E510DB2}">
-      <thm15:themeFamily xmlns:thm15="http://schemas.microsoft.com/office/thememl/2012/main" name="Office Theme" id="{62F939B6-93AF-4DB8-9C6B-D6C7DFDC589F}" vid="{4A3C46E8-61CC-4603-A589-7422A47A8E4A}"/>
+      <thm15:themeFamily xmlns:thm15="http://schemas.microsoft.com/office/thememl/2012/main" xmlns="" name="Office Theme" id="{62F939B6-93AF-4DB8-9C6B-D6C7DFDC589F}" vid="{4A3C46E8-61CC-4603-A589-7422A47A8E4A}"/>
     </a:ext>
   </a:extLst>
 </a:theme>

--- a/受控文档/00-PPT/PRD2018-G11-UML图 （完成）.pptx
+++ b/受控文档/00-PPT/PRD2018-G11-UML图 （完成）.pptx
@@ -5,55 +5,55 @@
     <p:sldMasterId id="2147483648" r:id="rId1"/>
   </p:sldMasterIdLst>
   <p:notesMasterIdLst>
-    <p:notesMasterId r:id="rId43"/>
+    <p:notesMasterId r:id="rId4"/>
   </p:notesMasterIdLst>
   <p:handoutMasterIdLst>
-    <p:handoutMasterId r:id="rId44"/>
+    <p:handoutMasterId r:id="rId45"/>
   </p:handoutMasterIdLst>
   <p:sldIdLst>
-    <p:sldId id="370" r:id="rId2"/>
-    <p:sldId id="492" r:id="rId3"/>
-    <p:sldId id="439" r:id="rId4"/>
-    <p:sldId id="506" r:id="rId5"/>
-    <p:sldId id="507" r:id="rId6"/>
-    <p:sldId id="545" r:id="rId7"/>
-    <p:sldId id="546" r:id="rId8"/>
-    <p:sldId id="547" r:id="rId9"/>
-    <p:sldId id="548" r:id="rId10"/>
-    <p:sldId id="549" r:id="rId11"/>
-    <p:sldId id="508" r:id="rId12"/>
-    <p:sldId id="550" r:id="rId13"/>
-    <p:sldId id="551" r:id="rId14"/>
-    <p:sldId id="552" r:id="rId15"/>
-    <p:sldId id="553" r:id="rId16"/>
-    <p:sldId id="554" r:id="rId17"/>
-    <p:sldId id="555" r:id="rId18"/>
-    <p:sldId id="556" r:id="rId19"/>
-    <p:sldId id="576" r:id="rId20"/>
-    <p:sldId id="577" r:id="rId21"/>
-    <p:sldId id="578" r:id="rId22"/>
-    <p:sldId id="579" r:id="rId23"/>
-    <p:sldId id="580" r:id="rId24"/>
-    <p:sldId id="581" r:id="rId25"/>
-    <p:sldId id="584" r:id="rId26"/>
-    <p:sldId id="585" r:id="rId27"/>
-    <p:sldId id="586" r:id="rId28"/>
-    <p:sldId id="587" r:id="rId29"/>
-    <p:sldId id="588" r:id="rId30"/>
-    <p:sldId id="590" r:id="rId31"/>
-    <p:sldId id="561" r:id="rId32"/>
-    <p:sldId id="562" r:id="rId33"/>
-    <p:sldId id="592" r:id="rId34"/>
-    <p:sldId id="564" r:id="rId35"/>
-    <p:sldId id="566" r:id="rId36"/>
-    <p:sldId id="582" r:id="rId37"/>
-    <p:sldId id="583" r:id="rId38"/>
-    <p:sldId id="591" r:id="rId39"/>
-    <p:sldId id="455" r:id="rId40"/>
-    <p:sldId id="532" r:id="rId41"/>
-    <p:sldId id="436" r:id="rId42"/>
+    <p:sldId id="370" r:id="rId3"/>
+    <p:sldId id="492" r:id="rId5"/>
+    <p:sldId id="439" r:id="rId6"/>
+    <p:sldId id="506" r:id="rId7"/>
+    <p:sldId id="507" r:id="rId8"/>
+    <p:sldId id="545" r:id="rId9"/>
+    <p:sldId id="546" r:id="rId10"/>
+    <p:sldId id="547" r:id="rId11"/>
+    <p:sldId id="548" r:id="rId12"/>
+    <p:sldId id="549" r:id="rId13"/>
+    <p:sldId id="508" r:id="rId14"/>
+    <p:sldId id="550" r:id="rId15"/>
+    <p:sldId id="551" r:id="rId16"/>
+    <p:sldId id="552" r:id="rId17"/>
+    <p:sldId id="553" r:id="rId18"/>
+    <p:sldId id="554" r:id="rId19"/>
+    <p:sldId id="555" r:id="rId20"/>
+    <p:sldId id="556" r:id="rId21"/>
+    <p:sldId id="576" r:id="rId22"/>
+    <p:sldId id="577" r:id="rId23"/>
+    <p:sldId id="578" r:id="rId24"/>
+    <p:sldId id="579" r:id="rId25"/>
+    <p:sldId id="580" r:id="rId26"/>
+    <p:sldId id="581" r:id="rId27"/>
+    <p:sldId id="584" r:id="rId28"/>
+    <p:sldId id="585" r:id="rId29"/>
+    <p:sldId id="586" r:id="rId30"/>
+    <p:sldId id="587" r:id="rId31"/>
+    <p:sldId id="588" r:id="rId32"/>
+    <p:sldId id="590" r:id="rId33"/>
+    <p:sldId id="561" r:id="rId34"/>
+    <p:sldId id="562" r:id="rId35"/>
+    <p:sldId id="592" r:id="rId36"/>
+    <p:sldId id="564" r:id="rId37"/>
+    <p:sldId id="566" r:id="rId38"/>
+    <p:sldId id="582" r:id="rId39"/>
+    <p:sldId id="583" r:id="rId40"/>
+    <p:sldId id="591" r:id="rId41"/>
+    <p:sldId id="455" r:id="rId42"/>
+    <p:sldId id="532" r:id="rId43"/>
+    <p:sldId id="436" r:id="rId44"/>
   </p:sldIdLst>
-  <p:sldSz cx="12190413" cy="6859588"/>
+  <p:sldSz cx="12190095" cy="6859270"/>
   <p:notesSz cx="6858000" cy="9144000"/>
   <p:defaultTextStyle>
     <a:defPPr>
@@ -150,51 +150,6 @@
       </a:defRPr>
     </a:lvl9pPr>
   </p:defaultTextStyle>
-  <p:extLst>
-    <p:ext uri="{EFAFB233-063F-42B5-8137-9DF3F51BA10A}">
-      <p15:sldGuideLst xmlns:p15="http://schemas.microsoft.com/office/powerpoint/2012/main" xmlns="">
-        <p15:guide id="1" orient="horz" pos="2160">
-          <p15:clr>
-            <a:srgbClr val="A4A3A4"/>
-          </p15:clr>
-        </p15:guide>
-        <p15:guide id="2" orient="horz" pos="3884">
-          <p15:clr>
-            <a:srgbClr val="A4A3A4"/>
-          </p15:clr>
-        </p15:guide>
-        <p15:guide id="3" pos="3839">
-          <p15:clr>
-            <a:srgbClr val="A4A3A4"/>
-          </p15:clr>
-        </p15:guide>
-        <p15:guide id="4" pos="7170">
-          <p15:clr>
-            <a:srgbClr val="A4A3A4"/>
-          </p15:clr>
-        </p15:guide>
-        <p15:guide id="5" pos="554">
-          <p15:clr>
-            <a:srgbClr val="A4A3A4"/>
-          </p15:clr>
-        </p15:guide>
-      </p15:sldGuideLst>
-    </p:ext>
-    <p:ext uri="{2D200454-40CA-4A62-9FC3-DE9A4176ACB9}">
-      <p15:notesGuideLst xmlns:p15="http://schemas.microsoft.com/office/powerpoint/2012/main" xmlns="">
-        <p15:guide id="1" orient="horz" pos="2880">
-          <p15:clr>
-            <a:srgbClr val="A4A3A4"/>
-          </p15:clr>
-        </p15:guide>
-        <p15:guide id="2" pos="2160">
-          <p15:clr>
-            <a:srgbClr val="A4A3A4"/>
-          </p15:clr>
-        </p15:guide>
-      </p15:notesGuideLst>
-    </p:ext>
-  </p:extLst>
 </p:presentation>
 </file>
 
@@ -280,7 +235,6 @@
           <a:p>
             <a:fld id="{5D1C15E6-6BD2-4E4B-B1D4-218C26E1B228}" type="datetimeFigureOut">
               <a:rPr lang="zh-CN" altLang="en-US" smtClean="0"/>
-              <a:t>2018/11/2</a:t>
             </a:fld>
             <a:endParaRPr lang="zh-CN" altLang="en-US"/>
           </a:p>
@@ -346,18 +300,12 @@
           <a:p>
             <a:fld id="{E655EDCA-2189-4435-B38B-6F3C2C044356}" type="slidenum">
               <a:rPr lang="zh-CN" altLang="en-US" smtClean="0"/>
-              <a:t>‹#›</a:t>
             </a:fld>
             <a:endParaRPr lang="zh-CN" altLang="en-US"/>
           </a:p>
         </p:txBody>
       </p:sp>
     </p:spTree>
-    <p:extLst>
-      <p:ext uri="{BB962C8B-B14F-4D97-AF65-F5344CB8AC3E}">
-        <p14:creationId xmlns:p14="http://schemas.microsoft.com/office/powerpoint/2010/main" val="3083363367"/>
-      </p:ext>
-    </p:extLst>
   </p:cSld>
   <p:clrMap bg1="lt1" tx1="dk1" bg2="lt2" tx2="dk2" accent1="accent1" accent2="accent2" accent3="accent3" accent4="accent4" accent5="accent5" accent6="accent6" hlink="hlink" folHlink="folHlink"/>
 </p:handoutMaster>
@@ -445,7 +393,6 @@
           <a:p>
             <a:fld id="{0B17430C-5A66-4BD0-A971-34190B6C6019}" type="datetimeFigureOut">
               <a:rPr lang="zh-CN" altLang="en-US" smtClean="0"/>
-              <a:t>2018/11/2</a:t>
             </a:fld>
             <a:endParaRPr lang="zh-CN" altLang="en-US"/>
           </a:p>
@@ -512,6 +459,7 @@
               <a:rPr lang="zh-CN" altLang="en-US"/>
               <a:t>单击此处编辑母版文本样式</a:t>
             </a:r>
+            <a:endParaRPr lang="zh-CN" altLang="en-US"/>
           </a:p>
           <a:p>
             <a:pPr lvl="1"/>
@@ -519,6 +467,7 @@
               <a:rPr lang="zh-CN" altLang="en-US"/>
               <a:t>第二级</a:t>
             </a:r>
+            <a:endParaRPr lang="zh-CN" altLang="en-US"/>
           </a:p>
           <a:p>
             <a:pPr lvl="2"/>
@@ -526,6 +475,7 @@
               <a:rPr lang="zh-CN" altLang="en-US"/>
               <a:t>第三级</a:t>
             </a:r>
+            <a:endParaRPr lang="zh-CN" altLang="en-US"/>
           </a:p>
           <a:p>
             <a:pPr lvl="3"/>
@@ -533,6 +483,7 @@
               <a:rPr lang="zh-CN" altLang="en-US"/>
               <a:t>第四级</a:t>
             </a:r>
+            <a:endParaRPr lang="zh-CN" altLang="en-US"/>
           </a:p>
           <a:p>
             <a:pPr lvl="4"/>
@@ -540,6 +491,7 @@
               <a:rPr lang="zh-CN" altLang="en-US"/>
               <a:t>第五级</a:t>
             </a:r>
+            <a:endParaRPr lang="zh-CN" altLang="en-US"/>
           </a:p>
         </p:txBody>
       </p:sp>
@@ -603,18 +555,12 @@
           <a:p>
             <a:fld id="{74AC173A-3DA8-4893-B28A-1E15F55C330A}" type="slidenum">
               <a:rPr lang="zh-CN" altLang="en-US" smtClean="0"/>
-              <a:t>‹#›</a:t>
             </a:fld>
             <a:endParaRPr lang="zh-CN" altLang="en-US"/>
           </a:p>
         </p:txBody>
       </p:sp>
     </p:spTree>
-    <p:extLst>
-      <p:ext uri="{BB962C8B-B14F-4D97-AF65-F5344CB8AC3E}">
-        <p14:creationId xmlns:p14="http://schemas.microsoft.com/office/powerpoint/2010/main" val="1427592936"/>
-      </p:ext>
-    </p:extLst>
   </p:cSld>
   <p:clrMap bg1="lt1" tx1="dk1" bg2="lt2" tx2="dk2" accent1="accent1" accent2="accent2" accent3="accent3" accent4="accent4" accent5="accent5" accent6="accent6" hlink="hlink" folHlink="folHlink"/>
   <p:notesStyle>
@@ -777,7 +723,6 @@
           <a:p>
             <a:fld id="{74AC173A-3DA8-4893-B28A-1E15F55C330A}" type="slidenum">
               <a:rPr lang="zh-CN" altLang="en-US" smtClean="0"/>
-              <a:t>1</a:t>
             </a:fld>
             <a:endParaRPr lang="zh-CN" altLang="en-US"/>
           </a:p>
@@ -856,7 +801,6 @@
           <a:p>
             <a:fld id="{74AC173A-3DA8-4893-B28A-1E15F55C330A}" type="slidenum">
               <a:rPr lang="zh-CN" altLang="en-US" smtClean="0"/>
-              <a:t>2</a:t>
             </a:fld>
             <a:endParaRPr lang="zh-CN" altLang="en-US"/>
           </a:p>
@@ -939,8 +883,6 @@
                   <a:prstClr val="black"/>
                 </a:solidFill>
               </a:rPr>
-              <a:pPr/>
-              <a:t>38</a:t>
             </a:fld>
             <a:endParaRPr lang="zh-CN" altLang="en-US">
               <a:solidFill>
@@ -1023,7 +965,6 @@
           <a:p>
             <a:fld id="{74AC173A-3DA8-4893-B28A-1E15F55C330A}" type="slidenum">
               <a:rPr lang="zh-CN" altLang="en-US" smtClean="0"/>
-              <a:t>39</a:t>
             </a:fld>
             <a:endParaRPr lang="zh-CN" altLang="en-US"/>
           </a:p>
@@ -1102,7 +1043,6 @@
           <a:p>
             <a:fld id="{74AC173A-3DA8-4893-B28A-1E15F55C330A}" type="slidenum">
               <a:rPr lang="zh-CN" altLang="en-US" smtClean="0"/>
-              <a:t>40</a:t>
             </a:fld>
             <a:endParaRPr lang="zh-CN" altLang="en-US"/>
           </a:p>
@@ -1181,7 +1121,6 @@
           <a:p>
             <a:fld id="{74AC173A-3DA8-4893-B28A-1E15F55C330A}" type="slidenum">
               <a:rPr lang="zh-CN" altLang="en-US" smtClean="0"/>
-              <a:t>41</a:t>
             </a:fld>
             <a:endParaRPr lang="zh-CN" altLang="en-US"/>
           </a:p>
@@ -1372,7 +1311,6 @@
                 <a:latin typeface="微软雅黑" panose="020B0503020204020204" pitchFamily="34" charset="-122"/>
                 <a:ea typeface="微软雅黑" panose="020B0503020204020204" pitchFamily="34" charset="-122"/>
               </a:rPr>
-              <a:t>‹#›</a:t>
             </a:fld>
             <a:r>
               <a:rPr lang="zh-CN" altLang="en-US" sz="1800" dirty="0">
@@ -2144,6 +2082,7 @@
               <a:rPr lang="zh-CN" altLang="en-US"/>
               <a:t>单击此处编辑母版标题样式</a:t>
             </a:r>
+            <a:endParaRPr lang="zh-CN" altLang="en-US"/>
           </a:p>
         </p:txBody>
       </p:sp>
@@ -2265,6 +2204,7 @@
               <a:rPr lang="zh-CN" altLang="en-US"/>
               <a:t>单击此处编辑母版副标题样式</a:t>
             </a:r>
+            <a:endParaRPr lang="zh-CN" altLang="en-US"/>
           </a:p>
         </p:txBody>
       </p:sp>
@@ -2293,7 +2233,6 @@
           <a:p>
             <a:fld id="{530820CF-B880-4189-942D-D702A7CBA730}" type="datetimeFigureOut">
               <a:rPr lang="zh-CN" altLang="en-US" smtClean="0"/>
-              <a:t>2018/11/2</a:t>
             </a:fld>
             <a:endParaRPr lang="zh-CN" altLang="en-US"/>
           </a:p>
@@ -2351,7 +2290,6 @@
           <a:p>
             <a:fld id="{0C913308-F349-4B6D-A68A-DD1791B4A57B}" type="slidenum">
               <a:rPr lang="zh-CN" altLang="en-US" smtClean="0"/>
-              <a:t>‹#›</a:t>
             </a:fld>
             <a:endParaRPr lang="zh-CN" altLang="en-US"/>
           </a:p>
@@ -2410,7 +2348,6 @@
           <a:p>
             <a:fld id="{530820CF-B880-4189-942D-D702A7CBA730}" type="datetimeFigureOut">
               <a:rPr lang="zh-CN" altLang="en-US" smtClean="0"/>
-              <a:t>2018/11/2</a:t>
             </a:fld>
             <a:endParaRPr lang="zh-CN" altLang="en-US"/>
           </a:p>
@@ -2468,7 +2405,6 @@
           <a:p>
             <a:fld id="{0C913308-F349-4B6D-A68A-DD1791B4A57B}" type="slidenum">
               <a:rPr lang="zh-CN" altLang="en-US" smtClean="0"/>
-              <a:t>‹#›</a:t>
             </a:fld>
             <a:endParaRPr lang="zh-CN" altLang="en-US"/>
           </a:p>
@@ -3277,6 +3213,13 @@
               </a:rPr>
               <a:t>图</a:t>
             </a:r>
+            <a:endParaRPr lang="zh-CN" altLang="en-US" sz="5400" dirty="0">
+              <a:solidFill>
+                <a:srgbClr val="38B1BF"/>
+              </a:solidFill>
+              <a:latin typeface="微软雅黑" panose="020B0503020204020204" pitchFamily="34" charset="-122"/>
+              <a:ea typeface="微软雅黑" panose="020B0503020204020204" pitchFamily="34" charset="-122"/>
+            </a:endParaRPr>
           </a:p>
           <a:p>
             <a:pPr fontAlgn="auto">
@@ -3294,6 +3237,13 @@
               </a:rPr>
               <a:t>用例图，类图，状态机图，通信图，顺序图，部署图</a:t>
             </a:r>
+            <a:endParaRPr lang="zh-CN" altLang="en-US" sz="2000" dirty="0">
+              <a:solidFill>
+                <a:srgbClr val="38B1BF"/>
+              </a:solidFill>
+              <a:latin typeface="微软雅黑" panose="020B0503020204020204" pitchFamily="34" charset="-122"/>
+              <a:ea typeface="微软雅黑" panose="020B0503020204020204" pitchFamily="34" charset="-122"/>
+            </a:endParaRPr>
           </a:p>
         </p:txBody>
       </p:sp>
@@ -3385,6 +3335,16 @@
               </a:rPr>
               <a:t>小组</a:t>
             </a:r>
+            <a:endParaRPr lang="zh-CN" altLang="en-US" sz="1900" dirty="0">
+              <a:solidFill>
+                <a:schemeClr val="tx1">
+                  <a:lumMod val="85000"/>
+                  <a:lumOff val="15000"/>
+                </a:schemeClr>
+              </a:solidFill>
+              <a:latin typeface="微软雅黑" panose="020B0503020204020204" pitchFamily="34" charset="-122"/>
+              <a:ea typeface="微软雅黑" panose="020B0503020204020204" pitchFamily="34" charset="-122"/>
+            </a:endParaRPr>
           </a:p>
         </p:txBody>
       </p:sp>
@@ -3489,6 +3449,16 @@
               </a:rPr>
               <a:t>日</a:t>
             </a:r>
+            <a:endParaRPr lang="zh-CN" altLang="en-US" sz="1900" dirty="0">
+              <a:solidFill>
+                <a:schemeClr val="tx1">
+                  <a:lumMod val="85000"/>
+                  <a:lumOff val="15000"/>
+                </a:schemeClr>
+              </a:solidFill>
+              <a:latin typeface="微软雅黑" panose="020B0503020204020204" pitchFamily="34" charset="-122"/>
+              <a:ea typeface="微软雅黑" panose="020B0503020204020204" pitchFamily="34" charset="-122"/>
+            </a:endParaRPr>
           </a:p>
         </p:txBody>
       </p:sp>
@@ -3560,6 +3530,14 @@
               </a:rPr>
               <a:t>浙江大学城市学院</a:t>
             </a:r>
+            <a:endParaRPr lang="zh-CN" altLang="en-US" kern="300" spc="2000">
+              <a:solidFill>
+                <a:schemeClr val="tx1"/>
+              </a:solidFill>
+              <a:uFillTx/>
+              <a:latin typeface="+中文标题" charset="0"/>
+              <a:ea typeface="+mj-ea"/>
+            </a:endParaRPr>
           </a:p>
         </p:txBody>
       </p:sp>
@@ -3568,13 +3546,13 @@
   <p:clrMapOvr>
     <a:masterClrMapping/>
   </p:clrMapOvr>
-  <mc:AlternateContent xmlns:mc="http://schemas.openxmlformats.org/markup-compatibility/2006" xmlns:p14="http://schemas.microsoft.com/office/powerpoint/2010/main">
-    <mc:Choice Requires="p14">
+  <mc:AlternateContent xmlns:mc="http://schemas.openxmlformats.org/markup-compatibility/2006">
+    <mc:Choice xmlns:p14="http://schemas.microsoft.com/office/powerpoint/2010/main" Requires="p14">
       <p:transition spd="slow" p14:dur="1600" advClick="0" advTm="0">
         <p:blinds dir="vert"/>
       </p:transition>
     </mc:Choice>
-    <mc:Fallback xmlns="">
+    <mc:Fallback>
       <p:transition spd="slow" advClick="0" advTm="0">
         <p:blinds dir="vert"/>
       </p:transition>
@@ -4486,6 +4464,7 @@
               <a:rPr lang="en-US" sz="2400" dirty="0"/>
               <a:t>3</a:t>
             </a:r>
+            <a:endParaRPr lang="en-US" sz="2400" dirty="0"/>
           </a:p>
         </p:txBody>
       </p:sp>
@@ -4743,7 +4722,7 @@
           <p:nvPr/>
         </p:nvPicPr>
         <p:blipFill>
-          <a:blip r:embed="rId2"/>
+          <a:blip r:embed="rId1"/>
           <a:stretch>
             <a:fillRect/>
           </a:stretch>
@@ -4767,7 +4746,7 @@
           <p:nvPr/>
         </p:nvPicPr>
         <p:blipFill>
-          <a:blip r:embed="rId3"/>
+          <a:blip r:embed="rId2"/>
           <a:stretch>
             <a:fillRect/>
           </a:stretch>
@@ -4902,6 +4881,7 @@
               <a:rPr lang="en-US" sz="2400" dirty="0"/>
               <a:t>3</a:t>
             </a:r>
+            <a:endParaRPr lang="en-US" sz="2400" dirty="0"/>
           </a:p>
         </p:txBody>
       </p:sp>
@@ -4969,6 +4949,13 @@
               </a:rPr>
               <a:t>类图</a:t>
             </a:r>
+            <a:endParaRPr lang="zh-CN" altLang="en-US" sz="2665" dirty="0">
+              <a:solidFill>
+                <a:srgbClr val="183A5D"/>
+              </a:solidFill>
+              <a:latin typeface="微软雅黑" panose="020B0503020204020204" pitchFamily="34" charset="-122"/>
+              <a:ea typeface="微软雅黑" panose="020B0503020204020204" pitchFamily="34" charset="-122"/>
+            </a:endParaRPr>
           </a:p>
         </p:txBody>
       </p:sp>
@@ -5017,6 +5004,13 @@
                 </a:rPr>
                 <a:t>关联关系</a:t>
               </a:r>
+              <a:endParaRPr lang="zh-CN" altLang="en-US" b="0" i="0" dirty="0">
+                <a:solidFill>
+                  <a:srgbClr val="000000"/>
+                </a:solidFill>
+                <a:effectLst/>
+                <a:latin typeface="Verdana" panose="020B0604030504040204" pitchFamily="34" charset="0"/>
+              </a:endParaRPr>
             </a:p>
             <a:p>
               <a:r>
@@ -5037,8 +5031,25 @@
                   <a:effectLst/>
                   <a:latin typeface="Verdana" panose="020B0604030504040204" pitchFamily="34" charset="0"/>
                 </a:rPr>
-                <a:t>直接使用名称</a:t>
+                <a:t>直接使用</a:t>
               </a:r>
+              <a:r>
+                <a:rPr lang="zh-CN" altLang="en-US" b="0" i="0" dirty="0">
+                  <a:solidFill>
+                    <a:srgbClr val="FF0000"/>
+                  </a:solidFill>
+                  <a:effectLst/>
+                  <a:latin typeface="Verdana" panose="020B0604030504040204" pitchFamily="34" charset="0"/>
+                </a:rPr>
+                <a:t>名称</a:t>
+              </a:r>
+              <a:endParaRPr lang="zh-CN" altLang="en-US" b="0" i="0" dirty="0">
+                <a:solidFill>
+                  <a:srgbClr val="000000"/>
+                </a:solidFill>
+                <a:effectLst/>
+                <a:latin typeface="Verdana" panose="020B0604030504040204" pitchFamily="34" charset="0"/>
+              </a:endParaRPr>
             </a:p>
             <a:p>
               <a:r>
@@ -5054,13 +5065,30 @@
               <a:r>
                 <a:rPr lang="zh-CN" altLang="en-US" b="0" i="0" dirty="0">
                   <a:solidFill>
+                    <a:srgbClr val="FF0000"/>
+                  </a:solidFill>
+                  <a:effectLst/>
+                  <a:latin typeface="Verdana" panose="020B0604030504040204" pitchFamily="34" charset="0"/>
+                </a:rPr>
+                <a:t>角色</a:t>
+              </a:r>
+              <a:r>
+                <a:rPr lang="zh-CN" altLang="en-US" b="0" i="0" dirty="0">
+                  <a:solidFill>
                     <a:srgbClr val="000000"/>
                   </a:solidFill>
                   <a:effectLst/>
                   <a:latin typeface="Verdana" panose="020B0604030504040204" pitchFamily="34" charset="0"/>
                 </a:rPr>
-                <a:t>角色，即玩家可以名为拥有者，英雄可以为被拥有者，学生为学习者，教师为教学者。</a:t>
+                <a:t>，即玩家可以名为拥有者，英雄可以为被拥有者，学生为学习者，教师为教学者。</a:t>
               </a:r>
+              <a:endParaRPr lang="zh-CN" altLang="en-US" b="0" i="0" dirty="0">
+                <a:solidFill>
+                  <a:srgbClr val="000000"/>
+                </a:solidFill>
+                <a:effectLst/>
+                <a:latin typeface="Verdana" panose="020B0604030504040204" pitchFamily="34" charset="0"/>
+              </a:endParaRPr>
             </a:p>
           </p:txBody>
         </p:sp>
@@ -5181,7 +5209,7 @@
           <p:nvPr/>
         </p:nvPicPr>
         <p:blipFill>
-          <a:blip r:embed="rId2"/>
+          <a:blip r:embed="rId1"/>
           <a:stretch>
             <a:fillRect/>
           </a:stretch>
@@ -5316,6 +5344,7 @@
               <a:rPr lang="en-US" sz="2400" dirty="0"/>
               <a:t>3</a:t>
             </a:r>
+            <a:endParaRPr lang="en-US" sz="2400" dirty="0"/>
           </a:p>
         </p:txBody>
       </p:sp>
@@ -5458,6 +5487,13 @@
                 </a:rPr>
                 <a:t>多重性</a:t>
               </a:r>
+              <a:endParaRPr lang="zh-CN" altLang="en-US" b="0" i="0" dirty="0">
+                <a:solidFill>
+                  <a:srgbClr val="000000"/>
+                </a:solidFill>
+                <a:effectLst/>
+                <a:latin typeface="Verdana" panose="020B0604030504040204" pitchFamily="34" charset="0"/>
+              </a:endParaRPr>
             </a:p>
             <a:p>
               <a:endParaRPr lang="zh-CN" altLang="en-US" b="0" i="0" dirty="0">
@@ -5587,7 +5623,7 @@
           <p:nvPr/>
         </p:nvPicPr>
         <p:blipFill>
-          <a:blip r:embed="rId2"/>
+          <a:blip r:embed="rId1"/>
           <a:stretch>
             <a:fillRect/>
           </a:stretch>
@@ -5722,6 +5758,7 @@
               <a:rPr lang="en-US" sz="2400" dirty="0"/>
               <a:t>3</a:t>
             </a:r>
+            <a:endParaRPr lang="en-US" sz="2400" dirty="0"/>
           </a:p>
         </p:txBody>
       </p:sp>
@@ -5855,6 +5892,13 @@
                 </a:rPr>
                 <a:t>聚合</a:t>
               </a:r>
+              <a:endParaRPr lang="zh-CN" altLang="en-US" b="0" i="0" dirty="0">
+                <a:solidFill>
+                  <a:srgbClr val="000000"/>
+                </a:solidFill>
+                <a:effectLst/>
+                <a:latin typeface="Verdana" panose="020B0604030504040204" pitchFamily="34" charset="0"/>
+              </a:endParaRPr>
             </a:p>
             <a:p>
               <a:endParaRPr lang="zh-CN" altLang="en-US" b="0" i="0" dirty="0">
@@ -5984,7 +6028,7 @@
           <p:nvPr/>
         </p:nvPicPr>
         <p:blipFill>
-          <a:blip r:embed="rId2"/>
+          <a:blip r:embed="rId1"/>
           <a:stretch>
             <a:fillRect/>
           </a:stretch>
@@ -6119,6 +6163,7 @@
               <a:rPr lang="en-US" sz="2400" dirty="0"/>
               <a:t>3</a:t>
             </a:r>
+            <a:endParaRPr lang="en-US" sz="2400" dirty="0"/>
           </a:p>
         </p:txBody>
       </p:sp>
@@ -6261,6 +6306,13 @@
                 </a:rPr>
                 <a:t>组合</a:t>
               </a:r>
+              <a:endParaRPr lang="zh-CN" altLang="en-US" b="0" i="0" dirty="0">
+                <a:solidFill>
+                  <a:srgbClr val="000000"/>
+                </a:solidFill>
+                <a:effectLst/>
+                <a:latin typeface="Verdana" panose="020B0604030504040204" pitchFamily="34" charset="0"/>
+              </a:endParaRPr>
             </a:p>
             <a:p>
               <a:endParaRPr lang="zh-CN" altLang="en-US" b="0" i="0" dirty="0">
@@ -6409,8 +6461,21 @@
             </a:r>
             <a:r>
               <a:rPr lang="zh-CN" altLang="en-US"/>
-              <a:t>一个对象可以被几个其他聚集对象所拥有。如果一个对象只归属于一个聚集对象，那么它和聚集对象之间的关系就称为组合（composition）。例如：“一个学生有一个名字”就是组合关系，“一个学生有一个地址”就是聚集关系，因为一个地址可以被几个学生所共享。</a:t>
+              <a:t>一个对象可以被几个其他聚集对象所拥有。如果</a:t>
             </a:r>
+            <a:r>
+              <a:rPr lang="zh-CN" altLang="en-US">
+                <a:solidFill>
+                  <a:srgbClr val="FF0000"/>
+                </a:solidFill>
+              </a:rPr>
+              <a:t>一个对象只归属于一个聚集对象</a:t>
+            </a:r>
+            <a:r>
+              <a:rPr lang="zh-CN" altLang="en-US"/>
+              <a:t>，那么它和聚集对象之间的关系就称为组合（composition）。例如：“一个学生有一个名字”就是组合关系，“一个学生有一个地址”就是聚集关系，因为一个地址可以被几个学生所共享。</a:t>
+            </a:r>
+            <a:endParaRPr lang="zh-CN" altLang="en-US"/>
           </a:p>
           <a:p>
             <a:r>
@@ -6553,6 +6618,7 @@
               <a:rPr lang="en-US" sz="2400" dirty="0"/>
               <a:t>3</a:t>
             </a:r>
+            <a:endParaRPr lang="en-US" sz="2400" dirty="0"/>
           </a:p>
         </p:txBody>
       </p:sp>
@@ -6695,6 +6761,13 @@
                 </a:rPr>
                 <a:t>导航性（单向与双向）</a:t>
               </a:r>
+              <a:endParaRPr lang="zh-CN" altLang="en-US" b="0" i="0" dirty="0">
+                <a:solidFill>
+                  <a:srgbClr val="000000"/>
+                </a:solidFill>
+                <a:effectLst/>
+                <a:latin typeface="Verdana" panose="020B0604030504040204" pitchFamily="34" charset="0"/>
+              </a:endParaRPr>
             </a:p>
             <a:p>
               <a:endParaRPr lang="zh-CN" altLang="en-US" b="0" i="0" dirty="0">
@@ -6824,7 +6897,7 @@
           <p:nvPr/>
         </p:nvPicPr>
         <p:blipFill>
-          <a:blip r:embed="rId2"/>
+          <a:blip r:embed="rId1"/>
           <a:stretch>
             <a:fillRect/>
           </a:stretch>
@@ -6848,7 +6921,7 @@
           <p:nvPr/>
         </p:nvPicPr>
         <p:blipFill>
-          <a:blip r:embed="rId3"/>
+          <a:blip r:embed="rId2"/>
           <a:stretch>
             <a:fillRect/>
           </a:stretch>
@@ -6983,6 +7056,7 @@
               <a:rPr lang="en-US" sz="2400" dirty="0"/>
               <a:t>3</a:t>
             </a:r>
+            <a:endParaRPr lang="en-US" sz="2400" dirty="0"/>
           </a:p>
         </p:txBody>
       </p:sp>
@@ -7125,6 +7199,13 @@
                 </a:rPr>
                 <a:t>关联类</a:t>
               </a:r>
+              <a:endParaRPr lang="zh-CN" altLang="en-US" b="0" i="0" dirty="0">
+                <a:solidFill>
+                  <a:srgbClr val="000000"/>
+                </a:solidFill>
+                <a:effectLst/>
+                <a:latin typeface="Verdana" panose="020B0604030504040204" pitchFamily="34" charset="0"/>
+              </a:endParaRPr>
             </a:p>
             <a:p>
               <a:endParaRPr lang="zh-CN" altLang="en-US" b="0" i="0" dirty="0">
@@ -7254,7 +7335,7 @@
           <p:nvPr/>
         </p:nvPicPr>
         <p:blipFill>
-          <a:blip r:embed="rId2"/>
+          <a:blip r:embed="rId1"/>
           <a:stretch>
             <a:fillRect/>
           </a:stretch>
@@ -7389,6 +7470,7 @@
               <a:rPr lang="en-US" sz="2400" dirty="0"/>
               <a:t>3</a:t>
             </a:r>
+            <a:endParaRPr lang="en-US" sz="2400" dirty="0"/>
           </a:p>
         </p:txBody>
       </p:sp>
@@ -7531,6 +7613,13 @@
                 </a:rPr>
                 <a:t>约束</a:t>
               </a:r>
+              <a:endParaRPr lang="zh-CN" altLang="en-US" b="0" i="0" dirty="0">
+                <a:solidFill>
+                  <a:srgbClr val="000000"/>
+                </a:solidFill>
+                <a:effectLst/>
+                <a:latin typeface="Verdana" panose="020B0604030504040204" pitchFamily="34" charset="0"/>
+              </a:endParaRPr>
             </a:p>
             <a:p>
               <a:endParaRPr lang="zh-CN" altLang="en-US" b="0" i="0" dirty="0">
@@ -7660,7 +7749,7 @@
           <p:nvPr/>
         </p:nvPicPr>
         <p:blipFill>
-          <a:blip r:embed="rId2"/>
+          <a:blip r:embed="rId1"/>
           <a:stretch>
             <a:fillRect/>
           </a:stretch>
@@ -7795,6 +7884,7 @@
               <a:rPr lang="en-US" sz="2400" dirty="0"/>
               <a:t>3</a:t>
             </a:r>
+            <a:endParaRPr lang="en-US" sz="2400" dirty="0"/>
           </a:p>
         </p:txBody>
       </p:sp>
@@ -7937,6 +8027,13 @@
                 </a:rPr>
                 <a:t>实现关系</a:t>
               </a:r>
+              <a:endParaRPr lang="zh-CN" altLang="en-US" b="0" i="0" dirty="0">
+                <a:solidFill>
+                  <a:srgbClr val="000000"/>
+                </a:solidFill>
+                <a:effectLst/>
+                <a:latin typeface="Verdana" panose="020B0604030504040204" pitchFamily="34" charset="0"/>
+              </a:endParaRPr>
             </a:p>
             <a:p>
               <a:endParaRPr lang="zh-CN" altLang="en-US" b="0" i="0" dirty="0">
@@ -8066,7 +8163,7 @@
           <p:nvPr/>
         </p:nvPicPr>
         <p:blipFill>
-          <a:blip r:embed="rId2"/>
+          <a:blip r:embed="rId1"/>
           <a:stretch>
             <a:fillRect/>
           </a:stretch>
@@ -8209,6 +8306,11 @@
               </a:rPr>
               <a:t>4</a:t>
             </a:r>
+            <a:endParaRPr lang="en-US" sz="2400" dirty="0">
+              <a:solidFill>
+                <a:prstClr val="white"/>
+              </a:solidFill>
+            </a:endParaRPr>
           </a:p>
         </p:txBody>
       </p:sp>
@@ -8276,6 +8378,13 @@
               </a:rPr>
               <a:t>顺序图</a:t>
             </a:r>
+            <a:endParaRPr lang="zh-CN" altLang="en-US" sz="2665" dirty="0">
+              <a:solidFill>
+                <a:srgbClr val="183A5D"/>
+              </a:solidFill>
+              <a:latin typeface="微软雅黑" panose="020B0503020204020204" pitchFamily="34" charset="-122"/>
+              <a:ea typeface="微软雅黑" panose="020B0503020204020204" pitchFamily="34" charset="-122"/>
+            </a:endParaRPr>
           </a:p>
         </p:txBody>
       </p:sp>
@@ -8489,6 +8598,7 @@
               <a:rPr lang="zh-CN" altLang="en-US" dirty="0"/>
               <a:t>。</a:t>
             </a:r>
+            <a:endParaRPr lang="zh-CN" altLang="en-US" dirty="0"/>
           </a:p>
           <a:p>
             <a:pPr indent="457200"/>
@@ -8508,6 +8618,7 @@
               <a:rPr lang="zh-CN" altLang="en-US" dirty="0"/>
               <a:t>个标记符：对象、生命线、消息和激活。</a:t>
             </a:r>
+            <a:endParaRPr lang="zh-CN" altLang="en-US" dirty="0"/>
           </a:p>
         </p:txBody>
       </p:sp>
@@ -8520,7 +8631,7 @@
           <p:nvPr/>
         </p:nvPicPr>
         <p:blipFill>
-          <a:blip r:embed="rId2">
+          <a:blip r:embed="rId1">
             <a:extLst>
               <a:ext uri="{28A0092B-C50C-407E-A947-70E740481C1C}">
                 <a14:useLocalDpi xmlns:a14="http://schemas.microsoft.com/office/drawing/2010/main" val="0"/>
@@ -8740,6 +8851,13 @@
               </a:rPr>
               <a:t>目录</a:t>
             </a:r>
+            <a:endParaRPr lang="zh-CN" sz="3200" b="1" dirty="0">
+              <a:solidFill>
+                <a:schemeClr val="bg1"/>
+              </a:solidFill>
+              <a:latin typeface="微软雅黑" panose="020B0503020204020204" pitchFamily="34" charset="-122"/>
+              <a:ea typeface="微软雅黑" panose="020B0503020204020204" pitchFamily="34" charset="-122"/>
+            </a:endParaRPr>
           </a:p>
         </p:txBody>
       </p:sp>
@@ -8851,6 +8969,14 @@
                 </a:rPr>
                 <a:t>引言</a:t>
               </a:r>
+              <a:endParaRPr lang="zh-CN" sz="2000" b="1" kern="100" dirty="0">
+                <a:solidFill>
+                  <a:schemeClr val="bg1"/>
+                </a:solidFill>
+                <a:latin typeface="微软雅黑" panose="020B0503020204020204" pitchFamily="34" charset="-122"/>
+                <a:ea typeface="微软雅黑" panose="020B0503020204020204" pitchFamily="34" charset="-122"/>
+                <a:cs typeface="Times New Roman" panose="02020603050405020304" pitchFamily="18" charset="0"/>
+              </a:endParaRPr>
             </a:p>
           </p:txBody>
         </p:sp>
@@ -9150,6 +9276,14 @@
                 </a:rPr>
                 <a:t>用例图</a:t>
               </a:r>
+              <a:endParaRPr lang="zh-CN" sz="2000" b="1" kern="100" dirty="0">
+                <a:solidFill>
+                  <a:schemeClr val="bg1"/>
+                </a:solidFill>
+                <a:latin typeface="微软雅黑" panose="020B0503020204020204" pitchFamily="34" charset="-122"/>
+                <a:ea typeface="微软雅黑" panose="020B0503020204020204" pitchFamily="34" charset="-122"/>
+                <a:cs typeface="Times New Roman" panose="02020603050405020304" pitchFamily="18" charset="0"/>
+              </a:endParaRPr>
             </a:p>
           </p:txBody>
         </p:sp>
@@ -9329,6 +9463,14 @@
                 </a:rPr>
                 <a:t>类图</a:t>
               </a:r>
+              <a:endParaRPr lang="zh-CN" sz="2000" b="1" kern="100" dirty="0">
+                <a:solidFill>
+                  <a:schemeClr val="bg1"/>
+                </a:solidFill>
+                <a:latin typeface="微软雅黑" panose="020B0503020204020204" pitchFamily="34" charset="-122"/>
+                <a:ea typeface="微软雅黑" panose="020B0503020204020204" pitchFamily="34" charset="-122"/>
+                <a:cs typeface="Times New Roman" panose="02020603050405020304" pitchFamily="18" charset="0"/>
+              </a:endParaRPr>
             </a:p>
           </p:txBody>
         </p:sp>
@@ -9508,6 +9650,14 @@
                 </a:rPr>
                 <a:t>顺序图</a:t>
               </a:r>
+              <a:endParaRPr lang="zh-CN" sz="2000" b="1" kern="100" dirty="0">
+                <a:solidFill>
+                  <a:schemeClr val="bg1"/>
+                </a:solidFill>
+                <a:latin typeface="微软雅黑" panose="020B0503020204020204" pitchFamily="34" charset="-122"/>
+                <a:ea typeface="微软雅黑" panose="020B0503020204020204" pitchFamily="34" charset="-122"/>
+                <a:cs typeface="Times New Roman" panose="02020603050405020304" pitchFamily="18" charset="0"/>
+              </a:endParaRPr>
             </a:p>
           </p:txBody>
         </p:sp>
@@ -9687,6 +9837,14 @@
                 </a:rPr>
                 <a:t>状态机图</a:t>
               </a:r>
+              <a:endParaRPr lang="zh-CN" sz="2000" b="1" kern="100" dirty="0">
+                <a:solidFill>
+                  <a:schemeClr val="bg1"/>
+                </a:solidFill>
+                <a:latin typeface="微软雅黑" panose="020B0503020204020204" pitchFamily="34" charset="-122"/>
+                <a:ea typeface="微软雅黑" panose="020B0503020204020204" pitchFamily="34" charset="-122"/>
+                <a:cs typeface="Times New Roman" panose="02020603050405020304" pitchFamily="18" charset="0"/>
+              </a:endParaRPr>
             </a:p>
           </p:txBody>
         </p:sp>
@@ -9866,6 +10024,14 @@
                 </a:rPr>
                 <a:t>通信图</a:t>
               </a:r>
+              <a:endParaRPr lang="zh-CN" sz="2000" b="1" kern="100" dirty="0">
+                <a:solidFill>
+                  <a:schemeClr val="bg1"/>
+                </a:solidFill>
+                <a:latin typeface="微软雅黑" panose="020B0503020204020204" pitchFamily="34" charset="-122"/>
+                <a:ea typeface="微软雅黑" panose="020B0503020204020204" pitchFamily="34" charset="-122"/>
+                <a:cs typeface="Times New Roman" panose="02020603050405020304" pitchFamily="18" charset="0"/>
+              </a:endParaRPr>
             </a:p>
           </p:txBody>
         </p:sp>
@@ -10045,6 +10211,14 @@
                 </a:rPr>
                 <a:t>部署图</a:t>
               </a:r>
+              <a:endParaRPr lang="zh-CN" sz="2000" b="1" kern="100" dirty="0">
+                <a:solidFill>
+                  <a:schemeClr val="bg1"/>
+                </a:solidFill>
+                <a:latin typeface="微软雅黑" panose="020B0503020204020204" pitchFamily="34" charset="-122"/>
+                <a:ea typeface="微软雅黑" panose="020B0503020204020204" pitchFamily="34" charset="-122"/>
+                <a:cs typeface="Times New Roman" panose="02020603050405020304" pitchFamily="18" charset="0"/>
+              </a:endParaRPr>
             </a:p>
           </p:txBody>
         </p:sp>
@@ -10224,6 +10398,14 @@
                 </a:rPr>
                 <a:t>参考资料</a:t>
               </a:r>
+              <a:endParaRPr lang="zh-CN" sz="2000" b="1" kern="100" dirty="0">
+                <a:solidFill>
+                  <a:schemeClr val="bg1"/>
+                </a:solidFill>
+                <a:latin typeface="微软雅黑" panose="020B0503020204020204" pitchFamily="34" charset="-122"/>
+                <a:ea typeface="微软雅黑" panose="020B0503020204020204" pitchFamily="34" charset="-122"/>
+                <a:cs typeface="Times New Roman" panose="02020603050405020304" pitchFamily="18" charset="0"/>
+              </a:endParaRPr>
             </a:p>
           </p:txBody>
         </p:sp>
@@ -10403,6 +10585,14 @@
                 </a:rPr>
                 <a:t>分工与绩效</a:t>
               </a:r>
+              <a:endParaRPr lang="zh-CN" sz="2000" b="1" kern="100" dirty="0">
+                <a:solidFill>
+                  <a:schemeClr val="bg1"/>
+                </a:solidFill>
+                <a:latin typeface="微软雅黑" panose="020B0503020204020204" pitchFamily="34" charset="-122"/>
+                <a:ea typeface="微软雅黑" panose="020B0503020204020204" pitchFamily="34" charset="-122"/>
+                <a:cs typeface="Times New Roman" panose="02020603050405020304" pitchFamily="18" charset="0"/>
+              </a:endParaRPr>
             </a:p>
           </p:txBody>
         </p:sp>
@@ -10412,13 +10602,13 @@
   <p:clrMapOvr>
     <a:masterClrMapping/>
   </p:clrMapOvr>
-  <mc:AlternateContent xmlns:mc="http://schemas.openxmlformats.org/markup-compatibility/2006" xmlns:p14="http://schemas.microsoft.com/office/powerpoint/2010/main">
-    <mc:Choice Requires="p14">
+  <mc:AlternateContent xmlns:mc="http://schemas.openxmlformats.org/markup-compatibility/2006">
+    <mc:Choice xmlns:p14="http://schemas.microsoft.com/office/powerpoint/2010/main" Requires="p14">
       <p:transition spd="slow" p14:dur="1200" advClick="0" advTm="0">
         <p14:prism/>
       </p:transition>
     </mc:Choice>
-    <mc:Fallback xmlns="">
+    <mc:Fallback>
       <p:transition spd="slow" advClick="0" advTm="0">
         <p:fade/>
       </p:transition>
@@ -12089,6 +12279,11 @@
               </a:rPr>
               <a:t>4</a:t>
             </a:r>
+            <a:endParaRPr lang="en-US" sz="2400" dirty="0">
+              <a:solidFill>
+                <a:prstClr val="white"/>
+              </a:solidFill>
+            </a:endParaRPr>
           </a:p>
         </p:txBody>
       </p:sp>
@@ -12156,6 +12351,13 @@
               </a:rPr>
               <a:t>顺序图</a:t>
             </a:r>
+            <a:endParaRPr lang="zh-CN" altLang="en-US" sz="2665" dirty="0">
+              <a:solidFill>
+                <a:srgbClr val="183A5D"/>
+              </a:solidFill>
+              <a:latin typeface="微软雅黑" panose="020B0503020204020204" pitchFamily="34" charset="-122"/>
+              <a:ea typeface="微软雅黑" panose="020B0503020204020204" pitchFamily="34" charset="-122"/>
+            </a:endParaRPr>
           </a:p>
         </p:txBody>
       </p:sp>
@@ -12377,6 +12579,11 @@
               </a:rPr>
               <a:t>箭头以时间顺序在图中从上到下排列。</a:t>
             </a:r>
+            <a:endParaRPr lang="zh-CN" altLang="en-US" dirty="0">
+              <a:solidFill>
+                <a:srgbClr val="FF0000"/>
+              </a:solidFill>
+            </a:endParaRPr>
           </a:p>
         </p:txBody>
       </p:sp>
@@ -12389,7 +12596,7 @@
           <p:nvPr/>
         </p:nvPicPr>
         <p:blipFill>
-          <a:blip r:embed="rId2">
+          <a:blip r:embed="rId1">
             <a:extLst>
               <a:ext uri="{28A0092B-C50C-407E-A947-70E740481C1C}">
                 <a14:useLocalDpi xmlns:a14="http://schemas.microsoft.com/office/drawing/2010/main" val="0"/>
@@ -12549,6 +12756,11 @@
               </a:rPr>
               <a:t>4</a:t>
             </a:r>
+            <a:endParaRPr lang="en-US" sz="2400" dirty="0">
+              <a:solidFill>
+                <a:prstClr val="white"/>
+              </a:solidFill>
+            </a:endParaRPr>
           </a:p>
         </p:txBody>
       </p:sp>
@@ -12616,6 +12828,13 @@
               </a:rPr>
               <a:t>顺序图</a:t>
             </a:r>
+            <a:endParaRPr lang="zh-CN" altLang="en-US" sz="2665" dirty="0">
+              <a:solidFill>
+                <a:srgbClr val="183A5D"/>
+              </a:solidFill>
+              <a:latin typeface="微软雅黑" panose="020B0503020204020204" pitchFamily="34" charset="-122"/>
+              <a:ea typeface="微软雅黑" panose="020B0503020204020204" pitchFamily="34" charset="-122"/>
+            </a:endParaRPr>
           </a:p>
         </p:txBody>
       </p:sp>
@@ -12819,8 +13038,21 @@
             </a:pPr>
             <a:r>
               <a:rPr lang="zh-CN" altLang="en-US" dirty="0"/>
-              <a:t>对象是特定行为与属性的集合。</a:t>
+              <a:t>对象是</a:t>
             </a:r>
+            <a:r>
+              <a:rPr lang="zh-CN" altLang="en-US" dirty="0">
+                <a:solidFill>
+                  <a:srgbClr val="FF0000"/>
+                </a:solidFill>
+              </a:rPr>
+              <a:t>特定行为与属性</a:t>
+            </a:r>
+            <a:r>
+              <a:rPr lang="zh-CN" altLang="en-US" dirty="0"/>
+              <a:t>的集合。</a:t>
+            </a:r>
+            <a:endParaRPr lang="zh-CN" altLang="en-US" dirty="0"/>
           </a:p>
           <a:p>
             <a:pPr>
@@ -12832,6 +13064,7 @@
               <a:rPr lang="zh-CN" altLang="en-US" dirty="0"/>
               <a:t>对象的表示方式有三种：</a:t>
             </a:r>
+            <a:endParaRPr lang="zh-CN" altLang="en-US" dirty="0"/>
           </a:p>
           <a:p>
             <a:pPr>
@@ -12879,6 +13112,7 @@
               <a:rPr lang="zh-CN" altLang="en-US" dirty="0"/>
               <a:t>只有对象名</a:t>
             </a:r>
+            <a:endParaRPr lang="zh-CN" altLang="en-US" dirty="0"/>
           </a:p>
         </p:txBody>
       </p:sp>
@@ -12891,7 +13125,7 @@
           <p:nvPr/>
         </p:nvPicPr>
         <p:blipFill>
-          <a:blip r:embed="rId2">
+          <a:blip r:embed="rId1">
             <a:extLst>
               <a:ext uri="{28A0092B-C50C-407E-A947-70E740481C1C}">
                 <a14:useLocalDpi xmlns:a14="http://schemas.microsoft.com/office/drawing/2010/main" val="0"/>
@@ -13051,6 +13285,11 @@
               </a:rPr>
               <a:t>4</a:t>
             </a:r>
+            <a:endParaRPr lang="en-US" sz="2400" dirty="0">
+              <a:solidFill>
+                <a:prstClr val="white"/>
+              </a:solidFill>
+            </a:endParaRPr>
           </a:p>
         </p:txBody>
       </p:sp>
@@ -13118,6 +13357,13 @@
               </a:rPr>
               <a:t>顺序图</a:t>
             </a:r>
+            <a:endParaRPr lang="zh-CN" altLang="en-US" sz="2665" dirty="0">
+              <a:solidFill>
+                <a:srgbClr val="183A5D"/>
+              </a:solidFill>
+              <a:latin typeface="微软雅黑" panose="020B0503020204020204" pitchFamily="34" charset="-122"/>
+              <a:ea typeface="微软雅黑" panose="020B0503020204020204" pitchFamily="34" charset="-122"/>
+            </a:endParaRPr>
           </a:p>
         </p:txBody>
       </p:sp>
@@ -13279,6 +13525,11 @@
                   </a:rPr>
                   <a:t>生命线</a:t>
                 </a:r>
+                <a:endParaRPr lang="zh-CN" altLang="en-US" sz="1350" dirty="0">
+                  <a:solidFill>
+                    <a:prstClr val="white"/>
+                  </a:solidFill>
+                </a:endParaRPr>
               </a:p>
             </p:txBody>
           </p:sp>
@@ -13442,6 +13693,11 @@
                   </a:rPr>
                   <a:t>激活</a:t>
                 </a:r>
+                <a:endParaRPr lang="zh-CN" altLang="en-US" sz="1350" dirty="0">
+                  <a:solidFill>
+                    <a:prstClr val="white"/>
+                  </a:solidFill>
+                </a:endParaRPr>
               </a:p>
             </p:txBody>
           </p:sp>
@@ -13485,6 +13741,7 @@
               <a:rPr lang="zh-CN" altLang="en-US" dirty="0"/>
               <a:t>，对象下方的虚线就是改对象的生命线。</a:t>
             </a:r>
+            <a:endParaRPr lang="zh-CN" altLang="en-US" dirty="0"/>
           </a:p>
         </p:txBody>
       </p:sp>
@@ -13497,7 +13754,7 @@
           <p:nvPr/>
         </p:nvPicPr>
         <p:blipFill>
-          <a:blip r:embed="rId2">
+          <a:blip r:embed="rId1">
             <a:extLst>
               <a:ext uri="{28A0092B-C50C-407E-A947-70E740481C1C}">
                 <a14:useLocalDpi xmlns:a14="http://schemas.microsoft.com/office/drawing/2010/main" val="0"/>
@@ -13551,7 +13808,7 @@
           <p:nvPr/>
         </p:nvPicPr>
         <p:blipFill>
-          <a:blip r:embed="rId3">
+          <a:blip r:embed="rId2">
             <a:extLst>
               <a:ext uri="{28A0092B-C50C-407E-A947-70E740481C1C}">
                 <a14:useLocalDpi xmlns:a14="http://schemas.microsoft.com/office/drawing/2010/main" val="0"/>
@@ -13622,6 +13879,7 @@
               <a:rPr lang="zh-CN" altLang="en-US" dirty="0"/>
               <a:t>控制焦点是指活动者或对象处于执行状态的时间段。</a:t>
             </a:r>
+            <a:endParaRPr lang="zh-CN" altLang="en-US" dirty="0"/>
           </a:p>
         </p:txBody>
       </p:sp>
@@ -13753,6 +14011,11 @@
               </a:rPr>
               <a:t>4</a:t>
             </a:r>
+            <a:endParaRPr lang="en-US" sz="2400" dirty="0">
+              <a:solidFill>
+                <a:prstClr val="white"/>
+              </a:solidFill>
+            </a:endParaRPr>
           </a:p>
         </p:txBody>
       </p:sp>
@@ -13820,6 +14083,13 @@
               </a:rPr>
               <a:t>顺序图</a:t>
             </a:r>
+            <a:endParaRPr lang="zh-CN" altLang="en-US" sz="2665" dirty="0">
+              <a:solidFill>
+                <a:srgbClr val="183A5D"/>
+              </a:solidFill>
+              <a:latin typeface="微软雅黑" panose="020B0503020204020204" pitchFamily="34" charset="-122"/>
+              <a:ea typeface="微软雅黑" panose="020B0503020204020204" pitchFamily="34" charset="-122"/>
+            </a:endParaRPr>
           </a:p>
         </p:txBody>
       </p:sp>
@@ -13981,6 +14251,11 @@
                   </a:rPr>
                   <a:t>消息</a:t>
                 </a:r>
+                <a:endParaRPr lang="zh-CN" altLang="en-US" sz="1350" dirty="0">
+                  <a:solidFill>
+                    <a:prstClr val="white"/>
+                  </a:solidFill>
+                </a:endParaRPr>
               </a:p>
             </p:txBody>
           </p:sp>
@@ -13994,8 +14269,8 @@
         </p:nvSpPr>
         <p:spPr>
           <a:xfrm>
-            <a:off x="415128" y="1773610"/>
-            <a:ext cx="10369152" cy="3785652"/>
+            <a:off x="405603" y="1600890"/>
+            <a:ext cx="10369152" cy="4892675"/>
           </a:xfrm>
           <a:prstGeom prst="rect">
             <a:avLst/>
@@ -14009,85 +14284,91 @@
           <a:lstStyle/>
           <a:p>
             <a:r>
-              <a:rPr lang="zh-CN" altLang="en-US" sz="1600" dirty="0"/>
+              <a:rPr lang="zh-CN" altLang="en-US" sz="2000" dirty="0"/>
               <a:t>消息用于描述对象间交互的方式及内容。</a:t>
             </a:r>
+            <a:endParaRPr lang="zh-CN" altLang="en-US" sz="2000" dirty="0"/>
           </a:p>
           <a:p>
             <a:r>
-              <a:rPr lang="zh-CN" altLang="en-US" sz="1600" dirty="0"/>
+              <a:rPr lang="zh-CN" altLang="en-US" sz="2000" dirty="0"/>
               <a:t>消息分为四种：同步消息、异步消息、返回消息、自关联消息</a:t>
             </a:r>
+            <a:endParaRPr lang="zh-CN" altLang="en-US" sz="2000" dirty="0"/>
           </a:p>
           <a:p>
             <a:r>
-              <a:rPr lang="en-US" altLang="zh-CN" sz="1600" dirty="0"/>
+              <a:rPr lang="en-US" altLang="zh-CN" sz="2000" dirty="0"/>
               <a:t>1.</a:t>
             </a:r>
             <a:r>
-              <a:rPr lang="zh-CN" altLang="en-US" sz="1600" dirty="0"/>
+              <a:rPr lang="zh-CN" altLang="en-US" sz="2000" dirty="0"/>
               <a:t>同步消息：一个对象向另一个对象发出同步消息后，将处于阻塞状态，一直等到另一个对象的回应。</a:t>
             </a:r>
+            <a:endParaRPr lang="zh-CN" altLang="en-US" sz="2000" dirty="0"/>
           </a:p>
           <a:p>
             <a:r>
-              <a:rPr lang="zh-CN" altLang="en-US" sz="1600" dirty="0"/>
+              <a:rPr lang="zh-CN" altLang="en-US" sz="2000" dirty="0"/>
               <a:t>表示方式：</a:t>
             </a:r>
-            <a:endParaRPr lang="en-US" altLang="zh-CN" sz="1600" dirty="0"/>
+            <a:endParaRPr lang="en-US" altLang="zh-CN" sz="2000" dirty="0"/>
           </a:p>
           <a:p>
-            <a:endParaRPr lang="en-US" altLang="zh-CN" sz="1600" dirty="0"/>
+            <a:endParaRPr lang="en-US" altLang="zh-CN" sz="2000" dirty="0"/>
           </a:p>
           <a:p>
             <a:r>
-              <a:rPr lang="en-US" altLang="zh-CN" sz="1600" dirty="0"/>
+              <a:rPr lang="en-US" altLang="zh-CN" sz="2000" dirty="0"/>
               <a:t>2.</a:t>
             </a:r>
             <a:r>
-              <a:rPr lang="zh-CN" altLang="en-US" sz="1600" dirty="0"/>
+              <a:rPr lang="zh-CN" altLang="en-US" sz="2000" dirty="0"/>
               <a:t>异步消息：一个对象向另一个对象发出异步消息后，这个对象可以进行其他的操作，不需要等到另一个对象的响应。</a:t>
             </a:r>
+            <a:endParaRPr lang="zh-CN" altLang="en-US" sz="2000" dirty="0"/>
           </a:p>
           <a:p>
             <a:r>
-              <a:rPr lang="zh-CN" altLang="en-US" sz="1600" dirty="0"/>
+              <a:rPr lang="zh-CN" altLang="en-US" sz="2000" dirty="0"/>
               <a:t>表示方式：</a:t>
             </a:r>
-            <a:endParaRPr lang="en-US" altLang="zh-CN" sz="1600" dirty="0"/>
+            <a:endParaRPr lang="en-US" altLang="zh-CN" sz="2000" dirty="0"/>
           </a:p>
           <a:p>
-            <a:endParaRPr lang="zh-CN" altLang="en-US" sz="1600" dirty="0"/>
+            <a:endParaRPr lang="zh-CN" altLang="en-US" sz="2000" dirty="0"/>
           </a:p>
           <a:p>
             <a:r>
-              <a:rPr lang="en-US" altLang="zh-CN" sz="1600" dirty="0"/>
+              <a:rPr lang="en-US" altLang="zh-CN" sz="2000" dirty="0"/>
               <a:t>3.</a:t>
             </a:r>
             <a:r>
-              <a:rPr lang="zh-CN" altLang="en-US" sz="1600" dirty="0"/>
+              <a:rPr lang="zh-CN" altLang="en-US" sz="2000" dirty="0"/>
               <a:t>返回消息：同步消息的返回消息</a:t>
             </a:r>
+            <a:endParaRPr lang="zh-CN" altLang="en-US" sz="2000" dirty="0"/>
           </a:p>
           <a:p>
             <a:r>
-              <a:rPr lang="zh-CN" altLang="en-US" sz="1600" dirty="0"/>
+              <a:rPr lang="zh-CN" altLang="en-US" sz="2000" dirty="0"/>
               <a:t>表示方式：</a:t>
             </a:r>
-            <a:endParaRPr lang="en-US" altLang="zh-CN" sz="1600" dirty="0"/>
+            <a:endParaRPr lang="en-US" altLang="zh-CN" sz="2000" dirty="0"/>
           </a:p>
           <a:p>
-            <a:endParaRPr lang="zh-CN" altLang="en-US" sz="1600" dirty="0"/>
+            <a:endParaRPr lang="zh-CN" altLang="en-US" sz="2000" dirty="0"/>
           </a:p>
           <a:p>
             <a:r>
-              <a:rPr lang="en-US" altLang="zh-CN" sz="1600" dirty="0"/>
+              <a:rPr lang="en-US" altLang="zh-CN" sz="2000" dirty="0"/>
               <a:t>4.</a:t>
             </a:r>
             <a:r>
-              <a:rPr lang="zh-CN" altLang="en-US" sz="1600" dirty="0"/>
+              <a:rPr lang="zh-CN" altLang="en-US" sz="2000" dirty="0"/>
               <a:t>自关联消息：用来描述对象内部函数的互相调用。</a:t>
             </a:r>
+            <a:endParaRPr lang="zh-CN" altLang="en-US" sz="1600" dirty="0"/>
           </a:p>
           <a:p>
             <a:r>
@@ -14110,7 +14391,7 @@
           <p:nvPr/>
         </p:nvPicPr>
         <p:blipFill>
-          <a:blip r:embed="rId2">
+          <a:blip r:embed="rId1">
             <a:extLst>
               <a:ext uri="{28A0092B-C50C-407E-A947-70E740481C1C}">
                 <a14:useLocalDpi xmlns:a14="http://schemas.microsoft.com/office/drawing/2010/main" val="0"/>
@@ -14124,7 +14405,7 @@
         </p:blipFill>
         <p:spPr bwMode="auto">
           <a:xfrm>
-            <a:off x="2062758" y="2637706"/>
+            <a:off x="1845588" y="2794551"/>
             <a:ext cx="1943100" cy="323850"/>
           </a:xfrm>
           <a:prstGeom prst="rect">
@@ -14164,7 +14445,7 @@
           <p:nvPr/>
         </p:nvPicPr>
         <p:blipFill>
-          <a:blip r:embed="rId3">
+          <a:blip r:embed="rId2">
             <a:extLst>
               <a:ext uri="{28A0092B-C50C-407E-A947-70E740481C1C}">
                 <a14:useLocalDpi xmlns:a14="http://schemas.microsoft.com/office/drawing/2010/main" val="0"/>
@@ -14178,7 +14459,7 @@
         </p:blipFill>
         <p:spPr bwMode="auto">
           <a:xfrm>
-            <a:off x="2062758" y="3581400"/>
+            <a:off x="3615968" y="3644265"/>
             <a:ext cx="1962150" cy="304800"/>
           </a:xfrm>
           <a:prstGeom prst="rect">
@@ -14218,7 +14499,7 @@
           <p:nvPr/>
         </p:nvPicPr>
         <p:blipFill>
-          <a:blip r:embed="rId4">
+          <a:blip r:embed="rId3">
             <a:extLst>
               <a:ext uri="{28A0092B-C50C-407E-A947-70E740481C1C}">
                 <a14:useLocalDpi xmlns:a14="http://schemas.microsoft.com/office/drawing/2010/main" val="0"/>
@@ -14232,7 +14513,7 @@
         </p:blipFill>
         <p:spPr bwMode="auto">
           <a:xfrm>
-            <a:off x="2076759" y="4365898"/>
+            <a:off x="5076499" y="4304303"/>
             <a:ext cx="1724025" cy="419100"/>
           </a:xfrm>
           <a:prstGeom prst="rect">
@@ -14272,7 +14553,7 @@
           <p:nvPr/>
         </p:nvPicPr>
         <p:blipFill>
-          <a:blip r:embed="rId5">
+          <a:blip r:embed="rId4">
             <a:extLst>
               <a:ext uri="{28A0092B-C50C-407E-A947-70E740481C1C}">
                 <a14:useLocalDpi xmlns:a14="http://schemas.microsoft.com/office/drawing/2010/main" val="0"/>
@@ -14445,6 +14726,11 @@
               </a:rPr>
               <a:t>4</a:t>
             </a:r>
+            <a:endParaRPr lang="en-US" sz="2400" dirty="0">
+              <a:solidFill>
+                <a:prstClr val="white"/>
+              </a:solidFill>
+            </a:endParaRPr>
           </a:p>
         </p:txBody>
       </p:sp>
@@ -14512,6 +14798,13 @@
               </a:rPr>
               <a:t>顺序图</a:t>
             </a:r>
+            <a:endParaRPr lang="zh-CN" altLang="en-US" sz="2665" dirty="0">
+              <a:solidFill>
+                <a:srgbClr val="183A5D"/>
+              </a:solidFill>
+              <a:latin typeface="微软雅黑" panose="020B0503020204020204" pitchFamily="34" charset="-122"/>
+              <a:ea typeface="微软雅黑" panose="020B0503020204020204" pitchFamily="34" charset="-122"/>
+            </a:endParaRPr>
           </a:p>
         </p:txBody>
       </p:sp>
@@ -14684,7 +14977,7 @@
           <p:nvPr/>
         </p:nvPicPr>
         <p:blipFill>
-          <a:blip r:embed="rId2">
+          <a:blip r:embed="rId1">
             <a:extLst>
               <a:ext uri="{28A0092B-C50C-407E-A947-70E740481C1C}">
                 <a14:useLocalDpi xmlns:a14="http://schemas.microsoft.com/office/drawing/2010/main" val="0"/>
@@ -14742,6 +15035,7 @@
               <a:rPr lang="zh-CN" altLang="en-US" dirty="0"/>
               <a:t>画顺序图的步骤：</a:t>
             </a:r>
+            <a:endParaRPr lang="zh-CN" altLang="en-US" dirty="0"/>
           </a:p>
           <a:p>
             <a:endParaRPr lang="zh-CN" altLang="en-US" dirty="0"/>
@@ -14753,8 +15047,17 @@
             </a:r>
             <a:r>
               <a:rPr lang="zh-CN" altLang="en-US" dirty="0"/>
-              <a:t>确定交互的范围</a:t>
+              <a:t>确定交互的</a:t>
             </a:r>
+            <a:r>
+              <a:rPr lang="zh-CN" altLang="en-US" dirty="0">
+                <a:solidFill>
+                  <a:srgbClr val="FF0000"/>
+                </a:solidFill>
+              </a:rPr>
+              <a:t>范围</a:t>
+            </a:r>
+            <a:endParaRPr lang="zh-CN" altLang="en-US" dirty="0"/>
           </a:p>
           <a:p>
             <a:endParaRPr lang="zh-CN" altLang="en-US" dirty="0"/>
@@ -14766,8 +15069,21 @@
             </a:r>
             <a:r>
               <a:rPr lang="zh-CN" altLang="en-US" dirty="0"/>
-              <a:t>确定参与交互的活动者与对象</a:t>
+              <a:t>确定参与交互的</a:t>
             </a:r>
+            <a:r>
+              <a:rPr lang="zh-CN" altLang="en-US" dirty="0">
+                <a:solidFill>
+                  <a:srgbClr val="FF0000"/>
+                </a:solidFill>
+              </a:rPr>
+              <a:t>活动者与对象</a:t>
+            </a:r>
+            <a:endParaRPr lang="zh-CN" altLang="en-US" dirty="0">
+              <a:solidFill>
+                <a:srgbClr val="FF0000"/>
+              </a:solidFill>
+            </a:endParaRPr>
           </a:p>
           <a:p>
             <a:endParaRPr lang="zh-CN" altLang="en-US" dirty="0"/>
@@ -14779,8 +15095,17 @@
             </a:r>
             <a:r>
               <a:rPr lang="zh-CN" altLang="en-US" dirty="0"/>
-              <a:t>确定活动者、对象的生存周期</a:t>
+              <a:t>确定活动者、对象的</a:t>
             </a:r>
+            <a:r>
+              <a:rPr lang="zh-CN" altLang="en-US" dirty="0">
+                <a:solidFill>
+                  <a:srgbClr val="FF0000"/>
+                </a:solidFill>
+              </a:rPr>
+              <a:t>生存周期</a:t>
+            </a:r>
+            <a:endParaRPr lang="zh-CN" altLang="en-US" dirty="0"/>
           </a:p>
           <a:p>
             <a:endParaRPr lang="zh-CN" altLang="en-US" dirty="0"/>
@@ -14792,8 +15117,21 @@
             </a:r>
             <a:r>
               <a:rPr lang="zh-CN" altLang="en-US" dirty="0"/>
-              <a:t>确定交互中产生的消息</a:t>
+              <a:t>确定交互中</a:t>
             </a:r>
+            <a:r>
+              <a:rPr lang="zh-CN" altLang="en-US" dirty="0">
+                <a:solidFill>
+                  <a:srgbClr val="FF0000"/>
+                </a:solidFill>
+              </a:rPr>
+              <a:t>产生的消息</a:t>
+            </a:r>
+            <a:endParaRPr lang="zh-CN" altLang="en-US" dirty="0">
+              <a:solidFill>
+                <a:srgbClr val="FF0000"/>
+              </a:solidFill>
+            </a:endParaRPr>
           </a:p>
           <a:p>
             <a:endParaRPr lang="zh-CN" altLang="en-US" dirty="0"/>
@@ -14805,8 +15143,21 @@
             </a:r>
             <a:r>
               <a:rPr lang="zh-CN" altLang="en-US" dirty="0"/>
-              <a:t>细化消息的内容</a:t>
+              <a:t>细化</a:t>
             </a:r>
+            <a:r>
+              <a:rPr lang="zh-CN" altLang="en-US" dirty="0">
+                <a:solidFill>
+                  <a:srgbClr val="FF0000"/>
+                </a:solidFill>
+              </a:rPr>
+              <a:t>消息的内容</a:t>
+            </a:r>
+            <a:endParaRPr lang="zh-CN" altLang="en-US" dirty="0">
+              <a:solidFill>
+                <a:srgbClr val="FF0000"/>
+              </a:solidFill>
+            </a:endParaRPr>
           </a:p>
         </p:txBody>
       </p:sp>
@@ -14930,6 +15281,7 @@
               <a:rPr lang="en-US" sz="2400" dirty="0"/>
               <a:t>5</a:t>
             </a:r>
+            <a:endParaRPr lang="en-US" sz="2400" dirty="0"/>
           </a:p>
         </p:txBody>
       </p:sp>
@@ -15067,7 +15419,43 @@
                   </a:solidFill>
                   <a:latin typeface="Verdana" panose="020B0604030504040204" pitchFamily="34" charset="0"/>
                 </a:rPr>
-                <a:t>）是一种行为，它说明对象在它的生命期中相应事件所经历的状态序列以及它们对那些事件的响应。</a:t>
+                <a:t>）是一种行为，它说明对象在它的</a:t>
+              </a:r>
+              <a:r>
+                <a:rPr lang="zh-CN" altLang="en-US" sz="2000" dirty="0">
+                  <a:solidFill>
+                    <a:srgbClr val="FF0000"/>
+                  </a:solidFill>
+                  <a:latin typeface="Verdana" panose="020B0604030504040204" pitchFamily="34" charset="0"/>
+                </a:rPr>
+                <a:t>生命期</a:t>
+              </a:r>
+              <a:r>
+                <a:rPr lang="zh-CN" altLang="en-US" sz="2000" dirty="0">
+                  <a:solidFill>
+                    <a:srgbClr val="000000"/>
+                  </a:solidFill>
+                  <a:latin typeface="Verdana" panose="020B0604030504040204" pitchFamily="34" charset="0"/>
+                </a:rPr>
+                <a:t>中相应事件所经历的</a:t>
+              </a:r>
+              <a:r>
+                <a:rPr lang="zh-CN" altLang="en-US" sz="2000" dirty="0">
+                  <a:solidFill>
+                    <a:srgbClr val="FF0000"/>
+                  </a:solidFill>
+                  <a:latin typeface="Verdana" panose="020B0604030504040204" pitchFamily="34" charset="0"/>
+                </a:rPr>
+                <a:t>状态序列</a:t>
+              </a:r>
+              <a:r>
+                <a:rPr lang="zh-CN" altLang="en-US" sz="2000" dirty="0">
+                  <a:solidFill>
+                    <a:srgbClr val="000000"/>
+                  </a:solidFill>
+                  <a:latin typeface="Verdana" panose="020B0604030504040204" pitchFamily="34" charset="0"/>
+                </a:rPr>
+                <a:t>以及它们对那些事件的响应。</a:t>
               </a:r>
               <a:endParaRPr lang="en-US" altLang="zh-CN" sz="2000" dirty="0">
                 <a:solidFill>
@@ -15102,7 +15490,25 @@
                   </a:solidFill>
                   <a:latin typeface="Verdana" panose="020B0604030504040204" pitchFamily="34" charset="0"/>
                 </a:rPr>
-                <a:t>）是指对象的生命期中的条件或状态，在此期间对象将满足某些条件、执行某些活动或等待某些时间。</a:t>
+                <a:t>）是指对象的生命期中的</a:t>
+              </a:r>
+              <a:r>
+                <a:rPr lang="zh-CN" altLang="en-US" sz="2000" dirty="0">
+                  <a:solidFill>
+                    <a:srgbClr val="FF0000"/>
+                  </a:solidFill>
+                  <a:latin typeface="Verdana" panose="020B0604030504040204" pitchFamily="34" charset="0"/>
+                </a:rPr>
+                <a:t>条件或状态</a:t>
+              </a:r>
+              <a:r>
+                <a:rPr lang="zh-CN" altLang="en-US" sz="2000" dirty="0">
+                  <a:solidFill>
+                    <a:srgbClr val="000000"/>
+                  </a:solidFill>
+                  <a:latin typeface="Verdana" panose="020B0604030504040204" pitchFamily="34" charset="0"/>
+                </a:rPr>
+                <a:t>，在此期间对象将满足某些条件、执行某些活动或等待某些时间。</a:t>
               </a:r>
               <a:endParaRPr lang="en-US" altLang="zh-CN" sz="2000" dirty="0">
                 <a:solidFill>
@@ -15137,7 +15543,25 @@
                   </a:solidFill>
                   <a:latin typeface="Verdana" panose="020B0604030504040204" pitchFamily="34" charset="0"/>
                 </a:rPr>
-                <a:t>）是对一个在时间和空间上占有一定位置的有意义的发生的规约。在状态机的语境中，一个事件是一个激励的发生，它能够触发一个状态转移。</a:t>
+                <a:t>）是对一个在时间和空间上占有一定位置的</a:t>
+              </a:r>
+              <a:r>
+                <a:rPr lang="zh-CN" altLang="en-US" sz="2000" dirty="0">
+                  <a:solidFill>
+                    <a:srgbClr val="FF0000"/>
+                  </a:solidFill>
+                  <a:latin typeface="Verdana" panose="020B0604030504040204" pitchFamily="34" charset="0"/>
+                </a:rPr>
+                <a:t>有意义的发生的规约</a:t>
+              </a:r>
+              <a:r>
+                <a:rPr lang="zh-CN" altLang="en-US" sz="2000" dirty="0">
+                  <a:solidFill>
+                    <a:srgbClr val="000000"/>
+                  </a:solidFill>
+                  <a:latin typeface="Verdana" panose="020B0604030504040204" pitchFamily="34" charset="0"/>
+                </a:rPr>
+                <a:t>。在状态机的语境中，一个事件是一个激励的发生，它能够触发一个状态转移。</a:t>
               </a:r>
               <a:endParaRPr lang="en-US" altLang="zh-CN" sz="2000" dirty="0">
                 <a:solidFill>
@@ -15172,7 +15596,25 @@
                   </a:solidFill>
                   <a:latin typeface="Verdana" panose="020B0604030504040204" pitchFamily="34" charset="0"/>
                 </a:rPr>
-                <a:t>）是两个状态之间的一种关系，它指明对象在第一个状态中执行一定的动作，并当特定事件发生或特定的条件满足时进入第二个状态。</a:t>
+                <a:t>）是两个状态之间的一种关系，它指明对象在第一个状态中执行一定的动作，并当</a:t>
+              </a:r>
+              <a:r>
+                <a:rPr lang="zh-CN" altLang="en-US" sz="2000" dirty="0">
+                  <a:solidFill>
+                    <a:srgbClr val="FF0000"/>
+                  </a:solidFill>
+                  <a:latin typeface="Verdana" panose="020B0604030504040204" pitchFamily="34" charset="0"/>
+                </a:rPr>
+                <a:t>特定事件发生</a:t>
+              </a:r>
+              <a:r>
+                <a:rPr lang="zh-CN" altLang="en-US" sz="2000" dirty="0">
+                  <a:solidFill>
+                    <a:srgbClr val="000000"/>
+                  </a:solidFill>
+                  <a:latin typeface="Verdana" panose="020B0604030504040204" pitchFamily="34" charset="0"/>
+                </a:rPr>
+                <a:t>或特定的条件满足时进入第二个状态。</a:t>
               </a:r>
               <a:endParaRPr lang="en-US" altLang="zh-CN" sz="2000" dirty="0">
                 <a:solidFill>
@@ -15323,7 +15765,19 @@
             </a:r>
             <a:r>
               <a:rPr lang="zh-CN" altLang="en-US" dirty="0"/>
-              <a:t>）是状态机中进行的非原子执行。动作（</a:t>
+              <a:t>）是状态机中进行的</a:t>
+            </a:r>
+            <a:r>
+              <a:rPr lang="zh-CN" altLang="en-US" dirty="0">
+                <a:solidFill>
+                  <a:srgbClr val="FF0000"/>
+                </a:solidFill>
+              </a:rPr>
+              <a:t>非原子执行</a:t>
+            </a:r>
+            <a:r>
+              <a:rPr lang="zh-CN" altLang="en-US" dirty="0"/>
+              <a:t>。动作（</a:t>
             </a:r>
             <a:r>
               <a:rPr lang="en-US" altLang="zh-CN" dirty="0"/>
@@ -15331,17 +15785,37 @@
             </a:r>
             <a:r>
               <a:rPr lang="zh-CN" altLang="en-US" dirty="0"/>
-              <a:t>）是一个可执行的原子计算，它引起模型状态改变或值的返回。在图形上，状态用一个圆角的矩形表示，转移用一条从源状态指向新状态的有向实线表示。</a:t>
+              <a:t>）是一个可执行的</a:t>
             </a:r>
+            <a:r>
+              <a:rPr lang="zh-CN" altLang="en-US" dirty="0">
+                <a:solidFill>
+                  <a:srgbClr val="FF0000"/>
+                </a:solidFill>
+              </a:rPr>
+              <a:t>原子计算</a:t>
+            </a:r>
+            <a:r>
+              <a:rPr lang="zh-CN" altLang="en-US" dirty="0"/>
+              <a:t>，它引起模型状态改变或值的返回。在图形上，状态用一个圆角的矩形表示，转移用一条从源状态指向新状态的</a:t>
+            </a:r>
+            <a:r>
+              <a:rPr lang="zh-CN" altLang="en-US" dirty="0">
+                <a:solidFill>
+                  <a:srgbClr val="FF0000"/>
+                </a:solidFill>
+              </a:rPr>
+              <a:t>有向实线</a:t>
+            </a:r>
+            <a:r>
+              <a:rPr lang="zh-CN" altLang="en-US" dirty="0"/>
+              <a:t>表示。</a:t>
+            </a:r>
+            <a:endParaRPr lang="zh-CN" altLang="en-US" dirty="0"/>
           </a:p>
         </p:txBody>
       </p:sp>
     </p:spTree>
-    <p:extLst>
-      <p:ext uri="{BB962C8B-B14F-4D97-AF65-F5344CB8AC3E}">
-        <p14:creationId xmlns:p14="http://schemas.microsoft.com/office/powerpoint/2010/main" val="2724547934"/>
-      </p:ext>
-    </p:extLst>
   </p:cSld>
   <p:clrMapOvr>
     <a:masterClrMapping/>
@@ -15461,6 +15935,7 @@
               <a:rPr lang="en-US" sz="2400" dirty="0"/>
               <a:t>5</a:t>
             </a:r>
+            <a:endParaRPr lang="en-US" sz="2400" dirty="0"/>
           </a:p>
         </p:txBody>
       </p:sp>
@@ -15606,7 +16081,43 @@
                   </a:solidFill>
                   <a:latin typeface="Verdana" panose="020B0604030504040204" pitchFamily="34" charset="0"/>
                 </a:rPr>
-                <a:t>状态是对象的生命期中的一个条件或状况，在此期间对象将满足某些条件、执行某些活动或等待某些事件。</a:t>
+                <a:t>状态是对象的生命期中的</a:t>
+              </a:r>
+              <a:r>
+                <a:rPr lang="zh-CN" altLang="en-US" dirty="0">
+                  <a:solidFill>
+                    <a:srgbClr val="FF0000"/>
+                  </a:solidFill>
+                  <a:latin typeface="Verdana" panose="020B0604030504040204" pitchFamily="34" charset="0"/>
+                </a:rPr>
+                <a:t>一个条件或状况</a:t>
+              </a:r>
+              <a:r>
+                <a:rPr lang="zh-CN" altLang="en-US" dirty="0">
+                  <a:solidFill>
+                    <a:srgbClr val="000000"/>
+                  </a:solidFill>
+                  <a:latin typeface="Verdana" panose="020B0604030504040204" pitchFamily="34" charset="0"/>
+                </a:rPr>
+                <a:t>，在此期间对象将满足</a:t>
+              </a:r>
+              <a:r>
+                <a:rPr lang="zh-CN" altLang="en-US" dirty="0">
+                  <a:solidFill>
+                    <a:srgbClr val="FF0000"/>
+                  </a:solidFill>
+                  <a:latin typeface="Verdana" panose="020B0604030504040204" pitchFamily="34" charset="0"/>
+                </a:rPr>
+                <a:t>某些条件</a:t>
+              </a:r>
+              <a:r>
+                <a:rPr lang="zh-CN" altLang="en-US" dirty="0">
+                  <a:solidFill>
+                    <a:srgbClr val="000000"/>
+                  </a:solidFill>
+                  <a:latin typeface="Verdana" panose="020B0604030504040204" pitchFamily="34" charset="0"/>
+                </a:rPr>
+                <a:t>、执行某些活动或等待某些事件。</a:t>
               </a:r>
               <a:endParaRPr lang="en-US" altLang="zh-CN" dirty="0">
                 <a:solidFill>
@@ -15908,7 +16419,7 @@
           <p:nvPr/>
         </p:nvPicPr>
         <p:blipFill rotWithShape="1">
-          <a:blip r:embed="rId2">
+          <a:blip r:embed="rId1">
             <a:extLst>
               <a:ext uri="{28A0092B-C50C-407E-A947-70E740481C1C}">
                 <a14:useLocalDpi xmlns:a14="http://schemas.microsoft.com/office/drawing/2010/main" val="0"/>
@@ -15916,7 +16427,9 @@
             </a:extLst>
           </a:blip>
           <a:srcRect l="38001" t="31107" r="46161" b="52955"/>
-          <a:stretch/>
+          <a:stretch>
+            <a:fillRect/>
+          </a:stretch>
         </p:blipFill>
         <p:spPr bwMode="auto">
           <a:xfrm>
@@ -15960,7 +16473,7 @@
           <p:nvPr/>
         </p:nvPicPr>
         <p:blipFill rotWithShape="1">
-          <a:blip r:embed="rId3">
+          <a:blip r:embed="rId2">
             <a:extLst>
               <a:ext uri="{28A0092B-C50C-407E-A947-70E740481C1C}">
                 <a14:useLocalDpi xmlns:a14="http://schemas.microsoft.com/office/drawing/2010/main" val="0"/>
@@ -15968,7 +16481,9 @@
             </a:extLst>
           </a:blip>
           <a:srcRect l="30492" t="31093" r="36346" b="55810"/>
-          <a:stretch/>
+          <a:stretch>
+            <a:fillRect/>
+          </a:stretch>
         </p:blipFill>
         <p:spPr bwMode="auto">
           <a:xfrm>
@@ -16004,11 +16519,6 @@
         </p:spPr>
       </p:pic>
     </p:spTree>
-    <p:extLst>
-      <p:ext uri="{BB962C8B-B14F-4D97-AF65-F5344CB8AC3E}">
-        <p14:creationId xmlns:p14="http://schemas.microsoft.com/office/powerpoint/2010/main" val="213268964"/>
-      </p:ext>
-    </p:extLst>
   </p:cSld>
   <p:clrMapOvr>
     <a:masterClrMapping/>
@@ -16128,6 +16638,7 @@
               <a:rPr lang="en-US" sz="2400" dirty="0"/>
               <a:t>5</a:t>
             </a:r>
+            <a:endParaRPr lang="en-US" sz="2400" dirty="0"/>
           </a:p>
         </p:txBody>
       </p:sp>
@@ -16325,7 +16836,7 @@
               <a:r>
                 <a:rPr lang="en-US" altLang="zh-CN" dirty="0">
                   <a:solidFill>
-                    <a:srgbClr val="000000"/>
+                    <a:srgbClr val="FF0000"/>
                   </a:solidFill>
                   <a:latin typeface="Verdana" panose="020B0604030504040204" pitchFamily="34" charset="0"/>
                 </a:rPr>
@@ -16334,7 +16845,7 @@
               <a:r>
                 <a:rPr lang="zh-CN" altLang="en-US" dirty="0">
                   <a:solidFill>
-                    <a:srgbClr val="000000"/>
+                    <a:srgbClr val="FF0000"/>
                   </a:solidFill>
                   <a:latin typeface="Verdana" panose="020B0604030504040204" pitchFamily="34" charset="0"/>
                 </a:rPr>
@@ -16342,7 +16853,7 @@
               </a:r>
               <a:endParaRPr lang="en-US" altLang="zh-CN" dirty="0">
                 <a:solidFill>
-                  <a:srgbClr val="000000"/>
+                  <a:srgbClr val="FF0000"/>
                 </a:solidFill>
                 <a:latin typeface="Verdana" panose="020B0604030504040204" pitchFamily="34" charset="0"/>
               </a:endParaRPr>
@@ -16351,7 +16862,7 @@
               <a:r>
                 <a:rPr lang="en-US" altLang="zh-CN" b="0" i="0" dirty="0">
                   <a:solidFill>
-                    <a:srgbClr val="000000"/>
+                    <a:srgbClr val="FF0000"/>
                   </a:solidFill>
                   <a:effectLst/>
                   <a:latin typeface="Verdana" panose="020B0604030504040204" pitchFamily="34" charset="0"/>
@@ -16361,7 +16872,7 @@
               <a:r>
                 <a:rPr lang="zh-CN" altLang="en-US" b="0" i="0" dirty="0">
                   <a:solidFill>
-                    <a:srgbClr val="000000"/>
+                    <a:srgbClr val="FF0000"/>
                   </a:solidFill>
                   <a:effectLst/>
                   <a:latin typeface="Verdana" panose="020B0604030504040204" pitchFamily="34" charset="0"/>
@@ -16370,7 +16881,7 @@
               </a:r>
               <a:endParaRPr lang="en-US" altLang="zh-CN" b="0" i="0" dirty="0">
                 <a:solidFill>
-                  <a:srgbClr val="000000"/>
+                  <a:srgbClr val="FF0000"/>
                 </a:solidFill>
                 <a:effectLst/>
                 <a:latin typeface="Verdana" panose="020B0604030504040204" pitchFamily="34" charset="0"/>
@@ -16380,7 +16891,7 @@
               <a:r>
                 <a:rPr lang="en-US" altLang="zh-CN" dirty="0">
                   <a:solidFill>
-                    <a:srgbClr val="000000"/>
+                    <a:srgbClr val="FF0000"/>
                   </a:solidFill>
                   <a:latin typeface="Verdana" panose="020B0604030504040204" pitchFamily="34" charset="0"/>
                 </a:rPr>
@@ -16389,7 +16900,7 @@
               <a:r>
                 <a:rPr lang="zh-CN" altLang="en-US" dirty="0">
                   <a:solidFill>
-                    <a:srgbClr val="000000"/>
+                    <a:srgbClr val="FF0000"/>
                   </a:solidFill>
                   <a:latin typeface="Verdana" panose="020B0604030504040204" pitchFamily="34" charset="0"/>
                 </a:rPr>
@@ -16397,7 +16908,7 @@
               </a:r>
               <a:endParaRPr lang="en-US" altLang="zh-CN" dirty="0">
                 <a:solidFill>
-                  <a:srgbClr val="000000"/>
+                  <a:srgbClr val="FF0000"/>
                 </a:solidFill>
                 <a:latin typeface="Verdana" panose="020B0604030504040204" pitchFamily="34" charset="0"/>
               </a:endParaRPr>
@@ -16406,7 +16917,7 @@
               <a:r>
                 <a:rPr lang="en-US" altLang="zh-CN" b="0" i="0" dirty="0">
                   <a:solidFill>
-                    <a:srgbClr val="000000"/>
+                    <a:srgbClr val="FF0000"/>
                   </a:solidFill>
                   <a:effectLst/>
                   <a:latin typeface="Verdana" panose="020B0604030504040204" pitchFamily="34" charset="0"/>
@@ -16416,7 +16927,7 @@
               <a:r>
                 <a:rPr lang="zh-CN" altLang="en-US" b="0" i="0" dirty="0">
                   <a:solidFill>
-                    <a:srgbClr val="000000"/>
+                    <a:srgbClr val="FF0000"/>
                   </a:solidFill>
                   <a:effectLst/>
                   <a:latin typeface="Verdana" panose="020B0604030504040204" pitchFamily="34" charset="0"/>
@@ -16425,7 +16936,7 @@
               </a:r>
               <a:endParaRPr lang="en-US" altLang="zh-CN" b="0" i="0" dirty="0">
                 <a:solidFill>
-                  <a:srgbClr val="000000"/>
+                  <a:srgbClr val="FF0000"/>
                 </a:solidFill>
                 <a:effectLst/>
                 <a:latin typeface="Verdana" panose="020B0604030504040204" pitchFamily="34" charset="0"/>
@@ -16435,7 +16946,7 @@
               <a:r>
                 <a:rPr lang="en-US" altLang="zh-CN" dirty="0">
                   <a:solidFill>
-                    <a:srgbClr val="000000"/>
+                    <a:srgbClr val="FF0000"/>
                   </a:solidFill>
                   <a:latin typeface="Verdana" panose="020B0604030504040204" pitchFamily="34" charset="0"/>
                 </a:rPr>
@@ -16444,7 +16955,7 @@
               <a:r>
                 <a:rPr lang="zh-CN" altLang="en-US" dirty="0">
                   <a:solidFill>
-                    <a:srgbClr val="000000"/>
+                    <a:srgbClr val="FF0000"/>
                   </a:solidFill>
                   <a:latin typeface="Verdana" panose="020B0604030504040204" pitchFamily="34" charset="0"/>
                 </a:rPr>
@@ -16452,7 +16963,7 @@
               </a:r>
               <a:endParaRPr lang="zh-CN" altLang="en-US" b="0" i="0" dirty="0">
                 <a:solidFill>
-                  <a:srgbClr val="000000"/>
+                  <a:srgbClr val="FF0000"/>
                 </a:solidFill>
                 <a:effectLst/>
                 <a:latin typeface="Verdana" panose="020B0604030504040204" pitchFamily="34" charset="0"/>
@@ -16577,7 +17088,7 @@
           <p:nvPr/>
         </p:nvPicPr>
         <p:blipFill rotWithShape="1">
-          <a:blip r:embed="rId2">
+          <a:blip r:embed="rId1">
             <a:extLst>
               <a:ext uri="{28A0092B-C50C-407E-A947-70E740481C1C}">
                 <a14:useLocalDpi xmlns:a14="http://schemas.microsoft.com/office/drawing/2010/main" val="0"/>
@@ -16585,7 +17096,9 @@
             </a:extLst>
           </a:blip>
           <a:srcRect l="31107" t="31194" r="19643" b="53325"/>
-          <a:stretch/>
+          <a:stretch>
+            <a:fillRect/>
+          </a:stretch>
         </p:blipFill>
         <p:spPr bwMode="auto">
           <a:xfrm>
@@ -16621,11 +17134,6 @@
         </p:spPr>
       </p:pic>
     </p:spTree>
-    <p:extLst>
-      <p:ext uri="{BB962C8B-B14F-4D97-AF65-F5344CB8AC3E}">
-        <p14:creationId xmlns:p14="http://schemas.microsoft.com/office/powerpoint/2010/main" val="3530438500"/>
-      </p:ext>
-    </p:extLst>
   </p:cSld>
   <p:clrMapOvr>
     <a:masterClrMapping/>
@@ -16745,6 +17253,7 @@
               <a:rPr lang="en-US" sz="2400" dirty="0"/>
               <a:t>5</a:t>
             </a:r>
+            <a:endParaRPr lang="en-US" sz="2400" dirty="0"/>
           </a:p>
         </p:txBody>
       </p:sp>
@@ -16934,11 +17443,20 @@
                   </a:solidFill>
                   <a:latin typeface="Verdana" panose="020B0604030504040204" pitchFamily="34" charset="0"/>
                 </a:rPr>
-                <a:t>、非正交子状态</a:t>
+                <a:t>、</a:t>
+              </a:r>
+              <a:r>
+                <a:rPr lang="zh-CN" altLang="en-US" dirty="0">
+                  <a:solidFill>
+                    <a:srgbClr val="FF0000"/>
+                  </a:solidFill>
+                  <a:latin typeface="Verdana" panose="020B0604030504040204" pitchFamily="34" charset="0"/>
+                </a:rPr>
+                <a:t>非正交子状态</a:t>
               </a:r>
               <a:endParaRPr lang="en-US" altLang="zh-CN" dirty="0">
                 <a:solidFill>
-                  <a:srgbClr val="000000"/>
+                  <a:srgbClr val="FF0000"/>
                 </a:solidFill>
                 <a:latin typeface="Verdana" panose="020B0604030504040204" pitchFamily="34" charset="0"/>
               </a:endParaRPr>
@@ -17124,7 +17642,7 @@
           <p:nvPr/>
         </p:nvPicPr>
         <p:blipFill rotWithShape="1">
-          <a:blip r:embed="rId2">
+          <a:blip r:embed="rId1">
             <a:extLst>
               <a:ext uri="{28A0092B-C50C-407E-A947-70E740481C1C}">
                 <a14:useLocalDpi xmlns:a14="http://schemas.microsoft.com/office/drawing/2010/main" val="0"/>
@@ -17132,7 +17650,9 @@
             </a:extLst>
           </a:blip>
           <a:srcRect l="33442" t="14993" r="37387" b="37772"/>
-          <a:stretch/>
+          <a:stretch>
+            <a:fillRect/>
+          </a:stretch>
         </p:blipFill>
         <p:spPr bwMode="auto">
           <a:xfrm>
@@ -17168,11 +17688,6 @@
         </p:spPr>
       </p:pic>
     </p:spTree>
-    <p:extLst>
-      <p:ext uri="{BB962C8B-B14F-4D97-AF65-F5344CB8AC3E}">
-        <p14:creationId xmlns:p14="http://schemas.microsoft.com/office/powerpoint/2010/main" val="3375641581"/>
-      </p:ext>
-    </p:extLst>
   </p:cSld>
   <p:clrMapOvr>
     <a:masterClrMapping/>
@@ -17292,6 +17807,7 @@
               <a:rPr lang="en-US" sz="2400" dirty="0"/>
               <a:t>5</a:t>
             </a:r>
+            <a:endParaRPr lang="en-US" sz="2400" dirty="0"/>
           </a:p>
         </p:txBody>
       </p:sp>
@@ -17446,7 +17962,25 @@
                   </a:solidFill>
                   <a:latin typeface="Verdana" panose="020B0604030504040204" pitchFamily="34" charset="0"/>
                 </a:rPr>
-                <a:t>历史状态允许一个包含非正交子状态的组合状态来记住源自组合状态的转移之前最后的活动子状态。</a:t>
+                <a:t>历史状态允许一个</a:t>
+              </a:r>
+              <a:r>
+                <a:rPr lang="zh-CN" altLang="en-US" dirty="0">
+                  <a:solidFill>
+                    <a:srgbClr val="FF0000"/>
+                  </a:solidFill>
+                  <a:latin typeface="Verdana" panose="020B0604030504040204" pitchFamily="34" charset="0"/>
+                </a:rPr>
+                <a:t>包含非正交子状态</a:t>
+              </a:r>
+              <a:r>
+                <a:rPr lang="zh-CN" altLang="en-US" dirty="0">
+                  <a:solidFill>
+                    <a:srgbClr val="000000"/>
+                  </a:solidFill>
+                  <a:latin typeface="Verdana" panose="020B0604030504040204" pitchFamily="34" charset="0"/>
+                </a:rPr>
+                <a:t>的组合状态来记住源自组合状态的转移之前最后的活动子状态。</a:t>
               </a:r>
               <a:endParaRPr lang="en-US" altLang="zh-CN" dirty="0">
                 <a:solidFill>
@@ -17574,7 +18108,7 @@
           <p:nvPr/>
         </p:nvPicPr>
         <p:blipFill rotWithShape="1">
-          <a:blip r:embed="rId2">
+          <a:blip r:embed="rId1">
             <a:extLst>
               <a:ext uri="{28A0092B-C50C-407E-A947-70E740481C1C}">
                 <a14:useLocalDpi xmlns:a14="http://schemas.microsoft.com/office/drawing/2010/main" val="0"/>
@@ -17582,7 +18116,9 @@
             </a:extLst>
           </a:blip>
           <a:srcRect l="26988" t="22440" r="24385" b="38780"/>
-          <a:stretch/>
+          <a:stretch>
+            <a:fillRect/>
+          </a:stretch>
         </p:blipFill>
         <p:spPr bwMode="auto">
           <a:xfrm>
@@ -17618,11 +18154,6 @@
         </p:spPr>
       </p:pic>
     </p:spTree>
-    <p:extLst>
-      <p:ext uri="{BB962C8B-B14F-4D97-AF65-F5344CB8AC3E}">
-        <p14:creationId xmlns:p14="http://schemas.microsoft.com/office/powerpoint/2010/main" val="1216480447"/>
-      </p:ext>
-    </p:extLst>
   </p:cSld>
   <p:clrMapOvr>
     <a:masterClrMapping/>
@@ -17742,6 +18273,7 @@
               <a:rPr lang="en-US" sz="2400" dirty="0"/>
               <a:t>1</a:t>
             </a:r>
+            <a:endParaRPr lang="en-US" sz="2400" dirty="0"/>
           </a:p>
         </p:txBody>
       </p:sp>
@@ -17809,6 +18341,13 @@
               </a:rPr>
               <a:t>引言</a:t>
             </a:r>
+            <a:endParaRPr lang="zh-CN" sz="2665" dirty="0">
+              <a:solidFill>
+                <a:srgbClr val="183A5D"/>
+              </a:solidFill>
+              <a:latin typeface="微软雅黑" panose="020B0503020204020204" pitchFamily="34" charset="-122"/>
+              <a:ea typeface="微软雅黑" panose="020B0503020204020204" pitchFamily="34" charset="-122"/>
+            </a:endParaRPr>
           </a:p>
         </p:txBody>
       </p:sp>
@@ -17931,6 +18470,7 @@
               <a:rPr lang="zh-CN" altLang="zh-CN" sz="2400" dirty="0"/>
               <a:t>是一种能够描述问题、描述解决方案、起到沟通作用的语言。通俗地说，它是一种用文本、图形和符号的集合来描述现实生活中各类食物、活动及其之间关系的语言。</a:t>
             </a:r>
+            <a:endParaRPr lang="zh-CN" altLang="zh-CN" sz="2400" dirty="0"/>
           </a:p>
           <a:p>
             <a:pPr lvl="0"/>
@@ -18097,6 +18637,34 @@
               </a:rPr>
               <a:t>的用例图，类图，顺序图，状态机图，通信图，部署图</a:t>
             </a:r>
+            <a:endParaRPr lang="zh-CN" altLang="en-US" sz="2400" dirty="0">
+              <a:ln w="12700">
+                <a:solidFill>
+                  <a:schemeClr val="accent3">
+                    <a:lumMod val="50000"/>
+                  </a:schemeClr>
+                </a:solidFill>
+                <a:prstDash val="solid"/>
+              </a:ln>
+              <a:pattFill prst="narHorz">
+                <a:fgClr>
+                  <a:schemeClr val="accent3"/>
+                </a:fgClr>
+                <a:bgClr>
+                  <a:schemeClr val="accent3">
+                    <a:lumMod val="40000"/>
+                    <a:lumOff val="60000"/>
+                  </a:schemeClr>
+                </a:bgClr>
+              </a:pattFill>
+              <a:effectLst>
+                <a:innerShdw blurRad="177800">
+                  <a:schemeClr val="accent3">
+                    <a:lumMod val="50000"/>
+                  </a:schemeClr>
+                </a:innerShdw>
+              </a:effectLst>
+            </a:endParaRPr>
           </a:p>
         </p:txBody>
       </p:sp>
@@ -18220,6 +18788,7 @@
               <a:rPr lang="en-US" sz="2400" dirty="0"/>
               <a:t>5</a:t>
             </a:r>
+            <a:endParaRPr lang="en-US" sz="2400" dirty="0"/>
           </a:p>
         </p:txBody>
       </p:sp>
@@ -18374,7 +18943,43 @@
                   </a:solidFill>
                   <a:latin typeface="Verdana" panose="020B0604030504040204" pitchFamily="34" charset="0"/>
                 </a:rPr>
-                <a:t>进入一个带正交区域的组合状态通常就是进入每个正交区域的初试状态。也可能从一个外部状态直接转移到一个或多个正交状态，这叫做分岔。</a:t>
+                <a:t>进入一个带正交区域的组合状态通常就是进入每个正交区域的</a:t>
+              </a:r>
+              <a:r>
+                <a:rPr lang="zh-CN" altLang="en-US" dirty="0">
+                  <a:solidFill>
+                    <a:srgbClr val="FF0000"/>
+                  </a:solidFill>
+                  <a:latin typeface="Verdana" panose="020B0604030504040204" pitchFamily="34" charset="0"/>
+                </a:rPr>
+                <a:t>初试状态</a:t>
+              </a:r>
+              <a:r>
+                <a:rPr lang="zh-CN" altLang="en-US" dirty="0">
+                  <a:solidFill>
+                    <a:srgbClr val="000000"/>
+                  </a:solidFill>
+                  <a:latin typeface="Verdana" panose="020B0604030504040204" pitchFamily="34" charset="0"/>
+                </a:rPr>
+                <a:t>。也可能从一个外部状态直接转移到</a:t>
+              </a:r>
+              <a:r>
+                <a:rPr lang="zh-CN" altLang="en-US" dirty="0">
+                  <a:solidFill>
+                    <a:srgbClr val="FF0000"/>
+                  </a:solidFill>
+                  <a:latin typeface="Verdana" panose="020B0604030504040204" pitchFamily="34" charset="0"/>
+                </a:rPr>
+                <a:t>一个或多个</a:t>
+              </a:r>
+              <a:r>
+                <a:rPr lang="zh-CN" altLang="en-US" dirty="0">
+                  <a:solidFill>
+                    <a:srgbClr val="000000"/>
+                  </a:solidFill>
+                  <a:latin typeface="Verdana" panose="020B0604030504040204" pitchFamily="34" charset="0"/>
+                </a:rPr>
+                <a:t>正交状态，这叫做分岔。</a:t>
               </a:r>
               <a:endParaRPr lang="en-US" altLang="zh-CN" dirty="0">
                 <a:solidFill>
@@ -18400,7 +19005,25 @@
                   </a:solidFill>
                   <a:latin typeface="Verdana" panose="020B0604030504040204" pitchFamily="34" charset="0"/>
                 </a:rPr>
-                <a:t>汇合是具有两个或两个以上的进入箭头而只有一个离去箭头的转移。每个进入箭头必须来自同一个组合状态的不同正交区域中的状态。</a:t>
+                <a:t>汇合是具有</a:t>
+              </a:r>
+              <a:r>
+                <a:rPr lang="zh-CN" altLang="en-US" dirty="0">
+                  <a:solidFill>
+                    <a:srgbClr val="FF0000"/>
+                  </a:solidFill>
+                  <a:latin typeface="Verdana" panose="020B0604030504040204" pitchFamily="34" charset="0"/>
+                </a:rPr>
+                <a:t>两个或两个以上</a:t>
+              </a:r>
+              <a:r>
+                <a:rPr lang="zh-CN" altLang="en-US" dirty="0">
+                  <a:solidFill>
+                    <a:srgbClr val="000000"/>
+                  </a:solidFill>
+                  <a:latin typeface="Verdana" panose="020B0604030504040204" pitchFamily="34" charset="0"/>
+                </a:rPr>
+                <a:t>的进入箭头而只有一个离去箭头的转移。每个进入箭头必须来自同一个组合状态的不同正交区域中的状态。</a:t>
               </a:r>
               <a:endParaRPr lang="en-US" altLang="zh-CN" dirty="0">
                 <a:solidFill>
@@ -18528,7 +19151,7 @@
           <p:nvPr/>
         </p:nvPicPr>
         <p:blipFill rotWithShape="1">
-          <a:blip r:embed="rId2">
+          <a:blip r:embed="rId1">
             <a:extLst>
               <a:ext uri="{28A0092B-C50C-407E-A947-70E740481C1C}">
                 <a14:useLocalDpi xmlns:a14="http://schemas.microsoft.com/office/drawing/2010/main" val="0"/>
@@ -18536,7 +19159,9 @@
             </a:extLst>
           </a:blip>
           <a:srcRect l="26435" t="21131" r="18529" b="43010"/>
-          <a:stretch/>
+          <a:stretch>
+            <a:fillRect/>
+          </a:stretch>
         </p:blipFill>
         <p:spPr bwMode="auto">
           <a:xfrm>
@@ -18572,11 +19197,6 @@
         </p:spPr>
       </p:pic>
     </p:spTree>
-    <p:extLst>
-      <p:ext uri="{BB962C8B-B14F-4D97-AF65-F5344CB8AC3E}">
-        <p14:creationId xmlns:p14="http://schemas.microsoft.com/office/powerpoint/2010/main" val="4129461902"/>
-      </p:ext>
-    </p:extLst>
   </p:cSld>
   <p:clrMapOvr>
     <a:masterClrMapping/>
@@ -18696,6 +19316,7 @@
               <a:rPr lang="en-US" sz="2400" dirty="0"/>
               <a:t>6</a:t>
             </a:r>
+            <a:endParaRPr lang="en-US" sz="2400" dirty="0"/>
           </a:p>
         </p:txBody>
       </p:sp>
@@ -18763,6 +19384,13 @@
               </a:rPr>
               <a:t>通信图</a:t>
             </a:r>
+            <a:endParaRPr lang="zh-CN" altLang="zh-CN" sz="2665" dirty="0">
+              <a:solidFill>
+                <a:srgbClr val="183A5D"/>
+              </a:solidFill>
+              <a:latin typeface="微软雅黑" panose="020B0503020204020204" pitchFamily="34" charset="-122"/>
+              <a:ea typeface="微软雅黑" panose="020B0503020204020204" pitchFamily="34" charset="-122"/>
+            </a:endParaRPr>
           </a:p>
         </p:txBody>
       </p:sp>
@@ -18848,6 +19476,13 @@
                 </a:rPr>
                 <a:t>	</a:t>
               </a:r>
+              <a:endParaRPr lang="en-US" altLang="zh-CN" b="0" i="0" dirty="0">
+                <a:solidFill>
+                  <a:schemeClr val="accent4"/>
+                </a:solidFill>
+                <a:effectLst/>
+                <a:latin typeface="Verdana" panose="020B0604030504040204" pitchFamily="34" charset="0"/>
+              </a:endParaRPr>
             </a:p>
             <a:p>
               <a:endParaRPr lang="en-US" altLang="zh-CN" b="0" i="0" dirty="0">
@@ -18977,7 +19612,7 @@
           <p:nvPr/>
         </p:nvPicPr>
         <p:blipFill>
-          <a:blip r:embed="rId2"/>
+          <a:blip r:embed="rId1"/>
           <a:stretch>
             <a:fillRect/>
           </a:stretch>
@@ -19112,6 +19747,7 @@
               <a:rPr lang="en-US" sz="2400" dirty="0"/>
               <a:t>6</a:t>
             </a:r>
+            <a:endParaRPr lang="en-US" sz="2400" dirty="0"/>
           </a:p>
         </p:txBody>
       </p:sp>
@@ -19179,6 +19815,13 @@
               </a:rPr>
               <a:t>通信图</a:t>
             </a:r>
+            <a:endParaRPr lang="zh-CN" altLang="zh-CN" sz="2665" dirty="0">
+              <a:solidFill>
+                <a:srgbClr val="183A5D"/>
+              </a:solidFill>
+              <a:latin typeface="微软雅黑" panose="020B0503020204020204" pitchFamily="34" charset="-122"/>
+              <a:ea typeface="微软雅黑" panose="020B0503020204020204" pitchFamily="34" charset="-122"/>
+            </a:endParaRPr>
           </a:p>
         </p:txBody>
       </p:sp>
@@ -19233,6 +19876,7 @@
                 <a:rPr dirty="0"/>
                 <a:t>。</a:t>
               </a:r>
+              <a:endParaRPr dirty="0"/>
             </a:p>
             <a:p>
               <a:endParaRPr dirty="0"/>
@@ -19288,6 +19932,7 @@
                 <a:rPr dirty="0"/>
                 <a:t>，但时间次序必须从顺序号来获得。</a:t>
               </a:r>
+              <a:endParaRPr dirty="0"/>
             </a:p>
             <a:p>
               <a:endParaRPr dirty="0"/>
@@ -19324,6 +19969,7 @@
                 <a:rPr dirty="0"/>
                 <a:t>。</a:t>
               </a:r>
+              <a:endParaRPr dirty="0"/>
             </a:p>
             <a:p>
               <a:endParaRPr dirty="0"/>
@@ -19347,6 +19993,13 @@
                 </a:rPr>
                 <a:t>	</a:t>
               </a:r>
+              <a:endParaRPr lang="en-US" altLang="zh-CN" b="0" i="0" dirty="0">
+                <a:solidFill>
+                  <a:schemeClr val="accent4"/>
+                </a:solidFill>
+                <a:effectLst/>
+                <a:latin typeface="Verdana" panose="020B0604030504040204" pitchFamily="34" charset="0"/>
+              </a:endParaRPr>
             </a:p>
             <a:p>
               <a:endParaRPr lang="en-US" altLang="zh-CN" b="0" i="0" dirty="0">
@@ -19476,7 +20129,7 @@
           <p:nvPr/>
         </p:nvPicPr>
         <p:blipFill>
-          <a:blip r:embed="rId2"/>
+          <a:blip r:embed="rId1"/>
           <a:stretch>
             <a:fillRect/>
           </a:stretch>
@@ -19611,6 +20264,7 @@
               <a:rPr lang="en-US" sz="2400" dirty="0"/>
               <a:t>6</a:t>
             </a:r>
+            <a:endParaRPr lang="en-US" sz="2400" dirty="0"/>
           </a:p>
         </p:txBody>
       </p:sp>
@@ -19678,6 +20332,13 @@
               </a:rPr>
               <a:t>通信图</a:t>
             </a:r>
+            <a:endParaRPr lang="zh-CN" altLang="zh-CN" sz="2665" dirty="0">
+              <a:solidFill>
+                <a:srgbClr val="183A5D"/>
+              </a:solidFill>
+              <a:latin typeface="微软雅黑" panose="020B0503020204020204" pitchFamily="34" charset="-122"/>
+              <a:ea typeface="微软雅黑" panose="020B0503020204020204" pitchFamily="34" charset="-122"/>
+            </a:endParaRPr>
           </a:p>
         </p:txBody>
       </p:sp>
@@ -19811,6 +20472,13 @@
                 </a:rPr>
                 <a:t>	</a:t>
               </a:r>
+              <a:endParaRPr lang="en-US" altLang="zh-CN" b="0" i="0" dirty="0">
+                <a:solidFill>
+                  <a:schemeClr val="accent4"/>
+                </a:solidFill>
+                <a:effectLst/>
+                <a:latin typeface="Verdana" panose="020B0604030504040204" pitchFamily="34" charset="0"/>
+              </a:endParaRPr>
             </a:p>
             <a:p>
               <a:endParaRPr lang="en-US" altLang="zh-CN" b="0" i="0" dirty="0">
@@ -19940,7 +20608,7 @@
           <p:nvPr/>
         </p:nvPicPr>
         <p:blipFill>
-          <a:blip r:embed="rId2"/>
+          <a:blip r:embed="rId1"/>
           <a:stretch>
             <a:fillRect/>
           </a:stretch>
@@ -19956,11 +20624,6 @@
         </p:spPr>
       </p:pic>
     </p:spTree>
-    <p:extLst>
-      <p:ext uri="{BB962C8B-B14F-4D97-AF65-F5344CB8AC3E}">
-        <p14:creationId xmlns:p14="http://schemas.microsoft.com/office/powerpoint/2010/main" val="685771906"/>
-      </p:ext>
-    </p:extLst>
   </p:cSld>
   <p:clrMapOvr>
     <a:masterClrMapping/>
@@ -20080,6 +20743,7 @@
               <a:rPr lang="en-US" sz="2400" dirty="0"/>
               <a:t>6</a:t>
             </a:r>
+            <a:endParaRPr lang="en-US" sz="2400" dirty="0"/>
           </a:p>
         </p:txBody>
       </p:sp>
@@ -20147,6 +20811,13 @@
               </a:rPr>
               <a:t>通信图</a:t>
             </a:r>
+            <a:endParaRPr lang="zh-CN" sz="2665" dirty="0">
+              <a:solidFill>
+                <a:srgbClr val="183A5D"/>
+              </a:solidFill>
+              <a:latin typeface="微软雅黑" panose="020B0503020204020204" pitchFamily="34" charset="-122"/>
+              <a:ea typeface="微软雅黑" panose="020B0503020204020204" pitchFamily="34" charset="-122"/>
+            </a:endParaRPr>
           </a:p>
         </p:txBody>
       </p:sp>
@@ -20266,7 +20937,7 @@
           <p:nvPr/>
         </p:nvPicPr>
         <p:blipFill>
-          <a:blip r:embed="rId2"/>
+          <a:blip r:embed="rId1"/>
           <a:stretch>
             <a:fillRect/>
           </a:stretch>
@@ -20340,6 +21011,7 @@
               <a:rPr lang="zh-CN" altLang="en-US"/>
               <a:t>1，通信图由以下基本元素组成：执行者(Actor)、对象(Object)、连接(Link，也称为链)、消息(Message)和守护条件(Condition)。</a:t>
             </a:r>
+            <a:endParaRPr lang="zh-CN" altLang="en-US"/>
           </a:p>
           <a:p>
             <a:endParaRPr lang="zh-CN" altLang="en-US"/>
@@ -20349,6 +21021,7 @@
               <a:rPr lang="zh-CN" altLang="en-US"/>
               <a:t>2，在UML中，使用实线表示两个对象之间的连接；通信图中的消息，由在连接上方的带有标记的箭头表示，同时可以用数字注明消息的次序。</a:t>
             </a:r>
+            <a:endParaRPr lang="zh-CN" altLang="en-US"/>
           </a:p>
         </p:txBody>
       </p:sp>
@@ -20392,6 +21065,7 @@
               <a:rPr lang="zh-CN" altLang="en-US"/>
               <a:t>连接</a:t>
             </a:r>
+            <a:endParaRPr lang="zh-CN" altLang="en-US"/>
           </a:p>
         </p:txBody>
       </p:sp>
@@ -20468,6 +21142,7 @@
               <a:rPr lang="zh-CN" altLang="en-US"/>
               <a:t>执行者</a:t>
             </a:r>
+            <a:endParaRPr lang="zh-CN" altLang="en-US"/>
           </a:p>
         </p:txBody>
       </p:sp>
@@ -20544,6 +21219,7 @@
               <a:rPr lang="zh-CN" altLang="en-US"/>
               <a:t>消息</a:t>
             </a:r>
+            <a:endParaRPr lang="zh-CN" altLang="en-US"/>
           </a:p>
         </p:txBody>
       </p:sp>
@@ -20620,6 +21296,7 @@
               <a:rPr lang="zh-CN" altLang="en-US"/>
               <a:t>对象</a:t>
             </a:r>
+            <a:endParaRPr lang="zh-CN" altLang="en-US"/>
           </a:p>
         </p:txBody>
       </p:sp>
@@ -20776,6 +21453,7 @@
               <a:rPr lang="en-US" sz="2400" dirty="0"/>
               <a:t>6</a:t>
             </a:r>
+            <a:endParaRPr lang="en-US" sz="2400" dirty="0"/>
           </a:p>
         </p:txBody>
       </p:sp>
@@ -20897,6 +21575,12 @@
                 </a:rPr>
                 <a:t>绘画技巧：</a:t>
               </a:r>
+              <a:endParaRPr lang="zh-CN" dirty="0">
+                <a:solidFill>
+                  <a:srgbClr val="000000"/>
+                </a:solidFill>
+                <a:latin typeface="Verdana" panose="020B0604030504040204" pitchFamily="34" charset="0"/>
+              </a:endParaRPr>
             </a:p>
             <a:p>
               <a:r>
@@ -20935,6 +21619,13 @@
                 </a:rPr>
                 <a:t>；</a:t>
               </a:r>
+              <a:endParaRPr lang="zh-CN" altLang="en-US" b="0" i="0" dirty="0">
+                <a:solidFill>
+                  <a:srgbClr val="000000"/>
+                </a:solidFill>
+                <a:effectLst/>
+                <a:latin typeface="Verdana" panose="020B0604030504040204" pitchFamily="34" charset="0"/>
+              </a:endParaRPr>
             </a:p>
             <a:p>
               <a:endParaRPr lang="zh-CN" altLang="en-US" b="0" i="0" dirty="0">
@@ -20982,6 +21673,13 @@
                 </a:rPr>
                 <a:t>，因此无法显式表示对象的创建和销毁；</a:t>
               </a:r>
+              <a:endParaRPr lang="zh-CN" altLang="en-US" b="0" i="0" dirty="0">
+                <a:solidFill>
+                  <a:srgbClr val="000000"/>
+                </a:solidFill>
+                <a:effectLst/>
+                <a:latin typeface="Verdana" panose="020B0604030504040204" pitchFamily="34" charset="0"/>
+              </a:endParaRPr>
             </a:p>
             <a:p>
               <a:endParaRPr lang="zh-CN" altLang="en-US" b="0" i="0" dirty="0">
@@ -21029,6 +21727,13 @@
                 </a:rPr>
                 <a:t>，用于说明交互过程中消息的时间顺序；</a:t>
               </a:r>
+              <a:endParaRPr lang="zh-CN" altLang="en-US" b="0" i="0" dirty="0">
+                <a:solidFill>
+                  <a:srgbClr val="000000"/>
+                </a:solidFill>
+                <a:effectLst/>
+                <a:latin typeface="Verdana" panose="020B0604030504040204" pitchFamily="34" charset="0"/>
+              </a:endParaRPr>
             </a:p>
             <a:p>
               <a:endParaRPr lang="zh-CN" altLang="en-US" b="0" i="0" dirty="0">
@@ -21076,6 +21781,13 @@
                 </a:rPr>
                 <a:t>，即强调参与交互的对象的组织。</a:t>
               </a:r>
+              <a:endParaRPr lang="zh-CN" altLang="en-US" b="0" i="0" dirty="0">
+                <a:solidFill>
+                  <a:srgbClr val="000000"/>
+                </a:solidFill>
+                <a:effectLst/>
+                <a:latin typeface="Verdana" panose="020B0604030504040204" pitchFamily="34" charset="0"/>
+              </a:endParaRPr>
             </a:p>
             <a:p>
               <a:endParaRPr lang="zh-CN" altLang="en-US" b="0" i="0" dirty="0">
@@ -21316,6 +22028,7 @@
               <a:rPr lang="en-US" sz="2400" dirty="0"/>
               <a:t>7</a:t>
             </a:r>
+            <a:endParaRPr lang="en-US" sz="2400" dirty="0"/>
           </a:p>
         </p:txBody>
       </p:sp>
@@ -21525,7 +22238,7 @@
               <a:lnSpc>
                 <a:spcPct val="120000"/>
               </a:lnSpc>
-              <a:buFont typeface="Arial" charset="0"/>
+              <a:buFont typeface="Arial" panose="020B0604020202020204" pitchFamily="34" charset="0"/>
               <a:buNone/>
             </a:pPr>
             <a:r>
@@ -21547,7 +22260,7 @@
               <a:lnSpc>
                 <a:spcPct val="120000"/>
               </a:lnSpc>
-              <a:buFont typeface="Arial" charset="0"/>
+              <a:buFont typeface="Arial" panose="020B0604020202020204" pitchFamily="34" charset="0"/>
               <a:buNone/>
             </a:pPr>
             <a:r>
@@ -21561,7 +22274,7 @@
               <a:lnSpc>
                 <a:spcPct val="120000"/>
               </a:lnSpc>
-              <a:buFont typeface="Arial" charset="0"/>
+              <a:buFont typeface="Arial" panose="020B0604020202020204" pitchFamily="34" charset="0"/>
               <a:buNone/>
             </a:pPr>
             <a:endParaRPr lang="en-US" altLang="zh-CN" sz="2000" dirty="0"/>
@@ -21596,15 +22309,11 @@
               <a:rPr lang="zh-CN" altLang="en-US" sz="2000" dirty="0"/>
               <a:t>结点，组件，关系</a:t>
             </a:r>
+            <a:endParaRPr lang="zh-CN" altLang="en-US" sz="2000" dirty="0"/>
           </a:p>
         </p:txBody>
       </p:sp>
     </p:spTree>
-    <p:extLst>
-      <p:ext uri="{BB962C8B-B14F-4D97-AF65-F5344CB8AC3E}">
-        <p14:creationId xmlns:p14="http://schemas.microsoft.com/office/powerpoint/2010/main" val="366192706"/>
-      </p:ext>
-    </p:extLst>
   </p:cSld>
   <p:clrMapOvr>
     <a:masterClrMapping/>
@@ -21724,6 +22433,7 @@
               <a:rPr lang="en-US" sz="2400" dirty="0"/>
               <a:t>7</a:t>
             </a:r>
+            <a:endParaRPr lang="en-US" sz="2400" dirty="0"/>
           </a:p>
         </p:txBody>
       </p:sp>
@@ -21777,7 +22487,7 @@
         </p:nvSpPr>
         <p:spPr>
           <a:xfrm>
-            <a:off x="628304" y="1557586"/>
+            <a:off x="383194" y="1557586"/>
             <a:ext cx="3119214" cy="3323987"/>
           </a:xfrm>
           <a:prstGeom prst="rect">
@@ -21801,8 +22511,21 @@
             </a:r>
             <a:r>
               <a:rPr lang="zh-CN" altLang="en-US" dirty="0"/>
-              <a:t>部署图显示网络的物理布局，系统中涉及的处理器、设备、连接和过程。处理器是网络中处理功能所在的机器，包括服务器和工作站，不包括打印机扫描仪之类的设备。处理器用来运行进程（执行代码）。一个项目只有一个部署图。</a:t>
+              <a:t>部署图显示</a:t>
             </a:r>
+            <a:r>
+              <a:rPr lang="zh-CN" altLang="en-US" dirty="0">
+                <a:solidFill>
+                  <a:srgbClr val="FF0000"/>
+                </a:solidFill>
+              </a:rPr>
+              <a:t>网络的物理布局</a:t>
+            </a:r>
+            <a:r>
+              <a:rPr lang="zh-CN" altLang="en-US" dirty="0"/>
+              <a:t>，系统中涉及的处理器、设备、连接和过程。处理器是网络中处理功能所在的机器，包括服务器和工作站，不包括打印机扫描仪之类的设备。处理器用来运行进程（执行代码）。一个项目只有一个部署图。</a:t>
+            </a:r>
+            <a:endParaRPr lang="zh-CN" altLang="en-US" dirty="0"/>
           </a:p>
         </p:txBody>
       </p:sp>
@@ -21815,15 +22538,15 @@
           <p:nvPr/>
         </p:nvPicPr>
         <p:blipFill>
-          <a:blip r:embed="rId2"/>
+          <a:blip r:embed="rId1"/>
           <a:stretch>
             <a:fillRect/>
           </a:stretch>
         </p:blipFill>
         <p:spPr>
           <a:xfrm>
-            <a:off x="3790950" y="1269554"/>
-            <a:ext cx="8399463" cy="4436913"/>
+            <a:off x="3596640" y="255905"/>
+            <a:ext cx="8594090" cy="6368415"/>
           </a:xfrm>
           <a:prstGeom prst="rect">
             <a:avLst/>
@@ -21831,11 +22554,6 @@
         </p:spPr>
       </p:pic>
     </p:spTree>
-    <p:extLst>
-      <p:ext uri="{BB962C8B-B14F-4D97-AF65-F5344CB8AC3E}">
-        <p14:creationId xmlns:p14="http://schemas.microsoft.com/office/powerpoint/2010/main" val="1982852395"/>
-      </p:ext>
-    </p:extLst>
   </p:cSld>
   <p:clrMapOvr>
     <a:masterClrMapping/>
@@ -21960,6 +22678,13 @@
               </a:rPr>
               <a:t>提问</a:t>
             </a:r>
+            <a:endParaRPr lang="zh-CN" altLang="en-US" sz="3200" b="1" dirty="0">
+              <a:solidFill>
+                <a:prstClr val="white"/>
+              </a:solidFill>
+              <a:latin typeface="微软雅黑" panose="020B0503020204020204" pitchFamily="34" charset="-122"/>
+              <a:ea typeface="微软雅黑" panose="020B0503020204020204" pitchFamily="34" charset="-122"/>
+            </a:endParaRPr>
           </a:p>
         </p:txBody>
       </p:sp>
@@ -21997,6 +22722,7 @@
               <a:rPr lang="zh-CN" altLang="en-US" sz="2800" dirty="0"/>
               <a:t>？</a:t>
             </a:r>
+            <a:endParaRPr lang="zh-CN" altLang="en-US" sz="2800" dirty="0"/>
           </a:p>
         </p:txBody>
       </p:sp>
@@ -22030,6 +22756,7 @@
               <a:rPr lang="zh-CN" altLang="en-US" sz="3200" dirty="0"/>
               <a:t>类图中关联关系的组合关系是什么？请用自己的话描述。</a:t>
             </a:r>
+            <a:endParaRPr lang="zh-CN" altLang="en-US" sz="3200" dirty="0"/>
           </a:p>
         </p:txBody>
       </p:sp>
@@ -22063,26 +22790,22 @@
               <a:rPr lang="zh-CN" altLang="en-US" sz="3200" dirty="0"/>
               <a:t>通信图的基本元素组成是什么？</a:t>
             </a:r>
+            <a:endParaRPr lang="zh-CN" altLang="en-US" sz="3200" dirty="0"/>
           </a:p>
         </p:txBody>
       </p:sp>
     </p:spTree>
-    <p:extLst>
-      <p:ext uri="{BB962C8B-B14F-4D97-AF65-F5344CB8AC3E}">
-        <p14:creationId xmlns:p14="http://schemas.microsoft.com/office/powerpoint/2010/main" val="1061810268"/>
-      </p:ext>
-    </p:extLst>
   </p:cSld>
   <p:clrMapOvr>
     <a:masterClrMapping/>
   </p:clrMapOvr>
-  <mc:AlternateContent xmlns:mc="http://schemas.openxmlformats.org/markup-compatibility/2006" xmlns:p14="http://schemas.microsoft.com/office/powerpoint/2010/main">
-    <mc:Choice Requires="p14">
+  <mc:AlternateContent xmlns:mc="http://schemas.openxmlformats.org/markup-compatibility/2006">
+    <mc:Choice xmlns:p14="http://schemas.microsoft.com/office/powerpoint/2010/main" Requires="p14">
       <p:transition spd="slow" p14:dur="1200" advClick="0" advTm="0">
         <p14:prism/>
       </p:transition>
     </mc:Choice>
-    <mc:Fallback xmlns="">
+    <mc:Fallback>
       <p:transition spd="slow" advClick="0" advTm="0">
         <p:fade/>
       </p:transition>
@@ -22487,20 +23210,8 @@
                 <a:tableStyleId>{5C22544A-7EE6-4342-B048-85BDC9FD1C3A}</a:tableStyleId>
               </a:tblPr>
               <a:tblGrid>
-                <a:gridCol w="2738864">
-                  <a:extLst>
-                    <a:ext uri="{9D8B030D-6E8A-4147-A177-3AD203B41FA5}">
-                      <a16:colId xmlns:a16="http://schemas.microsoft.com/office/drawing/2014/main" xmlns="" val="20000"/>
-                    </a:ext>
-                  </a:extLst>
-                </a:gridCol>
-                <a:gridCol w="4245610">
-                  <a:extLst>
-                    <a:ext uri="{9D8B030D-6E8A-4147-A177-3AD203B41FA5}">
-                      <a16:colId xmlns:a16="http://schemas.microsoft.com/office/drawing/2014/main" xmlns="" val="20001"/>
-                    </a:ext>
-                  </a:extLst>
-                </a:gridCol>
+                <a:gridCol w="2738864"/>
+                <a:gridCol w="4245610"/>
               </a:tblGrid>
               <a:tr h="1322630">
                 <a:tc>
@@ -22532,6 +23243,11 @@
                         </a:rPr>
                         <a:t>UML用户指南（第2版·修订版）</a:t>
                       </a:r>
+                      <a:endParaRPr sz="2400" b="0" dirty="0">
+                        <a:solidFill>
+                          <a:schemeClr val="tx1"/>
+                        </a:solidFill>
+                      </a:endParaRPr>
                     </a:p>
                     <a:p>
                       <a:pPr algn="l">
@@ -22607,6 +23323,11 @@
                         </a:rPr>
                         <a:t>Ivar Jacobson</a:t>
                       </a:r>
+                      <a:endParaRPr lang="en-US" altLang="zh-CN" sz="2400" b="0" dirty="0">
+                        <a:solidFill>
+                          <a:schemeClr val="tx1"/>
+                        </a:solidFill>
+                      </a:endParaRPr>
                     </a:p>
                     <a:p>
                       <a:pPr algn="l"/>
@@ -22674,6 +23395,11 @@
                         </a:rPr>
                         <a:t>版</a:t>
                       </a:r>
+                      <a:endParaRPr lang="zh-CN" altLang="en-US" sz="2400" b="0" dirty="0">
+                        <a:solidFill>
+                          <a:schemeClr val="tx1"/>
+                        </a:solidFill>
+                      </a:endParaRPr>
                     </a:p>
                   </a:txBody>
                   <a:tcPr>
@@ -22685,11 +23411,6 @@
                     </a:solidFill>
                   </a:tcPr>
                 </a:tc>
-                <a:extLst>
-                  <a:ext uri="{0D108BD9-81ED-4DB2-BD59-A6C34878D82A}">
-                    <a16:rowId xmlns:a16="http://schemas.microsoft.com/office/drawing/2014/main" xmlns="" val="10000"/>
-                  </a:ext>
-                </a:extLst>
               </a:tr>
               <a:tr h="894720">
                 <a:tc>
@@ -22708,6 +23429,11 @@
                         </a:rPr>
                         <a:t>UML2基础、建模与设计教程</a:t>
                       </a:r>
+                      <a:endParaRPr dirty="0">
+                        <a:solidFill>
+                          <a:schemeClr val="tx1"/>
+                        </a:solidFill>
+                      </a:endParaRPr>
                     </a:p>
                   </a:txBody>
                   <a:tcPr/>
@@ -22781,11 +23507,6 @@
                   </a:txBody>
                   <a:tcPr/>
                 </a:tc>
-                <a:extLst>
-                  <a:ext uri="{0D108BD9-81ED-4DB2-BD59-A6C34878D82A}">
-                    <a16:rowId xmlns:a16="http://schemas.microsoft.com/office/drawing/2014/main" xmlns="" val="10001"/>
-                  </a:ext>
-                </a:extLst>
               </a:tr>
             </a:tbl>
           </a:graphicData>
@@ -22796,13 +23517,13 @@
   <p:clrMapOvr>
     <a:masterClrMapping/>
   </p:clrMapOvr>
-  <mc:AlternateContent xmlns:mc="http://schemas.openxmlformats.org/markup-compatibility/2006" xmlns:p14="http://schemas.microsoft.com/office/powerpoint/2010/main">
-    <mc:Choice Requires="p14">
+  <mc:AlternateContent xmlns:mc="http://schemas.openxmlformats.org/markup-compatibility/2006">
+    <mc:Choice xmlns:p14="http://schemas.microsoft.com/office/powerpoint/2010/main" Requires="p14">
       <p:transition spd="slow" p14:dur="1200" advClick="0" advTm="0">
         <p14:prism/>
       </p:transition>
     </mc:Choice>
-    <mc:Fallback xmlns="">
+    <mc:Fallback>
       <p:transition spd="slow" advClick="0" advTm="0">
         <p:fade/>
       </p:transition>
@@ -23179,6 +23900,7 @@
               <a:rPr lang="en-US" sz="2400" dirty="0"/>
               <a:t>2</a:t>
             </a:r>
+            <a:endParaRPr lang="en-US" sz="2400" dirty="0"/>
           </a:p>
         </p:txBody>
       </p:sp>
@@ -23265,7 +23987,7 @@
           <p:nvPr/>
         </p:nvPicPr>
         <p:blipFill>
-          <a:blip r:embed="rId2"/>
+          <a:blip r:embed="rId1"/>
           <a:stretch>
             <a:fillRect/>
           </a:stretch>
@@ -23339,8 +24061,32 @@
                   </a:solidFill>
                   <a:latin typeface="Verdana" panose="020B0604030504040204" pitchFamily="34" charset="0"/>
                 </a:rPr>
-                <a:t>　　用例图由以下几个元素组成：</a:t>
+                <a:t>　　</a:t>
               </a:r>
+              <a:r>
+                <a:rPr lang="zh-CN" altLang="en-US" dirty="0">
+                  <a:solidFill>
+                    <a:srgbClr val="FF0000"/>
+                  </a:solidFill>
+                  <a:latin typeface="Verdana" panose="020B0604030504040204" pitchFamily="34" charset="0"/>
+                </a:rPr>
+                <a:t>用例图</a:t>
+              </a:r>
+              <a:r>
+                <a:rPr lang="zh-CN" altLang="en-US" dirty="0">
+                  <a:solidFill>
+                    <a:srgbClr val="000000"/>
+                  </a:solidFill>
+                  <a:latin typeface="Verdana" panose="020B0604030504040204" pitchFamily="34" charset="0"/>
+                </a:rPr>
+                <a:t>由以下几个元素组成：</a:t>
+              </a:r>
+              <a:endParaRPr lang="zh-CN" altLang="en-US" dirty="0">
+                <a:solidFill>
+                  <a:srgbClr val="000000"/>
+                </a:solidFill>
+                <a:latin typeface="Verdana" panose="020B0604030504040204" pitchFamily="34" charset="0"/>
+              </a:endParaRPr>
             </a:p>
             <a:p>
               <a:r>
@@ -23353,6 +24099,13 @@
                 </a:rPr>
                 <a:t>	</a:t>
               </a:r>
+              <a:endParaRPr lang="en-US" altLang="zh-CN" b="0" i="0" dirty="0">
+                <a:solidFill>
+                  <a:srgbClr val="000000"/>
+                </a:solidFill>
+                <a:effectLst/>
+                <a:latin typeface="Verdana" panose="020B0604030504040204" pitchFamily="34" charset="0"/>
+              </a:endParaRPr>
             </a:p>
             <a:p>
               <a:r>
@@ -23368,13 +24121,30 @@
               <a:r>
                 <a:rPr lang="zh-CN" altLang="en-US" b="0" i="0" dirty="0">
                   <a:solidFill>
+                    <a:srgbClr val="FF0000"/>
+                  </a:solidFill>
+                  <a:effectLst/>
+                  <a:latin typeface="Verdana" panose="020B0604030504040204" pitchFamily="34" charset="0"/>
+                </a:rPr>
+                <a:t>参与者</a:t>
+              </a:r>
+              <a:r>
+                <a:rPr lang="zh-CN" altLang="en-US" b="0" i="0" dirty="0">
+                  <a:solidFill>
                     <a:srgbClr val="000000"/>
                   </a:solidFill>
                   <a:effectLst/>
                   <a:latin typeface="Verdana" panose="020B0604030504040204" pitchFamily="34" charset="0"/>
                 </a:rPr>
-                <a:t>参与者，也称为角色代表系统的用户</a:t>
+                <a:t>，也称为角色代表系统的用户</a:t>
               </a:r>
+              <a:endParaRPr lang="zh-CN" altLang="en-US" b="0" i="0" dirty="0">
+                <a:solidFill>
+                  <a:srgbClr val="000000"/>
+                </a:solidFill>
+                <a:effectLst/>
+                <a:latin typeface="Verdana" panose="020B0604030504040204" pitchFamily="34" charset="0"/>
+              </a:endParaRPr>
             </a:p>
             <a:p>
               <a:r>
@@ -23390,13 +24160,30 @@
               <a:r>
                 <a:rPr lang="zh-CN" altLang="en-US" b="0" i="0" dirty="0">
                   <a:solidFill>
+                    <a:srgbClr val="FF0000"/>
+                  </a:solidFill>
+                  <a:effectLst/>
+                  <a:latin typeface="Verdana" panose="020B0604030504040204" pitchFamily="34" charset="0"/>
+                </a:rPr>
+                <a:t>系统边界</a:t>
+              </a:r>
+              <a:r>
+                <a:rPr lang="zh-CN" altLang="en-US" b="0" i="0" dirty="0">
+                  <a:solidFill>
                     <a:srgbClr val="000000"/>
                   </a:solidFill>
                   <a:effectLst/>
                   <a:latin typeface="Verdana" panose="020B0604030504040204" pitchFamily="34" charset="0"/>
                 </a:rPr>
-                <a:t>系统边界，确定系统的范围</a:t>
+                <a:t>，确定系统的范围</a:t>
               </a:r>
+              <a:endParaRPr lang="zh-CN" altLang="en-US" b="0" i="0" dirty="0">
+                <a:solidFill>
+                  <a:srgbClr val="000000"/>
+                </a:solidFill>
+                <a:effectLst/>
+                <a:latin typeface="Verdana" panose="020B0604030504040204" pitchFamily="34" charset="0"/>
+              </a:endParaRPr>
             </a:p>
             <a:p>
               <a:r>
@@ -23412,13 +24199,30 @@
               <a:r>
                 <a:rPr lang="zh-CN" altLang="en-US" b="0" i="0" dirty="0">
                   <a:solidFill>
+                    <a:srgbClr val="FF0000"/>
+                  </a:solidFill>
+                  <a:effectLst/>
+                  <a:latin typeface="Verdana" panose="020B0604030504040204" pitchFamily="34" charset="0"/>
+                </a:rPr>
+                <a:t>用例</a:t>
+              </a:r>
+              <a:r>
+                <a:rPr lang="zh-CN" altLang="en-US" b="0" i="0" dirty="0">
+                  <a:solidFill>
                     <a:srgbClr val="000000"/>
                   </a:solidFill>
                   <a:effectLst/>
                   <a:latin typeface="Verdana" panose="020B0604030504040204" pitchFamily="34" charset="0"/>
                 </a:rPr>
-                <a:t>用例，代表系统提供的服务</a:t>
+                <a:t>，代表系统提供的服务</a:t>
               </a:r>
+              <a:endParaRPr lang="zh-CN" altLang="en-US" b="0" i="0" dirty="0">
+                <a:solidFill>
+                  <a:srgbClr val="000000"/>
+                </a:solidFill>
+                <a:effectLst/>
+                <a:latin typeface="Verdana" panose="020B0604030504040204" pitchFamily="34" charset="0"/>
+              </a:endParaRPr>
             </a:p>
             <a:p>
               <a:r>
@@ -23434,13 +24238,30 @@
               <a:r>
                 <a:rPr lang="zh-CN" altLang="en-US" b="0" i="0" dirty="0">
                   <a:solidFill>
+                    <a:srgbClr val="FF0000"/>
+                  </a:solidFill>
+                  <a:effectLst/>
+                  <a:latin typeface="Verdana" panose="020B0604030504040204" pitchFamily="34" charset="0"/>
+                </a:rPr>
+                <a:t>关联</a:t>
+              </a:r>
+              <a:r>
+                <a:rPr lang="zh-CN" altLang="en-US" b="0" i="0" dirty="0">
+                  <a:solidFill>
                     <a:srgbClr val="000000"/>
                   </a:solidFill>
                   <a:effectLst/>
                   <a:latin typeface="Verdana" panose="020B0604030504040204" pitchFamily="34" charset="0"/>
                 </a:rPr>
-                <a:t>关联，表示参与者与用例的关系</a:t>
+                <a:t>，表示参与者与用例的关系</a:t>
               </a:r>
+              <a:endParaRPr lang="zh-CN" altLang="en-US" b="0" i="0" dirty="0">
+                <a:solidFill>
+                  <a:srgbClr val="000000"/>
+                </a:solidFill>
+                <a:effectLst/>
+                <a:latin typeface="Verdana" panose="020B0604030504040204" pitchFamily="34" charset="0"/>
+              </a:endParaRPr>
             </a:p>
           </p:txBody>
         </p:sp>
@@ -23561,7 +24382,7 @@
           <p:nvPr/>
         </p:nvPicPr>
         <p:blipFill>
-          <a:blip r:embed="rId3"/>
+          <a:blip r:embed="rId2"/>
           <a:stretch>
             <a:fillRect/>
           </a:stretch>
@@ -23697,6 +24518,13 @@
               </a:rPr>
               <a:t>绩效考评与分工</a:t>
             </a:r>
+            <a:endParaRPr lang="zh-CN" altLang="en-US" sz="3200" b="1" dirty="0">
+              <a:solidFill>
+                <a:schemeClr val="bg1"/>
+              </a:solidFill>
+              <a:latin typeface="微软雅黑" panose="020B0503020204020204" pitchFamily="34" charset="-122"/>
+              <a:ea typeface="微软雅黑" panose="020B0503020204020204" pitchFamily="34" charset="-122"/>
+            </a:endParaRPr>
           </a:p>
         </p:txBody>
       </p:sp>
@@ -23704,13 +24532,7 @@
         <p:nvGraphicFramePr>
           <p:cNvPr id="3" name="表格 2"/>
           <p:cNvGraphicFramePr/>
-          <p:nvPr>
-            <p:extLst>
-              <p:ext uri="{D42A27DB-BD31-4B8C-83A1-F6EECF244321}">
-                <p14:modId xmlns:p14="http://schemas.microsoft.com/office/powerpoint/2010/main" val="1157283012"/>
-              </p:ext>
-            </p:extLst>
-          </p:nvPr>
+          <p:nvPr/>
         </p:nvGraphicFramePr>
         <p:xfrm>
           <a:off x="3214886" y="1341562"/>
@@ -23723,27 +24545,9 @@
                 <a:tableStyleId>{5C22544A-7EE6-4342-B048-85BDC9FD1C3A}</a:tableStyleId>
               </a:tblPr>
               <a:tblGrid>
-                <a:gridCol w="1895475">
-                  <a:extLst>
-                    <a:ext uri="{9D8B030D-6E8A-4147-A177-3AD203B41FA5}">
-                      <a16:colId xmlns:a16="http://schemas.microsoft.com/office/drawing/2014/main" xmlns="" val="20000"/>
-                    </a:ext>
-                  </a:extLst>
-                </a:gridCol>
-                <a:gridCol w="2937510">
-                  <a:extLst>
-                    <a:ext uri="{9D8B030D-6E8A-4147-A177-3AD203B41FA5}">
-                      <a16:colId xmlns:a16="http://schemas.microsoft.com/office/drawing/2014/main" xmlns="" val="20001"/>
-                    </a:ext>
-                  </a:extLst>
-                </a:gridCol>
-                <a:gridCol w="2938145">
-                  <a:extLst>
-                    <a:ext uri="{9D8B030D-6E8A-4147-A177-3AD203B41FA5}">
-                      <a16:colId xmlns:a16="http://schemas.microsoft.com/office/drawing/2014/main" xmlns="" val="20002"/>
-                    </a:ext>
-                  </a:extLst>
-                </a:gridCol>
+                <a:gridCol w="1895475"/>
+                <a:gridCol w="2937510"/>
+                <a:gridCol w="2938145"/>
               </a:tblGrid>
               <a:tr h="713740">
                 <a:tc>
@@ -23762,6 +24566,11 @@
                         </a:rPr>
                         <a:t>黄为波</a:t>
                       </a:r>
+                      <a:endParaRPr lang="zh-CN" altLang="en-US" b="0" dirty="0">
+                        <a:solidFill>
+                          <a:schemeClr val="tx1"/>
+                        </a:solidFill>
+                      </a:endParaRPr>
                     </a:p>
                   </a:txBody>
                   <a:tcPr>
@@ -23787,6 +24596,11 @@
                         </a:rPr>
                         <a:t>负责类图，用例图</a:t>
                       </a:r>
+                      <a:endParaRPr lang="zh-CN" altLang="en-US" sz="2400" b="0" dirty="0">
+                        <a:solidFill>
+                          <a:schemeClr val="tx1"/>
+                        </a:solidFill>
+                      </a:endParaRPr>
                     </a:p>
                   </a:txBody>
                   <a:tcPr>
@@ -23814,6 +24628,11 @@
                         </a:rPr>
                         <a:t>9.7</a:t>
                       </a:r>
+                      <a:endParaRPr lang="en-US" altLang="zh-CN" sz="2400" b="0" dirty="0">
+                        <a:solidFill>
+                          <a:schemeClr val="tx1"/>
+                        </a:solidFill>
+                      </a:endParaRPr>
                     </a:p>
                   </a:txBody>
                   <a:tcPr>
@@ -23825,11 +24644,6 @@
                     </a:solidFill>
                   </a:tcPr>
                 </a:tc>
-                <a:extLst>
-                  <a:ext uri="{0D108BD9-81ED-4DB2-BD59-A6C34878D82A}">
-                    <a16:rowId xmlns:a16="http://schemas.microsoft.com/office/drawing/2014/main" xmlns="" val="10000"/>
-                  </a:ext>
-                </a:extLst>
               </a:tr>
               <a:tr h="716915">
                 <a:tc>
@@ -23848,6 +24662,11 @@
                         </a:rPr>
                         <a:t>苏雨豪</a:t>
                       </a:r>
+                      <a:endParaRPr lang="zh-CN" altLang="en-US" dirty="0">
+                        <a:solidFill>
+                          <a:schemeClr val="tx1"/>
+                        </a:solidFill>
+                      </a:endParaRPr>
                     </a:p>
                   </a:txBody>
                   <a:tcPr/>
@@ -23876,6 +24695,11 @@
                         </a:rPr>
                         <a:t>状态机图</a:t>
                       </a:r>
+                      <a:endParaRPr lang="zh-CN" altLang="en-US" dirty="0">
+                        <a:solidFill>
+                          <a:schemeClr val="tx1"/>
+                        </a:solidFill>
+                      </a:endParaRPr>
                     </a:p>
                   </a:txBody>
                   <a:tcPr/>
@@ -23896,15 +24720,15 @@
                         </a:rPr>
                         <a:t>9.3</a:t>
                       </a:r>
+                      <a:endParaRPr lang="en-US" altLang="zh-CN" sz="2400" dirty="0">
+                        <a:solidFill>
+                          <a:schemeClr val="tx1"/>
+                        </a:solidFill>
+                      </a:endParaRPr>
                     </a:p>
                   </a:txBody>
                   <a:tcPr/>
                 </a:tc>
-                <a:extLst>
-                  <a:ext uri="{0D108BD9-81ED-4DB2-BD59-A6C34878D82A}">
-                    <a16:rowId xmlns:a16="http://schemas.microsoft.com/office/drawing/2014/main" xmlns="" val="10001"/>
-                  </a:ext>
-                </a:extLst>
               </a:tr>
               <a:tr h="805815">
                 <a:tc>
@@ -23923,6 +24747,11 @@
                         </a:rPr>
                         <a:t>陈子卿</a:t>
                       </a:r>
+                      <a:endParaRPr lang="zh-CN" dirty="0">
+                        <a:solidFill>
+                          <a:schemeClr val="tx1"/>
+                        </a:solidFill>
+                      </a:endParaRPr>
                     </a:p>
                   </a:txBody>
                   <a:tcPr>
@@ -23950,6 +24779,11 @@
                         </a:rPr>
                         <a:t>负责协作图（通信图）</a:t>
                       </a:r>
+                      <a:endParaRPr lang="zh-CN" altLang="en-US" dirty="0">
+                        <a:solidFill>
+                          <a:schemeClr val="tx1"/>
+                        </a:solidFill>
+                      </a:endParaRPr>
                     </a:p>
                   </a:txBody>
                   <a:tcPr>
@@ -23977,6 +24811,11 @@
                         </a:rPr>
                         <a:t>9.4</a:t>
                       </a:r>
+                      <a:endParaRPr lang="en-US" altLang="zh-CN" sz="2400" dirty="0">
+                        <a:solidFill>
+                          <a:schemeClr val="tx1"/>
+                        </a:solidFill>
+                      </a:endParaRPr>
                     </a:p>
                   </a:txBody>
                   <a:tcPr>
@@ -23988,11 +24827,6 @@
                     </a:solidFill>
                   </a:tcPr>
                 </a:tc>
-                <a:extLst>
-                  <a:ext uri="{0D108BD9-81ED-4DB2-BD59-A6C34878D82A}">
-                    <a16:rowId xmlns:a16="http://schemas.microsoft.com/office/drawing/2014/main" xmlns="" val="10002"/>
-                  </a:ext>
-                </a:extLst>
               </a:tr>
               <a:tr h="733425">
                 <a:tc>
@@ -24011,6 +24845,11 @@
                         </a:rPr>
                         <a:t>蔡峰</a:t>
                       </a:r>
+                      <a:endParaRPr lang="zh-CN" altLang="en-US" dirty="0">
+                        <a:solidFill>
+                          <a:schemeClr val="tx1"/>
+                        </a:solidFill>
+                      </a:endParaRPr>
                     </a:p>
                   </a:txBody>
                   <a:tcPr>
@@ -24038,6 +24877,11 @@
                         </a:rPr>
                         <a:t>负责顺序图</a:t>
                       </a:r>
+                      <a:endParaRPr lang="zh-CN" altLang="en-US" dirty="0">
+                        <a:solidFill>
+                          <a:schemeClr val="tx1"/>
+                        </a:solidFill>
+                      </a:endParaRPr>
                     </a:p>
                   </a:txBody>
                   <a:tcPr>
@@ -24093,11 +24937,6 @@
                     </a:solidFill>
                   </a:tcPr>
                 </a:tc>
-                <a:extLst>
-                  <a:ext uri="{0D108BD9-81ED-4DB2-BD59-A6C34878D82A}">
-                    <a16:rowId xmlns:a16="http://schemas.microsoft.com/office/drawing/2014/main" xmlns="" val="10003"/>
-                  </a:ext>
-                </a:extLst>
               </a:tr>
               <a:tr h="732790">
                 <a:tc>
@@ -24116,6 +24955,11 @@
                         </a:rPr>
                         <a:t>江亮儒</a:t>
                       </a:r>
+                      <a:endParaRPr lang="zh-CN" altLang="en-US" dirty="0">
+                        <a:solidFill>
+                          <a:schemeClr val="tx1"/>
+                        </a:solidFill>
+                      </a:endParaRPr>
                     </a:p>
                   </a:txBody>
                   <a:tcPr>
@@ -24143,6 +24987,11 @@
                         </a:rPr>
                         <a:t>负责部署图</a:t>
                       </a:r>
+                      <a:endParaRPr lang="zh-CN" altLang="en-US" dirty="0">
+                        <a:solidFill>
+                          <a:schemeClr val="tx1"/>
+                        </a:solidFill>
+                      </a:endParaRPr>
                     </a:p>
                   </a:txBody>
                   <a:tcPr>
@@ -24170,6 +25019,11 @@
                         </a:rPr>
                         <a:t>9.5</a:t>
                       </a:r>
+                      <a:endParaRPr lang="en-US" altLang="zh-CN" sz="2400" dirty="0">
+                        <a:solidFill>
+                          <a:schemeClr val="tx1"/>
+                        </a:solidFill>
+                      </a:endParaRPr>
                     </a:p>
                   </a:txBody>
                   <a:tcPr>
@@ -24181,11 +25035,6 @@
                     </a:solidFill>
                   </a:tcPr>
                 </a:tc>
-                <a:extLst>
-                  <a:ext uri="{0D108BD9-81ED-4DB2-BD59-A6C34878D82A}">
-                    <a16:rowId xmlns:a16="http://schemas.microsoft.com/office/drawing/2014/main" xmlns="" val="10004"/>
-                  </a:ext>
-                </a:extLst>
               </a:tr>
             </a:tbl>
           </a:graphicData>
@@ -24196,13 +25045,13 @@
   <p:clrMapOvr>
     <a:masterClrMapping/>
   </p:clrMapOvr>
-  <mc:AlternateContent xmlns:mc="http://schemas.openxmlformats.org/markup-compatibility/2006" xmlns:p14="http://schemas.microsoft.com/office/powerpoint/2010/main">
-    <mc:Choice Requires="p14">
+  <mc:AlternateContent xmlns:mc="http://schemas.openxmlformats.org/markup-compatibility/2006">
+    <mc:Choice xmlns:p14="http://schemas.microsoft.com/office/powerpoint/2010/main" Requires="p14">
       <p:transition spd="slow" p14:dur="1200" advClick="0" advTm="0">
         <p14:prism/>
       </p:transition>
     </mc:Choice>
-    <mc:Fallback xmlns="">
+    <mc:Fallback>
       <p:transition spd="slow" advClick="0" advTm="0">
         <p:fade/>
       </p:transition>
@@ -25013,6 +25862,16 @@
               </a:rPr>
               <a:t>小组</a:t>
             </a:r>
+            <a:endParaRPr lang="zh-CN" altLang="en-US" sz="1900" dirty="0">
+              <a:solidFill>
+                <a:schemeClr val="tx1">
+                  <a:lumMod val="85000"/>
+                  <a:lumOff val="15000"/>
+                </a:schemeClr>
+              </a:solidFill>
+              <a:latin typeface="微软雅黑" panose="020B0503020204020204" pitchFamily="34" charset="-122"/>
+              <a:ea typeface="微软雅黑" panose="020B0503020204020204" pitchFamily="34" charset="-122"/>
+            </a:endParaRPr>
           </a:p>
         </p:txBody>
       </p:sp>
@@ -25063,6 +25922,16 @@
               </a:rPr>
               <a:t>汇报结束 感谢观看</a:t>
             </a:r>
+            <a:endParaRPr lang="zh-CN" altLang="en-US" sz="3600" b="1" dirty="0">
+              <a:solidFill>
+                <a:schemeClr val="tx1">
+                  <a:lumMod val="75000"/>
+                  <a:lumOff val="25000"/>
+                </a:schemeClr>
+              </a:solidFill>
+              <a:latin typeface="微软雅黑" panose="020B0503020204020204" pitchFamily="34" charset="-122"/>
+              <a:ea typeface="微软雅黑" panose="020B0503020204020204" pitchFamily="34" charset="-122"/>
+            </a:endParaRPr>
           </a:p>
         </p:txBody>
       </p:sp>
@@ -25167,6 +26036,16 @@
               </a:rPr>
               <a:t>日</a:t>
             </a:r>
+            <a:endParaRPr lang="zh-CN" altLang="en-US" sz="1900" dirty="0">
+              <a:solidFill>
+                <a:schemeClr val="tx1">
+                  <a:lumMod val="85000"/>
+                  <a:lumOff val="15000"/>
+                </a:schemeClr>
+              </a:solidFill>
+              <a:latin typeface="微软雅黑" panose="020B0503020204020204" pitchFamily="34" charset="-122"/>
+              <a:ea typeface="微软雅黑" panose="020B0503020204020204" pitchFamily="34" charset="-122"/>
+            </a:endParaRPr>
           </a:p>
         </p:txBody>
       </p:sp>
@@ -25214,16 +26093,16 @@
             <a:picLocks noChangeAspect="1"/>
           </p:cNvPicPr>
           <p:nvPr>
-            <a:audioFile r:link="rId2"/>
+            <a:audioFile r:link="rId1"/>
             <p:extLst>
               <p:ext uri="{DAA4B4D4-6D71-4841-9C94-3DE7FCFB9230}">
-                <p14:media xmlns:p14="http://schemas.microsoft.com/office/powerpoint/2010/main" r:embed="rId1"/>
+                <p14:media xmlns:p14="http://schemas.microsoft.com/office/powerpoint/2010/main" r:embed="rId2"/>
               </p:ext>
             </p:extLst>
           </p:nvPr>
         </p:nvPicPr>
         <p:blipFill>
-          <a:blip r:embed="rId5"/>
+          <a:blip r:embed="rId3"/>
           <a:stretch>
             <a:fillRect/>
           </a:stretch>
@@ -25271,6 +26150,14 @@
               </a:rPr>
               <a:t>浙江大学城市学院</a:t>
             </a:r>
+            <a:endParaRPr lang="zh-CN" altLang="en-US" kern="300" spc="2000">
+              <a:solidFill>
+                <a:schemeClr val="tx1"/>
+              </a:solidFill>
+              <a:uFillTx/>
+              <a:latin typeface="+中文标题" charset="0"/>
+              <a:ea typeface="+mj-ea"/>
+            </a:endParaRPr>
           </a:p>
         </p:txBody>
       </p:sp>
@@ -25279,13 +26166,13 @@
   <p:clrMapOvr>
     <a:masterClrMapping/>
   </p:clrMapOvr>
-  <mc:AlternateContent xmlns:mc="http://schemas.openxmlformats.org/markup-compatibility/2006" xmlns:p14="http://schemas.microsoft.com/office/powerpoint/2010/main">
-    <mc:Choice Requires="p14">
+  <mc:AlternateContent xmlns:mc="http://schemas.openxmlformats.org/markup-compatibility/2006">
+    <mc:Choice xmlns:p14="http://schemas.microsoft.com/office/powerpoint/2010/main" Requires="p14">
       <p:transition spd="slow" p14:dur="1600" advClick="0" advTm="0">
         <p:blinds dir="vert"/>
       </p:transition>
     </mc:Choice>
-    <mc:Fallback xmlns="">
+    <mc:Fallback>
       <p:transition spd="slow" advClick="0" advTm="0">
         <p:blinds dir="vert"/>
       </p:transition>
@@ -26160,6 +27047,7 @@
               <a:rPr lang="en-US" sz="2400" dirty="0"/>
               <a:t>2</a:t>
             </a:r>
+            <a:endParaRPr lang="en-US" sz="2400" dirty="0"/>
           </a:p>
         </p:txBody>
       </p:sp>
@@ -26281,6 +27169,12 @@
                 </a:rPr>
                 <a:t>参与者的作用如下：</a:t>
               </a:r>
+              <a:endParaRPr lang="zh-CN" dirty="0">
+                <a:solidFill>
+                  <a:srgbClr val="000000"/>
+                </a:solidFill>
+                <a:latin typeface="Verdana" panose="020B0604030504040204" pitchFamily="34" charset="0"/>
+              </a:endParaRPr>
             </a:p>
             <a:p>
               <a:r>
@@ -26291,8 +27185,25 @@
                   <a:effectLst/>
                   <a:latin typeface="Verdana" panose="020B0604030504040204" pitchFamily="34" charset="0"/>
                 </a:rPr>
-                <a:t>建立系统的外部用户模型</a:t>
+                <a:t>建立系统的</a:t>
               </a:r>
+              <a:r>
+                <a:rPr lang="zh-CN" altLang="en-US" b="0" i="0" dirty="0">
+                  <a:solidFill>
+                    <a:srgbClr val="FF0000"/>
+                  </a:solidFill>
+                  <a:effectLst/>
+                  <a:latin typeface="Verdana" panose="020B0604030504040204" pitchFamily="34" charset="0"/>
+                </a:rPr>
+                <a:t>外部用户模型</a:t>
+              </a:r>
+              <a:endParaRPr lang="zh-CN" altLang="en-US" b="0" i="0" dirty="0">
+                <a:solidFill>
+                  <a:srgbClr val="000000"/>
+                </a:solidFill>
+                <a:effectLst/>
+                <a:latin typeface="Verdana" panose="020B0604030504040204" pitchFamily="34" charset="0"/>
+              </a:endParaRPr>
             </a:p>
             <a:p>
               <a:r>
@@ -26303,8 +27214,35 @@
                   <a:effectLst/>
                   <a:latin typeface="Verdana" panose="020B0604030504040204" pitchFamily="34" charset="0"/>
                 </a:rPr>
-                <a:t>对系统边界之外的对象进行描述</a:t>
+                <a:t>对</a:t>
               </a:r>
+              <a:r>
+                <a:rPr lang="zh-CN" altLang="en-US" b="0" i="0" dirty="0">
+                  <a:solidFill>
+                    <a:srgbClr val="FF0000"/>
+                  </a:solidFill>
+                  <a:effectLst/>
+                  <a:latin typeface="Verdana" panose="020B0604030504040204" pitchFamily="34" charset="0"/>
+                </a:rPr>
+                <a:t>系统边界之外的对象</a:t>
+              </a:r>
+              <a:r>
+                <a:rPr lang="zh-CN" altLang="en-US" b="0" i="0" dirty="0">
+                  <a:solidFill>
+                    <a:srgbClr val="000000"/>
+                  </a:solidFill>
+                  <a:effectLst/>
+                  <a:latin typeface="Verdana" panose="020B0604030504040204" pitchFamily="34" charset="0"/>
+                </a:rPr>
+                <a:t>进行描述</a:t>
+              </a:r>
+              <a:endParaRPr lang="zh-CN" altLang="en-US" b="0" i="0" dirty="0">
+                <a:solidFill>
+                  <a:srgbClr val="000000"/>
+                </a:solidFill>
+                <a:effectLst/>
+                <a:latin typeface="Verdana" panose="020B0604030504040204" pitchFamily="34" charset="0"/>
+              </a:endParaRPr>
             </a:p>
             <a:p>
               <a:endParaRPr lang="zh-CN" altLang="en-US" b="0" i="0" dirty="0">
@@ -26333,8 +27271,35 @@
                   <a:effectLst/>
                   <a:latin typeface="Verdana" panose="020B0604030504040204" pitchFamily="34" charset="0"/>
                 </a:rPr>
-                <a:t>使用泛化关系可以在需求中更好的描述权限控制</a:t>
+                <a:t>使用泛化关系可以在需求中更好的描述</a:t>
               </a:r>
+              <a:r>
+                <a:rPr lang="zh-CN" altLang="en-US" b="0" i="0" dirty="0">
+                  <a:solidFill>
+                    <a:srgbClr val="FF0000"/>
+                  </a:solidFill>
+                  <a:effectLst/>
+                  <a:latin typeface="Verdana" panose="020B0604030504040204" pitchFamily="34" charset="0"/>
+                </a:rPr>
+                <a:t>权限</a:t>
+              </a:r>
+              <a:r>
+                <a:rPr lang="zh-CN" altLang="en-US" b="0" i="0" dirty="0">
+                  <a:solidFill>
+                    <a:srgbClr val="000000"/>
+                  </a:solidFill>
+                  <a:effectLst/>
+                  <a:latin typeface="Verdana" panose="020B0604030504040204" pitchFamily="34" charset="0"/>
+                </a:rPr>
+                <a:t>控制</a:t>
+              </a:r>
+              <a:endParaRPr lang="zh-CN" altLang="en-US" b="0" i="0" dirty="0">
+                <a:solidFill>
+                  <a:srgbClr val="000000"/>
+                </a:solidFill>
+                <a:effectLst/>
+                <a:latin typeface="Verdana" panose="020B0604030504040204" pitchFamily="34" charset="0"/>
+              </a:endParaRPr>
             </a:p>
             <a:p>
               <a:endParaRPr lang="zh-CN" altLang="en-US" b="0" i="0" dirty="0">
@@ -26464,7 +27429,7 @@
           <p:nvPr/>
         </p:nvPicPr>
         <p:blipFill>
-          <a:blip r:embed="rId2"/>
+          <a:blip r:embed="rId1"/>
           <a:stretch>
             <a:fillRect/>
           </a:stretch>
@@ -26599,6 +27564,7 @@
               <a:rPr lang="en-US" sz="2400" dirty="0"/>
               <a:t>2</a:t>
             </a:r>
+            <a:endParaRPr lang="en-US" sz="2400" dirty="0"/>
           </a:p>
         </p:txBody>
       </p:sp>
@@ -26720,6 +27686,12 @@
                 </a:rPr>
                 <a:t>用例的一些特点：</a:t>
               </a:r>
+              <a:endParaRPr lang="zh-CN" dirty="0">
+                <a:solidFill>
+                  <a:srgbClr val="000000"/>
+                </a:solidFill>
+                <a:latin typeface="Verdana" panose="020B0604030504040204" pitchFamily="34" charset="0"/>
+              </a:endParaRPr>
             </a:p>
             <a:p>
               <a:r>
@@ -26738,8 +27710,32 @@
                   </a:solidFill>
                   <a:latin typeface="Verdana" panose="020B0604030504040204" pitchFamily="34" charset="0"/>
                 </a:rPr>
-                <a:t>是从系统使用角度描述系统中的信息，而不是系统内部实现方式</a:t>
+                <a:t>是从</a:t>
               </a:r>
+              <a:r>
+                <a:rPr lang="zh-CN" altLang="en-US" dirty="0">
+                  <a:solidFill>
+                    <a:srgbClr val="FF0000"/>
+                  </a:solidFill>
+                  <a:latin typeface="Verdana" panose="020B0604030504040204" pitchFamily="34" charset="0"/>
+                </a:rPr>
+                <a:t>系统使用角度</a:t>
+              </a:r>
+              <a:r>
+                <a:rPr lang="zh-CN" altLang="en-US" dirty="0">
+                  <a:solidFill>
+                    <a:srgbClr val="000000"/>
+                  </a:solidFill>
+                  <a:latin typeface="Verdana" panose="020B0604030504040204" pitchFamily="34" charset="0"/>
+                </a:rPr>
+                <a:t>描述系统中的信息，而不是系统内部实现方式</a:t>
+              </a:r>
+              <a:endParaRPr lang="zh-CN" altLang="en-US" dirty="0">
+                <a:solidFill>
+                  <a:srgbClr val="000000"/>
+                </a:solidFill>
+                <a:latin typeface="Verdana" panose="020B0604030504040204" pitchFamily="34" charset="0"/>
+              </a:endParaRPr>
             </a:p>
             <a:p>
               <a:r>
@@ -26758,8 +27754,32 @@
                   </a:solidFill>
                   <a:latin typeface="Verdana" panose="020B0604030504040204" pitchFamily="34" charset="0"/>
                 </a:rPr>
-                <a:t>用例描述的是用户一些可见的需求，是面向对象分析与设计得七点，是类，对象，操作的来源</a:t>
+                <a:t>用例</a:t>
               </a:r>
+              <a:r>
+                <a:rPr lang="zh-CN" altLang="en-US" dirty="0">
+                  <a:solidFill>
+                    <a:srgbClr val="FF0000"/>
+                  </a:solidFill>
+                  <a:latin typeface="Verdana" panose="020B0604030504040204" pitchFamily="34" charset="0"/>
+                </a:rPr>
+                <a:t>描述的是用户一些可见的需求</a:t>
+              </a:r>
+              <a:r>
+                <a:rPr lang="zh-CN" altLang="en-US" dirty="0">
+                  <a:solidFill>
+                    <a:srgbClr val="000000"/>
+                  </a:solidFill>
+                  <a:latin typeface="Verdana" panose="020B0604030504040204" pitchFamily="34" charset="0"/>
+                </a:rPr>
+                <a:t>，是面向对象分析与设计得七点，是类，对象，操作的来源</a:t>
+              </a:r>
+              <a:endParaRPr lang="zh-CN" altLang="en-US" dirty="0">
+                <a:solidFill>
+                  <a:srgbClr val="000000"/>
+                </a:solidFill>
+                <a:latin typeface="Verdana" panose="020B0604030504040204" pitchFamily="34" charset="0"/>
+              </a:endParaRPr>
             </a:p>
             <a:p>
               <a:r>
@@ -26778,8 +27798,32 @@
                   </a:solidFill>
                   <a:latin typeface="Verdana" panose="020B0604030504040204" pitchFamily="34" charset="0"/>
                 </a:rPr>
-                <a:t>用例由摸个参与者来执行</a:t>
+                <a:t>用例由</a:t>
               </a:r>
+              <a:r>
+                <a:rPr lang="zh-CN" altLang="en-US" dirty="0">
+                  <a:solidFill>
+                    <a:srgbClr val="FF0000"/>
+                  </a:solidFill>
+                  <a:latin typeface="Verdana" panose="020B0604030504040204" pitchFamily="34" charset="0"/>
+                </a:rPr>
+                <a:t>某个参与者</a:t>
+              </a:r>
+              <a:r>
+                <a:rPr lang="zh-CN" altLang="en-US" dirty="0">
+                  <a:solidFill>
+                    <a:srgbClr val="000000"/>
+                  </a:solidFill>
+                  <a:latin typeface="Verdana" panose="020B0604030504040204" pitchFamily="34" charset="0"/>
+                </a:rPr>
+                <a:t>来执行</a:t>
+              </a:r>
+              <a:endParaRPr lang="zh-CN" altLang="en-US" dirty="0">
+                <a:solidFill>
+                  <a:srgbClr val="000000"/>
+                </a:solidFill>
+                <a:latin typeface="Verdana" panose="020B0604030504040204" pitchFamily="34" charset="0"/>
+              </a:endParaRPr>
             </a:p>
             <a:p>
               <a:r>
@@ -26798,8 +27842,32 @@
                   </a:solidFill>
                   <a:latin typeface="Verdana" panose="020B0604030504040204" pitchFamily="34" charset="0"/>
                 </a:rPr>
-                <a:t>用例把结果反馈给参与者</a:t>
+                <a:t>用例把</a:t>
               </a:r>
+              <a:r>
+                <a:rPr lang="zh-CN" altLang="en-US" dirty="0">
+                  <a:solidFill>
+                    <a:srgbClr val="FF0000"/>
+                  </a:solidFill>
+                  <a:latin typeface="Verdana" panose="020B0604030504040204" pitchFamily="34" charset="0"/>
+                </a:rPr>
+                <a:t>结果反馈</a:t>
+              </a:r>
+              <a:r>
+                <a:rPr lang="zh-CN" altLang="en-US" dirty="0">
+                  <a:solidFill>
+                    <a:srgbClr val="000000"/>
+                  </a:solidFill>
+                  <a:latin typeface="Verdana" panose="020B0604030504040204" pitchFamily="34" charset="0"/>
+                </a:rPr>
+                <a:t>给参与者</a:t>
+              </a:r>
+              <a:endParaRPr lang="zh-CN" altLang="en-US" dirty="0">
+                <a:solidFill>
+                  <a:srgbClr val="000000"/>
+                </a:solidFill>
+                <a:latin typeface="Verdana" panose="020B0604030504040204" pitchFamily="34" charset="0"/>
+              </a:endParaRPr>
             </a:p>
             <a:p>
               <a:r>
@@ -26818,7 +27886,61 @@
                   </a:solidFill>
                   <a:latin typeface="Verdana" panose="020B0604030504040204" pitchFamily="34" charset="0"/>
                 </a:rPr>
-                <a:t>用例在功能上具有完整性，从参与者接受输入，参与者再接受其输出。</a:t>
+                <a:t>用例在功能上具有</a:t>
+              </a:r>
+              <a:r>
+                <a:rPr lang="zh-CN" altLang="en-US" dirty="0">
+                  <a:solidFill>
+                    <a:srgbClr val="FF0000"/>
+                  </a:solidFill>
+                  <a:latin typeface="Verdana" panose="020B0604030504040204" pitchFamily="34" charset="0"/>
+                </a:rPr>
+                <a:t>完整性</a:t>
+              </a:r>
+              <a:r>
+                <a:rPr lang="zh-CN" altLang="en-US" dirty="0">
+                  <a:solidFill>
+                    <a:srgbClr val="000000"/>
+                  </a:solidFill>
+                  <a:latin typeface="Verdana" panose="020B0604030504040204" pitchFamily="34" charset="0"/>
+                </a:rPr>
+                <a:t>，从参与者接受</a:t>
+              </a:r>
+              <a:r>
+                <a:rPr lang="zh-CN" altLang="en-US" dirty="0">
+                  <a:solidFill>
+                    <a:srgbClr val="FF0000"/>
+                  </a:solidFill>
+                  <a:latin typeface="Verdana" panose="020B0604030504040204" pitchFamily="34" charset="0"/>
+                </a:rPr>
+                <a:t>输入</a:t>
+              </a:r>
+              <a:r>
+                <a:rPr lang="zh-CN" altLang="en-US" dirty="0">
+                  <a:solidFill>
+                    <a:srgbClr val="000000"/>
+                  </a:solidFill>
+                  <a:latin typeface="Verdana" panose="020B0604030504040204" pitchFamily="34" charset="0"/>
+                </a:rPr>
+                <a:t>，参与者再接受其</a:t>
+              </a:r>
+              <a:r>
+                <a:rPr lang="zh-CN" altLang="en-US" dirty="0">
+                  <a:solidFill>
+                    <a:srgbClr val="FF0000"/>
+                  </a:solidFill>
+                  <a:latin typeface="Verdana" panose="020B0604030504040204" pitchFamily="34" charset="0"/>
+                </a:rPr>
+                <a:t>输出</a:t>
+              </a:r>
+              <a:r>
+                <a:rPr lang="zh-CN" altLang="en-US" dirty="0">
+                  <a:solidFill>
+                    <a:srgbClr val="000000"/>
+                  </a:solidFill>
+                  <a:latin typeface="Verdana" panose="020B0604030504040204" pitchFamily="34" charset="0"/>
+                </a:rPr>
+                <a:t>。</a:t>
               </a:r>
               <a:endParaRPr lang="zh-CN" altLang="en-US" b="0" i="0" dirty="0">
                 <a:solidFill>
@@ -27067,6 +28189,7 @@
               <a:rPr lang="en-US" sz="2400" dirty="0"/>
               <a:t>2</a:t>
             </a:r>
+            <a:endParaRPr lang="en-US" sz="2400" dirty="0"/>
           </a:p>
         </p:txBody>
       </p:sp>
@@ -27188,6 +28311,12 @@
                 </a:rPr>
                 <a:t>用例的描述</a:t>
               </a:r>
+              <a:endParaRPr lang="zh-CN" dirty="0">
+                <a:solidFill>
+                  <a:srgbClr val="000000"/>
+                </a:solidFill>
+                <a:latin typeface="Verdana" panose="020B0604030504040204" pitchFamily="34" charset="0"/>
+              </a:endParaRPr>
             </a:p>
             <a:p>
               <a:endParaRPr lang="zh-CN" altLang="en-US" b="0" i="0" dirty="0">
@@ -27207,8 +28336,35 @@
                   <a:effectLst/>
                   <a:latin typeface="Verdana" panose="020B0604030504040204" pitchFamily="34" charset="0"/>
                 </a:rPr>
-                <a:t>对于用例需要有更详细的描述与说明，这样可以让别人对用例由更加详细的了解</a:t>
+                <a:t>对于用例需要有</a:t>
               </a:r>
+              <a:r>
+                <a:rPr lang="zh-CN" altLang="en-US" b="0" i="0" dirty="0">
+                  <a:solidFill>
+                    <a:srgbClr val="FF0000"/>
+                  </a:solidFill>
+                  <a:effectLst/>
+                  <a:latin typeface="Verdana" panose="020B0604030504040204" pitchFamily="34" charset="0"/>
+                </a:rPr>
+                <a:t>更详细的描述</a:t>
+              </a:r>
+              <a:r>
+                <a:rPr lang="zh-CN" altLang="en-US" b="0" i="0" dirty="0">
+                  <a:solidFill>
+                    <a:srgbClr val="000000"/>
+                  </a:solidFill>
+                  <a:effectLst/>
+                  <a:latin typeface="Verdana" panose="020B0604030504040204" pitchFamily="34" charset="0"/>
+                </a:rPr>
+                <a:t>与说明，这样可以让别人对用例由更加详细的了解</a:t>
+              </a:r>
+              <a:endParaRPr lang="zh-CN" altLang="en-US" b="0" i="0" dirty="0">
+                <a:solidFill>
+                  <a:srgbClr val="000000"/>
+                </a:solidFill>
+                <a:effectLst/>
+                <a:latin typeface="Verdana" panose="020B0604030504040204" pitchFamily="34" charset="0"/>
+              </a:endParaRPr>
             </a:p>
             <a:p>
               <a:endParaRPr lang="zh-CN" altLang="en-US" b="0" i="0" dirty="0">
@@ -27346,20 +28502,8 @@
                 <a:tableStyleId>{5C22544A-7EE6-4342-B048-85BDC9FD1C3A}</a:tableStyleId>
               </a:tblPr>
               <a:tblGrid>
-                <a:gridCol w="1596390">
-                  <a:extLst>
-                    <a:ext uri="{9D8B030D-6E8A-4147-A177-3AD203B41FA5}">
-                      <a16:colId xmlns:a16="http://schemas.microsoft.com/office/drawing/2014/main" xmlns="" val="20000"/>
-                    </a:ext>
-                  </a:extLst>
-                </a:gridCol>
-                <a:gridCol w="3658870">
-                  <a:extLst>
-                    <a:ext uri="{9D8B030D-6E8A-4147-A177-3AD203B41FA5}">
-                      <a16:colId xmlns:a16="http://schemas.microsoft.com/office/drawing/2014/main" xmlns="" val="20001"/>
-                    </a:ext>
-                  </a:extLst>
-                </a:gridCol>
+                <a:gridCol w="1596390"/>
+                <a:gridCol w="3658870"/>
               </a:tblGrid>
               <a:tr h="510540">
                 <a:tc>
@@ -27378,6 +28522,11 @@
                         </a:rPr>
                         <a:t>用例名</a:t>
                       </a:r>
+                      <a:endParaRPr lang="zh-CN" altLang="en-US" b="0">
+                        <a:solidFill>
+                          <a:schemeClr val="tx1"/>
+                        </a:solidFill>
+                      </a:endParaRPr>
                     </a:p>
                   </a:txBody>
                   <a:tcPr>
@@ -27405,6 +28554,11 @@
                         </a:rPr>
                         <a:t>新增图书</a:t>
                       </a:r>
+                      <a:endParaRPr lang="zh-CN" altLang="en-US" b="0">
+                        <a:solidFill>
+                          <a:schemeClr val="tx1"/>
+                        </a:solidFill>
+                      </a:endParaRPr>
                     </a:p>
                   </a:txBody>
                   <a:tcPr>
@@ -27416,11 +28570,6 @@
                     </a:solidFill>
                   </a:tcPr>
                 </a:tc>
-                <a:extLst>
-                  <a:ext uri="{0D108BD9-81ED-4DB2-BD59-A6C34878D82A}">
-                    <a16:rowId xmlns:a16="http://schemas.microsoft.com/office/drawing/2014/main" xmlns="" val="10000"/>
-                  </a:ext>
-                </a:extLst>
               </a:tr>
               <a:tr h="511175">
                 <a:tc>
@@ -27435,6 +28584,7 @@
                         <a:rPr lang="zh-CN" altLang="en-US"/>
                         <a:t>用例标识号</a:t>
                       </a:r>
+                      <a:endParaRPr lang="zh-CN" altLang="en-US"/>
                     </a:p>
                   </a:txBody>
                   <a:tcPr/>
@@ -27451,15 +28601,11 @@
                         <a:rPr lang="en-US" altLang="zh-CN"/>
                         <a:t>A001</a:t>
                       </a:r>
+                      <a:endParaRPr lang="en-US" altLang="zh-CN"/>
                     </a:p>
                   </a:txBody>
                   <a:tcPr/>
                 </a:tc>
-                <a:extLst>
-                  <a:ext uri="{0D108BD9-81ED-4DB2-BD59-A6C34878D82A}">
-                    <a16:rowId xmlns:a16="http://schemas.microsoft.com/office/drawing/2014/main" xmlns="" val="10001"/>
-                  </a:ext>
-                </a:extLst>
               </a:tr>
               <a:tr h="510540">
                 <a:tc>
@@ -27474,6 +28620,7 @@
                         <a:rPr lang="zh-CN" altLang="en-US"/>
                         <a:t>简要说明</a:t>
                       </a:r>
+                      <a:endParaRPr lang="zh-CN" altLang="en-US"/>
                     </a:p>
                   </a:txBody>
                   <a:tcPr/>
@@ -27490,15 +28637,11 @@
                         <a:rPr lang="zh-CN" altLang="en-US"/>
                         <a:t>在书库中新增图书</a:t>
                       </a:r>
+                      <a:endParaRPr lang="zh-CN" altLang="en-US"/>
                     </a:p>
                   </a:txBody>
                   <a:tcPr/>
                 </a:tc>
-                <a:extLst>
-                  <a:ext uri="{0D108BD9-81ED-4DB2-BD59-A6C34878D82A}">
-                    <a16:rowId xmlns:a16="http://schemas.microsoft.com/office/drawing/2014/main" xmlns="" val="10002"/>
-                  </a:ext>
-                </a:extLst>
               </a:tr>
               <a:tr h="731520">
                 <a:tc>
@@ -27513,6 +28656,7 @@
                         <a:rPr lang="zh-CN" altLang="en-US"/>
                         <a:t>前置条件</a:t>
                       </a:r>
+                      <a:endParaRPr lang="zh-CN" altLang="en-US"/>
                     </a:p>
                   </a:txBody>
                   <a:tcPr/>
@@ -27529,15 +28673,11 @@
                         <a:rPr lang="zh-CN" altLang="en-US"/>
                         <a:t>用户是管理员，并且需要进入系统</a:t>
                       </a:r>
+                      <a:endParaRPr lang="zh-CN" altLang="en-US"/>
                     </a:p>
                   </a:txBody>
                   <a:tcPr/>
                 </a:tc>
-                <a:extLst>
-                  <a:ext uri="{0D108BD9-81ED-4DB2-BD59-A6C34878D82A}">
-                    <a16:rowId xmlns:a16="http://schemas.microsoft.com/office/drawing/2014/main" xmlns="" val="10003"/>
-                  </a:ext>
-                </a:extLst>
               </a:tr>
               <a:tr h="731520">
                 <a:tc>
@@ -27552,6 +28692,7 @@
                         <a:rPr lang="zh-CN" altLang="en-US"/>
                         <a:t>基本事件流</a:t>
                       </a:r>
+                      <a:endParaRPr lang="zh-CN" altLang="en-US"/>
                     </a:p>
                   </a:txBody>
                   <a:tcPr/>
@@ -27568,15 +28709,11 @@
                         <a:rPr lang="zh-CN" altLang="en-US"/>
                         <a:t>管理员发出新增图书请求，系统要求管理员输入相关信息</a:t>
                       </a:r>
+                      <a:endParaRPr lang="zh-CN" altLang="en-US"/>
                     </a:p>
                   </a:txBody>
                   <a:tcPr/>
                 </a:tc>
-                <a:extLst>
-                  <a:ext uri="{0D108BD9-81ED-4DB2-BD59-A6C34878D82A}">
-                    <a16:rowId xmlns:a16="http://schemas.microsoft.com/office/drawing/2014/main" xmlns="" val="10004"/>
-                  </a:ext>
-                </a:extLst>
               </a:tr>
               <a:tr h="510540">
                 <a:tc>
@@ -27591,6 +28728,7 @@
                         <a:rPr lang="zh-CN" altLang="en-US"/>
                         <a:t>其他事件流</a:t>
                       </a:r>
+                      <a:endParaRPr lang="zh-CN" altLang="en-US"/>
                     </a:p>
                   </a:txBody>
                   <a:tcPr/>
@@ -27607,15 +28745,11 @@
                         <a:rPr lang="zh-CN" altLang="en-US"/>
                         <a:t>无</a:t>
                       </a:r>
+                      <a:endParaRPr lang="zh-CN" altLang="en-US"/>
                     </a:p>
                   </a:txBody>
                   <a:tcPr/>
                 </a:tc>
-                <a:extLst>
-                  <a:ext uri="{0D108BD9-81ED-4DB2-BD59-A6C34878D82A}">
-                    <a16:rowId xmlns:a16="http://schemas.microsoft.com/office/drawing/2014/main" xmlns="" val="10005"/>
-                  </a:ext>
-                </a:extLst>
               </a:tr>
               <a:tr h="1371600">
                 <a:tc>
@@ -27630,6 +28764,7 @@
                         <a:rPr lang="zh-CN" altLang="en-US"/>
                         <a:t>异常事件流</a:t>
                       </a:r>
+                      <a:endParaRPr lang="zh-CN" altLang="en-US"/>
                     </a:p>
                   </a:txBody>
                   <a:tcPr/>
@@ -27646,15 +28781,11 @@
                         <a:rPr lang="zh-CN" altLang="en-US"/>
                         <a:t>出现书号或者书籍同名现象，系统发出提示通知使用者是取消输入还是修改，修改之后再检查</a:t>
                       </a:r>
+                      <a:endParaRPr lang="zh-CN" altLang="en-US"/>
                     </a:p>
                   </a:txBody>
                   <a:tcPr/>
                 </a:tc>
-                <a:extLst>
-                  <a:ext uri="{0D108BD9-81ED-4DB2-BD59-A6C34878D82A}">
-                    <a16:rowId xmlns:a16="http://schemas.microsoft.com/office/drawing/2014/main" xmlns="" val="10006"/>
-                  </a:ext>
-                </a:extLst>
               </a:tr>
               <a:tr h="731520">
                 <a:tc>
@@ -27669,6 +28800,7 @@
                         <a:rPr lang="zh-CN" altLang="en-US"/>
                         <a:t>后置条件</a:t>
                       </a:r>
+                      <a:endParaRPr lang="zh-CN" altLang="en-US"/>
                     </a:p>
                   </a:txBody>
                   <a:tcPr/>
@@ -27685,15 +28817,11 @@
                         <a:rPr lang="zh-CN" altLang="en-US"/>
                         <a:t>完成新增图书，书库中增加此图书</a:t>
                       </a:r>
+                      <a:endParaRPr lang="zh-CN" altLang="en-US"/>
                     </a:p>
                   </a:txBody>
                   <a:tcPr/>
                 </a:tc>
-                <a:extLst>
-                  <a:ext uri="{0D108BD9-81ED-4DB2-BD59-A6C34878D82A}">
-                    <a16:rowId xmlns:a16="http://schemas.microsoft.com/office/drawing/2014/main" xmlns="" val="10007"/>
-                  </a:ext>
-                </a:extLst>
               </a:tr>
               <a:tr h="510540">
                 <a:tc>
@@ -27708,6 +28836,7 @@
                         <a:rPr lang="zh-CN" altLang="en-US"/>
                         <a:t>注释</a:t>
                       </a:r>
+                      <a:endParaRPr lang="zh-CN" altLang="en-US"/>
                     </a:p>
                   </a:txBody>
                   <a:tcPr/>
@@ -27725,11 +28854,6 @@
                   </a:txBody>
                   <a:tcPr/>
                 </a:tc>
-                <a:extLst>
-                  <a:ext uri="{0D108BD9-81ED-4DB2-BD59-A6C34878D82A}">
-                    <a16:rowId xmlns:a16="http://schemas.microsoft.com/office/drawing/2014/main" xmlns="" val="10008"/>
-                  </a:ext>
-                </a:extLst>
               </a:tr>
             </a:tbl>
           </a:graphicData>
@@ -27744,7 +28868,7 @@
           <p:nvPr/>
         </p:nvPicPr>
         <p:blipFill>
-          <a:blip r:embed="rId2"/>
+          <a:blip r:embed="rId1"/>
           <a:stretch>
             <a:fillRect/>
           </a:stretch>
@@ -27768,7 +28892,7 @@
           <p:nvPr/>
         </p:nvPicPr>
         <p:blipFill>
-          <a:blip r:embed="rId2"/>
+          <a:blip r:embed="rId1"/>
           <a:stretch>
             <a:fillRect/>
           </a:stretch>
@@ -27903,6 +29027,7 @@
               <a:rPr lang="en-US" sz="2400" dirty="0"/>
               <a:t>2</a:t>
             </a:r>
+            <a:endParaRPr lang="en-US" sz="2400" dirty="0"/>
           </a:p>
         </p:txBody>
       </p:sp>
@@ -28022,8 +29147,32 @@
                   </a:solidFill>
                   <a:latin typeface="Verdana" panose="020B0604030504040204" pitchFamily="34" charset="0"/>
                 </a:rPr>
-                <a:t>用例之间的可视化表示：</a:t>
+                <a:t>用例之间的</a:t>
               </a:r>
+              <a:r>
+                <a:rPr lang="zh-CN" dirty="0">
+                  <a:solidFill>
+                    <a:srgbClr val="FF0000"/>
+                  </a:solidFill>
+                  <a:latin typeface="Verdana" panose="020B0604030504040204" pitchFamily="34" charset="0"/>
+                </a:rPr>
+                <a:t>可视化</a:t>
+              </a:r>
+              <a:r>
+                <a:rPr lang="zh-CN" dirty="0">
+                  <a:solidFill>
+                    <a:srgbClr val="000000"/>
+                  </a:solidFill>
+                  <a:latin typeface="Verdana" panose="020B0604030504040204" pitchFamily="34" charset="0"/>
+                </a:rPr>
+                <a:t>表示：</a:t>
+              </a:r>
+              <a:endParaRPr lang="zh-CN" dirty="0">
+                <a:solidFill>
+                  <a:srgbClr val="000000"/>
+                </a:solidFill>
+                <a:latin typeface="Verdana" panose="020B0604030504040204" pitchFamily="34" charset="0"/>
+              </a:endParaRPr>
             </a:p>
             <a:p>
               <a:r>
@@ -28038,12 +29187,27 @@
               <a:r>
                 <a:rPr lang="zh-CN" altLang="en-US" dirty="0">
                   <a:solidFill>
+                    <a:srgbClr val="FF0000"/>
+                  </a:solidFill>
+                  <a:latin typeface="Verdana" panose="020B0604030504040204" pitchFamily="34" charset="0"/>
+                </a:rPr>
+                <a:t>包含</a:t>
+              </a:r>
+              <a:r>
+                <a:rPr lang="zh-CN" altLang="en-US" dirty="0">
+                  <a:solidFill>
                     <a:srgbClr val="000000"/>
                   </a:solidFill>
                   <a:latin typeface="Verdana" panose="020B0604030504040204" pitchFamily="34" charset="0"/>
                 </a:rPr>
-                <a:t>包含关系</a:t>
+                <a:t>关系</a:t>
               </a:r>
+              <a:endParaRPr lang="zh-CN" altLang="en-US" dirty="0">
+                <a:solidFill>
+                  <a:srgbClr val="000000"/>
+                </a:solidFill>
+                <a:latin typeface="Verdana" panose="020B0604030504040204" pitchFamily="34" charset="0"/>
+              </a:endParaRPr>
             </a:p>
             <a:p>
               <a:r>
@@ -28058,12 +29222,27 @@
               <a:r>
                 <a:rPr lang="zh-CN" altLang="en-US" dirty="0">
                   <a:solidFill>
+                    <a:srgbClr val="FF0000"/>
+                  </a:solidFill>
+                  <a:latin typeface="Verdana" panose="020B0604030504040204" pitchFamily="34" charset="0"/>
+                </a:rPr>
+                <a:t>扩展</a:t>
+              </a:r>
+              <a:r>
+                <a:rPr lang="zh-CN" altLang="en-US" dirty="0">
+                  <a:solidFill>
                     <a:srgbClr val="000000"/>
                   </a:solidFill>
                   <a:latin typeface="Verdana" panose="020B0604030504040204" pitchFamily="34" charset="0"/>
                 </a:rPr>
-                <a:t>扩展关系</a:t>
+                <a:t>关系</a:t>
               </a:r>
+              <a:endParaRPr lang="zh-CN" altLang="en-US" dirty="0">
+                <a:solidFill>
+                  <a:srgbClr val="000000"/>
+                </a:solidFill>
+                <a:latin typeface="Verdana" panose="020B0604030504040204" pitchFamily="34" charset="0"/>
+              </a:endParaRPr>
             </a:p>
             <a:p>
               <a:r>
@@ -28078,12 +29257,27 @@
               <a:r>
                 <a:rPr lang="zh-CN" altLang="en-US" dirty="0">
                   <a:solidFill>
+                    <a:srgbClr val="FF0000"/>
+                  </a:solidFill>
+                  <a:latin typeface="Verdana" panose="020B0604030504040204" pitchFamily="34" charset="0"/>
+                </a:rPr>
+                <a:t>泛化</a:t>
+              </a:r>
+              <a:r>
+                <a:rPr lang="zh-CN" altLang="en-US" dirty="0">
+                  <a:solidFill>
                     <a:srgbClr val="000000"/>
                   </a:solidFill>
                   <a:latin typeface="Verdana" panose="020B0604030504040204" pitchFamily="34" charset="0"/>
                 </a:rPr>
-                <a:t>泛化关系</a:t>
+                <a:t>关系</a:t>
               </a:r>
+              <a:endParaRPr lang="zh-CN" altLang="en-US" dirty="0">
+                <a:solidFill>
+                  <a:srgbClr val="000000"/>
+                </a:solidFill>
+                <a:latin typeface="Verdana" panose="020B0604030504040204" pitchFamily="34" charset="0"/>
+              </a:endParaRPr>
             </a:p>
             <a:p>
               <a:r>
@@ -28098,11 +29292,20 @@
               <a:r>
                 <a:rPr lang="zh-CN" altLang="en-US" dirty="0">
                   <a:solidFill>
+                    <a:srgbClr val="FF0000"/>
+                  </a:solidFill>
+                  <a:latin typeface="Verdana" panose="020B0604030504040204" pitchFamily="34" charset="0"/>
+                </a:rPr>
+                <a:t>分组</a:t>
+              </a:r>
+              <a:r>
+                <a:rPr lang="zh-CN" altLang="en-US" dirty="0">
+                  <a:solidFill>
                     <a:srgbClr val="000000"/>
                   </a:solidFill>
                   <a:latin typeface="Verdana" panose="020B0604030504040204" pitchFamily="34" charset="0"/>
                 </a:rPr>
-                <a:t>分组关系</a:t>
+                <a:t>关系</a:t>
               </a:r>
               <a:endParaRPr lang="zh-CN" altLang="en-US" b="0" i="0" dirty="0">
                 <a:solidFill>
@@ -28240,7 +29443,7 @@
           <p:nvPr/>
         </p:nvPicPr>
         <p:blipFill>
-          <a:blip r:embed="rId2"/>
+          <a:blip r:embed="rId1"/>
           <a:stretch>
             <a:fillRect/>
           </a:stretch>
@@ -28375,6 +29578,7 @@
               <a:rPr lang="en-US" sz="2400" dirty="0"/>
               <a:t>3</a:t>
             </a:r>
+            <a:endParaRPr lang="en-US" sz="2400" dirty="0"/>
           </a:p>
         </p:txBody>
       </p:sp>
@@ -28632,7 +29836,7 @@
           <p:nvPr/>
         </p:nvPicPr>
         <p:blipFill>
-          <a:blip r:embed="rId2"/>
+          <a:blip r:embed="rId1"/>
           <a:stretch>
             <a:fillRect/>
           </a:stretch>
@@ -28656,7 +29860,7 @@
           <p:nvPr/>
         </p:nvPicPr>
         <p:blipFill>
-          <a:blip r:embed="rId3"/>
+          <a:blip r:embed="rId2"/>
           <a:stretch>
             <a:fillRect/>
           </a:stretch>
@@ -28960,11 +30164,9 @@
       </a:bgFillStyleLst>
     </a:fmtScheme>
   </a:themeElements>
-  <a:objectDefaults/>
-  <a:extraClrSchemeLst/>
   <a:extLst>
     <a:ext uri="{05A4C25C-085E-4340-85A3-A5531E510DB2}">
-      <thm15:themeFamily xmlns:thm15="http://schemas.microsoft.com/office/thememl/2012/main" xmlns="" name="Office Theme" id="{62F939B6-93AF-4DB8-9C6B-D6C7DFDC589F}" vid="{4A3C46E8-61CC-4603-A589-7422A47A8E4A}"/>
+      <thm15:themeFamily xmlns:thm15="http://schemas.microsoft.com/office/thememl/2012/main" name="Office Theme" id="{62F939B6-93AF-4DB8-9C6B-D6C7DFDC589F}" vid="{4A3C46E8-61CC-4603-A589-7422A47A8E4A}"/>
     </a:ext>
   </a:extLst>
 </a:theme>
@@ -29250,11 +30452,9 @@
       </a:bgFillStyleLst>
     </a:fmtScheme>
   </a:themeElements>
-  <a:objectDefaults/>
-  <a:extraClrSchemeLst/>
   <a:extLst>
     <a:ext uri="{05A4C25C-085E-4340-85A3-A5531E510DB2}">
-      <thm15:themeFamily xmlns:thm15="http://schemas.microsoft.com/office/thememl/2012/main" xmlns="" name="Office Theme" id="{62F939B6-93AF-4DB8-9C6B-D6C7DFDC589F}" vid="{4A3C46E8-61CC-4603-A589-7422A47A8E4A}"/>
+      <thm15:themeFamily xmlns:thm15="http://schemas.microsoft.com/office/thememl/2012/main" name="Office Theme" id="{62F939B6-93AF-4DB8-9C6B-D6C7DFDC589F}" vid="{4A3C46E8-61CC-4603-A589-7422A47A8E4A}"/>
     </a:ext>
   </a:extLst>
 </a:theme>
@@ -29540,11 +30740,9 @@
       </a:bgFillStyleLst>
     </a:fmtScheme>
   </a:themeElements>
-  <a:objectDefaults/>
-  <a:extraClrSchemeLst/>
   <a:extLst>
     <a:ext uri="{05A4C25C-085E-4340-85A3-A5531E510DB2}">
-      <thm15:themeFamily xmlns:thm15="http://schemas.microsoft.com/office/thememl/2012/main" xmlns="" name="Office Theme" id="{62F939B6-93AF-4DB8-9C6B-D6C7DFDC589F}" vid="{4A3C46E8-61CC-4603-A589-7422A47A8E4A}"/>
+      <thm15:themeFamily xmlns:thm15="http://schemas.microsoft.com/office/thememl/2012/main" name="Office Theme" id="{62F939B6-93AF-4DB8-9C6B-D6C7DFDC589F}" vid="{4A3C46E8-61CC-4603-A589-7422A47A8E4A}"/>
     </a:ext>
   </a:extLst>
 </a:theme>

--- a/受控文档/00-PPT/PRD2018-G11-UML图 （完成）.pptx
+++ b/受控文档/00-PPT/PRD2018-G11-UML图 （完成）.pptx
@@ -5,55 +5,57 @@
     <p:sldMasterId id="2147483648" r:id="rId1"/>
   </p:sldMasterIdLst>
   <p:notesMasterIdLst>
-    <p:notesMasterId r:id="rId4"/>
+    <p:notesMasterId r:id="rId45"/>
   </p:notesMasterIdLst>
   <p:handoutMasterIdLst>
-    <p:handoutMasterId r:id="rId45"/>
+    <p:handoutMasterId r:id="rId46"/>
   </p:handoutMasterIdLst>
   <p:sldIdLst>
-    <p:sldId id="370" r:id="rId3"/>
-    <p:sldId id="492" r:id="rId5"/>
-    <p:sldId id="439" r:id="rId6"/>
-    <p:sldId id="506" r:id="rId7"/>
-    <p:sldId id="507" r:id="rId8"/>
-    <p:sldId id="545" r:id="rId9"/>
-    <p:sldId id="546" r:id="rId10"/>
-    <p:sldId id="547" r:id="rId11"/>
-    <p:sldId id="548" r:id="rId12"/>
-    <p:sldId id="549" r:id="rId13"/>
-    <p:sldId id="508" r:id="rId14"/>
-    <p:sldId id="550" r:id="rId15"/>
-    <p:sldId id="551" r:id="rId16"/>
-    <p:sldId id="552" r:id="rId17"/>
-    <p:sldId id="553" r:id="rId18"/>
-    <p:sldId id="554" r:id="rId19"/>
-    <p:sldId id="555" r:id="rId20"/>
-    <p:sldId id="556" r:id="rId21"/>
-    <p:sldId id="576" r:id="rId22"/>
-    <p:sldId id="577" r:id="rId23"/>
-    <p:sldId id="578" r:id="rId24"/>
-    <p:sldId id="579" r:id="rId25"/>
-    <p:sldId id="580" r:id="rId26"/>
-    <p:sldId id="581" r:id="rId27"/>
-    <p:sldId id="584" r:id="rId28"/>
-    <p:sldId id="585" r:id="rId29"/>
-    <p:sldId id="586" r:id="rId30"/>
-    <p:sldId id="587" r:id="rId31"/>
-    <p:sldId id="588" r:id="rId32"/>
-    <p:sldId id="590" r:id="rId33"/>
-    <p:sldId id="561" r:id="rId34"/>
-    <p:sldId id="562" r:id="rId35"/>
-    <p:sldId id="592" r:id="rId36"/>
-    <p:sldId id="564" r:id="rId37"/>
-    <p:sldId id="566" r:id="rId38"/>
-    <p:sldId id="582" r:id="rId39"/>
+    <p:sldId id="370" r:id="rId2"/>
+    <p:sldId id="492" r:id="rId3"/>
+    <p:sldId id="439" r:id="rId4"/>
+    <p:sldId id="506" r:id="rId5"/>
+    <p:sldId id="507" r:id="rId6"/>
+    <p:sldId id="545" r:id="rId7"/>
+    <p:sldId id="546" r:id="rId8"/>
+    <p:sldId id="547" r:id="rId9"/>
+    <p:sldId id="548" r:id="rId10"/>
+    <p:sldId id="549" r:id="rId11"/>
+    <p:sldId id="508" r:id="rId12"/>
+    <p:sldId id="550" r:id="rId13"/>
+    <p:sldId id="551" r:id="rId14"/>
+    <p:sldId id="552" r:id="rId15"/>
+    <p:sldId id="553" r:id="rId16"/>
+    <p:sldId id="554" r:id="rId17"/>
+    <p:sldId id="555" r:id="rId18"/>
+    <p:sldId id="556" r:id="rId19"/>
+    <p:sldId id="576" r:id="rId20"/>
+    <p:sldId id="577" r:id="rId21"/>
+    <p:sldId id="578" r:id="rId22"/>
+    <p:sldId id="579" r:id="rId23"/>
+    <p:sldId id="580" r:id="rId24"/>
+    <p:sldId id="581" r:id="rId25"/>
+    <p:sldId id="584" r:id="rId26"/>
+    <p:sldId id="585" r:id="rId27"/>
+    <p:sldId id="586" r:id="rId28"/>
+    <p:sldId id="587" r:id="rId29"/>
+    <p:sldId id="588" r:id="rId30"/>
+    <p:sldId id="590" r:id="rId31"/>
+    <p:sldId id="561" r:id="rId32"/>
+    <p:sldId id="562" r:id="rId33"/>
+    <p:sldId id="592" r:id="rId34"/>
+    <p:sldId id="564" r:id="rId35"/>
+    <p:sldId id="566" r:id="rId36"/>
+    <p:sldId id="582" r:id="rId37"/>
+    <p:sldId id="594" r:id="rId38"/>
+    <p:sldId id="593" r:id="rId39"/>
     <p:sldId id="583" r:id="rId40"/>
     <p:sldId id="591" r:id="rId41"/>
     <p:sldId id="455" r:id="rId42"/>
     <p:sldId id="532" r:id="rId43"/>
     <p:sldId id="436" r:id="rId44"/>
   </p:sldIdLst>
-  <p:sldSz cx="12190095" cy="6859270"/>
+  <p:sldSz cx="12190413" cy="6859588"/>
   <p:notesSz cx="6858000" cy="9144000"/>
   <p:defaultTextStyle>
     <a:defPPr>
@@ -150,6 +152,51 @@
       </a:defRPr>
     </a:lvl9pPr>
   </p:defaultTextStyle>
+  <p:extLst>
+    <p:ext uri="{EFAFB233-063F-42B5-8137-9DF3F51BA10A}">
+      <p15:sldGuideLst xmlns:p15="http://schemas.microsoft.com/office/powerpoint/2012/main">
+        <p15:guide id="1" orient="horz" pos="2160">
+          <p15:clr>
+            <a:srgbClr val="A4A3A4"/>
+          </p15:clr>
+        </p15:guide>
+        <p15:guide id="2" orient="horz" pos="3884">
+          <p15:clr>
+            <a:srgbClr val="A4A3A4"/>
+          </p15:clr>
+        </p15:guide>
+        <p15:guide id="3" pos="3839">
+          <p15:clr>
+            <a:srgbClr val="A4A3A4"/>
+          </p15:clr>
+        </p15:guide>
+        <p15:guide id="4" pos="7170">
+          <p15:clr>
+            <a:srgbClr val="A4A3A4"/>
+          </p15:clr>
+        </p15:guide>
+        <p15:guide id="5" pos="554">
+          <p15:clr>
+            <a:srgbClr val="A4A3A4"/>
+          </p15:clr>
+        </p15:guide>
+      </p15:sldGuideLst>
+    </p:ext>
+    <p:ext uri="{2D200454-40CA-4A62-9FC3-DE9A4176ACB9}">
+      <p15:notesGuideLst xmlns:p15="http://schemas.microsoft.com/office/powerpoint/2012/main">
+        <p15:guide id="1" orient="horz" pos="2880">
+          <p15:clr>
+            <a:srgbClr val="A4A3A4"/>
+          </p15:clr>
+        </p15:guide>
+        <p15:guide id="2" pos="2160">
+          <p15:clr>
+            <a:srgbClr val="A4A3A4"/>
+          </p15:clr>
+        </p15:guide>
+      </p15:notesGuideLst>
+    </p:ext>
+  </p:extLst>
 </p:presentation>
 </file>
 
@@ -235,6 +282,7 @@
           <a:p>
             <a:fld id="{5D1C15E6-6BD2-4E4B-B1D4-218C26E1B228}" type="datetimeFigureOut">
               <a:rPr lang="zh-CN" altLang="en-US" smtClean="0"/>
+              <a:t>2018/11/2</a:t>
             </a:fld>
             <a:endParaRPr lang="zh-CN" altLang="en-US"/>
           </a:p>
@@ -300,6 +348,7 @@
           <a:p>
             <a:fld id="{E655EDCA-2189-4435-B38B-6F3C2C044356}" type="slidenum">
               <a:rPr lang="zh-CN" altLang="en-US" smtClean="0"/>
+              <a:t>‹#›</a:t>
             </a:fld>
             <a:endParaRPr lang="zh-CN" altLang="en-US"/>
           </a:p>
@@ -393,6 +442,7 @@
           <a:p>
             <a:fld id="{0B17430C-5A66-4BD0-A971-34190B6C6019}" type="datetimeFigureOut">
               <a:rPr lang="zh-CN" altLang="en-US" smtClean="0"/>
+              <a:t>2018/11/2</a:t>
             </a:fld>
             <a:endParaRPr lang="zh-CN" altLang="en-US"/>
           </a:p>
@@ -459,7 +509,6 @@
               <a:rPr lang="zh-CN" altLang="en-US"/>
               <a:t>单击此处编辑母版文本样式</a:t>
             </a:r>
-            <a:endParaRPr lang="zh-CN" altLang="en-US"/>
           </a:p>
           <a:p>
             <a:pPr lvl="1"/>
@@ -467,7 +516,6 @@
               <a:rPr lang="zh-CN" altLang="en-US"/>
               <a:t>第二级</a:t>
             </a:r>
-            <a:endParaRPr lang="zh-CN" altLang="en-US"/>
           </a:p>
           <a:p>
             <a:pPr lvl="2"/>
@@ -475,7 +523,6 @@
               <a:rPr lang="zh-CN" altLang="en-US"/>
               <a:t>第三级</a:t>
             </a:r>
-            <a:endParaRPr lang="zh-CN" altLang="en-US"/>
           </a:p>
           <a:p>
             <a:pPr lvl="3"/>
@@ -483,7 +530,6 @@
               <a:rPr lang="zh-CN" altLang="en-US"/>
               <a:t>第四级</a:t>
             </a:r>
-            <a:endParaRPr lang="zh-CN" altLang="en-US"/>
           </a:p>
           <a:p>
             <a:pPr lvl="4"/>
@@ -491,7 +537,6 @@
               <a:rPr lang="zh-CN" altLang="en-US"/>
               <a:t>第五级</a:t>
             </a:r>
-            <a:endParaRPr lang="zh-CN" altLang="en-US"/>
           </a:p>
         </p:txBody>
       </p:sp>
@@ -555,6 +600,7 @@
           <a:p>
             <a:fld id="{74AC173A-3DA8-4893-B28A-1E15F55C330A}" type="slidenum">
               <a:rPr lang="zh-CN" altLang="en-US" smtClean="0"/>
+              <a:t>‹#›</a:t>
             </a:fld>
             <a:endParaRPr lang="zh-CN" altLang="en-US"/>
           </a:p>
@@ -723,6 +769,7 @@
           <a:p>
             <a:fld id="{74AC173A-3DA8-4893-B28A-1E15F55C330A}" type="slidenum">
               <a:rPr lang="zh-CN" altLang="en-US" smtClean="0"/>
+              <a:t>1</a:t>
             </a:fld>
             <a:endParaRPr lang="zh-CN" altLang="en-US"/>
           </a:p>
@@ -801,6 +848,7 @@
           <a:p>
             <a:fld id="{74AC173A-3DA8-4893-B28A-1E15F55C330A}" type="slidenum">
               <a:rPr lang="zh-CN" altLang="en-US" smtClean="0"/>
+              <a:t>2</a:t>
             </a:fld>
             <a:endParaRPr lang="zh-CN" altLang="en-US"/>
           </a:p>
@@ -883,6 +931,7 @@
                   <a:prstClr val="black"/>
                 </a:solidFill>
               </a:rPr>
+              <a:t>40</a:t>
             </a:fld>
             <a:endParaRPr lang="zh-CN" altLang="en-US">
               <a:solidFill>
@@ -965,6 +1014,7 @@
           <a:p>
             <a:fld id="{74AC173A-3DA8-4893-B28A-1E15F55C330A}" type="slidenum">
               <a:rPr lang="zh-CN" altLang="en-US" smtClean="0"/>
+              <a:t>41</a:t>
             </a:fld>
             <a:endParaRPr lang="zh-CN" altLang="en-US"/>
           </a:p>
@@ -1043,6 +1093,7 @@
           <a:p>
             <a:fld id="{74AC173A-3DA8-4893-B28A-1E15F55C330A}" type="slidenum">
               <a:rPr lang="zh-CN" altLang="en-US" smtClean="0"/>
+              <a:t>42</a:t>
             </a:fld>
             <a:endParaRPr lang="zh-CN" altLang="en-US"/>
           </a:p>
@@ -1121,6 +1172,7 @@
           <a:p>
             <a:fld id="{74AC173A-3DA8-4893-B28A-1E15F55C330A}" type="slidenum">
               <a:rPr lang="zh-CN" altLang="en-US" smtClean="0"/>
+              <a:t>43</a:t>
             </a:fld>
             <a:endParaRPr lang="zh-CN" altLang="en-US"/>
           </a:p>
@@ -1311,6 +1363,7 @@
                 <a:latin typeface="微软雅黑" panose="020B0503020204020204" pitchFamily="34" charset="-122"/>
                 <a:ea typeface="微软雅黑" panose="020B0503020204020204" pitchFamily="34" charset="-122"/>
               </a:rPr>
+              <a:t>‹#›</a:t>
             </a:fld>
             <a:r>
               <a:rPr lang="zh-CN" altLang="en-US" sz="1800" dirty="0">
@@ -2082,7 +2135,6 @@
               <a:rPr lang="zh-CN" altLang="en-US"/>
               <a:t>单击此处编辑母版标题样式</a:t>
             </a:r>
-            <a:endParaRPr lang="zh-CN" altLang="en-US"/>
           </a:p>
         </p:txBody>
       </p:sp>
@@ -2204,7 +2256,6 @@
               <a:rPr lang="zh-CN" altLang="en-US"/>
               <a:t>单击此处编辑母版副标题样式</a:t>
             </a:r>
-            <a:endParaRPr lang="zh-CN" altLang="en-US"/>
           </a:p>
         </p:txBody>
       </p:sp>
@@ -2233,6 +2284,7 @@
           <a:p>
             <a:fld id="{530820CF-B880-4189-942D-D702A7CBA730}" type="datetimeFigureOut">
               <a:rPr lang="zh-CN" altLang="en-US" smtClean="0"/>
+              <a:t>2018/11/2</a:t>
             </a:fld>
             <a:endParaRPr lang="zh-CN" altLang="en-US"/>
           </a:p>
@@ -2290,6 +2342,7 @@
           <a:p>
             <a:fld id="{0C913308-F349-4B6D-A68A-DD1791B4A57B}" type="slidenum">
               <a:rPr lang="zh-CN" altLang="en-US" smtClean="0"/>
+              <a:t>‹#›</a:t>
             </a:fld>
             <a:endParaRPr lang="zh-CN" altLang="en-US"/>
           </a:p>
@@ -2348,6 +2401,7 @@
           <a:p>
             <a:fld id="{530820CF-B880-4189-942D-D702A7CBA730}" type="datetimeFigureOut">
               <a:rPr lang="zh-CN" altLang="en-US" smtClean="0"/>
+              <a:t>2018/11/2</a:t>
             </a:fld>
             <a:endParaRPr lang="zh-CN" altLang="en-US"/>
           </a:p>
@@ -2405,6 +2459,7 @@
           <a:p>
             <a:fld id="{0C913308-F349-4B6D-A68A-DD1791B4A57B}" type="slidenum">
               <a:rPr lang="zh-CN" altLang="en-US" smtClean="0"/>
+              <a:t>‹#›</a:t>
             </a:fld>
             <a:endParaRPr lang="zh-CN" altLang="en-US"/>
           </a:p>
@@ -3213,13 +3268,6 @@
               </a:rPr>
               <a:t>图</a:t>
             </a:r>
-            <a:endParaRPr lang="zh-CN" altLang="en-US" sz="5400" dirty="0">
-              <a:solidFill>
-                <a:srgbClr val="38B1BF"/>
-              </a:solidFill>
-              <a:latin typeface="微软雅黑" panose="020B0503020204020204" pitchFamily="34" charset="-122"/>
-              <a:ea typeface="微软雅黑" panose="020B0503020204020204" pitchFamily="34" charset="-122"/>
-            </a:endParaRPr>
           </a:p>
           <a:p>
             <a:pPr fontAlgn="auto">
@@ -3237,13 +3285,6 @@
               </a:rPr>
               <a:t>用例图，类图，状态机图，通信图，顺序图，部署图</a:t>
             </a:r>
-            <a:endParaRPr lang="zh-CN" altLang="en-US" sz="2000" dirty="0">
-              <a:solidFill>
-                <a:srgbClr val="38B1BF"/>
-              </a:solidFill>
-              <a:latin typeface="微软雅黑" panose="020B0503020204020204" pitchFamily="34" charset="-122"/>
-              <a:ea typeface="微软雅黑" panose="020B0503020204020204" pitchFamily="34" charset="-122"/>
-            </a:endParaRPr>
           </a:p>
         </p:txBody>
       </p:sp>
@@ -3335,16 +3376,6 @@
               </a:rPr>
               <a:t>小组</a:t>
             </a:r>
-            <a:endParaRPr lang="zh-CN" altLang="en-US" sz="1900" dirty="0">
-              <a:solidFill>
-                <a:schemeClr val="tx1">
-                  <a:lumMod val="85000"/>
-                  <a:lumOff val="15000"/>
-                </a:schemeClr>
-              </a:solidFill>
-              <a:latin typeface="微软雅黑" panose="020B0503020204020204" pitchFamily="34" charset="-122"/>
-              <a:ea typeface="微软雅黑" panose="020B0503020204020204" pitchFamily="34" charset="-122"/>
-            </a:endParaRPr>
           </a:p>
         </p:txBody>
       </p:sp>
@@ -3449,16 +3480,6 @@
               </a:rPr>
               <a:t>日</a:t>
             </a:r>
-            <a:endParaRPr lang="zh-CN" altLang="en-US" sz="1900" dirty="0">
-              <a:solidFill>
-                <a:schemeClr val="tx1">
-                  <a:lumMod val="85000"/>
-                  <a:lumOff val="15000"/>
-                </a:schemeClr>
-              </a:solidFill>
-              <a:latin typeface="微软雅黑" panose="020B0503020204020204" pitchFamily="34" charset="-122"/>
-              <a:ea typeface="微软雅黑" panose="020B0503020204020204" pitchFamily="34" charset="-122"/>
-            </a:endParaRPr>
           </a:p>
         </p:txBody>
       </p:sp>
@@ -3530,14 +3551,6 @@
               </a:rPr>
               <a:t>浙江大学城市学院</a:t>
             </a:r>
-            <a:endParaRPr lang="zh-CN" altLang="en-US" kern="300" spc="2000">
-              <a:solidFill>
-                <a:schemeClr val="tx1"/>
-              </a:solidFill>
-              <a:uFillTx/>
-              <a:latin typeface="+中文标题" charset="0"/>
-              <a:ea typeface="+mj-ea"/>
-            </a:endParaRPr>
           </a:p>
         </p:txBody>
       </p:sp>
@@ -3546,13 +3559,13 @@
   <p:clrMapOvr>
     <a:masterClrMapping/>
   </p:clrMapOvr>
-  <mc:AlternateContent xmlns:mc="http://schemas.openxmlformats.org/markup-compatibility/2006">
-    <mc:Choice xmlns:p14="http://schemas.microsoft.com/office/powerpoint/2010/main" Requires="p14">
+  <mc:AlternateContent xmlns:mc="http://schemas.openxmlformats.org/markup-compatibility/2006" xmlns:p14="http://schemas.microsoft.com/office/powerpoint/2010/main">
+    <mc:Choice Requires="p14">
       <p:transition spd="slow" p14:dur="1600" advClick="0" advTm="0">
         <p:blinds dir="vert"/>
       </p:transition>
     </mc:Choice>
-    <mc:Fallback>
+    <mc:Fallback xmlns="">
       <p:transition spd="slow" advClick="0" advTm="0">
         <p:blinds dir="vert"/>
       </p:transition>
@@ -4464,7 +4477,6 @@
               <a:rPr lang="en-US" sz="2400" dirty="0"/>
               <a:t>3</a:t>
             </a:r>
-            <a:endParaRPr lang="en-US" sz="2400" dirty="0"/>
           </a:p>
         </p:txBody>
       </p:sp>
@@ -4722,7 +4734,7 @@
           <p:nvPr/>
         </p:nvPicPr>
         <p:blipFill>
-          <a:blip r:embed="rId1"/>
+          <a:blip r:embed="rId2"/>
           <a:stretch>
             <a:fillRect/>
           </a:stretch>
@@ -4746,7 +4758,7 @@
           <p:nvPr/>
         </p:nvPicPr>
         <p:blipFill>
-          <a:blip r:embed="rId2"/>
+          <a:blip r:embed="rId3"/>
           <a:stretch>
             <a:fillRect/>
           </a:stretch>
@@ -4881,7 +4893,6 @@
               <a:rPr lang="en-US" sz="2400" dirty="0"/>
               <a:t>3</a:t>
             </a:r>
-            <a:endParaRPr lang="en-US" sz="2400" dirty="0"/>
           </a:p>
         </p:txBody>
       </p:sp>
@@ -4949,13 +4960,6 @@
               </a:rPr>
               <a:t>类图</a:t>
             </a:r>
-            <a:endParaRPr lang="zh-CN" altLang="en-US" sz="2665" dirty="0">
-              <a:solidFill>
-                <a:srgbClr val="183A5D"/>
-              </a:solidFill>
-              <a:latin typeface="微软雅黑" panose="020B0503020204020204" pitchFamily="34" charset="-122"/>
-              <a:ea typeface="微软雅黑" panose="020B0503020204020204" pitchFamily="34" charset="-122"/>
-            </a:endParaRPr>
           </a:p>
         </p:txBody>
       </p:sp>
@@ -5004,13 +5008,6 @@
                 </a:rPr>
                 <a:t>关联关系</a:t>
               </a:r>
-              <a:endParaRPr lang="zh-CN" altLang="en-US" b="0" i="0" dirty="0">
-                <a:solidFill>
-                  <a:srgbClr val="000000"/>
-                </a:solidFill>
-                <a:effectLst/>
-                <a:latin typeface="Verdana" panose="020B0604030504040204" pitchFamily="34" charset="0"/>
-              </a:endParaRPr>
             </a:p>
             <a:p>
               <a:r>
@@ -5082,13 +5079,6 @@
                 </a:rPr>
                 <a:t>，即玩家可以名为拥有者，英雄可以为被拥有者，学生为学习者，教师为教学者。</a:t>
               </a:r>
-              <a:endParaRPr lang="zh-CN" altLang="en-US" b="0" i="0" dirty="0">
-                <a:solidFill>
-                  <a:srgbClr val="000000"/>
-                </a:solidFill>
-                <a:effectLst/>
-                <a:latin typeface="Verdana" panose="020B0604030504040204" pitchFamily="34" charset="0"/>
-              </a:endParaRPr>
             </a:p>
           </p:txBody>
         </p:sp>
@@ -5209,7 +5199,7 @@
           <p:nvPr/>
         </p:nvPicPr>
         <p:blipFill>
-          <a:blip r:embed="rId1"/>
+          <a:blip r:embed="rId2"/>
           <a:stretch>
             <a:fillRect/>
           </a:stretch>
@@ -5344,7 +5334,6 @@
               <a:rPr lang="en-US" sz="2400" dirty="0"/>
               <a:t>3</a:t>
             </a:r>
-            <a:endParaRPr lang="en-US" sz="2400" dirty="0"/>
           </a:p>
         </p:txBody>
       </p:sp>
@@ -5487,13 +5476,6 @@
                 </a:rPr>
                 <a:t>多重性</a:t>
               </a:r>
-              <a:endParaRPr lang="zh-CN" altLang="en-US" b="0" i="0" dirty="0">
-                <a:solidFill>
-                  <a:srgbClr val="000000"/>
-                </a:solidFill>
-                <a:effectLst/>
-                <a:latin typeface="Verdana" panose="020B0604030504040204" pitchFamily="34" charset="0"/>
-              </a:endParaRPr>
             </a:p>
             <a:p>
               <a:endParaRPr lang="zh-CN" altLang="en-US" b="0" i="0" dirty="0">
@@ -5623,7 +5605,7 @@
           <p:nvPr/>
         </p:nvPicPr>
         <p:blipFill>
-          <a:blip r:embed="rId1"/>
+          <a:blip r:embed="rId2"/>
           <a:stretch>
             <a:fillRect/>
           </a:stretch>
@@ -5758,7 +5740,6 @@
               <a:rPr lang="en-US" sz="2400" dirty="0"/>
               <a:t>3</a:t>
             </a:r>
-            <a:endParaRPr lang="en-US" sz="2400" dirty="0"/>
           </a:p>
         </p:txBody>
       </p:sp>
@@ -5892,13 +5873,6 @@
                 </a:rPr>
                 <a:t>聚合</a:t>
               </a:r>
-              <a:endParaRPr lang="zh-CN" altLang="en-US" b="0" i="0" dirty="0">
-                <a:solidFill>
-                  <a:srgbClr val="000000"/>
-                </a:solidFill>
-                <a:effectLst/>
-                <a:latin typeface="Verdana" panose="020B0604030504040204" pitchFamily="34" charset="0"/>
-              </a:endParaRPr>
             </a:p>
             <a:p>
               <a:endParaRPr lang="zh-CN" altLang="en-US" b="0" i="0" dirty="0">
@@ -6028,7 +6002,7 @@
           <p:nvPr/>
         </p:nvPicPr>
         <p:blipFill>
-          <a:blip r:embed="rId1"/>
+          <a:blip r:embed="rId2"/>
           <a:stretch>
             <a:fillRect/>
           </a:stretch>
@@ -6163,7 +6137,6 @@
               <a:rPr lang="en-US" sz="2400" dirty="0"/>
               <a:t>3</a:t>
             </a:r>
-            <a:endParaRPr lang="en-US" sz="2400" dirty="0"/>
           </a:p>
         </p:txBody>
       </p:sp>
@@ -6306,13 +6279,6 @@
                 </a:rPr>
                 <a:t>组合</a:t>
               </a:r>
-              <a:endParaRPr lang="zh-CN" altLang="en-US" b="0" i="0" dirty="0">
-                <a:solidFill>
-                  <a:srgbClr val="000000"/>
-                </a:solidFill>
-                <a:effectLst/>
-                <a:latin typeface="Verdana" panose="020B0604030504040204" pitchFamily="34" charset="0"/>
-              </a:endParaRPr>
             </a:p>
             <a:p>
               <a:endParaRPr lang="zh-CN" altLang="en-US" b="0" i="0" dirty="0">
@@ -6475,7 +6441,6 @@
               <a:rPr lang="zh-CN" altLang="en-US"/>
               <a:t>，那么它和聚集对象之间的关系就称为组合（composition）。例如：“一个学生有一个名字”就是组合关系，“一个学生有一个地址”就是聚集关系，因为一个地址可以被几个学生所共享。</a:t>
             </a:r>
-            <a:endParaRPr lang="zh-CN" altLang="en-US"/>
           </a:p>
           <a:p>
             <a:r>
@@ -6618,7 +6583,6 @@
               <a:rPr lang="en-US" sz="2400" dirty="0"/>
               <a:t>3</a:t>
             </a:r>
-            <a:endParaRPr lang="en-US" sz="2400" dirty="0"/>
           </a:p>
         </p:txBody>
       </p:sp>
@@ -6761,13 +6725,6 @@
                 </a:rPr>
                 <a:t>导航性（单向与双向）</a:t>
               </a:r>
-              <a:endParaRPr lang="zh-CN" altLang="en-US" b="0" i="0" dirty="0">
-                <a:solidFill>
-                  <a:srgbClr val="000000"/>
-                </a:solidFill>
-                <a:effectLst/>
-                <a:latin typeface="Verdana" panose="020B0604030504040204" pitchFamily="34" charset="0"/>
-              </a:endParaRPr>
             </a:p>
             <a:p>
               <a:endParaRPr lang="zh-CN" altLang="en-US" b="0" i="0" dirty="0">
@@ -6897,7 +6854,7 @@
           <p:nvPr/>
         </p:nvPicPr>
         <p:blipFill>
-          <a:blip r:embed="rId1"/>
+          <a:blip r:embed="rId2"/>
           <a:stretch>
             <a:fillRect/>
           </a:stretch>
@@ -6921,7 +6878,7 @@
           <p:nvPr/>
         </p:nvPicPr>
         <p:blipFill>
-          <a:blip r:embed="rId2"/>
+          <a:blip r:embed="rId3"/>
           <a:stretch>
             <a:fillRect/>
           </a:stretch>
@@ -7056,7 +7013,6 @@
               <a:rPr lang="en-US" sz="2400" dirty="0"/>
               <a:t>3</a:t>
             </a:r>
-            <a:endParaRPr lang="en-US" sz="2400" dirty="0"/>
           </a:p>
         </p:txBody>
       </p:sp>
@@ -7199,13 +7155,6 @@
                 </a:rPr>
                 <a:t>关联类</a:t>
               </a:r>
-              <a:endParaRPr lang="zh-CN" altLang="en-US" b="0" i="0" dirty="0">
-                <a:solidFill>
-                  <a:srgbClr val="000000"/>
-                </a:solidFill>
-                <a:effectLst/>
-                <a:latin typeface="Verdana" panose="020B0604030504040204" pitchFamily="34" charset="0"/>
-              </a:endParaRPr>
             </a:p>
             <a:p>
               <a:endParaRPr lang="zh-CN" altLang="en-US" b="0" i="0" dirty="0">
@@ -7335,7 +7284,7 @@
           <p:nvPr/>
         </p:nvPicPr>
         <p:blipFill>
-          <a:blip r:embed="rId1"/>
+          <a:blip r:embed="rId2"/>
           <a:stretch>
             <a:fillRect/>
           </a:stretch>
@@ -7470,7 +7419,6 @@
               <a:rPr lang="en-US" sz="2400" dirty="0"/>
               <a:t>3</a:t>
             </a:r>
-            <a:endParaRPr lang="en-US" sz="2400" dirty="0"/>
           </a:p>
         </p:txBody>
       </p:sp>
@@ -7613,13 +7561,6 @@
                 </a:rPr>
                 <a:t>约束</a:t>
               </a:r>
-              <a:endParaRPr lang="zh-CN" altLang="en-US" b="0" i="0" dirty="0">
-                <a:solidFill>
-                  <a:srgbClr val="000000"/>
-                </a:solidFill>
-                <a:effectLst/>
-                <a:latin typeface="Verdana" panose="020B0604030504040204" pitchFamily="34" charset="0"/>
-              </a:endParaRPr>
             </a:p>
             <a:p>
               <a:endParaRPr lang="zh-CN" altLang="en-US" b="0" i="0" dirty="0">
@@ -7749,7 +7690,7 @@
           <p:nvPr/>
         </p:nvPicPr>
         <p:blipFill>
-          <a:blip r:embed="rId1"/>
+          <a:blip r:embed="rId2"/>
           <a:stretch>
             <a:fillRect/>
           </a:stretch>
@@ -7884,7 +7825,6 @@
               <a:rPr lang="en-US" sz="2400" dirty="0"/>
               <a:t>3</a:t>
             </a:r>
-            <a:endParaRPr lang="en-US" sz="2400" dirty="0"/>
           </a:p>
         </p:txBody>
       </p:sp>
@@ -8027,13 +7967,6 @@
                 </a:rPr>
                 <a:t>实现关系</a:t>
               </a:r>
-              <a:endParaRPr lang="zh-CN" altLang="en-US" b="0" i="0" dirty="0">
-                <a:solidFill>
-                  <a:srgbClr val="000000"/>
-                </a:solidFill>
-                <a:effectLst/>
-                <a:latin typeface="Verdana" panose="020B0604030504040204" pitchFamily="34" charset="0"/>
-              </a:endParaRPr>
             </a:p>
             <a:p>
               <a:endParaRPr lang="zh-CN" altLang="en-US" b="0" i="0" dirty="0">
@@ -8163,7 +8096,7 @@
           <p:nvPr/>
         </p:nvPicPr>
         <p:blipFill>
-          <a:blip r:embed="rId1"/>
+          <a:blip r:embed="rId2"/>
           <a:stretch>
             <a:fillRect/>
           </a:stretch>
@@ -8306,11 +8239,6 @@
               </a:rPr>
               <a:t>4</a:t>
             </a:r>
-            <a:endParaRPr lang="en-US" sz="2400" dirty="0">
-              <a:solidFill>
-                <a:prstClr val="white"/>
-              </a:solidFill>
-            </a:endParaRPr>
           </a:p>
         </p:txBody>
       </p:sp>
@@ -8378,13 +8306,6 @@
               </a:rPr>
               <a:t>顺序图</a:t>
             </a:r>
-            <a:endParaRPr lang="zh-CN" altLang="en-US" sz="2665" dirty="0">
-              <a:solidFill>
-                <a:srgbClr val="183A5D"/>
-              </a:solidFill>
-              <a:latin typeface="微软雅黑" panose="020B0503020204020204" pitchFamily="34" charset="-122"/>
-              <a:ea typeface="微软雅黑" panose="020B0503020204020204" pitchFamily="34" charset="-122"/>
-            </a:endParaRPr>
           </a:p>
         </p:txBody>
       </p:sp>
@@ -8598,7 +8519,6 @@
               <a:rPr lang="zh-CN" altLang="en-US" dirty="0"/>
               <a:t>。</a:t>
             </a:r>
-            <a:endParaRPr lang="zh-CN" altLang="en-US" dirty="0"/>
           </a:p>
           <a:p>
             <a:pPr indent="457200"/>
@@ -8618,7 +8538,6 @@
               <a:rPr lang="zh-CN" altLang="en-US" dirty="0"/>
               <a:t>个标记符：对象、生命线、消息和激活。</a:t>
             </a:r>
-            <a:endParaRPr lang="zh-CN" altLang="en-US" dirty="0"/>
           </a:p>
         </p:txBody>
       </p:sp>
@@ -8631,7 +8550,7 @@
           <p:nvPr/>
         </p:nvPicPr>
         <p:blipFill>
-          <a:blip r:embed="rId1">
+          <a:blip r:embed="rId2">
             <a:extLst>
               <a:ext uri="{28A0092B-C50C-407E-A947-70E740481C1C}">
                 <a14:useLocalDpi xmlns:a14="http://schemas.microsoft.com/office/drawing/2010/main" val="0"/>
@@ -8851,13 +8770,6 @@
               </a:rPr>
               <a:t>目录</a:t>
             </a:r>
-            <a:endParaRPr lang="zh-CN" sz="3200" b="1" dirty="0">
-              <a:solidFill>
-                <a:schemeClr val="bg1"/>
-              </a:solidFill>
-              <a:latin typeface="微软雅黑" panose="020B0503020204020204" pitchFamily="34" charset="-122"/>
-              <a:ea typeface="微软雅黑" panose="020B0503020204020204" pitchFamily="34" charset="-122"/>
-            </a:endParaRPr>
           </a:p>
         </p:txBody>
       </p:sp>
@@ -8969,14 +8881,6 @@
                 </a:rPr>
                 <a:t>引言</a:t>
               </a:r>
-              <a:endParaRPr lang="zh-CN" sz="2000" b="1" kern="100" dirty="0">
-                <a:solidFill>
-                  <a:schemeClr val="bg1"/>
-                </a:solidFill>
-                <a:latin typeface="微软雅黑" panose="020B0503020204020204" pitchFamily="34" charset="-122"/>
-                <a:ea typeface="微软雅黑" panose="020B0503020204020204" pitchFamily="34" charset="-122"/>
-                <a:cs typeface="Times New Roman" panose="02020603050405020304" pitchFamily="18" charset="0"/>
-              </a:endParaRPr>
             </a:p>
           </p:txBody>
         </p:sp>
@@ -9276,14 +9180,6 @@
                 </a:rPr>
                 <a:t>用例图</a:t>
               </a:r>
-              <a:endParaRPr lang="zh-CN" sz="2000" b="1" kern="100" dirty="0">
-                <a:solidFill>
-                  <a:schemeClr val="bg1"/>
-                </a:solidFill>
-                <a:latin typeface="微软雅黑" panose="020B0503020204020204" pitchFamily="34" charset="-122"/>
-                <a:ea typeface="微软雅黑" panose="020B0503020204020204" pitchFamily="34" charset="-122"/>
-                <a:cs typeface="Times New Roman" panose="02020603050405020304" pitchFamily="18" charset="0"/>
-              </a:endParaRPr>
             </a:p>
           </p:txBody>
         </p:sp>
@@ -9463,14 +9359,6 @@
                 </a:rPr>
                 <a:t>类图</a:t>
               </a:r>
-              <a:endParaRPr lang="zh-CN" sz="2000" b="1" kern="100" dirty="0">
-                <a:solidFill>
-                  <a:schemeClr val="bg1"/>
-                </a:solidFill>
-                <a:latin typeface="微软雅黑" panose="020B0503020204020204" pitchFamily="34" charset="-122"/>
-                <a:ea typeface="微软雅黑" panose="020B0503020204020204" pitchFamily="34" charset="-122"/>
-                <a:cs typeface="Times New Roman" panose="02020603050405020304" pitchFamily="18" charset="0"/>
-              </a:endParaRPr>
             </a:p>
           </p:txBody>
         </p:sp>
@@ -9650,14 +9538,6 @@
                 </a:rPr>
                 <a:t>顺序图</a:t>
               </a:r>
-              <a:endParaRPr lang="zh-CN" sz="2000" b="1" kern="100" dirty="0">
-                <a:solidFill>
-                  <a:schemeClr val="bg1"/>
-                </a:solidFill>
-                <a:latin typeface="微软雅黑" panose="020B0503020204020204" pitchFamily="34" charset="-122"/>
-                <a:ea typeface="微软雅黑" panose="020B0503020204020204" pitchFamily="34" charset="-122"/>
-                <a:cs typeface="Times New Roman" panose="02020603050405020304" pitchFamily="18" charset="0"/>
-              </a:endParaRPr>
             </a:p>
           </p:txBody>
         </p:sp>
@@ -9837,14 +9717,6 @@
                 </a:rPr>
                 <a:t>状态机图</a:t>
               </a:r>
-              <a:endParaRPr lang="zh-CN" sz="2000" b="1" kern="100" dirty="0">
-                <a:solidFill>
-                  <a:schemeClr val="bg1"/>
-                </a:solidFill>
-                <a:latin typeface="微软雅黑" panose="020B0503020204020204" pitchFamily="34" charset="-122"/>
-                <a:ea typeface="微软雅黑" panose="020B0503020204020204" pitchFamily="34" charset="-122"/>
-                <a:cs typeface="Times New Roman" panose="02020603050405020304" pitchFamily="18" charset="0"/>
-              </a:endParaRPr>
             </a:p>
           </p:txBody>
         </p:sp>
@@ -10024,14 +9896,6 @@
                 </a:rPr>
                 <a:t>通信图</a:t>
               </a:r>
-              <a:endParaRPr lang="zh-CN" sz="2000" b="1" kern="100" dirty="0">
-                <a:solidFill>
-                  <a:schemeClr val="bg1"/>
-                </a:solidFill>
-                <a:latin typeface="微软雅黑" panose="020B0503020204020204" pitchFamily="34" charset="-122"/>
-                <a:ea typeface="微软雅黑" panose="020B0503020204020204" pitchFamily="34" charset="-122"/>
-                <a:cs typeface="Times New Roman" panose="02020603050405020304" pitchFamily="18" charset="0"/>
-              </a:endParaRPr>
             </a:p>
           </p:txBody>
         </p:sp>
@@ -10201,7 +10065,29 @@
                 <a:defRPr/>
               </a:pPr>
               <a:r>
-                <a:rPr lang="zh-CN" sz="2000" b="1" kern="100" dirty="0">
+                <a:rPr lang="zh-CN" altLang="en-US" sz="2000" b="1" kern="100" dirty="0" smtClean="0">
+                  <a:solidFill>
+                    <a:schemeClr val="bg1"/>
+                  </a:solidFill>
+                  <a:latin typeface="微软雅黑" panose="020B0503020204020204" pitchFamily="34" charset="-122"/>
+                  <a:ea typeface="微软雅黑" panose="020B0503020204020204" pitchFamily="34" charset="-122"/>
+                  <a:cs typeface="Times New Roman" panose="02020603050405020304" pitchFamily="18" charset="0"/>
+                </a:rPr>
+                <a:t>组件图</a:t>
+              </a:r>
+              <a:r>
+                <a:rPr lang="en-US" altLang="zh-CN" sz="2000" b="1" kern="100" dirty="0" smtClean="0">
+                  <a:solidFill>
+                    <a:schemeClr val="bg1"/>
+                  </a:solidFill>
+                  <a:latin typeface="微软雅黑" panose="020B0503020204020204" pitchFamily="34" charset="-122"/>
+                  <a:ea typeface="微软雅黑" panose="020B0503020204020204" pitchFamily="34" charset="-122"/>
+                  <a:cs typeface="Times New Roman" panose="02020603050405020304" pitchFamily="18" charset="0"/>
+                </a:rPr>
+                <a:t>&amp;</a:t>
+              </a:r>
+              <a:r>
+                <a:rPr lang="zh-CN" sz="2000" b="1" kern="100" dirty="0" smtClean="0">
                   <a:solidFill>
                     <a:schemeClr val="bg1"/>
                   </a:solidFill>
@@ -10398,14 +10284,6 @@
                 </a:rPr>
                 <a:t>参考资料</a:t>
               </a:r>
-              <a:endParaRPr lang="zh-CN" sz="2000" b="1" kern="100" dirty="0">
-                <a:solidFill>
-                  <a:schemeClr val="bg1"/>
-                </a:solidFill>
-                <a:latin typeface="微软雅黑" panose="020B0503020204020204" pitchFamily="34" charset="-122"/>
-                <a:ea typeface="微软雅黑" panose="020B0503020204020204" pitchFamily="34" charset="-122"/>
-                <a:cs typeface="Times New Roman" panose="02020603050405020304" pitchFamily="18" charset="0"/>
-              </a:endParaRPr>
             </a:p>
           </p:txBody>
         </p:sp>
@@ -10585,14 +10463,6 @@
                 </a:rPr>
                 <a:t>分工与绩效</a:t>
               </a:r>
-              <a:endParaRPr lang="zh-CN" sz="2000" b="1" kern="100" dirty="0">
-                <a:solidFill>
-                  <a:schemeClr val="bg1"/>
-                </a:solidFill>
-                <a:latin typeface="微软雅黑" panose="020B0503020204020204" pitchFamily="34" charset="-122"/>
-                <a:ea typeface="微软雅黑" panose="020B0503020204020204" pitchFamily="34" charset="-122"/>
-                <a:cs typeface="Times New Roman" panose="02020603050405020304" pitchFamily="18" charset="0"/>
-              </a:endParaRPr>
             </a:p>
           </p:txBody>
         </p:sp>
@@ -10602,13 +10472,13 @@
   <p:clrMapOvr>
     <a:masterClrMapping/>
   </p:clrMapOvr>
-  <mc:AlternateContent xmlns:mc="http://schemas.openxmlformats.org/markup-compatibility/2006">
-    <mc:Choice xmlns:p14="http://schemas.microsoft.com/office/powerpoint/2010/main" Requires="p14">
+  <mc:AlternateContent xmlns:mc="http://schemas.openxmlformats.org/markup-compatibility/2006" xmlns:p14="http://schemas.microsoft.com/office/powerpoint/2010/main">
+    <mc:Choice Requires="p14">
       <p:transition spd="slow" p14:dur="1200" advClick="0" advTm="0">
         <p14:prism/>
       </p:transition>
     </mc:Choice>
-    <mc:Fallback>
+    <mc:Fallback xmlns="">
       <p:transition spd="slow" advClick="0" advTm="0">
         <p:fade/>
       </p:transition>
@@ -12279,11 +12149,6 @@
               </a:rPr>
               <a:t>4</a:t>
             </a:r>
-            <a:endParaRPr lang="en-US" sz="2400" dirty="0">
-              <a:solidFill>
-                <a:prstClr val="white"/>
-              </a:solidFill>
-            </a:endParaRPr>
           </a:p>
         </p:txBody>
       </p:sp>
@@ -12351,13 +12216,6 @@
               </a:rPr>
               <a:t>顺序图</a:t>
             </a:r>
-            <a:endParaRPr lang="zh-CN" altLang="en-US" sz="2665" dirty="0">
-              <a:solidFill>
-                <a:srgbClr val="183A5D"/>
-              </a:solidFill>
-              <a:latin typeface="微软雅黑" panose="020B0503020204020204" pitchFamily="34" charset="-122"/>
-              <a:ea typeface="微软雅黑" panose="020B0503020204020204" pitchFamily="34" charset="-122"/>
-            </a:endParaRPr>
           </a:p>
         </p:txBody>
       </p:sp>
@@ -12579,11 +12437,6 @@
               </a:rPr>
               <a:t>箭头以时间顺序在图中从上到下排列。</a:t>
             </a:r>
-            <a:endParaRPr lang="zh-CN" altLang="en-US" dirty="0">
-              <a:solidFill>
-                <a:srgbClr val="FF0000"/>
-              </a:solidFill>
-            </a:endParaRPr>
           </a:p>
         </p:txBody>
       </p:sp>
@@ -12596,7 +12449,7 @@
           <p:nvPr/>
         </p:nvPicPr>
         <p:blipFill>
-          <a:blip r:embed="rId1">
+          <a:blip r:embed="rId2">
             <a:extLst>
               <a:ext uri="{28A0092B-C50C-407E-A947-70E740481C1C}">
                 <a14:useLocalDpi xmlns:a14="http://schemas.microsoft.com/office/drawing/2010/main" val="0"/>
@@ -12756,11 +12609,6 @@
               </a:rPr>
               <a:t>4</a:t>
             </a:r>
-            <a:endParaRPr lang="en-US" sz="2400" dirty="0">
-              <a:solidFill>
-                <a:prstClr val="white"/>
-              </a:solidFill>
-            </a:endParaRPr>
           </a:p>
         </p:txBody>
       </p:sp>
@@ -12828,13 +12676,6 @@
               </a:rPr>
               <a:t>顺序图</a:t>
             </a:r>
-            <a:endParaRPr lang="zh-CN" altLang="en-US" sz="2665" dirty="0">
-              <a:solidFill>
-                <a:srgbClr val="183A5D"/>
-              </a:solidFill>
-              <a:latin typeface="微软雅黑" panose="020B0503020204020204" pitchFamily="34" charset="-122"/>
-              <a:ea typeface="微软雅黑" panose="020B0503020204020204" pitchFamily="34" charset="-122"/>
-            </a:endParaRPr>
           </a:p>
         </p:txBody>
       </p:sp>
@@ -13052,7 +12893,6 @@
               <a:rPr lang="zh-CN" altLang="en-US" dirty="0"/>
               <a:t>的集合。</a:t>
             </a:r>
-            <a:endParaRPr lang="zh-CN" altLang="en-US" dirty="0"/>
           </a:p>
           <a:p>
             <a:pPr>
@@ -13064,7 +12904,6 @@
               <a:rPr lang="zh-CN" altLang="en-US" dirty="0"/>
               <a:t>对象的表示方式有三种：</a:t>
             </a:r>
-            <a:endParaRPr lang="zh-CN" altLang="en-US" dirty="0"/>
           </a:p>
           <a:p>
             <a:pPr>
@@ -13112,7 +12951,6 @@
               <a:rPr lang="zh-CN" altLang="en-US" dirty="0"/>
               <a:t>只有对象名</a:t>
             </a:r>
-            <a:endParaRPr lang="zh-CN" altLang="en-US" dirty="0"/>
           </a:p>
         </p:txBody>
       </p:sp>
@@ -13125,7 +12963,7 @@
           <p:nvPr/>
         </p:nvPicPr>
         <p:blipFill>
-          <a:blip r:embed="rId1">
+          <a:blip r:embed="rId2">
             <a:extLst>
               <a:ext uri="{28A0092B-C50C-407E-A947-70E740481C1C}">
                 <a14:useLocalDpi xmlns:a14="http://schemas.microsoft.com/office/drawing/2010/main" val="0"/>
@@ -13285,11 +13123,6 @@
               </a:rPr>
               <a:t>4</a:t>
             </a:r>
-            <a:endParaRPr lang="en-US" sz="2400" dirty="0">
-              <a:solidFill>
-                <a:prstClr val="white"/>
-              </a:solidFill>
-            </a:endParaRPr>
           </a:p>
         </p:txBody>
       </p:sp>
@@ -13357,13 +13190,6 @@
               </a:rPr>
               <a:t>顺序图</a:t>
             </a:r>
-            <a:endParaRPr lang="zh-CN" altLang="en-US" sz="2665" dirty="0">
-              <a:solidFill>
-                <a:srgbClr val="183A5D"/>
-              </a:solidFill>
-              <a:latin typeface="微软雅黑" panose="020B0503020204020204" pitchFamily="34" charset="-122"/>
-              <a:ea typeface="微软雅黑" panose="020B0503020204020204" pitchFamily="34" charset="-122"/>
-            </a:endParaRPr>
           </a:p>
         </p:txBody>
       </p:sp>
@@ -13525,11 +13351,6 @@
                   </a:rPr>
                   <a:t>生命线</a:t>
                 </a:r>
-                <a:endParaRPr lang="zh-CN" altLang="en-US" sz="1350" dirty="0">
-                  <a:solidFill>
-                    <a:prstClr val="white"/>
-                  </a:solidFill>
-                </a:endParaRPr>
               </a:p>
             </p:txBody>
           </p:sp>
@@ -13693,11 +13514,6 @@
                   </a:rPr>
                   <a:t>激活</a:t>
                 </a:r>
-                <a:endParaRPr lang="zh-CN" altLang="en-US" sz="1350" dirty="0">
-                  <a:solidFill>
-                    <a:prstClr val="white"/>
-                  </a:solidFill>
-                </a:endParaRPr>
               </a:p>
             </p:txBody>
           </p:sp>
@@ -13741,7 +13557,6 @@
               <a:rPr lang="zh-CN" altLang="en-US" dirty="0"/>
               <a:t>，对象下方的虚线就是改对象的生命线。</a:t>
             </a:r>
-            <a:endParaRPr lang="zh-CN" altLang="en-US" dirty="0"/>
           </a:p>
         </p:txBody>
       </p:sp>
@@ -13754,7 +13569,7 @@
           <p:nvPr/>
         </p:nvPicPr>
         <p:blipFill>
-          <a:blip r:embed="rId1">
+          <a:blip r:embed="rId2">
             <a:extLst>
               <a:ext uri="{28A0092B-C50C-407E-A947-70E740481C1C}">
                 <a14:useLocalDpi xmlns:a14="http://schemas.microsoft.com/office/drawing/2010/main" val="0"/>
@@ -13808,7 +13623,7 @@
           <p:nvPr/>
         </p:nvPicPr>
         <p:blipFill>
-          <a:blip r:embed="rId2">
+          <a:blip r:embed="rId3">
             <a:extLst>
               <a:ext uri="{28A0092B-C50C-407E-A947-70E740481C1C}">
                 <a14:useLocalDpi xmlns:a14="http://schemas.microsoft.com/office/drawing/2010/main" val="0"/>
@@ -13879,7 +13694,6 @@
               <a:rPr lang="zh-CN" altLang="en-US" dirty="0"/>
               <a:t>控制焦点是指活动者或对象处于执行状态的时间段。</a:t>
             </a:r>
-            <a:endParaRPr lang="zh-CN" altLang="en-US" dirty="0"/>
           </a:p>
         </p:txBody>
       </p:sp>
@@ -14011,11 +13825,6 @@
               </a:rPr>
               <a:t>4</a:t>
             </a:r>
-            <a:endParaRPr lang="en-US" sz="2400" dirty="0">
-              <a:solidFill>
-                <a:prstClr val="white"/>
-              </a:solidFill>
-            </a:endParaRPr>
           </a:p>
         </p:txBody>
       </p:sp>
@@ -14083,13 +13892,6 @@
               </a:rPr>
               <a:t>顺序图</a:t>
             </a:r>
-            <a:endParaRPr lang="zh-CN" altLang="en-US" sz="2665" dirty="0">
-              <a:solidFill>
-                <a:srgbClr val="183A5D"/>
-              </a:solidFill>
-              <a:latin typeface="微软雅黑" panose="020B0503020204020204" pitchFamily="34" charset="-122"/>
-              <a:ea typeface="微软雅黑" panose="020B0503020204020204" pitchFamily="34" charset="-122"/>
-            </a:endParaRPr>
           </a:p>
         </p:txBody>
       </p:sp>
@@ -14251,11 +14053,6 @@
                   </a:rPr>
                   <a:t>消息</a:t>
                 </a:r>
-                <a:endParaRPr lang="zh-CN" altLang="en-US" sz="1350" dirty="0">
-                  <a:solidFill>
-                    <a:prstClr val="white"/>
-                  </a:solidFill>
-                </a:endParaRPr>
               </a:p>
             </p:txBody>
           </p:sp>
@@ -14287,14 +14084,12 @@
               <a:rPr lang="zh-CN" altLang="en-US" sz="2000" dirty="0"/>
               <a:t>消息用于描述对象间交互的方式及内容。</a:t>
             </a:r>
-            <a:endParaRPr lang="zh-CN" altLang="en-US" sz="2000" dirty="0"/>
           </a:p>
           <a:p>
             <a:r>
               <a:rPr lang="zh-CN" altLang="en-US" sz="2000" dirty="0"/>
               <a:t>消息分为四种：同步消息、异步消息、返回消息、自关联消息</a:t>
             </a:r>
-            <a:endParaRPr lang="zh-CN" altLang="en-US" sz="2000" dirty="0"/>
           </a:p>
           <a:p>
             <a:r>
@@ -14305,7 +14100,6 @@
               <a:rPr lang="zh-CN" altLang="en-US" sz="2000" dirty="0"/>
               <a:t>同步消息：一个对象向另一个对象发出同步消息后，将处于阻塞状态，一直等到另一个对象的回应。</a:t>
             </a:r>
-            <a:endParaRPr lang="zh-CN" altLang="en-US" sz="2000" dirty="0"/>
           </a:p>
           <a:p>
             <a:r>
@@ -14326,7 +14120,6 @@
               <a:rPr lang="zh-CN" altLang="en-US" sz="2000" dirty="0"/>
               <a:t>异步消息：一个对象向另一个对象发出异步消息后，这个对象可以进行其他的操作，不需要等到另一个对象的响应。</a:t>
             </a:r>
-            <a:endParaRPr lang="zh-CN" altLang="en-US" sz="2000" dirty="0"/>
           </a:p>
           <a:p>
             <a:r>
@@ -14347,7 +14140,6 @@
               <a:rPr lang="zh-CN" altLang="en-US" sz="2000" dirty="0"/>
               <a:t>返回消息：同步消息的返回消息</a:t>
             </a:r>
-            <a:endParaRPr lang="zh-CN" altLang="en-US" sz="2000" dirty="0"/>
           </a:p>
           <a:p>
             <a:r>
@@ -14391,7 +14183,7 @@
           <p:nvPr/>
         </p:nvPicPr>
         <p:blipFill>
-          <a:blip r:embed="rId1">
+          <a:blip r:embed="rId2">
             <a:extLst>
               <a:ext uri="{28A0092B-C50C-407E-A947-70E740481C1C}">
                 <a14:useLocalDpi xmlns:a14="http://schemas.microsoft.com/office/drawing/2010/main" val="0"/>
@@ -14445,7 +14237,7 @@
           <p:nvPr/>
         </p:nvPicPr>
         <p:blipFill>
-          <a:blip r:embed="rId2">
+          <a:blip r:embed="rId3">
             <a:extLst>
               <a:ext uri="{28A0092B-C50C-407E-A947-70E740481C1C}">
                 <a14:useLocalDpi xmlns:a14="http://schemas.microsoft.com/office/drawing/2010/main" val="0"/>
@@ -14499,7 +14291,7 @@
           <p:nvPr/>
         </p:nvPicPr>
         <p:blipFill>
-          <a:blip r:embed="rId3">
+          <a:blip r:embed="rId4">
             <a:extLst>
               <a:ext uri="{28A0092B-C50C-407E-A947-70E740481C1C}">
                 <a14:useLocalDpi xmlns:a14="http://schemas.microsoft.com/office/drawing/2010/main" val="0"/>
@@ -14553,7 +14345,7 @@
           <p:nvPr/>
         </p:nvPicPr>
         <p:blipFill>
-          <a:blip r:embed="rId4">
+          <a:blip r:embed="rId5">
             <a:extLst>
               <a:ext uri="{28A0092B-C50C-407E-A947-70E740481C1C}">
                 <a14:useLocalDpi xmlns:a14="http://schemas.microsoft.com/office/drawing/2010/main" val="0"/>
@@ -14726,11 +14518,6 @@
               </a:rPr>
               <a:t>4</a:t>
             </a:r>
-            <a:endParaRPr lang="en-US" sz="2400" dirty="0">
-              <a:solidFill>
-                <a:prstClr val="white"/>
-              </a:solidFill>
-            </a:endParaRPr>
           </a:p>
         </p:txBody>
       </p:sp>
@@ -14798,13 +14585,6 @@
               </a:rPr>
               <a:t>顺序图</a:t>
             </a:r>
-            <a:endParaRPr lang="zh-CN" altLang="en-US" sz="2665" dirty="0">
-              <a:solidFill>
-                <a:srgbClr val="183A5D"/>
-              </a:solidFill>
-              <a:latin typeface="微软雅黑" panose="020B0503020204020204" pitchFamily="34" charset="-122"/>
-              <a:ea typeface="微软雅黑" panose="020B0503020204020204" pitchFamily="34" charset="-122"/>
-            </a:endParaRPr>
           </a:p>
         </p:txBody>
       </p:sp>
@@ -14977,7 +14757,7 @@
           <p:nvPr/>
         </p:nvPicPr>
         <p:blipFill>
-          <a:blip r:embed="rId1">
+          <a:blip r:embed="rId2">
             <a:extLst>
               <a:ext uri="{28A0092B-C50C-407E-A947-70E740481C1C}">
                 <a14:useLocalDpi xmlns:a14="http://schemas.microsoft.com/office/drawing/2010/main" val="0"/>
@@ -15035,7 +14815,6 @@
               <a:rPr lang="zh-CN" altLang="en-US" dirty="0"/>
               <a:t>画顺序图的步骤：</a:t>
             </a:r>
-            <a:endParaRPr lang="zh-CN" altLang="en-US" dirty="0"/>
           </a:p>
           <a:p>
             <a:endParaRPr lang="zh-CN" altLang="en-US" dirty="0"/>
@@ -15079,11 +14858,6 @@
               </a:rPr>
               <a:t>活动者与对象</a:t>
             </a:r>
-            <a:endParaRPr lang="zh-CN" altLang="en-US" dirty="0">
-              <a:solidFill>
-                <a:srgbClr val="FF0000"/>
-              </a:solidFill>
-            </a:endParaRPr>
           </a:p>
           <a:p>
             <a:endParaRPr lang="zh-CN" altLang="en-US" dirty="0"/>
@@ -15127,11 +14901,6 @@
               </a:rPr>
               <a:t>产生的消息</a:t>
             </a:r>
-            <a:endParaRPr lang="zh-CN" altLang="en-US" dirty="0">
-              <a:solidFill>
-                <a:srgbClr val="FF0000"/>
-              </a:solidFill>
-            </a:endParaRPr>
           </a:p>
           <a:p>
             <a:endParaRPr lang="zh-CN" altLang="en-US" dirty="0"/>
@@ -15153,11 +14922,6 @@
               </a:rPr>
               <a:t>消息的内容</a:t>
             </a:r>
-            <a:endParaRPr lang="zh-CN" altLang="en-US" dirty="0">
-              <a:solidFill>
-                <a:srgbClr val="FF0000"/>
-              </a:solidFill>
-            </a:endParaRPr>
           </a:p>
         </p:txBody>
       </p:sp>
@@ -15281,7 +15045,6 @@
               <a:rPr lang="en-US" sz="2400" dirty="0"/>
               <a:t>5</a:t>
             </a:r>
-            <a:endParaRPr lang="en-US" sz="2400" dirty="0"/>
           </a:p>
         </p:txBody>
       </p:sp>
@@ -15811,7 +15574,6 @@
               <a:rPr lang="zh-CN" altLang="en-US" dirty="0"/>
               <a:t>表示。</a:t>
             </a:r>
-            <a:endParaRPr lang="zh-CN" altLang="en-US" dirty="0"/>
           </a:p>
         </p:txBody>
       </p:sp>
@@ -15935,7 +15697,6 @@
               <a:rPr lang="en-US" sz="2400" dirty="0"/>
               <a:t>5</a:t>
             </a:r>
-            <a:endParaRPr lang="en-US" sz="2400" dirty="0"/>
           </a:p>
         </p:txBody>
       </p:sp>
@@ -16419,7 +16180,7 @@
           <p:nvPr/>
         </p:nvPicPr>
         <p:blipFill rotWithShape="1">
-          <a:blip r:embed="rId1">
+          <a:blip r:embed="rId2">
             <a:extLst>
               <a:ext uri="{28A0092B-C50C-407E-A947-70E740481C1C}">
                 <a14:useLocalDpi xmlns:a14="http://schemas.microsoft.com/office/drawing/2010/main" val="0"/>
@@ -16473,7 +16234,7 @@
           <p:nvPr/>
         </p:nvPicPr>
         <p:blipFill rotWithShape="1">
-          <a:blip r:embed="rId2">
+          <a:blip r:embed="rId3">
             <a:extLst>
               <a:ext uri="{28A0092B-C50C-407E-A947-70E740481C1C}">
                 <a14:useLocalDpi xmlns:a14="http://schemas.microsoft.com/office/drawing/2010/main" val="0"/>
@@ -16638,7 +16399,6 @@
               <a:rPr lang="en-US" sz="2400" dirty="0"/>
               <a:t>5</a:t>
             </a:r>
-            <a:endParaRPr lang="en-US" sz="2400" dirty="0"/>
           </a:p>
         </p:txBody>
       </p:sp>
@@ -17088,7 +16848,7 @@
           <p:nvPr/>
         </p:nvPicPr>
         <p:blipFill rotWithShape="1">
-          <a:blip r:embed="rId1">
+          <a:blip r:embed="rId2">
             <a:extLst>
               <a:ext uri="{28A0092B-C50C-407E-A947-70E740481C1C}">
                 <a14:useLocalDpi xmlns:a14="http://schemas.microsoft.com/office/drawing/2010/main" val="0"/>
@@ -17253,7 +17013,6 @@
               <a:rPr lang="en-US" sz="2400" dirty="0"/>
               <a:t>5</a:t>
             </a:r>
-            <a:endParaRPr lang="en-US" sz="2400" dirty="0"/>
           </a:p>
         </p:txBody>
       </p:sp>
@@ -17642,7 +17401,7 @@
           <p:nvPr/>
         </p:nvPicPr>
         <p:blipFill rotWithShape="1">
-          <a:blip r:embed="rId1">
+          <a:blip r:embed="rId2">
             <a:extLst>
               <a:ext uri="{28A0092B-C50C-407E-A947-70E740481C1C}">
                 <a14:useLocalDpi xmlns:a14="http://schemas.microsoft.com/office/drawing/2010/main" val="0"/>
@@ -17807,7 +17566,6 @@
               <a:rPr lang="en-US" sz="2400" dirty="0"/>
               <a:t>5</a:t>
             </a:r>
-            <a:endParaRPr lang="en-US" sz="2400" dirty="0"/>
           </a:p>
         </p:txBody>
       </p:sp>
@@ -18108,7 +17866,7 @@
           <p:nvPr/>
         </p:nvPicPr>
         <p:blipFill rotWithShape="1">
-          <a:blip r:embed="rId1">
+          <a:blip r:embed="rId2">
             <a:extLst>
               <a:ext uri="{28A0092B-C50C-407E-A947-70E740481C1C}">
                 <a14:useLocalDpi xmlns:a14="http://schemas.microsoft.com/office/drawing/2010/main" val="0"/>
@@ -18273,7 +18031,6 @@
               <a:rPr lang="en-US" sz="2400" dirty="0"/>
               <a:t>1</a:t>
             </a:r>
-            <a:endParaRPr lang="en-US" sz="2400" dirty="0"/>
           </a:p>
         </p:txBody>
       </p:sp>
@@ -18341,13 +18098,6 @@
               </a:rPr>
               <a:t>引言</a:t>
             </a:r>
-            <a:endParaRPr lang="zh-CN" sz="2665" dirty="0">
-              <a:solidFill>
-                <a:srgbClr val="183A5D"/>
-              </a:solidFill>
-              <a:latin typeface="微软雅黑" panose="020B0503020204020204" pitchFamily="34" charset="-122"/>
-              <a:ea typeface="微软雅黑" panose="020B0503020204020204" pitchFamily="34" charset="-122"/>
-            </a:endParaRPr>
           </a:p>
         </p:txBody>
       </p:sp>
@@ -18470,7 +18220,6 @@
               <a:rPr lang="zh-CN" altLang="zh-CN" sz="2400" dirty="0"/>
               <a:t>是一种能够描述问题、描述解决方案、起到沟通作用的语言。通俗地说，它是一种用文本、图形和符号的集合来描述现实生活中各类食物、活动及其之间关系的语言。</a:t>
             </a:r>
-            <a:endParaRPr lang="zh-CN" altLang="zh-CN" sz="2400" dirty="0"/>
           </a:p>
           <a:p>
             <a:pPr lvl="0"/>
@@ -18637,34 +18386,6 @@
               </a:rPr>
               <a:t>的用例图，类图，顺序图，状态机图，通信图，部署图</a:t>
             </a:r>
-            <a:endParaRPr lang="zh-CN" altLang="en-US" sz="2400" dirty="0">
-              <a:ln w="12700">
-                <a:solidFill>
-                  <a:schemeClr val="accent3">
-                    <a:lumMod val="50000"/>
-                  </a:schemeClr>
-                </a:solidFill>
-                <a:prstDash val="solid"/>
-              </a:ln>
-              <a:pattFill prst="narHorz">
-                <a:fgClr>
-                  <a:schemeClr val="accent3"/>
-                </a:fgClr>
-                <a:bgClr>
-                  <a:schemeClr val="accent3">
-                    <a:lumMod val="40000"/>
-                    <a:lumOff val="60000"/>
-                  </a:schemeClr>
-                </a:bgClr>
-              </a:pattFill>
-              <a:effectLst>
-                <a:innerShdw blurRad="177800">
-                  <a:schemeClr val="accent3">
-                    <a:lumMod val="50000"/>
-                  </a:schemeClr>
-                </a:innerShdw>
-              </a:effectLst>
-            </a:endParaRPr>
           </a:p>
         </p:txBody>
       </p:sp>
@@ -18788,7 +18509,6 @@
               <a:rPr lang="en-US" sz="2400" dirty="0"/>
               <a:t>5</a:t>
             </a:r>
-            <a:endParaRPr lang="en-US" sz="2400" dirty="0"/>
           </a:p>
         </p:txBody>
       </p:sp>
@@ -19151,7 +18871,7 @@
           <p:nvPr/>
         </p:nvPicPr>
         <p:blipFill rotWithShape="1">
-          <a:blip r:embed="rId1">
+          <a:blip r:embed="rId2">
             <a:extLst>
               <a:ext uri="{28A0092B-C50C-407E-A947-70E740481C1C}">
                 <a14:useLocalDpi xmlns:a14="http://schemas.microsoft.com/office/drawing/2010/main" val="0"/>
@@ -19316,7 +19036,6 @@
               <a:rPr lang="en-US" sz="2400" dirty="0"/>
               <a:t>6</a:t>
             </a:r>
-            <a:endParaRPr lang="en-US" sz="2400" dirty="0"/>
           </a:p>
         </p:txBody>
       </p:sp>
@@ -19384,13 +19103,6 @@
               </a:rPr>
               <a:t>通信图</a:t>
             </a:r>
-            <a:endParaRPr lang="zh-CN" altLang="zh-CN" sz="2665" dirty="0">
-              <a:solidFill>
-                <a:srgbClr val="183A5D"/>
-              </a:solidFill>
-              <a:latin typeface="微软雅黑" panose="020B0503020204020204" pitchFamily="34" charset="-122"/>
-              <a:ea typeface="微软雅黑" panose="020B0503020204020204" pitchFamily="34" charset="-122"/>
-            </a:endParaRPr>
           </a:p>
         </p:txBody>
       </p:sp>
@@ -19476,13 +19188,6 @@
                 </a:rPr>
                 <a:t>	</a:t>
               </a:r>
-              <a:endParaRPr lang="en-US" altLang="zh-CN" b="0" i="0" dirty="0">
-                <a:solidFill>
-                  <a:schemeClr val="accent4"/>
-                </a:solidFill>
-                <a:effectLst/>
-                <a:latin typeface="Verdana" panose="020B0604030504040204" pitchFamily="34" charset="0"/>
-              </a:endParaRPr>
             </a:p>
             <a:p>
               <a:endParaRPr lang="en-US" altLang="zh-CN" b="0" i="0" dirty="0">
@@ -19612,7 +19317,7 @@
           <p:nvPr/>
         </p:nvPicPr>
         <p:blipFill>
-          <a:blip r:embed="rId1"/>
+          <a:blip r:embed="rId2"/>
           <a:stretch>
             <a:fillRect/>
           </a:stretch>
@@ -19747,7 +19452,6 @@
               <a:rPr lang="en-US" sz="2400" dirty="0"/>
               <a:t>6</a:t>
             </a:r>
-            <a:endParaRPr lang="en-US" sz="2400" dirty="0"/>
           </a:p>
         </p:txBody>
       </p:sp>
@@ -19815,13 +19519,6 @@
               </a:rPr>
               <a:t>通信图</a:t>
             </a:r>
-            <a:endParaRPr lang="zh-CN" altLang="zh-CN" sz="2665" dirty="0">
-              <a:solidFill>
-                <a:srgbClr val="183A5D"/>
-              </a:solidFill>
-              <a:latin typeface="微软雅黑" panose="020B0503020204020204" pitchFamily="34" charset="-122"/>
-              <a:ea typeface="微软雅黑" panose="020B0503020204020204" pitchFamily="34" charset="-122"/>
-            </a:endParaRPr>
           </a:p>
         </p:txBody>
       </p:sp>
@@ -19876,7 +19573,6 @@
                 <a:rPr dirty="0"/>
                 <a:t>。</a:t>
               </a:r>
-              <a:endParaRPr dirty="0"/>
             </a:p>
             <a:p>
               <a:endParaRPr dirty="0"/>
@@ -19932,7 +19628,6 @@
                 <a:rPr dirty="0"/>
                 <a:t>，但时间次序必须从顺序号来获得。</a:t>
               </a:r>
-              <a:endParaRPr dirty="0"/>
             </a:p>
             <a:p>
               <a:endParaRPr dirty="0"/>
@@ -19969,7 +19664,6 @@
                 <a:rPr dirty="0"/>
                 <a:t>。</a:t>
               </a:r>
-              <a:endParaRPr dirty="0"/>
             </a:p>
             <a:p>
               <a:endParaRPr dirty="0"/>
@@ -19993,13 +19687,6 @@
                 </a:rPr>
                 <a:t>	</a:t>
               </a:r>
-              <a:endParaRPr lang="en-US" altLang="zh-CN" b="0" i="0" dirty="0">
-                <a:solidFill>
-                  <a:schemeClr val="accent4"/>
-                </a:solidFill>
-                <a:effectLst/>
-                <a:latin typeface="Verdana" panose="020B0604030504040204" pitchFamily="34" charset="0"/>
-              </a:endParaRPr>
             </a:p>
             <a:p>
               <a:endParaRPr lang="en-US" altLang="zh-CN" b="0" i="0" dirty="0">
@@ -20129,7 +19816,7 @@
           <p:nvPr/>
         </p:nvPicPr>
         <p:blipFill>
-          <a:blip r:embed="rId1"/>
+          <a:blip r:embed="rId2"/>
           <a:stretch>
             <a:fillRect/>
           </a:stretch>
@@ -20264,7 +19951,6 @@
               <a:rPr lang="en-US" sz="2400" dirty="0"/>
               <a:t>6</a:t>
             </a:r>
-            <a:endParaRPr lang="en-US" sz="2400" dirty="0"/>
           </a:p>
         </p:txBody>
       </p:sp>
@@ -20332,13 +20018,6 @@
               </a:rPr>
               <a:t>通信图</a:t>
             </a:r>
-            <a:endParaRPr lang="zh-CN" altLang="zh-CN" sz="2665" dirty="0">
-              <a:solidFill>
-                <a:srgbClr val="183A5D"/>
-              </a:solidFill>
-              <a:latin typeface="微软雅黑" panose="020B0503020204020204" pitchFamily="34" charset="-122"/>
-              <a:ea typeface="微软雅黑" panose="020B0503020204020204" pitchFamily="34" charset="-122"/>
-            </a:endParaRPr>
           </a:p>
         </p:txBody>
       </p:sp>
@@ -20472,13 +20151,6 @@
                 </a:rPr>
                 <a:t>	</a:t>
               </a:r>
-              <a:endParaRPr lang="en-US" altLang="zh-CN" b="0" i="0" dirty="0">
-                <a:solidFill>
-                  <a:schemeClr val="accent4"/>
-                </a:solidFill>
-                <a:effectLst/>
-                <a:latin typeface="Verdana" panose="020B0604030504040204" pitchFamily="34" charset="0"/>
-              </a:endParaRPr>
             </a:p>
             <a:p>
               <a:endParaRPr lang="en-US" altLang="zh-CN" b="0" i="0" dirty="0">
@@ -20608,7 +20280,7 @@
           <p:nvPr/>
         </p:nvPicPr>
         <p:blipFill>
-          <a:blip r:embed="rId1"/>
+          <a:blip r:embed="rId2"/>
           <a:stretch>
             <a:fillRect/>
           </a:stretch>
@@ -20743,7 +20415,6 @@
               <a:rPr lang="en-US" sz="2400" dirty="0"/>
               <a:t>6</a:t>
             </a:r>
-            <a:endParaRPr lang="en-US" sz="2400" dirty="0"/>
           </a:p>
         </p:txBody>
       </p:sp>
@@ -20811,13 +20482,6 @@
               </a:rPr>
               <a:t>通信图</a:t>
             </a:r>
-            <a:endParaRPr lang="zh-CN" sz="2665" dirty="0">
-              <a:solidFill>
-                <a:srgbClr val="183A5D"/>
-              </a:solidFill>
-              <a:latin typeface="微软雅黑" panose="020B0503020204020204" pitchFamily="34" charset="-122"/>
-              <a:ea typeface="微软雅黑" panose="020B0503020204020204" pitchFamily="34" charset="-122"/>
-            </a:endParaRPr>
           </a:p>
         </p:txBody>
       </p:sp>
@@ -20937,7 +20601,7 @@
           <p:nvPr/>
         </p:nvPicPr>
         <p:blipFill>
-          <a:blip r:embed="rId1"/>
+          <a:blip r:embed="rId2"/>
           <a:stretch>
             <a:fillRect/>
           </a:stretch>
@@ -21011,7 +20675,6 @@
               <a:rPr lang="zh-CN" altLang="en-US"/>
               <a:t>1，通信图由以下基本元素组成：执行者(Actor)、对象(Object)、连接(Link，也称为链)、消息(Message)和守护条件(Condition)。</a:t>
             </a:r>
-            <a:endParaRPr lang="zh-CN" altLang="en-US"/>
           </a:p>
           <a:p>
             <a:endParaRPr lang="zh-CN" altLang="en-US"/>
@@ -21021,7 +20684,6 @@
               <a:rPr lang="zh-CN" altLang="en-US"/>
               <a:t>2，在UML中，使用实线表示两个对象之间的连接；通信图中的消息，由在连接上方的带有标记的箭头表示，同时可以用数字注明消息的次序。</a:t>
             </a:r>
-            <a:endParaRPr lang="zh-CN" altLang="en-US"/>
           </a:p>
         </p:txBody>
       </p:sp>
@@ -21065,7 +20727,6 @@
               <a:rPr lang="zh-CN" altLang="en-US"/>
               <a:t>连接</a:t>
             </a:r>
-            <a:endParaRPr lang="zh-CN" altLang="en-US"/>
           </a:p>
         </p:txBody>
       </p:sp>
@@ -21142,7 +20803,6 @@
               <a:rPr lang="zh-CN" altLang="en-US"/>
               <a:t>执行者</a:t>
             </a:r>
-            <a:endParaRPr lang="zh-CN" altLang="en-US"/>
           </a:p>
         </p:txBody>
       </p:sp>
@@ -21219,7 +20879,6 @@
               <a:rPr lang="zh-CN" altLang="en-US"/>
               <a:t>消息</a:t>
             </a:r>
-            <a:endParaRPr lang="zh-CN" altLang="en-US"/>
           </a:p>
         </p:txBody>
       </p:sp>
@@ -21296,7 +20955,6 @@
               <a:rPr lang="zh-CN" altLang="en-US"/>
               <a:t>对象</a:t>
             </a:r>
-            <a:endParaRPr lang="zh-CN" altLang="en-US"/>
           </a:p>
         </p:txBody>
       </p:sp>
@@ -21453,7 +21111,6 @@
               <a:rPr lang="en-US" sz="2400" dirty="0"/>
               <a:t>6</a:t>
             </a:r>
-            <a:endParaRPr lang="en-US" sz="2400" dirty="0"/>
           </a:p>
         </p:txBody>
       </p:sp>
@@ -21575,12 +21232,6 @@
                 </a:rPr>
                 <a:t>绘画技巧：</a:t>
               </a:r>
-              <a:endParaRPr lang="zh-CN" dirty="0">
-                <a:solidFill>
-                  <a:srgbClr val="000000"/>
-                </a:solidFill>
-                <a:latin typeface="Verdana" panose="020B0604030504040204" pitchFamily="34" charset="0"/>
-              </a:endParaRPr>
             </a:p>
             <a:p>
               <a:r>
@@ -21619,13 +21270,6 @@
                 </a:rPr>
                 <a:t>；</a:t>
               </a:r>
-              <a:endParaRPr lang="zh-CN" altLang="en-US" b="0" i="0" dirty="0">
-                <a:solidFill>
-                  <a:srgbClr val="000000"/>
-                </a:solidFill>
-                <a:effectLst/>
-                <a:latin typeface="Verdana" panose="020B0604030504040204" pitchFamily="34" charset="0"/>
-              </a:endParaRPr>
             </a:p>
             <a:p>
               <a:endParaRPr lang="zh-CN" altLang="en-US" b="0" i="0" dirty="0">
@@ -21673,13 +21317,6 @@
                 </a:rPr>
                 <a:t>，因此无法显式表示对象的创建和销毁；</a:t>
               </a:r>
-              <a:endParaRPr lang="zh-CN" altLang="en-US" b="0" i="0" dirty="0">
-                <a:solidFill>
-                  <a:srgbClr val="000000"/>
-                </a:solidFill>
-                <a:effectLst/>
-                <a:latin typeface="Verdana" panose="020B0604030504040204" pitchFamily="34" charset="0"/>
-              </a:endParaRPr>
             </a:p>
             <a:p>
               <a:endParaRPr lang="zh-CN" altLang="en-US" b="0" i="0" dirty="0">
@@ -21727,13 +21364,6 @@
                 </a:rPr>
                 <a:t>，用于说明交互过程中消息的时间顺序；</a:t>
               </a:r>
-              <a:endParaRPr lang="zh-CN" altLang="en-US" b="0" i="0" dirty="0">
-                <a:solidFill>
-                  <a:srgbClr val="000000"/>
-                </a:solidFill>
-                <a:effectLst/>
-                <a:latin typeface="Verdana" panose="020B0604030504040204" pitchFamily="34" charset="0"/>
-              </a:endParaRPr>
             </a:p>
             <a:p>
               <a:endParaRPr lang="zh-CN" altLang="en-US" b="0" i="0" dirty="0">
@@ -21781,13 +21411,6 @@
                 </a:rPr>
                 <a:t>，即强调参与交互的对象的组织。</a:t>
               </a:r>
-              <a:endParaRPr lang="zh-CN" altLang="en-US" b="0" i="0" dirty="0">
-                <a:solidFill>
-                  <a:srgbClr val="000000"/>
-                </a:solidFill>
-                <a:effectLst/>
-                <a:latin typeface="Verdana" panose="020B0604030504040204" pitchFamily="34" charset="0"/>
-              </a:endParaRPr>
             </a:p>
             <a:p>
               <a:endParaRPr lang="zh-CN" altLang="en-US" b="0" i="0" dirty="0">
@@ -21908,6 +21531,34 @@
           </p:sp>
         </p:grpSp>
       </p:grpSp>
+      <p:sp>
+        <p:nvSpPr>
+          <p:cNvPr id="8" name="矩形 7"/>
+          <p:cNvSpPr/>
+          <p:nvPr/>
+        </p:nvSpPr>
+        <p:spPr>
+          <a:xfrm>
+            <a:off x="5326253" y="3221251"/>
+            <a:ext cx="1536318" cy="415498"/>
+          </a:xfrm>
+          <a:prstGeom prst="rect">
+            <a:avLst/>
+          </a:prstGeom>
+        </p:spPr>
+        <p:txBody>
+          <a:bodyPr wrap="none">
+            <a:spAutoFit/>
+          </a:bodyPr>
+          <a:lstStyle/>
+          <a:p>
+            <a:r>
+              <a:rPr lang="zh-CN" altLang="en-US" dirty="0"/>
+              <a:t>get_variable</a:t>
+            </a:r>
+          </a:p>
+        </p:txBody>
+      </p:sp>
     </p:spTree>
   </p:cSld>
   <p:clrMapOvr>
@@ -21916,6 +21567,13 @@
   <p:transition spd="slow" advClick="0" advTm="0">
     <p:wipe/>
   </p:transition>
+  <p:timing>
+    <p:tnLst>
+      <p:par>
+        <p:cTn id="1" dur="indefinite" restart="never" nodeType="tmRoot"/>
+      </p:par>
+    </p:tnLst>
+  </p:timing>
 </p:sld>
 </file>
 
@@ -22028,7 +21686,6 @@
               <a:rPr lang="en-US" sz="2400" dirty="0"/>
               <a:t>7</a:t>
             </a:r>
-            <a:endParaRPr lang="en-US" sz="2400" dirty="0"/>
           </a:p>
         </p:txBody>
       </p:sp>
@@ -22087,6 +21744,36 @@
           <a:lstStyle/>
           <a:p>
             <a:r>
+              <a:rPr lang="zh-CN" altLang="en-US" sz="2665" dirty="0" smtClean="0">
+                <a:solidFill>
+                  <a:srgbClr val="183A5D"/>
+                </a:solidFill>
+                <a:latin typeface="微软雅黑" panose="020B0503020204020204" pitchFamily="34" charset="-122"/>
+                <a:ea typeface="微软雅黑" panose="020B0503020204020204" pitchFamily="34" charset="-122"/>
+              </a:rPr>
+              <a:t>组件图</a:t>
+            </a:r>
+            <a:r>
+              <a:rPr lang="en-US" altLang="zh-CN" sz="2665" dirty="0" smtClean="0">
+                <a:solidFill>
+                  <a:srgbClr val="183A5D"/>
+                </a:solidFill>
+                <a:latin typeface="微软雅黑" panose="020B0503020204020204" pitchFamily="34" charset="-122"/>
+                <a:ea typeface="微软雅黑" panose="020B0503020204020204" pitchFamily="34" charset="-122"/>
+              </a:rPr>
+              <a:t>&amp;</a:t>
+            </a:r>
+            <a:r>
+              <a:rPr lang="zh-CN" altLang="en-US" sz="2665" dirty="0" smtClean="0">
+                <a:solidFill>
+                  <a:srgbClr val="183A5D"/>
+                </a:solidFill>
+                <a:latin typeface="微软雅黑" panose="020B0503020204020204" pitchFamily="34" charset="-122"/>
+                <a:ea typeface="微软雅黑" panose="020B0503020204020204" pitchFamily="34" charset="-122"/>
+              </a:rPr>
+              <a:t>部署</a:t>
+            </a:r>
+            <a:r>
               <a:rPr lang="zh-CN" altLang="en-US" sz="2665" dirty="0">
                 <a:solidFill>
                   <a:srgbClr val="183A5D"/>
@@ -22094,7 +21781,7 @@
                 <a:latin typeface="微软雅黑" panose="020B0503020204020204" pitchFamily="34" charset="-122"/>
                 <a:ea typeface="微软雅黑" panose="020B0503020204020204" pitchFamily="34" charset="-122"/>
               </a:rPr>
-              <a:t>部署图</a:t>
+              <a:t>图</a:t>
             </a:r>
             <a:endParaRPr lang="zh-CN" sz="2665" dirty="0">
               <a:solidFill>
@@ -22114,8 +21801,8 @@
         </p:nvGrpSpPr>
         <p:grpSpPr>
           <a:xfrm>
-            <a:off x="236855" y="1269365"/>
-            <a:ext cx="9032240" cy="4896485"/>
+            <a:off x="236855" y="1053530"/>
+            <a:ext cx="7658551" cy="5328781"/>
             <a:chOff x="1285643" y="1772435"/>
             <a:chExt cx="7135479" cy="3572664"/>
           </a:xfrm>
@@ -22221,6 +21908,878 @@
         </p:nvSpPr>
         <p:spPr>
           <a:xfrm>
+            <a:off x="236855" y="1634380"/>
+            <a:ext cx="7442527" cy="4672048"/>
+          </a:xfrm>
+          <a:prstGeom prst="rect">
+            <a:avLst/>
+          </a:prstGeom>
+        </p:spPr>
+        <p:txBody>
+          <a:bodyPr wrap="square">
+            <a:spAutoFit/>
+          </a:bodyPr>
+          <a:lstStyle/>
+          <a:p>
+            <a:pPr>
+              <a:lnSpc>
+                <a:spcPct val="120000"/>
+              </a:lnSpc>
+              <a:buFont typeface="Arial" panose="020B0604020202020204" pitchFamily="34" charset="0"/>
+              <a:buNone/>
+            </a:pPr>
+            <a:r>
+              <a:rPr lang="zh-CN" altLang="en-US" sz="2400" b="1" dirty="0">
+                <a:solidFill>
+                  <a:srgbClr val="FF0000"/>
+                </a:solidFill>
+              </a:rPr>
+              <a:t>组件</a:t>
+            </a:r>
+            <a:r>
+              <a:rPr lang="zh-CN" altLang="en-US" sz="2400" b="1" dirty="0" smtClean="0">
+                <a:solidFill>
+                  <a:srgbClr val="FF0000"/>
+                </a:solidFill>
+              </a:rPr>
+              <a:t>图</a:t>
+            </a:r>
+            <a:endParaRPr lang="en-US" altLang="zh-CN" sz="2400" b="1" dirty="0">
+              <a:solidFill>
+                <a:srgbClr val="FF0000"/>
+              </a:solidFill>
+            </a:endParaRPr>
+          </a:p>
+          <a:p>
+            <a:pPr>
+              <a:lnSpc>
+                <a:spcPct val="120000"/>
+              </a:lnSpc>
+              <a:buFont typeface="Arial" panose="020B0604020202020204" pitchFamily="34" charset="0"/>
+              <a:buNone/>
+            </a:pPr>
+            <a:r>
+              <a:rPr lang="zh-CN" altLang="en-US" sz="2000" dirty="0" smtClean="0"/>
+              <a:t>组件图主要用于描述各种组件之间的依赖关系</a:t>
+            </a:r>
+            <a:endParaRPr lang="en-US" altLang="zh-CN" sz="2000" dirty="0" smtClean="0"/>
+          </a:p>
+          <a:p>
+            <a:pPr>
+              <a:lnSpc>
+                <a:spcPct val="120000"/>
+              </a:lnSpc>
+              <a:buFont typeface="Arial" panose="020B0604020202020204" pitchFamily="34" charset="0"/>
+              <a:buNone/>
+            </a:pPr>
+            <a:r>
+              <a:rPr lang="zh-CN" altLang="en-US" sz="2000" dirty="0" smtClean="0"/>
+              <a:t>所设计的系统中的组件以及这些组件之间的关系形成了组件图</a:t>
+            </a:r>
+            <a:endParaRPr lang="en-US" altLang="zh-CN" sz="2000" dirty="0"/>
+          </a:p>
+          <a:p>
+            <a:pPr>
+              <a:lnSpc>
+                <a:spcPct val="120000"/>
+              </a:lnSpc>
+            </a:pPr>
+            <a:r>
+              <a:rPr lang="zh-CN" altLang="en-US" sz="2400" b="1" dirty="0" smtClean="0">
+                <a:solidFill>
+                  <a:srgbClr val="FF0000"/>
+                </a:solidFill>
+              </a:rPr>
+              <a:t>组件图的</a:t>
+            </a:r>
+            <a:r>
+              <a:rPr lang="zh-CN" altLang="en-US" sz="2400" b="1" dirty="0">
+                <a:solidFill>
+                  <a:srgbClr val="FF0000"/>
+                </a:solidFill>
+              </a:rPr>
+              <a:t>基本内容</a:t>
+            </a:r>
+            <a:endParaRPr lang="en-US" altLang="zh-CN" sz="2400" b="1" dirty="0">
+              <a:solidFill>
+                <a:srgbClr val="FF0000"/>
+              </a:solidFill>
+            </a:endParaRPr>
+          </a:p>
+          <a:p>
+            <a:pPr>
+              <a:lnSpc>
+                <a:spcPct val="120000"/>
+              </a:lnSpc>
+            </a:pPr>
+            <a:r>
+              <a:rPr lang="zh-CN" altLang="en-US" sz="2000" dirty="0">
+                <a:solidFill>
+                  <a:srgbClr val="FF0000"/>
+                </a:solidFill>
+              </a:rPr>
+              <a:t>组件</a:t>
+            </a:r>
+            <a:r>
+              <a:rPr lang="zh-CN" altLang="en-US" sz="2000" dirty="0" smtClean="0"/>
+              <a:t>：组件是系统的可替代的物理部分，他表示的是实际的事物，组件是定义了良好接口的物理实现单元</a:t>
+            </a:r>
+            <a:endParaRPr lang="en-US" altLang="zh-CN" sz="2000" dirty="0" smtClean="0"/>
+          </a:p>
+          <a:p>
+            <a:pPr>
+              <a:lnSpc>
+                <a:spcPct val="120000"/>
+              </a:lnSpc>
+            </a:pPr>
+            <a:r>
+              <a:rPr lang="zh-CN" altLang="en-US" sz="2000" dirty="0">
+                <a:solidFill>
+                  <a:srgbClr val="FF0000"/>
+                </a:solidFill>
+              </a:rPr>
+              <a:t>接口</a:t>
+            </a:r>
+            <a:r>
+              <a:rPr lang="zh-CN" altLang="en-US" sz="2000" dirty="0" smtClean="0"/>
+              <a:t>：</a:t>
+            </a:r>
+            <a:endParaRPr lang="en-US" altLang="zh-CN" sz="2000" dirty="0" smtClean="0"/>
+          </a:p>
+          <a:p>
+            <a:pPr>
+              <a:lnSpc>
+                <a:spcPct val="120000"/>
+              </a:lnSpc>
+            </a:pPr>
+            <a:r>
+              <a:rPr lang="en-US" altLang="zh-CN" sz="2000" dirty="0"/>
+              <a:t> </a:t>
+            </a:r>
+            <a:r>
+              <a:rPr lang="en-US" altLang="zh-CN" sz="2000" dirty="0" smtClean="0"/>
+              <a:t>        </a:t>
+            </a:r>
+            <a:r>
+              <a:rPr lang="zh-CN" altLang="en-US" sz="2000" dirty="0" smtClean="0"/>
+              <a:t>示出接口：构件实现的接口</a:t>
+            </a:r>
+            <a:endParaRPr lang="en-US" altLang="zh-CN" sz="2000" dirty="0" smtClean="0"/>
+          </a:p>
+          <a:p>
+            <a:pPr>
+              <a:lnSpc>
+                <a:spcPct val="120000"/>
+              </a:lnSpc>
+            </a:pPr>
+            <a:r>
+              <a:rPr lang="en-US" altLang="zh-CN" sz="2000" dirty="0"/>
+              <a:t> </a:t>
+            </a:r>
+            <a:r>
+              <a:rPr lang="en-US" altLang="zh-CN" sz="2000" dirty="0" smtClean="0"/>
+              <a:t>        </a:t>
+            </a:r>
+            <a:r>
+              <a:rPr lang="zh-CN" altLang="en-US" sz="2000" dirty="0" smtClean="0"/>
+              <a:t>示入接口：构件使用的接口</a:t>
+            </a:r>
+            <a:endParaRPr lang="en-US" altLang="zh-CN" sz="2000" dirty="0" smtClean="0"/>
+          </a:p>
+          <a:p>
+            <a:pPr>
+              <a:lnSpc>
+                <a:spcPct val="120000"/>
+              </a:lnSpc>
+            </a:pPr>
+            <a:r>
+              <a:rPr lang="zh-CN" altLang="en-US" sz="2000" dirty="0">
+                <a:solidFill>
+                  <a:srgbClr val="FF0000"/>
+                </a:solidFill>
+              </a:rPr>
+              <a:t>关系</a:t>
+            </a:r>
+            <a:r>
+              <a:rPr lang="zh-CN" altLang="en-US" sz="2000" dirty="0" smtClean="0"/>
+              <a:t>：</a:t>
+            </a:r>
+            <a:endParaRPr lang="en-US" altLang="zh-CN" sz="2000" dirty="0" smtClean="0"/>
+          </a:p>
+          <a:p>
+            <a:pPr>
+              <a:lnSpc>
+                <a:spcPct val="120000"/>
+              </a:lnSpc>
+            </a:pPr>
+            <a:r>
+              <a:rPr lang="en-US" altLang="zh-CN" sz="2000" dirty="0"/>
+              <a:t> </a:t>
+            </a:r>
+            <a:r>
+              <a:rPr lang="en-US" altLang="zh-CN" sz="2000" dirty="0" smtClean="0"/>
+              <a:t>        </a:t>
+            </a:r>
+            <a:r>
+              <a:rPr lang="zh-CN" altLang="en-US" sz="2000" dirty="0" smtClean="0"/>
+              <a:t>实现：组件和接口之间的连线，代表着谁实现了这个接口</a:t>
+            </a:r>
+            <a:endParaRPr lang="en-US" altLang="zh-CN" sz="2000" dirty="0"/>
+          </a:p>
+          <a:p>
+            <a:pPr>
+              <a:lnSpc>
+                <a:spcPct val="120000"/>
+              </a:lnSpc>
+            </a:pPr>
+            <a:r>
+              <a:rPr lang="en-US" altLang="zh-CN" sz="2000" dirty="0" smtClean="0"/>
+              <a:t>         </a:t>
+            </a:r>
+            <a:r>
+              <a:rPr lang="zh-CN" altLang="en-US" sz="2000" dirty="0" smtClean="0"/>
+              <a:t>依赖：使用了另一个组件的接口，依赖另一个接口的存在</a:t>
+            </a:r>
+            <a:endParaRPr lang="en-US" altLang="zh-CN" sz="2000" dirty="0" smtClean="0"/>
+          </a:p>
+        </p:txBody>
+      </p:sp>
+      <p:pic>
+        <p:nvPicPr>
+          <p:cNvPr id="5" name="图片 4"/>
+          <p:cNvPicPr>
+            <a:picLocks noChangeAspect="1"/>
+          </p:cNvPicPr>
+          <p:nvPr/>
+        </p:nvPicPr>
+        <p:blipFill>
+          <a:blip r:embed="rId2"/>
+          <a:stretch>
+            <a:fillRect/>
+          </a:stretch>
+        </p:blipFill>
+        <p:spPr>
+          <a:xfrm>
+            <a:off x="7991206" y="2061642"/>
+            <a:ext cx="4191000" cy="2752725"/>
+          </a:xfrm>
+          <a:prstGeom prst="rect">
+            <a:avLst/>
+          </a:prstGeom>
+        </p:spPr>
+      </p:pic>
+    </p:spTree>
+  </p:cSld>
+  <p:clrMapOvr>
+    <a:masterClrMapping/>
+  </p:clrMapOvr>
+  <p:transition spd="slow" advClick="0" advTm="0">
+    <p:wipe/>
+  </p:transition>
+  <p:timing>
+    <p:tnLst>
+      <p:par>
+        <p:cTn id="1" dur="indefinite" restart="never" nodeType="tmRoot"/>
+      </p:par>
+    </p:tnLst>
+  </p:timing>
+</p:sld>
+</file>
+
+<file path=ppt/slides/slide37.xml><?xml version="1.0" encoding="utf-8"?>
+<p:sld xmlns:a="http://schemas.openxmlformats.org/drawingml/2006/main" xmlns:r="http://schemas.openxmlformats.org/officeDocument/2006/relationships" xmlns:p="http://schemas.openxmlformats.org/presentationml/2006/main">
+  <p:cSld>
+    <p:spTree>
+      <p:nvGrpSpPr>
+        <p:cNvPr id="1" name=""/>
+        <p:cNvGrpSpPr/>
+        <p:nvPr/>
+      </p:nvGrpSpPr>
+      <p:grpSpPr>
+        <a:xfrm>
+          <a:off x="0" y="0"/>
+          <a:ext cx="0" cy="0"/>
+          <a:chOff x="0" y="0"/>
+          <a:chExt cx="0" cy="0"/>
+        </a:xfrm>
+      </p:grpSpPr>
+      <p:sp>
+        <p:nvSpPr>
+          <p:cNvPr id="2" name="矩形 1"/>
+          <p:cNvSpPr/>
+          <p:nvPr/>
+        </p:nvSpPr>
+        <p:spPr>
+          <a:xfrm>
+            <a:off x="237030" y="1171"/>
+            <a:ext cx="1608415" cy="135446"/>
+          </a:xfrm>
+          <a:prstGeom prst="rect">
+            <a:avLst/>
+          </a:prstGeom>
+          <a:solidFill>
+            <a:srgbClr val="183A5D"/>
+          </a:solidFill>
+          <a:ln>
+            <a:noFill/>
+          </a:ln>
+        </p:spPr>
+        <p:style>
+          <a:lnRef idx="2">
+            <a:schemeClr val="accent1">
+              <a:shade val="50000"/>
+            </a:schemeClr>
+          </a:lnRef>
+          <a:fillRef idx="1">
+            <a:schemeClr val="accent1"/>
+          </a:fillRef>
+          <a:effectRef idx="0">
+            <a:schemeClr val="accent1"/>
+          </a:effectRef>
+          <a:fontRef idx="minor">
+            <a:schemeClr val="lt1"/>
+          </a:fontRef>
+        </p:style>
+        <p:txBody>
+          <a:bodyPr rtlCol="0" anchor="ctr"/>
+          <a:lstStyle/>
+          <a:p>
+            <a:pPr algn="ctr"/>
+            <a:endParaRPr lang="zh-CN" altLang="en-US" sz="2800"/>
+          </a:p>
+        </p:txBody>
+      </p:sp>
+      <p:sp>
+        <p:nvSpPr>
+          <p:cNvPr id="3" name="矩形 2"/>
+          <p:cNvSpPr/>
+          <p:nvPr/>
+        </p:nvSpPr>
+        <p:spPr>
+          <a:xfrm>
+            <a:off x="237030" y="255131"/>
+            <a:ext cx="1608415" cy="406336"/>
+          </a:xfrm>
+          <a:prstGeom prst="rect">
+            <a:avLst/>
+          </a:prstGeom>
+          <a:solidFill>
+            <a:srgbClr val="183A5D"/>
+          </a:solidFill>
+          <a:ln>
+            <a:noFill/>
+          </a:ln>
+        </p:spPr>
+        <p:style>
+          <a:lnRef idx="2">
+            <a:schemeClr val="accent1">
+              <a:shade val="50000"/>
+            </a:schemeClr>
+          </a:lnRef>
+          <a:fillRef idx="1">
+            <a:schemeClr val="accent1"/>
+          </a:fillRef>
+          <a:effectRef idx="0">
+            <a:schemeClr val="accent1"/>
+          </a:effectRef>
+          <a:fontRef idx="minor">
+            <a:schemeClr val="lt1"/>
+          </a:fontRef>
+        </p:style>
+        <p:txBody>
+          <a:bodyPr rtlCol="0" anchor="ctr"/>
+          <a:lstStyle/>
+          <a:p>
+            <a:pPr algn="ctr"/>
+            <a:r>
+              <a:rPr lang="en-US" sz="2400" dirty="0"/>
+              <a:t>7</a:t>
+            </a:r>
+          </a:p>
+        </p:txBody>
+      </p:sp>
+      <p:sp>
+        <p:nvSpPr>
+          <p:cNvPr id="4" name="文本框 3"/>
+          <p:cNvSpPr txBox="1"/>
+          <p:nvPr/>
+        </p:nvSpPr>
+        <p:spPr>
+          <a:xfrm>
+            <a:off x="2236548" y="136356"/>
+            <a:ext cx="6052718" cy="501650"/>
+          </a:xfrm>
+          <a:prstGeom prst="rect">
+            <a:avLst/>
+          </a:prstGeom>
+          <a:noFill/>
+        </p:spPr>
+        <p:txBody>
+          <a:bodyPr wrap="square" rtlCol="0">
+            <a:spAutoFit/>
+          </a:bodyPr>
+          <a:lstStyle/>
+          <a:p>
+            <a:endParaRPr lang="zh-CN" sz="2665" dirty="0">
+              <a:solidFill>
+                <a:srgbClr val="183A5D"/>
+              </a:solidFill>
+              <a:latin typeface="微软雅黑" panose="020B0503020204020204" pitchFamily="34" charset="-122"/>
+              <a:ea typeface="微软雅黑" panose="020B0503020204020204" pitchFamily="34" charset="-122"/>
+            </a:endParaRPr>
+          </a:p>
+        </p:txBody>
+      </p:sp>
+      <p:sp>
+        <p:nvSpPr>
+          <p:cNvPr id="6" name="文本框 5"/>
+          <p:cNvSpPr txBox="1"/>
+          <p:nvPr/>
+        </p:nvSpPr>
+        <p:spPr>
+          <a:xfrm>
+            <a:off x="2134766" y="159817"/>
+            <a:ext cx="6052718" cy="501650"/>
+          </a:xfrm>
+          <a:prstGeom prst="rect">
+            <a:avLst/>
+          </a:prstGeom>
+          <a:noFill/>
+        </p:spPr>
+        <p:txBody>
+          <a:bodyPr wrap="square" rtlCol="0">
+            <a:spAutoFit/>
+          </a:bodyPr>
+          <a:lstStyle/>
+          <a:p>
+            <a:r>
+              <a:rPr lang="zh-CN" altLang="en-US" sz="2665" dirty="0" smtClean="0">
+                <a:solidFill>
+                  <a:srgbClr val="183A5D"/>
+                </a:solidFill>
+                <a:latin typeface="微软雅黑" panose="020B0503020204020204" pitchFamily="34" charset="-122"/>
+                <a:ea typeface="微软雅黑" panose="020B0503020204020204" pitchFamily="34" charset="-122"/>
+              </a:rPr>
+              <a:t>组件图</a:t>
+            </a:r>
+            <a:r>
+              <a:rPr lang="en-US" altLang="zh-CN" sz="2665" dirty="0" smtClean="0">
+                <a:solidFill>
+                  <a:srgbClr val="183A5D"/>
+                </a:solidFill>
+                <a:latin typeface="微软雅黑" panose="020B0503020204020204" pitchFamily="34" charset="-122"/>
+                <a:ea typeface="微软雅黑" panose="020B0503020204020204" pitchFamily="34" charset="-122"/>
+              </a:rPr>
+              <a:t>&amp;</a:t>
+            </a:r>
+            <a:r>
+              <a:rPr lang="zh-CN" altLang="en-US" sz="2665" dirty="0" smtClean="0">
+                <a:solidFill>
+                  <a:srgbClr val="183A5D"/>
+                </a:solidFill>
+                <a:latin typeface="微软雅黑" panose="020B0503020204020204" pitchFamily="34" charset="-122"/>
+                <a:ea typeface="微软雅黑" panose="020B0503020204020204" pitchFamily="34" charset="-122"/>
+              </a:rPr>
+              <a:t>部署</a:t>
+            </a:r>
+            <a:r>
+              <a:rPr lang="zh-CN" altLang="en-US" sz="2665" dirty="0">
+                <a:solidFill>
+                  <a:srgbClr val="183A5D"/>
+                </a:solidFill>
+                <a:latin typeface="微软雅黑" panose="020B0503020204020204" pitchFamily="34" charset="-122"/>
+                <a:ea typeface="微软雅黑" panose="020B0503020204020204" pitchFamily="34" charset="-122"/>
+              </a:rPr>
+              <a:t>图</a:t>
+            </a:r>
+            <a:endParaRPr lang="zh-CN" sz="2665" dirty="0">
+              <a:solidFill>
+                <a:srgbClr val="183A5D"/>
+              </a:solidFill>
+              <a:latin typeface="微软雅黑" panose="020B0503020204020204" pitchFamily="34" charset="-122"/>
+              <a:ea typeface="微软雅黑" panose="020B0503020204020204" pitchFamily="34" charset="-122"/>
+            </a:endParaRPr>
+          </a:p>
+        </p:txBody>
+      </p:sp>
+      <p:pic>
+        <p:nvPicPr>
+          <p:cNvPr id="7" name="图片 6"/>
+          <p:cNvPicPr>
+            <a:picLocks noChangeAspect="1"/>
+          </p:cNvPicPr>
+          <p:nvPr/>
+        </p:nvPicPr>
+        <p:blipFill>
+          <a:blip r:embed="rId2"/>
+          <a:stretch>
+            <a:fillRect/>
+          </a:stretch>
+        </p:blipFill>
+        <p:spPr>
+          <a:xfrm>
+            <a:off x="2422798" y="1269554"/>
+            <a:ext cx="7353300" cy="4991100"/>
+          </a:xfrm>
+          <a:prstGeom prst="rect">
+            <a:avLst/>
+          </a:prstGeom>
+        </p:spPr>
+      </p:pic>
+    </p:spTree>
+    <p:extLst>
+      <p:ext uri="{BB962C8B-B14F-4D97-AF65-F5344CB8AC3E}">
+        <p14:creationId xmlns:p14="http://schemas.microsoft.com/office/powerpoint/2010/main" val="4294149885"/>
+      </p:ext>
+    </p:extLst>
+  </p:cSld>
+  <p:clrMapOvr>
+    <a:masterClrMapping/>
+  </p:clrMapOvr>
+  <p:transition spd="slow" advClick="0" advTm="0">
+    <p:wipe/>
+  </p:transition>
+  <p:timing>
+    <p:tnLst>
+      <p:par>
+        <p:cTn id="1" dur="indefinite" restart="never" nodeType="tmRoot"/>
+      </p:par>
+    </p:tnLst>
+  </p:timing>
+</p:sld>
+</file>
+
+<file path=ppt/slides/slide38.xml><?xml version="1.0" encoding="utf-8"?>
+<p:sld xmlns:a="http://schemas.openxmlformats.org/drawingml/2006/main" xmlns:r="http://schemas.openxmlformats.org/officeDocument/2006/relationships" xmlns:p="http://schemas.openxmlformats.org/presentationml/2006/main">
+  <p:cSld>
+    <p:spTree>
+      <p:nvGrpSpPr>
+        <p:cNvPr id="1" name=""/>
+        <p:cNvGrpSpPr/>
+        <p:nvPr/>
+      </p:nvGrpSpPr>
+      <p:grpSpPr>
+        <a:xfrm>
+          <a:off x="0" y="0"/>
+          <a:ext cx="0" cy="0"/>
+          <a:chOff x="0" y="0"/>
+          <a:chExt cx="0" cy="0"/>
+        </a:xfrm>
+      </p:grpSpPr>
+      <p:sp>
+        <p:nvSpPr>
+          <p:cNvPr id="2" name="矩形 1"/>
+          <p:cNvSpPr/>
+          <p:nvPr/>
+        </p:nvSpPr>
+        <p:spPr>
+          <a:xfrm>
+            <a:off x="237030" y="1171"/>
+            <a:ext cx="1608415" cy="135446"/>
+          </a:xfrm>
+          <a:prstGeom prst="rect">
+            <a:avLst/>
+          </a:prstGeom>
+          <a:solidFill>
+            <a:srgbClr val="183A5D"/>
+          </a:solidFill>
+          <a:ln>
+            <a:noFill/>
+          </a:ln>
+        </p:spPr>
+        <p:style>
+          <a:lnRef idx="2">
+            <a:schemeClr val="accent1">
+              <a:shade val="50000"/>
+            </a:schemeClr>
+          </a:lnRef>
+          <a:fillRef idx="1">
+            <a:schemeClr val="accent1"/>
+          </a:fillRef>
+          <a:effectRef idx="0">
+            <a:schemeClr val="accent1"/>
+          </a:effectRef>
+          <a:fontRef idx="minor">
+            <a:schemeClr val="lt1"/>
+          </a:fontRef>
+        </p:style>
+        <p:txBody>
+          <a:bodyPr rtlCol="0" anchor="ctr"/>
+          <a:lstStyle/>
+          <a:p>
+            <a:pPr algn="ctr"/>
+            <a:endParaRPr lang="zh-CN" altLang="en-US" sz="2800"/>
+          </a:p>
+        </p:txBody>
+      </p:sp>
+      <p:sp>
+        <p:nvSpPr>
+          <p:cNvPr id="3" name="矩形 2"/>
+          <p:cNvSpPr/>
+          <p:nvPr/>
+        </p:nvSpPr>
+        <p:spPr>
+          <a:xfrm>
+            <a:off x="237030" y="255131"/>
+            <a:ext cx="1608415" cy="406336"/>
+          </a:xfrm>
+          <a:prstGeom prst="rect">
+            <a:avLst/>
+          </a:prstGeom>
+          <a:solidFill>
+            <a:srgbClr val="183A5D"/>
+          </a:solidFill>
+          <a:ln>
+            <a:noFill/>
+          </a:ln>
+        </p:spPr>
+        <p:style>
+          <a:lnRef idx="2">
+            <a:schemeClr val="accent1">
+              <a:shade val="50000"/>
+            </a:schemeClr>
+          </a:lnRef>
+          <a:fillRef idx="1">
+            <a:schemeClr val="accent1"/>
+          </a:fillRef>
+          <a:effectRef idx="0">
+            <a:schemeClr val="accent1"/>
+          </a:effectRef>
+          <a:fontRef idx="minor">
+            <a:schemeClr val="lt1"/>
+          </a:fontRef>
+        </p:style>
+        <p:txBody>
+          <a:bodyPr rtlCol="0" anchor="ctr"/>
+          <a:lstStyle/>
+          <a:p>
+            <a:pPr algn="ctr"/>
+            <a:r>
+              <a:rPr lang="en-US" sz="2400" dirty="0"/>
+              <a:t>7</a:t>
+            </a:r>
+          </a:p>
+        </p:txBody>
+      </p:sp>
+      <p:sp>
+        <p:nvSpPr>
+          <p:cNvPr id="4" name="文本框 3"/>
+          <p:cNvSpPr txBox="1"/>
+          <p:nvPr/>
+        </p:nvSpPr>
+        <p:spPr>
+          <a:xfrm>
+            <a:off x="2236548" y="136356"/>
+            <a:ext cx="6052718" cy="501650"/>
+          </a:xfrm>
+          <a:prstGeom prst="rect">
+            <a:avLst/>
+          </a:prstGeom>
+          <a:noFill/>
+        </p:spPr>
+        <p:txBody>
+          <a:bodyPr wrap="square" rtlCol="0">
+            <a:spAutoFit/>
+          </a:bodyPr>
+          <a:lstStyle/>
+          <a:p>
+            <a:endParaRPr lang="zh-CN" sz="2665" dirty="0">
+              <a:solidFill>
+                <a:srgbClr val="183A5D"/>
+              </a:solidFill>
+              <a:latin typeface="微软雅黑" panose="020B0503020204020204" pitchFamily="34" charset="-122"/>
+              <a:ea typeface="微软雅黑" panose="020B0503020204020204" pitchFamily="34" charset="-122"/>
+            </a:endParaRPr>
+          </a:p>
+        </p:txBody>
+      </p:sp>
+      <p:sp>
+        <p:nvSpPr>
+          <p:cNvPr id="6" name="文本框 5"/>
+          <p:cNvSpPr txBox="1"/>
+          <p:nvPr/>
+        </p:nvSpPr>
+        <p:spPr>
+          <a:xfrm>
+            <a:off x="2134766" y="159817"/>
+            <a:ext cx="6052718" cy="501650"/>
+          </a:xfrm>
+          <a:prstGeom prst="rect">
+            <a:avLst/>
+          </a:prstGeom>
+          <a:noFill/>
+        </p:spPr>
+        <p:txBody>
+          <a:bodyPr wrap="square" rtlCol="0">
+            <a:spAutoFit/>
+          </a:bodyPr>
+          <a:lstStyle/>
+          <a:p>
+            <a:r>
+              <a:rPr lang="zh-CN" altLang="en-US" sz="2665" dirty="0" smtClean="0">
+                <a:solidFill>
+                  <a:srgbClr val="183A5D"/>
+                </a:solidFill>
+                <a:latin typeface="微软雅黑" panose="020B0503020204020204" pitchFamily="34" charset="-122"/>
+                <a:ea typeface="微软雅黑" panose="020B0503020204020204" pitchFamily="34" charset="-122"/>
+              </a:rPr>
+              <a:t>组件图</a:t>
+            </a:r>
+            <a:r>
+              <a:rPr lang="en-US" altLang="zh-CN" sz="2665" dirty="0" smtClean="0">
+                <a:solidFill>
+                  <a:srgbClr val="183A5D"/>
+                </a:solidFill>
+                <a:latin typeface="微软雅黑" panose="020B0503020204020204" pitchFamily="34" charset="-122"/>
+                <a:ea typeface="微软雅黑" panose="020B0503020204020204" pitchFamily="34" charset="-122"/>
+              </a:rPr>
+              <a:t>&amp;</a:t>
+            </a:r>
+            <a:r>
+              <a:rPr lang="zh-CN" altLang="en-US" sz="2665" dirty="0" smtClean="0">
+                <a:solidFill>
+                  <a:srgbClr val="183A5D"/>
+                </a:solidFill>
+                <a:latin typeface="微软雅黑" panose="020B0503020204020204" pitchFamily="34" charset="-122"/>
+                <a:ea typeface="微软雅黑" panose="020B0503020204020204" pitchFamily="34" charset="-122"/>
+              </a:rPr>
+              <a:t>部署</a:t>
+            </a:r>
+            <a:r>
+              <a:rPr lang="zh-CN" altLang="en-US" sz="2665" dirty="0">
+                <a:solidFill>
+                  <a:srgbClr val="183A5D"/>
+                </a:solidFill>
+                <a:latin typeface="微软雅黑" panose="020B0503020204020204" pitchFamily="34" charset="-122"/>
+                <a:ea typeface="微软雅黑" panose="020B0503020204020204" pitchFamily="34" charset="-122"/>
+              </a:rPr>
+              <a:t>图</a:t>
+            </a:r>
+            <a:endParaRPr lang="zh-CN" sz="2665" dirty="0">
+              <a:solidFill>
+                <a:srgbClr val="183A5D"/>
+              </a:solidFill>
+              <a:latin typeface="微软雅黑" panose="020B0503020204020204" pitchFamily="34" charset="-122"/>
+              <a:ea typeface="微软雅黑" panose="020B0503020204020204" pitchFamily="34" charset="-122"/>
+            </a:endParaRPr>
+          </a:p>
+        </p:txBody>
+      </p:sp>
+      <p:grpSp>
+        <p:nvGrpSpPr>
+          <p:cNvPr id="10" name="组合 9"/>
+          <p:cNvGrpSpPr/>
+          <p:nvPr/>
+        </p:nvGrpSpPr>
+        <p:grpSpPr>
+          <a:xfrm>
+            <a:off x="236855" y="1269365"/>
+            <a:ext cx="9032240" cy="4896485"/>
+            <a:chOff x="1285643" y="1772435"/>
+            <a:chExt cx="7135479" cy="3572664"/>
+          </a:xfrm>
+        </p:grpSpPr>
+        <p:sp>
+          <p:nvSpPr>
+            <p:cNvPr id="11" name="矩形 10"/>
+            <p:cNvSpPr/>
+            <p:nvPr/>
+          </p:nvSpPr>
+          <p:spPr>
+            <a:xfrm>
+              <a:off x="1285644" y="2104682"/>
+              <a:ext cx="7135478" cy="3240417"/>
+            </a:xfrm>
+            <a:prstGeom prst="rect">
+              <a:avLst/>
+            </a:prstGeom>
+            <a:noFill/>
+            <a:ln w="12700">
+              <a:solidFill>
+                <a:srgbClr val="346182"/>
+              </a:solidFill>
+            </a:ln>
+          </p:spPr>
+          <p:style>
+            <a:lnRef idx="2">
+              <a:schemeClr val="accent1">
+                <a:shade val="50000"/>
+              </a:schemeClr>
+            </a:lnRef>
+            <a:fillRef idx="1">
+              <a:schemeClr val="accent1"/>
+            </a:fillRef>
+            <a:effectRef idx="0">
+              <a:schemeClr val="accent1"/>
+            </a:effectRef>
+            <a:fontRef idx="minor">
+              <a:schemeClr val="lt1"/>
+            </a:fontRef>
+          </p:style>
+          <p:txBody>
+            <a:bodyPr rtlCol="0" anchor="ctr"/>
+            <a:lstStyle/>
+            <a:p>
+              <a:pPr algn="ctr"/>
+              <a:endParaRPr lang="zh-CN" altLang="en-US" sz="1350"/>
+            </a:p>
+          </p:txBody>
+        </p:sp>
+        <p:sp>
+          <p:nvSpPr>
+            <p:cNvPr id="12" name="矩形 11"/>
+            <p:cNvSpPr/>
+            <p:nvPr/>
+          </p:nvSpPr>
+          <p:spPr>
+            <a:xfrm>
+              <a:off x="1285643" y="1772435"/>
+              <a:ext cx="2114216" cy="338554"/>
+            </a:xfrm>
+            <a:prstGeom prst="rect">
+              <a:avLst/>
+            </a:prstGeom>
+            <a:solidFill>
+              <a:srgbClr val="183A5D"/>
+            </a:solidFill>
+            <a:ln>
+              <a:noFill/>
+            </a:ln>
+          </p:spPr>
+          <p:style>
+            <a:lnRef idx="2">
+              <a:schemeClr val="accent1">
+                <a:shade val="50000"/>
+              </a:schemeClr>
+            </a:lnRef>
+            <a:fillRef idx="1">
+              <a:schemeClr val="accent1"/>
+            </a:fillRef>
+            <a:effectRef idx="0">
+              <a:schemeClr val="accent1"/>
+            </a:effectRef>
+            <a:fontRef idx="minor">
+              <a:schemeClr val="lt1"/>
+            </a:fontRef>
+          </p:style>
+          <p:txBody>
+            <a:bodyPr rtlCol="0" anchor="ctr"/>
+            <a:lstStyle/>
+            <a:p>
+              <a:pPr algn="ctr"/>
+              <a:endParaRPr lang="zh-CN" altLang="en-US" sz="1350"/>
+            </a:p>
+          </p:txBody>
+        </p:sp>
+      </p:grpSp>
+      <p:sp>
+        <p:nvSpPr>
+          <p:cNvPr id="13" name="矩形 12"/>
+          <p:cNvSpPr/>
+          <p:nvPr/>
+        </p:nvSpPr>
+        <p:spPr>
+          <a:xfrm>
             <a:off x="406574" y="1989634"/>
             <a:ext cx="6092825" cy="2825389"/>
           </a:xfrm>
@@ -22247,7 +22806,15 @@
                   <a:srgbClr val="FF0000"/>
                 </a:solidFill>
               </a:rPr>
-              <a:t>部署图</a:t>
+              <a:t>部署</a:t>
+            </a:r>
+            <a:r>
+              <a:rPr lang="zh-CN" altLang="en-US" sz="2400" b="1" dirty="0" smtClean="0">
+                <a:solidFill>
+                  <a:srgbClr val="FF0000"/>
+                </a:solidFill>
+              </a:rPr>
+              <a:t>图</a:t>
             </a:r>
             <a:endParaRPr lang="en-US" altLang="zh-CN" sz="2400" b="1" dirty="0">
               <a:solidFill>
@@ -22309,11 +22876,15 @@
               <a:rPr lang="zh-CN" altLang="en-US" sz="2000" dirty="0"/>
               <a:t>结点，组件，关系</a:t>
             </a:r>
-            <a:endParaRPr lang="zh-CN" altLang="en-US" sz="2000" dirty="0"/>
           </a:p>
         </p:txBody>
       </p:sp>
     </p:spTree>
+    <p:extLst>
+      <p:ext uri="{BB962C8B-B14F-4D97-AF65-F5344CB8AC3E}">
+        <p14:creationId xmlns:p14="http://schemas.microsoft.com/office/powerpoint/2010/main" val="1822761400"/>
+      </p:ext>
+    </p:extLst>
   </p:cSld>
   <p:clrMapOvr>
     <a:masterClrMapping/>
@@ -22321,10 +22892,17 @@
   <p:transition spd="slow" advClick="0" advTm="0">
     <p:wipe/>
   </p:transition>
+  <p:timing>
+    <p:tnLst>
+      <p:par>
+        <p:cTn id="1" dur="indefinite" restart="never" nodeType="tmRoot"/>
+      </p:par>
+    </p:tnLst>
+  </p:timing>
 </p:sld>
 </file>
 
-<file path=ppt/slides/slide37.xml><?xml version="1.0" encoding="utf-8"?>
+<file path=ppt/slides/slide39.xml><?xml version="1.0" encoding="utf-8"?>
 <p:sld xmlns:a="http://schemas.openxmlformats.org/drawingml/2006/main" xmlns:r="http://schemas.openxmlformats.org/officeDocument/2006/relationships" xmlns:p="http://schemas.openxmlformats.org/presentationml/2006/main">
   <p:cSld>
     <p:spTree>
@@ -22433,7 +23011,6 @@
               <a:rPr lang="en-US" sz="2400" dirty="0"/>
               <a:t>7</a:t>
             </a:r>
-            <a:endParaRPr lang="en-US" sz="2400" dirty="0"/>
           </a:p>
         </p:txBody>
       </p:sp>
@@ -22525,7 +23102,6 @@
               <a:rPr lang="zh-CN" altLang="en-US" dirty="0"/>
               <a:t>，系统中涉及的处理器、设备、连接和过程。处理器是网络中处理功能所在的机器，包括服务器和工作站，不包括打印机扫描仪之类的设备。处理器用来运行进程（执行代码）。一个项目只有一个部署图。</a:t>
             </a:r>
-            <a:endParaRPr lang="zh-CN" altLang="en-US" dirty="0"/>
           </a:p>
         </p:txBody>
       </p:sp>
@@ -22538,7 +23114,7 @@
           <p:nvPr/>
         </p:nvPicPr>
         <p:blipFill>
-          <a:blip r:embed="rId1"/>
+          <a:blip r:embed="rId2"/>
           <a:stretch>
             <a:fillRect/>
           </a:stretch>
@@ -22561,1232 +23137,12 @@
   <p:transition spd="slow" advClick="0" advTm="0">
     <p:wipe/>
   </p:transition>
-</p:sld>
-</file>
-
-<file path=ppt/slides/slide38.xml><?xml version="1.0" encoding="utf-8"?>
-<p:sld xmlns:a="http://schemas.openxmlformats.org/drawingml/2006/main" xmlns:r="http://schemas.openxmlformats.org/officeDocument/2006/relationships" xmlns:p="http://schemas.openxmlformats.org/presentationml/2006/main">
-  <p:cSld>
-    <p:spTree>
-      <p:nvGrpSpPr>
-        <p:cNvPr id="1" name=""/>
-        <p:cNvGrpSpPr/>
-        <p:nvPr/>
-      </p:nvGrpSpPr>
-      <p:grpSpPr>
-        <a:xfrm>
-          <a:off x="0" y="0"/>
-          <a:ext cx="0" cy="0"/>
-          <a:chOff x="0" y="0"/>
-          <a:chExt cx="0" cy="0"/>
-        </a:xfrm>
-      </p:grpSpPr>
-      <p:sp>
-        <p:nvSpPr>
-          <p:cNvPr id="36" name="矩形 35"/>
-          <p:cNvSpPr/>
-          <p:nvPr/>
-        </p:nvSpPr>
-        <p:spPr>
-          <a:xfrm>
-            <a:off x="-106680" y="0"/>
-            <a:ext cx="2938780" cy="6859270"/>
-          </a:xfrm>
-          <a:prstGeom prst="rect">
-            <a:avLst/>
-          </a:prstGeom>
-          <a:solidFill>
-            <a:srgbClr val="38B1BF"/>
-          </a:solidFill>
-          <a:ln>
-            <a:noFill/>
-          </a:ln>
-          <a:effectLst>
-            <a:outerShdw blurRad="50800" dist="38100" dir="2700000" algn="tl" rotWithShape="0">
-              <a:prstClr val="black">
-                <a:alpha val="40000"/>
-              </a:prstClr>
-            </a:outerShdw>
-          </a:effectLst>
-          <a:scene3d>
-            <a:camera prst="orthographicFront"/>
-            <a:lightRig rig="threePt" dir="t"/>
-          </a:scene3d>
-          <a:sp3d/>
-        </p:spPr>
-        <p:style>
-          <a:lnRef idx="1">
-            <a:schemeClr val="accent1"/>
-          </a:lnRef>
-          <a:fillRef idx="0">
-            <a:schemeClr val="accent1"/>
-          </a:fillRef>
-          <a:effectRef idx="0">
-            <a:schemeClr val="accent1"/>
-          </a:effectRef>
-          <a:fontRef idx="minor">
-            <a:schemeClr val="tx1"/>
-          </a:fontRef>
-        </p:style>
-        <p:txBody>
-          <a:bodyPr rot="0" spcFirstLastPara="0" vertOverflow="overflow" horzOverflow="overflow" vert="horz" wrap="square" lIns="91440" tIns="45720" rIns="91440" bIns="45720" numCol="1" spcCol="0" rtlCol="0" fromWordArt="0" anchor="ctr" anchorCtr="0" forceAA="0" compatLnSpc="1">
-            <a:noAutofit/>
-          </a:bodyPr>
-          <a:lstStyle/>
-          <a:p>
-            <a:pPr algn="ctr"/>
-            <a:endParaRPr lang="zh-CN" altLang="en-US">
-              <a:solidFill>
-                <a:prstClr val="black"/>
-              </a:solidFill>
-            </a:endParaRPr>
-          </a:p>
-        </p:txBody>
-      </p:sp>
-      <p:sp>
-        <p:nvSpPr>
-          <p:cNvPr id="37" name="TextBox 36"/>
-          <p:cNvSpPr txBox="1"/>
-          <p:nvPr/>
-        </p:nvSpPr>
-        <p:spPr>
-          <a:xfrm>
-            <a:off x="-276651" y="2922512"/>
-            <a:ext cx="2808312" cy="614045"/>
-          </a:xfrm>
-          <a:prstGeom prst="rect">
-            <a:avLst/>
-          </a:prstGeom>
-          <a:noFill/>
-        </p:spPr>
-        <p:txBody>
-          <a:bodyPr wrap="square" lIns="121948" tIns="60973" rIns="121948" bIns="60973">
-            <a:spAutoFit/>
-          </a:bodyPr>
-          <a:lstStyle/>
-          <a:p>
-            <a:pPr algn="r">
-              <a:defRPr/>
-            </a:pPr>
-            <a:r>
-              <a:rPr lang="zh-CN" altLang="en-US" sz="3200" b="1" dirty="0">
-                <a:solidFill>
-                  <a:prstClr val="white"/>
-                </a:solidFill>
-                <a:latin typeface="微软雅黑" panose="020B0503020204020204" pitchFamily="34" charset="-122"/>
-                <a:ea typeface="微软雅黑" panose="020B0503020204020204" pitchFamily="34" charset="-122"/>
-              </a:rPr>
-              <a:t>提问</a:t>
-            </a:r>
-            <a:endParaRPr lang="zh-CN" altLang="en-US" sz="3200" b="1" dirty="0">
-              <a:solidFill>
-                <a:prstClr val="white"/>
-              </a:solidFill>
-              <a:latin typeface="微软雅黑" panose="020B0503020204020204" pitchFamily="34" charset="-122"/>
-              <a:ea typeface="微软雅黑" panose="020B0503020204020204" pitchFamily="34" charset="-122"/>
-            </a:endParaRPr>
-          </a:p>
-        </p:txBody>
-      </p:sp>
-      <p:sp>
-        <p:nvSpPr>
-          <p:cNvPr id="2" name="TextBox 1"/>
-          <p:cNvSpPr txBox="1"/>
-          <p:nvPr/>
-        </p:nvSpPr>
-        <p:spPr>
-          <a:xfrm>
-            <a:off x="4078982" y="1341562"/>
-            <a:ext cx="7416824" cy="1077218"/>
-          </a:xfrm>
-          <a:prstGeom prst="rect">
-            <a:avLst/>
-          </a:prstGeom>
-          <a:noFill/>
-        </p:spPr>
-        <p:txBody>
-          <a:bodyPr wrap="square" rtlCol="0">
-            <a:spAutoFit/>
-          </a:bodyPr>
-          <a:lstStyle/>
-          <a:p>
-            <a:r>
-              <a:rPr lang="en-US" altLang="zh-CN" sz="3200" dirty="0"/>
-              <a:t>1.</a:t>
-            </a:r>
-            <a:r>
-              <a:rPr lang="zh-CN" altLang="en-US" sz="3200" dirty="0"/>
-              <a:t>顺序图中的消息分为四种，分别是哪四种</a:t>
-            </a:r>
-            <a:r>
-              <a:rPr lang="zh-CN" altLang="en-US" sz="2800" dirty="0"/>
-              <a:t>？</a:t>
-            </a:r>
-            <a:endParaRPr lang="zh-CN" altLang="en-US" sz="2800" dirty="0"/>
-          </a:p>
-        </p:txBody>
-      </p:sp>
-      <p:sp>
-        <p:nvSpPr>
-          <p:cNvPr id="4" name="TextBox 3"/>
-          <p:cNvSpPr txBox="1"/>
-          <p:nvPr/>
-        </p:nvSpPr>
-        <p:spPr>
-          <a:xfrm>
-            <a:off x="4056957" y="2997948"/>
-            <a:ext cx="5400600" cy="1077218"/>
-          </a:xfrm>
-          <a:prstGeom prst="rect">
-            <a:avLst/>
-          </a:prstGeom>
-          <a:noFill/>
-        </p:spPr>
-        <p:txBody>
-          <a:bodyPr wrap="square" rtlCol="0">
-            <a:spAutoFit/>
-          </a:bodyPr>
-          <a:lstStyle/>
-          <a:p>
-            <a:r>
-              <a:rPr lang="en-US" altLang="zh-CN" sz="3200" dirty="0"/>
-              <a:t>2.</a:t>
-            </a:r>
-            <a:r>
-              <a:rPr lang="zh-CN" altLang="en-US" sz="3200" dirty="0"/>
-              <a:t>类图中关联关系的组合关系是什么？请用自己的话描述。</a:t>
-            </a:r>
-            <a:endParaRPr lang="zh-CN" altLang="en-US" sz="3200" dirty="0"/>
-          </a:p>
-        </p:txBody>
-      </p:sp>
-      <p:sp>
-        <p:nvSpPr>
-          <p:cNvPr id="5" name="TextBox 4"/>
-          <p:cNvSpPr txBox="1"/>
-          <p:nvPr/>
-        </p:nvSpPr>
-        <p:spPr>
-          <a:xfrm>
-            <a:off x="4078982" y="4725938"/>
-            <a:ext cx="7056784" cy="584775"/>
-          </a:xfrm>
-          <a:prstGeom prst="rect">
-            <a:avLst/>
-          </a:prstGeom>
-          <a:noFill/>
-        </p:spPr>
-        <p:txBody>
-          <a:bodyPr wrap="square" rtlCol="0">
-            <a:spAutoFit/>
-          </a:bodyPr>
-          <a:lstStyle/>
-          <a:p>
-            <a:r>
-              <a:rPr lang="en-US" altLang="zh-CN" sz="3200" dirty="0"/>
-              <a:t>3.</a:t>
-            </a:r>
-            <a:r>
-              <a:rPr lang="zh-CN" altLang="en-US" sz="3200" dirty="0"/>
-              <a:t>通信图的基本元素组成是什么？</a:t>
-            </a:r>
-            <a:endParaRPr lang="zh-CN" altLang="en-US" sz="3200" dirty="0"/>
-          </a:p>
-        </p:txBody>
-      </p:sp>
-    </p:spTree>
-  </p:cSld>
-  <p:clrMapOvr>
-    <a:masterClrMapping/>
-  </p:clrMapOvr>
-  <mc:AlternateContent xmlns:mc="http://schemas.openxmlformats.org/markup-compatibility/2006">
-    <mc:Choice xmlns:p14="http://schemas.microsoft.com/office/powerpoint/2010/main" Requires="p14">
-      <p:transition spd="slow" p14:dur="1200" advClick="0" advTm="0">
-        <p14:prism/>
-      </p:transition>
-    </mc:Choice>
-    <mc:Fallback>
-      <p:transition spd="slow" advClick="0" advTm="0">
-        <p:fade/>
-      </p:transition>
-    </mc:Fallback>
-  </mc:AlternateContent>
   <p:timing>
     <p:tnLst>
       <p:par>
-        <p:cTn id="1" dur="indefinite" restart="never" nodeType="tmRoot">
-          <p:childTnLst>
-            <p:seq concurrent="1" nextAc="seek">
-              <p:cTn id="2" dur="indefinite" nodeType="mainSeq">
-                <p:childTnLst>
-                  <p:par>
-                    <p:cTn id="3" fill="hold">
-                      <p:stCondLst>
-                        <p:cond delay="indefinite"/>
-                        <p:cond evt="onBegin" delay="0">
-                          <p:tn val="2"/>
-                        </p:cond>
-                      </p:stCondLst>
-                      <p:childTnLst>
-                        <p:par>
-                          <p:cTn id="4" fill="hold">
-                            <p:stCondLst>
-                              <p:cond delay="0"/>
-                            </p:stCondLst>
-                            <p:childTnLst>
-                              <p:par>
-                                <p:cTn id="5" presetID="2" presetClass="entr" presetSubtype="8" fill="hold" grpId="0" nodeType="afterEffect">
-                                  <p:stCondLst>
-                                    <p:cond delay="0"/>
-                                  </p:stCondLst>
-                                  <p:childTnLst>
-                                    <p:set>
-                                      <p:cBhvr>
-                                        <p:cTn id="6" dur="1" fill="hold">
-                                          <p:stCondLst>
-                                            <p:cond delay="0"/>
-                                          </p:stCondLst>
-                                        </p:cTn>
-                                        <p:tgtEl>
-                                          <p:spTgt spid="36"/>
-                                        </p:tgtEl>
-                                        <p:attrNameLst>
-                                          <p:attrName>style.visibility</p:attrName>
-                                        </p:attrNameLst>
-                                      </p:cBhvr>
-                                      <p:to>
-                                        <p:strVal val="visible"/>
-                                      </p:to>
-                                    </p:set>
-                                    <p:anim calcmode="lin" valueType="num">
-                                      <p:cBhvr additive="base">
-                                        <p:cTn id="7" dur="500" fill="hold"/>
-                                        <p:tgtEl>
-                                          <p:spTgt spid="36"/>
-                                        </p:tgtEl>
-                                        <p:attrNameLst>
-                                          <p:attrName>ppt_x</p:attrName>
-                                        </p:attrNameLst>
-                                      </p:cBhvr>
-                                      <p:tavLst>
-                                        <p:tav tm="0">
-                                          <p:val>
-                                            <p:strVal val="0-#ppt_w/2"/>
-                                          </p:val>
-                                        </p:tav>
-                                        <p:tav tm="100000">
-                                          <p:val>
-                                            <p:strVal val="#ppt_x"/>
-                                          </p:val>
-                                        </p:tav>
-                                      </p:tavLst>
-                                    </p:anim>
-                                    <p:anim calcmode="lin" valueType="num">
-                                      <p:cBhvr additive="base">
-                                        <p:cTn id="8" dur="500" fill="hold"/>
-                                        <p:tgtEl>
-                                          <p:spTgt spid="36"/>
-                                        </p:tgtEl>
-                                        <p:attrNameLst>
-                                          <p:attrName>ppt_y</p:attrName>
-                                        </p:attrNameLst>
-                                      </p:cBhvr>
-                                      <p:tavLst>
-                                        <p:tav tm="0">
-                                          <p:val>
-                                            <p:strVal val="#ppt_y"/>
-                                          </p:val>
-                                        </p:tav>
-                                        <p:tav tm="100000">
-                                          <p:val>
-                                            <p:strVal val="#ppt_y"/>
-                                          </p:val>
-                                        </p:tav>
-                                      </p:tavLst>
-                                    </p:anim>
-                                  </p:childTnLst>
-                                </p:cTn>
-                              </p:par>
-                            </p:childTnLst>
-                          </p:cTn>
-                        </p:par>
-                        <p:par>
-                          <p:cTn id="9" fill="hold">
-                            <p:stCondLst>
-                              <p:cond delay="500"/>
-                            </p:stCondLst>
-                            <p:childTnLst>
-                              <p:par>
-                                <p:cTn id="10" presetID="17" presetClass="entr" presetSubtype="1" fill="hold" grpId="0" nodeType="afterEffect">
-                                  <p:stCondLst>
-                                    <p:cond delay="0"/>
-                                  </p:stCondLst>
-                                  <p:iterate type="lt">
-                                    <p:tmPct val="40000"/>
-                                  </p:iterate>
-                                  <p:childTnLst>
-                                    <p:set>
-                                      <p:cBhvr>
-                                        <p:cTn id="11" dur="1" fill="hold">
-                                          <p:stCondLst>
-                                            <p:cond delay="0"/>
-                                          </p:stCondLst>
-                                        </p:cTn>
-                                        <p:tgtEl>
-                                          <p:spTgt spid="37"/>
-                                        </p:tgtEl>
-                                        <p:attrNameLst>
-                                          <p:attrName>style.visibility</p:attrName>
-                                        </p:attrNameLst>
-                                      </p:cBhvr>
-                                      <p:to>
-                                        <p:strVal val="visible"/>
-                                      </p:to>
-                                    </p:set>
-                                    <p:anim calcmode="lin" valueType="num">
-                                      <p:cBhvr>
-                                        <p:cTn id="12" dur="250" fill="hold"/>
-                                        <p:tgtEl>
-                                          <p:spTgt spid="37"/>
-                                        </p:tgtEl>
-                                        <p:attrNameLst>
-                                          <p:attrName>ppt_x</p:attrName>
-                                        </p:attrNameLst>
-                                      </p:cBhvr>
-                                      <p:tavLst>
-                                        <p:tav tm="0">
-                                          <p:val>
-                                            <p:strVal val="#ppt_x"/>
-                                          </p:val>
-                                        </p:tav>
-                                        <p:tav tm="100000">
-                                          <p:val>
-                                            <p:strVal val="#ppt_x"/>
-                                          </p:val>
-                                        </p:tav>
-                                      </p:tavLst>
-                                    </p:anim>
-                                    <p:anim calcmode="lin" valueType="num">
-                                      <p:cBhvr>
-                                        <p:cTn id="13" dur="250" fill="hold"/>
-                                        <p:tgtEl>
-                                          <p:spTgt spid="37"/>
-                                        </p:tgtEl>
-                                        <p:attrNameLst>
-                                          <p:attrName>ppt_y</p:attrName>
-                                        </p:attrNameLst>
-                                      </p:cBhvr>
-                                      <p:tavLst>
-                                        <p:tav tm="0">
-                                          <p:val>
-                                            <p:strVal val="#ppt_y-#ppt_h/2"/>
-                                          </p:val>
-                                        </p:tav>
-                                        <p:tav tm="100000">
-                                          <p:val>
-                                            <p:strVal val="#ppt_y"/>
-                                          </p:val>
-                                        </p:tav>
-                                      </p:tavLst>
-                                    </p:anim>
-                                    <p:anim calcmode="lin" valueType="num">
-                                      <p:cBhvr>
-                                        <p:cTn id="14" dur="250" fill="hold"/>
-                                        <p:tgtEl>
-                                          <p:spTgt spid="37"/>
-                                        </p:tgtEl>
-                                        <p:attrNameLst>
-                                          <p:attrName>ppt_w</p:attrName>
-                                        </p:attrNameLst>
-                                      </p:cBhvr>
-                                      <p:tavLst>
-                                        <p:tav tm="0">
-                                          <p:val>
-                                            <p:strVal val="#ppt_w"/>
-                                          </p:val>
-                                        </p:tav>
-                                        <p:tav tm="100000">
-                                          <p:val>
-                                            <p:strVal val="#ppt_w"/>
-                                          </p:val>
-                                        </p:tav>
-                                      </p:tavLst>
-                                    </p:anim>
-                                    <p:anim calcmode="lin" valueType="num">
-                                      <p:cBhvr>
-                                        <p:cTn id="15" dur="250" fill="hold"/>
-                                        <p:tgtEl>
-                                          <p:spTgt spid="37"/>
-                                        </p:tgtEl>
-                                        <p:attrNameLst>
-                                          <p:attrName>ppt_h</p:attrName>
-                                        </p:attrNameLst>
-                                      </p:cBhvr>
-                                      <p:tavLst>
-                                        <p:tav tm="0">
-                                          <p:val>
-                                            <p:fltVal val="0"/>
-                                          </p:val>
-                                        </p:tav>
-                                        <p:tav tm="100000">
-                                          <p:val>
-                                            <p:strVal val="#ppt_h"/>
-                                          </p:val>
-                                        </p:tav>
-                                      </p:tavLst>
-                                    </p:anim>
-                                  </p:childTnLst>
-                                </p:cTn>
-                              </p:par>
-                            </p:childTnLst>
-                          </p:cTn>
-                        </p:par>
-                      </p:childTnLst>
-                    </p:cTn>
-                  </p:par>
-                </p:childTnLst>
-              </p:cTn>
-              <p:prevCondLst>
-                <p:cond evt="onPrev" delay="0">
-                  <p:tgtEl>
-                    <p:sldTgt/>
-                  </p:tgtEl>
-                </p:cond>
-              </p:prevCondLst>
-              <p:nextCondLst>
-                <p:cond evt="onNext" delay="0">
-                  <p:tgtEl>
-                    <p:sldTgt/>
-                  </p:tgtEl>
-                </p:cond>
-              </p:nextCondLst>
-            </p:seq>
-          </p:childTnLst>
-        </p:cTn>
+        <p:cTn id="1" dur="indefinite" restart="never" nodeType="tmRoot"/>
       </p:par>
     </p:tnLst>
-    <p:bldLst>
-      <p:bldP spid="36" grpId="0" bldLvl="0" animBg="1"/>
-      <p:bldP spid="37" grpId="0"/>
-    </p:bldLst>
-  </p:timing>
-</p:sld>
-</file>
-
-<file path=ppt/slides/slide39.xml><?xml version="1.0" encoding="utf-8"?>
-<p:sld xmlns:a="http://schemas.openxmlformats.org/drawingml/2006/main" xmlns:r="http://schemas.openxmlformats.org/officeDocument/2006/relationships" xmlns:p="http://schemas.openxmlformats.org/presentationml/2006/main">
-  <p:cSld>
-    <p:spTree>
-      <p:nvGrpSpPr>
-        <p:cNvPr id="1" name=""/>
-        <p:cNvGrpSpPr/>
-        <p:nvPr/>
-      </p:nvGrpSpPr>
-      <p:grpSpPr>
-        <a:xfrm>
-          <a:off x="0" y="0"/>
-          <a:ext cx="0" cy="0"/>
-          <a:chOff x="0" y="0"/>
-          <a:chExt cx="0" cy="0"/>
-        </a:xfrm>
-      </p:grpSpPr>
-      <p:sp>
-        <p:nvSpPr>
-          <p:cNvPr id="36" name="矩形 35"/>
-          <p:cNvSpPr/>
-          <p:nvPr/>
-        </p:nvSpPr>
-        <p:spPr>
-          <a:xfrm>
-            <a:off x="-106680" y="0"/>
-            <a:ext cx="2938780" cy="6859270"/>
-          </a:xfrm>
-          <a:prstGeom prst="rect">
-            <a:avLst/>
-          </a:prstGeom>
-          <a:solidFill>
-            <a:srgbClr val="38B1BF"/>
-          </a:solidFill>
-          <a:ln>
-            <a:noFill/>
-          </a:ln>
-          <a:effectLst>
-            <a:outerShdw blurRad="50800" dist="38100" dir="2700000" algn="tl" rotWithShape="0">
-              <a:prstClr val="black">
-                <a:alpha val="40000"/>
-              </a:prstClr>
-            </a:outerShdw>
-          </a:effectLst>
-          <a:scene3d>
-            <a:camera prst="orthographicFront"/>
-            <a:lightRig rig="threePt" dir="t"/>
-          </a:scene3d>
-          <a:sp3d/>
-        </p:spPr>
-        <p:style>
-          <a:lnRef idx="1">
-            <a:schemeClr val="accent1"/>
-          </a:lnRef>
-          <a:fillRef idx="0">
-            <a:schemeClr val="accent1"/>
-          </a:fillRef>
-          <a:effectRef idx="0">
-            <a:schemeClr val="accent1"/>
-          </a:effectRef>
-          <a:fontRef idx="minor">
-            <a:schemeClr val="tx1"/>
-          </a:fontRef>
-        </p:style>
-        <p:txBody>
-          <a:bodyPr rot="0" spcFirstLastPara="0" vertOverflow="overflow" horzOverflow="overflow" vert="horz" wrap="square" lIns="91440" tIns="45720" rIns="91440" bIns="45720" numCol="1" spcCol="0" rtlCol="0" fromWordArt="0" anchor="ctr" anchorCtr="0" forceAA="0" compatLnSpc="1">
-            <a:noAutofit/>
-          </a:bodyPr>
-          <a:lstStyle/>
-          <a:p>
-            <a:pPr algn="ctr"/>
-            <a:endParaRPr lang="zh-CN" altLang="en-US"/>
-          </a:p>
-        </p:txBody>
-      </p:sp>
-      <p:sp>
-        <p:nvSpPr>
-          <p:cNvPr id="37" name="TextBox 36"/>
-          <p:cNvSpPr txBox="1"/>
-          <p:nvPr/>
-        </p:nvSpPr>
-        <p:spPr>
-          <a:xfrm>
-            <a:off x="-276651" y="2922512"/>
-            <a:ext cx="2808312" cy="614045"/>
-          </a:xfrm>
-          <a:prstGeom prst="rect">
-            <a:avLst/>
-          </a:prstGeom>
-          <a:noFill/>
-        </p:spPr>
-        <p:txBody>
-          <a:bodyPr wrap="square" lIns="121948" tIns="60973" rIns="121948" bIns="60973">
-            <a:spAutoFit/>
-          </a:bodyPr>
-          <a:lstStyle/>
-          <a:p>
-            <a:pPr algn="r">
-              <a:defRPr/>
-            </a:pPr>
-            <a:r>
-              <a:rPr lang="zh-CN" altLang="en-US" sz="3200" b="1" dirty="0">
-                <a:solidFill>
-                  <a:schemeClr val="bg1"/>
-                </a:solidFill>
-                <a:latin typeface="微软雅黑" panose="020B0503020204020204" pitchFamily="34" charset="-122"/>
-                <a:ea typeface="微软雅黑" panose="020B0503020204020204" pitchFamily="34" charset="-122"/>
-              </a:rPr>
-              <a:t>参考文献</a:t>
-            </a:r>
-            <a:endParaRPr lang="zh-CN" sz="3200" b="1" dirty="0">
-              <a:solidFill>
-                <a:schemeClr val="bg1"/>
-              </a:solidFill>
-              <a:latin typeface="微软雅黑" panose="020B0503020204020204" pitchFamily="34" charset="-122"/>
-              <a:ea typeface="微软雅黑" panose="020B0503020204020204" pitchFamily="34" charset="-122"/>
-            </a:endParaRPr>
-          </a:p>
-        </p:txBody>
-      </p:sp>
-      <p:graphicFrame>
-        <p:nvGraphicFramePr>
-          <p:cNvPr id="3" name="表格 2"/>
-          <p:cNvGraphicFramePr/>
-          <p:nvPr/>
-        </p:nvGraphicFramePr>
-        <p:xfrm>
-          <a:off x="3934967" y="1629594"/>
-          <a:ext cx="6984474" cy="2606040"/>
-        </p:xfrm>
-        <a:graphic>
-          <a:graphicData uri="http://schemas.openxmlformats.org/drawingml/2006/table">
-            <a:tbl>
-              <a:tblPr firstRow="1" bandRow="1">
-                <a:tableStyleId>{5C22544A-7EE6-4342-B048-85BDC9FD1C3A}</a:tableStyleId>
-              </a:tblPr>
-              <a:tblGrid>
-                <a:gridCol w="2738864"/>
-                <a:gridCol w="4245610"/>
-              </a:tblGrid>
-              <a:tr h="1322630">
-                <a:tc>
-                  <a:txBody>
-                    <a:bodyPr/>
-                    <a:lstStyle/>
-                    <a:p>
-                      <a:pPr marL="0" marR="0" indent="0" algn="l" defTabSz="1088390" rtl="0" eaLnBrk="1" fontAlgn="auto" latinLnBrk="0" hangingPunct="1">
-                        <a:lnSpc>
-                          <a:spcPct val="100000"/>
-                        </a:lnSpc>
-                        <a:spcBef>
-                          <a:spcPts val="0"/>
-                        </a:spcBef>
-                        <a:spcAft>
-                          <a:spcPts val="0"/>
-                        </a:spcAft>
-                        <a:buClrTx/>
-                        <a:buSzTx/>
-                        <a:buFontTx/>
-                        <a:buNone/>
-                        <a:defRPr/>
-                      </a:pPr>
-                      <a:r>
-                        <a:rPr sz="2400" b="0" dirty="0">
-                          <a:solidFill>
-                            <a:schemeClr val="tx1"/>
-                          </a:solidFill>
-                        </a:rPr>
-                        <a:t>UML用户指南（第2版·修订版）</a:t>
-                      </a:r>
-                      <a:endParaRPr sz="2400" b="0" dirty="0">
-                        <a:solidFill>
-                          <a:schemeClr val="tx1"/>
-                        </a:solidFill>
-                      </a:endParaRPr>
-                    </a:p>
-                    <a:p>
-                      <a:pPr algn="l">
-                        <a:buNone/>
-                      </a:pPr>
-                      <a:endParaRPr lang="zh-CN" altLang="en-US" b="0" dirty="0">
-                        <a:solidFill>
-                          <a:schemeClr val="tx1"/>
-                        </a:solidFill>
-                      </a:endParaRPr>
-                    </a:p>
-                  </a:txBody>
-                  <a:tcPr>
-                    <a:solidFill>
-                      <a:schemeClr val="accent1">
-                        <a:lumMod val="40000"/>
-                        <a:lumOff val="60000"/>
-                      </a:schemeClr>
-                    </a:solidFill>
-                  </a:tcPr>
-                </a:tc>
-                <a:tc>
-                  <a:txBody>
-                    <a:bodyPr/>
-                    <a:lstStyle/>
-                    <a:p>
-                      <a:pPr algn="l"/>
-                      <a:r>
-                        <a:rPr lang="zh-CN" altLang="en-US" sz="2400" b="0" dirty="0">
-                          <a:solidFill>
-                            <a:schemeClr val="tx1"/>
-                          </a:solidFill>
-                        </a:rPr>
-                        <a:t>作者</a:t>
-                      </a:r>
-                      <a:r>
-                        <a:rPr lang="en-US" altLang="zh-CN" sz="2400" b="0" dirty="0">
-                          <a:solidFill>
-                            <a:schemeClr val="tx1"/>
-                          </a:solidFill>
-                        </a:rPr>
-                        <a:t>:Grady Booch</a:t>
-                      </a:r>
-                      <a:r>
-                        <a:rPr lang="zh-CN" altLang="en-US" sz="2400" b="0" dirty="0">
-                          <a:solidFill>
-                            <a:schemeClr val="tx1"/>
-                          </a:solidFill>
-                        </a:rPr>
-                        <a:t>、</a:t>
-                      </a:r>
-                      <a:r>
-                        <a:rPr lang="en-US" altLang="zh-CN" sz="2400" b="0" dirty="0">
-                          <a:solidFill>
-                            <a:schemeClr val="tx1"/>
-                          </a:solidFill>
-                        </a:rPr>
-                        <a:t> James Rumbaugh </a:t>
-                      </a:r>
-                      <a:r>
-                        <a:rPr lang="zh-CN" altLang="en-US" sz="2400" b="0" dirty="0">
-                          <a:solidFill>
-                            <a:schemeClr val="tx1"/>
-                          </a:solidFill>
-                        </a:rPr>
-                        <a:t>、</a:t>
-                      </a:r>
-                      <a:r>
-                        <a:rPr lang="en-US" altLang="zh-CN" sz="2400" b="0" dirty="0">
-                          <a:solidFill>
-                            <a:schemeClr val="tx1"/>
-                          </a:solidFill>
-                        </a:rPr>
-                        <a:t>Ivar Jacobson</a:t>
-                      </a:r>
-                      <a:endParaRPr lang="en-US" altLang="zh-CN" sz="2400" b="0" dirty="0">
-                        <a:solidFill>
-                          <a:schemeClr val="tx1"/>
-                        </a:solidFill>
-                      </a:endParaRPr>
-                    </a:p>
-                    <a:p>
-                      <a:pPr algn="l"/>
-                      <a:r>
-                        <a:rPr lang="zh-CN" altLang="en-US" sz="2400" b="0" dirty="0">
-                          <a:solidFill>
-                            <a:schemeClr val="tx1"/>
-                          </a:solidFill>
-                        </a:rPr>
-                        <a:t>人民邮电出版社</a:t>
-                      </a:r>
-                      <a:endParaRPr lang="en-US" altLang="zh-CN" sz="2400" b="0" dirty="0">
-                        <a:solidFill>
-                          <a:schemeClr val="tx1"/>
-                        </a:solidFill>
-                      </a:endParaRPr>
-                    </a:p>
-                    <a:p>
-                      <a:pPr algn="l"/>
-                      <a:r>
-                        <a:rPr lang="en-US" altLang="zh-CN" sz="2400" b="0" dirty="0">
-                          <a:solidFill>
-                            <a:schemeClr val="tx1"/>
-                          </a:solidFill>
-                        </a:rPr>
-                        <a:t>2013</a:t>
-                      </a:r>
-                      <a:r>
-                        <a:rPr lang="zh-CN" altLang="en-US" sz="2400" b="0" dirty="0">
-                          <a:solidFill>
-                            <a:schemeClr val="tx1"/>
-                          </a:solidFill>
-                        </a:rPr>
-                        <a:t>年</a:t>
-                      </a:r>
-                      <a:r>
-                        <a:rPr lang="en-US" altLang="zh-CN" sz="2400" b="0" dirty="0">
-                          <a:solidFill>
-                            <a:schemeClr val="tx1"/>
-                          </a:solidFill>
-                        </a:rPr>
-                        <a:t>1</a:t>
-                      </a:r>
-                      <a:r>
-                        <a:rPr lang="zh-CN" altLang="en-US" sz="2400" b="0" dirty="0">
-                          <a:solidFill>
-                            <a:schemeClr val="tx1"/>
-                          </a:solidFill>
-                        </a:rPr>
-                        <a:t>月第</a:t>
-                      </a:r>
-                      <a:r>
-                        <a:rPr lang="en-US" altLang="zh-CN" sz="2400" b="0" dirty="0">
-                          <a:solidFill>
-                            <a:schemeClr val="tx1"/>
-                          </a:solidFill>
-                        </a:rPr>
-                        <a:t>1</a:t>
-                      </a:r>
-                      <a:r>
-                        <a:rPr lang="zh-CN" altLang="en-US" sz="2400" b="0" dirty="0">
-                          <a:solidFill>
-                            <a:schemeClr val="tx1"/>
-                          </a:solidFill>
-                        </a:rPr>
-                        <a:t>版</a:t>
-                      </a:r>
-                      <a:endParaRPr lang="zh-CN" altLang="en-US" sz="2400" b="0" dirty="0">
-                        <a:solidFill>
-                          <a:schemeClr val="tx1"/>
-                        </a:solidFill>
-                      </a:endParaRPr>
-                    </a:p>
-                  </a:txBody>
-                  <a:tcPr>
-                    <a:solidFill>
-                      <a:schemeClr val="accent1">
-                        <a:lumMod val="40000"/>
-                        <a:lumOff val="60000"/>
-                      </a:schemeClr>
-                    </a:solidFill>
-                  </a:tcPr>
-                </a:tc>
-              </a:tr>
-              <a:tr h="894720">
-                <a:tc>
-                  <a:txBody>
-                    <a:bodyPr/>
-                    <a:lstStyle/>
-                    <a:p>
-                      <a:pPr algn="l">
-                        <a:buNone/>
-                      </a:pPr>
-                      <a:r>
-                        <a:rPr dirty="0">
-                          <a:solidFill>
-                            <a:schemeClr val="tx1"/>
-                          </a:solidFill>
-                        </a:rPr>
-                        <a:t>UML2基础、建模与设计教程</a:t>
-                      </a:r>
-                      <a:endParaRPr dirty="0">
-                        <a:solidFill>
-                          <a:schemeClr val="tx1"/>
-                        </a:solidFill>
-                      </a:endParaRPr>
-                    </a:p>
-                  </a:txBody>
-                  <a:tcPr/>
-                </a:tc>
-                <a:tc>
-                  <a:txBody>
-                    <a:bodyPr/>
-                    <a:lstStyle/>
-                    <a:p>
-                      <a:pPr algn="l">
-                        <a:buNone/>
-                      </a:pPr>
-                      <a:r>
-                        <a:rPr lang="zh-CN" altLang="en-US" dirty="0">
-                          <a:solidFill>
-                            <a:schemeClr val="tx1"/>
-                          </a:solidFill>
-                        </a:rPr>
-                        <a:t>作者：杨弘平 等</a:t>
-                      </a:r>
-                      <a:endParaRPr lang="en-US" altLang="zh-CN" baseline="0" dirty="0">
-                        <a:solidFill>
-                          <a:schemeClr val="tx1"/>
-                        </a:solidFill>
-                      </a:endParaRPr>
-                    </a:p>
-                    <a:p>
-                      <a:pPr algn="l">
-                        <a:buNone/>
-                      </a:pPr>
-                      <a:r>
-                        <a:rPr lang="zh-CN" altLang="en-US" baseline="0" dirty="0">
-                          <a:solidFill>
-                            <a:schemeClr val="tx1"/>
-                          </a:solidFill>
-                        </a:rPr>
-                        <a:t>清华大学出版社</a:t>
-                      </a:r>
-                      <a:endParaRPr lang="en-US" altLang="zh-CN" baseline="0" dirty="0">
-                        <a:solidFill>
-                          <a:schemeClr val="tx1"/>
-                        </a:solidFill>
-                      </a:endParaRPr>
-                    </a:p>
-                    <a:p>
-                      <a:pPr algn="l">
-                        <a:buNone/>
-                      </a:pPr>
-                      <a:r>
-                        <a:rPr lang="en-US" altLang="zh-CN" baseline="0" dirty="0">
-                          <a:solidFill>
-                            <a:schemeClr val="tx1"/>
-                          </a:solidFill>
-                        </a:rPr>
-                        <a:t>2015</a:t>
-                      </a:r>
-                      <a:r>
-                        <a:rPr lang="zh-CN" altLang="en-US" baseline="0" dirty="0">
-                          <a:solidFill>
-                            <a:schemeClr val="tx1"/>
-                          </a:solidFill>
-                        </a:rPr>
-                        <a:t>年</a:t>
-                      </a:r>
-                      <a:endParaRPr lang="en-US" altLang="zh-CN" dirty="0">
-                        <a:solidFill>
-                          <a:schemeClr val="tx1"/>
-                        </a:solidFill>
-                      </a:endParaRPr>
-                    </a:p>
-                  </a:txBody>
-                  <a:tcPr/>
-                </a:tc>
-              </a:tr>
-            </a:tbl>
-          </a:graphicData>
-        </a:graphic>
-      </p:graphicFrame>
-    </p:spTree>
-  </p:cSld>
-  <p:clrMapOvr>
-    <a:masterClrMapping/>
-  </p:clrMapOvr>
-  <mc:AlternateContent xmlns:mc="http://schemas.openxmlformats.org/markup-compatibility/2006">
-    <mc:Choice xmlns:p14="http://schemas.microsoft.com/office/powerpoint/2010/main" Requires="p14">
-      <p:transition spd="slow" p14:dur="1200" advClick="0" advTm="0">
-        <p14:prism/>
-      </p:transition>
-    </mc:Choice>
-    <mc:Fallback>
-      <p:transition spd="slow" advClick="0" advTm="0">
-        <p:fade/>
-      </p:transition>
-    </mc:Fallback>
-  </mc:AlternateContent>
-  <p:timing>
-    <p:tnLst>
-      <p:par>
-        <p:cTn id="1" dur="indefinite" restart="never" nodeType="tmRoot">
-          <p:childTnLst>
-            <p:seq concurrent="1" nextAc="seek">
-              <p:cTn id="2" dur="indefinite" nodeType="mainSeq">
-                <p:childTnLst>
-                  <p:par>
-                    <p:cTn id="3" fill="hold">
-                      <p:stCondLst>
-                        <p:cond delay="indefinite"/>
-                        <p:cond evt="onBegin" delay="0">
-                          <p:tn val="2"/>
-                        </p:cond>
-                      </p:stCondLst>
-                      <p:childTnLst>
-                        <p:par>
-                          <p:cTn id="4" fill="hold">
-                            <p:stCondLst>
-                              <p:cond delay="0"/>
-                            </p:stCondLst>
-                            <p:childTnLst>
-                              <p:par>
-                                <p:cTn id="5" presetID="2" presetClass="entr" presetSubtype="8" fill="hold" grpId="0" nodeType="afterEffect">
-                                  <p:stCondLst>
-                                    <p:cond delay="0"/>
-                                  </p:stCondLst>
-                                  <p:childTnLst>
-                                    <p:set>
-                                      <p:cBhvr>
-                                        <p:cTn id="6" dur="1" fill="hold">
-                                          <p:stCondLst>
-                                            <p:cond delay="0"/>
-                                          </p:stCondLst>
-                                        </p:cTn>
-                                        <p:tgtEl>
-                                          <p:spTgt spid="36"/>
-                                        </p:tgtEl>
-                                        <p:attrNameLst>
-                                          <p:attrName>style.visibility</p:attrName>
-                                        </p:attrNameLst>
-                                      </p:cBhvr>
-                                      <p:to>
-                                        <p:strVal val="visible"/>
-                                      </p:to>
-                                    </p:set>
-                                    <p:anim calcmode="lin" valueType="num">
-                                      <p:cBhvr additive="base">
-                                        <p:cTn id="7" dur="500" fill="hold"/>
-                                        <p:tgtEl>
-                                          <p:spTgt spid="36"/>
-                                        </p:tgtEl>
-                                        <p:attrNameLst>
-                                          <p:attrName>ppt_x</p:attrName>
-                                        </p:attrNameLst>
-                                      </p:cBhvr>
-                                      <p:tavLst>
-                                        <p:tav tm="0">
-                                          <p:val>
-                                            <p:strVal val="0-#ppt_w/2"/>
-                                          </p:val>
-                                        </p:tav>
-                                        <p:tav tm="100000">
-                                          <p:val>
-                                            <p:strVal val="#ppt_x"/>
-                                          </p:val>
-                                        </p:tav>
-                                      </p:tavLst>
-                                    </p:anim>
-                                    <p:anim calcmode="lin" valueType="num">
-                                      <p:cBhvr additive="base">
-                                        <p:cTn id="8" dur="500" fill="hold"/>
-                                        <p:tgtEl>
-                                          <p:spTgt spid="36"/>
-                                        </p:tgtEl>
-                                        <p:attrNameLst>
-                                          <p:attrName>ppt_y</p:attrName>
-                                        </p:attrNameLst>
-                                      </p:cBhvr>
-                                      <p:tavLst>
-                                        <p:tav tm="0">
-                                          <p:val>
-                                            <p:strVal val="#ppt_y"/>
-                                          </p:val>
-                                        </p:tav>
-                                        <p:tav tm="100000">
-                                          <p:val>
-                                            <p:strVal val="#ppt_y"/>
-                                          </p:val>
-                                        </p:tav>
-                                      </p:tavLst>
-                                    </p:anim>
-                                  </p:childTnLst>
-                                </p:cTn>
-                              </p:par>
-                            </p:childTnLst>
-                          </p:cTn>
-                        </p:par>
-                        <p:par>
-                          <p:cTn id="9" fill="hold">
-                            <p:stCondLst>
-                              <p:cond delay="500"/>
-                            </p:stCondLst>
-                            <p:childTnLst>
-                              <p:par>
-                                <p:cTn id="10" presetID="17" presetClass="entr" presetSubtype="1" fill="hold" grpId="0" nodeType="afterEffect">
-                                  <p:stCondLst>
-                                    <p:cond delay="0"/>
-                                  </p:stCondLst>
-                                  <p:iterate type="lt">
-                                    <p:tmPct val="40000"/>
-                                  </p:iterate>
-                                  <p:childTnLst>
-                                    <p:set>
-                                      <p:cBhvr>
-                                        <p:cTn id="11" dur="1" fill="hold">
-                                          <p:stCondLst>
-                                            <p:cond delay="0"/>
-                                          </p:stCondLst>
-                                        </p:cTn>
-                                        <p:tgtEl>
-                                          <p:spTgt spid="37"/>
-                                        </p:tgtEl>
-                                        <p:attrNameLst>
-                                          <p:attrName>style.visibility</p:attrName>
-                                        </p:attrNameLst>
-                                      </p:cBhvr>
-                                      <p:to>
-                                        <p:strVal val="visible"/>
-                                      </p:to>
-                                    </p:set>
-                                    <p:anim calcmode="lin" valueType="num">
-                                      <p:cBhvr>
-                                        <p:cTn id="12" dur="250" fill="hold"/>
-                                        <p:tgtEl>
-                                          <p:spTgt spid="37"/>
-                                        </p:tgtEl>
-                                        <p:attrNameLst>
-                                          <p:attrName>ppt_x</p:attrName>
-                                        </p:attrNameLst>
-                                      </p:cBhvr>
-                                      <p:tavLst>
-                                        <p:tav tm="0">
-                                          <p:val>
-                                            <p:strVal val="#ppt_x"/>
-                                          </p:val>
-                                        </p:tav>
-                                        <p:tav tm="100000">
-                                          <p:val>
-                                            <p:strVal val="#ppt_x"/>
-                                          </p:val>
-                                        </p:tav>
-                                      </p:tavLst>
-                                    </p:anim>
-                                    <p:anim calcmode="lin" valueType="num">
-                                      <p:cBhvr>
-                                        <p:cTn id="13" dur="250" fill="hold"/>
-                                        <p:tgtEl>
-                                          <p:spTgt spid="37"/>
-                                        </p:tgtEl>
-                                        <p:attrNameLst>
-                                          <p:attrName>ppt_y</p:attrName>
-                                        </p:attrNameLst>
-                                      </p:cBhvr>
-                                      <p:tavLst>
-                                        <p:tav tm="0">
-                                          <p:val>
-                                            <p:strVal val="#ppt_y-#ppt_h/2"/>
-                                          </p:val>
-                                        </p:tav>
-                                        <p:tav tm="100000">
-                                          <p:val>
-                                            <p:strVal val="#ppt_y"/>
-                                          </p:val>
-                                        </p:tav>
-                                      </p:tavLst>
-                                    </p:anim>
-                                    <p:anim calcmode="lin" valueType="num">
-                                      <p:cBhvr>
-                                        <p:cTn id="14" dur="250" fill="hold"/>
-                                        <p:tgtEl>
-                                          <p:spTgt spid="37"/>
-                                        </p:tgtEl>
-                                        <p:attrNameLst>
-                                          <p:attrName>ppt_w</p:attrName>
-                                        </p:attrNameLst>
-                                      </p:cBhvr>
-                                      <p:tavLst>
-                                        <p:tav tm="0">
-                                          <p:val>
-                                            <p:strVal val="#ppt_w"/>
-                                          </p:val>
-                                        </p:tav>
-                                        <p:tav tm="100000">
-                                          <p:val>
-                                            <p:strVal val="#ppt_w"/>
-                                          </p:val>
-                                        </p:tav>
-                                      </p:tavLst>
-                                    </p:anim>
-                                    <p:anim calcmode="lin" valueType="num">
-                                      <p:cBhvr>
-                                        <p:cTn id="15" dur="250" fill="hold"/>
-                                        <p:tgtEl>
-                                          <p:spTgt spid="37"/>
-                                        </p:tgtEl>
-                                        <p:attrNameLst>
-                                          <p:attrName>ppt_h</p:attrName>
-                                        </p:attrNameLst>
-                                      </p:cBhvr>
-                                      <p:tavLst>
-                                        <p:tav tm="0">
-                                          <p:val>
-                                            <p:fltVal val="0"/>
-                                          </p:val>
-                                        </p:tav>
-                                        <p:tav tm="100000">
-                                          <p:val>
-                                            <p:strVal val="#ppt_h"/>
-                                          </p:val>
-                                        </p:tav>
-                                      </p:tavLst>
-                                    </p:anim>
-                                  </p:childTnLst>
-                                </p:cTn>
-                              </p:par>
-                            </p:childTnLst>
-                          </p:cTn>
-                        </p:par>
-                      </p:childTnLst>
-                    </p:cTn>
-                  </p:par>
-                </p:childTnLst>
-              </p:cTn>
-              <p:prevCondLst>
-                <p:cond evt="onPrev" delay="0">
-                  <p:tgtEl>
-                    <p:sldTgt/>
-                  </p:tgtEl>
-                </p:cond>
-              </p:prevCondLst>
-              <p:nextCondLst>
-                <p:cond evt="onNext" delay="0">
-                  <p:tgtEl>
-                    <p:sldTgt/>
-                  </p:tgtEl>
-                </p:cond>
-              </p:nextCondLst>
-            </p:seq>
-          </p:childTnLst>
-        </p:cTn>
-      </p:par>
-    </p:tnLst>
-    <p:bldLst>
-      <p:bldP spid="36" grpId="0" bldLvl="0" animBg="1"/>
-      <p:bldP spid="37" grpId="0"/>
-    </p:bldLst>
   </p:timing>
 </p:sld>
 </file>
@@ -23900,7 +23256,6 @@
               <a:rPr lang="en-US" sz="2400" dirty="0"/>
               <a:t>2</a:t>
             </a:r>
-            <a:endParaRPr lang="en-US" sz="2400" dirty="0"/>
           </a:p>
         </p:txBody>
       </p:sp>
@@ -23987,7 +23342,7 @@
           <p:nvPr/>
         </p:nvPicPr>
         <p:blipFill>
-          <a:blip r:embed="rId1"/>
+          <a:blip r:embed="rId2"/>
           <a:stretch>
             <a:fillRect/>
           </a:stretch>
@@ -24081,12 +23436,6 @@
                 </a:rPr>
                 <a:t>由以下几个元素组成：</a:t>
               </a:r>
-              <a:endParaRPr lang="zh-CN" altLang="en-US" dirty="0">
-                <a:solidFill>
-                  <a:srgbClr val="000000"/>
-                </a:solidFill>
-                <a:latin typeface="Verdana" panose="020B0604030504040204" pitchFamily="34" charset="0"/>
-              </a:endParaRPr>
             </a:p>
             <a:p>
               <a:r>
@@ -24099,13 +23448,6 @@
                 </a:rPr>
                 <a:t>	</a:t>
               </a:r>
-              <a:endParaRPr lang="en-US" altLang="zh-CN" b="0" i="0" dirty="0">
-                <a:solidFill>
-                  <a:srgbClr val="000000"/>
-                </a:solidFill>
-                <a:effectLst/>
-                <a:latin typeface="Verdana" panose="020B0604030504040204" pitchFamily="34" charset="0"/>
-              </a:endParaRPr>
             </a:p>
             <a:p>
               <a:r>
@@ -24138,13 +23480,6 @@
                 </a:rPr>
                 <a:t>，也称为角色代表系统的用户</a:t>
               </a:r>
-              <a:endParaRPr lang="zh-CN" altLang="en-US" b="0" i="0" dirty="0">
-                <a:solidFill>
-                  <a:srgbClr val="000000"/>
-                </a:solidFill>
-                <a:effectLst/>
-                <a:latin typeface="Verdana" panose="020B0604030504040204" pitchFamily="34" charset="0"/>
-              </a:endParaRPr>
             </a:p>
             <a:p>
               <a:r>
@@ -24177,13 +23512,6 @@
                 </a:rPr>
                 <a:t>，确定系统的范围</a:t>
               </a:r>
-              <a:endParaRPr lang="zh-CN" altLang="en-US" b="0" i="0" dirty="0">
-                <a:solidFill>
-                  <a:srgbClr val="000000"/>
-                </a:solidFill>
-                <a:effectLst/>
-                <a:latin typeface="Verdana" panose="020B0604030504040204" pitchFamily="34" charset="0"/>
-              </a:endParaRPr>
             </a:p>
             <a:p>
               <a:r>
@@ -24216,13 +23544,6 @@
                 </a:rPr>
                 <a:t>，代表系统提供的服务</a:t>
               </a:r>
-              <a:endParaRPr lang="zh-CN" altLang="en-US" b="0" i="0" dirty="0">
-                <a:solidFill>
-                  <a:srgbClr val="000000"/>
-                </a:solidFill>
-                <a:effectLst/>
-                <a:latin typeface="Verdana" panose="020B0604030504040204" pitchFamily="34" charset="0"/>
-              </a:endParaRPr>
             </a:p>
             <a:p>
               <a:r>
@@ -24255,13 +23576,6 @@
                 </a:rPr>
                 <a:t>，表示参与者与用例的关系</a:t>
               </a:r>
-              <a:endParaRPr lang="zh-CN" altLang="en-US" b="0" i="0" dirty="0">
-                <a:solidFill>
-                  <a:srgbClr val="000000"/>
-                </a:solidFill>
-                <a:effectLst/>
-                <a:latin typeface="Verdana" panose="020B0604030504040204" pitchFamily="34" charset="0"/>
-              </a:endParaRPr>
             </a:p>
           </p:txBody>
         </p:sp>
@@ -24382,7 +23696,7 @@
           <p:nvPr/>
         </p:nvPicPr>
         <p:blipFill>
-          <a:blip r:embed="rId2"/>
+          <a:blip r:embed="rId3"/>
           <a:stretch>
             <a:fillRect/>
           </a:stretch>
@@ -24479,7 +23793,11 @@
           <a:lstStyle/>
           <a:p>
             <a:pPr algn="ctr"/>
-            <a:endParaRPr lang="zh-CN" altLang="en-US"/>
+            <a:endParaRPr lang="zh-CN" altLang="en-US">
+              <a:solidFill>
+                <a:prstClr val="black"/>
+              </a:solidFill>
+            </a:endParaRPr>
           </a:p>
         </p:txBody>
       </p:sp>
@@ -24491,8 +23809,8 @@
         </p:nvSpPr>
         <p:spPr>
           <a:xfrm>
-            <a:off x="311150" y="2922270"/>
-            <a:ext cx="2220595" cy="1106805"/>
+            <a:off x="-276651" y="2922512"/>
+            <a:ext cx="2808312" cy="614045"/>
           </a:xfrm>
           <a:prstGeom prst="rect">
             <a:avLst/>
@@ -24511,547 +23829,131 @@
             <a:r>
               <a:rPr lang="zh-CN" altLang="en-US" sz="3200" b="1" dirty="0">
                 <a:solidFill>
-                  <a:schemeClr val="bg1"/>
+                  <a:prstClr val="white"/>
                 </a:solidFill>
                 <a:latin typeface="微软雅黑" panose="020B0503020204020204" pitchFamily="34" charset="-122"/>
                 <a:ea typeface="微软雅黑" panose="020B0503020204020204" pitchFamily="34" charset="-122"/>
               </a:rPr>
-              <a:t>绩效考评与分工</a:t>
+              <a:t>提问</a:t>
             </a:r>
-            <a:endParaRPr lang="zh-CN" altLang="en-US" sz="3200" b="1" dirty="0">
-              <a:solidFill>
-                <a:schemeClr val="bg1"/>
-              </a:solidFill>
-              <a:latin typeface="微软雅黑" panose="020B0503020204020204" pitchFamily="34" charset="-122"/>
-              <a:ea typeface="微软雅黑" panose="020B0503020204020204" pitchFamily="34" charset="-122"/>
-            </a:endParaRPr>
           </a:p>
         </p:txBody>
       </p:sp>
-      <p:graphicFrame>
-        <p:nvGraphicFramePr>
-          <p:cNvPr id="3" name="表格 2"/>
-          <p:cNvGraphicFramePr/>
+      <p:sp>
+        <p:nvSpPr>
+          <p:cNvPr id="2" name="TextBox 1"/>
+          <p:cNvSpPr txBox="1"/>
           <p:nvPr/>
-        </p:nvGraphicFramePr>
-        <p:xfrm>
-          <a:off x="3214886" y="1341562"/>
-          <a:ext cx="7771130" cy="3746500"/>
-        </p:xfrm>
-        <a:graphic>
-          <a:graphicData uri="http://schemas.openxmlformats.org/drawingml/2006/table">
-            <a:tbl>
-              <a:tblPr firstRow="1" bandRow="1">
-                <a:tableStyleId>{5C22544A-7EE6-4342-B048-85BDC9FD1C3A}</a:tableStyleId>
-              </a:tblPr>
-              <a:tblGrid>
-                <a:gridCol w="1895475"/>
-                <a:gridCol w="2937510"/>
-                <a:gridCol w="2938145"/>
-              </a:tblGrid>
-              <a:tr h="713740">
-                <a:tc>
-                  <a:txBody>
-                    <a:bodyPr/>
-                    <a:lstStyle/>
-                    <a:p>
-                      <a:pPr algn="l">
-                        <a:buNone/>
-                      </a:pPr>
-                      <a:r>
-                        <a:rPr lang="zh-CN" altLang="en-US" b="0" dirty="0">
-                          <a:solidFill>
-                            <a:schemeClr val="tx1"/>
-                          </a:solidFill>
-                        </a:rPr>
-                        <a:t>黄为波</a:t>
-                      </a:r>
-                      <a:endParaRPr lang="zh-CN" altLang="en-US" b="0" dirty="0">
-                        <a:solidFill>
-                          <a:schemeClr val="tx1"/>
-                        </a:solidFill>
-                      </a:endParaRPr>
-                    </a:p>
-                  </a:txBody>
-                  <a:tcPr>
-                    <a:solidFill>
-                      <a:schemeClr val="accent1">
-                        <a:lumMod val="40000"/>
-                        <a:lumOff val="60000"/>
-                      </a:schemeClr>
-                    </a:solidFill>
-                  </a:tcPr>
-                </a:tc>
-                <a:tc>
-                  <a:txBody>
-                    <a:bodyPr/>
-                    <a:lstStyle/>
-                    <a:p>
-                      <a:pPr algn="l"/>
-                      <a:r>
-                        <a:rPr lang="zh-CN" altLang="en-US" sz="2400" b="0" dirty="0">
-                          <a:solidFill>
-                            <a:schemeClr val="tx1"/>
-                          </a:solidFill>
-                        </a:rPr>
-                        <a:t>负责类图，用例图</a:t>
-                      </a:r>
-                      <a:endParaRPr lang="zh-CN" altLang="en-US" sz="2400" b="0" dirty="0">
-                        <a:solidFill>
-                          <a:schemeClr val="tx1"/>
-                        </a:solidFill>
-                      </a:endParaRPr>
-                    </a:p>
-                  </a:txBody>
-                  <a:tcPr>
-                    <a:solidFill>
-                      <a:schemeClr val="accent1">
-                        <a:lumMod val="40000"/>
-                        <a:lumOff val="60000"/>
-                      </a:schemeClr>
-                    </a:solidFill>
-                  </a:tcPr>
-                </a:tc>
-                <a:tc>
-                  <a:txBody>
-                    <a:bodyPr/>
-                    <a:lstStyle/>
-                    <a:p>
-                      <a:pPr algn="l">
-                        <a:buNone/>
-                      </a:pPr>
-                      <a:r>
-                        <a:rPr lang="en-US" altLang="zh-CN" sz="2400" b="0" dirty="0">
-                          <a:solidFill>
-                            <a:schemeClr val="tx1"/>
-                          </a:solidFill>
-                        </a:rPr>
-                        <a:t>9.7</a:t>
-                      </a:r>
-                      <a:endParaRPr lang="en-US" altLang="zh-CN" sz="2400" b="0" dirty="0">
-                        <a:solidFill>
-                          <a:schemeClr val="tx1"/>
-                        </a:solidFill>
-                      </a:endParaRPr>
-                    </a:p>
-                  </a:txBody>
-                  <a:tcPr>
-                    <a:solidFill>
-                      <a:schemeClr val="accent1">
-                        <a:lumMod val="40000"/>
-                        <a:lumOff val="60000"/>
-                      </a:schemeClr>
-                    </a:solidFill>
-                  </a:tcPr>
-                </a:tc>
-              </a:tr>
-              <a:tr h="716915">
-                <a:tc>
-                  <a:txBody>
-                    <a:bodyPr/>
-                    <a:lstStyle/>
-                    <a:p>
-                      <a:pPr algn="l">
-                        <a:buNone/>
-                      </a:pPr>
-                      <a:r>
-                        <a:rPr lang="zh-CN" altLang="en-US" dirty="0">
-                          <a:solidFill>
-                            <a:schemeClr val="tx1"/>
-                          </a:solidFill>
-                        </a:rPr>
-                        <a:t>苏雨豪</a:t>
-                      </a:r>
-                      <a:endParaRPr lang="zh-CN" altLang="en-US" dirty="0">
-                        <a:solidFill>
-                          <a:schemeClr val="tx1"/>
-                        </a:solidFill>
-                      </a:endParaRPr>
-                    </a:p>
-                  </a:txBody>
-                  <a:tcPr/>
-                </a:tc>
-                <a:tc>
-                  <a:txBody>
-                    <a:bodyPr/>
-                    <a:lstStyle/>
-                    <a:p>
-                      <a:pPr algn="l">
-                        <a:buNone/>
-                      </a:pPr>
-                      <a:r>
-                        <a:rPr lang="en-US" altLang="zh-CN" dirty="0">
-                          <a:solidFill>
-                            <a:schemeClr val="tx1"/>
-                          </a:solidFill>
-                        </a:rPr>
-                        <a:t>负责 </a:t>
-                      </a:r>
-                      <a:r>
-                        <a:rPr lang="zh-CN" altLang="en-US" dirty="0">
-                          <a:solidFill>
-                            <a:schemeClr val="tx1"/>
-                          </a:solidFill>
-                        </a:rPr>
-                        <a:t>状态机图</a:t>
-                      </a:r>
-                      <a:endParaRPr lang="zh-CN" altLang="en-US" dirty="0">
-                        <a:solidFill>
-                          <a:schemeClr val="tx1"/>
-                        </a:solidFill>
-                      </a:endParaRPr>
-                    </a:p>
-                  </a:txBody>
-                  <a:tcPr/>
-                </a:tc>
-                <a:tc>
-                  <a:txBody>
-                    <a:bodyPr/>
-                    <a:lstStyle/>
-                    <a:p>
-                      <a:pPr algn="l">
-                        <a:buNone/>
-                      </a:pPr>
-                      <a:r>
-                        <a:rPr lang="en-US" altLang="zh-CN" sz="2400" dirty="0">
-                          <a:solidFill>
-                            <a:schemeClr val="tx1"/>
-                          </a:solidFill>
-                        </a:rPr>
-                        <a:t>9.3</a:t>
-                      </a:r>
-                      <a:endParaRPr lang="en-US" altLang="zh-CN" sz="2400" dirty="0">
-                        <a:solidFill>
-                          <a:schemeClr val="tx1"/>
-                        </a:solidFill>
-                      </a:endParaRPr>
-                    </a:p>
-                  </a:txBody>
-                  <a:tcPr/>
-                </a:tc>
-              </a:tr>
-              <a:tr h="805815">
-                <a:tc>
-                  <a:txBody>
-                    <a:bodyPr/>
-                    <a:lstStyle/>
-                    <a:p>
-                      <a:pPr algn="l">
-                        <a:buNone/>
-                      </a:pPr>
-                      <a:r>
-                        <a:rPr lang="zh-CN" dirty="0">
-                          <a:solidFill>
-                            <a:schemeClr val="tx1"/>
-                          </a:solidFill>
-                        </a:rPr>
-                        <a:t>陈子卿</a:t>
-                      </a:r>
-                      <a:endParaRPr lang="zh-CN" dirty="0">
-                        <a:solidFill>
-                          <a:schemeClr val="tx1"/>
-                        </a:solidFill>
-                      </a:endParaRPr>
-                    </a:p>
-                  </a:txBody>
-                  <a:tcPr>
-                    <a:solidFill>
-                      <a:schemeClr val="accent1">
-                        <a:lumMod val="40000"/>
-                        <a:lumOff val="60000"/>
-                      </a:schemeClr>
-                    </a:solidFill>
-                  </a:tcPr>
-                </a:tc>
-                <a:tc>
-                  <a:txBody>
-                    <a:bodyPr/>
-                    <a:lstStyle/>
-                    <a:p>
-                      <a:pPr algn="l">
-                        <a:buNone/>
-                      </a:pPr>
-                      <a:r>
-                        <a:rPr lang="zh-CN" altLang="en-US" dirty="0">
-                          <a:solidFill>
-                            <a:schemeClr val="tx1"/>
-                          </a:solidFill>
-                        </a:rPr>
-                        <a:t>负责协作图（通信图）</a:t>
-                      </a:r>
-                      <a:endParaRPr lang="zh-CN" altLang="en-US" dirty="0">
-                        <a:solidFill>
-                          <a:schemeClr val="tx1"/>
-                        </a:solidFill>
-                      </a:endParaRPr>
-                    </a:p>
-                  </a:txBody>
-                  <a:tcPr>
-                    <a:solidFill>
-                      <a:schemeClr val="accent1">
-                        <a:lumMod val="40000"/>
-                        <a:lumOff val="60000"/>
-                      </a:schemeClr>
-                    </a:solidFill>
-                  </a:tcPr>
-                </a:tc>
-                <a:tc>
-                  <a:txBody>
-                    <a:bodyPr/>
-                    <a:lstStyle/>
-                    <a:p>
-                      <a:pPr algn="l">
-                        <a:buNone/>
-                      </a:pPr>
-                      <a:r>
-                        <a:rPr lang="en-US" altLang="zh-CN" sz="2400" dirty="0">
-                          <a:solidFill>
-                            <a:schemeClr val="tx1"/>
-                          </a:solidFill>
-                        </a:rPr>
-                        <a:t>9.4</a:t>
-                      </a:r>
-                      <a:endParaRPr lang="en-US" altLang="zh-CN" sz="2400" dirty="0">
-                        <a:solidFill>
-                          <a:schemeClr val="tx1"/>
-                        </a:solidFill>
-                      </a:endParaRPr>
-                    </a:p>
-                  </a:txBody>
-                  <a:tcPr>
-                    <a:solidFill>
-                      <a:schemeClr val="accent1">
-                        <a:lumMod val="40000"/>
-                        <a:lumOff val="60000"/>
-                      </a:schemeClr>
-                    </a:solidFill>
-                  </a:tcPr>
-                </a:tc>
-              </a:tr>
-              <a:tr h="733425">
-                <a:tc>
-                  <a:txBody>
-                    <a:bodyPr/>
-                    <a:lstStyle/>
-                    <a:p>
-                      <a:pPr algn="l">
-                        <a:buNone/>
-                      </a:pPr>
-                      <a:r>
-                        <a:rPr lang="zh-CN" altLang="en-US" dirty="0">
-                          <a:solidFill>
-                            <a:schemeClr val="tx1"/>
-                          </a:solidFill>
-                        </a:rPr>
-                        <a:t>蔡峰</a:t>
-                      </a:r>
-                      <a:endParaRPr lang="zh-CN" altLang="en-US" dirty="0">
-                        <a:solidFill>
-                          <a:schemeClr val="tx1"/>
-                        </a:solidFill>
-                      </a:endParaRPr>
-                    </a:p>
-                  </a:txBody>
-                  <a:tcPr>
-                    <a:solidFill>
-                      <a:schemeClr val="accent1">
-                        <a:lumMod val="40000"/>
-                        <a:lumOff val="60000"/>
-                      </a:schemeClr>
-                    </a:solidFill>
-                  </a:tcPr>
-                </a:tc>
-                <a:tc>
-                  <a:txBody>
-                    <a:bodyPr/>
-                    <a:lstStyle/>
-                    <a:p>
-                      <a:pPr algn="l">
-                        <a:buNone/>
-                      </a:pPr>
-                      <a:r>
-                        <a:rPr lang="zh-CN" altLang="en-US" dirty="0">
-                          <a:solidFill>
-                            <a:schemeClr val="tx1"/>
-                          </a:solidFill>
-                        </a:rPr>
-                        <a:t>负责顺序图</a:t>
-                      </a:r>
-                      <a:endParaRPr lang="zh-CN" altLang="en-US" dirty="0">
-                        <a:solidFill>
-                          <a:schemeClr val="tx1"/>
-                        </a:solidFill>
-                      </a:endParaRPr>
-                    </a:p>
-                  </a:txBody>
-                  <a:tcPr>
-                    <a:solidFill>
-                      <a:schemeClr val="accent1">
-                        <a:lumMod val="40000"/>
-                        <a:lumOff val="60000"/>
-                      </a:schemeClr>
-                    </a:solidFill>
-                  </a:tcPr>
-                </a:tc>
-                <a:tc>
-                  <a:txBody>
-                    <a:bodyPr/>
-                    <a:lstStyle/>
-                    <a:p>
-                      <a:pPr algn="l">
-                        <a:buNone/>
-                      </a:pPr>
-                      <a:r>
-                        <a:rPr lang="en-US" altLang="zh-CN" sz="2400" dirty="0">
-                          <a:solidFill>
-                            <a:schemeClr val="tx1"/>
-                          </a:solidFill>
-                          <a:sym typeface="+mn-ea"/>
-                        </a:rPr>
-                        <a:t>9.6</a:t>
-                      </a:r>
-                      <a:endParaRPr lang="en-US" altLang="zh-CN" sz="2400" b="0" dirty="0">
-                        <a:solidFill>
-                          <a:schemeClr val="tx1"/>
-                        </a:solidFill>
-                        <a:sym typeface="+mn-ea"/>
-                      </a:endParaRPr>
-                    </a:p>
-                    <a:p>
-                      <a:pPr algn="l">
-                        <a:buNone/>
-                      </a:pPr>
-                      <a:endParaRPr lang="zh-CN" altLang="en-US" dirty="0">
-                        <a:solidFill>
-                          <a:schemeClr val="tx1"/>
-                        </a:solidFill>
-                      </a:endParaRPr>
-                    </a:p>
-                  </a:txBody>
-                  <a:tcPr>
-                    <a:solidFill>
-                      <a:schemeClr val="accent1">
-                        <a:lumMod val="40000"/>
-                        <a:lumOff val="60000"/>
-                      </a:schemeClr>
-                    </a:solidFill>
-                  </a:tcPr>
-                </a:tc>
-              </a:tr>
-              <a:tr h="732790">
-                <a:tc>
-                  <a:txBody>
-                    <a:bodyPr/>
-                    <a:lstStyle/>
-                    <a:p>
-                      <a:pPr algn="l">
-                        <a:buNone/>
-                      </a:pPr>
-                      <a:r>
-                        <a:rPr lang="zh-CN" altLang="en-US" dirty="0">
-                          <a:solidFill>
-                            <a:schemeClr val="tx1"/>
-                          </a:solidFill>
-                        </a:rPr>
-                        <a:t>江亮儒</a:t>
-                      </a:r>
-                      <a:endParaRPr lang="zh-CN" altLang="en-US" dirty="0">
-                        <a:solidFill>
-                          <a:schemeClr val="tx1"/>
-                        </a:solidFill>
-                      </a:endParaRPr>
-                    </a:p>
-                  </a:txBody>
-                  <a:tcPr>
-                    <a:solidFill>
-                      <a:schemeClr val="accent1">
-                        <a:lumMod val="40000"/>
-                        <a:lumOff val="60000"/>
-                      </a:schemeClr>
-                    </a:solidFill>
-                  </a:tcPr>
-                </a:tc>
-                <a:tc>
-                  <a:txBody>
-                    <a:bodyPr/>
-                    <a:lstStyle/>
-                    <a:p>
-                      <a:pPr algn="l">
-                        <a:buNone/>
-                      </a:pPr>
-                      <a:r>
-                        <a:rPr lang="zh-CN" altLang="en-US" dirty="0">
-                          <a:solidFill>
-                            <a:schemeClr val="tx1"/>
-                          </a:solidFill>
-                        </a:rPr>
-                        <a:t>负责部署图</a:t>
-                      </a:r>
-                      <a:endParaRPr lang="zh-CN" altLang="en-US" dirty="0">
-                        <a:solidFill>
-                          <a:schemeClr val="tx1"/>
-                        </a:solidFill>
-                      </a:endParaRPr>
-                    </a:p>
-                  </a:txBody>
-                  <a:tcPr>
-                    <a:solidFill>
-                      <a:schemeClr val="accent1">
-                        <a:lumMod val="40000"/>
-                        <a:lumOff val="60000"/>
-                      </a:schemeClr>
-                    </a:solidFill>
-                  </a:tcPr>
-                </a:tc>
-                <a:tc>
-                  <a:txBody>
-                    <a:bodyPr/>
-                    <a:lstStyle/>
-                    <a:p>
-                      <a:pPr algn="l">
-                        <a:buNone/>
-                      </a:pPr>
-                      <a:r>
-                        <a:rPr lang="en-US" altLang="zh-CN" sz="2400" dirty="0">
-                          <a:solidFill>
-                            <a:schemeClr val="tx1"/>
-                          </a:solidFill>
-                        </a:rPr>
-                        <a:t>9.5</a:t>
-                      </a:r>
-                      <a:endParaRPr lang="en-US" altLang="zh-CN" sz="2400" dirty="0">
-                        <a:solidFill>
-                          <a:schemeClr val="tx1"/>
-                        </a:solidFill>
-                      </a:endParaRPr>
-                    </a:p>
-                  </a:txBody>
-                  <a:tcPr>
-                    <a:solidFill>
-                      <a:schemeClr val="accent1">
-                        <a:lumMod val="40000"/>
-                        <a:lumOff val="60000"/>
-                      </a:schemeClr>
-                    </a:solidFill>
-                  </a:tcPr>
-                </a:tc>
-              </a:tr>
-            </a:tbl>
-          </a:graphicData>
-        </a:graphic>
-      </p:graphicFrame>
+        </p:nvSpPr>
+        <p:spPr>
+          <a:xfrm>
+            <a:off x="4078982" y="1341562"/>
+            <a:ext cx="7416824" cy="1077218"/>
+          </a:xfrm>
+          <a:prstGeom prst="rect">
+            <a:avLst/>
+          </a:prstGeom>
+          <a:noFill/>
+        </p:spPr>
+        <p:txBody>
+          <a:bodyPr wrap="square" rtlCol="0">
+            <a:spAutoFit/>
+          </a:bodyPr>
+          <a:lstStyle/>
+          <a:p>
+            <a:r>
+              <a:rPr lang="en-US" altLang="zh-CN" sz="3200" dirty="0"/>
+              <a:t>1.</a:t>
+            </a:r>
+            <a:r>
+              <a:rPr lang="zh-CN" altLang="en-US" sz="3200" dirty="0"/>
+              <a:t>顺序图中的消息分为四种，分别是哪四种</a:t>
+            </a:r>
+            <a:r>
+              <a:rPr lang="zh-CN" altLang="en-US" sz="2800" dirty="0"/>
+              <a:t>？</a:t>
+            </a:r>
+          </a:p>
+        </p:txBody>
+      </p:sp>
+      <p:sp>
+        <p:nvSpPr>
+          <p:cNvPr id="4" name="TextBox 3"/>
+          <p:cNvSpPr txBox="1"/>
+          <p:nvPr/>
+        </p:nvSpPr>
+        <p:spPr>
+          <a:xfrm>
+            <a:off x="4056957" y="2997948"/>
+            <a:ext cx="5400600" cy="1077218"/>
+          </a:xfrm>
+          <a:prstGeom prst="rect">
+            <a:avLst/>
+          </a:prstGeom>
+          <a:noFill/>
+        </p:spPr>
+        <p:txBody>
+          <a:bodyPr wrap="square" rtlCol="0">
+            <a:spAutoFit/>
+          </a:bodyPr>
+          <a:lstStyle/>
+          <a:p>
+            <a:r>
+              <a:rPr lang="en-US" altLang="zh-CN" sz="3200" dirty="0"/>
+              <a:t>2.</a:t>
+            </a:r>
+            <a:r>
+              <a:rPr lang="zh-CN" altLang="en-US" sz="3200" dirty="0"/>
+              <a:t>类图中关联关系的组合关系是什么？请用自己的话描述。</a:t>
+            </a:r>
+          </a:p>
+        </p:txBody>
+      </p:sp>
+      <p:sp>
+        <p:nvSpPr>
+          <p:cNvPr id="5" name="TextBox 4"/>
+          <p:cNvSpPr txBox="1"/>
+          <p:nvPr/>
+        </p:nvSpPr>
+        <p:spPr>
+          <a:xfrm>
+            <a:off x="4078982" y="4725938"/>
+            <a:ext cx="7056784" cy="584775"/>
+          </a:xfrm>
+          <a:prstGeom prst="rect">
+            <a:avLst/>
+          </a:prstGeom>
+          <a:noFill/>
+        </p:spPr>
+        <p:txBody>
+          <a:bodyPr wrap="square" rtlCol="0">
+            <a:spAutoFit/>
+          </a:bodyPr>
+          <a:lstStyle/>
+          <a:p>
+            <a:r>
+              <a:rPr lang="en-US" altLang="zh-CN" sz="3200" dirty="0"/>
+              <a:t>3.</a:t>
+            </a:r>
+            <a:r>
+              <a:rPr lang="zh-CN" altLang="en-US" sz="3200" dirty="0"/>
+              <a:t>通信图的基本元素组成是什么？</a:t>
+            </a:r>
+          </a:p>
+        </p:txBody>
+      </p:sp>
     </p:spTree>
   </p:cSld>
   <p:clrMapOvr>
     <a:masterClrMapping/>
   </p:clrMapOvr>
-  <mc:AlternateContent xmlns:mc="http://schemas.openxmlformats.org/markup-compatibility/2006">
-    <mc:Choice xmlns:p14="http://schemas.microsoft.com/office/powerpoint/2010/main" Requires="p14">
+  <mc:AlternateContent xmlns:mc="http://schemas.openxmlformats.org/markup-compatibility/2006" xmlns:p14="http://schemas.microsoft.com/office/powerpoint/2010/main">
+    <mc:Choice Requires="p14">
       <p:transition spd="slow" p14:dur="1200" advClick="0" advTm="0">
         <p14:prism/>
       </p:transition>
     </mc:Choice>
-    <mc:Fallback>
+    <mc:Fallback xmlns="">
       <p:transition spd="slow" advClick="0" advTm="0">
         <p:fade/>
       </p:transition>
@@ -25336,6 +24238,1603 @@
           <a:chExt cx="0" cy="0"/>
         </a:xfrm>
       </p:grpSpPr>
+      <p:sp>
+        <p:nvSpPr>
+          <p:cNvPr id="36" name="矩形 35"/>
+          <p:cNvSpPr/>
+          <p:nvPr/>
+        </p:nvSpPr>
+        <p:spPr>
+          <a:xfrm>
+            <a:off x="-106680" y="0"/>
+            <a:ext cx="2938780" cy="6859270"/>
+          </a:xfrm>
+          <a:prstGeom prst="rect">
+            <a:avLst/>
+          </a:prstGeom>
+          <a:solidFill>
+            <a:srgbClr val="38B1BF"/>
+          </a:solidFill>
+          <a:ln>
+            <a:noFill/>
+          </a:ln>
+          <a:effectLst>
+            <a:outerShdw blurRad="50800" dist="38100" dir="2700000" algn="tl" rotWithShape="0">
+              <a:prstClr val="black">
+                <a:alpha val="40000"/>
+              </a:prstClr>
+            </a:outerShdw>
+          </a:effectLst>
+          <a:scene3d>
+            <a:camera prst="orthographicFront"/>
+            <a:lightRig rig="threePt" dir="t"/>
+          </a:scene3d>
+          <a:sp3d/>
+        </p:spPr>
+        <p:style>
+          <a:lnRef idx="1">
+            <a:schemeClr val="accent1"/>
+          </a:lnRef>
+          <a:fillRef idx="0">
+            <a:schemeClr val="accent1"/>
+          </a:fillRef>
+          <a:effectRef idx="0">
+            <a:schemeClr val="accent1"/>
+          </a:effectRef>
+          <a:fontRef idx="minor">
+            <a:schemeClr val="tx1"/>
+          </a:fontRef>
+        </p:style>
+        <p:txBody>
+          <a:bodyPr rot="0" spcFirstLastPara="0" vertOverflow="overflow" horzOverflow="overflow" vert="horz" wrap="square" lIns="91440" tIns="45720" rIns="91440" bIns="45720" numCol="1" spcCol="0" rtlCol="0" fromWordArt="0" anchor="ctr" anchorCtr="0" forceAA="0" compatLnSpc="1">
+            <a:noAutofit/>
+          </a:bodyPr>
+          <a:lstStyle/>
+          <a:p>
+            <a:pPr algn="ctr"/>
+            <a:endParaRPr lang="zh-CN" altLang="en-US"/>
+          </a:p>
+        </p:txBody>
+      </p:sp>
+      <p:sp>
+        <p:nvSpPr>
+          <p:cNvPr id="37" name="TextBox 36"/>
+          <p:cNvSpPr txBox="1"/>
+          <p:nvPr/>
+        </p:nvSpPr>
+        <p:spPr>
+          <a:xfrm>
+            <a:off x="-276651" y="2922512"/>
+            <a:ext cx="2808312" cy="614045"/>
+          </a:xfrm>
+          <a:prstGeom prst="rect">
+            <a:avLst/>
+          </a:prstGeom>
+          <a:noFill/>
+        </p:spPr>
+        <p:txBody>
+          <a:bodyPr wrap="square" lIns="121948" tIns="60973" rIns="121948" bIns="60973">
+            <a:spAutoFit/>
+          </a:bodyPr>
+          <a:lstStyle/>
+          <a:p>
+            <a:pPr algn="r">
+              <a:defRPr/>
+            </a:pPr>
+            <a:r>
+              <a:rPr lang="zh-CN" altLang="en-US" sz="3200" b="1" dirty="0">
+                <a:solidFill>
+                  <a:schemeClr val="bg1"/>
+                </a:solidFill>
+                <a:latin typeface="微软雅黑" panose="020B0503020204020204" pitchFamily="34" charset="-122"/>
+                <a:ea typeface="微软雅黑" panose="020B0503020204020204" pitchFamily="34" charset="-122"/>
+              </a:rPr>
+              <a:t>参考文献</a:t>
+            </a:r>
+            <a:endParaRPr lang="zh-CN" sz="3200" b="1" dirty="0">
+              <a:solidFill>
+                <a:schemeClr val="bg1"/>
+              </a:solidFill>
+              <a:latin typeface="微软雅黑" panose="020B0503020204020204" pitchFamily="34" charset="-122"/>
+              <a:ea typeface="微软雅黑" panose="020B0503020204020204" pitchFamily="34" charset="-122"/>
+            </a:endParaRPr>
+          </a:p>
+        </p:txBody>
+      </p:sp>
+      <p:graphicFrame>
+        <p:nvGraphicFramePr>
+          <p:cNvPr id="3" name="表格 2"/>
+          <p:cNvGraphicFramePr/>
+          <p:nvPr/>
+        </p:nvGraphicFramePr>
+        <p:xfrm>
+          <a:off x="3934967" y="1629594"/>
+          <a:ext cx="6984474" cy="2606040"/>
+        </p:xfrm>
+        <a:graphic>
+          <a:graphicData uri="http://schemas.openxmlformats.org/drawingml/2006/table">
+            <a:tbl>
+              <a:tblPr firstRow="1" bandRow="1">
+                <a:tableStyleId>{5C22544A-7EE6-4342-B048-85BDC9FD1C3A}</a:tableStyleId>
+              </a:tblPr>
+              <a:tblGrid>
+                <a:gridCol w="2738864">
+                  <a:extLst>
+                    <a:ext uri="{9D8B030D-6E8A-4147-A177-3AD203B41FA5}">
+                      <a16:colId xmlns:a16="http://schemas.microsoft.com/office/drawing/2014/main" val="20000"/>
+                    </a:ext>
+                  </a:extLst>
+                </a:gridCol>
+                <a:gridCol w="4245610">
+                  <a:extLst>
+                    <a:ext uri="{9D8B030D-6E8A-4147-A177-3AD203B41FA5}">
+                      <a16:colId xmlns:a16="http://schemas.microsoft.com/office/drawing/2014/main" val="20001"/>
+                    </a:ext>
+                  </a:extLst>
+                </a:gridCol>
+              </a:tblGrid>
+              <a:tr h="1322630">
+                <a:tc>
+                  <a:txBody>
+                    <a:bodyPr/>
+                    <a:lstStyle/>
+                    <a:p>
+                      <a:pPr marL="0" marR="0" indent="0" algn="l" defTabSz="1088390" rtl="0" eaLnBrk="1" fontAlgn="auto" latinLnBrk="0" hangingPunct="1">
+                        <a:lnSpc>
+                          <a:spcPct val="100000"/>
+                        </a:lnSpc>
+                        <a:spcBef>
+                          <a:spcPts val="0"/>
+                        </a:spcBef>
+                        <a:spcAft>
+                          <a:spcPts val="0"/>
+                        </a:spcAft>
+                        <a:buClrTx/>
+                        <a:buSzTx/>
+                        <a:buFontTx/>
+                        <a:buNone/>
+                        <a:defRPr/>
+                      </a:pPr>
+                      <a:r>
+                        <a:rPr sz="2400" b="0" dirty="0">
+                          <a:solidFill>
+                            <a:schemeClr val="tx1"/>
+                          </a:solidFill>
+                        </a:rPr>
+                        <a:t>UML用户指南（第2版·修订版）</a:t>
+                      </a:r>
+                    </a:p>
+                    <a:p>
+                      <a:pPr algn="l">
+                        <a:buNone/>
+                      </a:pPr>
+                      <a:endParaRPr lang="zh-CN" altLang="en-US" b="0" dirty="0">
+                        <a:solidFill>
+                          <a:schemeClr val="tx1"/>
+                        </a:solidFill>
+                      </a:endParaRPr>
+                    </a:p>
+                  </a:txBody>
+                  <a:tcPr>
+                    <a:solidFill>
+                      <a:schemeClr val="accent1">
+                        <a:lumMod val="40000"/>
+                        <a:lumOff val="60000"/>
+                      </a:schemeClr>
+                    </a:solidFill>
+                  </a:tcPr>
+                </a:tc>
+                <a:tc>
+                  <a:txBody>
+                    <a:bodyPr/>
+                    <a:lstStyle/>
+                    <a:p>
+                      <a:pPr algn="l"/>
+                      <a:r>
+                        <a:rPr lang="zh-CN" altLang="en-US" sz="2400" b="0" dirty="0">
+                          <a:solidFill>
+                            <a:schemeClr val="tx1"/>
+                          </a:solidFill>
+                        </a:rPr>
+                        <a:t>作者</a:t>
+                      </a:r>
+                      <a:r>
+                        <a:rPr lang="en-US" altLang="zh-CN" sz="2400" b="0" dirty="0">
+                          <a:solidFill>
+                            <a:schemeClr val="tx1"/>
+                          </a:solidFill>
+                        </a:rPr>
+                        <a:t>:Grady Booch</a:t>
+                      </a:r>
+                      <a:r>
+                        <a:rPr lang="zh-CN" altLang="en-US" sz="2400" b="0" dirty="0">
+                          <a:solidFill>
+                            <a:schemeClr val="tx1"/>
+                          </a:solidFill>
+                        </a:rPr>
+                        <a:t>、</a:t>
+                      </a:r>
+                      <a:r>
+                        <a:rPr lang="en-US" altLang="zh-CN" sz="2400" b="0" dirty="0">
+                          <a:solidFill>
+                            <a:schemeClr val="tx1"/>
+                          </a:solidFill>
+                        </a:rPr>
+                        <a:t> James Rumbaugh </a:t>
+                      </a:r>
+                      <a:r>
+                        <a:rPr lang="zh-CN" altLang="en-US" sz="2400" b="0" dirty="0">
+                          <a:solidFill>
+                            <a:schemeClr val="tx1"/>
+                          </a:solidFill>
+                        </a:rPr>
+                        <a:t>、</a:t>
+                      </a:r>
+                      <a:r>
+                        <a:rPr lang="en-US" altLang="zh-CN" sz="2400" b="0" dirty="0">
+                          <a:solidFill>
+                            <a:schemeClr val="tx1"/>
+                          </a:solidFill>
+                        </a:rPr>
+                        <a:t>Ivar Jacobson</a:t>
+                      </a:r>
+                    </a:p>
+                    <a:p>
+                      <a:pPr algn="l"/>
+                      <a:r>
+                        <a:rPr lang="zh-CN" altLang="en-US" sz="2400" b="0" dirty="0">
+                          <a:solidFill>
+                            <a:schemeClr val="tx1"/>
+                          </a:solidFill>
+                        </a:rPr>
+                        <a:t>人民邮电出版社</a:t>
+                      </a:r>
+                      <a:endParaRPr lang="en-US" altLang="zh-CN" sz="2400" b="0" dirty="0">
+                        <a:solidFill>
+                          <a:schemeClr val="tx1"/>
+                        </a:solidFill>
+                      </a:endParaRPr>
+                    </a:p>
+                    <a:p>
+                      <a:pPr algn="l"/>
+                      <a:r>
+                        <a:rPr lang="en-US" altLang="zh-CN" sz="2400" b="0" dirty="0">
+                          <a:solidFill>
+                            <a:schemeClr val="tx1"/>
+                          </a:solidFill>
+                        </a:rPr>
+                        <a:t>2013</a:t>
+                      </a:r>
+                      <a:r>
+                        <a:rPr lang="zh-CN" altLang="en-US" sz="2400" b="0" dirty="0">
+                          <a:solidFill>
+                            <a:schemeClr val="tx1"/>
+                          </a:solidFill>
+                        </a:rPr>
+                        <a:t>年</a:t>
+                      </a:r>
+                      <a:r>
+                        <a:rPr lang="en-US" altLang="zh-CN" sz="2400" b="0" dirty="0">
+                          <a:solidFill>
+                            <a:schemeClr val="tx1"/>
+                          </a:solidFill>
+                        </a:rPr>
+                        <a:t>1</a:t>
+                      </a:r>
+                      <a:r>
+                        <a:rPr lang="zh-CN" altLang="en-US" sz="2400" b="0" dirty="0">
+                          <a:solidFill>
+                            <a:schemeClr val="tx1"/>
+                          </a:solidFill>
+                        </a:rPr>
+                        <a:t>月第</a:t>
+                      </a:r>
+                      <a:r>
+                        <a:rPr lang="en-US" altLang="zh-CN" sz="2400" b="0" dirty="0">
+                          <a:solidFill>
+                            <a:schemeClr val="tx1"/>
+                          </a:solidFill>
+                        </a:rPr>
+                        <a:t>1</a:t>
+                      </a:r>
+                      <a:r>
+                        <a:rPr lang="zh-CN" altLang="en-US" sz="2400" b="0" dirty="0">
+                          <a:solidFill>
+                            <a:schemeClr val="tx1"/>
+                          </a:solidFill>
+                        </a:rPr>
+                        <a:t>版</a:t>
+                      </a:r>
+                    </a:p>
+                  </a:txBody>
+                  <a:tcPr>
+                    <a:solidFill>
+                      <a:schemeClr val="accent1">
+                        <a:lumMod val="40000"/>
+                        <a:lumOff val="60000"/>
+                      </a:schemeClr>
+                    </a:solidFill>
+                  </a:tcPr>
+                </a:tc>
+                <a:extLst>
+                  <a:ext uri="{0D108BD9-81ED-4DB2-BD59-A6C34878D82A}">
+                    <a16:rowId xmlns:a16="http://schemas.microsoft.com/office/drawing/2014/main" val="10000"/>
+                  </a:ext>
+                </a:extLst>
+              </a:tr>
+              <a:tr h="894720">
+                <a:tc>
+                  <a:txBody>
+                    <a:bodyPr/>
+                    <a:lstStyle/>
+                    <a:p>
+                      <a:pPr algn="l">
+                        <a:buNone/>
+                      </a:pPr>
+                      <a:r>
+                        <a:rPr dirty="0">
+                          <a:solidFill>
+                            <a:schemeClr val="tx1"/>
+                          </a:solidFill>
+                        </a:rPr>
+                        <a:t>UML2基础、建模与设计教程</a:t>
+                      </a:r>
+                    </a:p>
+                  </a:txBody>
+                  <a:tcPr/>
+                </a:tc>
+                <a:tc>
+                  <a:txBody>
+                    <a:bodyPr/>
+                    <a:lstStyle/>
+                    <a:p>
+                      <a:pPr algn="l">
+                        <a:buNone/>
+                      </a:pPr>
+                      <a:r>
+                        <a:rPr lang="zh-CN" altLang="en-US" dirty="0">
+                          <a:solidFill>
+                            <a:schemeClr val="tx1"/>
+                          </a:solidFill>
+                        </a:rPr>
+                        <a:t>作者：杨弘平 等</a:t>
+                      </a:r>
+                      <a:endParaRPr lang="en-US" altLang="zh-CN" baseline="0" dirty="0">
+                        <a:solidFill>
+                          <a:schemeClr val="tx1"/>
+                        </a:solidFill>
+                      </a:endParaRPr>
+                    </a:p>
+                    <a:p>
+                      <a:pPr algn="l">
+                        <a:buNone/>
+                      </a:pPr>
+                      <a:r>
+                        <a:rPr lang="zh-CN" altLang="en-US" baseline="0" dirty="0">
+                          <a:solidFill>
+                            <a:schemeClr val="tx1"/>
+                          </a:solidFill>
+                        </a:rPr>
+                        <a:t>清华大学出版社</a:t>
+                      </a:r>
+                      <a:endParaRPr lang="en-US" altLang="zh-CN" baseline="0" dirty="0">
+                        <a:solidFill>
+                          <a:schemeClr val="tx1"/>
+                        </a:solidFill>
+                      </a:endParaRPr>
+                    </a:p>
+                    <a:p>
+                      <a:pPr algn="l">
+                        <a:buNone/>
+                      </a:pPr>
+                      <a:r>
+                        <a:rPr lang="en-US" altLang="zh-CN" baseline="0" dirty="0">
+                          <a:solidFill>
+                            <a:schemeClr val="tx1"/>
+                          </a:solidFill>
+                        </a:rPr>
+                        <a:t>2015</a:t>
+                      </a:r>
+                      <a:r>
+                        <a:rPr lang="zh-CN" altLang="en-US" baseline="0" dirty="0">
+                          <a:solidFill>
+                            <a:schemeClr val="tx1"/>
+                          </a:solidFill>
+                        </a:rPr>
+                        <a:t>年</a:t>
+                      </a:r>
+                      <a:endParaRPr lang="en-US" altLang="zh-CN" dirty="0">
+                        <a:solidFill>
+                          <a:schemeClr val="tx1"/>
+                        </a:solidFill>
+                      </a:endParaRPr>
+                    </a:p>
+                  </a:txBody>
+                  <a:tcPr/>
+                </a:tc>
+                <a:extLst>
+                  <a:ext uri="{0D108BD9-81ED-4DB2-BD59-A6C34878D82A}">
+                    <a16:rowId xmlns:a16="http://schemas.microsoft.com/office/drawing/2014/main" val="10001"/>
+                  </a:ext>
+                </a:extLst>
+              </a:tr>
+            </a:tbl>
+          </a:graphicData>
+        </a:graphic>
+      </p:graphicFrame>
+    </p:spTree>
+  </p:cSld>
+  <p:clrMapOvr>
+    <a:masterClrMapping/>
+  </p:clrMapOvr>
+  <mc:AlternateContent xmlns:mc="http://schemas.openxmlformats.org/markup-compatibility/2006" xmlns:p14="http://schemas.microsoft.com/office/powerpoint/2010/main">
+    <mc:Choice Requires="p14">
+      <p:transition spd="slow" p14:dur="1200" advClick="0" advTm="0">
+        <p14:prism/>
+      </p:transition>
+    </mc:Choice>
+    <mc:Fallback xmlns="">
+      <p:transition spd="slow" advClick="0" advTm="0">
+        <p:fade/>
+      </p:transition>
+    </mc:Fallback>
+  </mc:AlternateContent>
+  <p:timing>
+    <p:tnLst>
+      <p:par>
+        <p:cTn id="1" dur="indefinite" restart="never" nodeType="tmRoot">
+          <p:childTnLst>
+            <p:seq concurrent="1" nextAc="seek">
+              <p:cTn id="2" dur="indefinite" nodeType="mainSeq">
+                <p:childTnLst>
+                  <p:par>
+                    <p:cTn id="3" fill="hold">
+                      <p:stCondLst>
+                        <p:cond delay="indefinite"/>
+                        <p:cond evt="onBegin" delay="0">
+                          <p:tn val="2"/>
+                        </p:cond>
+                      </p:stCondLst>
+                      <p:childTnLst>
+                        <p:par>
+                          <p:cTn id="4" fill="hold">
+                            <p:stCondLst>
+                              <p:cond delay="0"/>
+                            </p:stCondLst>
+                            <p:childTnLst>
+                              <p:par>
+                                <p:cTn id="5" presetID="2" presetClass="entr" presetSubtype="8" fill="hold" grpId="0" nodeType="afterEffect">
+                                  <p:stCondLst>
+                                    <p:cond delay="0"/>
+                                  </p:stCondLst>
+                                  <p:childTnLst>
+                                    <p:set>
+                                      <p:cBhvr>
+                                        <p:cTn id="6" dur="1" fill="hold">
+                                          <p:stCondLst>
+                                            <p:cond delay="0"/>
+                                          </p:stCondLst>
+                                        </p:cTn>
+                                        <p:tgtEl>
+                                          <p:spTgt spid="36"/>
+                                        </p:tgtEl>
+                                        <p:attrNameLst>
+                                          <p:attrName>style.visibility</p:attrName>
+                                        </p:attrNameLst>
+                                      </p:cBhvr>
+                                      <p:to>
+                                        <p:strVal val="visible"/>
+                                      </p:to>
+                                    </p:set>
+                                    <p:anim calcmode="lin" valueType="num">
+                                      <p:cBhvr additive="base">
+                                        <p:cTn id="7" dur="500" fill="hold"/>
+                                        <p:tgtEl>
+                                          <p:spTgt spid="36"/>
+                                        </p:tgtEl>
+                                        <p:attrNameLst>
+                                          <p:attrName>ppt_x</p:attrName>
+                                        </p:attrNameLst>
+                                      </p:cBhvr>
+                                      <p:tavLst>
+                                        <p:tav tm="0">
+                                          <p:val>
+                                            <p:strVal val="0-#ppt_w/2"/>
+                                          </p:val>
+                                        </p:tav>
+                                        <p:tav tm="100000">
+                                          <p:val>
+                                            <p:strVal val="#ppt_x"/>
+                                          </p:val>
+                                        </p:tav>
+                                      </p:tavLst>
+                                    </p:anim>
+                                    <p:anim calcmode="lin" valueType="num">
+                                      <p:cBhvr additive="base">
+                                        <p:cTn id="8" dur="500" fill="hold"/>
+                                        <p:tgtEl>
+                                          <p:spTgt spid="36"/>
+                                        </p:tgtEl>
+                                        <p:attrNameLst>
+                                          <p:attrName>ppt_y</p:attrName>
+                                        </p:attrNameLst>
+                                      </p:cBhvr>
+                                      <p:tavLst>
+                                        <p:tav tm="0">
+                                          <p:val>
+                                            <p:strVal val="#ppt_y"/>
+                                          </p:val>
+                                        </p:tav>
+                                        <p:tav tm="100000">
+                                          <p:val>
+                                            <p:strVal val="#ppt_y"/>
+                                          </p:val>
+                                        </p:tav>
+                                      </p:tavLst>
+                                    </p:anim>
+                                  </p:childTnLst>
+                                </p:cTn>
+                              </p:par>
+                            </p:childTnLst>
+                          </p:cTn>
+                        </p:par>
+                        <p:par>
+                          <p:cTn id="9" fill="hold">
+                            <p:stCondLst>
+                              <p:cond delay="500"/>
+                            </p:stCondLst>
+                            <p:childTnLst>
+                              <p:par>
+                                <p:cTn id="10" presetID="17" presetClass="entr" presetSubtype="1" fill="hold" grpId="0" nodeType="afterEffect">
+                                  <p:stCondLst>
+                                    <p:cond delay="0"/>
+                                  </p:stCondLst>
+                                  <p:iterate type="lt">
+                                    <p:tmPct val="40000"/>
+                                  </p:iterate>
+                                  <p:childTnLst>
+                                    <p:set>
+                                      <p:cBhvr>
+                                        <p:cTn id="11" dur="1" fill="hold">
+                                          <p:stCondLst>
+                                            <p:cond delay="0"/>
+                                          </p:stCondLst>
+                                        </p:cTn>
+                                        <p:tgtEl>
+                                          <p:spTgt spid="37"/>
+                                        </p:tgtEl>
+                                        <p:attrNameLst>
+                                          <p:attrName>style.visibility</p:attrName>
+                                        </p:attrNameLst>
+                                      </p:cBhvr>
+                                      <p:to>
+                                        <p:strVal val="visible"/>
+                                      </p:to>
+                                    </p:set>
+                                    <p:anim calcmode="lin" valueType="num">
+                                      <p:cBhvr>
+                                        <p:cTn id="12" dur="250" fill="hold"/>
+                                        <p:tgtEl>
+                                          <p:spTgt spid="37"/>
+                                        </p:tgtEl>
+                                        <p:attrNameLst>
+                                          <p:attrName>ppt_x</p:attrName>
+                                        </p:attrNameLst>
+                                      </p:cBhvr>
+                                      <p:tavLst>
+                                        <p:tav tm="0">
+                                          <p:val>
+                                            <p:strVal val="#ppt_x"/>
+                                          </p:val>
+                                        </p:tav>
+                                        <p:tav tm="100000">
+                                          <p:val>
+                                            <p:strVal val="#ppt_x"/>
+                                          </p:val>
+                                        </p:tav>
+                                      </p:tavLst>
+                                    </p:anim>
+                                    <p:anim calcmode="lin" valueType="num">
+                                      <p:cBhvr>
+                                        <p:cTn id="13" dur="250" fill="hold"/>
+                                        <p:tgtEl>
+                                          <p:spTgt spid="37"/>
+                                        </p:tgtEl>
+                                        <p:attrNameLst>
+                                          <p:attrName>ppt_y</p:attrName>
+                                        </p:attrNameLst>
+                                      </p:cBhvr>
+                                      <p:tavLst>
+                                        <p:tav tm="0">
+                                          <p:val>
+                                            <p:strVal val="#ppt_y-#ppt_h/2"/>
+                                          </p:val>
+                                        </p:tav>
+                                        <p:tav tm="100000">
+                                          <p:val>
+                                            <p:strVal val="#ppt_y"/>
+                                          </p:val>
+                                        </p:tav>
+                                      </p:tavLst>
+                                    </p:anim>
+                                    <p:anim calcmode="lin" valueType="num">
+                                      <p:cBhvr>
+                                        <p:cTn id="14" dur="250" fill="hold"/>
+                                        <p:tgtEl>
+                                          <p:spTgt spid="37"/>
+                                        </p:tgtEl>
+                                        <p:attrNameLst>
+                                          <p:attrName>ppt_w</p:attrName>
+                                        </p:attrNameLst>
+                                      </p:cBhvr>
+                                      <p:tavLst>
+                                        <p:tav tm="0">
+                                          <p:val>
+                                            <p:strVal val="#ppt_w"/>
+                                          </p:val>
+                                        </p:tav>
+                                        <p:tav tm="100000">
+                                          <p:val>
+                                            <p:strVal val="#ppt_w"/>
+                                          </p:val>
+                                        </p:tav>
+                                      </p:tavLst>
+                                    </p:anim>
+                                    <p:anim calcmode="lin" valueType="num">
+                                      <p:cBhvr>
+                                        <p:cTn id="15" dur="250" fill="hold"/>
+                                        <p:tgtEl>
+                                          <p:spTgt spid="37"/>
+                                        </p:tgtEl>
+                                        <p:attrNameLst>
+                                          <p:attrName>ppt_h</p:attrName>
+                                        </p:attrNameLst>
+                                      </p:cBhvr>
+                                      <p:tavLst>
+                                        <p:tav tm="0">
+                                          <p:val>
+                                            <p:fltVal val="0"/>
+                                          </p:val>
+                                        </p:tav>
+                                        <p:tav tm="100000">
+                                          <p:val>
+                                            <p:strVal val="#ppt_h"/>
+                                          </p:val>
+                                        </p:tav>
+                                      </p:tavLst>
+                                    </p:anim>
+                                  </p:childTnLst>
+                                </p:cTn>
+                              </p:par>
+                            </p:childTnLst>
+                          </p:cTn>
+                        </p:par>
+                      </p:childTnLst>
+                    </p:cTn>
+                  </p:par>
+                </p:childTnLst>
+              </p:cTn>
+              <p:prevCondLst>
+                <p:cond evt="onPrev" delay="0">
+                  <p:tgtEl>
+                    <p:sldTgt/>
+                  </p:tgtEl>
+                </p:cond>
+              </p:prevCondLst>
+              <p:nextCondLst>
+                <p:cond evt="onNext" delay="0">
+                  <p:tgtEl>
+                    <p:sldTgt/>
+                  </p:tgtEl>
+                </p:cond>
+              </p:nextCondLst>
+            </p:seq>
+          </p:childTnLst>
+        </p:cTn>
+      </p:par>
+    </p:tnLst>
+    <p:bldLst>
+      <p:bldP spid="36" grpId="0" bldLvl="0" animBg="1"/>
+      <p:bldP spid="37" grpId="0"/>
+    </p:bldLst>
+  </p:timing>
+</p:sld>
+</file>
+
+<file path=ppt/slides/slide42.xml><?xml version="1.0" encoding="utf-8"?>
+<p:sld xmlns:a="http://schemas.openxmlformats.org/drawingml/2006/main" xmlns:r="http://schemas.openxmlformats.org/officeDocument/2006/relationships" xmlns:p="http://schemas.openxmlformats.org/presentationml/2006/main">
+  <p:cSld>
+    <p:spTree>
+      <p:nvGrpSpPr>
+        <p:cNvPr id="1" name=""/>
+        <p:cNvGrpSpPr/>
+        <p:nvPr/>
+      </p:nvGrpSpPr>
+      <p:grpSpPr>
+        <a:xfrm>
+          <a:off x="0" y="0"/>
+          <a:ext cx="0" cy="0"/>
+          <a:chOff x="0" y="0"/>
+          <a:chExt cx="0" cy="0"/>
+        </a:xfrm>
+      </p:grpSpPr>
+      <p:sp>
+        <p:nvSpPr>
+          <p:cNvPr id="36" name="矩形 35"/>
+          <p:cNvSpPr/>
+          <p:nvPr/>
+        </p:nvSpPr>
+        <p:spPr>
+          <a:xfrm>
+            <a:off x="-106680" y="0"/>
+            <a:ext cx="2938780" cy="6859270"/>
+          </a:xfrm>
+          <a:prstGeom prst="rect">
+            <a:avLst/>
+          </a:prstGeom>
+          <a:solidFill>
+            <a:srgbClr val="38B1BF"/>
+          </a:solidFill>
+          <a:ln>
+            <a:noFill/>
+          </a:ln>
+          <a:effectLst>
+            <a:outerShdw blurRad="50800" dist="38100" dir="2700000" algn="tl" rotWithShape="0">
+              <a:prstClr val="black">
+                <a:alpha val="40000"/>
+              </a:prstClr>
+            </a:outerShdw>
+          </a:effectLst>
+          <a:scene3d>
+            <a:camera prst="orthographicFront"/>
+            <a:lightRig rig="threePt" dir="t"/>
+          </a:scene3d>
+          <a:sp3d/>
+        </p:spPr>
+        <p:style>
+          <a:lnRef idx="1">
+            <a:schemeClr val="accent1"/>
+          </a:lnRef>
+          <a:fillRef idx="0">
+            <a:schemeClr val="accent1"/>
+          </a:fillRef>
+          <a:effectRef idx="0">
+            <a:schemeClr val="accent1"/>
+          </a:effectRef>
+          <a:fontRef idx="minor">
+            <a:schemeClr val="tx1"/>
+          </a:fontRef>
+        </p:style>
+        <p:txBody>
+          <a:bodyPr rot="0" spcFirstLastPara="0" vertOverflow="overflow" horzOverflow="overflow" vert="horz" wrap="square" lIns="91440" tIns="45720" rIns="91440" bIns="45720" numCol="1" spcCol="0" rtlCol="0" fromWordArt="0" anchor="ctr" anchorCtr="0" forceAA="0" compatLnSpc="1">
+            <a:noAutofit/>
+          </a:bodyPr>
+          <a:lstStyle/>
+          <a:p>
+            <a:pPr algn="ctr"/>
+            <a:endParaRPr lang="zh-CN" altLang="en-US"/>
+          </a:p>
+        </p:txBody>
+      </p:sp>
+      <p:sp>
+        <p:nvSpPr>
+          <p:cNvPr id="37" name="TextBox 36"/>
+          <p:cNvSpPr txBox="1"/>
+          <p:nvPr/>
+        </p:nvSpPr>
+        <p:spPr>
+          <a:xfrm>
+            <a:off x="311150" y="2922270"/>
+            <a:ext cx="2220595" cy="1106805"/>
+          </a:xfrm>
+          <a:prstGeom prst="rect">
+            <a:avLst/>
+          </a:prstGeom>
+          <a:noFill/>
+        </p:spPr>
+        <p:txBody>
+          <a:bodyPr wrap="square" lIns="121948" tIns="60973" rIns="121948" bIns="60973">
+            <a:spAutoFit/>
+          </a:bodyPr>
+          <a:lstStyle/>
+          <a:p>
+            <a:pPr algn="r">
+              <a:defRPr/>
+            </a:pPr>
+            <a:r>
+              <a:rPr lang="zh-CN" altLang="en-US" sz="3200" b="1" dirty="0">
+                <a:solidFill>
+                  <a:schemeClr val="bg1"/>
+                </a:solidFill>
+                <a:latin typeface="微软雅黑" panose="020B0503020204020204" pitchFamily="34" charset="-122"/>
+                <a:ea typeface="微软雅黑" panose="020B0503020204020204" pitchFamily="34" charset="-122"/>
+              </a:rPr>
+              <a:t>绩效考评与分工</a:t>
+            </a:r>
+          </a:p>
+        </p:txBody>
+      </p:sp>
+      <p:graphicFrame>
+        <p:nvGraphicFramePr>
+          <p:cNvPr id="3" name="表格 2"/>
+          <p:cNvGraphicFramePr/>
+          <p:nvPr/>
+        </p:nvGraphicFramePr>
+        <p:xfrm>
+          <a:off x="3214886" y="1341562"/>
+          <a:ext cx="7771130" cy="3746500"/>
+        </p:xfrm>
+        <a:graphic>
+          <a:graphicData uri="http://schemas.openxmlformats.org/drawingml/2006/table">
+            <a:tbl>
+              <a:tblPr firstRow="1" bandRow="1">
+                <a:tableStyleId>{5C22544A-7EE6-4342-B048-85BDC9FD1C3A}</a:tableStyleId>
+              </a:tblPr>
+              <a:tblGrid>
+                <a:gridCol w="1895475">
+                  <a:extLst>
+                    <a:ext uri="{9D8B030D-6E8A-4147-A177-3AD203B41FA5}">
+                      <a16:colId xmlns:a16="http://schemas.microsoft.com/office/drawing/2014/main" val="20000"/>
+                    </a:ext>
+                  </a:extLst>
+                </a:gridCol>
+                <a:gridCol w="2937510">
+                  <a:extLst>
+                    <a:ext uri="{9D8B030D-6E8A-4147-A177-3AD203B41FA5}">
+                      <a16:colId xmlns:a16="http://schemas.microsoft.com/office/drawing/2014/main" val="20001"/>
+                    </a:ext>
+                  </a:extLst>
+                </a:gridCol>
+                <a:gridCol w="2938145">
+                  <a:extLst>
+                    <a:ext uri="{9D8B030D-6E8A-4147-A177-3AD203B41FA5}">
+                      <a16:colId xmlns:a16="http://schemas.microsoft.com/office/drawing/2014/main" val="20002"/>
+                    </a:ext>
+                  </a:extLst>
+                </a:gridCol>
+              </a:tblGrid>
+              <a:tr h="713740">
+                <a:tc>
+                  <a:txBody>
+                    <a:bodyPr/>
+                    <a:lstStyle/>
+                    <a:p>
+                      <a:pPr algn="l">
+                        <a:buNone/>
+                      </a:pPr>
+                      <a:r>
+                        <a:rPr lang="zh-CN" altLang="en-US" b="0" dirty="0">
+                          <a:solidFill>
+                            <a:schemeClr val="tx1"/>
+                          </a:solidFill>
+                        </a:rPr>
+                        <a:t>黄为波</a:t>
+                      </a:r>
+                    </a:p>
+                  </a:txBody>
+                  <a:tcPr>
+                    <a:solidFill>
+                      <a:schemeClr val="accent1">
+                        <a:lumMod val="40000"/>
+                        <a:lumOff val="60000"/>
+                      </a:schemeClr>
+                    </a:solidFill>
+                  </a:tcPr>
+                </a:tc>
+                <a:tc>
+                  <a:txBody>
+                    <a:bodyPr/>
+                    <a:lstStyle/>
+                    <a:p>
+                      <a:pPr algn="l"/>
+                      <a:r>
+                        <a:rPr lang="zh-CN" altLang="en-US" sz="2400" b="0" dirty="0">
+                          <a:solidFill>
+                            <a:schemeClr val="tx1"/>
+                          </a:solidFill>
+                        </a:rPr>
+                        <a:t>负责类图，用例图</a:t>
+                      </a:r>
+                    </a:p>
+                  </a:txBody>
+                  <a:tcPr>
+                    <a:solidFill>
+                      <a:schemeClr val="accent1">
+                        <a:lumMod val="40000"/>
+                        <a:lumOff val="60000"/>
+                      </a:schemeClr>
+                    </a:solidFill>
+                  </a:tcPr>
+                </a:tc>
+                <a:tc>
+                  <a:txBody>
+                    <a:bodyPr/>
+                    <a:lstStyle/>
+                    <a:p>
+                      <a:pPr algn="l">
+                        <a:buNone/>
+                      </a:pPr>
+                      <a:r>
+                        <a:rPr lang="en-US" altLang="zh-CN" sz="2400" b="0" dirty="0">
+                          <a:solidFill>
+                            <a:schemeClr val="tx1"/>
+                          </a:solidFill>
+                        </a:rPr>
+                        <a:t>9.7</a:t>
+                      </a:r>
+                    </a:p>
+                  </a:txBody>
+                  <a:tcPr>
+                    <a:solidFill>
+                      <a:schemeClr val="accent1">
+                        <a:lumMod val="40000"/>
+                        <a:lumOff val="60000"/>
+                      </a:schemeClr>
+                    </a:solidFill>
+                  </a:tcPr>
+                </a:tc>
+                <a:extLst>
+                  <a:ext uri="{0D108BD9-81ED-4DB2-BD59-A6C34878D82A}">
+                    <a16:rowId xmlns:a16="http://schemas.microsoft.com/office/drawing/2014/main" val="10000"/>
+                  </a:ext>
+                </a:extLst>
+              </a:tr>
+              <a:tr h="716915">
+                <a:tc>
+                  <a:txBody>
+                    <a:bodyPr/>
+                    <a:lstStyle/>
+                    <a:p>
+                      <a:pPr algn="l">
+                        <a:buNone/>
+                      </a:pPr>
+                      <a:r>
+                        <a:rPr lang="zh-CN" altLang="en-US" dirty="0">
+                          <a:solidFill>
+                            <a:schemeClr val="tx1"/>
+                          </a:solidFill>
+                        </a:rPr>
+                        <a:t>苏雨豪</a:t>
+                      </a:r>
+                    </a:p>
+                  </a:txBody>
+                  <a:tcPr/>
+                </a:tc>
+                <a:tc>
+                  <a:txBody>
+                    <a:bodyPr/>
+                    <a:lstStyle/>
+                    <a:p>
+                      <a:pPr algn="l">
+                        <a:buNone/>
+                      </a:pPr>
+                      <a:r>
+                        <a:rPr lang="en-US" altLang="zh-CN" dirty="0">
+                          <a:solidFill>
+                            <a:schemeClr val="tx1"/>
+                          </a:solidFill>
+                        </a:rPr>
+                        <a:t>负责 </a:t>
+                      </a:r>
+                      <a:r>
+                        <a:rPr lang="zh-CN" altLang="en-US" dirty="0">
+                          <a:solidFill>
+                            <a:schemeClr val="tx1"/>
+                          </a:solidFill>
+                        </a:rPr>
+                        <a:t>状态机图</a:t>
+                      </a:r>
+                    </a:p>
+                  </a:txBody>
+                  <a:tcPr/>
+                </a:tc>
+                <a:tc>
+                  <a:txBody>
+                    <a:bodyPr/>
+                    <a:lstStyle/>
+                    <a:p>
+                      <a:pPr algn="l">
+                        <a:buNone/>
+                      </a:pPr>
+                      <a:r>
+                        <a:rPr lang="en-US" altLang="zh-CN" sz="2400" dirty="0">
+                          <a:solidFill>
+                            <a:schemeClr val="tx1"/>
+                          </a:solidFill>
+                        </a:rPr>
+                        <a:t>9.3</a:t>
+                      </a:r>
+                    </a:p>
+                  </a:txBody>
+                  <a:tcPr/>
+                </a:tc>
+                <a:extLst>
+                  <a:ext uri="{0D108BD9-81ED-4DB2-BD59-A6C34878D82A}">
+                    <a16:rowId xmlns:a16="http://schemas.microsoft.com/office/drawing/2014/main" val="10001"/>
+                  </a:ext>
+                </a:extLst>
+              </a:tr>
+              <a:tr h="805815">
+                <a:tc>
+                  <a:txBody>
+                    <a:bodyPr/>
+                    <a:lstStyle/>
+                    <a:p>
+                      <a:pPr algn="l">
+                        <a:buNone/>
+                      </a:pPr>
+                      <a:r>
+                        <a:rPr lang="zh-CN" dirty="0">
+                          <a:solidFill>
+                            <a:schemeClr val="tx1"/>
+                          </a:solidFill>
+                        </a:rPr>
+                        <a:t>陈子卿</a:t>
+                      </a:r>
+                    </a:p>
+                  </a:txBody>
+                  <a:tcPr>
+                    <a:solidFill>
+                      <a:schemeClr val="accent1">
+                        <a:lumMod val="40000"/>
+                        <a:lumOff val="60000"/>
+                      </a:schemeClr>
+                    </a:solidFill>
+                  </a:tcPr>
+                </a:tc>
+                <a:tc>
+                  <a:txBody>
+                    <a:bodyPr/>
+                    <a:lstStyle/>
+                    <a:p>
+                      <a:pPr algn="l">
+                        <a:buNone/>
+                      </a:pPr>
+                      <a:r>
+                        <a:rPr lang="zh-CN" altLang="en-US" dirty="0">
+                          <a:solidFill>
+                            <a:schemeClr val="tx1"/>
+                          </a:solidFill>
+                        </a:rPr>
+                        <a:t>负责协作图（通信图）</a:t>
+                      </a:r>
+                    </a:p>
+                  </a:txBody>
+                  <a:tcPr>
+                    <a:solidFill>
+                      <a:schemeClr val="accent1">
+                        <a:lumMod val="40000"/>
+                        <a:lumOff val="60000"/>
+                      </a:schemeClr>
+                    </a:solidFill>
+                  </a:tcPr>
+                </a:tc>
+                <a:tc>
+                  <a:txBody>
+                    <a:bodyPr/>
+                    <a:lstStyle/>
+                    <a:p>
+                      <a:pPr algn="l">
+                        <a:buNone/>
+                      </a:pPr>
+                      <a:r>
+                        <a:rPr lang="en-US" altLang="zh-CN" sz="2400" dirty="0">
+                          <a:solidFill>
+                            <a:schemeClr val="tx1"/>
+                          </a:solidFill>
+                        </a:rPr>
+                        <a:t>9.4</a:t>
+                      </a:r>
+                    </a:p>
+                  </a:txBody>
+                  <a:tcPr>
+                    <a:solidFill>
+                      <a:schemeClr val="accent1">
+                        <a:lumMod val="40000"/>
+                        <a:lumOff val="60000"/>
+                      </a:schemeClr>
+                    </a:solidFill>
+                  </a:tcPr>
+                </a:tc>
+                <a:extLst>
+                  <a:ext uri="{0D108BD9-81ED-4DB2-BD59-A6C34878D82A}">
+                    <a16:rowId xmlns:a16="http://schemas.microsoft.com/office/drawing/2014/main" val="10002"/>
+                  </a:ext>
+                </a:extLst>
+              </a:tr>
+              <a:tr h="733425">
+                <a:tc>
+                  <a:txBody>
+                    <a:bodyPr/>
+                    <a:lstStyle/>
+                    <a:p>
+                      <a:pPr algn="l">
+                        <a:buNone/>
+                      </a:pPr>
+                      <a:r>
+                        <a:rPr lang="zh-CN" altLang="en-US" dirty="0">
+                          <a:solidFill>
+                            <a:schemeClr val="tx1"/>
+                          </a:solidFill>
+                        </a:rPr>
+                        <a:t>蔡峰</a:t>
+                      </a:r>
+                    </a:p>
+                  </a:txBody>
+                  <a:tcPr>
+                    <a:solidFill>
+                      <a:schemeClr val="accent1">
+                        <a:lumMod val="40000"/>
+                        <a:lumOff val="60000"/>
+                      </a:schemeClr>
+                    </a:solidFill>
+                  </a:tcPr>
+                </a:tc>
+                <a:tc>
+                  <a:txBody>
+                    <a:bodyPr/>
+                    <a:lstStyle/>
+                    <a:p>
+                      <a:pPr algn="l">
+                        <a:buNone/>
+                      </a:pPr>
+                      <a:r>
+                        <a:rPr lang="zh-CN" altLang="en-US" dirty="0">
+                          <a:solidFill>
+                            <a:schemeClr val="tx1"/>
+                          </a:solidFill>
+                        </a:rPr>
+                        <a:t>负责顺序图</a:t>
+                      </a:r>
+                    </a:p>
+                  </a:txBody>
+                  <a:tcPr>
+                    <a:solidFill>
+                      <a:schemeClr val="accent1">
+                        <a:lumMod val="40000"/>
+                        <a:lumOff val="60000"/>
+                      </a:schemeClr>
+                    </a:solidFill>
+                  </a:tcPr>
+                </a:tc>
+                <a:tc>
+                  <a:txBody>
+                    <a:bodyPr/>
+                    <a:lstStyle/>
+                    <a:p>
+                      <a:pPr algn="l">
+                        <a:buNone/>
+                      </a:pPr>
+                      <a:r>
+                        <a:rPr lang="en-US" altLang="zh-CN" sz="2400" dirty="0">
+                          <a:solidFill>
+                            <a:schemeClr val="tx1"/>
+                          </a:solidFill>
+                          <a:sym typeface="+mn-ea"/>
+                        </a:rPr>
+                        <a:t>9.6</a:t>
+                      </a:r>
+                      <a:endParaRPr lang="en-US" altLang="zh-CN" sz="2400" b="0" dirty="0">
+                        <a:solidFill>
+                          <a:schemeClr val="tx1"/>
+                        </a:solidFill>
+                        <a:sym typeface="+mn-ea"/>
+                      </a:endParaRPr>
+                    </a:p>
+                    <a:p>
+                      <a:pPr algn="l">
+                        <a:buNone/>
+                      </a:pPr>
+                      <a:endParaRPr lang="zh-CN" altLang="en-US" dirty="0">
+                        <a:solidFill>
+                          <a:schemeClr val="tx1"/>
+                        </a:solidFill>
+                      </a:endParaRPr>
+                    </a:p>
+                  </a:txBody>
+                  <a:tcPr>
+                    <a:solidFill>
+                      <a:schemeClr val="accent1">
+                        <a:lumMod val="40000"/>
+                        <a:lumOff val="60000"/>
+                      </a:schemeClr>
+                    </a:solidFill>
+                  </a:tcPr>
+                </a:tc>
+                <a:extLst>
+                  <a:ext uri="{0D108BD9-81ED-4DB2-BD59-A6C34878D82A}">
+                    <a16:rowId xmlns:a16="http://schemas.microsoft.com/office/drawing/2014/main" val="10003"/>
+                  </a:ext>
+                </a:extLst>
+              </a:tr>
+              <a:tr h="732790">
+                <a:tc>
+                  <a:txBody>
+                    <a:bodyPr/>
+                    <a:lstStyle/>
+                    <a:p>
+                      <a:pPr algn="l">
+                        <a:buNone/>
+                      </a:pPr>
+                      <a:r>
+                        <a:rPr lang="zh-CN" altLang="en-US" dirty="0">
+                          <a:solidFill>
+                            <a:schemeClr val="tx1"/>
+                          </a:solidFill>
+                        </a:rPr>
+                        <a:t>江亮儒</a:t>
+                      </a:r>
+                    </a:p>
+                  </a:txBody>
+                  <a:tcPr>
+                    <a:solidFill>
+                      <a:schemeClr val="accent1">
+                        <a:lumMod val="40000"/>
+                        <a:lumOff val="60000"/>
+                      </a:schemeClr>
+                    </a:solidFill>
+                  </a:tcPr>
+                </a:tc>
+                <a:tc>
+                  <a:txBody>
+                    <a:bodyPr/>
+                    <a:lstStyle/>
+                    <a:p>
+                      <a:pPr algn="l">
+                        <a:buNone/>
+                      </a:pPr>
+                      <a:r>
+                        <a:rPr lang="zh-CN" altLang="en-US" dirty="0">
+                          <a:solidFill>
+                            <a:schemeClr val="tx1"/>
+                          </a:solidFill>
+                        </a:rPr>
+                        <a:t>负责部署图</a:t>
+                      </a:r>
+                    </a:p>
+                  </a:txBody>
+                  <a:tcPr>
+                    <a:solidFill>
+                      <a:schemeClr val="accent1">
+                        <a:lumMod val="40000"/>
+                        <a:lumOff val="60000"/>
+                      </a:schemeClr>
+                    </a:solidFill>
+                  </a:tcPr>
+                </a:tc>
+                <a:tc>
+                  <a:txBody>
+                    <a:bodyPr/>
+                    <a:lstStyle/>
+                    <a:p>
+                      <a:pPr algn="l">
+                        <a:buNone/>
+                      </a:pPr>
+                      <a:r>
+                        <a:rPr lang="en-US" altLang="zh-CN" sz="2400" dirty="0">
+                          <a:solidFill>
+                            <a:schemeClr val="tx1"/>
+                          </a:solidFill>
+                        </a:rPr>
+                        <a:t>9.5</a:t>
+                      </a:r>
+                    </a:p>
+                  </a:txBody>
+                  <a:tcPr>
+                    <a:solidFill>
+                      <a:schemeClr val="accent1">
+                        <a:lumMod val="40000"/>
+                        <a:lumOff val="60000"/>
+                      </a:schemeClr>
+                    </a:solidFill>
+                  </a:tcPr>
+                </a:tc>
+                <a:extLst>
+                  <a:ext uri="{0D108BD9-81ED-4DB2-BD59-A6C34878D82A}">
+                    <a16:rowId xmlns:a16="http://schemas.microsoft.com/office/drawing/2014/main" val="10004"/>
+                  </a:ext>
+                </a:extLst>
+              </a:tr>
+            </a:tbl>
+          </a:graphicData>
+        </a:graphic>
+      </p:graphicFrame>
+    </p:spTree>
+  </p:cSld>
+  <p:clrMapOvr>
+    <a:masterClrMapping/>
+  </p:clrMapOvr>
+  <mc:AlternateContent xmlns:mc="http://schemas.openxmlformats.org/markup-compatibility/2006" xmlns:p14="http://schemas.microsoft.com/office/powerpoint/2010/main">
+    <mc:Choice Requires="p14">
+      <p:transition spd="slow" p14:dur="1200" advClick="0" advTm="0">
+        <p14:prism/>
+      </p:transition>
+    </mc:Choice>
+    <mc:Fallback xmlns="">
+      <p:transition spd="slow" advClick="0" advTm="0">
+        <p:fade/>
+      </p:transition>
+    </mc:Fallback>
+  </mc:AlternateContent>
+  <p:timing>
+    <p:tnLst>
+      <p:par>
+        <p:cTn id="1" dur="indefinite" restart="never" nodeType="tmRoot">
+          <p:childTnLst>
+            <p:seq concurrent="1" nextAc="seek">
+              <p:cTn id="2" dur="indefinite" nodeType="mainSeq">
+                <p:childTnLst>
+                  <p:par>
+                    <p:cTn id="3" fill="hold">
+                      <p:stCondLst>
+                        <p:cond delay="indefinite"/>
+                        <p:cond evt="onBegin" delay="0">
+                          <p:tn val="2"/>
+                        </p:cond>
+                      </p:stCondLst>
+                      <p:childTnLst>
+                        <p:par>
+                          <p:cTn id="4" fill="hold">
+                            <p:stCondLst>
+                              <p:cond delay="0"/>
+                            </p:stCondLst>
+                            <p:childTnLst>
+                              <p:par>
+                                <p:cTn id="5" presetID="2" presetClass="entr" presetSubtype="8" fill="hold" grpId="0" nodeType="afterEffect">
+                                  <p:stCondLst>
+                                    <p:cond delay="0"/>
+                                  </p:stCondLst>
+                                  <p:childTnLst>
+                                    <p:set>
+                                      <p:cBhvr>
+                                        <p:cTn id="6" dur="1" fill="hold">
+                                          <p:stCondLst>
+                                            <p:cond delay="0"/>
+                                          </p:stCondLst>
+                                        </p:cTn>
+                                        <p:tgtEl>
+                                          <p:spTgt spid="36"/>
+                                        </p:tgtEl>
+                                        <p:attrNameLst>
+                                          <p:attrName>style.visibility</p:attrName>
+                                        </p:attrNameLst>
+                                      </p:cBhvr>
+                                      <p:to>
+                                        <p:strVal val="visible"/>
+                                      </p:to>
+                                    </p:set>
+                                    <p:anim calcmode="lin" valueType="num">
+                                      <p:cBhvr additive="base">
+                                        <p:cTn id="7" dur="500" fill="hold"/>
+                                        <p:tgtEl>
+                                          <p:spTgt spid="36"/>
+                                        </p:tgtEl>
+                                        <p:attrNameLst>
+                                          <p:attrName>ppt_x</p:attrName>
+                                        </p:attrNameLst>
+                                      </p:cBhvr>
+                                      <p:tavLst>
+                                        <p:tav tm="0">
+                                          <p:val>
+                                            <p:strVal val="0-#ppt_w/2"/>
+                                          </p:val>
+                                        </p:tav>
+                                        <p:tav tm="100000">
+                                          <p:val>
+                                            <p:strVal val="#ppt_x"/>
+                                          </p:val>
+                                        </p:tav>
+                                      </p:tavLst>
+                                    </p:anim>
+                                    <p:anim calcmode="lin" valueType="num">
+                                      <p:cBhvr additive="base">
+                                        <p:cTn id="8" dur="500" fill="hold"/>
+                                        <p:tgtEl>
+                                          <p:spTgt spid="36"/>
+                                        </p:tgtEl>
+                                        <p:attrNameLst>
+                                          <p:attrName>ppt_y</p:attrName>
+                                        </p:attrNameLst>
+                                      </p:cBhvr>
+                                      <p:tavLst>
+                                        <p:tav tm="0">
+                                          <p:val>
+                                            <p:strVal val="#ppt_y"/>
+                                          </p:val>
+                                        </p:tav>
+                                        <p:tav tm="100000">
+                                          <p:val>
+                                            <p:strVal val="#ppt_y"/>
+                                          </p:val>
+                                        </p:tav>
+                                      </p:tavLst>
+                                    </p:anim>
+                                  </p:childTnLst>
+                                </p:cTn>
+                              </p:par>
+                            </p:childTnLst>
+                          </p:cTn>
+                        </p:par>
+                        <p:par>
+                          <p:cTn id="9" fill="hold">
+                            <p:stCondLst>
+                              <p:cond delay="500"/>
+                            </p:stCondLst>
+                            <p:childTnLst>
+                              <p:par>
+                                <p:cTn id="10" presetID="17" presetClass="entr" presetSubtype="1" fill="hold" grpId="0" nodeType="afterEffect">
+                                  <p:stCondLst>
+                                    <p:cond delay="0"/>
+                                  </p:stCondLst>
+                                  <p:iterate type="lt">
+                                    <p:tmPct val="40000"/>
+                                  </p:iterate>
+                                  <p:childTnLst>
+                                    <p:set>
+                                      <p:cBhvr>
+                                        <p:cTn id="11" dur="1" fill="hold">
+                                          <p:stCondLst>
+                                            <p:cond delay="0"/>
+                                          </p:stCondLst>
+                                        </p:cTn>
+                                        <p:tgtEl>
+                                          <p:spTgt spid="37"/>
+                                        </p:tgtEl>
+                                        <p:attrNameLst>
+                                          <p:attrName>style.visibility</p:attrName>
+                                        </p:attrNameLst>
+                                      </p:cBhvr>
+                                      <p:to>
+                                        <p:strVal val="visible"/>
+                                      </p:to>
+                                    </p:set>
+                                    <p:anim calcmode="lin" valueType="num">
+                                      <p:cBhvr>
+                                        <p:cTn id="12" dur="250" fill="hold"/>
+                                        <p:tgtEl>
+                                          <p:spTgt spid="37"/>
+                                        </p:tgtEl>
+                                        <p:attrNameLst>
+                                          <p:attrName>ppt_x</p:attrName>
+                                        </p:attrNameLst>
+                                      </p:cBhvr>
+                                      <p:tavLst>
+                                        <p:tav tm="0">
+                                          <p:val>
+                                            <p:strVal val="#ppt_x"/>
+                                          </p:val>
+                                        </p:tav>
+                                        <p:tav tm="100000">
+                                          <p:val>
+                                            <p:strVal val="#ppt_x"/>
+                                          </p:val>
+                                        </p:tav>
+                                      </p:tavLst>
+                                    </p:anim>
+                                    <p:anim calcmode="lin" valueType="num">
+                                      <p:cBhvr>
+                                        <p:cTn id="13" dur="250" fill="hold"/>
+                                        <p:tgtEl>
+                                          <p:spTgt spid="37"/>
+                                        </p:tgtEl>
+                                        <p:attrNameLst>
+                                          <p:attrName>ppt_y</p:attrName>
+                                        </p:attrNameLst>
+                                      </p:cBhvr>
+                                      <p:tavLst>
+                                        <p:tav tm="0">
+                                          <p:val>
+                                            <p:strVal val="#ppt_y-#ppt_h/2"/>
+                                          </p:val>
+                                        </p:tav>
+                                        <p:tav tm="100000">
+                                          <p:val>
+                                            <p:strVal val="#ppt_y"/>
+                                          </p:val>
+                                        </p:tav>
+                                      </p:tavLst>
+                                    </p:anim>
+                                    <p:anim calcmode="lin" valueType="num">
+                                      <p:cBhvr>
+                                        <p:cTn id="14" dur="250" fill="hold"/>
+                                        <p:tgtEl>
+                                          <p:spTgt spid="37"/>
+                                        </p:tgtEl>
+                                        <p:attrNameLst>
+                                          <p:attrName>ppt_w</p:attrName>
+                                        </p:attrNameLst>
+                                      </p:cBhvr>
+                                      <p:tavLst>
+                                        <p:tav tm="0">
+                                          <p:val>
+                                            <p:strVal val="#ppt_w"/>
+                                          </p:val>
+                                        </p:tav>
+                                        <p:tav tm="100000">
+                                          <p:val>
+                                            <p:strVal val="#ppt_w"/>
+                                          </p:val>
+                                        </p:tav>
+                                      </p:tavLst>
+                                    </p:anim>
+                                    <p:anim calcmode="lin" valueType="num">
+                                      <p:cBhvr>
+                                        <p:cTn id="15" dur="250" fill="hold"/>
+                                        <p:tgtEl>
+                                          <p:spTgt spid="37"/>
+                                        </p:tgtEl>
+                                        <p:attrNameLst>
+                                          <p:attrName>ppt_h</p:attrName>
+                                        </p:attrNameLst>
+                                      </p:cBhvr>
+                                      <p:tavLst>
+                                        <p:tav tm="0">
+                                          <p:val>
+                                            <p:fltVal val="0"/>
+                                          </p:val>
+                                        </p:tav>
+                                        <p:tav tm="100000">
+                                          <p:val>
+                                            <p:strVal val="#ppt_h"/>
+                                          </p:val>
+                                        </p:tav>
+                                      </p:tavLst>
+                                    </p:anim>
+                                  </p:childTnLst>
+                                </p:cTn>
+                              </p:par>
+                            </p:childTnLst>
+                          </p:cTn>
+                        </p:par>
+                      </p:childTnLst>
+                    </p:cTn>
+                  </p:par>
+                </p:childTnLst>
+              </p:cTn>
+              <p:prevCondLst>
+                <p:cond evt="onPrev" delay="0">
+                  <p:tgtEl>
+                    <p:sldTgt/>
+                  </p:tgtEl>
+                </p:cond>
+              </p:prevCondLst>
+              <p:nextCondLst>
+                <p:cond evt="onNext" delay="0">
+                  <p:tgtEl>
+                    <p:sldTgt/>
+                  </p:tgtEl>
+                </p:cond>
+              </p:nextCondLst>
+            </p:seq>
+          </p:childTnLst>
+        </p:cTn>
+      </p:par>
+    </p:tnLst>
+    <p:bldLst>
+      <p:bldP spid="36" grpId="0" bldLvl="0" animBg="1"/>
+      <p:bldP spid="37" grpId="0"/>
+    </p:bldLst>
+  </p:timing>
+</p:sld>
+</file>
+
+<file path=ppt/slides/slide43.xml><?xml version="1.0" encoding="utf-8"?>
+<p:sld xmlns:a="http://schemas.openxmlformats.org/drawingml/2006/main" xmlns:r="http://schemas.openxmlformats.org/officeDocument/2006/relationships" xmlns:p="http://schemas.openxmlformats.org/presentationml/2006/main">
+  <p:cSld>
+    <p:spTree>
+      <p:nvGrpSpPr>
+        <p:cNvPr id="1" name=""/>
+        <p:cNvGrpSpPr/>
+        <p:nvPr/>
+      </p:nvGrpSpPr>
+      <p:grpSpPr>
+        <a:xfrm>
+          <a:off x="0" y="0"/>
+          <a:ext cx="0" cy="0"/>
+          <a:chOff x="0" y="0"/>
+          <a:chExt cx="0" cy="0"/>
+        </a:xfrm>
+      </p:grpSpPr>
       <p:cxnSp>
         <p:nvCxnSpPr>
           <p:cNvPr id="30" name="直接连接符 29"/>
@@ -25862,16 +26361,6 @@
               </a:rPr>
               <a:t>小组</a:t>
             </a:r>
-            <a:endParaRPr lang="zh-CN" altLang="en-US" sz="1900" dirty="0">
-              <a:solidFill>
-                <a:schemeClr val="tx1">
-                  <a:lumMod val="85000"/>
-                  <a:lumOff val="15000"/>
-                </a:schemeClr>
-              </a:solidFill>
-              <a:latin typeface="微软雅黑" panose="020B0503020204020204" pitchFamily="34" charset="-122"/>
-              <a:ea typeface="微软雅黑" panose="020B0503020204020204" pitchFamily="34" charset="-122"/>
-            </a:endParaRPr>
           </a:p>
         </p:txBody>
       </p:sp>
@@ -25922,16 +26411,6 @@
               </a:rPr>
               <a:t>汇报结束 感谢观看</a:t>
             </a:r>
-            <a:endParaRPr lang="zh-CN" altLang="en-US" sz="3600" b="1" dirty="0">
-              <a:solidFill>
-                <a:schemeClr val="tx1">
-                  <a:lumMod val="75000"/>
-                  <a:lumOff val="25000"/>
-                </a:schemeClr>
-              </a:solidFill>
-              <a:latin typeface="微软雅黑" panose="020B0503020204020204" pitchFamily="34" charset="-122"/>
-              <a:ea typeface="微软雅黑" panose="020B0503020204020204" pitchFamily="34" charset="-122"/>
-            </a:endParaRPr>
           </a:p>
         </p:txBody>
       </p:sp>
@@ -26036,16 +26515,6 @@
               </a:rPr>
               <a:t>日</a:t>
             </a:r>
-            <a:endParaRPr lang="zh-CN" altLang="en-US" sz="1900" dirty="0">
-              <a:solidFill>
-                <a:schemeClr val="tx1">
-                  <a:lumMod val="85000"/>
-                  <a:lumOff val="15000"/>
-                </a:schemeClr>
-              </a:solidFill>
-              <a:latin typeface="微软雅黑" panose="020B0503020204020204" pitchFamily="34" charset="-122"/>
-              <a:ea typeface="微软雅黑" panose="020B0503020204020204" pitchFamily="34" charset="-122"/>
-            </a:endParaRPr>
           </a:p>
         </p:txBody>
       </p:sp>
@@ -26093,16 +26562,16 @@
             <a:picLocks noChangeAspect="1"/>
           </p:cNvPicPr>
           <p:nvPr>
-            <a:audioFile r:link="rId1"/>
+            <a:audioFile r:link="rId2"/>
             <p:extLst>
               <p:ext uri="{DAA4B4D4-6D71-4841-9C94-3DE7FCFB9230}">
-                <p14:media xmlns:p14="http://schemas.microsoft.com/office/powerpoint/2010/main" r:embed="rId2"/>
+                <p14:media xmlns:p14="http://schemas.microsoft.com/office/powerpoint/2010/main" r:embed="rId1"/>
               </p:ext>
             </p:extLst>
           </p:nvPr>
         </p:nvPicPr>
         <p:blipFill>
-          <a:blip r:embed="rId3"/>
+          <a:blip r:embed="rId5"/>
           <a:stretch>
             <a:fillRect/>
           </a:stretch>
@@ -26150,14 +26619,6 @@
               </a:rPr>
               <a:t>浙江大学城市学院</a:t>
             </a:r>
-            <a:endParaRPr lang="zh-CN" altLang="en-US" kern="300" spc="2000">
-              <a:solidFill>
-                <a:schemeClr val="tx1"/>
-              </a:solidFill>
-              <a:uFillTx/>
-              <a:latin typeface="+中文标题" charset="0"/>
-              <a:ea typeface="+mj-ea"/>
-            </a:endParaRPr>
           </a:p>
         </p:txBody>
       </p:sp>
@@ -26166,13 +26627,13 @@
   <p:clrMapOvr>
     <a:masterClrMapping/>
   </p:clrMapOvr>
-  <mc:AlternateContent xmlns:mc="http://schemas.openxmlformats.org/markup-compatibility/2006">
-    <mc:Choice xmlns:p14="http://schemas.microsoft.com/office/powerpoint/2010/main" Requires="p14">
+  <mc:AlternateContent xmlns:mc="http://schemas.openxmlformats.org/markup-compatibility/2006" xmlns:p14="http://schemas.microsoft.com/office/powerpoint/2010/main">
+    <mc:Choice Requires="p14">
       <p:transition spd="slow" p14:dur="1600" advClick="0" advTm="0">
         <p:blinds dir="vert"/>
       </p:transition>
     </mc:Choice>
-    <mc:Fallback>
+    <mc:Fallback xmlns="">
       <p:transition spd="slow" advClick="0" advTm="0">
         <p:blinds dir="vert"/>
       </p:transition>
@@ -27047,7 +27508,6 @@
               <a:rPr lang="en-US" sz="2400" dirty="0"/>
               <a:t>2</a:t>
             </a:r>
-            <a:endParaRPr lang="en-US" sz="2400" dirty="0"/>
           </a:p>
         </p:txBody>
       </p:sp>
@@ -27169,12 +27629,6 @@
                 </a:rPr>
                 <a:t>参与者的作用如下：</a:t>
               </a:r>
-              <a:endParaRPr lang="zh-CN" dirty="0">
-                <a:solidFill>
-                  <a:srgbClr val="000000"/>
-                </a:solidFill>
-                <a:latin typeface="Verdana" panose="020B0604030504040204" pitchFamily="34" charset="0"/>
-              </a:endParaRPr>
             </a:p>
             <a:p>
               <a:r>
@@ -27236,13 +27690,6 @@
                 </a:rPr>
                 <a:t>进行描述</a:t>
               </a:r>
-              <a:endParaRPr lang="zh-CN" altLang="en-US" b="0" i="0" dirty="0">
-                <a:solidFill>
-                  <a:srgbClr val="000000"/>
-                </a:solidFill>
-                <a:effectLst/>
-                <a:latin typeface="Verdana" panose="020B0604030504040204" pitchFamily="34" charset="0"/>
-              </a:endParaRPr>
             </a:p>
             <a:p>
               <a:endParaRPr lang="zh-CN" altLang="en-US" b="0" i="0" dirty="0">
@@ -27293,13 +27740,6 @@
                 </a:rPr>
                 <a:t>控制</a:t>
               </a:r>
-              <a:endParaRPr lang="zh-CN" altLang="en-US" b="0" i="0" dirty="0">
-                <a:solidFill>
-                  <a:srgbClr val="000000"/>
-                </a:solidFill>
-                <a:effectLst/>
-                <a:latin typeface="Verdana" panose="020B0604030504040204" pitchFamily="34" charset="0"/>
-              </a:endParaRPr>
             </a:p>
             <a:p>
               <a:endParaRPr lang="zh-CN" altLang="en-US" b="0" i="0" dirty="0">
@@ -27429,7 +27869,7 @@
           <p:nvPr/>
         </p:nvPicPr>
         <p:blipFill>
-          <a:blip r:embed="rId1"/>
+          <a:blip r:embed="rId2"/>
           <a:stretch>
             <a:fillRect/>
           </a:stretch>
@@ -27564,7 +28004,6 @@
               <a:rPr lang="en-US" sz="2400" dirty="0"/>
               <a:t>2</a:t>
             </a:r>
-            <a:endParaRPr lang="en-US" sz="2400" dirty="0"/>
           </a:p>
         </p:txBody>
       </p:sp>
@@ -27686,12 +28125,6 @@
                 </a:rPr>
                 <a:t>用例的一些特点：</a:t>
               </a:r>
-              <a:endParaRPr lang="zh-CN" dirty="0">
-                <a:solidFill>
-                  <a:srgbClr val="000000"/>
-                </a:solidFill>
-                <a:latin typeface="Verdana" panose="020B0604030504040204" pitchFamily="34" charset="0"/>
-              </a:endParaRPr>
             </a:p>
             <a:p>
               <a:r>
@@ -27730,12 +28163,6 @@
                 </a:rPr>
                 <a:t>描述系统中的信息，而不是系统内部实现方式</a:t>
               </a:r>
-              <a:endParaRPr lang="zh-CN" altLang="en-US" dirty="0">
-                <a:solidFill>
-                  <a:srgbClr val="000000"/>
-                </a:solidFill>
-                <a:latin typeface="Verdana" panose="020B0604030504040204" pitchFamily="34" charset="0"/>
-              </a:endParaRPr>
             </a:p>
             <a:p>
               <a:r>
@@ -27774,12 +28201,6 @@
                 </a:rPr>
                 <a:t>，是面向对象分析与设计得七点，是类，对象，操作的来源</a:t>
               </a:r>
-              <a:endParaRPr lang="zh-CN" altLang="en-US" dirty="0">
-                <a:solidFill>
-                  <a:srgbClr val="000000"/>
-                </a:solidFill>
-                <a:latin typeface="Verdana" panose="020B0604030504040204" pitchFamily="34" charset="0"/>
-              </a:endParaRPr>
             </a:p>
             <a:p>
               <a:r>
@@ -27818,12 +28239,6 @@
                 </a:rPr>
                 <a:t>来执行</a:t>
               </a:r>
-              <a:endParaRPr lang="zh-CN" altLang="en-US" dirty="0">
-                <a:solidFill>
-                  <a:srgbClr val="000000"/>
-                </a:solidFill>
-                <a:latin typeface="Verdana" panose="020B0604030504040204" pitchFamily="34" charset="0"/>
-              </a:endParaRPr>
             </a:p>
             <a:p>
               <a:r>
@@ -27862,12 +28277,6 @@
                 </a:rPr>
                 <a:t>给参与者</a:t>
               </a:r>
-              <a:endParaRPr lang="zh-CN" altLang="en-US" dirty="0">
-                <a:solidFill>
-                  <a:srgbClr val="000000"/>
-                </a:solidFill>
-                <a:latin typeface="Verdana" panose="020B0604030504040204" pitchFamily="34" charset="0"/>
-              </a:endParaRPr>
             </a:p>
             <a:p>
               <a:r>
@@ -28189,7 +28598,6 @@
               <a:rPr lang="en-US" sz="2400" dirty="0"/>
               <a:t>2</a:t>
             </a:r>
-            <a:endParaRPr lang="en-US" sz="2400" dirty="0"/>
           </a:p>
         </p:txBody>
       </p:sp>
@@ -28311,12 +28719,6 @@
                 </a:rPr>
                 <a:t>用例的描述</a:t>
               </a:r>
-              <a:endParaRPr lang="zh-CN" dirty="0">
-                <a:solidFill>
-                  <a:srgbClr val="000000"/>
-                </a:solidFill>
-                <a:latin typeface="Verdana" panose="020B0604030504040204" pitchFamily="34" charset="0"/>
-              </a:endParaRPr>
             </a:p>
             <a:p>
               <a:endParaRPr lang="zh-CN" altLang="en-US" b="0" i="0" dirty="0">
@@ -28358,13 +28760,6 @@
                 </a:rPr>
                 <a:t>与说明，这样可以让别人对用例由更加详细的了解</a:t>
               </a:r>
-              <a:endParaRPr lang="zh-CN" altLang="en-US" b="0" i="0" dirty="0">
-                <a:solidFill>
-                  <a:srgbClr val="000000"/>
-                </a:solidFill>
-                <a:effectLst/>
-                <a:latin typeface="Verdana" panose="020B0604030504040204" pitchFamily="34" charset="0"/>
-              </a:endParaRPr>
             </a:p>
             <a:p>
               <a:endParaRPr lang="zh-CN" altLang="en-US" b="0" i="0" dirty="0">
@@ -28502,8 +28897,20 @@
                 <a:tableStyleId>{5C22544A-7EE6-4342-B048-85BDC9FD1C3A}</a:tableStyleId>
               </a:tblPr>
               <a:tblGrid>
-                <a:gridCol w="1596390"/>
-                <a:gridCol w="3658870"/>
+                <a:gridCol w="1596390">
+                  <a:extLst>
+                    <a:ext uri="{9D8B030D-6E8A-4147-A177-3AD203B41FA5}">
+                      <a16:colId xmlns:a16="http://schemas.microsoft.com/office/drawing/2014/main" val="20000"/>
+                    </a:ext>
+                  </a:extLst>
+                </a:gridCol>
+                <a:gridCol w="3658870">
+                  <a:extLst>
+                    <a:ext uri="{9D8B030D-6E8A-4147-A177-3AD203B41FA5}">
+                      <a16:colId xmlns:a16="http://schemas.microsoft.com/office/drawing/2014/main" val="20001"/>
+                    </a:ext>
+                  </a:extLst>
+                </a:gridCol>
               </a:tblGrid>
               <a:tr h="510540">
                 <a:tc>
@@ -28522,11 +28929,6 @@
                         </a:rPr>
                         <a:t>用例名</a:t>
                       </a:r>
-                      <a:endParaRPr lang="zh-CN" altLang="en-US" b="0">
-                        <a:solidFill>
-                          <a:schemeClr val="tx1"/>
-                        </a:solidFill>
-                      </a:endParaRPr>
                     </a:p>
                   </a:txBody>
                   <a:tcPr>
@@ -28554,11 +28956,6 @@
                         </a:rPr>
                         <a:t>新增图书</a:t>
                       </a:r>
-                      <a:endParaRPr lang="zh-CN" altLang="en-US" b="0">
-                        <a:solidFill>
-                          <a:schemeClr val="tx1"/>
-                        </a:solidFill>
-                      </a:endParaRPr>
                     </a:p>
                   </a:txBody>
                   <a:tcPr>
@@ -28570,6 +28967,11 @@
                     </a:solidFill>
                   </a:tcPr>
                 </a:tc>
+                <a:extLst>
+                  <a:ext uri="{0D108BD9-81ED-4DB2-BD59-A6C34878D82A}">
+                    <a16:rowId xmlns:a16="http://schemas.microsoft.com/office/drawing/2014/main" val="10000"/>
+                  </a:ext>
+                </a:extLst>
               </a:tr>
               <a:tr h="511175">
                 <a:tc>
@@ -28584,7 +28986,6 @@
                         <a:rPr lang="zh-CN" altLang="en-US"/>
                         <a:t>用例标识号</a:t>
                       </a:r>
-                      <a:endParaRPr lang="zh-CN" altLang="en-US"/>
                     </a:p>
                   </a:txBody>
                   <a:tcPr/>
@@ -28601,11 +29002,15 @@
                         <a:rPr lang="en-US" altLang="zh-CN"/>
                         <a:t>A001</a:t>
                       </a:r>
-                      <a:endParaRPr lang="en-US" altLang="zh-CN"/>
                     </a:p>
                   </a:txBody>
                   <a:tcPr/>
                 </a:tc>
+                <a:extLst>
+                  <a:ext uri="{0D108BD9-81ED-4DB2-BD59-A6C34878D82A}">
+                    <a16:rowId xmlns:a16="http://schemas.microsoft.com/office/drawing/2014/main" val="10001"/>
+                  </a:ext>
+                </a:extLst>
               </a:tr>
               <a:tr h="510540">
                 <a:tc>
@@ -28620,7 +29025,6 @@
                         <a:rPr lang="zh-CN" altLang="en-US"/>
                         <a:t>简要说明</a:t>
                       </a:r>
-                      <a:endParaRPr lang="zh-CN" altLang="en-US"/>
                     </a:p>
                   </a:txBody>
                   <a:tcPr/>
@@ -28637,11 +29041,15 @@
                         <a:rPr lang="zh-CN" altLang="en-US"/>
                         <a:t>在书库中新增图书</a:t>
                       </a:r>
-                      <a:endParaRPr lang="zh-CN" altLang="en-US"/>
                     </a:p>
                   </a:txBody>
                   <a:tcPr/>
                 </a:tc>
+                <a:extLst>
+                  <a:ext uri="{0D108BD9-81ED-4DB2-BD59-A6C34878D82A}">
+                    <a16:rowId xmlns:a16="http://schemas.microsoft.com/office/drawing/2014/main" val="10002"/>
+                  </a:ext>
+                </a:extLst>
               </a:tr>
               <a:tr h="731520">
                 <a:tc>
@@ -28656,7 +29064,6 @@
                         <a:rPr lang="zh-CN" altLang="en-US"/>
                         <a:t>前置条件</a:t>
                       </a:r>
-                      <a:endParaRPr lang="zh-CN" altLang="en-US"/>
                     </a:p>
                   </a:txBody>
                   <a:tcPr/>
@@ -28673,11 +29080,15 @@
                         <a:rPr lang="zh-CN" altLang="en-US"/>
                         <a:t>用户是管理员，并且需要进入系统</a:t>
                       </a:r>
-                      <a:endParaRPr lang="zh-CN" altLang="en-US"/>
                     </a:p>
                   </a:txBody>
                   <a:tcPr/>
                 </a:tc>
+                <a:extLst>
+                  <a:ext uri="{0D108BD9-81ED-4DB2-BD59-A6C34878D82A}">
+                    <a16:rowId xmlns:a16="http://schemas.microsoft.com/office/drawing/2014/main" val="10003"/>
+                  </a:ext>
+                </a:extLst>
               </a:tr>
               <a:tr h="731520">
                 <a:tc>
@@ -28692,7 +29103,6 @@
                         <a:rPr lang="zh-CN" altLang="en-US"/>
                         <a:t>基本事件流</a:t>
                       </a:r>
-                      <a:endParaRPr lang="zh-CN" altLang="en-US"/>
                     </a:p>
                   </a:txBody>
                   <a:tcPr/>
@@ -28709,11 +29119,15 @@
                         <a:rPr lang="zh-CN" altLang="en-US"/>
                         <a:t>管理员发出新增图书请求，系统要求管理员输入相关信息</a:t>
                       </a:r>
-                      <a:endParaRPr lang="zh-CN" altLang="en-US"/>
                     </a:p>
                   </a:txBody>
                   <a:tcPr/>
                 </a:tc>
+                <a:extLst>
+                  <a:ext uri="{0D108BD9-81ED-4DB2-BD59-A6C34878D82A}">
+                    <a16:rowId xmlns:a16="http://schemas.microsoft.com/office/drawing/2014/main" val="10004"/>
+                  </a:ext>
+                </a:extLst>
               </a:tr>
               <a:tr h="510540">
                 <a:tc>
@@ -28728,7 +29142,6 @@
                         <a:rPr lang="zh-CN" altLang="en-US"/>
                         <a:t>其他事件流</a:t>
                       </a:r>
-                      <a:endParaRPr lang="zh-CN" altLang="en-US"/>
                     </a:p>
                   </a:txBody>
                   <a:tcPr/>
@@ -28745,11 +29158,15 @@
                         <a:rPr lang="zh-CN" altLang="en-US"/>
                         <a:t>无</a:t>
                       </a:r>
-                      <a:endParaRPr lang="zh-CN" altLang="en-US"/>
                     </a:p>
                   </a:txBody>
                   <a:tcPr/>
                 </a:tc>
+                <a:extLst>
+                  <a:ext uri="{0D108BD9-81ED-4DB2-BD59-A6C34878D82A}">
+                    <a16:rowId xmlns:a16="http://schemas.microsoft.com/office/drawing/2014/main" val="10005"/>
+                  </a:ext>
+                </a:extLst>
               </a:tr>
               <a:tr h="1371600">
                 <a:tc>
@@ -28764,7 +29181,6 @@
                         <a:rPr lang="zh-CN" altLang="en-US"/>
                         <a:t>异常事件流</a:t>
                       </a:r>
-                      <a:endParaRPr lang="zh-CN" altLang="en-US"/>
                     </a:p>
                   </a:txBody>
                   <a:tcPr/>
@@ -28781,11 +29197,15 @@
                         <a:rPr lang="zh-CN" altLang="en-US"/>
                         <a:t>出现书号或者书籍同名现象，系统发出提示通知使用者是取消输入还是修改，修改之后再检查</a:t>
                       </a:r>
-                      <a:endParaRPr lang="zh-CN" altLang="en-US"/>
                     </a:p>
                   </a:txBody>
                   <a:tcPr/>
                 </a:tc>
+                <a:extLst>
+                  <a:ext uri="{0D108BD9-81ED-4DB2-BD59-A6C34878D82A}">
+                    <a16:rowId xmlns:a16="http://schemas.microsoft.com/office/drawing/2014/main" val="10006"/>
+                  </a:ext>
+                </a:extLst>
               </a:tr>
               <a:tr h="731520">
                 <a:tc>
@@ -28800,7 +29220,6 @@
                         <a:rPr lang="zh-CN" altLang="en-US"/>
                         <a:t>后置条件</a:t>
                       </a:r>
-                      <a:endParaRPr lang="zh-CN" altLang="en-US"/>
                     </a:p>
                   </a:txBody>
                   <a:tcPr/>
@@ -28817,11 +29236,15 @@
                         <a:rPr lang="zh-CN" altLang="en-US"/>
                         <a:t>完成新增图书，书库中增加此图书</a:t>
                       </a:r>
-                      <a:endParaRPr lang="zh-CN" altLang="en-US"/>
                     </a:p>
                   </a:txBody>
                   <a:tcPr/>
                 </a:tc>
+                <a:extLst>
+                  <a:ext uri="{0D108BD9-81ED-4DB2-BD59-A6C34878D82A}">
+                    <a16:rowId xmlns:a16="http://schemas.microsoft.com/office/drawing/2014/main" val="10007"/>
+                  </a:ext>
+                </a:extLst>
               </a:tr>
               <a:tr h="510540">
                 <a:tc>
@@ -28836,7 +29259,6 @@
                         <a:rPr lang="zh-CN" altLang="en-US"/>
                         <a:t>注释</a:t>
                       </a:r>
-                      <a:endParaRPr lang="zh-CN" altLang="en-US"/>
                     </a:p>
                   </a:txBody>
                   <a:tcPr/>
@@ -28854,6 +29276,11 @@
                   </a:txBody>
                   <a:tcPr/>
                 </a:tc>
+                <a:extLst>
+                  <a:ext uri="{0D108BD9-81ED-4DB2-BD59-A6C34878D82A}">
+                    <a16:rowId xmlns:a16="http://schemas.microsoft.com/office/drawing/2014/main" val="10008"/>
+                  </a:ext>
+                </a:extLst>
               </a:tr>
             </a:tbl>
           </a:graphicData>
@@ -28868,7 +29295,7 @@
           <p:nvPr/>
         </p:nvPicPr>
         <p:blipFill>
-          <a:blip r:embed="rId1"/>
+          <a:blip r:embed="rId2"/>
           <a:stretch>
             <a:fillRect/>
           </a:stretch>
@@ -28892,7 +29319,7 @@
           <p:nvPr/>
         </p:nvPicPr>
         <p:blipFill>
-          <a:blip r:embed="rId1"/>
+          <a:blip r:embed="rId2"/>
           <a:stretch>
             <a:fillRect/>
           </a:stretch>
@@ -29027,7 +29454,6 @@
               <a:rPr lang="en-US" sz="2400" dirty="0"/>
               <a:t>2</a:t>
             </a:r>
-            <a:endParaRPr lang="en-US" sz="2400" dirty="0"/>
           </a:p>
         </p:txBody>
       </p:sp>
@@ -29167,12 +29593,6 @@
                 </a:rPr>
                 <a:t>表示：</a:t>
               </a:r>
-              <a:endParaRPr lang="zh-CN" dirty="0">
-                <a:solidFill>
-                  <a:srgbClr val="000000"/>
-                </a:solidFill>
-                <a:latin typeface="Verdana" panose="020B0604030504040204" pitchFamily="34" charset="0"/>
-              </a:endParaRPr>
             </a:p>
             <a:p>
               <a:r>
@@ -29202,12 +29622,6 @@
                 </a:rPr>
                 <a:t>关系</a:t>
               </a:r>
-              <a:endParaRPr lang="zh-CN" altLang="en-US" dirty="0">
-                <a:solidFill>
-                  <a:srgbClr val="000000"/>
-                </a:solidFill>
-                <a:latin typeface="Verdana" panose="020B0604030504040204" pitchFamily="34" charset="0"/>
-              </a:endParaRPr>
             </a:p>
             <a:p>
               <a:r>
@@ -29237,12 +29651,6 @@
                 </a:rPr>
                 <a:t>关系</a:t>
               </a:r>
-              <a:endParaRPr lang="zh-CN" altLang="en-US" dirty="0">
-                <a:solidFill>
-                  <a:srgbClr val="000000"/>
-                </a:solidFill>
-                <a:latin typeface="Verdana" panose="020B0604030504040204" pitchFamily="34" charset="0"/>
-              </a:endParaRPr>
             </a:p>
             <a:p>
               <a:r>
@@ -29272,12 +29680,6 @@
                 </a:rPr>
                 <a:t>关系</a:t>
               </a:r>
-              <a:endParaRPr lang="zh-CN" altLang="en-US" dirty="0">
-                <a:solidFill>
-                  <a:srgbClr val="000000"/>
-                </a:solidFill>
-                <a:latin typeface="Verdana" panose="020B0604030504040204" pitchFamily="34" charset="0"/>
-              </a:endParaRPr>
             </a:p>
             <a:p>
               <a:r>
@@ -29443,7 +29845,7 @@
           <p:nvPr/>
         </p:nvPicPr>
         <p:blipFill>
-          <a:blip r:embed="rId1"/>
+          <a:blip r:embed="rId2"/>
           <a:stretch>
             <a:fillRect/>
           </a:stretch>
@@ -29578,7 +29980,6 @@
               <a:rPr lang="en-US" sz="2400" dirty="0"/>
               <a:t>3</a:t>
             </a:r>
-            <a:endParaRPr lang="en-US" sz="2400" dirty="0"/>
           </a:p>
         </p:txBody>
       </p:sp>
@@ -29836,7 +30237,7 @@
           <p:nvPr/>
         </p:nvPicPr>
         <p:blipFill>
-          <a:blip r:embed="rId1"/>
+          <a:blip r:embed="rId2"/>
           <a:stretch>
             <a:fillRect/>
           </a:stretch>
@@ -29860,7 +30261,7 @@
           <p:nvPr/>
         </p:nvPicPr>
         <p:blipFill>
-          <a:blip r:embed="rId2"/>
+          <a:blip r:embed="rId3"/>
           <a:stretch>
             <a:fillRect/>
           </a:stretch>
@@ -30164,6 +30565,8 @@
       </a:bgFillStyleLst>
     </a:fmtScheme>
   </a:themeElements>
+  <a:objectDefaults/>
+  <a:extraClrSchemeLst/>
   <a:extLst>
     <a:ext uri="{05A4C25C-085E-4340-85A3-A5531E510DB2}">
       <thm15:themeFamily xmlns:thm15="http://schemas.microsoft.com/office/thememl/2012/main" name="Office Theme" id="{62F939B6-93AF-4DB8-9C6B-D6C7DFDC589F}" vid="{4A3C46E8-61CC-4603-A589-7422A47A8E4A}"/>
@@ -30452,6 +30855,8 @@
       </a:bgFillStyleLst>
     </a:fmtScheme>
   </a:themeElements>
+  <a:objectDefaults/>
+  <a:extraClrSchemeLst/>
   <a:extLst>
     <a:ext uri="{05A4C25C-085E-4340-85A3-A5531E510DB2}">
       <thm15:themeFamily xmlns:thm15="http://schemas.microsoft.com/office/thememl/2012/main" name="Office Theme" id="{62F939B6-93AF-4DB8-9C6B-D6C7DFDC589F}" vid="{4A3C46E8-61CC-4603-A589-7422A47A8E4A}"/>
@@ -30740,6 +31145,8 @@
       </a:bgFillStyleLst>
     </a:fmtScheme>
   </a:themeElements>
+  <a:objectDefaults/>
+  <a:extraClrSchemeLst/>
   <a:extLst>
     <a:ext uri="{05A4C25C-085E-4340-85A3-A5531E510DB2}">
       <thm15:themeFamily xmlns:thm15="http://schemas.microsoft.com/office/thememl/2012/main" name="Office Theme" id="{62F939B6-93AF-4DB8-9C6B-D6C7DFDC589F}" vid="{4A3C46E8-61CC-4603-A589-7422A47A8E4A}"/>

--- a/受控文档/00-PPT/PRD2018-G11-UML图 （完成）.pptx
+++ b/受控文档/00-PPT/PRD2018-G11-UML图 （完成）.pptx
@@ -8103,8 +8103,32 @@
         </p:blipFill>
         <p:spPr>
           <a:xfrm>
-            <a:off x="3164840" y="2363470"/>
+            <a:off x="334566" y="2442411"/>
             <a:ext cx="2777490" cy="3557905"/>
+          </a:xfrm>
+          <a:prstGeom prst="rect">
+            <a:avLst/>
+          </a:prstGeom>
+        </p:spPr>
+      </p:pic>
+      <p:pic>
+        <p:nvPicPr>
+          <p:cNvPr id="8" name="图片 7"/>
+          <p:cNvPicPr>
+            <a:picLocks noChangeAspect="1"/>
+          </p:cNvPicPr>
+          <p:nvPr/>
+        </p:nvPicPr>
+        <p:blipFill>
+          <a:blip r:embed="rId3"/>
+          <a:stretch>
+            <a:fillRect/>
+          </a:stretch>
+        </p:blipFill>
+        <p:spPr>
+          <a:xfrm>
+            <a:off x="3362038" y="1949400"/>
+            <a:ext cx="7303630" cy="4127455"/>
           </a:xfrm>
           <a:prstGeom prst="rect">
             <a:avLst/>

--- a/受控文档/00-PPT/PRD2018-G11-UML图 （完成）.pptx
+++ b/受控文档/00-PPT/PRD2018-G11-UML图 （完成）.pptx
@@ -154,7 +154,7 @@
   </p:defaultTextStyle>
   <p:extLst>
     <p:ext uri="{EFAFB233-063F-42B5-8137-9DF3F51BA10A}">
-      <p15:sldGuideLst xmlns:p15="http://schemas.microsoft.com/office/powerpoint/2012/main">
+      <p15:sldGuideLst xmlns="" xmlns:p15="http://schemas.microsoft.com/office/powerpoint/2012/main">
         <p15:guide id="1" orient="horz" pos="2160">
           <p15:clr>
             <a:srgbClr val="A4A3A4"/>
@@ -183,7 +183,7 @@
       </p15:sldGuideLst>
     </p:ext>
     <p:ext uri="{2D200454-40CA-4A62-9FC3-DE9A4176ACB9}">
-      <p15:notesGuideLst xmlns:p15="http://schemas.microsoft.com/office/powerpoint/2012/main">
+      <p15:notesGuideLst xmlns="" xmlns:p15="http://schemas.microsoft.com/office/powerpoint/2012/main">
         <p15:guide id="1" orient="horz" pos="2880">
           <p15:clr>
             <a:srgbClr val="A4A3A4"/>
@@ -355,6 +355,11 @@
         </p:txBody>
       </p:sp>
     </p:spTree>
+    <p:extLst>
+      <p:ext uri="{BB962C8B-B14F-4D97-AF65-F5344CB8AC3E}">
+        <p14:creationId xmlns:p14="http://schemas.microsoft.com/office/powerpoint/2010/main" val="2446057549"/>
+      </p:ext>
+    </p:extLst>
   </p:cSld>
   <p:clrMap bg1="lt1" tx1="dk1" bg2="lt2" tx2="dk2" accent1="accent1" accent2="accent2" accent3="accent3" accent4="accent4" accent5="accent5" accent6="accent6" hlink="hlink" folHlink="folHlink"/>
 </p:handoutMaster>
@@ -607,6 +612,11 @@
         </p:txBody>
       </p:sp>
     </p:spTree>
+    <p:extLst>
+      <p:ext uri="{BB962C8B-B14F-4D97-AF65-F5344CB8AC3E}">
+        <p14:creationId xmlns:p14="http://schemas.microsoft.com/office/powerpoint/2010/main" val="778612049"/>
+      </p:ext>
+    </p:extLst>
   </p:cSld>
   <p:clrMap bg1="lt1" tx1="dk1" bg2="lt2" tx2="dk2" accent1="accent1" accent2="accent2" accent3="accent3" accent4="accent4" accent5="accent5" accent6="accent6" hlink="hlink" folHlink="folHlink"/>
   <p:notesStyle>
@@ -8567,7 +8577,7 @@
       </p:sp>
       <p:pic>
         <p:nvPicPr>
-          <p:cNvPr id="1026" name="Picture 2" descr="C:\Users\ADMINI~1\AppData\Local\Temp\WeChat Files\f57d71638bb0ac02dd57ff5965d5d6d.png"/>
+          <p:cNvPr id="8" name="Picture 2" descr="https://timgsa.baidu.com/timg?image&amp;quality=80&amp;size=b9999_10000&amp;sec=1541164890607&amp;di=5bcce74a1c3b28e04bba46e74f9fa9ad&amp;imgtype=0&amp;src=http%3A%2F%2Fimg3.itboth.com%2F80%2F81%2FuueUNv.jpeg"/>
           <p:cNvPicPr>
             <a:picLocks noChangeAspect="1" noChangeArrowheads="1"/>
           </p:cNvPicPr>
@@ -8589,7 +8599,7 @@
         <p:spPr bwMode="auto">
           <a:xfrm>
             <a:off x="6527254" y="1717236"/>
-            <a:ext cx="4937562" cy="3224726"/>
+            <a:ext cx="5572211" cy="4059182"/>
           </a:xfrm>
           <a:prstGeom prst="rect">
             <a:avLst/>
@@ -12466,7 +12476,7 @@
       </p:sp>
       <p:pic>
         <p:nvPicPr>
-          <p:cNvPr id="1026" name="Picture 2" descr="C:\Users\ADMINI~1\AppData\Local\Temp\WeChat Files\f57d71638bb0ac02dd57ff5965d5d6d.png"/>
+          <p:cNvPr id="14" name="Picture 2" descr="https://timgsa.baidu.com/timg?image&amp;quality=80&amp;size=b9999_10000&amp;sec=1541164890607&amp;di=5bcce74a1c3b28e04bba46e74f9fa9ad&amp;imgtype=0&amp;src=http%3A%2F%2Fimg3.itboth.com%2F80%2F81%2FuueUNv.jpeg"/>
           <p:cNvPicPr>
             <a:picLocks noChangeAspect="1" noChangeArrowheads="1"/>
           </p:cNvPicPr>
@@ -12488,7 +12498,7 @@
         <p:spPr bwMode="auto">
           <a:xfrm>
             <a:off x="6527254" y="1717236"/>
-            <a:ext cx="4937562" cy="3224726"/>
+            <a:ext cx="5572211" cy="4059182"/>
           </a:xfrm>
           <a:prstGeom prst="rect">
             <a:avLst/>
@@ -13638,9 +13648,38 @@
           </a:extLst>
         </p:spPr>
       </p:pic>
+      <p:sp>
+        <p:nvSpPr>
+          <p:cNvPr id="9" name="TextBox 8"/>
+          <p:cNvSpPr txBox="1"/>
+          <p:nvPr/>
+        </p:nvSpPr>
+        <p:spPr>
+          <a:xfrm>
+            <a:off x="6311230" y="1989634"/>
+            <a:ext cx="4032448" cy="738664"/>
+          </a:xfrm>
+          <a:prstGeom prst="rect">
+            <a:avLst/>
+          </a:prstGeom>
+          <a:noFill/>
+        </p:spPr>
+        <p:txBody>
+          <a:bodyPr wrap="square" rtlCol="0">
+            <a:spAutoFit/>
+          </a:bodyPr>
+          <a:lstStyle/>
+          <a:p>
+            <a:r>
+              <a:rPr lang="zh-CN" altLang="en-US" dirty="0"/>
+              <a:t>控制焦点是指活动者或对象处于执行状态的时间段。</a:t>
+            </a:r>
+          </a:p>
+        </p:txBody>
+      </p:sp>
       <p:pic>
         <p:nvPicPr>
-          <p:cNvPr id="3077" name="Picture 5"/>
+          <p:cNvPr id="1026" name="Picture 2"/>
           <p:cNvPicPr>
             <a:picLocks noChangeAspect="1" noChangeArrowheads="1"/>
           </p:cNvPicPr>
@@ -13661,8 +13700,8 @@
         </p:blipFill>
         <p:spPr bwMode="auto">
           <a:xfrm>
-            <a:off x="6464963" y="3285778"/>
-            <a:ext cx="3966711" cy="2590662"/>
+            <a:off x="6348105" y="2853730"/>
+            <a:ext cx="4200428" cy="3059881"/>
           </a:xfrm>
           <a:prstGeom prst="rect">
             <a:avLst/>
@@ -13692,35 +13731,6 @@
           </a:extLst>
         </p:spPr>
       </p:pic>
-      <p:sp>
-        <p:nvSpPr>
-          <p:cNvPr id="9" name="TextBox 8"/>
-          <p:cNvSpPr txBox="1"/>
-          <p:nvPr/>
-        </p:nvSpPr>
-        <p:spPr>
-          <a:xfrm>
-            <a:off x="6311230" y="1989634"/>
-            <a:ext cx="4032448" cy="738664"/>
-          </a:xfrm>
-          <a:prstGeom prst="rect">
-            <a:avLst/>
-          </a:prstGeom>
-          <a:noFill/>
-        </p:spPr>
-        <p:txBody>
-          <a:bodyPr wrap="square" rtlCol="0">
-            <a:spAutoFit/>
-          </a:bodyPr>
-          <a:lstStyle/>
-          <a:p>
-            <a:r>
-              <a:rPr lang="zh-CN" altLang="en-US" dirty="0"/>
-              <a:t>控制焦点是指活动者或对象处于执行状态的时间段。</a:t>
-            </a:r>
-          </a:p>
-        </p:txBody>
-      </p:sp>
     </p:spTree>
   </p:cSld>
   <p:clrMapOvr>
@@ -14091,7 +14101,7 @@
         <p:spPr>
           <a:xfrm>
             <a:off x="405603" y="1600890"/>
-            <a:ext cx="10369152" cy="4892675"/>
+            <a:ext cx="10369152" cy="4185761"/>
           </a:xfrm>
           <a:prstGeom prst="rect">
             <a:avLst/>
@@ -14105,96 +14115,96 @@
           <a:lstStyle/>
           <a:p>
             <a:r>
-              <a:rPr lang="zh-CN" altLang="en-US" sz="2000" dirty="0"/>
+              <a:rPr lang="zh-CN" altLang="en-US" sz="1800" dirty="0"/>
               <a:t>消息用于描述对象间交互的方式及内容。</a:t>
             </a:r>
           </a:p>
           <a:p>
             <a:r>
-              <a:rPr lang="zh-CN" altLang="en-US" sz="2000" dirty="0"/>
+              <a:rPr lang="zh-CN" altLang="en-US" sz="1800" dirty="0"/>
               <a:t>消息分为四种：同步消息、异步消息、返回消息、自关联消息</a:t>
             </a:r>
           </a:p>
           <a:p>
             <a:r>
-              <a:rPr lang="en-US" altLang="zh-CN" sz="2000" dirty="0"/>
+              <a:rPr lang="en-US" altLang="zh-CN" sz="1800" dirty="0"/>
               <a:t>1.</a:t>
             </a:r>
             <a:r>
-              <a:rPr lang="zh-CN" altLang="en-US" sz="2000" dirty="0"/>
+              <a:rPr lang="zh-CN" altLang="en-US" sz="1800" dirty="0"/>
               <a:t>同步消息：一个对象向另一个对象发出同步消息后，将处于阻塞状态，一直等到另一个对象的回应。</a:t>
             </a:r>
           </a:p>
           <a:p>
             <a:r>
-              <a:rPr lang="zh-CN" altLang="en-US" sz="2000" dirty="0"/>
+              <a:rPr lang="zh-CN" altLang="en-US" sz="1800" dirty="0"/>
               <a:t>表示方式：</a:t>
             </a:r>
-            <a:endParaRPr lang="en-US" altLang="zh-CN" sz="2000" dirty="0"/>
+            <a:endParaRPr lang="en-US" altLang="zh-CN" sz="1800" dirty="0"/>
           </a:p>
           <a:p>
-            <a:endParaRPr lang="en-US" altLang="zh-CN" sz="2000" dirty="0"/>
+            <a:endParaRPr lang="en-US" altLang="zh-CN" sz="1800" dirty="0"/>
           </a:p>
           <a:p>
             <a:r>
-              <a:rPr lang="en-US" altLang="zh-CN" sz="2000" dirty="0"/>
+              <a:rPr lang="en-US" altLang="zh-CN" sz="1800" dirty="0"/>
               <a:t>2.</a:t>
             </a:r>
             <a:r>
-              <a:rPr lang="zh-CN" altLang="en-US" sz="2000" dirty="0"/>
+              <a:rPr lang="zh-CN" altLang="en-US" sz="1800" dirty="0"/>
               <a:t>异步消息：一个对象向另一个对象发出异步消息后，这个对象可以进行其他的操作，不需要等到另一个对象的响应。</a:t>
             </a:r>
           </a:p>
           <a:p>
             <a:r>
-              <a:rPr lang="zh-CN" altLang="en-US" sz="2000" dirty="0"/>
+              <a:rPr lang="zh-CN" altLang="en-US" sz="1800" dirty="0"/>
               <a:t>表示方式：</a:t>
             </a:r>
-            <a:endParaRPr lang="en-US" altLang="zh-CN" sz="2000" dirty="0"/>
+            <a:endParaRPr lang="en-US" altLang="zh-CN" sz="1800" dirty="0"/>
           </a:p>
           <a:p>
-            <a:endParaRPr lang="zh-CN" altLang="en-US" sz="2000" dirty="0"/>
+            <a:endParaRPr lang="zh-CN" altLang="en-US" sz="1800" dirty="0"/>
           </a:p>
           <a:p>
             <a:r>
-              <a:rPr lang="en-US" altLang="zh-CN" sz="2000" dirty="0"/>
+              <a:rPr lang="en-US" altLang="zh-CN" sz="1800" dirty="0"/>
               <a:t>3.</a:t>
             </a:r>
             <a:r>
-              <a:rPr lang="zh-CN" altLang="en-US" sz="2000" dirty="0"/>
+              <a:rPr lang="zh-CN" altLang="en-US" sz="1800" dirty="0"/>
               <a:t>返回消息：同步消息的返回消息</a:t>
             </a:r>
           </a:p>
           <a:p>
             <a:r>
-              <a:rPr lang="zh-CN" altLang="en-US" sz="2000" dirty="0"/>
+              <a:rPr lang="zh-CN" altLang="en-US" sz="1800" dirty="0"/>
               <a:t>表示方式：</a:t>
             </a:r>
-            <a:endParaRPr lang="en-US" altLang="zh-CN" sz="2000" dirty="0"/>
+            <a:endParaRPr lang="en-US" altLang="zh-CN" sz="1800" dirty="0"/>
           </a:p>
           <a:p>
-            <a:endParaRPr lang="zh-CN" altLang="en-US" sz="2000" dirty="0"/>
+            <a:endParaRPr lang="zh-CN" altLang="en-US" sz="1800" dirty="0"/>
           </a:p>
           <a:p>
             <a:r>
-              <a:rPr lang="en-US" altLang="zh-CN" sz="2000" dirty="0"/>
+              <a:rPr lang="en-US" altLang="zh-CN" sz="1800" dirty="0"/>
               <a:t>4.</a:t>
             </a:r>
             <a:r>
-              <a:rPr lang="zh-CN" altLang="en-US" sz="2000" dirty="0"/>
+              <a:rPr lang="zh-CN" altLang="en-US" sz="1800" dirty="0"/>
               <a:t>自关联消息：用来描述对象内部函数的互相调用。</a:t>
             </a:r>
-            <a:endParaRPr lang="zh-CN" altLang="en-US" sz="1600" dirty="0"/>
+            <a:endParaRPr lang="zh-CN" altLang="en-US" sz="1400" dirty="0"/>
           </a:p>
           <a:p>
             <a:r>
-              <a:rPr lang="zh-CN" altLang="en-US" sz="1600" dirty="0"/>
+              <a:rPr lang="zh-CN" altLang="en-US" sz="1400" dirty="0"/>
               <a:t>表示方式：</a:t>
             </a:r>
-            <a:endParaRPr lang="en-US" altLang="zh-CN" sz="1600" dirty="0"/>
+            <a:endParaRPr lang="en-US" altLang="zh-CN" sz="1400" dirty="0"/>
           </a:p>
           <a:p>
-            <a:endParaRPr lang="zh-CN" altLang="en-US" sz="1600" dirty="0"/>
+            <a:endParaRPr lang="zh-CN" altLang="en-US" sz="1400" dirty="0"/>
           </a:p>
         </p:txBody>
       </p:sp>
@@ -14221,7 +14231,7 @@
         </p:blipFill>
         <p:spPr bwMode="auto">
           <a:xfrm>
-            <a:off x="1845588" y="2794551"/>
+            <a:off x="1774726" y="2493690"/>
             <a:ext cx="1943100" cy="323850"/>
           </a:xfrm>
           <a:prstGeom prst="rect">
@@ -14275,7 +14285,7 @@
         </p:blipFill>
         <p:spPr bwMode="auto">
           <a:xfrm>
-            <a:off x="3615968" y="3644265"/>
+            <a:off x="1656671" y="3541370"/>
             <a:ext cx="1962150" cy="304800"/>
           </a:xfrm>
           <a:prstGeom prst="rect">
@@ -14329,7 +14339,7 @@
         </p:blipFill>
         <p:spPr bwMode="auto">
           <a:xfrm>
-            <a:off x="5076499" y="4304303"/>
+            <a:off x="1788534" y="4437906"/>
             <a:ext cx="1724025" cy="419100"/>
           </a:xfrm>
           <a:prstGeom prst="rect">
@@ -14383,7 +14393,7 @@
         </p:blipFill>
         <p:spPr bwMode="auto">
           <a:xfrm>
-            <a:off x="2083718" y="4990331"/>
+            <a:off x="5807174" y="4877584"/>
             <a:ext cx="923925" cy="1247775"/>
           </a:xfrm>
           <a:prstGeom prst="rect">
@@ -14772,47 +14782,6 @@
           </p:sp>
         </p:grpSp>
       </p:grpSp>
-      <p:pic>
-        <p:nvPicPr>
-          <p:cNvPr id="1026" name="Picture 2" descr="C:\Users\ADMINI~1\AppData\Local\Temp\WeChat Files\f57d71638bb0ac02dd57ff5965d5d6d.png"/>
-          <p:cNvPicPr>
-            <a:picLocks noChangeAspect="1" noChangeArrowheads="1"/>
-          </p:cNvPicPr>
-          <p:nvPr/>
-        </p:nvPicPr>
-        <p:blipFill>
-          <a:blip r:embed="rId2">
-            <a:extLst>
-              <a:ext uri="{28A0092B-C50C-407E-A947-70E740481C1C}">
-                <a14:useLocalDpi xmlns:a14="http://schemas.microsoft.com/office/drawing/2010/main" val="0"/>
-              </a:ext>
-            </a:extLst>
-          </a:blip>
-          <a:srcRect/>
-          <a:stretch>
-            <a:fillRect/>
-          </a:stretch>
-        </p:blipFill>
-        <p:spPr bwMode="auto">
-          <a:xfrm>
-            <a:off x="6527254" y="1717236"/>
-            <a:ext cx="4937562" cy="3224726"/>
-          </a:xfrm>
-          <a:prstGeom prst="rect">
-            <a:avLst/>
-          </a:prstGeom>
-          <a:noFill/>
-          <a:extLst>
-            <a:ext uri="{909E8E84-426E-40DD-AFC4-6F175D3DCCD1}">
-              <a14:hiddenFill xmlns:a14="http://schemas.microsoft.com/office/drawing/2010/main">
-                <a:solidFill>
-                  <a:srgbClr val="FFFFFF"/>
-                </a:solidFill>
-              </a14:hiddenFill>
-            </a:ext>
-          </a:extLst>
-        </p:spPr>
-      </p:pic>
       <p:sp>
         <p:nvSpPr>
           <p:cNvPr id="8" name="TextBox 7"/>
@@ -14949,6 +14918,47 @@
           </a:p>
         </p:txBody>
       </p:sp>
+      <p:pic>
+        <p:nvPicPr>
+          <p:cNvPr id="13" name="Picture 2" descr="https://timgsa.baidu.com/timg?image&amp;quality=80&amp;size=b9999_10000&amp;sec=1541164890607&amp;di=5bcce74a1c3b28e04bba46e74f9fa9ad&amp;imgtype=0&amp;src=http%3A%2F%2Fimg3.itboth.com%2F80%2F81%2FuueUNv.jpeg"/>
+          <p:cNvPicPr>
+            <a:picLocks noChangeAspect="1" noChangeArrowheads="1"/>
+          </p:cNvPicPr>
+          <p:nvPr/>
+        </p:nvPicPr>
+        <p:blipFill>
+          <a:blip r:embed="rId2">
+            <a:extLst>
+              <a:ext uri="{28A0092B-C50C-407E-A947-70E740481C1C}">
+                <a14:useLocalDpi xmlns:a14="http://schemas.microsoft.com/office/drawing/2010/main" val="0"/>
+              </a:ext>
+            </a:extLst>
+          </a:blip>
+          <a:srcRect/>
+          <a:stretch>
+            <a:fillRect/>
+          </a:stretch>
+        </p:blipFill>
+        <p:spPr bwMode="auto">
+          <a:xfrm>
+            <a:off x="6527254" y="1717236"/>
+            <a:ext cx="5572211" cy="4059182"/>
+          </a:xfrm>
+          <a:prstGeom prst="rect">
+            <a:avLst/>
+          </a:prstGeom>
+          <a:noFill/>
+          <a:extLst>
+            <a:ext uri="{909E8E84-426E-40DD-AFC4-6F175D3DCCD1}">
+              <a14:hiddenFill xmlns:a14="http://schemas.microsoft.com/office/drawing/2010/main">
+                <a:solidFill>
+                  <a:srgbClr val="FFFFFF"/>
+                </a:solidFill>
+              </a14:hiddenFill>
+            </a:ext>
+          </a:extLst>
+        </p:spPr>
+      </p:pic>
     </p:spTree>
   </p:cSld>
   <p:clrMapOvr>
@@ -24385,14 +24395,14 @@
                 <a:gridCol w="2738864">
                   <a:extLst>
                     <a:ext uri="{9D8B030D-6E8A-4147-A177-3AD203B41FA5}">
-                      <a16:colId xmlns:a16="http://schemas.microsoft.com/office/drawing/2014/main" val="20000"/>
+                      <a16:colId xmlns="" xmlns:a16="http://schemas.microsoft.com/office/drawing/2014/main" val="20000"/>
                     </a:ext>
                   </a:extLst>
                 </a:gridCol>
                 <a:gridCol w="4245610">
                   <a:extLst>
                     <a:ext uri="{9D8B030D-6E8A-4147-A177-3AD203B41FA5}">
-                      <a16:colId xmlns:a16="http://schemas.microsoft.com/office/drawing/2014/main" val="20001"/>
+                      <a16:colId xmlns="" xmlns:a16="http://schemas.microsoft.com/office/drawing/2014/main" val="20001"/>
                     </a:ext>
                   </a:extLst>
                 </a:gridCol>
@@ -24582,7 +24592,7 @@
                 </a:tc>
                 <a:extLst>
                   <a:ext uri="{0D108BD9-81ED-4DB2-BD59-A6C34878D82A}">
-                    <a16:rowId xmlns:a16="http://schemas.microsoft.com/office/drawing/2014/main" val="10000"/>
+                    <a16:rowId xmlns="" xmlns:a16="http://schemas.microsoft.com/office/drawing/2014/main" val="10000"/>
                   </a:ext>
                 </a:extLst>
               </a:tr>
@@ -24678,7 +24688,7 @@
                 </a:tc>
                 <a:extLst>
                   <a:ext uri="{0D108BD9-81ED-4DB2-BD59-A6C34878D82A}">
-                    <a16:rowId xmlns:a16="http://schemas.microsoft.com/office/drawing/2014/main" val="10001"/>
+                    <a16:rowId xmlns="" xmlns:a16="http://schemas.microsoft.com/office/drawing/2014/main" val="10001"/>
                   </a:ext>
                 </a:extLst>
               </a:tr>
@@ -25098,21 +25108,21 @@
                 <a:gridCol w="1895475">
                   <a:extLst>
                     <a:ext uri="{9D8B030D-6E8A-4147-A177-3AD203B41FA5}">
-                      <a16:colId xmlns:a16="http://schemas.microsoft.com/office/drawing/2014/main" val="20000"/>
+                      <a16:colId xmlns="" xmlns:a16="http://schemas.microsoft.com/office/drawing/2014/main" val="20000"/>
                     </a:ext>
                   </a:extLst>
                 </a:gridCol>
                 <a:gridCol w="2937510">
                   <a:extLst>
                     <a:ext uri="{9D8B030D-6E8A-4147-A177-3AD203B41FA5}">
-                      <a16:colId xmlns:a16="http://schemas.microsoft.com/office/drawing/2014/main" val="20001"/>
+                      <a16:colId xmlns="" xmlns:a16="http://schemas.microsoft.com/office/drawing/2014/main" val="20001"/>
                     </a:ext>
                   </a:extLst>
                 </a:gridCol>
                 <a:gridCol w="2938145">
                   <a:extLst>
                     <a:ext uri="{9D8B030D-6E8A-4147-A177-3AD203B41FA5}">
-                      <a16:colId xmlns:a16="http://schemas.microsoft.com/office/drawing/2014/main" val="20002"/>
+                      <a16:colId xmlns="" xmlns:a16="http://schemas.microsoft.com/office/drawing/2014/main" val="20002"/>
                     </a:ext>
                   </a:extLst>
                 </a:gridCol>
@@ -25199,7 +25209,7 @@
                 </a:tc>
                 <a:extLst>
                   <a:ext uri="{0D108BD9-81ED-4DB2-BD59-A6C34878D82A}">
-                    <a16:rowId xmlns:a16="http://schemas.microsoft.com/office/drawing/2014/main" val="10000"/>
+                    <a16:rowId xmlns="" xmlns:a16="http://schemas.microsoft.com/office/drawing/2014/main" val="10000"/>
                   </a:ext>
                 </a:extLst>
               </a:tr>
@@ -25274,7 +25284,7 @@
                 </a:tc>
                 <a:extLst>
                   <a:ext uri="{0D108BD9-81ED-4DB2-BD59-A6C34878D82A}">
-                    <a16:rowId xmlns:a16="http://schemas.microsoft.com/office/drawing/2014/main" val="10001"/>
+                    <a16:rowId xmlns="" xmlns:a16="http://schemas.microsoft.com/office/drawing/2014/main" val="10001"/>
                   </a:ext>
                 </a:extLst>
               </a:tr>
@@ -25362,7 +25372,7 @@
                 </a:tc>
                 <a:extLst>
                   <a:ext uri="{0D108BD9-81ED-4DB2-BD59-A6C34878D82A}">
-                    <a16:rowId xmlns:a16="http://schemas.microsoft.com/office/drawing/2014/main" val="10002"/>
+                    <a16:rowId xmlns="" xmlns:a16="http://schemas.microsoft.com/office/drawing/2014/main" val="10002"/>
                   </a:ext>
                 </a:extLst>
               </a:tr>
@@ -25467,7 +25477,7 @@
                 </a:tc>
                 <a:extLst>
                   <a:ext uri="{0D108BD9-81ED-4DB2-BD59-A6C34878D82A}">
-                    <a16:rowId xmlns:a16="http://schemas.microsoft.com/office/drawing/2014/main" val="10003"/>
+                    <a16:rowId xmlns="" xmlns:a16="http://schemas.microsoft.com/office/drawing/2014/main" val="10003"/>
                   </a:ext>
                 </a:extLst>
               </a:tr>
@@ -25555,7 +25565,7 @@
                 </a:tc>
                 <a:extLst>
                   <a:ext uri="{0D108BD9-81ED-4DB2-BD59-A6C34878D82A}">
-                    <a16:rowId xmlns:a16="http://schemas.microsoft.com/office/drawing/2014/main" val="10004"/>
+                    <a16:rowId xmlns="" xmlns:a16="http://schemas.microsoft.com/office/drawing/2014/main" val="10004"/>
                   </a:ext>
                 </a:extLst>
               </a:tr>
@@ -28924,14 +28934,14 @@
                 <a:gridCol w="1596390">
                   <a:extLst>
                     <a:ext uri="{9D8B030D-6E8A-4147-A177-3AD203B41FA5}">
-                      <a16:colId xmlns:a16="http://schemas.microsoft.com/office/drawing/2014/main" val="20000"/>
+                      <a16:colId xmlns="" xmlns:a16="http://schemas.microsoft.com/office/drawing/2014/main" val="20000"/>
                     </a:ext>
                   </a:extLst>
                 </a:gridCol>
                 <a:gridCol w="3658870">
                   <a:extLst>
                     <a:ext uri="{9D8B030D-6E8A-4147-A177-3AD203B41FA5}">
-                      <a16:colId xmlns:a16="http://schemas.microsoft.com/office/drawing/2014/main" val="20001"/>
+                      <a16:colId xmlns="" xmlns:a16="http://schemas.microsoft.com/office/drawing/2014/main" val="20001"/>
                     </a:ext>
                   </a:extLst>
                 </a:gridCol>
@@ -28993,7 +29003,7 @@
                 </a:tc>
                 <a:extLst>
                   <a:ext uri="{0D108BD9-81ED-4DB2-BD59-A6C34878D82A}">
-                    <a16:rowId xmlns:a16="http://schemas.microsoft.com/office/drawing/2014/main" val="10000"/>
+                    <a16:rowId xmlns="" xmlns:a16="http://schemas.microsoft.com/office/drawing/2014/main" val="10000"/>
                   </a:ext>
                 </a:extLst>
               </a:tr>
@@ -29032,7 +29042,7 @@
                 </a:tc>
                 <a:extLst>
                   <a:ext uri="{0D108BD9-81ED-4DB2-BD59-A6C34878D82A}">
-                    <a16:rowId xmlns:a16="http://schemas.microsoft.com/office/drawing/2014/main" val="10001"/>
+                    <a16:rowId xmlns="" xmlns:a16="http://schemas.microsoft.com/office/drawing/2014/main" val="10001"/>
                   </a:ext>
                 </a:extLst>
               </a:tr>
@@ -29071,7 +29081,7 @@
                 </a:tc>
                 <a:extLst>
                   <a:ext uri="{0D108BD9-81ED-4DB2-BD59-A6C34878D82A}">
-                    <a16:rowId xmlns:a16="http://schemas.microsoft.com/office/drawing/2014/main" val="10002"/>
+                    <a16:rowId xmlns="" xmlns:a16="http://schemas.microsoft.com/office/drawing/2014/main" val="10002"/>
                   </a:ext>
                 </a:extLst>
               </a:tr>
@@ -29110,7 +29120,7 @@
                 </a:tc>
                 <a:extLst>
                   <a:ext uri="{0D108BD9-81ED-4DB2-BD59-A6C34878D82A}">
-                    <a16:rowId xmlns:a16="http://schemas.microsoft.com/office/drawing/2014/main" val="10003"/>
+                    <a16:rowId xmlns="" xmlns:a16="http://schemas.microsoft.com/office/drawing/2014/main" val="10003"/>
                   </a:ext>
                 </a:extLst>
               </a:tr>
@@ -29149,7 +29159,7 @@
                 </a:tc>
                 <a:extLst>
                   <a:ext uri="{0D108BD9-81ED-4DB2-BD59-A6C34878D82A}">
-                    <a16:rowId xmlns:a16="http://schemas.microsoft.com/office/drawing/2014/main" val="10004"/>
+                    <a16:rowId xmlns="" xmlns:a16="http://schemas.microsoft.com/office/drawing/2014/main" val="10004"/>
                   </a:ext>
                 </a:extLst>
               </a:tr>
@@ -29188,7 +29198,7 @@
                 </a:tc>
                 <a:extLst>
                   <a:ext uri="{0D108BD9-81ED-4DB2-BD59-A6C34878D82A}">
-                    <a16:rowId xmlns:a16="http://schemas.microsoft.com/office/drawing/2014/main" val="10005"/>
+                    <a16:rowId xmlns="" xmlns:a16="http://schemas.microsoft.com/office/drawing/2014/main" val="10005"/>
                   </a:ext>
                 </a:extLst>
               </a:tr>
@@ -29227,7 +29237,7 @@
                 </a:tc>
                 <a:extLst>
                   <a:ext uri="{0D108BD9-81ED-4DB2-BD59-A6C34878D82A}">
-                    <a16:rowId xmlns:a16="http://schemas.microsoft.com/office/drawing/2014/main" val="10006"/>
+                    <a16:rowId xmlns="" xmlns:a16="http://schemas.microsoft.com/office/drawing/2014/main" val="10006"/>
                   </a:ext>
                 </a:extLst>
               </a:tr>
@@ -29266,7 +29276,7 @@
                 </a:tc>
                 <a:extLst>
                   <a:ext uri="{0D108BD9-81ED-4DB2-BD59-A6C34878D82A}">
-                    <a16:rowId xmlns:a16="http://schemas.microsoft.com/office/drawing/2014/main" val="10007"/>
+                    <a16:rowId xmlns="" xmlns:a16="http://schemas.microsoft.com/office/drawing/2014/main" val="10007"/>
                   </a:ext>
                 </a:extLst>
               </a:tr>
@@ -29302,7 +29312,7 @@
                 </a:tc>
                 <a:extLst>
                   <a:ext uri="{0D108BD9-81ED-4DB2-BD59-A6C34878D82A}">
-                    <a16:rowId xmlns:a16="http://schemas.microsoft.com/office/drawing/2014/main" val="10008"/>
+                    <a16:rowId xmlns="" xmlns:a16="http://schemas.microsoft.com/office/drawing/2014/main" val="10008"/>
                   </a:ext>
                 </a:extLst>
               </a:tr>
@@ -30593,7 +30603,7 @@
   <a:extraClrSchemeLst/>
   <a:extLst>
     <a:ext uri="{05A4C25C-085E-4340-85A3-A5531E510DB2}">
-      <thm15:themeFamily xmlns:thm15="http://schemas.microsoft.com/office/thememl/2012/main" name="Office Theme" id="{62F939B6-93AF-4DB8-9C6B-D6C7DFDC589F}" vid="{4A3C46E8-61CC-4603-A589-7422A47A8E4A}"/>
+      <thm15:themeFamily xmlns="" xmlns:thm15="http://schemas.microsoft.com/office/thememl/2012/main" name="Office Theme" id="{62F939B6-93AF-4DB8-9C6B-D6C7DFDC589F}" vid="{4A3C46E8-61CC-4603-A589-7422A47A8E4A}"/>
     </a:ext>
   </a:extLst>
 </a:theme>
@@ -30883,7 +30893,7 @@
   <a:extraClrSchemeLst/>
   <a:extLst>
     <a:ext uri="{05A4C25C-085E-4340-85A3-A5531E510DB2}">
-      <thm15:themeFamily xmlns:thm15="http://schemas.microsoft.com/office/thememl/2012/main" name="Office Theme" id="{62F939B6-93AF-4DB8-9C6B-D6C7DFDC589F}" vid="{4A3C46E8-61CC-4603-A589-7422A47A8E4A}"/>
+      <thm15:themeFamily xmlns="" xmlns:thm15="http://schemas.microsoft.com/office/thememl/2012/main" name="Office Theme" id="{62F939B6-93AF-4DB8-9C6B-D6C7DFDC589F}" vid="{4A3C46E8-61CC-4603-A589-7422A47A8E4A}"/>
     </a:ext>
   </a:extLst>
 </a:theme>
@@ -31173,7 +31183,7 @@
   <a:extraClrSchemeLst/>
   <a:extLst>
     <a:ext uri="{05A4C25C-085E-4340-85A3-A5531E510DB2}">
-      <thm15:themeFamily xmlns:thm15="http://schemas.microsoft.com/office/thememl/2012/main" name="Office Theme" id="{62F939B6-93AF-4DB8-9C6B-D6C7DFDC589F}" vid="{4A3C46E8-61CC-4603-A589-7422A47A8E4A}"/>
+      <thm15:themeFamily xmlns="" xmlns:thm15="http://schemas.microsoft.com/office/thememl/2012/main" name="Office Theme" id="{62F939B6-93AF-4DB8-9C6B-D6C7DFDC589F}" vid="{4A3C46E8-61CC-4603-A589-7422A47A8E4A}"/>
     </a:ext>
   </a:extLst>
 </a:theme>
